--- a/doc/designDoc.pptx
+++ b/doc/designDoc.pptx
@@ -4,8 +4,14 @@
   <p:sldMasterIdLst>
     <p:sldMasterId id="2147483648" r:id="rId1"/>
   </p:sldMasterIdLst>
+  <p:notesMasterIdLst>
+    <p:notesMasterId r:id="rId6"/>
+  </p:notesMasterIdLst>
   <p:sldIdLst>
     <p:sldId id="256" r:id="rId2"/>
+    <p:sldId id="257" r:id="rId3"/>
+    <p:sldId id="258" r:id="rId4"/>
+    <p:sldId id="259" r:id="rId5"/>
   </p:sldIdLst>
   <p:sldSz cx="12192000" cy="6858000"/>
   <p:notesSz cx="6858000" cy="9144000"/>
@@ -104,7 +110,446 @@
       </a:defRPr>
     </a:lvl9pPr>
   </p:defaultTextStyle>
+  <p:extLst>
+    <p:ext uri="{EFAFB233-063F-42B5-8137-9DF3F51BA10A}">
+      <p15:sldGuideLst xmlns:p15="http://schemas.microsoft.com/office/powerpoint/2012/main"/>
+    </p:ext>
+  </p:extLst>
 </p:presentation>
+</file>
+
+<file path=ppt/notesMasters/notesMaster1.xml><?xml version="1.0" encoding="utf-8"?>
+<p:notesMaster xmlns:a="http://schemas.openxmlformats.org/drawingml/2006/main" xmlns:r="http://schemas.openxmlformats.org/officeDocument/2006/relationships" xmlns:p="http://schemas.openxmlformats.org/presentationml/2006/main">
+  <p:cSld>
+    <p:bg>
+      <p:bgRef idx="1001">
+        <a:schemeClr val="bg1"/>
+      </p:bgRef>
+    </p:bg>
+    <p:spTree>
+      <p:nvGrpSpPr>
+        <p:cNvPr id="1" name=""/>
+        <p:cNvGrpSpPr/>
+        <p:nvPr/>
+      </p:nvGrpSpPr>
+      <p:grpSpPr>
+        <a:xfrm>
+          <a:off x="0" y="0"/>
+          <a:ext cx="0" cy="0"/>
+          <a:chOff x="0" y="0"/>
+          <a:chExt cx="0" cy="0"/>
+        </a:xfrm>
+      </p:grpSpPr>
+      <p:sp>
+        <p:nvSpPr>
+          <p:cNvPr id="2" name="Header Placeholder 1"/>
+          <p:cNvSpPr>
+            <a:spLocks noGrp="1"/>
+          </p:cNvSpPr>
+          <p:nvPr>
+            <p:ph type="hdr" sz="quarter"/>
+          </p:nvPr>
+        </p:nvSpPr>
+        <p:spPr>
+          <a:xfrm>
+            <a:off x="0" y="0"/>
+            <a:ext cx="2971800" cy="458788"/>
+          </a:xfrm>
+          <a:prstGeom prst="rect">
+            <a:avLst/>
+          </a:prstGeom>
+        </p:spPr>
+        <p:txBody>
+          <a:bodyPr vert="horz" lIns="91440" tIns="45720" rIns="91440" bIns="45720" rtlCol="0"/>
+          <a:lstStyle>
+            <a:lvl1pPr algn="l">
+              <a:defRPr sz="1200"/>
+            </a:lvl1pPr>
+          </a:lstStyle>
+          <a:p>
+            <a:endParaRPr lang="en-SG" dirty="0"/>
+          </a:p>
+        </p:txBody>
+      </p:sp>
+      <p:sp>
+        <p:nvSpPr>
+          <p:cNvPr id="3" name="Date Placeholder 2"/>
+          <p:cNvSpPr>
+            <a:spLocks noGrp="1"/>
+          </p:cNvSpPr>
+          <p:nvPr>
+            <p:ph type="dt" idx="1"/>
+          </p:nvPr>
+        </p:nvSpPr>
+        <p:spPr>
+          <a:xfrm>
+            <a:off x="3884613" y="0"/>
+            <a:ext cx="2971800" cy="458788"/>
+          </a:xfrm>
+          <a:prstGeom prst="rect">
+            <a:avLst/>
+          </a:prstGeom>
+        </p:spPr>
+        <p:txBody>
+          <a:bodyPr vert="horz" lIns="91440" tIns="45720" rIns="91440" bIns="45720" rtlCol="0"/>
+          <a:lstStyle>
+            <a:lvl1pPr algn="r">
+              <a:defRPr sz="1200"/>
+            </a:lvl1pPr>
+          </a:lstStyle>
+          <a:p>
+            <a:fld id="{2BA6DB02-48BF-406A-9449-0BBAAE1D3FCC}" type="datetimeFigureOut">
+              <a:rPr lang="en-SG" smtClean="0"/>
+              <a:t>4/1/2023</a:t>
+            </a:fld>
+            <a:endParaRPr lang="en-SG" dirty="0"/>
+          </a:p>
+        </p:txBody>
+      </p:sp>
+      <p:sp>
+        <p:nvSpPr>
+          <p:cNvPr id="4" name="Slide Image Placeholder 3"/>
+          <p:cNvSpPr>
+            <a:spLocks noGrp="1" noRot="1" noChangeAspect="1"/>
+          </p:cNvSpPr>
+          <p:nvPr>
+            <p:ph type="sldImg" idx="2"/>
+          </p:nvPr>
+        </p:nvSpPr>
+        <p:spPr>
+          <a:xfrm>
+            <a:off x="685800" y="1143000"/>
+            <a:ext cx="5486400" cy="3086100"/>
+          </a:xfrm>
+          <a:prstGeom prst="rect">
+            <a:avLst/>
+          </a:prstGeom>
+          <a:noFill/>
+          <a:ln w="12700">
+            <a:solidFill>
+              <a:prstClr val="black"/>
+            </a:solidFill>
+          </a:ln>
+        </p:spPr>
+        <p:txBody>
+          <a:bodyPr vert="horz" lIns="91440" tIns="45720" rIns="91440" bIns="45720" rtlCol="0" anchor="ctr"/>
+          <a:lstStyle/>
+          <a:p>
+            <a:endParaRPr lang="en-SG" dirty="0"/>
+          </a:p>
+        </p:txBody>
+      </p:sp>
+      <p:sp>
+        <p:nvSpPr>
+          <p:cNvPr id="5" name="Notes Placeholder 4"/>
+          <p:cNvSpPr>
+            <a:spLocks noGrp="1"/>
+          </p:cNvSpPr>
+          <p:nvPr>
+            <p:ph type="body" sz="quarter" idx="3"/>
+          </p:nvPr>
+        </p:nvSpPr>
+        <p:spPr>
+          <a:xfrm>
+            <a:off x="685800" y="4400550"/>
+            <a:ext cx="5486400" cy="3600450"/>
+          </a:xfrm>
+          <a:prstGeom prst="rect">
+            <a:avLst/>
+          </a:prstGeom>
+        </p:spPr>
+        <p:txBody>
+          <a:bodyPr vert="horz" lIns="91440" tIns="45720" rIns="91440" bIns="45720" rtlCol="0"/>
+          <a:lstStyle/>
+          <a:p>
+            <a:pPr lvl="0"/>
+            <a:r>
+              <a:rPr lang="en-US"/>
+              <a:t>Click to edit Master text styles</a:t>
+            </a:r>
+          </a:p>
+          <a:p>
+            <a:pPr lvl="1"/>
+            <a:r>
+              <a:rPr lang="en-US"/>
+              <a:t>Second level</a:t>
+            </a:r>
+          </a:p>
+          <a:p>
+            <a:pPr lvl="2"/>
+            <a:r>
+              <a:rPr lang="en-US"/>
+              <a:t>Third level</a:t>
+            </a:r>
+          </a:p>
+          <a:p>
+            <a:pPr lvl="3"/>
+            <a:r>
+              <a:rPr lang="en-US"/>
+              <a:t>Fourth level</a:t>
+            </a:r>
+          </a:p>
+          <a:p>
+            <a:pPr lvl="4"/>
+            <a:r>
+              <a:rPr lang="en-US"/>
+              <a:t>Fifth level</a:t>
+            </a:r>
+            <a:endParaRPr lang="en-SG"/>
+          </a:p>
+        </p:txBody>
+      </p:sp>
+      <p:sp>
+        <p:nvSpPr>
+          <p:cNvPr id="6" name="Footer Placeholder 5"/>
+          <p:cNvSpPr>
+            <a:spLocks noGrp="1"/>
+          </p:cNvSpPr>
+          <p:nvPr>
+            <p:ph type="ftr" sz="quarter" idx="4"/>
+          </p:nvPr>
+        </p:nvSpPr>
+        <p:spPr>
+          <a:xfrm>
+            <a:off x="0" y="8685213"/>
+            <a:ext cx="2971800" cy="458787"/>
+          </a:xfrm>
+          <a:prstGeom prst="rect">
+            <a:avLst/>
+          </a:prstGeom>
+        </p:spPr>
+        <p:txBody>
+          <a:bodyPr vert="horz" lIns="91440" tIns="45720" rIns="91440" bIns="45720" rtlCol="0" anchor="b"/>
+          <a:lstStyle>
+            <a:lvl1pPr algn="l">
+              <a:defRPr sz="1200"/>
+            </a:lvl1pPr>
+          </a:lstStyle>
+          <a:p>
+            <a:endParaRPr lang="en-SG" dirty="0"/>
+          </a:p>
+        </p:txBody>
+      </p:sp>
+      <p:sp>
+        <p:nvSpPr>
+          <p:cNvPr id="7" name="Slide Number Placeholder 6"/>
+          <p:cNvSpPr>
+            <a:spLocks noGrp="1"/>
+          </p:cNvSpPr>
+          <p:nvPr>
+            <p:ph type="sldNum" sz="quarter" idx="5"/>
+          </p:nvPr>
+        </p:nvSpPr>
+        <p:spPr>
+          <a:xfrm>
+            <a:off x="3884613" y="8685213"/>
+            <a:ext cx="2971800" cy="458787"/>
+          </a:xfrm>
+          <a:prstGeom prst="rect">
+            <a:avLst/>
+          </a:prstGeom>
+        </p:spPr>
+        <p:txBody>
+          <a:bodyPr vert="horz" lIns="91440" tIns="45720" rIns="91440" bIns="45720" rtlCol="0" anchor="b"/>
+          <a:lstStyle>
+            <a:lvl1pPr algn="r">
+              <a:defRPr sz="1200"/>
+            </a:lvl1pPr>
+          </a:lstStyle>
+          <a:p>
+            <a:fld id="{3B0C630E-0CE8-4915-8E08-22247CA7F11A}" type="slidenum">
+              <a:rPr lang="en-SG" smtClean="0"/>
+              <a:t>‹#›</a:t>
+            </a:fld>
+            <a:endParaRPr lang="en-SG" dirty="0"/>
+          </a:p>
+        </p:txBody>
+      </p:sp>
+    </p:spTree>
+    <p:extLst>
+      <p:ext uri="{BB962C8B-B14F-4D97-AF65-F5344CB8AC3E}">
+        <p14:creationId xmlns:p14="http://schemas.microsoft.com/office/powerpoint/2010/main" val="3025039075"/>
+      </p:ext>
+    </p:extLst>
+  </p:cSld>
+  <p:clrMap bg1="lt1" tx1="dk1" bg2="lt2" tx2="dk2" accent1="accent1" accent2="accent2" accent3="accent3" accent4="accent4" accent5="accent5" accent6="accent6" hlink="hlink" folHlink="folHlink"/>
+  <p:notesStyle>
+    <a:lvl1pPr marL="0" algn="l" defTabSz="914400" rtl="0" eaLnBrk="1" latinLnBrk="0" hangingPunct="1">
+      <a:defRPr sz="1200" kern="1200">
+        <a:solidFill>
+          <a:schemeClr val="tx1"/>
+        </a:solidFill>
+        <a:latin typeface="+mn-lt"/>
+        <a:ea typeface="+mn-ea"/>
+        <a:cs typeface="+mn-cs"/>
+      </a:defRPr>
+    </a:lvl1pPr>
+    <a:lvl2pPr marL="457200" algn="l" defTabSz="914400" rtl="0" eaLnBrk="1" latinLnBrk="0" hangingPunct="1">
+      <a:defRPr sz="1200" kern="1200">
+        <a:solidFill>
+          <a:schemeClr val="tx1"/>
+        </a:solidFill>
+        <a:latin typeface="+mn-lt"/>
+        <a:ea typeface="+mn-ea"/>
+        <a:cs typeface="+mn-cs"/>
+      </a:defRPr>
+    </a:lvl2pPr>
+    <a:lvl3pPr marL="914400" algn="l" defTabSz="914400" rtl="0" eaLnBrk="1" latinLnBrk="0" hangingPunct="1">
+      <a:defRPr sz="1200" kern="1200">
+        <a:solidFill>
+          <a:schemeClr val="tx1"/>
+        </a:solidFill>
+        <a:latin typeface="+mn-lt"/>
+        <a:ea typeface="+mn-ea"/>
+        <a:cs typeface="+mn-cs"/>
+      </a:defRPr>
+    </a:lvl3pPr>
+    <a:lvl4pPr marL="1371600" algn="l" defTabSz="914400" rtl="0" eaLnBrk="1" latinLnBrk="0" hangingPunct="1">
+      <a:defRPr sz="1200" kern="1200">
+        <a:solidFill>
+          <a:schemeClr val="tx1"/>
+        </a:solidFill>
+        <a:latin typeface="+mn-lt"/>
+        <a:ea typeface="+mn-ea"/>
+        <a:cs typeface="+mn-cs"/>
+      </a:defRPr>
+    </a:lvl4pPr>
+    <a:lvl5pPr marL="1828800" algn="l" defTabSz="914400" rtl="0" eaLnBrk="1" latinLnBrk="0" hangingPunct="1">
+      <a:defRPr sz="1200" kern="1200">
+        <a:solidFill>
+          <a:schemeClr val="tx1"/>
+        </a:solidFill>
+        <a:latin typeface="+mn-lt"/>
+        <a:ea typeface="+mn-ea"/>
+        <a:cs typeface="+mn-cs"/>
+      </a:defRPr>
+    </a:lvl5pPr>
+    <a:lvl6pPr marL="2286000" algn="l" defTabSz="914400" rtl="0" eaLnBrk="1" latinLnBrk="0" hangingPunct="1">
+      <a:defRPr sz="1200" kern="1200">
+        <a:solidFill>
+          <a:schemeClr val="tx1"/>
+        </a:solidFill>
+        <a:latin typeface="+mn-lt"/>
+        <a:ea typeface="+mn-ea"/>
+        <a:cs typeface="+mn-cs"/>
+      </a:defRPr>
+    </a:lvl6pPr>
+    <a:lvl7pPr marL="2743200" algn="l" defTabSz="914400" rtl="0" eaLnBrk="1" latinLnBrk="0" hangingPunct="1">
+      <a:defRPr sz="1200" kern="1200">
+        <a:solidFill>
+          <a:schemeClr val="tx1"/>
+        </a:solidFill>
+        <a:latin typeface="+mn-lt"/>
+        <a:ea typeface="+mn-ea"/>
+        <a:cs typeface="+mn-cs"/>
+      </a:defRPr>
+    </a:lvl7pPr>
+    <a:lvl8pPr marL="3200400" algn="l" defTabSz="914400" rtl="0" eaLnBrk="1" latinLnBrk="0" hangingPunct="1">
+      <a:defRPr sz="1200" kern="1200">
+        <a:solidFill>
+          <a:schemeClr val="tx1"/>
+        </a:solidFill>
+        <a:latin typeface="+mn-lt"/>
+        <a:ea typeface="+mn-ea"/>
+        <a:cs typeface="+mn-cs"/>
+      </a:defRPr>
+    </a:lvl8pPr>
+    <a:lvl9pPr marL="3657600" algn="l" defTabSz="914400" rtl="0" eaLnBrk="1" latinLnBrk="0" hangingPunct="1">
+      <a:defRPr sz="1200" kern="1200">
+        <a:solidFill>
+          <a:schemeClr val="tx1"/>
+        </a:solidFill>
+        <a:latin typeface="+mn-lt"/>
+        <a:ea typeface="+mn-ea"/>
+        <a:cs typeface="+mn-cs"/>
+      </a:defRPr>
+    </a:lvl9pPr>
+  </p:notesStyle>
+</p:notesMaster>
+</file>
+
+<file path=ppt/notesSlides/notesSlide1.xml><?xml version="1.0" encoding="utf-8"?>
+<p:notes xmlns:a="http://schemas.openxmlformats.org/drawingml/2006/main" xmlns:r="http://schemas.openxmlformats.org/officeDocument/2006/relationships" xmlns:p="http://schemas.openxmlformats.org/presentationml/2006/main">
+  <p:cSld>
+    <p:spTree>
+      <p:nvGrpSpPr>
+        <p:cNvPr id="1" name=""/>
+        <p:cNvGrpSpPr/>
+        <p:nvPr/>
+      </p:nvGrpSpPr>
+      <p:grpSpPr>
+        <a:xfrm>
+          <a:off x="0" y="0"/>
+          <a:ext cx="0" cy="0"/>
+          <a:chOff x="0" y="0"/>
+          <a:chExt cx="0" cy="0"/>
+        </a:xfrm>
+      </p:grpSpPr>
+      <p:sp>
+        <p:nvSpPr>
+          <p:cNvPr id="2" name="Slide Image Placeholder 1"/>
+          <p:cNvSpPr>
+            <a:spLocks noGrp="1" noRot="1" noChangeAspect="1"/>
+          </p:cNvSpPr>
+          <p:nvPr>
+            <p:ph type="sldImg"/>
+          </p:nvPr>
+        </p:nvSpPr>
+        <p:spPr/>
+      </p:sp>
+      <p:sp>
+        <p:nvSpPr>
+          <p:cNvPr id="3" name="Notes Placeholder 2"/>
+          <p:cNvSpPr>
+            <a:spLocks noGrp="1"/>
+          </p:cNvSpPr>
+          <p:nvPr>
+            <p:ph type="body" idx="1"/>
+          </p:nvPr>
+        </p:nvSpPr>
+        <p:spPr/>
+        <p:txBody>
+          <a:bodyPr/>
+          <a:lstStyle/>
+          <a:p>
+            <a:endParaRPr lang="en-SG" dirty="0"/>
+          </a:p>
+        </p:txBody>
+      </p:sp>
+      <p:sp>
+        <p:nvSpPr>
+          <p:cNvPr id="4" name="Slide Number Placeholder 3"/>
+          <p:cNvSpPr>
+            <a:spLocks noGrp="1"/>
+          </p:cNvSpPr>
+          <p:nvPr>
+            <p:ph type="sldNum" sz="quarter" idx="5"/>
+          </p:nvPr>
+        </p:nvSpPr>
+        <p:spPr/>
+        <p:txBody>
+          <a:bodyPr/>
+          <a:lstStyle/>
+          <a:p>
+            <a:fld id="{3B0C630E-0CE8-4915-8E08-22247CA7F11A}" type="slidenum">
+              <a:rPr lang="en-SG" smtClean="0"/>
+              <a:t>3</a:t>
+            </a:fld>
+            <a:endParaRPr lang="en-SG" dirty="0"/>
+          </a:p>
+        </p:txBody>
+      </p:sp>
+    </p:spTree>
+    <p:extLst>
+      <p:ext uri="{BB962C8B-B14F-4D97-AF65-F5344CB8AC3E}">
+        <p14:creationId xmlns:p14="http://schemas.microsoft.com/office/powerpoint/2010/main" val="2765088347"/>
+      </p:ext>
+    </p:extLst>
+  </p:cSld>
+  <p:clrMapOvr>
+    <a:masterClrMapping/>
+  </p:clrMapOvr>
+</p:notes>
 </file>
 
 <file path=ppt/slideLayouts/slideLayout1.xml><?xml version="1.0" encoding="utf-8"?>
@@ -256,9 +701,9 @@
           <a:p>
             <a:fld id="{568D23B1-6EF9-4DFF-A006-F22E70A73051}" type="datetimeFigureOut">
               <a:rPr lang="en-SG" smtClean="0"/>
-              <a:t>3/1/2023</a:t>
+              <a:t>4/1/2023</a:t>
             </a:fld>
-            <a:endParaRPr lang="en-SG"/>
+            <a:endParaRPr lang="en-SG" dirty="0"/>
           </a:p>
         </p:txBody>
       </p:sp>
@@ -283,7 +728,7 @@
           <a:bodyPr/>
           <a:lstStyle/>
           <a:p>
-            <a:endParaRPr lang="en-SG"/>
+            <a:endParaRPr lang="en-SG" dirty="0"/>
           </a:p>
         </p:txBody>
       </p:sp>
@@ -312,7 +757,7 @@
               <a:rPr lang="en-SG" smtClean="0"/>
               <a:t>‹#›</a:t>
             </a:fld>
-            <a:endParaRPr lang="en-SG"/>
+            <a:endParaRPr lang="en-SG" dirty="0"/>
           </a:p>
         </p:txBody>
       </p:sp>
@@ -456,9 +901,9 @@
           <a:p>
             <a:fld id="{568D23B1-6EF9-4DFF-A006-F22E70A73051}" type="datetimeFigureOut">
               <a:rPr lang="en-SG" smtClean="0"/>
-              <a:t>3/1/2023</a:t>
+              <a:t>4/1/2023</a:t>
             </a:fld>
-            <a:endParaRPr lang="en-SG"/>
+            <a:endParaRPr lang="en-SG" dirty="0"/>
           </a:p>
         </p:txBody>
       </p:sp>
@@ -483,7 +928,7 @@
           <a:bodyPr/>
           <a:lstStyle/>
           <a:p>
-            <a:endParaRPr lang="en-SG"/>
+            <a:endParaRPr lang="en-SG" dirty="0"/>
           </a:p>
         </p:txBody>
       </p:sp>
@@ -512,7 +957,7 @@
               <a:rPr lang="en-SG" smtClean="0"/>
               <a:t>‹#›</a:t>
             </a:fld>
-            <a:endParaRPr lang="en-SG"/>
+            <a:endParaRPr lang="en-SG" dirty="0"/>
           </a:p>
         </p:txBody>
       </p:sp>
@@ -666,9 +1111,9 @@
           <a:p>
             <a:fld id="{568D23B1-6EF9-4DFF-A006-F22E70A73051}" type="datetimeFigureOut">
               <a:rPr lang="en-SG" smtClean="0"/>
-              <a:t>3/1/2023</a:t>
+              <a:t>4/1/2023</a:t>
             </a:fld>
-            <a:endParaRPr lang="en-SG"/>
+            <a:endParaRPr lang="en-SG" dirty="0"/>
           </a:p>
         </p:txBody>
       </p:sp>
@@ -693,7 +1138,7 @@
           <a:bodyPr/>
           <a:lstStyle/>
           <a:p>
-            <a:endParaRPr lang="en-SG"/>
+            <a:endParaRPr lang="en-SG" dirty="0"/>
           </a:p>
         </p:txBody>
       </p:sp>
@@ -722,7 +1167,7 @@
               <a:rPr lang="en-SG" smtClean="0"/>
               <a:t>‹#›</a:t>
             </a:fld>
-            <a:endParaRPr lang="en-SG"/>
+            <a:endParaRPr lang="en-SG" dirty="0"/>
           </a:p>
         </p:txBody>
       </p:sp>
@@ -866,9 +1311,9 @@
           <a:p>
             <a:fld id="{568D23B1-6EF9-4DFF-A006-F22E70A73051}" type="datetimeFigureOut">
               <a:rPr lang="en-SG" smtClean="0"/>
-              <a:t>3/1/2023</a:t>
+              <a:t>4/1/2023</a:t>
             </a:fld>
-            <a:endParaRPr lang="en-SG"/>
+            <a:endParaRPr lang="en-SG" dirty="0"/>
           </a:p>
         </p:txBody>
       </p:sp>
@@ -893,7 +1338,7 @@
           <a:bodyPr/>
           <a:lstStyle/>
           <a:p>
-            <a:endParaRPr lang="en-SG"/>
+            <a:endParaRPr lang="en-SG" dirty="0"/>
           </a:p>
         </p:txBody>
       </p:sp>
@@ -922,7 +1367,7 @@
               <a:rPr lang="en-SG" smtClean="0"/>
               <a:t>‹#›</a:t>
             </a:fld>
-            <a:endParaRPr lang="en-SG"/>
+            <a:endParaRPr lang="en-SG" dirty="0"/>
           </a:p>
         </p:txBody>
       </p:sp>
@@ -1142,9 +1587,9 @@
           <a:p>
             <a:fld id="{568D23B1-6EF9-4DFF-A006-F22E70A73051}" type="datetimeFigureOut">
               <a:rPr lang="en-SG" smtClean="0"/>
-              <a:t>3/1/2023</a:t>
+              <a:t>4/1/2023</a:t>
             </a:fld>
-            <a:endParaRPr lang="en-SG"/>
+            <a:endParaRPr lang="en-SG" dirty="0"/>
           </a:p>
         </p:txBody>
       </p:sp>
@@ -1169,7 +1614,7 @@
           <a:bodyPr/>
           <a:lstStyle/>
           <a:p>
-            <a:endParaRPr lang="en-SG"/>
+            <a:endParaRPr lang="en-SG" dirty="0"/>
           </a:p>
         </p:txBody>
       </p:sp>
@@ -1198,7 +1643,7 @@
               <a:rPr lang="en-SG" smtClean="0"/>
               <a:t>‹#›</a:t>
             </a:fld>
-            <a:endParaRPr lang="en-SG"/>
+            <a:endParaRPr lang="en-SG" dirty="0"/>
           </a:p>
         </p:txBody>
       </p:sp>
@@ -1410,9 +1855,9 @@
           <a:p>
             <a:fld id="{568D23B1-6EF9-4DFF-A006-F22E70A73051}" type="datetimeFigureOut">
               <a:rPr lang="en-SG" smtClean="0"/>
-              <a:t>3/1/2023</a:t>
+              <a:t>4/1/2023</a:t>
             </a:fld>
-            <a:endParaRPr lang="en-SG"/>
+            <a:endParaRPr lang="en-SG" dirty="0"/>
           </a:p>
         </p:txBody>
       </p:sp>
@@ -1437,7 +1882,7 @@
           <a:bodyPr/>
           <a:lstStyle/>
           <a:p>
-            <a:endParaRPr lang="en-SG"/>
+            <a:endParaRPr lang="en-SG" dirty="0"/>
           </a:p>
         </p:txBody>
       </p:sp>
@@ -1466,7 +1911,7 @@
               <a:rPr lang="en-SG" smtClean="0"/>
               <a:t>‹#›</a:t>
             </a:fld>
-            <a:endParaRPr lang="en-SG"/>
+            <a:endParaRPr lang="en-SG" dirty="0"/>
           </a:p>
         </p:txBody>
       </p:sp>
@@ -1825,9 +2270,9 @@
           <a:p>
             <a:fld id="{568D23B1-6EF9-4DFF-A006-F22E70A73051}" type="datetimeFigureOut">
               <a:rPr lang="en-SG" smtClean="0"/>
-              <a:t>3/1/2023</a:t>
+              <a:t>4/1/2023</a:t>
             </a:fld>
-            <a:endParaRPr lang="en-SG"/>
+            <a:endParaRPr lang="en-SG" dirty="0"/>
           </a:p>
         </p:txBody>
       </p:sp>
@@ -1852,7 +2297,7 @@
           <a:bodyPr/>
           <a:lstStyle/>
           <a:p>
-            <a:endParaRPr lang="en-SG"/>
+            <a:endParaRPr lang="en-SG" dirty="0"/>
           </a:p>
         </p:txBody>
       </p:sp>
@@ -1881,7 +2326,7 @@
               <a:rPr lang="en-SG" smtClean="0"/>
               <a:t>‹#›</a:t>
             </a:fld>
-            <a:endParaRPr lang="en-SG"/>
+            <a:endParaRPr lang="en-SG" dirty="0"/>
           </a:p>
         </p:txBody>
       </p:sp>
@@ -1967,9 +2412,9 @@
           <a:p>
             <a:fld id="{568D23B1-6EF9-4DFF-A006-F22E70A73051}" type="datetimeFigureOut">
               <a:rPr lang="en-SG" smtClean="0"/>
-              <a:t>3/1/2023</a:t>
+              <a:t>4/1/2023</a:t>
             </a:fld>
-            <a:endParaRPr lang="en-SG"/>
+            <a:endParaRPr lang="en-SG" dirty="0"/>
           </a:p>
         </p:txBody>
       </p:sp>
@@ -1994,7 +2439,7 @@
           <a:bodyPr/>
           <a:lstStyle/>
           <a:p>
-            <a:endParaRPr lang="en-SG"/>
+            <a:endParaRPr lang="en-SG" dirty="0"/>
           </a:p>
         </p:txBody>
       </p:sp>
@@ -2023,7 +2468,7 @@
               <a:rPr lang="en-SG" smtClean="0"/>
               <a:t>‹#›</a:t>
             </a:fld>
-            <a:endParaRPr lang="en-SG"/>
+            <a:endParaRPr lang="en-SG" dirty="0"/>
           </a:p>
         </p:txBody>
       </p:sp>
@@ -2080,9 +2525,9 @@
           <a:p>
             <a:fld id="{568D23B1-6EF9-4DFF-A006-F22E70A73051}" type="datetimeFigureOut">
               <a:rPr lang="en-SG" smtClean="0"/>
-              <a:t>3/1/2023</a:t>
+              <a:t>4/1/2023</a:t>
             </a:fld>
-            <a:endParaRPr lang="en-SG"/>
+            <a:endParaRPr lang="en-SG" dirty="0"/>
           </a:p>
         </p:txBody>
       </p:sp>
@@ -2107,7 +2552,7 @@
           <a:bodyPr/>
           <a:lstStyle/>
           <a:p>
-            <a:endParaRPr lang="en-SG"/>
+            <a:endParaRPr lang="en-SG" dirty="0"/>
           </a:p>
         </p:txBody>
       </p:sp>
@@ -2136,7 +2581,7 @@
               <a:rPr lang="en-SG" smtClean="0"/>
               <a:t>‹#›</a:t>
             </a:fld>
-            <a:endParaRPr lang="en-SG"/>
+            <a:endParaRPr lang="en-SG" dirty="0"/>
           </a:p>
         </p:txBody>
       </p:sp>
@@ -2393,9 +2838,9 @@
           <a:p>
             <a:fld id="{568D23B1-6EF9-4DFF-A006-F22E70A73051}" type="datetimeFigureOut">
               <a:rPr lang="en-SG" smtClean="0"/>
-              <a:t>3/1/2023</a:t>
+              <a:t>4/1/2023</a:t>
             </a:fld>
-            <a:endParaRPr lang="en-SG"/>
+            <a:endParaRPr lang="en-SG" dirty="0"/>
           </a:p>
         </p:txBody>
       </p:sp>
@@ -2420,7 +2865,7 @@
           <a:bodyPr/>
           <a:lstStyle/>
           <a:p>
-            <a:endParaRPr lang="en-SG"/>
+            <a:endParaRPr lang="en-SG" dirty="0"/>
           </a:p>
         </p:txBody>
       </p:sp>
@@ -2449,7 +2894,7 @@
               <a:rPr lang="en-SG" smtClean="0"/>
               <a:t>‹#›</a:t>
             </a:fld>
-            <a:endParaRPr lang="en-SG"/>
+            <a:endParaRPr lang="en-SG" dirty="0"/>
           </a:p>
         </p:txBody>
       </p:sp>
@@ -2584,7 +3029,7 @@
             </a:lvl9pPr>
           </a:lstStyle>
           <a:p>
-            <a:endParaRPr lang="en-SG"/>
+            <a:endParaRPr lang="en-SG" dirty="0"/>
           </a:p>
         </p:txBody>
       </p:sp>
@@ -2682,9 +3127,9 @@
           <a:p>
             <a:fld id="{568D23B1-6EF9-4DFF-A006-F22E70A73051}" type="datetimeFigureOut">
               <a:rPr lang="en-SG" smtClean="0"/>
-              <a:t>3/1/2023</a:t>
+              <a:t>4/1/2023</a:t>
             </a:fld>
-            <a:endParaRPr lang="en-SG"/>
+            <a:endParaRPr lang="en-SG" dirty="0"/>
           </a:p>
         </p:txBody>
       </p:sp>
@@ -2709,7 +3154,7 @@
           <a:bodyPr/>
           <a:lstStyle/>
           <a:p>
-            <a:endParaRPr lang="en-SG"/>
+            <a:endParaRPr lang="en-SG" dirty="0"/>
           </a:p>
         </p:txBody>
       </p:sp>
@@ -2738,7 +3183,7 @@
               <a:rPr lang="en-SG" smtClean="0"/>
               <a:t>‹#›</a:t>
             </a:fld>
-            <a:endParaRPr lang="en-SG"/>
+            <a:endParaRPr lang="en-SG" dirty="0"/>
           </a:p>
         </p:txBody>
       </p:sp>
@@ -2925,9 +3370,9 @@
           <a:p>
             <a:fld id="{568D23B1-6EF9-4DFF-A006-F22E70A73051}" type="datetimeFigureOut">
               <a:rPr lang="en-SG" smtClean="0"/>
-              <a:t>3/1/2023</a:t>
+              <a:t>4/1/2023</a:t>
             </a:fld>
-            <a:endParaRPr lang="en-SG"/>
+            <a:endParaRPr lang="en-SG" dirty="0"/>
           </a:p>
         </p:txBody>
       </p:sp>
@@ -2970,7 +3415,7 @@
             </a:lvl1pPr>
           </a:lstStyle>
           <a:p>
-            <a:endParaRPr lang="en-SG"/>
+            <a:endParaRPr lang="en-SG" dirty="0"/>
           </a:p>
         </p:txBody>
       </p:sp>
@@ -3017,7 +3462,7 @@
               <a:rPr lang="en-SG" smtClean="0"/>
               <a:t>‹#›</a:t>
             </a:fld>
-            <a:endParaRPr lang="en-SG"/>
+            <a:endParaRPr lang="en-SG" dirty="0"/>
           </a:p>
         </p:txBody>
       </p:sp>
@@ -3380,12 +3825,12 @@
           <a:lstStyle/>
           <a:p>
             <a:r>
-              <a:rPr lang="en-SG" sz="2400">
+              <a:rPr lang="en-SG" sz="2400" dirty="0">
                 <a:solidFill>
                   <a:schemeClr val="bg1"/>
                 </a:solidFill>
               </a:rPr>
-              <a:t>User Action Emulator  </a:t>
+              <a:t>User Action Emulator  [ Introduction ] </a:t>
             </a:r>
             <a:endParaRPr lang="en-SG" sz="2400" dirty="0">
               <a:solidFill>
@@ -3431,10 +3876,8199 @@
           </a:prstGeom>
         </p:spPr>
       </p:pic>
+      <p:sp>
+        <p:nvSpPr>
+          <p:cNvPr id="2" name="TextBox 1">
+            <a:extLst>
+              <a:ext uri="{FF2B5EF4-FFF2-40B4-BE49-F238E27FC236}">
+                <a16:creationId xmlns:a16="http://schemas.microsoft.com/office/drawing/2014/main" id="{DCADC662-95B1-8431-9D84-67099C71BEBE}"/>
+              </a:ext>
+            </a:extLst>
+          </p:cNvPr>
+          <p:cNvSpPr txBox="1"/>
+          <p:nvPr/>
+        </p:nvSpPr>
+        <p:spPr>
+          <a:xfrm>
+            <a:off x="225195" y="801338"/>
+            <a:ext cx="6105678" cy="6001643"/>
+          </a:xfrm>
+          <a:prstGeom prst="rect">
+            <a:avLst/>
+          </a:prstGeom>
+          <a:noFill/>
+        </p:spPr>
+        <p:txBody>
+          <a:bodyPr wrap="square" rtlCol="0">
+            <a:spAutoFit/>
+          </a:bodyPr>
+          <a:lstStyle/>
+          <a:p>
+            <a:r>
+              <a:rPr lang="en-US" sz="1600" b="1" dirty="0"/>
+              <a:t>Program Design Purpose</a:t>
+            </a:r>
+          </a:p>
+          <a:p>
+            <a:endParaRPr lang="en-US" sz="1600" b="1" dirty="0"/>
+          </a:p>
+          <a:p>
+            <a:r>
+              <a:rPr lang="en-US" sz="1600" dirty="0"/>
+              <a:t>We want to create an intelligent "actor” program which can simulate a normal MS-Windows user’s daily action ( different kinds of network access, system level operation and different app level operation) to generate user’s regular or random event based on the customer’s requirement.</a:t>
+            </a:r>
+            <a:r>
+              <a:rPr lang="en-SG" sz="1600" dirty="0"/>
+              <a:t> </a:t>
+            </a:r>
+            <a:r>
+              <a:rPr lang="en-US" sz="1600" dirty="0"/>
+              <a:t>So, it can:</a:t>
+            </a:r>
+          </a:p>
+          <a:p>
+            <a:pPr marL="285750" indent="-285750">
+              <a:buFont typeface="Arial" panose="020B0604020202020204" pitchFamily="34" charset="0"/>
+              <a:buChar char="•"/>
+            </a:pPr>
+            <a:r>
+              <a:rPr lang="en-US" sz="1600" dirty="0"/>
+              <a:t>Be used to repeat/replay specified large numbers of users (blue team) activities in cyber exercise event.</a:t>
+            </a:r>
+          </a:p>
+          <a:p>
+            <a:pPr marL="285750" indent="-285750">
+              <a:buFont typeface="Arial" panose="020B0604020202020204" pitchFamily="34" charset="0"/>
+              <a:buChar char="•"/>
+            </a:pPr>
+            <a:r>
+              <a:rPr lang="en-US" sz="1600" dirty="0"/>
+              <a:t>Generate required network traffic flow for network security research project. </a:t>
+            </a:r>
+          </a:p>
+          <a:p>
+            <a:pPr marL="285750" indent="-285750">
+              <a:buFont typeface="Arial" panose="020B0604020202020204" pitchFamily="34" charset="0"/>
+              <a:buChar char="•"/>
+            </a:pPr>
+            <a:r>
+              <a:rPr lang="en-US" sz="1600" dirty="0"/>
+              <a:t>Be used as repeatable user’s test environment for AI/ML trained module’s verification.</a:t>
+            </a:r>
+          </a:p>
+          <a:p>
+            <a:pPr marL="285750" indent="-285750">
+              <a:buFont typeface="Arial" panose="020B0604020202020204" pitchFamily="34" charset="0"/>
+              <a:buChar char="•"/>
+            </a:pPr>
+            <a:endParaRPr lang="en-US" sz="1600" dirty="0"/>
+          </a:p>
+          <a:p>
+            <a:r>
+              <a:rPr lang="en-US" sz="1600" b="1" dirty="0"/>
+              <a:t>Action Feature Repository</a:t>
+            </a:r>
+            <a:r>
+              <a:rPr lang="en-US" sz="1600" dirty="0"/>
+              <a:t>: </a:t>
+            </a:r>
+          </a:p>
+          <a:p>
+            <a:r>
+              <a:rPr lang="en-US" sz="1600" dirty="0"/>
+              <a:t>Currently we provide 5 main repositories with 18 kinds of basic user action functions and 28 kinds of pre-built complex user’s actors components. The 5 main feature repositories covers: </a:t>
+            </a:r>
+          </a:p>
+          <a:p>
+            <a:endParaRPr lang="en-US" sz="1600" dirty="0"/>
+          </a:p>
+          <a:p>
+            <a:pPr marL="285750" indent="-285750">
+              <a:buFont typeface="Arial" panose="020B0604020202020204" pitchFamily="34" charset="0"/>
+              <a:buChar char="•"/>
+            </a:pPr>
+            <a:r>
+              <a:rPr lang="en-US" sz="1600" dirty="0"/>
+              <a:t>Network traffic action generators. </a:t>
+            </a:r>
+          </a:p>
+          <a:p>
+            <a:pPr marL="285750" indent="-285750">
+              <a:buFont typeface="Arial" panose="020B0604020202020204" pitchFamily="34" charset="0"/>
+              <a:buChar char="•"/>
+            </a:pPr>
+            <a:r>
+              <a:rPr lang="en-US" sz="1600" dirty="0"/>
+              <a:t>Application operation action generators. </a:t>
+            </a:r>
+          </a:p>
+          <a:p>
+            <a:pPr marL="285750" indent="-285750">
+              <a:buFont typeface="Arial" panose="020B0604020202020204" pitchFamily="34" charset="0"/>
+              <a:buChar char="•"/>
+            </a:pPr>
+            <a:r>
+              <a:rPr lang="en-US" sz="1600" dirty="0"/>
+              <a:t>User’s human activities action generators.</a:t>
+            </a:r>
+          </a:p>
+          <a:p>
+            <a:pPr marL="285750" indent="-285750">
+              <a:buFont typeface="Arial" panose="020B0604020202020204" pitchFamily="34" charset="0"/>
+              <a:buChar char="•"/>
+            </a:pPr>
+            <a:r>
+              <a:rPr lang="en-US" sz="1600" dirty="0"/>
+              <a:t>System control action generators.</a:t>
+            </a:r>
+          </a:p>
+          <a:p>
+            <a:pPr marL="285750" indent="-285750">
+              <a:buFont typeface="Arial" panose="020B0604020202020204" pitchFamily="34" charset="0"/>
+              <a:buChar char="•"/>
+            </a:pPr>
+            <a:r>
+              <a:rPr lang="en-US" sz="1600" dirty="0"/>
+              <a:t>Other action generators.</a:t>
+            </a:r>
+          </a:p>
+        </p:txBody>
+      </p:sp>
+      <p:sp>
+        <p:nvSpPr>
+          <p:cNvPr id="3" name="Rectangle 2">
+            <a:extLst>
+              <a:ext uri="{FF2B5EF4-FFF2-40B4-BE49-F238E27FC236}">
+                <a16:creationId xmlns:a16="http://schemas.microsoft.com/office/drawing/2014/main" id="{8B9CC85E-9E8F-5282-CB8D-E26C451B9CE9}"/>
+              </a:ext>
+            </a:extLst>
+          </p:cNvPr>
+          <p:cNvSpPr/>
+          <p:nvPr/>
+        </p:nvSpPr>
+        <p:spPr>
+          <a:xfrm>
+            <a:off x="6917586" y="1480930"/>
+            <a:ext cx="4294928" cy="1808923"/>
+          </a:xfrm>
+          <a:prstGeom prst="rect">
+            <a:avLst/>
+          </a:prstGeom>
+          <a:ln w="19050">
+            <a:prstDash val="sysDash"/>
+          </a:ln>
+        </p:spPr>
+        <p:style>
+          <a:lnRef idx="2">
+            <a:schemeClr val="accent6"/>
+          </a:lnRef>
+          <a:fillRef idx="1">
+            <a:schemeClr val="lt1"/>
+          </a:fillRef>
+          <a:effectRef idx="0">
+            <a:schemeClr val="accent6"/>
+          </a:effectRef>
+          <a:fontRef idx="minor">
+            <a:schemeClr val="dk1"/>
+          </a:fontRef>
+        </p:style>
+        <p:txBody>
+          <a:bodyPr rtlCol="0" anchor="ctr"/>
+          <a:lstStyle/>
+          <a:p>
+            <a:endParaRPr lang="en-SG" b="1" dirty="0"/>
+          </a:p>
+        </p:txBody>
+      </p:sp>
+      <p:sp>
+        <p:nvSpPr>
+          <p:cNvPr id="6" name="Rectangle 5">
+            <a:extLst>
+              <a:ext uri="{FF2B5EF4-FFF2-40B4-BE49-F238E27FC236}">
+                <a16:creationId xmlns:a16="http://schemas.microsoft.com/office/drawing/2014/main" id="{41B14468-2BBD-12E3-566C-3A5904E54C59}"/>
+              </a:ext>
+            </a:extLst>
+          </p:cNvPr>
+          <p:cNvSpPr/>
+          <p:nvPr/>
+        </p:nvSpPr>
+        <p:spPr>
+          <a:xfrm>
+            <a:off x="7106430" y="1649898"/>
+            <a:ext cx="1779104" cy="347870"/>
+          </a:xfrm>
+          <a:prstGeom prst="rect">
+            <a:avLst/>
+          </a:prstGeom>
+        </p:spPr>
+        <p:style>
+          <a:lnRef idx="2">
+            <a:schemeClr val="accent1">
+              <a:shade val="50000"/>
+            </a:schemeClr>
+          </a:lnRef>
+          <a:fillRef idx="1">
+            <a:schemeClr val="accent1"/>
+          </a:fillRef>
+          <a:effectRef idx="0">
+            <a:schemeClr val="accent1"/>
+          </a:effectRef>
+          <a:fontRef idx="minor">
+            <a:schemeClr val="lt1"/>
+          </a:fontRef>
+        </p:style>
+        <p:txBody>
+          <a:bodyPr rtlCol="0" anchor="ctr"/>
+          <a:lstStyle/>
+          <a:p>
+            <a:pPr algn="ctr"/>
+            <a:r>
+              <a:rPr lang="en-US" sz="1200" dirty="0"/>
+              <a:t>Network Traffic Actors</a:t>
+            </a:r>
+            <a:r>
+              <a:rPr lang="en-SG" sz="1200" dirty="0"/>
+              <a:t> </a:t>
+            </a:r>
+          </a:p>
+        </p:txBody>
+      </p:sp>
+      <p:sp>
+        <p:nvSpPr>
+          <p:cNvPr id="7" name="Rectangle 6">
+            <a:extLst>
+              <a:ext uri="{FF2B5EF4-FFF2-40B4-BE49-F238E27FC236}">
+                <a16:creationId xmlns:a16="http://schemas.microsoft.com/office/drawing/2014/main" id="{9A400251-D941-6F21-90EA-035F90983AF2}"/>
+              </a:ext>
+            </a:extLst>
+          </p:cNvPr>
+          <p:cNvSpPr/>
+          <p:nvPr/>
+        </p:nvSpPr>
+        <p:spPr>
+          <a:xfrm>
+            <a:off x="7106430" y="2199864"/>
+            <a:ext cx="1779104" cy="347870"/>
+          </a:xfrm>
+          <a:prstGeom prst="rect">
+            <a:avLst/>
+          </a:prstGeom>
+          <a:solidFill>
+            <a:schemeClr val="accent6">
+              <a:lumMod val="75000"/>
+            </a:schemeClr>
+          </a:solidFill>
+        </p:spPr>
+        <p:style>
+          <a:lnRef idx="2">
+            <a:schemeClr val="accent1">
+              <a:shade val="50000"/>
+            </a:schemeClr>
+          </a:lnRef>
+          <a:fillRef idx="1">
+            <a:schemeClr val="accent1"/>
+          </a:fillRef>
+          <a:effectRef idx="0">
+            <a:schemeClr val="accent1"/>
+          </a:effectRef>
+          <a:fontRef idx="minor">
+            <a:schemeClr val="lt1"/>
+          </a:fontRef>
+        </p:style>
+        <p:txBody>
+          <a:bodyPr rtlCol="0" anchor="ctr"/>
+          <a:lstStyle/>
+          <a:p>
+            <a:pPr algn="ctr"/>
+            <a:r>
+              <a:rPr lang="en-US" sz="1200" dirty="0"/>
+              <a:t>App Operations Actors</a:t>
+            </a:r>
+            <a:r>
+              <a:rPr lang="en-SG" sz="1200" dirty="0"/>
+              <a:t> </a:t>
+            </a:r>
+          </a:p>
+        </p:txBody>
+      </p:sp>
+      <p:sp>
+        <p:nvSpPr>
+          <p:cNvPr id="8" name="Rectangle 7">
+            <a:extLst>
+              <a:ext uri="{FF2B5EF4-FFF2-40B4-BE49-F238E27FC236}">
+                <a16:creationId xmlns:a16="http://schemas.microsoft.com/office/drawing/2014/main" id="{8DA0F4ED-FD86-CB66-6541-1086CD4D68D9}"/>
+              </a:ext>
+            </a:extLst>
+          </p:cNvPr>
+          <p:cNvSpPr/>
+          <p:nvPr/>
+        </p:nvSpPr>
+        <p:spPr>
+          <a:xfrm>
+            <a:off x="7106430" y="2749830"/>
+            <a:ext cx="1779104" cy="347870"/>
+          </a:xfrm>
+          <a:prstGeom prst="rect">
+            <a:avLst/>
+          </a:prstGeom>
+          <a:solidFill>
+            <a:schemeClr val="accent2">
+              <a:lumMod val="75000"/>
+            </a:schemeClr>
+          </a:solidFill>
+        </p:spPr>
+        <p:style>
+          <a:lnRef idx="2">
+            <a:schemeClr val="accent1">
+              <a:shade val="50000"/>
+            </a:schemeClr>
+          </a:lnRef>
+          <a:fillRef idx="1">
+            <a:schemeClr val="accent1"/>
+          </a:fillRef>
+          <a:effectRef idx="0">
+            <a:schemeClr val="accent1"/>
+          </a:effectRef>
+          <a:fontRef idx="minor">
+            <a:schemeClr val="lt1"/>
+          </a:fontRef>
+        </p:style>
+        <p:txBody>
+          <a:bodyPr rtlCol="0" anchor="ctr"/>
+          <a:lstStyle/>
+          <a:p>
+            <a:pPr algn="ctr"/>
+            <a:r>
+              <a:rPr lang="en-US" sz="1200" dirty="0"/>
+              <a:t>System Operation Actors</a:t>
+            </a:r>
+            <a:r>
+              <a:rPr lang="en-SG" sz="1200" dirty="0"/>
+              <a:t> </a:t>
+            </a:r>
+          </a:p>
+        </p:txBody>
+      </p:sp>
+      <p:sp>
+        <p:nvSpPr>
+          <p:cNvPr id="9" name="Rectangle 8">
+            <a:extLst>
+              <a:ext uri="{FF2B5EF4-FFF2-40B4-BE49-F238E27FC236}">
+                <a16:creationId xmlns:a16="http://schemas.microsoft.com/office/drawing/2014/main" id="{A2BC870F-DE85-1C71-EDBA-6526EC69D9ED}"/>
+              </a:ext>
+            </a:extLst>
+          </p:cNvPr>
+          <p:cNvSpPr/>
+          <p:nvPr/>
+        </p:nvSpPr>
+        <p:spPr>
+          <a:xfrm>
+            <a:off x="9157204" y="1649898"/>
+            <a:ext cx="1679713" cy="347870"/>
+          </a:xfrm>
+          <a:prstGeom prst="rect">
+            <a:avLst/>
+          </a:prstGeom>
+          <a:solidFill>
+            <a:schemeClr val="tx2">
+              <a:lumMod val="75000"/>
+            </a:schemeClr>
+          </a:solidFill>
+        </p:spPr>
+        <p:style>
+          <a:lnRef idx="2">
+            <a:schemeClr val="accent1">
+              <a:shade val="50000"/>
+            </a:schemeClr>
+          </a:lnRef>
+          <a:fillRef idx="1">
+            <a:schemeClr val="accent1"/>
+          </a:fillRef>
+          <a:effectRef idx="0">
+            <a:schemeClr val="accent1"/>
+          </a:effectRef>
+          <a:fontRef idx="minor">
+            <a:schemeClr val="lt1"/>
+          </a:fontRef>
+        </p:style>
+        <p:txBody>
+          <a:bodyPr rtlCol="0" anchor="ctr"/>
+          <a:lstStyle/>
+          <a:p>
+            <a:pPr algn="ctr"/>
+            <a:r>
+              <a:rPr lang="en-US" sz="1200" dirty="0"/>
+              <a:t>Human Activities Actors</a:t>
+            </a:r>
+            <a:endParaRPr lang="en-SG" sz="1200" dirty="0"/>
+          </a:p>
+        </p:txBody>
+      </p:sp>
+      <p:sp>
+        <p:nvSpPr>
+          <p:cNvPr id="10" name="Rectangle 9">
+            <a:extLst>
+              <a:ext uri="{FF2B5EF4-FFF2-40B4-BE49-F238E27FC236}">
+                <a16:creationId xmlns:a16="http://schemas.microsoft.com/office/drawing/2014/main" id="{5D59993C-82C5-3891-6F20-7AF4B09E5E35}"/>
+              </a:ext>
+            </a:extLst>
+          </p:cNvPr>
+          <p:cNvSpPr/>
+          <p:nvPr/>
+        </p:nvSpPr>
+        <p:spPr>
+          <a:xfrm>
+            <a:off x="9157204" y="2199864"/>
+            <a:ext cx="1679713" cy="347870"/>
+          </a:xfrm>
+          <a:prstGeom prst="rect">
+            <a:avLst/>
+          </a:prstGeom>
+          <a:solidFill>
+            <a:schemeClr val="bg1">
+              <a:lumMod val="65000"/>
+            </a:schemeClr>
+          </a:solidFill>
+        </p:spPr>
+        <p:style>
+          <a:lnRef idx="2">
+            <a:schemeClr val="accent1">
+              <a:shade val="50000"/>
+            </a:schemeClr>
+          </a:lnRef>
+          <a:fillRef idx="1">
+            <a:schemeClr val="accent1"/>
+          </a:fillRef>
+          <a:effectRef idx="0">
+            <a:schemeClr val="accent1"/>
+          </a:effectRef>
+          <a:fontRef idx="minor">
+            <a:schemeClr val="lt1"/>
+          </a:fontRef>
+        </p:style>
+        <p:txBody>
+          <a:bodyPr rtlCol="0" anchor="ctr"/>
+          <a:lstStyle/>
+          <a:p>
+            <a:pPr algn="ctr"/>
+            <a:r>
+              <a:rPr lang="en-US" sz="1200" dirty="0"/>
+              <a:t>Other Action Actors</a:t>
+            </a:r>
+            <a:endParaRPr lang="en-SG" sz="1200" dirty="0"/>
+          </a:p>
+        </p:txBody>
+      </p:sp>
+      <p:sp>
+        <p:nvSpPr>
+          <p:cNvPr id="11" name="TextBox 10">
+            <a:extLst>
+              <a:ext uri="{FF2B5EF4-FFF2-40B4-BE49-F238E27FC236}">
+                <a16:creationId xmlns:a16="http://schemas.microsoft.com/office/drawing/2014/main" id="{98A338EA-9A49-BE11-7B56-B7F1642713B2}"/>
+              </a:ext>
+            </a:extLst>
+          </p:cNvPr>
+          <p:cNvSpPr txBox="1"/>
+          <p:nvPr/>
+        </p:nvSpPr>
+        <p:spPr>
+          <a:xfrm>
+            <a:off x="9572991" y="2846423"/>
+            <a:ext cx="2297595" cy="430887"/>
+          </a:xfrm>
+          <a:prstGeom prst="rect">
+            <a:avLst/>
+          </a:prstGeom>
+          <a:noFill/>
+        </p:spPr>
+        <p:txBody>
+          <a:bodyPr wrap="square" rtlCol="0">
+            <a:spAutoFit/>
+          </a:bodyPr>
+          <a:lstStyle/>
+          <a:p>
+            <a:r>
+              <a:rPr lang="en-SG" sz="1100" b="1" dirty="0"/>
+              <a:t>Actors (event generator) repositories  </a:t>
+            </a:r>
+          </a:p>
+        </p:txBody>
+      </p:sp>
+      <p:sp>
+        <p:nvSpPr>
+          <p:cNvPr id="12" name="Arrow: Down 11">
+            <a:extLst>
+              <a:ext uri="{FF2B5EF4-FFF2-40B4-BE49-F238E27FC236}">
+                <a16:creationId xmlns:a16="http://schemas.microsoft.com/office/drawing/2014/main" id="{7D11EB6F-7A8C-6FC5-30CD-AF258002E0D8}"/>
+              </a:ext>
+            </a:extLst>
+          </p:cNvPr>
+          <p:cNvSpPr/>
+          <p:nvPr/>
+        </p:nvSpPr>
+        <p:spPr>
+          <a:xfrm>
+            <a:off x="8498520" y="3458821"/>
+            <a:ext cx="109330" cy="626165"/>
+          </a:xfrm>
+          <a:prstGeom prst="downArrow">
+            <a:avLst/>
+          </a:prstGeom>
+        </p:spPr>
+        <p:style>
+          <a:lnRef idx="2">
+            <a:schemeClr val="accent1">
+              <a:shade val="50000"/>
+            </a:schemeClr>
+          </a:lnRef>
+          <a:fillRef idx="1">
+            <a:schemeClr val="accent1"/>
+          </a:fillRef>
+          <a:effectRef idx="0">
+            <a:schemeClr val="accent1"/>
+          </a:effectRef>
+          <a:fontRef idx="minor">
+            <a:schemeClr val="lt1"/>
+          </a:fontRef>
+        </p:style>
+        <p:txBody>
+          <a:bodyPr rtlCol="0" anchor="ctr"/>
+          <a:lstStyle/>
+          <a:p>
+            <a:pPr algn="ctr"/>
+            <a:endParaRPr lang="en-SG" dirty="0"/>
+          </a:p>
+        </p:txBody>
+      </p:sp>
+      <p:sp>
+        <p:nvSpPr>
+          <p:cNvPr id="13" name="Rectangle 12">
+            <a:extLst>
+              <a:ext uri="{FF2B5EF4-FFF2-40B4-BE49-F238E27FC236}">
+                <a16:creationId xmlns:a16="http://schemas.microsoft.com/office/drawing/2014/main" id="{FD120891-05D6-87C6-183E-FA256CAB5BFE}"/>
+              </a:ext>
+            </a:extLst>
+          </p:cNvPr>
+          <p:cNvSpPr/>
+          <p:nvPr/>
+        </p:nvSpPr>
+        <p:spPr>
+          <a:xfrm>
+            <a:off x="8105315" y="4148408"/>
+            <a:ext cx="1467676" cy="347870"/>
+          </a:xfrm>
+          <a:prstGeom prst="rect">
+            <a:avLst/>
+          </a:prstGeom>
+        </p:spPr>
+        <p:style>
+          <a:lnRef idx="2">
+            <a:schemeClr val="accent1">
+              <a:shade val="50000"/>
+            </a:schemeClr>
+          </a:lnRef>
+          <a:fillRef idx="1">
+            <a:schemeClr val="accent1"/>
+          </a:fillRef>
+          <a:effectRef idx="0">
+            <a:schemeClr val="accent1"/>
+          </a:effectRef>
+          <a:fontRef idx="minor">
+            <a:schemeClr val="lt1"/>
+          </a:fontRef>
+        </p:style>
+        <p:txBody>
+          <a:bodyPr rtlCol="0" anchor="ctr"/>
+          <a:lstStyle/>
+          <a:p>
+            <a:pPr algn="ctr"/>
+            <a:r>
+              <a:rPr lang="en-SG" sz="1200" b="1" dirty="0"/>
+              <a:t>Action scheduler </a:t>
+            </a:r>
+          </a:p>
+        </p:txBody>
+      </p:sp>
+      <p:pic>
+        <p:nvPicPr>
+          <p:cNvPr id="14" name="Picture 13">
+            <a:extLst>
+              <a:ext uri="{FF2B5EF4-FFF2-40B4-BE49-F238E27FC236}">
+                <a16:creationId xmlns:a16="http://schemas.microsoft.com/office/drawing/2014/main" id="{B81FA487-D6DD-3E41-067F-2B2C62DF0521}"/>
+              </a:ext>
+            </a:extLst>
+          </p:cNvPr>
+          <p:cNvPicPr>
+            <a:picLocks noChangeAspect="1"/>
+          </p:cNvPicPr>
+          <p:nvPr/>
+        </p:nvPicPr>
+        <p:blipFill>
+          <a:blip r:embed="rId3"/>
+          <a:stretch>
+            <a:fillRect/>
+          </a:stretch>
+        </p:blipFill>
+        <p:spPr>
+          <a:xfrm>
+            <a:off x="10220256" y="4079078"/>
+            <a:ext cx="411108" cy="424159"/>
+          </a:xfrm>
+          <a:prstGeom prst="rect">
+            <a:avLst/>
+          </a:prstGeom>
+          <a:ln w="3175">
+            <a:solidFill>
+              <a:schemeClr val="tx1"/>
+            </a:solidFill>
+          </a:ln>
+        </p:spPr>
+      </p:pic>
+      <p:sp>
+        <p:nvSpPr>
+          <p:cNvPr id="15" name="TextBox 14">
+            <a:extLst>
+              <a:ext uri="{FF2B5EF4-FFF2-40B4-BE49-F238E27FC236}">
+                <a16:creationId xmlns:a16="http://schemas.microsoft.com/office/drawing/2014/main" id="{BD358BBD-5780-8DD3-4967-EA1A140D17C4}"/>
+              </a:ext>
+            </a:extLst>
+          </p:cNvPr>
+          <p:cNvSpPr txBox="1"/>
+          <p:nvPr/>
+        </p:nvSpPr>
+        <p:spPr>
+          <a:xfrm>
+            <a:off x="9277012" y="3525161"/>
+            <a:ext cx="2297595" cy="430887"/>
+          </a:xfrm>
+          <a:prstGeom prst="rect">
+            <a:avLst/>
+          </a:prstGeom>
+          <a:noFill/>
+        </p:spPr>
+        <p:txBody>
+          <a:bodyPr wrap="square" rtlCol="0">
+            <a:spAutoFit/>
+          </a:bodyPr>
+          <a:lstStyle/>
+          <a:p>
+            <a:r>
+              <a:rPr lang="en-SG" sz="1100" b="1" dirty="0"/>
+              <a:t>Customers reequipment config file (event time line)</a:t>
+            </a:r>
+          </a:p>
+        </p:txBody>
+      </p:sp>
+      <p:cxnSp>
+        <p:nvCxnSpPr>
+          <p:cNvPr id="16" name="Straight Arrow Connector 15">
+            <a:extLst>
+              <a:ext uri="{FF2B5EF4-FFF2-40B4-BE49-F238E27FC236}">
+                <a16:creationId xmlns:a16="http://schemas.microsoft.com/office/drawing/2014/main" id="{BA7788AA-D82F-AFA9-9013-A6202A45B45F}"/>
+              </a:ext>
+            </a:extLst>
+          </p:cNvPr>
+          <p:cNvCxnSpPr>
+            <a:cxnSpLocks/>
+          </p:cNvCxnSpPr>
+          <p:nvPr/>
+        </p:nvCxnSpPr>
+        <p:spPr>
+          <a:xfrm flipH="1">
+            <a:off x="9670725" y="4243728"/>
+            <a:ext cx="447261" cy="0"/>
+          </a:xfrm>
+          <a:prstGeom prst="straightConnector1">
+            <a:avLst/>
+          </a:prstGeom>
+          <a:ln w="28575">
+            <a:tailEnd type="triangle"/>
+          </a:ln>
+        </p:spPr>
+        <p:style>
+          <a:lnRef idx="1">
+            <a:schemeClr val="accent1"/>
+          </a:lnRef>
+          <a:fillRef idx="0">
+            <a:schemeClr val="accent1"/>
+          </a:fillRef>
+          <a:effectRef idx="0">
+            <a:schemeClr val="accent1"/>
+          </a:effectRef>
+          <a:fontRef idx="minor">
+            <a:schemeClr val="tx1"/>
+          </a:fontRef>
+        </p:style>
+      </p:cxnSp>
+      <p:cxnSp>
+        <p:nvCxnSpPr>
+          <p:cNvPr id="17" name="Straight Arrow Connector 16">
+            <a:extLst>
+              <a:ext uri="{FF2B5EF4-FFF2-40B4-BE49-F238E27FC236}">
+                <a16:creationId xmlns:a16="http://schemas.microsoft.com/office/drawing/2014/main" id="{D8917820-1BB1-7D9F-88A2-3B5BAE5E0755}"/>
+              </a:ext>
+            </a:extLst>
+          </p:cNvPr>
+          <p:cNvCxnSpPr>
+            <a:cxnSpLocks/>
+          </p:cNvCxnSpPr>
+          <p:nvPr/>
+        </p:nvCxnSpPr>
+        <p:spPr>
+          <a:xfrm>
+            <a:off x="8784486" y="4496278"/>
+            <a:ext cx="0" cy="383836"/>
+          </a:xfrm>
+          <a:prstGeom prst="straightConnector1">
+            <a:avLst/>
+          </a:prstGeom>
+          <a:ln w="19050">
+            <a:tailEnd type="triangle"/>
+          </a:ln>
+        </p:spPr>
+        <p:style>
+          <a:lnRef idx="1">
+            <a:schemeClr val="accent1"/>
+          </a:lnRef>
+          <a:fillRef idx="0">
+            <a:schemeClr val="accent1"/>
+          </a:fillRef>
+          <a:effectRef idx="0">
+            <a:schemeClr val="accent1"/>
+          </a:effectRef>
+          <a:fontRef idx="minor">
+            <a:schemeClr val="tx1"/>
+          </a:fontRef>
+        </p:style>
+      </p:cxnSp>
+      <p:sp>
+        <p:nvSpPr>
+          <p:cNvPr id="18" name="Rectangle 17">
+            <a:extLst>
+              <a:ext uri="{FF2B5EF4-FFF2-40B4-BE49-F238E27FC236}">
+                <a16:creationId xmlns:a16="http://schemas.microsoft.com/office/drawing/2014/main" id="{BCB6B898-448C-71C6-8490-F2D520981E60}"/>
+              </a:ext>
+            </a:extLst>
+          </p:cNvPr>
+          <p:cNvSpPr/>
+          <p:nvPr/>
+        </p:nvSpPr>
+        <p:spPr>
+          <a:xfrm>
+            <a:off x="8189795" y="4943541"/>
+            <a:ext cx="1292088" cy="347870"/>
+          </a:xfrm>
+          <a:prstGeom prst="rect">
+            <a:avLst/>
+          </a:prstGeom>
+        </p:spPr>
+        <p:style>
+          <a:lnRef idx="2">
+            <a:schemeClr val="accent1">
+              <a:shade val="50000"/>
+            </a:schemeClr>
+          </a:lnRef>
+          <a:fillRef idx="1">
+            <a:schemeClr val="accent1"/>
+          </a:fillRef>
+          <a:effectRef idx="0">
+            <a:schemeClr val="accent1"/>
+          </a:effectRef>
+          <a:fontRef idx="minor">
+            <a:schemeClr val="lt1"/>
+          </a:fontRef>
+        </p:style>
+        <p:txBody>
+          <a:bodyPr rtlCol="0" anchor="ctr"/>
+          <a:lstStyle/>
+          <a:p>
+            <a:pPr algn="ctr"/>
+            <a:r>
+              <a:rPr lang="en-SG" sz="1200" b="1" dirty="0"/>
+              <a:t>User emulator </a:t>
+            </a:r>
+          </a:p>
+        </p:txBody>
+      </p:sp>
+      <p:sp>
+        <p:nvSpPr>
+          <p:cNvPr id="19" name="TextBox 18">
+            <a:extLst>
+              <a:ext uri="{FF2B5EF4-FFF2-40B4-BE49-F238E27FC236}">
+                <a16:creationId xmlns:a16="http://schemas.microsoft.com/office/drawing/2014/main" id="{4CA308FB-C049-401C-A0A7-743F6F7A4FE4}"/>
+              </a:ext>
+            </a:extLst>
+          </p:cNvPr>
+          <p:cNvSpPr txBox="1"/>
+          <p:nvPr/>
+        </p:nvSpPr>
+        <p:spPr>
+          <a:xfrm>
+            <a:off x="9578499" y="4943541"/>
+            <a:ext cx="347472" cy="369332"/>
+          </a:xfrm>
+          <a:prstGeom prst="rect">
+            <a:avLst/>
+          </a:prstGeom>
+          <a:noFill/>
+        </p:spPr>
+        <p:txBody>
+          <a:bodyPr wrap="square" rtlCol="0">
+            <a:spAutoFit/>
+          </a:bodyPr>
+          <a:lstStyle/>
+          <a:p>
+            <a:r>
+              <a:rPr lang="en-SG" dirty="0"/>
+              <a:t>…</a:t>
+            </a:r>
+          </a:p>
+        </p:txBody>
+      </p:sp>
+      <p:sp>
+        <p:nvSpPr>
+          <p:cNvPr id="20" name="Rectangle 19">
+            <a:extLst>
+              <a:ext uri="{FF2B5EF4-FFF2-40B4-BE49-F238E27FC236}">
+                <a16:creationId xmlns:a16="http://schemas.microsoft.com/office/drawing/2014/main" id="{BD7449EA-BA0D-4CDF-9276-51B639D85158}"/>
+              </a:ext>
+            </a:extLst>
+          </p:cNvPr>
+          <p:cNvSpPr/>
+          <p:nvPr/>
+        </p:nvSpPr>
+        <p:spPr>
+          <a:xfrm>
+            <a:off x="9925971" y="4926038"/>
+            <a:ext cx="1266806" cy="347870"/>
+          </a:xfrm>
+          <a:prstGeom prst="rect">
+            <a:avLst/>
+          </a:prstGeom>
+        </p:spPr>
+        <p:style>
+          <a:lnRef idx="2">
+            <a:schemeClr val="accent1">
+              <a:shade val="50000"/>
+            </a:schemeClr>
+          </a:lnRef>
+          <a:fillRef idx="1">
+            <a:schemeClr val="accent1"/>
+          </a:fillRef>
+          <a:effectRef idx="0">
+            <a:schemeClr val="accent1"/>
+          </a:effectRef>
+          <a:fontRef idx="minor">
+            <a:schemeClr val="lt1"/>
+          </a:fontRef>
+        </p:style>
+        <p:txBody>
+          <a:bodyPr rtlCol="0" anchor="ctr"/>
+          <a:lstStyle/>
+          <a:p>
+            <a:pPr algn="ctr"/>
+            <a:r>
+              <a:rPr lang="en-SG" sz="1200" b="1" dirty="0"/>
+              <a:t>User emulator </a:t>
+            </a:r>
+          </a:p>
+        </p:txBody>
+      </p:sp>
+      <p:cxnSp>
+        <p:nvCxnSpPr>
+          <p:cNvPr id="21" name="Straight Arrow Connector 20">
+            <a:extLst>
+              <a:ext uri="{FF2B5EF4-FFF2-40B4-BE49-F238E27FC236}">
+                <a16:creationId xmlns:a16="http://schemas.microsoft.com/office/drawing/2014/main" id="{0D9ED025-0ECF-55DC-C469-6FBC6BD2C3ED}"/>
+              </a:ext>
+            </a:extLst>
+          </p:cNvPr>
+          <p:cNvCxnSpPr>
+            <a:cxnSpLocks/>
+          </p:cNvCxnSpPr>
+          <p:nvPr/>
+        </p:nvCxnSpPr>
+        <p:spPr>
+          <a:xfrm>
+            <a:off x="7317709" y="5381923"/>
+            <a:ext cx="0" cy="314786"/>
+          </a:xfrm>
+          <a:prstGeom prst="straightConnector1">
+            <a:avLst/>
+          </a:prstGeom>
+          <a:ln w="19050">
+            <a:tailEnd type="triangle"/>
+          </a:ln>
+        </p:spPr>
+        <p:style>
+          <a:lnRef idx="1">
+            <a:schemeClr val="accent1"/>
+          </a:lnRef>
+          <a:fillRef idx="0">
+            <a:schemeClr val="accent1"/>
+          </a:fillRef>
+          <a:effectRef idx="0">
+            <a:schemeClr val="accent1"/>
+          </a:effectRef>
+          <a:fontRef idx="minor">
+            <a:schemeClr val="tx1"/>
+          </a:fontRef>
+        </p:style>
+      </p:cxnSp>
+      <p:cxnSp>
+        <p:nvCxnSpPr>
+          <p:cNvPr id="22" name="Straight Arrow Connector 21">
+            <a:extLst>
+              <a:ext uri="{FF2B5EF4-FFF2-40B4-BE49-F238E27FC236}">
+                <a16:creationId xmlns:a16="http://schemas.microsoft.com/office/drawing/2014/main" id="{85D71205-A5E8-8755-DA56-2AB4DA15A130}"/>
+              </a:ext>
+            </a:extLst>
+          </p:cNvPr>
+          <p:cNvCxnSpPr>
+            <a:cxnSpLocks/>
+          </p:cNvCxnSpPr>
+          <p:nvPr/>
+        </p:nvCxnSpPr>
+        <p:spPr>
+          <a:xfrm flipH="1">
+            <a:off x="9362612" y="5309638"/>
+            <a:ext cx="573298" cy="387071"/>
+          </a:xfrm>
+          <a:prstGeom prst="straightConnector1">
+            <a:avLst/>
+          </a:prstGeom>
+          <a:ln w="19050">
+            <a:tailEnd type="triangle"/>
+          </a:ln>
+        </p:spPr>
+        <p:style>
+          <a:lnRef idx="1">
+            <a:schemeClr val="accent1"/>
+          </a:lnRef>
+          <a:fillRef idx="0">
+            <a:schemeClr val="accent1"/>
+          </a:fillRef>
+          <a:effectRef idx="0">
+            <a:schemeClr val="accent1"/>
+          </a:effectRef>
+          <a:fontRef idx="minor">
+            <a:schemeClr val="tx1"/>
+          </a:fontRef>
+        </p:style>
+      </p:cxnSp>
+      <p:sp>
+        <p:nvSpPr>
+          <p:cNvPr id="23" name="Rectangle 22">
+            <a:extLst>
+              <a:ext uri="{FF2B5EF4-FFF2-40B4-BE49-F238E27FC236}">
+                <a16:creationId xmlns:a16="http://schemas.microsoft.com/office/drawing/2014/main" id="{17FF272C-A374-4CCF-19CE-9F44E1D1F31F}"/>
+              </a:ext>
+            </a:extLst>
+          </p:cNvPr>
+          <p:cNvSpPr/>
+          <p:nvPr/>
+        </p:nvSpPr>
+        <p:spPr>
+          <a:xfrm>
+            <a:off x="7074621" y="5782282"/>
+            <a:ext cx="2468553" cy="347870"/>
+          </a:xfrm>
+          <a:prstGeom prst="rect">
+            <a:avLst/>
+          </a:prstGeom>
+        </p:spPr>
+        <p:style>
+          <a:lnRef idx="2">
+            <a:schemeClr val="accent1">
+              <a:shade val="50000"/>
+            </a:schemeClr>
+          </a:lnRef>
+          <a:fillRef idx="1">
+            <a:schemeClr val="accent1"/>
+          </a:fillRef>
+          <a:effectRef idx="0">
+            <a:schemeClr val="accent1"/>
+          </a:effectRef>
+          <a:fontRef idx="minor">
+            <a:schemeClr val="lt1"/>
+          </a:fontRef>
+        </p:style>
+        <p:txBody>
+          <a:bodyPr rtlCol="0" anchor="ctr"/>
+          <a:lstStyle/>
+          <a:p>
+            <a:pPr algn="ctr"/>
+            <a:r>
+              <a:rPr lang="en-SG" sz="1200" b="1" dirty="0"/>
+              <a:t>Scenario / users group emulator </a:t>
+            </a:r>
+          </a:p>
+        </p:txBody>
+      </p:sp>
+      <p:sp>
+        <p:nvSpPr>
+          <p:cNvPr id="24" name="Rectangle 23">
+            <a:extLst>
+              <a:ext uri="{FF2B5EF4-FFF2-40B4-BE49-F238E27FC236}">
+                <a16:creationId xmlns:a16="http://schemas.microsoft.com/office/drawing/2014/main" id="{8F3EFF47-AE97-B80D-147E-2B09418A0594}"/>
+              </a:ext>
+            </a:extLst>
+          </p:cNvPr>
+          <p:cNvSpPr/>
+          <p:nvPr/>
+        </p:nvSpPr>
+        <p:spPr>
+          <a:xfrm>
+            <a:off x="6596010" y="4961768"/>
+            <a:ext cx="1431375" cy="347870"/>
+          </a:xfrm>
+          <a:prstGeom prst="rect">
+            <a:avLst/>
+          </a:prstGeom>
+        </p:spPr>
+        <p:style>
+          <a:lnRef idx="2">
+            <a:schemeClr val="accent1">
+              <a:shade val="50000"/>
+            </a:schemeClr>
+          </a:lnRef>
+          <a:fillRef idx="1">
+            <a:schemeClr val="accent1"/>
+          </a:fillRef>
+          <a:effectRef idx="0">
+            <a:schemeClr val="accent1"/>
+          </a:effectRef>
+          <a:fontRef idx="minor">
+            <a:schemeClr val="lt1"/>
+          </a:fontRef>
+        </p:style>
+        <p:txBody>
+          <a:bodyPr rtlCol="0" anchor="ctr"/>
+          <a:lstStyle/>
+          <a:p>
+            <a:pPr algn="ctr"/>
+            <a:r>
+              <a:rPr lang="en-SG" sz="1200" b="1" dirty="0"/>
+              <a:t>Environment config</a:t>
+            </a:r>
+          </a:p>
+        </p:txBody>
+      </p:sp>
+      <p:cxnSp>
+        <p:nvCxnSpPr>
+          <p:cNvPr id="25" name="Straight Arrow Connector 24">
+            <a:extLst>
+              <a:ext uri="{FF2B5EF4-FFF2-40B4-BE49-F238E27FC236}">
+                <a16:creationId xmlns:a16="http://schemas.microsoft.com/office/drawing/2014/main" id="{3E2A39F8-7133-F104-938F-F414F3139440}"/>
+              </a:ext>
+            </a:extLst>
+          </p:cNvPr>
+          <p:cNvCxnSpPr>
+            <a:cxnSpLocks/>
+          </p:cNvCxnSpPr>
+          <p:nvPr/>
+        </p:nvCxnSpPr>
+        <p:spPr>
+          <a:xfrm>
+            <a:off x="8784486" y="5381923"/>
+            <a:ext cx="0" cy="314786"/>
+          </a:xfrm>
+          <a:prstGeom prst="straightConnector1">
+            <a:avLst/>
+          </a:prstGeom>
+          <a:ln w="19050">
+            <a:tailEnd type="triangle"/>
+          </a:ln>
+        </p:spPr>
+        <p:style>
+          <a:lnRef idx="1">
+            <a:schemeClr val="accent1"/>
+          </a:lnRef>
+          <a:fillRef idx="0">
+            <a:schemeClr val="accent1"/>
+          </a:fillRef>
+          <a:effectRef idx="0">
+            <a:schemeClr val="accent1"/>
+          </a:effectRef>
+          <a:fontRef idx="minor">
+            <a:schemeClr val="tx1"/>
+          </a:fontRef>
+        </p:style>
+      </p:cxnSp>
+      <p:pic>
+        <p:nvPicPr>
+          <p:cNvPr id="26" name="Picture 25">
+            <a:extLst>
+              <a:ext uri="{FF2B5EF4-FFF2-40B4-BE49-F238E27FC236}">
+                <a16:creationId xmlns:a16="http://schemas.microsoft.com/office/drawing/2014/main" id="{1DAC9822-7DEB-0BD0-6F1B-608BB4DF4F5C}"/>
+              </a:ext>
+            </a:extLst>
+          </p:cNvPr>
+          <p:cNvPicPr>
+            <a:picLocks noChangeAspect="1"/>
+          </p:cNvPicPr>
+          <p:nvPr/>
+        </p:nvPicPr>
+        <p:blipFill>
+          <a:blip r:embed="rId3"/>
+          <a:stretch>
+            <a:fillRect/>
+          </a:stretch>
+        </p:blipFill>
+        <p:spPr>
+          <a:xfrm>
+            <a:off x="7040043" y="4213801"/>
+            <a:ext cx="411108" cy="424159"/>
+          </a:xfrm>
+          <a:prstGeom prst="rect">
+            <a:avLst/>
+          </a:prstGeom>
+          <a:ln w="3175">
+            <a:solidFill>
+              <a:schemeClr val="tx1"/>
+            </a:solidFill>
+          </a:ln>
+        </p:spPr>
+      </p:pic>
+      <p:cxnSp>
+        <p:nvCxnSpPr>
+          <p:cNvPr id="27" name="Straight Arrow Connector 26">
+            <a:extLst>
+              <a:ext uri="{FF2B5EF4-FFF2-40B4-BE49-F238E27FC236}">
+                <a16:creationId xmlns:a16="http://schemas.microsoft.com/office/drawing/2014/main" id="{33F52BF5-8507-2CEA-CA56-6BDBB6A0218C}"/>
+              </a:ext>
+            </a:extLst>
+          </p:cNvPr>
+          <p:cNvCxnSpPr>
+            <a:cxnSpLocks/>
+          </p:cNvCxnSpPr>
+          <p:nvPr/>
+        </p:nvCxnSpPr>
+        <p:spPr>
+          <a:xfrm flipH="1">
+            <a:off x="7285807" y="4712373"/>
+            <a:ext cx="5725" cy="211356"/>
+          </a:xfrm>
+          <a:prstGeom prst="straightConnector1">
+            <a:avLst/>
+          </a:prstGeom>
+          <a:ln w="28575">
+            <a:tailEnd type="triangle"/>
+          </a:ln>
+        </p:spPr>
+        <p:style>
+          <a:lnRef idx="1">
+            <a:schemeClr val="accent1"/>
+          </a:lnRef>
+          <a:fillRef idx="0">
+            <a:schemeClr val="accent1"/>
+          </a:fillRef>
+          <a:effectRef idx="0">
+            <a:schemeClr val="accent1"/>
+          </a:effectRef>
+          <a:fontRef idx="minor">
+            <a:schemeClr val="tx1"/>
+          </a:fontRef>
+        </p:style>
+      </p:cxnSp>
+      <p:sp>
+        <p:nvSpPr>
+          <p:cNvPr id="28" name="TextBox 27">
+            <a:extLst>
+              <a:ext uri="{FF2B5EF4-FFF2-40B4-BE49-F238E27FC236}">
+                <a16:creationId xmlns:a16="http://schemas.microsoft.com/office/drawing/2014/main" id="{E3984FE7-48C9-4552-C67C-F4C8F822AEE6}"/>
+              </a:ext>
+            </a:extLst>
+          </p:cNvPr>
+          <p:cNvSpPr txBox="1"/>
+          <p:nvPr/>
+        </p:nvSpPr>
+        <p:spPr>
+          <a:xfrm>
+            <a:off x="6639675" y="3740604"/>
+            <a:ext cx="1431375" cy="430887"/>
+          </a:xfrm>
+          <a:prstGeom prst="rect">
+            <a:avLst/>
+          </a:prstGeom>
+          <a:noFill/>
+        </p:spPr>
+        <p:txBody>
+          <a:bodyPr wrap="square" rtlCol="0">
+            <a:spAutoFit/>
+          </a:bodyPr>
+          <a:lstStyle/>
+          <a:p>
+            <a:r>
+              <a:rPr lang="en-SG" sz="1100" b="1" dirty="0"/>
+              <a:t>Customer’s network topology config  </a:t>
+            </a:r>
+          </a:p>
+        </p:txBody>
+      </p:sp>
+      <p:pic>
+        <p:nvPicPr>
+          <p:cNvPr id="29" name="Picture 4">
+            <a:extLst>
+              <a:ext uri="{FF2B5EF4-FFF2-40B4-BE49-F238E27FC236}">
+                <a16:creationId xmlns:a16="http://schemas.microsoft.com/office/drawing/2014/main" id="{4025A0C5-8B2E-4D35-1F92-CB5121B93DF6}"/>
+              </a:ext>
+            </a:extLst>
+          </p:cNvPr>
+          <p:cNvPicPr>
+            <a:picLocks noChangeAspect="1" noChangeArrowheads="1"/>
+          </p:cNvPicPr>
+          <p:nvPr/>
+        </p:nvPicPr>
+        <p:blipFill>
+          <a:blip r:embed="rId4">
+            <a:extLst>
+              <a:ext uri="{28A0092B-C50C-407E-A947-70E740481C1C}">
+                <a14:useLocalDpi xmlns:a14="http://schemas.microsoft.com/office/drawing/2010/main" val="0"/>
+              </a:ext>
+            </a:extLst>
+          </a:blip>
+          <a:srcRect/>
+          <a:stretch>
+            <a:fillRect/>
+          </a:stretch>
+        </p:blipFill>
+        <p:spPr bwMode="auto">
+          <a:xfrm>
+            <a:off x="11716222" y="5782282"/>
+            <a:ext cx="257116" cy="257116"/>
+          </a:xfrm>
+          <a:prstGeom prst="rect">
+            <a:avLst/>
+          </a:prstGeom>
+          <a:noFill/>
+          <a:extLst>
+            <a:ext uri="{909E8E84-426E-40DD-AFC4-6F175D3DCCD1}">
+              <a14:hiddenFill xmlns:a14="http://schemas.microsoft.com/office/drawing/2010/main">
+                <a:solidFill>
+                  <a:srgbClr val="FFFFFF"/>
+                </a:solidFill>
+              </a14:hiddenFill>
+            </a:ext>
+          </a:extLst>
+        </p:spPr>
+      </p:pic>
+      <p:sp>
+        <p:nvSpPr>
+          <p:cNvPr id="30" name="TextBox 29">
+            <a:extLst>
+              <a:ext uri="{FF2B5EF4-FFF2-40B4-BE49-F238E27FC236}">
+                <a16:creationId xmlns:a16="http://schemas.microsoft.com/office/drawing/2014/main" id="{5C3098D8-744A-B64F-E259-99C2E2301061}"/>
+              </a:ext>
+            </a:extLst>
+          </p:cNvPr>
+          <p:cNvSpPr txBox="1"/>
+          <p:nvPr/>
+        </p:nvSpPr>
+        <p:spPr>
+          <a:xfrm>
+            <a:off x="9997961" y="5696709"/>
+            <a:ext cx="1266806" cy="430887"/>
+          </a:xfrm>
+          <a:prstGeom prst="rect">
+            <a:avLst/>
+          </a:prstGeom>
+          <a:noFill/>
+          <a:ln w="12700">
+            <a:solidFill>
+              <a:schemeClr val="tx1"/>
+            </a:solidFill>
+            <a:prstDash val="sysDash"/>
+          </a:ln>
+        </p:spPr>
+        <p:txBody>
+          <a:bodyPr wrap="square" rtlCol="0">
+            <a:spAutoFit/>
+          </a:bodyPr>
+          <a:lstStyle/>
+          <a:p>
+            <a:r>
+              <a:rPr lang="en-SG" sz="1100" dirty="0"/>
+              <a:t>Monitor and Control hub (Web)</a:t>
+            </a:r>
+          </a:p>
+        </p:txBody>
+      </p:sp>
+      <p:cxnSp>
+        <p:nvCxnSpPr>
+          <p:cNvPr id="31" name="Straight Arrow Connector 30">
+            <a:extLst>
+              <a:ext uri="{FF2B5EF4-FFF2-40B4-BE49-F238E27FC236}">
+                <a16:creationId xmlns:a16="http://schemas.microsoft.com/office/drawing/2014/main" id="{935CC5B0-ABB2-8410-8147-2509C3C3E205}"/>
+              </a:ext>
+            </a:extLst>
+          </p:cNvPr>
+          <p:cNvCxnSpPr>
+            <a:cxnSpLocks/>
+            <a:stCxn id="30" idx="3"/>
+            <a:endCxn id="29" idx="1"/>
+          </p:cNvCxnSpPr>
+          <p:nvPr/>
+        </p:nvCxnSpPr>
+        <p:spPr>
+          <a:xfrm flipV="1">
+            <a:off x="11264767" y="5910840"/>
+            <a:ext cx="451455" cy="1313"/>
+          </a:xfrm>
+          <a:prstGeom prst="straightConnector1">
+            <a:avLst/>
+          </a:prstGeom>
+          <a:ln>
+            <a:solidFill>
+              <a:schemeClr val="accent6">
+                <a:lumMod val="75000"/>
+              </a:schemeClr>
+            </a:solidFill>
+            <a:prstDash val="dash"/>
+            <a:headEnd type="triangle"/>
+            <a:tailEnd type="triangle"/>
+          </a:ln>
+        </p:spPr>
+        <p:style>
+          <a:lnRef idx="1">
+            <a:schemeClr val="accent1"/>
+          </a:lnRef>
+          <a:fillRef idx="0">
+            <a:schemeClr val="accent1"/>
+          </a:fillRef>
+          <a:effectRef idx="0">
+            <a:schemeClr val="accent1"/>
+          </a:effectRef>
+          <a:fontRef idx="minor">
+            <a:schemeClr val="tx1"/>
+          </a:fontRef>
+        </p:style>
+      </p:cxnSp>
+      <p:cxnSp>
+        <p:nvCxnSpPr>
+          <p:cNvPr id="32" name="Straight Arrow Connector 31">
+            <a:extLst>
+              <a:ext uri="{FF2B5EF4-FFF2-40B4-BE49-F238E27FC236}">
+                <a16:creationId xmlns:a16="http://schemas.microsoft.com/office/drawing/2014/main" id="{473D72A0-1110-9BF8-949B-EC07FF6251D5}"/>
+              </a:ext>
+            </a:extLst>
+          </p:cNvPr>
+          <p:cNvCxnSpPr>
+            <a:cxnSpLocks/>
+          </p:cNvCxnSpPr>
+          <p:nvPr/>
+        </p:nvCxnSpPr>
+        <p:spPr>
+          <a:xfrm flipV="1">
+            <a:off x="9548681" y="5910840"/>
+            <a:ext cx="451455" cy="1313"/>
+          </a:xfrm>
+          <a:prstGeom prst="straightConnector1">
+            <a:avLst/>
+          </a:prstGeom>
+          <a:ln>
+            <a:solidFill>
+              <a:schemeClr val="accent6">
+                <a:lumMod val="75000"/>
+              </a:schemeClr>
+            </a:solidFill>
+            <a:prstDash val="dash"/>
+            <a:headEnd type="triangle"/>
+            <a:tailEnd type="triangle"/>
+          </a:ln>
+        </p:spPr>
+        <p:style>
+          <a:lnRef idx="1">
+            <a:schemeClr val="accent1"/>
+          </a:lnRef>
+          <a:fillRef idx="0">
+            <a:schemeClr val="accent1"/>
+          </a:fillRef>
+          <a:effectRef idx="0">
+            <a:schemeClr val="accent1"/>
+          </a:effectRef>
+          <a:fontRef idx="minor">
+            <a:schemeClr val="tx1"/>
+          </a:fontRef>
+        </p:style>
+      </p:cxnSp>
+      <p:sp>
+        <p:nvSpPr>
+          <p:cNvPr id="33" name="TextBox 32">
+            <a:extLst>
+              <a:ext uri="{FF2B5EF4-FFF2-40B4-BE49-F238E27FC236}">
+                <a16:creationId xmlns:a16="http://schemas.microsoft.com/office/drawing/2014/main" id="{A1A62063-23C1-EFB5-3123-FE5D93969BCD}"/>
+              </a:ext>
+            </a:extLst>
+          </p:cNvPr>
+          <p:cNvSpPr txBox="1"/>
+          <p:nvPr/>
+        </p:nvSpPr>
+        <p:spPr>
+          <a:xfrm>
+            <a:off x="6753220" y="894525"/>
+            <a:ext cx="3599930" cy="338554"/>
+          </a:xfrm>
+          <a:prstGeom prst="rect">
+            <a:avLst/>
+          </a:prstGeom>
+          <a:noFill/>
+        </p:spPr>
+        <p:txBody>
+          <a:bodyPr wrap="square" rtlCol="0">
+            <a:spAutoFit/>
+          </a:bodyPr>
+          <a:lstStyle/>
+          <a:p>
+            <a:r>
+              <a:rPr lang="en-US" sz="1600" b="1" dirty="0"/>
+              <a:t>System module diagram </a:t>
+            </a:r>
+            <a:endParaRPr lang="en-SG" sz="1600" b="1" dirty="0"/>
+          </a:p>
+        </p:txBody>
+      </p:sp>
+      <p:sp>
+        <p:nvSpPr>
+          <p:cNvPr id="34" name="TextBox 33">
+            <a:extLst>
+              <a:ext uri="{FF2B5EF4-FFF2-40B4-BE49-F238E27FC236}">
+                <a16:creationId xmlns:a16="http://schemas.microsoft.com/office/drawing/2014/main" id="{D1005488-9C40-65CD-A854-A3BBAF677E36}"/>
+              </a:ext>
+            </a:extLst>
+          </p:cNvPr>
+          <p:cNvSpPr txBox="1"/>
+          <p:nvPr/>
+        </p:nvSpPr>
+        <p:spPr>
+          <a:xfrm>
+            <a:off x="11605376" y="5503173"/>
+            <a:ext cx="533784" cy="261610"/>
+          </a:xfrm>
+          <a:prstGeom prst="rect">
+            <a:avLst/>
+          </a:prstGeom>
+          <a:noFill/>
+        </p:spPr>
+        <p:txBody>
+          <a:bodyPr wrap="square" rtlCol="0">
+            <a:spAutoFit/>
+          </a:bodyPr>
+          <a:lstStyle/>
+          <a:p>
+            <a:r>
+              <a:rPr lang="en-SG" sz="1100" b="1" dirty="0"/>
+              <a:t>User</a:t>
+            </a:r>
+          </a:p>
+        </p:txBody>
+      </p:sp>
     </p:spTree>
     <p:extLst>
       <p:ext uri="{BB962C8B-B14F-4D97-AF65-F5344CB8AC3E}">
         <p14:creationId xmlns:p14="http://schemas.microsoft.com/office/powerpoint/2010/main" val="3853615663"/>
+      </p:ext>
+    </p:extLst>
+  </p:cSld>
+  <p:clrMapOvr>
+    <a:masterClrMapping/>
+  </p:clrMapOvr>
+</p:sld>
+</file>
+
+<file path=ppt/slides/slide2.xml><?xml version="1.0" encoding="utf-8"?>
+<p:sld xmlns:a="http://schemas.openxmlformats.org/drawingml/2006/main" xmlns:r="http://schemas.openxmlformats.org/officeDocument/2006/relationships" xmlns:p="http://schemas.openxmlformats.org/presentationml/2006/main">
+  <p:cSld>
+    <p:spTree>
+      <p:nvGrpSpPr>
+        <p:cNvPr id="1" name=""/>
+        <p:cNvGrpSpPr/>
+        <p:nvPr/>
+      </p:nvGrpSpPr>
+      <p:grpSpPr>
+        <a:xfrm>
+          <a:off x="0" y="0"/>
+          <a:ext cx="0" cy="0"/>
+          <a:chOff x="0" y="0"/>
+          <a:chExt cx="0" cy="0"/>
+        </a:xfrm>
+      </p:grpSpPr>
+      <p:sp>
+        <p:nvSpPr>
+          <p:cNvPr id="4" name="TextBox 3">
+            <a:extLst>
+              <a:ext uri="{FF2B5EF4-FFF2-40B4-BE49-F238E27FC236}">
+                <a16:creationId xmlns:a16="http://schemas.microsoft.com/office/drawing/2014/main" id="{B2EE9385-272D-78F8-37EF-D7BFBD2E461E}"/>
+              </a:ext>
+            </a:extLst>
+          </p:cNvPr>
+          <p:cNvSpPr txBox="1"/>
+          <p:nvPr/>
+        </p:nvSpPr>
+        <p:spPr>
+          <a:xfrm>
+            <a:off x="0" y="-12557"/>
+            <a:ext cx="12191999" cy="461665"/>
+          </a:xfrm>
+          <a:prstGeom prst="rect">
+            <a:avLst/>
+          </a:prstGeom>
+          <a:solidFill>
+            <a:schemeClr val="accent1">
+              <a:lumMod val="75000"/>
+            </a:schemeClr>
+          </a:solidFill>
+          <a:ln>
+            <a:solidFill>
+              <a:schemeClr val="tx1"/>
+            </a:solidFill>
+          </a:ln>
+        </p:spPr>
+        <p:txBody>
+          <a:bodyPr wrap="square" rtlCol="0">
+            <a:spAutoFit/>
+          </a:bodyPr>
+          <a:lstStyle/>
+          <a:p>
+            <a:r>
+              <a:rPr lang="en-SG" sz="2400" dirty="0">
+                <a:solidFill>
+                  <a:schemeClr val="bg1"/>
+                </a:solidFill>
+              </a:rPr>
+              <a:t>User Action Emulator [ Components ]  </a:t>
+            </a:r>
+            <a:endParaRPr lang="en-SG" sz="2400" dirty="0">
+              <a:solidFill>
+                <a:srgbClr val="FF0000"/>
+              </a:solidFill>
+            </a:endParaRPr>
+          </a:p>
+        </p:txBody>
+      </p:sp>
+      <p:pic>
+        <p:nvPicPr>
+          <p:cNvPr id="5" name="Picture 4" descr="Graphical user interface, text&#10;&#10;Description automatically generated with medium confidence">
+            <a:extLst>
+              <a:ext uri="{FF2B5EF4-FFF2-40B4-BE49-F238E27FC236}">
+                <a16:creationId xmlns:a16="http://schemas.microsoft.com/office/drawing/2014/main" id="{CCBDD8B4-58ED-392B-004A-4336DFD8CA6A}"/>
+              </a:ext>
+            </a:extLst>
+          </p:cNvPr>
+          <p:cNvPicPr>
+            <a:picLocks noChangeAspect="1"/>
+          </p:cNvPicPr>
+          <p:nvPr/>
+        </p:nvPicPr>
+        <p:blipFill>
+          <a:blip r:embed="rId2">
+            <a:extLst>
+              <a:ext uri="{28A0092B-C50C-407E-A947-70E740481C1C}">
+                <a14:useLocalDpi xmlns:a14="http://schemas.microsoft.com/office/drawing/2010/main" val="0"/>
+              </a:ext>
+            </a:extLst>
+          </a:blip>
+          <a:stretch>
+            <a:fillRect/>
+          </a:stretch>
+        </p:blipFill>
+        <p:spPr>
+          <a:xfrm>
+            <a:off x="10527245" y="53310"/>
+            <a:ext cx="1598494" cy="348275"/>
+          </a:xfrm>
+          <a:prstGeom prst="rect">
+            <a:avLst/>
+          </a:prstGeom>
+        </p:spPr>
+      </p:pic>
+      <p:sp>
+        <p:nvSpPr>
+          <p:cNvPr id="2" name="TextBox 1">
+            <a:extLst>
+              <a:ext uri="{FF2B5EF4-FFF2-40B4-BE49-F238E27FC236}">
+                <a16:creationId xmlns:a16="http://schemas.microsoft.com/office/drawing/2014/main" id="{E41C1A65-01D5-3779-0FF5-323BD359DE9A}"/>
+              </a:ext>
+            </a:extLst>
+          </p:cNvPr>
+          <p:cNvSpPr txBox="1"/>
+          <p:nvPr/>
+        </p:nvSpPr>
+        <p:spPr>
+          <a:xfrm>
+            <a:off x="190182" y="615348"/>
+            <a:ext cx="4229300" cy="5509200"/>
+          </a:xfrm>
+          <a:prstGeom prst="rect">
+            <a:avLst/>
+          </a:prstGeom>
+          <a:noFill/>
+        </p:spPr>
+        <p:txBody>
+          <a:bodyPr wrap="square" rtlCol="0">
+            <a:spAutoFit/>
+          </a:bodyPr>
+          <a:lstStyle/>
+          <a:p>
+            <a:endParaRPr lang="en-US" sz="1600" b="1" dirty="0"/>
+          </a:p>
+          <a:p>
+            <a:r>
+              <a:rPr lang="en-US" sz="1600" b="1" dirty="0"/>
+              <a:t>Program components</a:t>
+            </a:r>
+          </a:p>
+          <a:p>
+            <a:r>
+              <a:rPr lang="en-US" sz="1600" dirty="0"/>
+              <a:t>The emulator program provides 4 levels of components to build/implement the customers requirement: </a:t>
+            </a:r>
+          </a:p>
+          <a:p>
+            <a:endParaRPr lang="en-US" sz="1600" dirty="0"/>
+          </a:p>
+          <a:p>
+            <a:pPr marL="285750" indent="-285750">
+              <a:buFont typeface="Arial" panose="020B0604020202020204" pitchFamily="34" charset="0"/>
+              <a:buChar char="•"/>
+            </a:pPr>
+            <a:r>
+              <a:rPr lang="en-US" sz="1600" b="1" dirty="0"/>
+              <a:t>Basic action function[lvl-0] : </a:t>
+            </a:r>
+            <a:r>
+              <a:rPr lang="en-US" sz="1600" dirty="0"/>
+              <a:t>Do one basic action such as file send tcp request, file copy, run cmd. </a:t>
+            </a:r>
+          </a:p>
+          <a:p>
+            <a:pPr marL="285750" indent="-285750">
+              <a:buFont typeface="Arial" panose="020B0604020202020204" pitchFamily="34" charset="0"/>
+              <a:buChar char="•"/>
+            </a:pPr>
+            <a:r>
+              <a:rPr lang="en-US" sz="1600" b="1" dirty="0"/>
+              <a:t>User action [lvl-1]:</a:t>
+            </a:r>
+            <a:r>
+              <a:rPr lang="en-US" sz="1600" dirty="0"/>
+              <a:t> Grouped basic functions with a schedule config file to implement complex user’s action such read and write email, join a zoom meeting. </a:t>
+            </a:r>
+          </a:p>
+          <a:p>
+            <a:pPr marL="285750" indent="-285750">
+              <a:buFont typeface="Arial" panose="020B0604020202020204" pitchFamily="34" charset="0"/>
+              <a:buChar char="•"/>
+            </a:pPr>
+            <a:r>
+              <a:rPr lang="en-US" sz="1600" b="1" dirty="0"/>
+              <a:t>Actor [lvl-2]: </a:t>
+            </a:r>
+            <a:r>
+              <a:rPr lang="en-US" sz="1600" dirty="0"/>
+              <a:t>Grouped user actions with a schedule config file to implement human normal activity such as edit a PPT and share to the cloud, play a sample game, surf the internet and download the contents. </a:t>
+            </a:r>
+          </a:p>
+          <a:p>
+            <a:pPr marL="285750" indent="-285750">
+              <a:buFont typeface="Arial" panose="020B0604020202020204" pitchFamily="34" charset="0"/>
+              <a:buChar char="•"/>
+            </a:pPr>
+            <a:r>
+              <a:rPr lang="en-SG" sz="1600" b="1" dirty="0"/>
+              <a:t>User emulator [lvl-3]: </a:t>
+            </a:r>
+            <a:r>
+              <a:rPr lang="en-SG" sz="1600" dirty="0"/>
+              <a:t>Schedule the actors with a customized timeline so the emulator can implement a specific user’s daily event, such as a network admin.</a:t>
+            </a:r>
+          </a:p>
+        </p:txBody>
+      </p:sp>
+      <p:sp>
+        <p:nvSpPr>
+          <p:cNvPr id="3" name="Rectangle 2">
+            <a:extLst>
+              <a:ext uri="{FF2B5EF4-FFF2-40B4-BE49-F238E27FC236}">
+                <a16:creationId xmlns:a16="http://schemas.microsoft.com/office/drawing/2014/main" id="{9AB8E00F-A69E-C3F3-BA43-A79DA2EB4C78}"/>
+              </a:ext>
+            </a:extLst>
+          </p:cNvPr>
+          <p:cNvSpPr/>
+          <p:nvPr/>
+        </p:nvSpPr>
+        <p:spPr>
+          <a:xfrm>
+            <a:off x="4540537" y="1694475"/>
+            <a:ext cx="6816520" cy="3520387"/>
+          </a:xfrm>
+          <a:prstGeom prst="rect">
+            <a:avLst/>
+          </a:prstGeom>
+          <a:ln w="19050">
+            <a:solidFill>
+              <a:schemeClr val="accent1">
+                <a:lumMod val="75000"/>
+              </a:schemeClr>
+            </a:solidFill>
+            <a:prstDash val="sysDash"/>
+          </a:ln>
+        </p:spPr>
+        <p:style>
+          <a:lnRef idx="2">
+            <a:schemeClr val="accent6"/>
+          </a:lnRef>
+          <a:fillRef idx="1">
+            <a:schemeClr val="lt1"/>
+          </a:fillRef>
+          <a:effectRef idx="0">
+            <a:schemeClr val="accent6"/>
+          </a:effectRef>
+          <a:fontRef idx="minor">
+            <a:schemeClr val="dk1"/>
+          </a:fontRef>
+        </p:style>
+        <p:txBody>
+          <a:bodyPr rtlCol="0" anchor="ctr"/>
+          <a:lstStyle/>
+          <a:p>
+            <a:endParaRPr lang="en-SG" b="1" dirty="0"/>
+          </a:p>
+        </p:txBody>
+      </p:sp>
+      <p:sp>
+        <p:nvSpPr>
+          <p:cNvPr id="6" name="Rectangle 5">
+            <a:extLst>
+              <a:ext uri="{FF2B5EF4-FFF2-40B4-BE49-F238E27FC236}">
+                <a16:creationId xmlns:a16="http://schemas.microsoft.com/office/drawing/2014/main" id="{9D6BE40C-1F02-59B8-4628-236AC9A22230}"/>
+              </a:ext>
+            </a:extLst>
+          </p:cNvPr>
+          <p:cNvSpPr/>
+          <p:nvPr/>
+        </p:nvSpPr>
+        <p:spPr>
+          <a:xfrm>
+            <a:off x="4649089" y="1990858"/>
+            <a:ext cx="5159218" cy="2337036"/>
+          </a:xfrm>
+          <a:prstGeom prst="rect">
+            <a:avLst/>
+          </a:prstGeom>
+          <a:ln w="28575">
+            <a:prstDash val="sysDash"/>
+          </a:ln>
+        </p:spPr>
+        <p:style>
+          <a:lnRef idx="2">
+            <a:schemeClr val="accent6"/>
+          </a:lnRef>
+          <a:fillRef idx="1">
+            <a:schemeClr val="lt1"/>
+          </a:fillRef>
+          <a:effectRef idx="0">
+            <a:schemeClr val="accent6"/>
+          </a:effectRef>
+          <a:fontRef idx="minor">
+            <a:schemeClr val="dk1"/>
+          </a:fontRef>
+        </p:style>
+        <p:txBody>
+          <a:bodyPr rtlCol="0" anchor="ctr"/>
+          <a:lstStyle/>
+          <a:p>
+            <a:endParaRPr lang="en-SG" b="1" dirty="0"/>
+          </a:p>
+        </p:txBody>
+      </p:sp>
+      <p:sp>
+        <p:nvSpPr>
+          <p:cNvPr id="7" name="Rectangle 6">
+            <a:extLst>
+              <a:ext uri="{FF2B5EF4-FFF2-40B4-BE49-F238E27FC236}">
+                <a16:creationId xmlns:a16="http://schemas.microsoft.com/office/drawing/2014/main" id="{AE429F22-7297-7423-3A0D-7B9E7CE6E58C}"/>
+              </a:ext>
+            </a:extLst>
+          </p:cNvPr>
+          <p:cNvSpPr/>
+          <p:nvPr/>
+        </p:nvSpPr>
+        <p:spPr>
+          <a:xfrm>
+            <a:off x="4729190" y="2224774"/>
+            <a:ext cx="2030850" cy="1197864"/>
+          </a:xfrm>
+          <a:prstGeom prst="rect">
+            <a:avLst/>
+          </a:prstGeom>
+          <a:ln w="19050">
+            <a:prstDash val="solid"/>
+            <a:extLst>
+              <a:ext uri="{C807C97D-BFC1-408E-A445-0C87EB9F89A2}">
+                <ask:lineSketchStyleProps xmlns:ask="http://schemas.microsoft.com/office/drawing/2018/sketchyshapes">
+                  <ask:type>
+                    <ask:lineSketchNone/>
+                  </ask:type>
+                </ask:lineSketchStyleProps>
+              </a:ext>
+            </a:extLst>
+          </a:ln>
+        </p:spPr>
+        <p:style>
+          <a:lnRef idx="2">
+            <a:schemeClr val="accent6"/>
+          </a:lnRef>
+          <a:fillRef idx="1">
+            <a:schemeClr val="lt1"/>
+          </a:fillRef>
+          <a:effectRef idx="0">
+            <a:schemeClr val="accent6"/>
+          </a:effectRef>
+          <a:fontRef idx="minor">
+            <a:schemeClr val="dk1"/>
+          </a:fontRef>
+        </p:style>
+        <p:txBody>
+          <a:bodyPr rtlCol="0" anchor="ctr"/>
+          <a:lstStyle/>
+          <a:p>
+            <a:endParaRPr lang="en-SG" b="1" dirty="0"/>
+          </a:p>
+        </p:txBody>
+      </p:sp>
+      <p:pic>
+        <p:nvPicPr>
+          <p:cNvPr id="8" name="Picture 7">
+            <a:extLst>
+              <a:ext uri="{FF2B5EF4-FFF2-40B4-BE49-F238E27FC236}">
+                <a16:creationId xmlns:a16="http://schemas.microsoft.com/office/drawing/2014/main" id="{47E70C46-0143-4572-9D01-1E6DBA498813}"/>
+              </a:ext>
+            </a:extLst>
+          </p:cNvPr>
+          <p:cNvPicPr>
+            <a:picLocks noChangeAspect="1"/>
+          </p:cNvPicPr>
+          <p:nvPr/>
+        </p:nvPicPr>
+        <p:blipFill>
+          <a:blip r:embed="rId3"/>
+          <a:stretch>
+            <a:fillRect/>
+          </a:stretch>
+        </p:blipFill>
+        <p:spPr>
+          <a:xfrm>
+            <a:off x="5215215" y="2308547"/>
+            <a:ext cx="355832" cy="427982"/>
+          </a:xfrm>
+          <a:prstGeom prst="rect">
+            <a:avLst/>
+          </a:prstGeom>
+        </p:spPr>
+      </p:pic>
+      <p:pic>
+        <p:nvPicPr>
+          <p:cNvPr id="9" name="Picture 8">
+            <a:extLst>
+              <a:ext uri="{FF2B5EF4-FFF2-40B4-BE49-F238E27FC236}">
+                <a16:creationId xmlns:a16="http://schemas.microsoft.com/office/drawing/2014/main" id="{0D27725B-2131-6919-4035-6D9EB239C4A6}"/>
+              </a:ext>
+            </a:extLst>
+          </p:cNvPr>
+          <p:cNvPicPr>
+            <a:picLocks noChangeAspect="1"/>
+          </p:cNvPicPr>
+          <p:nvPr/>
+        </p:nvPicPr>
+        <p:blipFill>
+          <a:blip r:embed="rId4"/>
+          <a:stretch>
+            <a:fillRect/>
+          </a:stretch>
+        </p:blipFill>
+        <p:spPr>
+          <a:xfrm>
+            <a:off x="6245362" y="2320776"/>
+            <a:ext cx="411108" cy="424159"/>
+          </a:xfrm>
+          <a:prstGeom prst="rect">
+            <a:avLst/>
+          </a:prstGeom>
+          <a:ln w="3175">
+            <a:solidFill>
+              <a:schemeClr val="tx1"/>
+            </a:solidFill>
+          </a:ln>
+        </p:spPr>
+      </p:pic>
+      <p:pic>
+        <p:nvPicPr>
+          <p:cNvPr id="10" name="Picture 9">
+            <a:extLst>
+              <a:ext uri="{FF2B5EF4-FFF2-40B4-BE49-F238E27FC236}">
+                <a16:creationId xmlns:a16="http://schemas.microsoft.com/office/drawing/2014/main" id="{6E46BFAF-74BC-E17F-55A4-0941846975F4}"/>
+              </a:ext>
+            </a:extLst>
+          </p:cNvPr>
+          <p:cNvPicPr>
+            <a:picLocks noChangeAspect="1"/>
+          </p:cNvPicPr>
+          <p:nvPr/>
+        </p:nvPicPr>
+        <p:blipFill>
+          <a:blip r:embed="rId3"/>
+          <a:stretch>
+            <a:fillRect/>
+          </a:stretch>
+        </p:blipFill>
+        <p:spPr>
+          <a:xfrm>
+            <a:off x="5803034" y="2291778"/>
+            <a:ext cx="355832" cy="427982"/>
+          </a:xfrm>
+          <a:prstGeom prst="rect">
+            <a:avLst/>
+          </a:prstGeom>
+        </p:spPr>
+      </p:pic>
+      <p:pic>
+        <p:nvPicPr>
+          <p:cNvPr id="11" name="Picture 10">
+            <a:extLst>
+              <a:ext uri="{FF2B5EF4-FFF2-40B4-BE49-F238E27FC236}">
+                <a16:creationId xmlns:a16="http://schemas.microsoft.com/office/drawing/2014/main" id="{5EB57103-BF39-1B4D-0E2D-A33F819C0017}"/>
+              </a:ext>
+            </a:extLst>
+          </p:cNvPr>
+          <p:cNvPicPr>
+            <a:picLocks noChangeAspect="1"/>
+          </p:cNvPicPr>
+          <p:nvPr/>
+        </p:nvPicPr>
+        <p:blipFill>
+          <a:blip r:embed="rId3"/>
+          <a:stretch>
+            <a:fillRect/>
+          </a:stretch>
+        </p:blipFill>
+        <p:spPr>
+          <a:xfrm>
+            <a:off x="4801470" y="2308547"/>
+            <a:ext cx="355832" cy="427982"/>
+          </a:xfrm>
+          <a:prstGeom prst="rect">
+            <a:avLst/>
+          </a:prstGeom>
+        </p:spPr>
+      </p:pic>
+      <p:sp>
+        <p:nvSpPr>
+          <p:cNvPr id="12" name="TextBox 11">
+            <a:extLst>
+              <a:ext uri="{FF2B5EF4-FFF2-40B4-BE49-F238E27FC236}">
+                <a16:creationId xmlns:a16="http://schemas.microsoft.com/office/drawing/2014/main" id="{103850DB-0F16-6D40-E0C6-3FE10D2DBBE7}"/>
+              </a:ext>
+            </a:extLst>
+          </p:cNvPr>
+          <p:cNvSpPr txBox="1"/>
+          <p:nvPr/>
+        </p:nvSpPr>
+        <p:spPr>
+          <a:xfrm>
+            <a:off x="5527596" y="2399809"/>
+            <a:ext cx="347472" cy="369332"/>
+          </a:xfrm>
+          <a:prstGeom prst="rect">
+            <a:avLst/>
+          </a:prstGeom>
+          <a:noFill/>
+        </p:spPr>
+        <p:txBody>
+          <a:bodyPr wrap="square" rtlCol="0">
+            <a:spAutoFit/>
+          </a:bodyPr>
+          <a:lstStyle/>
+          <a:p>
+            <a:r>
+              <a:rPr lang="en-SG" dirty="0"/>
+              <a:t>…</a:t>
+            </a:r>
+          </a:p>
+        </p:txBody>
+      </p:sp>
+      <p:sp>
+        <p:nvSpPr>
+          <p:cNvPr id="13" name="TextBox 12">
+            <a:extLst>
+              <a:ext uri="{FF2B5EF4-FFF2-40B4-BE49-F238E27FC236}">
+                <a16:creationId xmlns:a16="http://schemas.microsoft.com/office/drawing/2014/main" id="{2CDF6211-2FAD-33E5-3533-FA487F683940}"/>
+              </a:ext>
+            </a:extLst>
+          </p:cNvPr>
+          <p:cNvSpPr txBox="1"/>
+          <p:nvPr/>
+        </p:nvSpPr>
+        <p:spPr>
+          <a:xfrm>
+            <a:off x="4696759" y="2696986"/>
+            <a:ext cx="1509778" cy="261610"/>
+          </a:xfrm>
+          <a:prstGeom prst="rect">
+            <a:avLst/>
+          </a:prstGeom>
+          <a:noFill/>
+        </p:spPr>
+        <p:txBody>
+          <a:bodyPr wrap="square" rtlCol="0">
+            <a:spAutoFit/>
+          </a:bodyPr>
+          <a:lstStyle/>
+          <a:p>
+            <a:r>
+              <a:rPr lang="en-SG" sz="1100" dirty="0"/>
+              <a:t>Basic action functions </a:t>
+            </a:r>
+          </a:p>
+        </p:txBody>
+      </p:sp>
+      <p:sp>
+        <p:nvSpPr>
+          <p:cNvPr id="14" name="TextBox 13">
+            <a:extLst>
+              <a:ext uri="{FF2B5EF4-FFF2-40B4-BE49-F238E27FC236}">
+                <a16:creationId xmlns:a16="http://schemas.microsoft.com/office/drawing/2014/main" id="{5D5FFC8A-C4C2-A408-1652-D9D29AC92CA1}"/>
+              </a:ext>
+            </a:extLst>
+          </p:cNvPr>
+          <p:cNvSpPr txBox="1"/>
+          <p:nvPr/>
+        </p:nvSpPr>
+        <p:spPr>
+          <a:xfrm>
+            <a:off x="6224952" y="2753197"/>
+            <a:ext cx="587931" cy="261610"/>
+          </a:xfrm>
+          <a:prstGeom prst="rect">
+            <a:avLst/>
+          </a:prstGeom>
+          <a:noFill/>
+        </p:spPr>
+        <p:txBody>
+          <a:bodyPr wrap="square" rtlCol="0">
+            <a:spAutoFit/>
+          </a:bodyPr>
+          <a:lstStyle/>
+          <a:p>
+            <a:r>
+              <a:rPr lang="en-SG" sz="1100" dirty="0"/>
+              <a:t>Config</a:t>
+            </a:r>
+          </a:p>
+        </p:txBody>
+      </p:sp>
+      <p:cxnSp>
+        <p:nvCxnSpPr>
+          <p:cNvPr id="15" name="Straight Arrow Connector 14">
+            <a:extLst>
+              <a:ext uri="{FF2B5EF4-FFF2-40B4-BE49-F238E27FC236}">
+                <a16:creationId xmlns:a16="http://schemas.microsoft.com/office/drawing/2014/main" id="{135836CC-5157-F56F-054E-E537495DE33F}"/>
+              </a:ext>
+            </a:extLst>
+          </p:cNvPr>
+          <p:cNvCxnSpPr/>
+          <p:nvPr/>
+        </p:nvCxnSpPr>
+        <p:spPr>
+          <a:xfrm>
+            <a:off x="5451648" y="2870550"/>
+            <a:ext cx="0" cy="176092"/>
+          </a:xfrm>
+          <a:prstGeom prst="straightConnector1">
+            <a:avLst/>
+          </a:prstGeom>
+          <a:ln w="28575">
+            <a:tailEnd type="triangle"/>
+          </a:ln>
+        </p:spPr>
+        <p:style>
+          <a:lnRef idx="1">
+            <a:schemeClr val="accent1"/>
+          </a:lnRef>
+          <a:fillRef idx="0">
+            <a:schemeClr val="accent1"/>
+          </a:fillRef>
+          <a:effectRef idx="0">
+            <a:schemeClr val="accent1"/>
+          </a:effectRef>
+          <a:fontRef idx="minor">
+            <a:schemeClr val="tx1"/>
+          </a:fontRef>
+        </p:style>
+      </p:cxnSp>
+      <p:cxnSp>
+        <p:nvCxnSpPr>
+          <p:cNvPr id="16" name="Straight Arrow Connector 15">
+            <a:extLst>
+              <a:ext uri="{FF2B5EF4-FFF2-40B4-BE49-F238E27FC236}">
+                <a16:creationId xmlns:a16="http://schemas.microsoft.com/office/drawing/2014/main" id="{ED3F9901-DECA-6406-A9E9-F47479AE4E19}"/>
+              </a:ext>
+            </a:extLst>
+          </p:cNvPr>
+          <p:cNvCxnSpPr>
+            <a:cxnSpLocks/>
+          </p:cNvCxnSpPr>
+          <p:nvPr/>
+        </p:nvCxnSpPr>
+        <p:spPr>
+          <a:xfrm>
+            <a:off x="6251502" y="2838806"/>
+            <a:ext cx="0" cy="190640"/>
+          </a:xfrm>
+          <a:prstGeom prst="straightConnector1">
+            <a:avLst/>
+          </a:prstGeom>
+          <a:ln w="28575">
+            <a:tailEnd type="triangle"/>
+          </a:ln>
+        </p:spPr>
+        <p:style>
+          <a:lnRef idx="1">
+            <a:schemeClr val="accent1"/>
+          </a:lnRef>
+          <a:fillRef idx="0">
+            <a:schemeClr val="accent1"/>
+          </a:fillRef>
+          <a:effectRef idx="0">
+            <a:schemeClr val="accent1"/>
+          </a:effectRef>
+          <a:fontRef idx="minor">
+            <a:schemeClr val="tx1"/>
+          </a:fontRef>
+        </p:style>
+      </p:cxnSp>
+      <p:sp>
+        <p:nvSpPr>
+          <p:cNvPr id="17" name="TextBox 16">
+            <a:extLst>
+              <a:ext uri="{FF2B5EF4-FFF2-40B4-BE49-F238E27FC236}">
+                <a16:creationId xmlns:a16="http://schemas.microsoft.com/office/drawing/2014/main" id="{8C3B7DC7-FA61-98E7-8765-71109F44757D}"/>
+              </a:ext>
+            </a:extLst>
+          </p:cNvPr>
+          <p:cNvSpPr txBox="1"/>
+          <p:nvPr/>
+        </p:nvSpPr>
+        <p:spPr>
+          <a:xfrm>
+            <a:off x="5232430" y="3071018"/>
+            <a:ext cx="1211353" cy="261610"/>
+          </a:xfrm>
+          <a:prstGeom prst="rect">
+            <a:avLst/>
+          </a:prstGeom>
+          <a:noFill/>
+          <a:ln w="12700">
+            <a:solidFill>
+              <a:schemeClr val="tx1"/>
+            </a:solidFill>
+            <a:prstDash val="sysDash"/>
+          </a:ln>
+        </p:spPr>
+        <p:txBody>
+          <a:bodyPr wrap="square" rtlCol="0">
+            <a:spAutoFit/>
+          </a:bodyPr>
+          <a:lstStyle/>
+          <a:p>
+            <a:r>
+              <a:rPr lang="en-SG" sz="1100" dirty="0"/>
+              <a:t>Thread scheduler </a:t>
+            </a:r>
+          </a:p>
+        </p:txBody>
+      </p:sp>
+      <p:sp>
+        <p:nvSpPr>
+          <p:cNvPr id="18" name="TextBox 17">
+            <a:extLst>
+              <a:ext uri="{FF2B5EF4-FFF2-40B4-BE49-F238E27FC236}">
+                <a16:creationId xmlns:a16="http://schemas.microsoft.com/office/drawing/2014/main" id="{F5B06563-9F93-47F8-38E4-593AFEC33A0B}"/>
+              </a:ext>
+            </a:extLst>
+          </p:cNvPr>
+          <p:cNvSpPr txBox="1"/>
+          <p:nvPr/>
+        </p:nvSpPr>
+        <p:spPr>
+          <a:xfrm>
+            <a:off x="4649088" y="1996666"/>
+            <a:ext cx="1509778" cy="261610"/>
+          </a:xfrm>
+          <a:prstGeom prst="rect">
+            <a:avLst/>
+          </a:prstGeom>
+          <a:noFill/>
+        </p:spPr>
+        <p:txBody>
+          <a:bodyPr wrap="square" rtlCol="0">
+            <a:spAutoFit/>
+          </a:bodyPr>
+          <a:lstStyle/>
+          <a:p>
+            <a:r>
+              <a:rPr lang="en-SG" sz="1100" b="1" dirty="0"/>
+              <a:t>User Action</a:t>
+            </a:r>
+          </a:p>
+        </p:txBody>
+      </p:sp>
+      <p:sp>
+        <p:nvSpPr>
+          <p:cNvPr id="19" name="Rectangle 18">
+            <a:extLst>
+              <a:ext uri="{FF2B5EF4-FFF2-40B4-BE49-F238E27FC236}">
+                <a16:creationId xmlns:a16="http://schemas.microsoft.com/office/drawing/2014/main" id="{F9E64683-112B-D497-448E-844A9D4FEC21}"/>
+              </a:ext>
+            </a:extLst>
+          </p:cNvPr>
+          <p:cNvSpPr/>
+          <p:nvPr/>
+        </p:nvSpPr>
+        <p:spPr>
+          <a:xfrm>
+            <a:off x="7036221" y="2249669"/>
+            <a:ext cx="2030850" cy="1197864"/>
+          </a:xfrm>
+          <a:prstGeom prst="rect">
+            <a:avLst/>
+          </a:prstGeom>
+          <a:ln w="19050">
+            <a:prstDash val="solid"/>
+            <a:extLst>
+              <a:ext uri="{C807C97D-BFC1-408E-A445-0C87EB9F89A2}">
+                <ask:lineSketchStyleProps xmlns:ask="http://schemas.microsoft.com/office/drawing/2018/sketchyshapes">
+                  <ask:type>
+                    <ask:lineSketchNone/>
+                  </ask:type>
+                </ask:lineSketchStyleProps>
+              </a:ext>
+            </a:extLst>
+          </a:ln>
+        </p:spPr>
+        <p:style>
+          <a:lnRef idx="2">
+            <a:schemeClr val="accent6"/>
+          </a:lnRef>
+          <a:fillRef idx="1">
+            <a:schemeClr val="lt1"/>
+          </a:fillRef>
+          <a:effectRef idx="0">
+            <a:schemeClr val="accent6"/>
+          </a:effectRef>
+          <a:fontRef idx="minor">
+            <a:schemeClr val="dk1"/>
+          </a:fontRef>
+        </p:style>
+        <p:txBody>
+          <a:bodyPr rtlCol="0" anchor="ctr"/>
+          <a:lstStyle/>
+          <a:p>
+            <a:endParaRPr lang="en-SG" b="1" dirty="0"/>
+          </a:p>
+        </p:txBody>
+      </p:sp>
+      <p:pic>
+        <p:nvPicPr>
+          <p:cNvPr id="20" name="Picture 19">
+            <a:extLst>
+              <a:ext uri="{FF2B5EF4-FFF2-40B4-BE49-F238E27FC236}">
+                <a16:creationId xmlns:a16="http://schemas.microsoft.com/office/drawing/2014/main" id="{6AB946EE-2ABD-A448-055B-3516D6DDFAD1}"/>
+              </a:ext>
+            </a:extLst>
+          </p:cNvPr>
+          <p:cNvPicPr>
+            <a:picLocks noChangeAspect="1"/>
+          </p:cNvPicPr>
+          <p:nvPr/>
+        </p:nvPicPr>
+        <p:blipFill>
+          <a:blip r:embed="rId4"/>
+          <a:stretch>
+            <a:fillRect/>
+          </a:stretch>
+        </p:blipFill>
+        <p:spPr>
+          <a:xfrm>
+            <a:off x="8552393" y="2345671"/>
+            <a:ext cx="411108" cy="424159"/>
+          </a:xfrm>
+          <a:prstGeom prst="rect">
+            <a:avLst/>
+          </a:prstGeom>
+          <a:ln w="3175">
+            <a:solidFill>
+              <a:schemeClr val="tx1"/>
+            </a:solidFill>
+          </a:ln>
+        </p:spPr>
+      </p:pic>
+      <p:pic>
+        <p:nvPicPr>
+          <p:cNvPr id="21" name="Picture 20">
+            <a:extLst>
+              <a:ext uri="{FF2B5EF4-FFF2-40B4-BE49-F238E27FC236}">
+                <a16:creationId xmlns:a16="http://schemas.microsoft.com/office/drawing/2014/main" id="{70AF1C2C-8288-4A10-C534-1189513CFE63}"/>
+              </a:ext>
+            </a:extLst>
+          </p:cNvPr>
+          <p:cNvPicPr>
+            <a:picLocks noChangeAspect="1"/>
+          </p:cNvPicPr>
+          <p:nvPr/>
+        </p:nvPicPr>
+        <p:blipFill>
+          <a:blip r:embed="rId3"/>
+          <a:stretch>
+            <a:fillRect/>
+          </a:stretch>
+        </p:blipFill>
+        <p:spPr>
+          <a:xfrm>
+            <a:off x="8110065" y="2316673"/>
+            <a:ext cx="355832" cy="427982"/>
+          </a:xfrm>
+          <a:prstGeom prst="rect">
+            <a:avLst/>
+          </a:prstGeom>
+        </p:spPr>
+      </p:pic>
+      <p:sp>
+        <p:nvSpPr>
+          <p:cNvPr id="22" name="TextBox 21">
+            <a:extLst>
+              <a:ext uri="{FF2B5EF4-FFF2-40B4-BE49-F238E27FC236}">
+                <a16:creationId xmlns:a16="http://schemas.microsoft.com/office/drawing/2014/main" id="{94EA8823-615F-46FC-9581-E8AA467574D7}"/>
+              </a:ext>
+            </a:extLst>
+          </p:cNvPr>
+          <p:cNvSpPr txBox="1"/>
+          <p:nvPr/>
+        </p:nvSpPr>
+        <p:spPr>
+          <a:xfrm>
+            <a:off x="7834627" y="2424704"/>
+            <a:ext cx="347472" cy="369332"/>
+          </a:xfrm>
+          <a:prstGeom prst="rect">
+            <a:avLst/>
+          </a:prstGeom>
+          <a:noFill/>
+        </p:spPr>
+        <p:txBody>
+          <a:bodyPr wrap="square" rtlCol="0">
+            <a:spAutoFit/>
+          </a:bodyPr>
+          <a:lstStyle/>
+          <a:p>
+            <a:r>
+              <a:rPr lang="en-SG" dirty="0"/>
+              <a:t>…</a:t>
+            </a:r>
+          </a:p>
+        </p:txBody>
+      </p:sp>
+      <p:sp>
+        <p:nvSpPr>
+          <p:cNvPr id="23" name="TextBox 22">
+            <a:extLst>
+              <a:ext uri="{FF2B5EF4-FFF2-40B4-BE49-F238E27FC236}">
+                <a16:creationId xmlns:a16="http://schemas.microsoft.com/office/drawing/2014/main" id="{A95FB2D7-2D6C-2C9D-7748-745D2E2FE096}"/>
+              </a:ext>
+            </a:extLst>
+          </p:cNvPr>
+          <p:cNvSpPr txBox="1"/>
+          <p:nvPr/>
+        </p:nvSpPr>
+        <p:spPr>
+          <a:xfrm>
+            <a:off x="7003790" y="2721881"/>
+            <a:ext cx="1509778" cy="261610"/>
+          </a:xfrm>
+          <a:prstGeom prst="rect">
+            <a:avLst/>
+          </a:prstGeom>
+          <a:noFill/>
+        </p:spPr>
+        <p:txBody>
+          <a:bodyPr wrap="square" rtlCol="0">
+            <a:spAutoFit/>
+          </a:bodyPr>
+          <a:lstStyle/>
+          <a:p>
+            <a:r>
+              <a:rPr lang="en-SG" sz="1100" dirty="0"/>
+              <a:t>Customized functions </a:t>
+            </a:r>
+          </a:p>
+        </p:txBody>
+      </p:sp>
+      <p:sp>
+        <p:nvSpPr>
+          <p:cNvPr id="24" name="TextBox 23">
+            <a:extLst>
+              <a:ext uri="{FF2B5EF4-FFF2-40B4-BE49-F238E27FC236}">
+                <a16:creationId xmlns:a16="http://schemas.microsoft.com/office/drawing/2014/main" id="{9FE9F28D-52C9-B2DD-2BF4-EC3DA1841D7D}"/>
+              </a:ext>
+            </a:extLst>
+          </p:cNvPr>
+          <p:cNvSpPr txBox="1"/>
+          <p:nvPr/>
+        </p:nvSpPr>
+        <p:spPr>
+          <a:xfrm>
+            <a:off x="8531984" y="2778092"/>
+            <a:ext cx="555500" cy="261610"/>
+          </a:xfrm>
+          <a:prstGeom prst="rect">
+            <a:avLst/>
+          </a:prstGeom>
+          <a:noFill/>
+        </p:spPr>
+        <p:txBody>
+          <a:bodyPr wrap="square" rtlCol="0">
+            <a:spAutoFit/>
+          </a:bodyPr>
+          <a:lstStyle/>
+          <a:p>
+            <a:r>
+              <a:rPr lang="en-SG" sz="1100" dirty="0"/>
+              <a:t>Config</a:t>
+            </a:r>
+          </a:p>
+        </p:txBody>
+      </p:sp>
+      <p:cxnSp>
+        <p:nvCxnSpPr>
+          <p:cNvPr id="25" name="Straight Arrow Connector 24">
+            <a:extLst>
+              <a:ext uri="{FF2B5EF4-FFF2-40B4-BE49-F238E27FC236}">
+                <a16:creationId xmlns:a16="http://schemas.microsoft.com/office/drawing/2014/main" id="{8AF5B6A6-7417-1786-8BEE-95AF8445AAD8}"/>
+              </a:ext>
+            </a:extLst>
+          </p:cNvPr>
+          <p:cNvCxnSpPr/>
+          <p:nvPr/>
+        </p:nvCxnSpPr>
+        <p:spPr>
+          <a:xfrm>
+            <a:off x="7758679" y="2895445"/>
+            <a:ext cx="0" cy="176092"/>
+          </a:xfrm>
+          <a:prstGeom prst="straightConnector1">
+            <a:avLst/>
+          </a:prstGeom>
+          <a:ln w="28575">
+            <a:tailEnd type="triangle"/>
+          </a:ln>
+        </p:spPr>
+        <p:style>
+          <a:lnRef idx="1">
+            <a:schemeClr val="accent1"/>
+          </a:lnRef>
+          <a:fillRef idx="0">
+            <a:schemeClr val="accent1"/>
+          </a:fillRef>
+          <a:effectRef idx="0">
+            <a:schemeClr val="accent1"/>
+          </a:effectRef>
+          <a:fontRef idx="minor">
+            <a:schemeClr val="tx1"/>
+          </a:fontRef>
+        </p:style>
+      </p:cxnSp>
+      <p:cxnSp>
+        <p:nvCxnSpPr>
+          <p:cNvPr id="26" name="Straight Arrow Connector 25">
+            <a:extLst>
+              <a:ext uri="{FF2B5EF4-FFF2-40B4-BE49-F238E27FC236}">
+                <a16:creationId xmlns:a16="http://schemas.microsoft.com/office/drawing/2014/main" id="{3157A07C-8D72-F18B-9D59-FBA4ED556AD4}"/>
+              </a:ext>
+            </a:extLst>
+          </p:cNvPr>
+          <p:cNvCxnSpPr>
+            <a:cxnSpLocks/>
+          </p:cNvCxnSpPr>
+          <p:nvPr/>
+        </p:nvCxnSpPr>
+        <p:spPr>
+          <a:xfrm>
+            <a:off x="8558533" y="2863701"/>
+            <a:ext cx="0" cy="190640"/>
+          </a:xfrm>
+          <a:prstGeom prst="straightConnector1">
+            <a:avLst/>
+          </a:prstGeom>
+          <a:ln w="28575">
+            <a:tailEnd type="triangle"/>
+          </a:ln>
+        </p:spPr>
+        <p:style>
+          <a:lnRef idx="1">
+            <a:schemeClr val="accent1"/>
+          </a:lnRef>
+          <a:fillRef idx="0">
+            <a:schemeClr val="accent1"/>
+          </a:fillRef>
+          <a:effectRef idx="0">
+            <a:schemeClr val="accent1"/>
+          </a:effectRef>
+          <a:fontRef idx="minor">
+            <a:schemeClr val="tx1"/>
+          </a:fontRef>
+        </p:style>
+      </p:cxnSp>
+      <p:sp>
+        <p:nvSpPr>
+          <p:cNvPr id="27" name="TextBox 26">
+            <a:extLst>
+              <a:ext uri="{FF2B5EF4-FFF2-40B4-BE49-F238E27FC236}">
+                <a16:creationId xmlns:a16="http://schemas.microsoft.com/office/drawing/2014/main" id="{7A5A6C55-178B-69E7-9D5C-AC7F24BB15E0}"/>
+              </a:ext>
+            </a:extLst>
+          </p:cNvPr>
+          <p:cNvSpPr txBox="1"/>
+          <p:nvPr/>
+        </p:nvSpPr>
+        <p:spPr>
+          <a:xfrm>
+            <a:off x="7539461" y="3095913"/>
+            <a:ext cx="1211353" cy="261610"/>
+          </a:xfrm>
+          <a:prstGeom prst="rect">
+            <a:avLst/>
+          </a:prstGeom>
+          <a:noFill/>
+          <a:ln w="12700">
+            <a:solidFill>
+              <a:schemeClr val="tx1"/>
+            </a:solidFill>
+            <a:prstDash val="sysDash"/>
+          </a:ln>
+        </p:spPr>
+        <p:txBody>
+          <a:bodyPr wrap="square" rtlCol="0">
+            <a:spAutoFit/>
+          </a:bodyPr>
+          <a:lstStyle/>
+          <a:p>
+            <a:r>
+              <a:rPr lang="en-SG" sz="1100" dirty="0"/>
+              <a:t>Thread scheduler </a:t>
+            </a:r>
+          </a:p>
+        </p:txBody>
+      </p:sp>
+      <p:sp>
+        <p:nvSpPr>
+          <p:cNvPr id="28" name="TextBox 27">
+            <a:extLst>
+              <a:ext uri="{FF2B5EF4-FFF2-40B4-BE49-F238E27FC236}">
+                <a16:creationId xmlns:a16="http://schemas.microsoft.com/office/drawing/2014/main" id="{C0F9AB22-8598-0103-12A2-47AD4B29B271}"/>
+              </a:ext>
+            </a:extLst>
+          </p:cNvPr>
+          <p:cNvSpPr txBox="1"/>
+          <p:nvPr/>
+        </p:nvSpPr>
+        <p:spPr>
+          <a:xfrm>
+            <a:off x="6956119" y="2021561"/>
+            <a:ext cx="1509778" cy="261610"/>
+          </a:xfrm>
+          <a:prstGeom prst="rect">
+            <a:avLst/>
+          </a:prstGeom>
+          <a:noFill/>
+        </p:spPr>
+        <p:txBody>
+          <a:bodyPr wrap="square" rtlCol="0">
+            <a:spAutoFit/>
+          </a:bodyPr>
+          <a:lstStyle/>
+          <a:p>
+            <a:r>
+              <a:rPr lang="en-SG" sz="1100" b="1" dirty="0"/>
+              <a:t>User Action</a:t>
+            </a:r>
+          </a:p>
+        </p:txBody>
+      </p:sp>
+      <p:pic>
+        <p:nvPicPr>
+          <p:cNvPr id="29" name="Picture 28">
+            <a:extLst>
+              <a:ext uri="{FF2B5EF4-FFF2-40B4-BE49-F238E27FC236}">
+                <a16:creationId xmlns:a16="http://schemas.microsoft.com/office/drawing/2014/main" id="{A22E518B-2383-1A72-95CA-4A3188F4AC54}"/>
+              </a:ext>
+            </a:extLst>
+          </p:cNvPr>
+          <p:cNvPicPr>
+            <a:picLocks noChangeAspect="1"/>
+          </p:cNvPicPr>
+          <p:nvPr/>
+        </p:nvPicPr>
+        <p:blipFill>
+          <a:blip r:embed="rId5"/>
+          <a:stretch>
+            <a:fillRect/>
+          </a:stretch>
+        </p:blipFill>
+        <p:spPr>
+          <a:xfrm>
+            <a:off x="7108246" y="2333442"/>
+            <a:ext cx="375454" cy="369332"/>
+          </a:xfrm>
+          <a:prstGeom prst="rect">
+            <a:avLst/>
+          </a:prstGeom>
+          <a:ln w="6350">
+            <a:solidFill>
+              <a:schemeClr val="tx1"/>
+            </a:solidFill>
+          </a:ln>
+        </p:spPr>
+      </p:pic>
+      <p:pic>
+        <p:nvPicPr>
+          <p:cNvPr id="30" name="Picture 29">
+            <a:extLst>
+              <a:ext uri="{FF2B5EF4-FFF2-40B4-BE49-F238E27FC236}">
+                <a16:creationId xmlns:a16="http://schemas.microsoft.com/office/drawing/2014/main" id="{810D91C4-BCD4-641C-D9EC-BEBB14A40F46}"/>
+              </a:ext>
+            </a:extLst>
+          </p:cNvPr>
+          <p:cNvPicPr>
+            <a:picLocks noChangeAspect="1"/>
+          </p:cNvPicPr>
+          <p:nvPr/>
+        </p:nvPicPr>
+        <p:blipFill>
+          <a:blip r:embed="rId6"/>
+          <a:stretch>
+            <a:fillRect/>
+          </a:stretch>
+        </p:blipFill>
+        <p:spPr>
+          <a:xfrm>
+            <a:off x="7546302" y="2330998"/>
+            <a:ext cx="361342" cy="381740"/>
+          </a:xfrm>
+          <a:prstGeom prst="rect">
+            <a:avLst/>
+          </a:prstGeom>
+          <a:ln w="9525">
+            <a:solidFill>
+              <a:schemeClr val="tx1"/>
+            </a:solidFill>
+          </a:ln>
+        </p:spPr>
+      </p:pic>
+      <p:sp>
+        <p:nvSpPr>
+          <p:cNvPr id="31" name="TextBox 30">
+            <a:extLst>
+              <a:ext uri="{FF2B5EF4-FFF2-40B4-BE49-F238E27FC236}">
+                <a16:creationId xmlns:a16="http://schemas.microsoft.com/office/drawing/2014/main" id="{7458933F-01CF-7102-051D-1937750FD0D6}"/>
+              </a:ext>
+            </a:extLst>
+          </p:cNvPr>
+          <p:cNvSpPr txBox="1"/>
+          <p:nvPr/>
+        </p:nvSpPr>
+        <p:spPr>
+          <a:xfrm>
+            <a:off x="6722428" y="3123727"/>
+            <a:ext cx="347472" cy="369332"/>
+          </a:xfrm>
+          <a:prstGeom prst="rect">
+            <a:avLst/>
+          </a:prstGeom>
+          <a:noFill/>
+        </p:spPr>
+        <p:txBody>
+          <a:bodyPr wrap="square" rtlCol="0">
+            <a:spAutoFit/>
+          </a:bodyPr>
+          <a:lstStyle/>
+          <a:p>
+            <a:r>
+              <a:rPr lang="en-SG" dirty="0"/>
+              <a:t>…</a:t>
+            </a:r>
+          </a:p>
+        </p:txBody>
+      </p:sp>
+      <p:pic>
+        <p:nvPicPr>
+          <p:cNvPr id="32" name="Picture 31">
+            <a:extLst>
+              <a:ext uri="{FF2B5EF4-FFF2-40B4-BE49-F238E27FC236}">
+                <a16:creationId xmlns:a16="http://schemas.microsoft.com/office/drawing/2014/main" id="{AB808636-E16E-A781-9C0C-8DCB91A8F2CC}"/>
+              </a:ext>
+            </a:extLst>
+          </p:cNvPr>
+          <p:cNvPicPr>
+            <a:picLocks noChangeAspect="1"/>
+          </p:cNvPicPr>
+          <p:nvPr/>
+        </p:nvPicPr>
+        <p:blipFill>
+          <a:blip r:embed="rId4"/>
+          <a:stretch>
+            <a:fillRect/>
+          </a:stretch>
+        </p:blipFill>
+        <p:spPr>
+          <a:xfrm>
+            <a:off x="9293508" y="2834562"/>
+            <a:ext cx="411108" cy="424159"/>
+          </a:xfrm>
+          <a:prstGeom prst="rect">
+            <a:avLst/>
+          </a:prstGeom>
+          <a:ln w="3175">
+            <a:solidFill>
+              <a:schemeClr val="tx1"/>
+            </a:solidFill>
+          </a:ln>
+        </p:spPr>
+      </p:pic>
+      <p:sp>
+        <p:nvSpPr>
+          <p:cNvPr id="33" name="TextBox 32">
+            <a:extLst>
+              <a:ext uri="{FF2B5EF4-FFF2-40B4-BE49-F238E27FC236}">
+                <a16:creationId xmlns:a16="http://schemas.microsoft.com/office/drawing/2014/main" id="{8CD7CD4F-6D36-B67C-DADA-6B2AC8748C75}"/>
+              </a:ext>
+            </a:extLst>
+          </p:cNvPr>
+          <p:cNvSpPr txBox="1"/>
+          <p:nvPr/>
+        </p:nvSpPr>
+        <p:spPr>
+          <a:xfrm>
+            <a:off x="9220375" y="3231449"/>
+            <a:ext cx="587931" cy="261610"/>
+          </a:xfrm>
+          <a:prstGeom prst="rect">
+            <a:avLst/>
+          </a:prstGeom>
+          <a:noFill/>
+        </p:spPr>
+        <p:txBody>
+          <a:bodyPr wrap="square" rtlCol="0">
+            <a:spAutoFit/>
+          </a:bodyPr>
+          <a:lstStyle/>
+          <a:p>
+            <a:r>
+              <a:rPr lang="en-SG" sz="1100" dirty="0"/>
+              <a:t>Config</a:t>
+            </a:r>
+          </a:p>
+        </p:txBody>
+      </p:sp>
+      <p:sp>
+        <p:nvSpPr>
+          <p:cNvPr id="34" name="TextBox 33">
+            <a:extLst>
+              <a:ext uri="{FF2B5EF4-FFF2-40B4-BE49-F238E27FC236}">
+                <a16:creationId xmlns:a16="http://schemas.microsoft.com/office/drawing/2014/main" id="{46F31EF1-C4C5-AA1E-31B6-3895428D57F0}"/>
+              </a:ext>
+            </a:extLst>
+          </p:cNvPr>
+          <p:cNvSpPr txBox="1"/>
+          <p:nvPr/>
+        </p:nvSpPr>
+        <p:spPr>
+          <a:xfrm>
+            <a:off x="5832874" y="3900705"/>
+            <a:ext cx="2042828" cy="261610"/>
+          </a:xfrm>
+          <a:prstGeom prst="rect">
+            <a:avLst/>
+          </a:prstGeom>
+          <a:noFill/>
+          <a:ln w="12700">
+            <a:solidFill>
+              <a:schemeClr val="tx1"/>
+            </a:solidFill>
+            <a:prstDash val="sysDash"/>
+          </a:ln>
+        </p:spPr>
+        <p:txBody>
+          <a:bodyPr wrap="square" rtlCol="0">
+            <a:spAutoFit/>
+          </a:bodyPr>
+          <a:lstStyle/>
+          <a:p>
+            <a:r>
+              <a:rPr lang="en-SG" sz="1100" dirty="0"/>
+              <a:t>Process and threads scheduler </a:t>
+            </a:r>
+          </a:p>
+        </p:txBody>
+      </p:sp>
+      <p:cxnSp>
+        <p:nvCxnSpPr>
+          <p:cNvPr id="35" name="Connector: Elbow 34">
+            <a:extLst>
+              <a:ext uri="{FF2B5EF4-FFF2-40B4-BE49-F238E27FC236}">
+                <a16:creationId xmlns:a16="http://schemas.microsoft.com/office/drawing/2014/main" id="{CAD2DFF5-77F2-BAE6-A605-041FFE1CEA82}"/>
+              </a:ext>
+            </a:extLst>
+          </p:cNvPr>
+          <p:cNvCxnSpPr>
+            <a:cxnSpLocks/>
+            <a:endCxn id="34" idx="1"/>
+          </p:cNvCxnSpPr>
+          <p:nvPr/>
+        </p:nvCxnSpPr>
+        <p:spPr>
+          <a:xfrm rot="16200000" flipH="1">
+            <a:off x="5332631" y="3531267"/>
+            <a:ext cx="591476" cy="409010"/>
+          </a:xfrm>
+          <a:prstGeom prst="bentConnector2">
+            <a:avLst/>
+          </a:prstGeom>
+          <a:ln w="28575">
+            <a:tailEnd type="triangle"/>
+          </a:ln>
+        </p:spPr>
+        <p:style>
+          <a:lnRef idx="1">
+            <a:schemeClr val="accent1"/>
+          </a:lnRef>
+          <a:fillRef idx="0">
+            <a:schemeClr val="accent1"/>
+          </a:fillRef>
+          <a:effectRef idx="0">
+            <a:schemeClr val="accent1"/>
+          </a:effectRef>
+          <a:fontRef idx="minor">
+            <a:schemeClr val="tx1"/>
+          </a:fontRef>
+        </p:style>
+      </p:cxnSp>
+      <p:cxnSp>
+        <p:nvCxnSpPr>
+          <p:cNvPr id="36" name="Connector: Elbow 35">
+            <a:extLst>
+              <a:ext uri="{FF2B5EF4-FFF2-40B4-BE49-F238E27FC236}">
+                <a16:creationId xmlns:a16="http://schemas.microsoft.com/office/drawing/2014/main" id="{3AE8AB8C-6852-CAEB-D489-59AB45234D78}"/>
+              </a:ext>
+            </a:extLst>
+          </p:cNvPr>
+          <p:cNvCxnSpPr>
+            <a:cxnSpLocks/>
+            <a:stCxn id="19" idx="2"/>
+            <a:endCxn id="34" idx="0"/>
+          </p:cNvCxnSpPr>
+          <p:nvPr/>
+        </p:nvCxnSpPr>
+        <p:spPr>
+          <a:xfrm rot="5400000">
+            <a:off x="7226381" y="3075440"/>
+            <a:ext cx="453172" cy="1197358"/>
+          </a:xfrm>
+          <a:prstGeom prst="bentConnector3">
+            <a:avLst>
+              <a:gd name="adj1" fmla="val 50000"/>
+            </a:avLst>
+          </a:prstGeom>
+          <a:ln w="28575">
+            <a:tailEnd type="triangle"/>
+          </a:ln>
+        </p:spPr>
+        <p:style>
+          <a:lnRef idx="1">
+            <a:schemeClr val="accent1"/>
+          </a:lnRef>
+          <a:fillRef idx="0">
+            <a:schemeClr val="accent1"/>
+          </a:fillRef>
+          <a:effectRef idx="0">
+            <a:schemeClr val="accent1"/>
+          </a:effectRef>
+          <a:fontRef idx="minor">
+            <a:schemeClr val="tx1"/>
+          </a:fontRef>
+        </p:style>
+      </p:cxnSp>
+      <p:cxnSp>
+        <p:nvCxnSpPr>
+          <p:cNvPr id="37" name="Connector: Elbow 36">
+            <a:extLst>
+              <a:ext uri="{FF2B5EF4-FFF2-40B4-BE49-F238E27FC236}">
+                <a16:creationId xmlns:a16="http://schemas.microsoft.com/office/drawing/2014/main" id="{4ACF832F-9525-DF46-8CE1-B7FD7FA39096}"/>
+              </a:ext>
+            </a:extLst>
+          </p:cNvPr>
+          <p:cNvCxnSpPr>
+            <a:cxnSpLocks/>
+            <a:stCxn id="33" idx="2"/>
+            <a:endCxn id="34" idx="3"/>
+          </p:cNvCxnSpPr>
+          <p:nvPr/>
+        </p:nvCxnSpPr>
+        <p:spPr>
+          <a:xfrm rot="5400000">
+            <a:off x="8425797" y="2942965"/>
+            <a:ext cx="538451" cy="1638639"/>
+          </a:xfrm>
+          <a:prstGeom prst="bentConnector2">
+            <a:avLst/>
+          </a:prstGeom>
+          <a:ln w="28575">
+            <a:tailEnd type="triangle"/>
+          </a:ln>
+        </p:spPr>
+        <p:style>
+          <a:lnRef idx="1">
+            <a:schemeClr val="accent1"/>
+          </a:lnRef>
+          <a:fillRef idx="0">
+            <a:schemeClr val="accent1"/>
+          </a:fillRef>
+          <a:effectRef idx="0">
+            <a:schemeClr val="accent1"/>
+          </a:effectRef>
+          <a:fontRef idx="minor">
+            <a:schemeClr val="tx1"/>
+          </a:fontRef>
+        </p:style>
+      </p:cxnSp>
+      <p:sp>
+        <p:nvSpPr>
+          <p:cNvPr id="38" name="TextBox 37">
+            <a:extLst>
+              <a:ext uri="{FF2B5EF4-FFF2-40B4-BE49-F238E27FC236}">
+                <a16:creationId xmlns:a16="http://schemas.microsoft.com/office/drawing/2014/main" id="{83867544-ED54-85E1-89BE-478E88537D7B}"/>
+              </a:ext>
+            </a:extLst>
+          </p:cNvPr>
+          <p:cNvSpPr txBox="1"/>
+          <p:nvPr/>
+        </p:nvSpPr>
+        <p:spPr>
+          <a:xfrm>
+            <a:off x="4589406" y="1713475"/>
+            <a:ext cx="567896" cy="261610"/>
+          </a:xfrm>
+          <a:prstGeom prst="rect">
+            <a:avLst/>
+          </a:prstGeom>
+          <a:noFill/>
+        </p:spPr>
+        <p:txBody>
+          <a:bodyPr wrap="square" rtlCol="0">
+            <a:spAutoFit/>
+          </a:bodyPr>
+          <a:lstStyle/>
+          <a:p>
+            <a:r>
+              <a:rPr lang="en-SG" sz="1100" b="1" dirty="0"/>
+              <a:t>Actor</a:t>
+            </a:r>
+          </a:p>
+        </p:txBody>
+      </p:sp>
+      <p:sp>
+        <p:nvSpPr>
+          <p:cNvPr id="39" name="Rectangle 38">
+            <a:extLst>
+              <a:ext uri="{FF2B5EF4-FFF2-40B4-BE49-F238E27FC236}">
+                <a16:creationId xmlns:a16="http://schemas.microsoft.com/office/drawing/2014/main" id="{3D49B6E7-6641-EBF5-D27A-55592BADC163}"/>
+              </a:ext>
+            </a:extLst>
+          </p:cNvPr>
+          <p:cNvSpPr/>
+          <p:nvPr/>
+        </p:nvSpPr>
+        <p:spPr>
+          <a:xfrm flipH="1">
+            <a:off x="10243152" y="1965903"/>
+            <a:ext cx="273279" cy="2337036"/>
+          </a:xfrm>
+          <a:prstGeom prst="rect">
+            <a:avLst/>
+          </a:prstGeom>
+          <a:ln w="28575">
+            <a:prstDash val="sysDash"/>
+          </a:ln>
+        </p:spPr>
+        <p:style>
+          <a:lnRef idx="2">
+            <a:schemeClr val="accent6"/>
+          </a:lnRef>
+          <a:fillRef idx="1">
+            <a:schemeClr val="lt1"/>
+          </a:fillRef>
+          <a:effectRef idx="0">
+            <a:schemeClr val="accent6"/>
+          </a:effectRef>
+          <a:fontRef idx="minor">
+            <a:schemeClr val="dk1"/>
+          </a:fontRef>
+        </p:style>
+        <p:txBody>
+          <a:bodyPr rtlCol="0" anchor="ctr"/>
+          <a:lstStyle/>
+          <a:p>
+            <a:endParaRPr lang="en-SG" b="1" dirty="0"/>
+          </a:p>
+        </p:txBody>
+      </p:sp>
+      <p:sp>
+        <p:nvSpPr>
+          <p:cNvPr id="40" name="TextBox 39">
+            <a:extLst>
+              <a:ext uri="{FF2B5EF4-FFF2-40B4-BE49-F238E27FC236}">
+                <a16:creationId xmlns:a16="http://schemas.microsoft.com/office/drawing/2014/main" id="{A337FD8A-73D3-63B9-0F1F-1026ED0461BF}"/>
+              </a:ext>
+            </a:extLst>
+          </p:cNvPr>
+          <p:cNvSpPr txBox="1"/>
+          <p:nvPr/>
+        </p:nvSpPr>
+        <p:spPr>
+          <a:xfrm>
+            <a:off x="9885854" y="4031510"/>
+            <a:ext cx="347472" cy="369332"/>
+          </a:xfrm>
+          <a:prstGeom prst="rect">
+            <a:avLst/>
+          </a:prstGeom>
+          <a:noFill/>
+        </p:spPr>
+        <p:txBody>
+          <a:bodyPr wrap="square" rtlCol="0">
+            <a:spAutoFit/>
+          </a:bodyPr>
+          <a:lstStyle/>
+          <a:p>
+            <a:r>
+              <a:rPr lang="en-SG" dirty="0"/>
+              <a:t>…</a:t>
+            </a:r>
+          </a:p>
+        </p:txBody>
+      </p:sp>
+      <p:sp>
+        <p:nvSpPr>
+          <p:cNvPr id="41" name="TextBox 40">
+            <a:extLst>
+              <a:ext uri="{FF2B5EF4-FFF2-40B4-BE49-F238E27FC236}">
+                <a16:creationId xmlns:a16="http://schemas.microsoft.com/office/drawing/2014/main" id="{B55F0571-491B-99EE-27C6-8F453CC11084}"/>
+              </a:ext>
+            </a:extLst>
+          </p:cNvPr>
+          <p:cNvSpPr txBox="1"/>
+          <p:nvPr/>
+        </p:nvSpPr>
+        <p:spPr>
+          <a:xfrm>
+            <a:off x="10059590" y="1694474"/>
+            <a:ext cx="1509778" cy="261610"/>
+          </a:xfrm>
+          <a:prstGeom prst="rect">
+            <a:avLst/>
+          </a:prstGeom>
+          <a:noFill/>
+        </p:spPr>
+        <p:txBody>
+          <a:bodyPr wrap="square" rtlCol="0">
+            <a:spAutoFit/>
+          </a:bodyPr>
+          <a:lstStyle/>
+          <a:p>
+            <a:r>
+              <a:rPr lang="en-SG" sz="1100" b="1" dirty="0"/>
+              <a:t>Actor</a:t>
+            </a:r>
+          </a:p>
+        </p:txBody>
+      </p:sp>
+      <p:sp>
+        <p:nvSpPr>
+          <p:cNvPr id="42" name="TextBox 41">
+            <a:extLst>
+              <a:ext uri="{FF2B5EF4-FFF2-40B4-BE49-F238E27FC236}">
+                <a16:creationId xmlns:a16="http://schemas.microsoft.com/office/drawing/2014/main" id="{C98726C6-5D3C-6BEF-3BC8-C51503D345E5}"/>
+              </a:ext>
+            </a:extLst>
+          </p:cNvPr>
+          <p:cNvSpPr txBox="1"/>
+          <p:nvPr/>
+        </p:nvSpPr>
+        <p:spPr>
+          <a:xfrm>
+            <a:off x="10208066" y="2965506"/>
+            <a:ext cx="478177" cy="369332"/>
+          </a:xfrm>
+          <a:prstGeom prst="rect">
+            <a:avLst/>
+          </a:prstGeom>
+          <a:noFill/>
+        </p:spPr>
+        <p:txBody>
+          <a:bodyPr wrap="square" rtlCol="0">
+            <a:spAutoFit/>
+          </a:bodyPr>
+          <a:lstStyle/>
+          <a:p>
+            <a:r>
+              <a:rPr lang="en-SG" dirty="0"/>
+              <a:t>…</a:t>
+            </a:r>
+          </a:p>
+        </p:txBody>
+      </p:sp>
+      <p:pic>
+        <p:nvPicPr>
+          <p:cNvPr id="43" name="Picture 42">
+            <a:extLst>
+              <a:ext uri="{FF2B5EF4-FFF2-40B4-BE49-F238E27FC236}">
+                <a16:creationId xmlns:a16="http://schemas.microsoft.com/office/drawing/2014/main" id="{BDA44D16-A21E-39FB-E587-BE585C8F46FD}"/>
+              </a:ext>
+            </a:extLst>
+          </p:cNvPr>
+          <p:cNvPicPr>
+            <a:picLocks noChangeAspect="1"/>
+          </p:cNvPicPr>
+          <p:nvPr/>
+        </p:nvPicPr>
+        <p:blipFill>
+          <a:blip r:embed="rId4"/>
+          <a:stretch>
+            <a:fillRect/>
+          </a:stretch>
+        </p:blipFill>
+        <p:spPr>
+          <a:xfrm>
+            <a:off x="10745722" y="3638840"/>
+            <a:ext cx="411108" cy="424159"/>
+          </a:xfrm>
+          <a:prstGeom prst="rect">
+            <a:avLst/>
+          </a:prstGeom>
+          <a:ln w="3175">
+            <a:solidFill>
+              <a:schemeClr val="tx1"/>
+            </a:solidFill>
+          </a:ln>
+        </p:spPr>
+      </p:pic>
+      <p:sp>
+        <p:nvSpPr>
+          <p:cNvPr id="44" name="TextBox 43">
+            <a:extLst>
+              <a:ext uri="{FF2B5EF4-FFF2-40B4-BE49-F238E27FC236}">
+                <a16:creationId xmlns:a16="http://schemas.microsoft.com/office/drawing/2014/main" id="{23FC0823-240E-2331-FE71-897C7BC70350}"/>
+              </a:ext>
+            </a:extLst>
+          </p:cNvPr>
+          <p:cNvSpPr txBox="1"/>
+          <p:nvPr/>
+        </p:nvSpPr>
+        <p:spPr>
+          <a:xfrm>
+            <a:off x="10627127" y="4133081"/>
+            <a:ext cx="729930" cy="261610"/>
+          </a:xfrm>
+          <a:prstGeom prst="rect">
+            <a:avLst/>
+          </a:prstGeom>
+          <a:noFill/>
+        </p:spPr>
+        <p:txBody>
+          <a:bodyPr wrap="square" rtlCol="0">
+            <a:spAutoFit/>
+          </a:bodyPr>
+          <a:lstStyle/>
+          <a:p>
+            <a:r>
+              <a:rPr lang="en-SG" sz="1100" dirty="0"/>
+              <a:t>Playbook</a:t>
+            </a:r>
+          </a:p>
+        </p:txBody>
+      </p:sp>
+      <p:cxnSp>
+        <p:nvCxnSpPr>
+          <p:cNvPr id="45" name="Connector: Elbow 44">
+            <a:extLst>
+              <a:ext uri="{FF2B5EF4-FFF2-40B4-BE49-F238E27FC236}">
+                <a16:creationId xmlns:a16="http://schemas.microsoft.com/office/drawing/2014/main" id="{2D427D88-7AE8-40C4-E658-45B99A5C6CE0}"/>
+              </a:ext>
+            </a:extLst>
+          </p:cNvPr>
+          <p:cNvCxnSpPr>
+            <a:cxnSpLocks/>
+            <a:stCxn id="6" idx="2"/>
+            <a:endCxn id="46" idx="1"/>
+          </p:cNvCxnSpPr>
+          <p:nvPr/>
+        </p:nvCxnSpPr>
+        <p:spPr>
+          <a:xfrm rot="16200000" flipH="1">
+            <a:off x="7356125" y="4200467"/>
+            <a:ext cx="568095" cy="822948"/>
+          </a:xfrm>
+          <a:prstGeom prst="bentConnector2">
+            <a:avLst/>
+          </a:prstGeom>
+          <a:ln w="28575">
+            <a:tailEnd type="triangle"/>
+          </a:ln>
+        </p:spPr>
+        <p:style>
+          <a:lnRef idx="1">
+            <a:schemeClr val="accent1"/>
+          </a:lnRef>
+          <a:fillRef idx="0">
+            <a:schemeClr val="accent1"/>
+          </a:fillRef>
+          <a:effectRef idx="0">
+            <a:schemeClr val="accent1"/>
+          </a:effectRef>
+          <a:fontRef idx="minor">
+            <a:schemeClr val="tx1"/>
+          </a:fontRef>
+        </p:style>
+      </p:cxnSp>
+      <p:sp>
+        <p:nvSpPr>
+          <p:cNvPr id="46" name="TextBox 45">
+            <a:extLst>
+              <a:ext uri="{FF2B5EF4-FFF2-40B4-BE49-F238E27FC236}">
+                <a16:creationId xmlns:a16="http://schemas.microsoft.com/office/drawing/2014/main" id="{706EAD95-94A7-B81E-F5D6-49F7ED8147F2}"/>
+              </a:ext>
+            </a:extLst>
+          </p:cNvPr>
+          <p:cNvSpPr txBox="1"/>
+          <p:nvPr/>
+        </p:nvSpPr>
+        <p:spPr>
+          <a:xfrm>
+            <a:off x="8051646" y="4765184"/>
+            <a:ext cx="844924" cy="261610"/>
+          </a:xfrm>
+          <a:prstGeom prst="rect">
+            <a:avLst/>
+          </a:prstGeom>
+          <a:noFill/>
+          <a:ln w="12700">
+            <a:solidFill>
+              <a:schemeClr val="tx1"/>
+            </a:solidFill>
+            <a:prstDash val="sysDash"/>
+          </a:ln>
+        </p:spPr>
+        <p:txBody>
+          <a:bodyPr wrap="square" rtlCol="0">
+            <a:spAutoFit/>
+          </a:bodyPr>
+          <a:lstStyle/>
+          <a:p>
+            <a:r>
+              <a:rPr lang="en-SG" sz="1100" dirty="0"/>
+              <a:t>scheduler </a:t>
+            </a:r>
+          </a:p>
+        </p:txBody>
+      </p:sp>
+      <p:cxnSp>
+        <p:nvCxnSpPr>
+          <p:cNvPr id="47" name="Connector: Elbow 46">
+            <a:extLst>
+              <a:ext uri="{FF2B5EF4-FFF2-40B4-BE49-F238E27FC236}">
+                <a16:creationId xmlns:a16="http://schemas.microsoft.com/office/drawing/2014/main" id="{62024E72-FBD4-43A8-1686-C73C66172338}"/>
+              </a:ext>
+            </a:extLst>
+          </p:cNvPr>
+          <p:cNvCxnSpPr>
+            <a:cxnSpLocks/>
+            <a:stCxn id="44" idx="2"/>
+            <a:endCxn id="46" idx="3"/>
+          </p:cNvCxnSpPr>
+          <p:nvPr/>
+        </p:nvCxnSpPr>
+        <p:spPr>
+          <a:xfrm rot="5400000">
+            <a:off x="9693682" y="3597579"/>
+            <a:ext cx="501298" cy="2095522"/>
+          </a:xfrm>
+          <a:prstGeom prst="bentConnector2">
+            <a:avLst/>
+          </a:prstGeom>
+          <a:ln w="28575">
+            <a:tailEnd type="triangle"/>
+          </a:ln>
+        </p:spPr>
+        <p:style>
+          <a:lnRef idx="1">
+            <a:schemeClr val="accent1"/>
+          </a:lnRef>
+          <a:fillRef idx="0">
+            <a:schemeClr val="accent1"/>
+          </a:fillRef>
+          <a:effectRef idx="0">
+            <a:schemeClr val="accent1"/>
+          </a:effectRef>
+          <a:fontRef idx="minor">
+            <a:schemeClr val="tx1"/>
+          </a:fontRef>
+        </p:style>
+      </p:cxnSp>
+      <p:cxnSp>
+        <p:nvCxnSpPr>
+          <p:cNvPr id="48" name="Connector: Elbow 47">
+            <a:extLst>
+              <a:ext uri="{FF2B5EF4-FFF2-40B4-BE49-F238E27FC236}">
+                <a16:creationId xmlns:a16="http://schemas.microsoft.com/office/drawing/2014/main" id="{F7E3E71B-9A31-6C08-F9B7-D7C0F296F586}"/>
+              </a:ext>
+            </a:extLst>
+          </p:cNvPr>
+          <p:cNvCxnSpPr>
+            <a:cxnSpLocks/>
+            <a:stCxn id="39" idx="2"/>
+            <a:endCxn id="46" idx="0"/>
+          </p:cNvCxnSpPr>
+          <p:nvPr/>
+        </p:nvCxnSpPr>
+        <p:spPr>
+          <a:xfrm rot="5400000">
+            <a:off x="9195828" y="3581220"/>
+            <a:ext cx="462245" cy="1905683"/>
+          </a:xfrm>
+          <a:prstGeom prst="bentConnector3">
+            <a:avLst>
+              <a:gd name="adj1" fmla="val 50000"/>
+            </a:avLst>
+          </a:prstGeom>
+          <a:ln w="28575">
+            <a:tailEnd type="triangle"/>
+          </a:ln>
+        </p:spPr>
+        <p:style>
+          <a:lnRef idx="1">
+            <a:schemeClr val="accent1"/>
+          </a:lnRef>
+          <a:fillRef idx="0">
+            <a:schemeClr val="accent1"/>
+          </a:fillRef>
+          <a:effectRef idx="0">
+            <a:schemeClr val="accent1"/>
+          </a:effectRef>
+          <a:fontRef idx="minor">
+            <a:schemeClr val="tx1"/>
+          </a:fontRef>
+        </p:style>
+      </p:cxnSp>
+      <p:sp>
+        <p:nvSpPr>
+          <p:cNvPr id="49" name="TextBox 48">
+            <a:extLst>
+              <a:ext uri="{FF2B5EF4-FFF2-40B4-BE49-F238E27FC236}">
+                <a16:creationId xmlns:a16="http://schemas.microsoft.com/office/drawing/2014/main" id="{13565886-B674-B578-2D68-16685F0939B3}"/>
+              </a:ext>
+            </a:extLst>
+          </p:cNvPr>
+          <p:cNvSpPr txBox="1"/>
+          <p:nvPr/>
+        </p:nvSpPr>
+        <p:spPr>
+          <a:xfrm>
+            <a:off x="4543623" y="1410032"/>
+            <a:ext cx="1200992" cy="261610"/>
+          </a:xfrm>
+          <a:prstGeom prst="rect">
+            <a:avLst/>
+          </a:prstGeom>
+          <a:noFill/>
+        </p:spPr>
+        <p:txBody>
+          <a:bodyPr wrap="square" rtlCol="0">
+            <a:spAutoFit/>
+          </a:bodyPr>
+          <a:lstStyle/>
+          <a:p>
+            <a:r>
+              <a:rPr lang="en-SG" sz="1100" b="1" dirty="0"/>
+              <a:t>User emulator </a:t>
+            </a:r>
+          </a:p>
+        </p:txBody>
+      </p:sp>
+      <p:sp>
+        <p:nvSpPr>
+          <p:cNvPr id="50" name="Rectangle 49">
+            <a:extLst>
+              <a:ext uri="{FF2B5EF4-FFF2-40B4-BE49-F238E27FC236}">
+                <a16:creationId xmlns:a16="http://schemas.microsoft.com/office/drawing/2014/main" id="{92DE34E1-F402-1D0E-5466-26C052F2C24B}"/>
+              </a:ext>
+            </a:extLst>
+          </p:cNvPr>
+          <p:cNvSpPr/>
+          <p:nvPr/>
+        </p:nvSpPr>
+        <p:spPr>
+          <a:xfrm flipH="1">
+            <a:off x="11777427" y="1662443"/>
+            <a:ext cx="323729" cy="3552419"/>
+          </a:xfrm>
+          <a:prstGeom prst="rect">
+            <a:avLst/>
+          </a:prstGeom>
+          <a:ln w="19050">
+            <a:solidFill>
+              <a:schemeClr val="accent1">
+                <a:lumMod val="75000"/>
+              </a:schemeClr>
+            </a:solidFill>
+            <a:prstDash val="sysDash"/>
+          </a:ln>
+        </p:spPr>
+        <p:style>
+          <a:lnRef idx="2">
+            <a:schemeClr val="accent6"/>
+          </a:lnRef>
+          <a:fillRef idx="1">
+            <a:schemeClr val="lt1"/>
+          </a:fillRef>
+          <a:effectRef idx="0">
+            <a:schemeClr val="accent6"/>
+          </a:effectRef>
+          <a:fontRef idx="minor">
+            <a:schemeClr val="dk1"/>
+          </a:fontRef>
+        </p:style>
+        <p:txBody>
+          <a:bodyPr rtlCol="0" anchor="ctr"/>
+          <a:lstStyle/>
+          <a:p>
+            <a:endParaRPr lang="en-SG" b="1" dirty="0"/>
+          </a:p>
+        </p:txBody>
+      </p:sp>
+      <p:sp>
+        <p:nvSpPr>
+          <p:cNvPr id="51" name="TextBox 50">
+            <a:extLst>
+              <a:ext uri="{FF2B5EF4-FFF2-40B4-BE49-F238E27FC236}">
+                <a16:creationId xmlns:a16="http://schemas.microsoft.com/office/drawing/2014/main" id="{09A16B16-C98A-4C7D-8A7D-AB4854F11A80}"/>
+              </a:ext>
+            </a:extLst>
+          </p:cNvPr>
+          <p:cNvSpPr txBox="1"/>
+          <p:nvPr/>
+        </p:nvSpPr>
+        <p:spPr>
+          <a:xfrm>
+            <a:off x="11025956" y="1316256"/>
+            <a:ext cx="1200992" cy="261610"/>
+          </a:xfrm>
+          <a:prstGeom prst="rect">
+            <a:avLst/>
+          </a:prstGeom>
+          <a:noFill/>
+        </p:spPr>
+        <p:txBody>
+          <a:bodyPr wrap="square" rtlCol="0">
+            <a:spAutoFit/>
+          </a:bodyPr>
+          <a:lstStyle/>
+          <a:p>
+            <a:r>
+              <a:rPr lang="en-SG" sz="1100" b="1" dirty="0"/>
+              <a:t>User emulators </a:t>
+            </a:r>
+          </a:p>
+        </p:txBody>
+      </p:sp>
+      <p:sp>
+        <p:nvSpPr>
+          <p:cNvPr id="52" name="TextBox 51">
+            <a:extLst>
+              <a:ext uri="{FF2B5EF4-FFF2-40B4-BE49-F238E27FC236}">
+                <a16:creationId xmlns:a16="http://schemas.microsoft.com/office/drawing/2014/main" id="{F4F9220E-06DC-97B6-5F63-BB01F5A8A6A9}"/>
+              </a:ext>
+            </a:extLst>
+          </p:cNvPr>
+          <p:cNvSpPr txBox="1"/>
+          <p:nvPr/>
+        </p:nvSpPr>
+        <p:spPr>
+          <a:xfrm>
+            <a:off x="11747120" y="3031905"/>
+            <a:ext cx="478177" cy="369332"/>
+          </a:xfrm>
+          <a:prstGeom prst="rect">
+            <a:avLst/>
+          </a:prstGeom>
+          <a:noFill/>
+        </p:spPr>
+        <p:txBody>
+          <a:bodyPr wrap="square" rtlCol="0">
+            <a:spAutoFit/>
+          </a:bodyPr>
+          <a:lstStyle/>
+          <a:p>
+            <a:r>
+              <a:rPr lang="en-SG" dirty="0"/>
+              <a:t>…</a:t>
+            </a:r>
+          </a:p>
+        </p:txBody>
+      </p:sp>
+      <p:sp>
+        <p:nvSpPr>
+          <p:cNvPr id="53" name="TextBox 52">
+            <a:extLst>
+              <a:ext uri="{FF2B5EF4-FFF2-40B4-BE49-F238E27FC236}">
+                <a16:creationId xmlns:a16="http://schemas.microsoft.com/office/drawing/2014/main" id="{E75EA05C-E829-CAEB-76EB-60EF45DC8ECB}"/>
+              </a:ext>
+            </a:extLst>
+          </p:cNvPr>
+          <p:cNvSpPr txBox="1"/>
+          <p:nvPr/>
+        </p:nvSpPr>
+        <p:spPr>
+          <a:xfrm>
+            <a:off x="5171302" y="4748894"/>
+            <a:ext cx="1816450" cy="261610"/>
+          </a:xfrm>
+          <a:prstGeom prst="rect">
+            <a:avLst/>
+          </a:prstGeom>
+          <a:noFill/>
+          <a:ln w="12700">
+            <a:solidFill>
+              <a:schemeClr val="tx1"/>
+            </a:solidFill>
+            <a:prstDash val="sysDash"/>
+          </a:ln>
+        </p:spPr>
+        <p:txBody>
+          <a:bodyPr wrap="square" rtlCol="0">
+            <a:spAutoFit/>
+          </a:bodyPr>
+          <a:lstStyle/>
+          <a:p>
+            <a:r>
+              <a:rPr lang="en-SG" sz="1100" dirty="0"/>
+              <a:t>Monitor and control web-UI </a:t>
+            </a:r>
+          </a:p>
+        </p:txBody>
+      </p:sp>
+      <p:sp>
+        <p:nvSpPr>
+          <p:cNvPr id="54" name="TextBox 53">
+            <a:extLst>
+              <a:ext uri="{FF2B5EF4-FFF2-40B4-BE49-F238E27FC236}">
+                <a16:creationId xmlns:a16="http://schemas.microsoft.com/office/drawing/2014/main" id="{6C4AF90C-9570-7AFA-C324-7E28956767FD}"/>
+              </a:ext>
+            </a:extLst>
+          </p:cNvPr>
+          <p:cNvSpPr txBox="1"/>
+          <p:nvPr/>
+        </p:nvSpPr>
+        <p:spPr>
+          <a:xfrm>
+            <a:off x="11387364" y="4858720"/>
+            <a:ext cx="478177" cy="369332"/>
+          </a:xfrm>
+          <a:prstGeom prst="rect">
+            <a:avLst/>
+          </a:prstGeom>
+          <a:noFill/>
+        </p:spPr>
+        <p:txBody>
+          <a:bodyPr wrap="square" rtlCol="0">
+            <a:spAutoFit/>
+          </a:bodyPr>
+          <a:lstStyle/>
+          <a:p>
+            <a:r>
+              <a:rPr lang="en-SG" dirty="0"/>
+              <a:t>…</a:t>
+            </a:r>
+          </a:p>
+        </p:txBody>
+      </p:sp>
+      <p:sp>
+        <p:nvSpPr>
+          <p:cNvPr id="55" name="Cloud 54">
+            <a:extLst>
+              <a:ext uri="{FF2B5EF4-FFF2-40B4-BE49-F238E27FC236}">
+                <a16:creationId xmlns:a16="http://schemas.microsoft.com/office/drawing/2014/main" id="{1C55F1AE-7BED-3E03-DBC0-CF8595F073C2}"/>
+              </a:ext>
+            </a:extLst>
+          </p:cNvPr>
+          <p:cNvSpPr/>
+          <p:nvPr/>
+        </p:nvSpPr>
+        <p:spPr>
+          <a:xfrm>
+            <a:off x="9714220" y="5683515"/>
+            <a:ext cx="987691" cy="456037"/>
+          </a:xfrm>
+          <a:prstGeom prst="cloud">
+            <a:avLst/>
+          </a:prstGeom>
+        </p:spPr>
+        <p:style>
+          <a:lnRef idx="2">
+            <a:schemeClr val="accent1">
+              <a:shade val="50000"/>
+            </a:schemeClr>
+          </a:lnRef>
+          <a:fillRef idx="1">
+            <a:schemeClr val="accent1"/>
+          </a:fillRef>
+          <a:effectRef idx="0">
+            <a:schemeClr val="accent1"/>
+          </a:effectRef>
+          <a:fontRef idx="minor">
+            <a:schemeClr val="lt1"/>
+          </a:fontRef>
+        </p:style>
+        <p:txBody>
+          <a:bodyPr rtlCol="0" anchor="ctr"/>
+          <a:lstStyle/>
+          <a:p>
+            <a:pPr algn="ctr"/>
+            <a:r>
+              <a:rPr lang="en-SG" sz="1000" dirty="0"/>
+              <a:t>network</a:t>
+            </a:r>
+          </a:p>
+        </p:txBody>
+      </p:sp>
+      <p:cxnSp>
+        <p:nvCxnSpPr>
+          <p:cNvPr id="56" name="Straight Arrow Connector 55">
+            <a:extLst>
+              <a:ext uri="{FF2B5EF4-FFF2-40B4-BE49-F238E27FC236}">
+                <a16:creationId xmlns:a16="http://schemas.microsoft.com/office/drawing/2014/main" id="{7FE5A605-0954-F18F-3C77-F1988A546F11}"/>
+              </a:ext>
+            </a:extLst>
+          </p:cNvPr>
+          <p:cNvCxnSpPr>
+            <a:cxnSpLocks/>
+            <a:stCxn id="3" idx="2"/>
+          </p:cNvCxnSpPr>
+          <p:nvPr/>
+        </p:nvCxnSpPr>
+        <p:spPr>
+          <a:xfrm>
+            <a:off x="7948797" y="5214862"/>
+            <a:ext cx="1937057" cy="497387"/>
+          </a:xfrm>
+          <a:prstGeom prst="straightConnector1">
+            <a:avLst/>
+          </a:prstGeom>
+          <a:ln>
+            <a:tailEnd type="triangle"/>
+          </a:ln>
+        </p:spPr>
+        <p:style>
+          <a:lnRef idx="1">
+            <a:schemeClr val="accent1"/>
+          </a:lnRef>
+          <a:fillRef idx="0">
+            <a:schemeClr val="accent1"/>
+          </a:fillRef>
+          <a:effectRef idx="0">
+            <a:schemeClr val="accent1"/>
+          </a:effectRef>
+          <a:fontRef idx="minor">
+            <a:schemeClr val="tx1"/>
+          </a:fontRef>
+        </p:style>
+      </p:cxnSp>
+      <p:sp>
+        <p:nvSpPr>
+          <p:cNvPr id="57" name="TextBox 56">
+            <a:extLst>
+              <a:ext uri="{FF2B5EF4-FFF2-40B4-BE49-F238E27FC236}">
+                <a16:creationId xmlns:a16="http://schemas.microsoft.com/office/drawing/2014/main" id="{83E9299D-DD18-B564-23BE-5F3C6A0EDD06}"/>
+              </a:ext>
+            </a:extLst>
+          </p:cNvPr>
+          <p:cNvSpPr txBox="1"/>
+          <p:nvPr/>
+        </p:nvSpPr>
+        <p:spPr>
+          <a:xfrm>
+            <a:off x="4701494" y="3172932"/>
+            <a:ext cx="1200992" cy="261610"/>
+          </a:xfrm>
+          <a:prstGeom prst="rect">
+            <a:avLst/>
+          </a:prstGeom>
+          <a:noFill/>
+        </p:spPr>
+        <p:txBody>
+          <a:bodyPr wrap="square" rtlCol="0">
+            <a:spAutoFit/>
+          </a:bodyPr>
+          <a:lstStyle/>
+          <a:p>
+            <a:r>
+              <a:rPr lang="en-SG" sz="1100" b="1" dirty="0">
+                <a:solidFill>
+                  <a:schemeClr val="tx1">
+                    <a:lumMod val="65000"/>
+                    <a:lumOff val="35000"/>
+                  </a:schemeClr>
+                </a:solidFill>
+              </a:rPr>
+              <a:t>lvl1</a:t>
+            </a:r>
+          </a:p>
+        </p:txBody>
+      </p:sp>
+      <p:sp>
+        <p:nvSpPr>
+          <p:cNvPr id="58" name="TextBox 57">
+            <a:extLst>
+              <a:ext uri="{FF2B5EF4-FFF2-40B4-BE49-F238E27FC236}">
+                <a16:creationId xmlns:a16="http://schemas.microsoft.com/office/drawing/2014/main" id="{BCE59671-42F2-C211-BA06-49E826BD02E5}"/>
+              </a:ext>
+            </a:extLst>
+          </p:cNvPr>
+          <p:cNvSpPr txBox="1"/>
+          <p:nvPr/>
+        </p:nvSpPr>
+        <p:spPr>
+          <a:xfrm>
+            <a:off x="4653787" y="4090048"/>
+            <a:ext cx="1200992" cy="261610"/>
+          </a:xfrm>
+          <a:prstGeom prst="rect">
+            <a:avLst/>
+          </a:prstGeom>
+          <a:noFill/>
+        </p:spPr>
+        <p:txBody>
+          <a:bodyPr wrap="square" rtlCol="0">
+            <a:spAutoFit/>
+          </a:bodyPr>
+          <a:lstStyle/>
+          <a:p>
+            <a:r>
+              <a:rPr lang="en-SG" sz="1100" b="1" dirty="0">
+                <a:solidFill>
+                  <a:schemeClr val="tx1">
+                    <a:lumMod val="65000"/>
+                    <a:lumOff val="35000"/>
+                  </a:schemeClr>
+                </a:solidFill>
+              </a:rPr>
+              <a:t>lvl2</a:t>
+            </a:r>
+          </a:p>
+        </p:txBody>
+      </p:sp>
+      <p:sp>
+        <p:nvSpPr>
+          <p:cNvPr id="59" name="TextBox 58">
+            <a:extLst>
+              <a:ext uri="{FF2B5EF4-FFF2-40B4-BE49-F238E27FC236}">
+                <a16:creationId xmlns:a16="http://schemas.microsoft.com/office/drawing/2014/main" id="{83DBD9E7-3A1A-D485-34E4-A82B2DE4CEE6}"/>
+              </a:ext>
+            </a:extLst>
+          </p:cNvPr>
+          <p:cNvSpPr txBox="1"/>
+          <p:nvPr/>
+        </p:nvSpPr>
+        <p:spPr>
+          <a:xfrm>
+            <a:off x="4601289" y="4933481"/>
+            <a:ext cx="1200992" cy="261610"/>
+          </a:xfrm>
+          <a:prstGeom prst="rect">
+            <a:avLst/>
+          </a:prstGeom>
+          <a:noFill/>
+        </p:spPr>
+        <p:txBody>
+          <a:bodyPr wrap="square" rtlCol="0">
+            <a:spAutoFit/>
+          </a:bodyPr>
+          <a:lstStyle/>
+          <a:p>
+            <a:r>
+              <a:rPr lang="en-SG" sz="1100" b="1" dirty="0">
+                <a:solidFill>
+                  <a:schemeClr val="tx1">
+                    <a:lumMod val="65000"/>
+                    <a:lumOff val="35000"/>
+                  </a:schemeClr>
+                </a:solidFill>
+              </a:rPr>
+              <a:t>lvl3</a:t>
+            </a:r>
+          </a:p>
+        </p:txBody>
+      </p:sp>
+      <p:cxnSp>
+        <p:nvCxnSpPr>
+          <p:cNvPr id="60" name="Straight Arrow Connector 59">
+            <a:extLst>
+              <a:ext uri="{FF2B5EF4-FFF2-40B4-BE49-F238E27FC236}">
+                <a16:creationId xmlns:a16="http://schemas.microsoft.com/office/drawing/2014/main" id="{E044340F-DBFE-BA2A-04AA-97CA1DA4C7B0}"/>
+              </a:ext>
+            </a:extLst>
+          </p:cNvPr>
+          <p:cNvCxnSpPr>
+            <a:cxnSpLocks/>
+          </p:cNvCxnSpPr>
+          <p:nvPr/>
+        </p:nvCxnSpPr>
+        <p:spPr>
+          <a:xfrm flipH="1">
+            <a:off x="10627127" y="5260083"/>
+            <a:ext cx="1312164" cy="423432"/>
+          </a:xfrm>
+          <a:prstGeom prst="straightConnector1">
+            <a:avLst/>
+          </a:prstGeom>
+          <a:ln>
+            <a:tailEnd type="triangle"/>
+          </a:ln>
+        </p:spPr>
+        <p:style>
+          <a:lnRef idx="1">
+            <a:schemeClr val="accent1"/>
+          </a:lnRef>
+          <a:fillRef idx="0">
+            <a:schemeClr val="accent1"/>
+          </a:fillRef>
+          <a:effectRef idx="0">
+            <a:schemeClr val="accent1"/>
+          </a:effectRef>
+          <a:fontRef idx="minor">
+            <a:schemeClr val="tx1"/>
+          </a:fontRef>
+        </p:style>
+      </p:cxnSp>
+      <p:sp>
+        <p:nvSpPr>
+          <p:cNvPr id="61" name="TextBox 60">
+            <a:extLst>
+              <a:ext uri="{FF2B5EF4-FFF2-40B4-BE49-F238E27FC236}">
+                <a16:creationId xmlns:a16="http://schemas.microsoft.com/office/drawing/2014/main" id="{406FEA8F-5A75-2994-9F58-791E3F8C9950}"/>
+              </a:ext>
+            </a:extLst>
+          </p:cNvPr>
+          <p:cNvSpPr txBox="1"/>
+          <p:nvPr/>
+        </p:nvSpPr>
+        <p:spPr>
+          <a:xfrm>
+            <a:off x="7264833" y="5769512"/>
+            <a:ext cx="987691" cy="261610"/>
+          </a:xfrm>
+          <a:prstGeom prst="rect">
+            <a:avLst/>
+          </a:prstGeom>
+          <a:noFill/>
+          <a:ln w="12700">
+            <a:solidFill>
+              <a:schemeClr val="tx1"/>
+            </a:solidFill>
+            <a:prstDash val="sysDash"/>
+          </a:ln>
+        </p:spPr>
+        <p:txBody>
+          <a:bodyPr wrap="square" rtlCol="0">
+            <a:spAutoFit/>
+          </a:bodyPr>
+          <a:lstStyle/>
+          <a:p>
+            <a:r>
+              <a:rPr lang="en-SG" sz="1100" dirty="0"/>
+              <a:t>Monitor hub</a:t>
+            </a:r>
+          </a:p>
+        </p:txBody>
+      </p:sp>
+      <p:cxnSp>
+        <p:nvCxnSpPr>
+          <p:cNvPr id="62" name="Straight Arrow Connector 61">
+            <a:extLst>
+              <a:ext uri="{FF2B5EF4-FFF2-40B4-BE49-F238E27FC236}">
+                <a16:creationId xmlns:a16="http://schemas.microsoft.com/office/drawing/2014/main" id="{05859D0B-682A-CA46-703D-395332605251}"/>
+              </a:ext>
+            </a:extLst>
+          </p:cNvPr>
+          <p:cNvCxnSpPr>
+            <a:cxnSpLocks/>
+            <a:stCxn id="55" idx="2"/>
+            <a:endCxn id="61" idx="3"/>
+          </p:cNvCxnSpPr>
+          <p:nvPr/>
+        </p:nvCxnSpPr>
+        <p:spPr>
+          <a:xfrm flipH="1" flipV="1">
+            <a:off x="8252524" y="5900317"/>
+            <a:ext cx="1464760" cy="11217"/>
+          </a:xfrm>
+          <a:prstGeom prst="straightConnector1">
+            <a:avLst/>
+          </a:prstGeom>
+          <a:ln>
+            <a:tailEnd type="triangle"/>
+          </a:ln>
+        </p:spPr>
+        <p:style>
+          <a:lnRef idx="1">
+            <a:schemeClr val="accent1"/>
+          </a:lnRef>
+          <a:fillRef idx="0">
+            <a:schemeClr val="accent1"/>
+          </a:fillRef>
+          <a:effectRef idx="0">
+            <a:schemeClr val="accent1"/>
+          </a:effectRef>
+          <a:fontRef idx="minor">
+            <a:schemeClr val="tx1"/>
+          </a:fontRef>
+        </p:style>
+      </p:cxnSp>
+      <p:sp>
+        <p:nvSpPr>
+          <p:cNvPr id="63" name="TextBox 62">
+            <a:extLst>
+              <a:ext uri="{FF2B5EF4-FFF2-40B4-BE49-F238E27FC236}">
+                <a16:creationId xmlns:a16="http://schemas.microsoft.com/office/drawing/2014/main" id="{5573E32D-CA65-AE0C-9E31-49F798441645}"/>
+              </a:ext>
+            </a:extLst>
+          </p:cNvPr>
+          <p:cNvSpPr txBox="1"/>
+          <p:nvPr/>
+        </p:nvSpPr>
+        <p:spPr>
+          <a:xfrm>
+            <a:off x="5423864" y="5783721"/>
+            <a:ext cx="1176072" cy="230832"/>
+          </a:xfrm>
+          <a:prstGeom prst="rect">
+            <a:avLst/>
+          </a:prstGeom>
+        </p:spPr>
+        <p:style>
+          <a:lnRef idx="2">
+            <a:schemeClr val="dk1"/>
+          </a:lnRef>
+          <a:fillRef idx="1">
+            <a:schemeClr val="lt1"/>
+          </a:fillRef>
+          <a:effectRef idx="0">
+            <a:schemeClr val="dk1"/>
+          </a:effectRef>
+          <a:fontRef idx="minor">
+            <a:schemeClr val="dk1"/>
+          </a:fontRef>
+        </p:style>
+        <p:txBody>
+          <a:bodyPr wrap="square" rtlCol="0">
+            <a:spAutoFit/>
+          </a:bodyPr>
+          <a:lstStyle/>
+          <a:p>
+            <a:r>
+              <a:rPr lang="en-US" altLang="zh-CN" sz="900" b="1" dirty="0"/>
+              <a:t>Web-Browser </a:t>
+            </a:r>
+            <a:endParaRPr lang="zh-CN" altLang="en-US" sz="1600" dirty="0"/>
+          </a:p>
+        </p:txBody>
+      </p:sp>
+      <p:pic>
+        <p:nvPicPr>
+          <p:cNvPr id="64" name="Picture 4">
+            <a:extLst>
+              <a:ext uri="{FF2B5EF4-FFF2-40B4-BE49-F238E27FC236}">
+                <a16:creationId xmlns:a16="http://schemas.microsoft.com/office/drawing/2014/main" id="{38586A40-B675-8A03-91AC-2B7E8C9E9E50}"/>
+              </a:ext>
+            </a:extLst>
+          </p:cNvPr>
+          <p:cNvPicPr>
+            <a:picLocks noChangeAspect="1" noChangeArrowheads="1"/>
+          </p:cNvPicPr>
+          <p:nvPr/>
+        </p:nvPicPr>
+        <p:blipFill>
+          <a:blip r:embed="rId7">
+            <a:extLst>
+              <a:ext uri="{28A0092B-C50C-407E-A947-70E740481C1C}">
+                <a14:useLocalDpi xmlns:a14="http://schemas.microsoft.com/office/drawing/2010/main" val="0"/>
+              </a:ext>
+            </a:extLst>
+          </a:blip>
+          <a:srcRect/>
+          <a:stretch>
+            <a:fillRect/>
+          </a:stretch>
+        </p:blipFill>
+        <p:spPr bwMode="auto">
+          <a:xfrm>
+            <a:off x="5125725" y="5769512"/>
+            <a:ext cx="257116" cy="257116"/>
+          </a:xfrm>
+          <a:prstGeom prst="rect">
+            <a:avLst/>
+          </a:prstGeom>
+          <a:noFill/>
+          <a:extLst>
+            <a:ext uri="{909E8E84-426E-40DD-AFC4-6F175D3DCCD1}">
+              <a14:hiddenFill xmlns:a14="http://schemas.microsoft.com/office/drawing/2010/main">
+                <a:solidFill>
+                  <a:srgbClr val="FFFFFF"/>
+                </a:solidFill>
+              </a14:hiddenFill>
+            </a:ext>
+          </a:extLst>
+        </p:spPr>
+      </p:pic>
+      <p:pic>
+        <p:nvPicPr>
+          <p:cNvPr id="65" name="Picture 64">
+            <a:extLst>
+              <a:ext uri="{FF2B5EF4-FFF2-40B4-BE49-F238E27FC236}">
+                <a16:creationId xmlns:a16="http://schemas.microsoft.com/office/drawing/2014/main" id="{DC0EFD8E-BEA6-1B66-CAC7-F8C63C7A123E}"/>
+              </a:ext>
+            </a:extLst>
+          </p:cNvPr>
+          <p:cNvPicPr>
+            <a:picLocks noChangeAspect="1"/>
+          </p:cNvPicPr>
+          <p:nvPr/>
+        </p:nvPicPr>
+        <p:blipFill>
+          <a:blip r:embed="rId8"/>
+          <a:stretch>
+            <a:fillRect/>
+          </a:stretch>
+        </p:blipFill>
+        <p:spPr>
+          <a:xfrm>
+            <a:off x="6193192" y="5805973"/>
+            <a:ext cx="176680" cy="175361"/>
+          </a:xfrm>
+          <a:prstGeom prst="rect">
+            <a:avLst/>
+          </a:prstGeom>
+        </p:spPr>
+      </p:pic>
+      <p:pic>
+        <p:nvPicPr>
+          <p:cNvPr id="66" name="Picture 65">
+            <a:extLst>
+              <a:ext uri="{FF2B5EF4-FFF2-40B4-BE49-F238E27FC236}">
+                <a16:creationId xmlns:a16="http://schemas.microsoft.com/office/drawing/2014/main" id="{38A50E91-605B-6FE5-6E91-38D84677A1E1}"/>
+              </a:ext>
+            </a:extLst>
+          </p:cNvPr>
+          <p:cNvPicPr>
+            <a:picLocks noChangeAspect="1"/>
+          </p:cNvPicPr>
+          <p:nvPr/>
+        </p:nvPicPr>
+        <p:blipFill>
+          <a:blip r:embed="rId9"/>
+          <a:stretch>
+            <a:fillRect/>
+          </a:stretch>
+        </p:blipFill>
+        <p:spPr>
+          <a:xfrm>
+            <a:off x="6392601" y="5806613"/>
+            <a:ext cx="198715" cy="194395"/>
+          </a:xfrm>
+          <a:prstGeom prst="rect">
+            <a:avLst/>
+          </a:prstGeom>
+        </p:spPr>
+      </p:pic>
+      <p:cxnSp>
+        <p:nvCxnSpPr>
+          <p:cNvPr id="67" name="Straight Arrow Connector 66">
+            <a:extLst>
+              <a:ext uri="{FF2B5EF4-FFF2-40B4-BE49-F238E27FC236}">
+                <a16:creationId xmlns:a16="http://schemas.microsoft.com/office/drawing/2014/main" id="{23DE441D-0F3B-0444-92B2-35553BF27974}"/>
+              </a:ext>
+            </a:extLst>
+          </p:cNvPr>
+          <p:cNvCxnSpPr>
+            <a:cxnSpLocks/>
+          </p:cNvCxnSpPr>
+          <p:nvPr/>
+        </p:nvCxnSpPr>
+        <p:spPr>
+          <a:xfrm flipV="1">
+            <a:off x="6011900" y="5043386"/>
+            <a:ext cx="0" cy="740335"/>
+          </a:xfrm>
+          <a:prstGeom prst="straightConnector1">
+            <a:avLst/>
+          </a:prstGeom>
+          <a:ln>
+            <a:solidFill>
+              <a:schemeClr val="tx1"/>
+            </a:solidFill>
+            <a:tailEnd type="triangle"/>
+          </a:ln>
+        </p:spPr>
+        <p:style>
+          <a:lnRef idx="1">
+            <a:schemeClr val="accent1"/>
+          </a:lnRef>
+          <a:fillRef idx="0">
+            <a:schemeClr val="accent1"/>
+          </a:fillRef>
+          <a:effectRef idx="0">
+            <a:schemeClr val="accent1"/>
+          </a:effectRef>
+          <a:fontRef idx="minor">
+            <a:schemeClr val="tx1"/>
+          </a:fontRef>
+        </p:style>
+      </p:cxnSp>
+      <p:cxnSp>
+        <p:nvCxnSpPr>
+          <p:cNvPr id="68" name="Straight Arrow Connector 67">
+            <a:extLst>
+              <a:ext uri="{FF2B5EF4-FFF2-40B4-BE49-F238E27FC236}">
+                <a16:creationId xmlns:a16="http://schemas.microsoft.com/office/drawing/2014/main" id="{EE933173-1E00-1678-AA00-592F93346DE3}"/>
+              </a:ext>
+            </a:extLst>
+          </p:cNvPr>
+          <p:cNvCxnSpPr>
+            <a:cxnSpLocks/>
+            <a:endCxn id="61" idx="1"/>
+          </p:cNvCxnSpPr>
+          <p:nvPr/>
+        </p:nvCxnSpPr>
+        <p:spPr>
+          <a:xfrm>
+            <a:off x="6605985" y="5892536"/>
+            <a:ext cx="658848" cy="7781"/>
+          </a:xfrm>
+          <a:prstGeom prst="straightConnector1">
+            <a:avLst/>
+          </a:prstGeom>
+          <a:ln>
+            <a:solidFill>
+              <a:schemeClr val="tx1"/>
+            </a:solidFill>
+            <a:tailEnd type="triangle"/>
+          </a:ln>
+        </p:spPr>
+        <p:style>
+          <a:lnRef idx="1">
+            <a:schemeClr val="accent1"/>
+          </a:lnRef>
+          <a:fillRef idx="0">
+            <a:schemeClr val="accent1"/>
+          </a:fillRef>
+          <a:effectRef idx="0">
+            <a:schemeClr val="accent1"/>
+          </a:effectRef>
+          <a:fontRef idx="minor">
+            <a:schemeClr val="tx1"/>
+          </a:fontRef>
+        </p:style>
+      </p:cxnSp>
+      <p:sp>
+        <p:nvSpPr>
+          <p:cNvPr id="69" name="TextBox 68">
+            <a:extLst>
+              <a:ext uri="{FF2B5EF4-FFF2-40B4-BE49-F238E27FC236}">
+                <a16:creationId xmlns:a16="http://schemas.microsoft.com/office/drawing/2014/main" id="{D0238303-4232-23C8-5B0A-EF284C1ABFBD}"/>
+              </a:ext>
+            </a:extLst>
+          </p:cNvPr>
+          <p:cNvSpPr txBox="1"/>
+          <p:nvPr/>
+        </p:nvSpPr>
+        <p:spPr>
+          <a:xfrm>
+            <a:off x="4582169" y="835103"/>
+            <a:ext cx="3599930" cy="338554"/>
+          </a:xfrm>
+          <a:prstGeom prst="rect">
+            <a:avLst/>
+          </a:prstGeom>
+          <a:noFill/>
+        </p:spPr>
+        <p:txBody>
+          <a:bodyPr wrap="square" rtlCol="0">
+            <a:spAutoFit/>
+          </a:bodyPr>
+          <a:lstStyle/>
+          <a:p>
+            <a:r>
+              <a:rPr lang="en-US" sz="1600" b="1" dirty="0"/>
+              <a:t>Components relationship diagram </a:t>
+            </a:r>
+            <a:endParaRPr lang="en-SG" sz="1600" b="1" dirty="0"/>
+          </a:p>
+        </p:txBody>
+      </p:sp>
+    </p:spTree>
+    <p:extLst>
+      <p:ext uri="{BB962C8B-B14F-4D97-AF65-F5344CB8AC3E}">
+        <p14:creationId xmlns:p14="http://schemas.microsoft.com/office/powerpoint/2010/main" val="3937612668"/>
+      </p:ext>
+    </p:extLst>
+  </p:cSld>
+  <p:clrMapOvr>
+    <a:masterClrMapping/>
+  </p:clrMapOvr>
+</p:sld>
+</file>
+
+<file path=ppt/slides/slide3.xml><?xml version="1.0" encoding="utf-8"?>
+<p:sld xmlns:a="http://schemas.openxmlformats.org/drawingml/2006/main" xmlns:r="http://schemas.openxmlformats.org/officeDocument/2006/relationships" xmlns:p="http://schemas.openxmlformats.org/presentationml/2006/main">
+  <p:cSld>
+    <p:spTree>
+      <p:nvGrpSpPr>
+        <p:cNvPr id="1" name=""/>
+        <p:cNvGrpSpPr/>
+        <p:nvPr/>
+      </p:nvGrpSpPr>
+      <p:grpSpPr>
+        <a:xfrm>
+          <a:off x="0" y="0"/>
+          <a:ext cx="0" cy="0"/>
+          <a:chOff x="0" y="0"/>
+          <a:chExt cx="0" cy="0"/>
+        </a:xfrm>
+      </p:grpSpPr>
+      <p:sp>
+        <p:nvSpPr>
+          <p:cNvPr id="4" name="TextBox 3">
+            <a:extLst>
+              <a:ext uri="{FF2B5EF4-FFF2-40B4-BE49-F238E27FC236}">
+                <a16:creationId xmlns:a16="http://schemas.microsoft.com/office/drawing/2014/main" id="{B2EE9385-272D-78F8-37EF-D7BFBD2E461E}"/>
+              </a:ext>
+            </a:extLst>
+          </p:cNvPr>
+          <p:cNvSpPr txBox="1"/>
+          <p:nvPr/>
+        </p:nvSpPr>
+        <p:spPr>
+          <a:xfrm>
+            <a:off x="0" y="-12557"/>
+            <a:ext cx="12191999" cy="461665"/>
+          </a:xfrm>
+          <a:prstGeom prst="rect">
+            <a:avLst/>
+          </a:prstGeom>
+          <a:solidFill>
+            <a:schemeClr val="accent1">
+              <a:lumMod val="75000"/>
+            </a:schemeClr>
+          </a:solidFill>
+          <a:ln>
+            <a:solidFill>
+              <a:schemeClr val="tx1"/>
+            </a:solidFill>
+          </a:ln>
+        </p:spPr>
+        <p:txBody>
+          <a:bodyPr wrap="square" rtlCol="0">
+            <a:spAutoFit/>
+          </a:bodyPr>
+          <a:lstStyle/>
+          <a:p>
+            <a:r>
+              <a:rPr lang="en-SG" sz="2400" dirty="0">
+                <a:solidFill>
+                  <a:schemeClr val="bg1"/>
+                </a:solidFill>
+              </a:rPr>
+              <a:t>User Action Emulator [ Pre-built actors we have provided ]  </a:t>
+            </a:r>
+            <a:endParaRPr lang="en-SG" sz="2400" dirty="0">
+              <a:solidFill>
+                <a:srgbClr val="FF0000"/>
+              </a:solidFill>
+            </a:endParaRPr>
+          </a:p>
+        </p:txBody>
+      </p:sp>
+      <p:pic>
+        <p:nvPicPr>
+          <p:cNvPr id="5" name="Picture 4" descr="Graphical user interface, text&#10;&#10;Description automatically generated with medium confidence">
+            <a:extLst>
+              <a:ext uri="{FF2B5EF4-FFF2-40B4-BE49-F238E27FC236}">
+                <a16:creationId xmlns:a16="http://schemas.microsoft.com/office/drawing/2014/main" id="{CCBDD8B4-58ED-392B-004A-4336DFD8CA6A}"/>
+              </a:ext>
+            </a:extLst>
+          </p:cNvPr>
+          <p:cNvPicPr>
+            <a:picLocks noChangeAspect="1"/>
+          </p:cNvPicPr>
+          <p:nvPr/>
+        </p:nvPicPr>
+        <p:blipFill>
+          <a:blip r:embed="rId3">
+            <a:extLst>
+              <a:ext uri="{28A0092B-C50C-407E-A947-70E740481C1C}">
+                <a14:useLocalDpi xmlns:a14="http://schemas.microsoft.com/office/drawing/2010/main" val="0"/>
+              </a:ext>
+            </a:extLst>
+          </a:blip>
+          <a:stretch>
+            <a:fillRect/>
+          </a:stretch>
+        </p:blipFill>
+        <p:spPr>
+          <a:xfrm>
+            <a:off x="10527245" y="53310"/>
+            <a:ext cx="1598494" cy="348275"/>
+          </a:xfrm>
+          <a:prstGeom prst="rect">
+            <a:avLst/>
+          </a:prstGeom>
+        </p:spPr>
+      </p:pic>
+      <p:graphicFrame>
+        <p:nvGraphicFramePr>
+          <p:cNvPr id="3" name="Table 5">
+            <a:extLst>
+              <a:ext uri="{FF2B5EF4-FFF2-40B4-BE49-F238E27FC236}">
+                <a16:creationId xmlns:a16="http://schemas.microsoft.com/office/drawing/2014/main" id="{3E91A4D8-4A6B-529A-0D40-91743A9431DA}"/>
+              </a:ext>
+            </a:extLst>
+          </p:cNvPr>
+          <p:cNvGraphicFramePr>
+            <a:graphicFrameLocks noGrp="1"/>
+          </p:cNvGraphicFramePr>
+          <p:nvPr>
+            <p:extLst>
+              <p:ext uri="{D42A27DB-BD31-4B8C-83A1-F6EECF244321}">
+                <p14:modId xmlns:p14="http://schemas.microsoft.com/office/powerpoint/2010/main" val="123551066"/>
+              </p:ext>
+            </p:extLst>
+          </p:nvPr>
+        </p:nvGraphicFramePr>
+        <p:xfrm>
+          <a:off x="393591" y="1316102"/>
+          <a:ext cx="6118970" cy="5157157"/>
+        </p:xfrm>
+        <a:graphic>
+          <a:graphicData uri="http://schemas.openxmlformats.org/drawingml/2006/table">
+            <a:tbl>
+              <a:tblPr firstRow="1" bandRow="1">
+                <a:tableStyleId>{5C22544A-7EE6-4342-B048-85BDC9FD1C3A}</a:tableStyleId>
+              </a:tblPr>
+              <a:tblGrid>
+                <a:gridCol w="498927">
+                  <a:extLst>
+                    <a:ext uri="{9D8B030D-6E8A-4147-A177-3AD203B41FA5}">
+                      <a16:colId xmlns:a16="http://schemas.microsoft.com/office/drawing/2014/main" val="3380695120"/>
+                    </a:ext>
+                  </a:extLst>
+                </a:gridCol>
+                <a:gridCol w="1423997">
+                  <a:extLst>
+                    <a:ext uri="{9D8B030D-6E8A-4147-A177-3AD203B41FA5}">
+                      <a16:colId xmlns:a16="http://schemas.microsoft.com/office/drawing/2014/main" val="308096956"/>
+                    </a:ext>
+                  </a:extLst>
+                </a:gridCol>
+                <a:gridCol w="2724582">
+                  <a:extLst>
+                    <a:ext uri="{9D8B030D-6E8A-4147-A177-3AD203B41FA5}">
+                      <a16:colId xmlns:a16="http://schemas.microsoft.com/office/drawing/2014/main" val="1115179321"/>
+                    </a:ext>
+                  </a:extLst>
+                </a:gridCol>
+                <a:gridCol w="1471464">
+                  <a:extLst>
+                    <a:ext uri="{9D8B030D-6E8A-4147-A177-3AD203B41FA5}">
+                      <a16:colId xmlns:a16="http://schemas.microsoft.com/office/drawing/2014/main" val="3583060921"/>
+                    </a:ext>
+                  </a:extLst>
+                </a:gridCol>
+              </a:tblGrid>
+              <a:tr h="366717">
+                <a:tc>
+                  <a:txBody>
+                    <a:bodyPr/>
+                    <a:lstStyle/>
+                    <a:p>
+                      <a:r>
+                        <a:rPr lang="en-SG" sz="1000" dirty="0"/>
+                        <a:t>Index</a:t>
+                      </a:r>
+                    </a:p>
+                  </a:txBody>
+                  <a:tcPr>
+                    <a:lnL w="12700" cap="flat" cmpd="sng" algn="ctr">
+                      <a:solidFill>
+                        <a:schemeClr val="tx1"/>
+                      </a:solidFill>
+                      <a:prstDash val="solid"/>
+                      <a:round/>
+                      <a:headEnd type="none" w="med" len="med"/>
+                      <a:tailEnd type="none" w="med" len="med"/>
+                    </a:lnL>
+                    <a:lnT w="12700" cap="flat" cmpd="sng" algn="ctr">
+                      <a:solidFill>
+                        <a:schemeClr val="tx1"/>
+                      </a:solidFill>
+                      <a:prstDash val="solid"/>
+                      <a:round/>
+                      <a:headEnd type="none" w="med" len="med"/>
+                      <a:tailEnd type="none" w="med" len="med"/>
+                    </a:lnT>
+                  </a:tcPr>
+                </a:tc>
+                <a:tc>
+                  <a:txBody>
+                    <a:bodyPr/>
+                    <a:lstStyle/>
+                    <a:p>
+                      <a:r>
+                        <a:rPr lang="en-SG" sz="1000" dirty="0"/>
+                        <a:t>Actor module name</a:t>
+                      </a:r>
+                    </a:p>
+                  </a:txBody>
+                  <a:tcPr>
+                    <a:lnT w="12700" cap="flat" cmpd="sng" algn="ctr">
+                      <a:solidFill>
+                        <a:schemeClr val="tx1"/>
+                      </a:solidFill>
+                      <a:prstDash val="solid"/>
+                      <a:round/>
+                      <a:headEnd type="none" w="med" len="med"/>
+                      <a:tailEnd type="none" w="med" len="med"/>
+                    </a:lnT>
+                  </a:tcPr>
+                </a:tc>
+                <a:tc>
+                  <a:txBody>
+                    <a:bodyPr/>
+                    <a:lstStyle/>
+                    <a:p>
+                      <a:r>
+                        <a:rPr lang="en-SG" sz="1000" dirty="0"/>
+                        <a:t>Function provided</a:t>
+                      </a:r>
+                    </a:p>
+                  </a:txBody>
+                  <a:tcPr>
+                    <a:lnT w="12700" cap="flat" cmpd="sng" algn="ctr">
+                      <a:solidFill>
+                        <a:schemeClr val="tx1"/>
+                      </a:solidFill>
+                      <a:prstDash val="solid"/>
+                      <a:round/>
+                      <a:headEnd type="none" w="med" len="med"/>
+                      <a:tailEnd type="none" w="med" len="med"/>
+                    </a:lnT>
+                  </a:tcPr>
+                </a:tc>
+                <a:tc>
+                  <a:txBody>
+                    <a:bodyPr/>
+                    <a:lstStyle/>
+                    <a:p>
+                      <a:r>
+                        <a:rPr lang="en-SG" sz="1000" dirty="0"/>
+                        <a:t>Traffic/protocol type</a:t>
+                      </a:r>
+                    </a:p>
+                  </a:txBody>
+                  <a:tcPr>
+                    <a:lnR w="12700" cap="flat" cmpd="sng" algn="ctr">
+                      <a:solidFill>
+                        <a:schemeClr val="tx1"/>
+                      </a:solidFill>
+                      <a:prstDash val="solid"/>
+                      <a:round/>
+                      <a:headEnd type="none" w="med" len="med"/>
+                      <a:tailEnd type="none" w="med" len="med"/>
+                    </a:lnR>
+                    <a:lnT w="12700" cap="flat" cmpd="sng" algn="ctr">
+                      <a:solidFill>
+                        <a:schemeClr val="tx1"/>
+                      </a:solidFill>
+                      <a:prstDash val="solid"/>
+                      <a:round/>
+                      <a:headEnd type="none" w="med" len="med"/>
+                      <a:tailEnd type="none" w="med" len="med"/>
+                    </a:lnT>
+                  </a:tcPr>
+                </a:tc>
+                <a:extLst>
+                  <a:ext uri="{0D108BD9-81ED-4DB2-BD59-A6C34878D82A}">
+                    <a16:rowId xmlns:a16="http://schemas.microsoft.com/office/drawing/2014/main" val="896556790"/>
+                  </a:ext>
+                </a:extLst>
+              </a:tr>
+              <a:tr h="370840">
+                <a:tc>
+                  <a:txBody>
+                    <a:bodyPr/>
+                    <a:lstStyle/>
+                    <a:p>
+                      <a:r>
+                        <a:rPr lang="en-SG" sz="1000" dirty="0"/>
+                        <a:t>1</a:t>
+                      </a:r>
+                    </a:p>
+                  </a:txBody>
+                  <a:tcPr>
+                    <a:lnL w="12700" cap="flat" cmpd="sng" algn="ctr">
+                      <a:solidFill>
+                        <a:schemeClr val="tx1"/>
+                      </a:solidFill>
+                      <a:prstDash val="solid"/>
+                      <a:round/>
+                      <a:headEnd type="none" w="med" len="med"/>
+                      <a:tailEnd type="none" w="med" len="med"/>
+                    </a:lnL>
+                  </a:tcPr>
+                </a:tc>
+                <a:tc>
+                  <a:txBody>
+                    <a:bodyPr/>
+                    <a:lstStyle/>
+                    <a:p>
+                      <a:r>
+                        <a:rPr lang="en-SG" sz="1000" b="0" kern="1200" dirty="0">
+                          <a:solidFill>
+                            <a:schemeClr val="dk1"/>
+                          </a:solidFill>
+                          <a:effectLst/>
+                        </a:rPr>
+                        <a:t>pingActor</a:t>
+                      </a:r>
+                      <a:endParaRPr lang="en-SG" sz="1000" dirty="0"/>
+                    </a:p>
+                  </a:txBody>
+                  <a:tcPr/>
+                </a:tc>
+                <a:tc>
+                  <a:txBody>
+                    <a:bodyPr/>
+                    <a:lstStyle/>
+                    <a:p>
+                      <a:pPr marL="171450" indent="-171450">
+                        <a:buFont typeface="Arial" panose="020B0604020202020204" pitchFamily="34" charset="0"/>
+                        <a:buChar char="•"/>
+                      </a:pPr>
+                      <a:r>
+                        <a:rPr lang="en-SG" sz="1000" b="0" kern="1200" dirty="0">
+                          <a:solidFill>
+                            <a:schemeClr val="dk1"/>
+                          </a:solidFill>
+                          <a:effectLst/>
+                        </a:rPr>
+                        <a:t>ping</a:t>
+                      </a:r>
+                      <a:endParaRPr lang="en-SG" sz="1000" dirty="0"/>
+                    </a:p>
+                  </a:txBody>
+                  <a:tcPr/>
+                </a:tc>
+                <a:tc>
+                  <a:txBody>
+                    <a:bodyPr/>
+                    <a:lstStyle/>
+                    <a:p>
+                      <a:r>
+                        <a:rPr lang="en-SG" sz="1000" b="0" kern="1200" dirty="0">
+                          <a:solidFill>
+                            <a:schemeClr val="dk1"/>
+                          </a:solidFill>
+                          <a:effectLst/>
+                        </a:rPr>
+                        <a:t>ICMP</a:t>
+                      </a:r>
+                      <a:endParaRPr lang="en-SG" sz="1000" dirty="0"/>
+                    </a:p>
+                  </a:txBody>
+                  <a:tcPr>
+                    <a:lnR w="12700" cap="flat" cmpd="sng" algn="ctr">
+                      <a:solidFill>
+                        <a:schemeClr val="tx1"/>
+                      </a:solidFill>
+                      <a:prstDash val="solid"/>
+                      <a:round/>
+                      <a:headEnd type="none" w="med" len="med"/>
+                      <a:tailEnd type="none" w="med" len="med"/>
+                    </a:lnR>
+                  </a:tcPr>
+                </a:tc>
+                <a:extLst>
+                  <a:ext uri="{0D108BD9-81ED-4DB2-BD59-A6C34878D82A}">
+                    <a16:rowId xmlns:a16="http://schemas.microsoft.com/office/drawing/2014/main" val="553099790"/>
+                  </a:ext>
+                </a:extLst>
+              </a:tr>
+              <a:tr h="370840">
+                <a:tc>
+                  <a:txBody>
+                    <a:bodyPr/>
+                    <a:lstStyle/>
+                    <a:p>
+                      <a:r>
+                        <a:rPr lang="en-SG" sz="1000" dirty="0"/>
+                        <a:t>2</a:t>
+                      </a:r>
+                    </a:p>
+                  </a:txBody>
+                  <a:tcPr>
+                    <a:lnL w="12700" cap="flat" cmpd="sng" algn="ctr">
+                      <a:solidFill>
+                        <a:schemeClr val="tx1"/>
+                      </a:solidFill>
+                      <a:prstDash val="solid"/>
+                      <a:round/>
+                      <a:headEnd type="none" w="med" len="med"/>
+                      <a:tailEnd type="none" w="med" len="med"/>
+                    </a:lnL>
+                  </a:tcPr>
+                </a:tc>
+                <a:tc>
+                  <a:txBody>
+                    <a:bodyPr/>
+                    <a:lstStyle/>
+                    <a:p>
+                      <a:r>
+                        <a:rPr lang="en-SG" sz="1000" b="0" kern="1200" dirty="0">
+                          <a:solidFill>
+                            <a:schemeClr val="dk1"/>
+                          </a:solidFill>
+                          <a:effectLst/>
+                        </a:rPr>
+                        <a:t>webActor</a:t>
+                      </a:r>
+                      <a:endParaRPr lang="en-SG" sz="1000" dirty="0"/>
+                    </a:p>
+                  </a:txBody>
+                  <a:tcPr/>
+                </a:tc>
+                <a:tc>
+                  <a:txBody>
+                    <a:bodyPr/>
+                    <a:lstStyle/>
+                    <a:p>
+                      <a:pPr marL="171450" indent="-171450">
+                        <a:buFont typeface="Arial" panose="020B0604020202020204" pitchFamily="34" charset="0"/>
+                        <a:buChar char="•"/>
+                      </a:pPr>
+                      <a:r>
+                        <a:rPr lang="en-US" sz="1000" dirty="0"/>
+                        <a:t>Fetch a websites, send http(s) request.</a:t>
+                      </a:r>
+                    </a:p>
+                    <a:p>
+                      <a:pPr marL="171450" indent="-171450">
+                        <a:buFont typeface="Arial" panose="020B0604020202020204" pitchFamily="34" charset="0"/>
+                        <a:buChar char="•"/>
+                      </a:pPr>
+                      <a:r>
+                        <a:rPr lang="en-US" sz="1000" dirty="0"/>
+                        <a:t>Surf internet. Watch YouTube  video.</a:t>
+                      </a:r>
+                      <a:endParaRPr lang="en-SG" sz="1000" dirty="0"/>
+                    </a:p>
+                  </a:txBody>
+                  <a:tcPr/>
+                </a:tc>
+                <a:tc>
+                  <a:txBody>
+                    <a:bodyPr/>
+                    <a:lstStyle/>
+                    <a:p>
+                      <a:r>
+                        <a:rPr lang="en-SG" sz="1000" b="0" kern="1200" dirty="0">
+                          <a:solidFill>
+                            <a:schemeClr val="dk1"/>
+                          </a:solidFill>
+                          <a:effectLst/>
+                        </a:rPr>
+                        <a:t>http(s)</a:t>
+                      </a:r>
+                      <a:endParaRPr lang="en-SG" sz="1000" dirty="0"/>
+                    </a:p>
+                  </a:txBody>
+                  <a:tcPr>
+                    <a:lnR w="12700" cap="flat" cmpd="sng" algn="ctr">
+                      <a:solidFill>
+                        <a:schemeClr val="tx1"/>
+                      </a:solidFill>
+                      <a:prstDash val="solid"/>
+                      <a:round/>
+                      <a:headEnd type="none" w="med" len="med"/>
+                      <a:tailEnd type="none" w="med" len="med"/>
+                    </a:lnR>
+                  </a:tcPr>
+                </a:tc>
+                <a:extLst>
+                  <a:ext uri="{0D108BD9-81ED-4DB2-BD59-A6C34878D82A}">
+                    <a16:rowId xmlns:a16="http://schemas.microsoft.com/office/drawing/2014/main" val="3476181168"/>
+                  </a:ext>
+                </a:extLst>
+              </a:tr>
+              <a:tr h="370840">
+                <a:tc>
+                  <a:txBody>
+                    <a:bodyPr/>
+                    <a:lstStyle/>
+                    <a:p>
+                      <a:r>
+                        <a:rPr lang="en-SG" sz="1000" dirty="0"/>
+                        <a:t>3</a:t>
+                      </a:r>
+                    </a:p>
+                  </a:txBody>
+                  <a:tcPr>
+                    <a:lnL w="12700" cap="flat" cmpd="sng" algn="ctr">
+                      <a:solidFill>
+                        <a:schemeClr val="tx1"/>
+                      </a:solidFill>
+                      <a:prstDash val="solid"/>
+                      <a:round/>
+                      <a:headEnd type="none" w="med" len="med"/>
+                      <a:tailEnd type="none" w="med" len="med"/>
+                    </a:lnL>
+                  </a:tcPr>
+                </a:tc>
+                <a:tc>
+                  <a:txBody>
+                    <a:bodyPr/>
+                    <a:lstStyle/>
+                    <a:p>
+                      <a:r>
+                        <a:rPr lang="en-SG" sz="1000" dirty="0"/>
+                        <a:t>webDownloader</a:t>
+                      </a:r>
+                    </a:p>
+                  </a:txBody>
+                  <a:tcPr/>
+                </a:tc>
+                <a:tc>
+                  <a:txBody>
+                    <a:bodyPr/>
+                    <a:lstStyle/>
+                    <a:p>
+                      <a:pPr marL="171450" indent="-171450">
+                        <a:buFont typeface="Arial" panose="020B0604020202020204" pitchFamily="34" charset="0"/>
+                        <a:buChar char="•"/>
+                      </a:pPr>
+                      <a:r>
+                        <a:rPr lang="en-SG" sz="1000" dirty="0"/>
+                        <a:t>Download website components: https web cert, css, html, js, images, downloadable link. </a:t>
+                      </a:r>
+                    </a:p>
+                    <a:p>
+                      <a:pPr marL="171450" marR="0" lvl="0" indent="-171450" algn="l" defTabSz="914400" rtl="0" eaLnBrk="1" fontAlgn="auto" latinLnBrk="0" hangingPunct="1">
+                        <a:lnSpc>
+                          <a:spcPct val="100000"/>
+                        </a:lnSpc>
+                        <a:spcBef>
+                          <a:spcPts val="0"/>
+                        </a:spcBef>
+                        <a:spcAft>
+                          <a:spcPts val="0"/>
+                        </a:spcAft>
+                        <a:buClrTx/>
+                        <a:buSzTx/>
+                        <a:buFont typeface="Arial" panose="020B0604020202020204" pitchFamily="34" charset="0"/>
+                        <a:buChar char="•"/>
+                        <a:tabLst/>
+                        <a:defRPr/>
+                      </a:pPr>
+                      <a:r>
+                        <a:rPr lang="en-SG" sz="1000" dirty="0"/>
+                        <a:t>Page screen shot</a:t>
+                      </a:r>
+                    </a:p>
+                  </a:txBody>
+                  <a:tcPr/>
+                </a:tc>
+                <a:tc>
+                  <a:txBody>
+                    <a:bodyPr/>
+                    <a:lstStyle/>
+                    <a:p>
+                      <a:pPr marL="0" marR="0" lvl="0" indent="0" algn="l" defTabSz="914400" rtl="0" eaLnBrk="1" fontAlgn="auto" latinLnBrk="0" hangingPunct="1">
+                        <a:lnSpc>
+                          <a:spcPct val="100000"/>
+                        </a:lnSpc>
+                        <a:spcBef>
+                          <a:spcPts val="0"/>
+                        </a:spcBef>
+                        <a:spcAft>
+                          <a:spcPts val="0"/>
+                        </a:spcAft>
+                        <a:buClrTx/>
+                        <a:buSzTx/>
+                        <a:buFontTx/>
+                        <a:buNone/>
+                        <a:tabLst/>
+                        <a:defRPr/>
+                      </a:pPr>
+                      <a:r>
+                        <a:rPr lang="en-SG" sz="1000" dirty="0"/>
+                        <a:t>http(s), Page screen shot</a:t>
+                      </a:r>
+                    </a:p>
+                    <a:p>
+                      <a:endParaRPr lang="en-SG" sz="1000" dirty="0"/>
+                    </a:p>
+                  </a:txBody>
+                  <a:tcPr>
+                    <a:lnR w="12700" cap="flat" cmpd="sng" algn="ctr">
+                      <a:solidFill>
+                        <a:schemeClr val="tx1"/>
+                      </a:solidFill>
+                      <a:prstDash val="solid"/>
+                      <a:round/>
+                      <a:headEnd type="none" w="med" len="med"/>
+                      <a:tailEnd type="none" w="med" len="med"/>
+                    </a:lnR>
+                  </a:tcPr>
+                </a:tc>
+                <a:extLst>
+                  <a:ext uri="{0D108BD9-81ED-4DB2-BD59-A6C34878D82A}">
+                    <a16:rowId xmlns:a16="http://schemas.microsoft.com/office/drawing/2014/main" val="3794426225"/>
+                  </a:ext>
+                </a:extLst>
+              </a:tr>
+              <a:tr h="370840">
+                <a:tc>
+                  <a:txBody>
+                    <a:bodyPr/>
+                    <a:lstStyle/>
+                    <a:p>
+                      <a:r>
+                        <a:rPr lang="en-SG" sz="1000" dirty="0"/>
+                        <a:t>4</a:t>
+                      </a:r>
+                    </a:p>
+                  </a:txBody>
+                  <a:tcPr>
+                    <a:lnL w="12700" cap="flat" cmpd="sng" algn="ctr">
+                      <a:solidFill>
+                        <a:schemeClr val="tx1"/>
+                      </a:solidFill>
+                      <a:prstDash val="solid"/>
+                      <a:round/>
+                      <a:headEnd type="none" w="med" len="med"/>
+                      <a:tailEnd type="none" w="med" len="med"/>
+                    </a:lnL>
+                  </a:tcPr>
+                </a:tc>
+                <a:tc>
+                  <a:txBody>
+                    <a:bodyPr/>
+                    <a:lstStyle/>
+                    <a:p>
+                      <a:pPr marL="0" marR="0" lvl="0" indent="0" algn="l" defTabSz="914400" rtl="0" eaLnBrk="1" fontAlgn="auto" latinLnBrk="0" hangingPunct="1">
+                        <a:lnSpc>
+                          <a:spcPct val="100000"/>
+                        </a:lnSpc>
+                        <a:spcBef>
+                          <a:spcPts val="0"/>
+                        </a:spcBef>
+                        <a:spcAft>
+                          <a:spcPts val="0"/>
+                        </a:spcAft>
+                        <a:buClrTx/>
+                        <a:buSzTx/>
+                        <a:buFontTx/>
+                        <a:buNone/>
+                        <a:tabLst/>
+                        <a:defRPr/>
+                      </a:pPr>
+                      <a:r>
+                        <a:rPr lang="en-SG" sz="1000" dirty="0"/>
+                        <a:t>transferActor</a:t>
+                      </a:r>
+                    </a:p>
+                    <a:p>
+                      <a:endParaRPr lang="en-SG" sz="1000" dirty="0"/>
+                    </a:p>
+                  </a:txBody>
+                  <a:tcPr/>
+                </a:tc>
+                <a:tc>
+                  <a:txBody>
+                    <a:bodyPr/>
+                    <a:lstStyle/>
+                    <a:p>
+                      <a:pPr marL="171450" marR="0" lvl="0" indent="-171450" algn="l" defTabSz="914400" rtl="0" eaLnBrk="1" fontAlgn="auto" latinLnBrk="0" hangingPunct="1">
+                        <a:lnSpc>
+                          <a:spcPct val="100000"/>
+                        </a:lnSpc>
+                        <a:spcBef>
+                          <a:spcPts val="0"/>
+                        </a:spcBef>
+                        <a:spcAft>
+                          <a:spcPts val="0"/>
+                        </a:spcAft>
+                        <a:buClrTx/>
+                        <a:buSzTx/>
+                        <a:buFont typeface="Arial" panose="020B0604020202020204" pitchFamily="34" charset="0"/>
+                        <a:buChar char="•"/>
+                        <a:tabLst/>
+                        <a:defRPr/>
+                      </a:pPr>
+                      <a:r>
+                        <a:rPr lang="en-US" sz="1000" dirty="0"/>
+                        <a:t>Upload and download a file or  </a:t>
+                      </a:r>
+                      <a:r>
+                        <a:rPr lang="en-SG" sz="1000" dirty="0"/>
+                        <a:t>Transfer files via sftp. </a:t>
+                      </a:r>
+                    </a:p>
+                    <a:p>
+                      <a:pPr marL="171450" marR="0" lvl="0" indent="-171450" algn="l" defTabSz="914400" rtl="0" eaLnBrk="1" fontAlgn="auto" latinLnBrk="0" hangingPunct="1">
+                        <a:lnSpc>
+                          <a:spcPct val="100000"/>
+                        </a:lnSpc>
+                        <a:spcBef>
+                          <a:spcPts val="0"/>
+                        </a:spcBef>
+                        <a:spcAft>
+                          <a:spcPts val="0"/>
+                        </a:spcAft>
+                        <a:buClrTx/>
+                        <a:buSzTx/>
+                        <a:buFont typeface="Arial" panose="020B0604020202020204" pitchFamily="34" charset="0"/>
+                        <a:buChar char="•"/>
+                        <a:tabLst/>
+                        <a:defRPr/>
+                      </a:pPr>
+                      <a:r>
+                        <a:rPr lang="en-US" sz="1000" dirty="0"/>
+                        <a:t>Copy a file or directory to or from a nfs or smb share.</a:t>
+                      </a:r>
+                      <a:endParaRPr lang="en-SG" sz="1000" dirty="0"/>
+                    </a:p>
+                  </a:txBody>
+                  <a:tcPr/>
+                </a:tc>
+                <a:tc>
+                  <a:txBody>
+                    <a:bodyPr/>
+                    <a:lstStyle/>
+                    <a:p>
+                      <a:pPr marL="0" marR="0" lvl="0" indent="0" algn="l" defTabSz="914400" rtl="0" eaLnBrk="1" fontAlgn="auto" latinLnBrk="0" hangingPunct="1">
+                        <a:lnSpc>
+                          <a:spcPct val="100000"/>
+                        </a:lnSpc>
+                        <a:spcBef>
+                          <a:spcPts val="0"/>
+                        </a:spcBef>
+                        <a:spcAft>
+                          <a:spcPts val="0"/>
+                        </a:spcAft>
+                        <a:buClrTx/>
+                        <a:buSzTx/>
+                        <a:buFontTx/>
+                        <a:buNone/>
+                        <a:tabLst/>
+                        <a:defRPr/>
+                      </a:pPr>
+                      <a:r>
+                        <a:rPr lang="en-SG" sz="1000" dirty="0"/>
+                        <a:t>ftp(s), sftp, nfs/smb</a:t>
+                      </a:r>
+                    </a:p>
+                  </a:txBody>
+                  <a:tcPr>
+                    <a:lnR w="12700" cap="flat" cmpd="sng" algn="ctr">
+                      <a:solidFill>
+                        <a:schemeClr val="tx1"/>
+                      </a:solidFill>
+                      <a:prstDash val="solid"/>
+                      <a:round/>
+                      <a:headEnd type="none" w="med" len="med"/>
+                      <a:tailEnd type="none" w="med" len="med"/>
+                    </a:lnR>
+                  </a:tcPr>
+                </a:tc>
+                <a:extLst>
+                  <a:ext uri="{0D108BD9-81ED-4DB2-BD59-A6C34878D82A}">
+                    <a16:rowId xmlns:a16="http://schemas.microsoft.com/office/drawing/2014/main" val="3863115443"/>
+                  </a:ext>
+                </a:extLst>
+              </a:tr>
+              <a:tr h="370840">
+                <a:tc>
+                  <a:txBody>
+                    <a:bodyPr/>
+                    <a:lstStyle/>
+                    <a:p>
+                      <a:r>
+                        <a:rPr lang="en-SG" sz="1000" dirty="0"/>
+                        <a:t>5</a:t>
+                      </a:r>
+                    </a:p>
+                  </a:txBody>
+                  <a:tcPr>
+                    <a:lnL w="12700" cap="flat" cmpd="sng" algn="ctr">
+                      <a:solidFill>
+                        <a:schemeClr val="tx1"/>
+                      </a:solidFill>
+                      <a:prstDash val="solid"/>
+                      <a:round/>
+                      <a:headEnd type="none" w="med" len="med"/>
+                      <a:tailEnd type="none" w="med" len="med"/>
+                    </a:lnL>
+                  </a:tcPr>
+                </a:tc>
+                <a:tc>
+                  <a:txBody>
+                    <a:bodyPr/>
+                    <a:lstStyle/>
+                    <a:p>
+                      <a:pPr marL="0" marR="0" lvl="0" indent="0" algn="l" defTabSz="914400" rtl="0" eaLnBrk="1" fontAlgn="auto" latinLnBrk="0" hangingPunct="1">
+                        <a:lnSpc>
+                          <a:spcPct val="100000"/>
+                        </a:lnSpc>
+                        <a:spcBef>
+                          <a:spcPts val="0"/>
+                        </a:spcBef>
+                        <a:spcAft>
+                          <a:spcPts val="0"/>
+                        </a:spcAft>
+                        <a:buClrTx/>
+                        <a:buSzTx/>
+                        <a:buFontTx/>
+                        <a:buNone/>
+                        <a:tabLst/>
+                        <a:defRPr/>
+                      </a:pPr>
+                      <a:r>
+                        <a:rPr lang="en-SG" sz="1000" dirty="0"/>
+                        <a:t>sshConnector/sshForwarder</a:t>
+                      </a:r>
+                    </a:p>
+                  </a:txBody>
+                  <a:tcPr/>
+                </a:tc>
+                <a:tc>
+                  <a:txBody>
+                    <a:bodyPr/>
+                    <a:lstStyle/>
+                    <a:p>
+                      <a:pPr marL="171450" indent="-171450">
+                        <a:buFont typeface="Arial" panose="020B0604020202020204" pitchFamily="34" charset="0"/>
+                        <a:buChar char="•"/>
+                      </a:pPr>
+                      <a:r>
+                        <a:rPr lang="en-US" sz="1000" dirty="0"/>
+                        <a:t>ssh connection or scp file transfer. </a:t>
+                      </a:r>
+                    </a:p>
+                    <a:p>
+                      <a:pPr marL="171450" indent="-171450">
+                        <a:buFont typeface="Arial" panose="020B0604020202020204" pitchFamily="34" charset="0"/>
+                        <a:buChar char="•"/>
+                      </a:pPr>
+                      <a:r>
+                        <a:rPr lang="en-US" sz="1000" dirty="0"/>
+                        <a:t>Forward traffic thought specified port.</a:t>
+                      </a:r>
+                      <a:endParaRPr lang="en-SG" sz="1000" dirty="0"/>
+                    </a:p>
+                  </a:txBody>
+                  <a:tcPr/>
+                </a:tc>
+                <a:tc>
+                  <a:txBody>
+                    <a:bodyPr/>
+                    <a:lstStyle/>
+                    <a:p>
+                      <a:r>
+                        <a:rPr lang="en-SG" sz="1000" dirty="0"/>
+                        <a:t>ssh/scp</a:t>
+                      </a:r>
+                    </a:p>
+                  </a:txBody>
+                  <a:tcPr>
+                    <a:lnR w="12700" cap="flat" cmpd="sng" algn="ctr">
+                      <a:solidFill>
+                        <a:schemeClr val="tx1"/>
+                      </a:solidFill>
+                      <a:prstDash val="solid"/>
+                      <a:round/>
+                      <a:headEnd type="none" w="med" len="med"/>
+                      <a:tailEnd type="none" w="med" len="med"/>
+                    </a:lnR>
+                  </a:tcPr>
+                </a:tc>
+                <a:extLst>
+                  <a:ext uri="{0D108BD9-81ED-4DB2-BD59-A6C34878D82A}">
+                    <a16:rowId xmlns:a16="http://schemas.microsoft.com/office/drawing/2014/main" val="1055004137"/>
+                  </a:ext>
+                </a:extLst>
+              </a:tr>
+              <a:tr h="370840">
+                <a:tc>
+                  <a:txBody>
+                    <a:bodyPr/>
+                    <a:lstStyle/>
+                    <a:p>
+                      <a:r>
+                        <a:rPr lang="en-SG" sz="1000" dirty="0"/>
+                        <a:t>6</a:t>
+                      </a:r>
+                    </a:p>
+                  </a:txBody>
+                  <a:tcPr>
+                    <a:lnL w="12700" cap="flat" cmpd="sng" algn="ctr">
+                      <a:solidFill>
+                        <a:schemeClr val="tx1"/>
+                      </a:solidFill>
+                      <a:prstDash val="solid"/>
+                      <a:round/>
+                      <a:headEnd type="none" w="med" len="med"/>
+                      <a:tailEnd type="none" w="med" len="med"/>
+                    </a:lnL>
+                  </a:tcPr>
+                </a:tc>
+                <a:tc>
+                  <a:txBody>
+                    <a:bodyPr/>
+                    <a:lstStyle/>
+                    <a:p>
+                      <a:r>
+                        <a:rPr lang="en-SG" sz="1000" dirty="0"/>
+                        <a:t>udpCom</a:t>
+                      </a:r>
+                    </a:p>
+                  </a:txBody>
+                  <a:tcPr/>
+                </a:tc>
+                <a:tc>
+                  <a:txBody>
+                    <a:bodyPr/>
+                    <a:lstStyle/>
+                    <a:p>
+                      <a:pPr marL="171450" indent="-171450">
+                        <a:buFont typeface="Arial" panose="020B0604020202020204" pitchFamily="34" charset="0"/>
+                        <a:buChar char="•"/>
+                      </a:pPr>
+                      <a:r>
+                        <a:rPr lang="en-US" sz="1000" dirty="0"/>
+                        <a:t>Any kinds of UDP message communication or file transfer.</a:t>
+                      </a:r>
+                      <a:endParaRPr lang="en-SG" sz="1000" dirty="0"/>
+                    </a:p>
+                  </a:txBody>
+                  <a:tcPr/>
+                </a:tc>
+                <a:tc>
+                  <a:txBody>
+                    <a:bodyPr/>
+                    <a:lstStyle/>
+                    <a:p>
+                      <a:r>
+                        <a:rPr lang="en-SG" sz="1000" dirty="0"/>
+                        <a:t>udp</a:t>
+                      </a:r>
+                    </a:p>
+                  </a:txBody>
+                  <a:tcPr>
+                    <a:lnR w="12700" cap="flat" cmpd="sng" algn="ctr">
+                      <a:solidFill>
+                        <a:schemeClr val="tx1"/>
+                      </a:solidFill>
+                      <a:prstDash val="solid"/>
+                      <a:round/>
+                      <a:headEnd type="none" w="med" len="med"/>
+                      <a:tailEnd type="none" w="med" len="med"/>
+                    </a:lnR>
+                  </a:tcPr>
+                </a:tc>
+                <a:extLst>
+                  <a:ext uri="{0D108BD9-81ED-4DB2-BD59-A6C34878D82A}">
+                    <a16:rowId xmlns:a16="http://schemas.microsoft.com/office/drawing/2014/main" val="4081149017"/>
+                  </a:ext>
+                </a:extLst>
+              </a:tr>
+              <a:tr h="370840">
+                <a:tc>
+                  <a:txBody>
+                    <a:bodyPr/>
+                    <a:lstStyle/>
+                    <a:p>
+                      <a:r>
+                        <a:rPr lang="en-SG" sz="1000" dirty="0"/>
+                        <a:t>7</a:t>
+                      </a:r>
+                    </a:p>
+                  </a:txBody>
+                  <a:tcPr>
+                    <a:lnL w="12700" cap="flat" cmpd="sng" algn="ctr">
+                      <a:solidFill>
+                        <a:schemeClr val="tx1"/>
+                      </a:solidFill>
+                      <a:prstDash val="solid"/>
+                      <a:round/>
+                      <a:headEnd type="none" w="med" len="med"/>
+                      <a:tailEnd type="none" w="med" len="med"/>
+                    </a:lnL>
+                  </a:tcPr>
+                </a:tc>
+                <a:tc>
+                  <a:txBody>
+                    <a:bodyPr/>
+                    <a:lstStyle/>
+                    <a:p>
+                      <a:r>
+                        <a:rPr lang="en-SG" sz="1000" dirty="0"/>
+                        <a:t>tcpCom</a:t>
+                      </a:r>
+                    </a:p>
+                  </a:txBody>
+                  <a:tcPr/>
+                </a:tc>
+                <a:tc>
+                  <a:txBody>
+                    <a:bodyPr/>
+                    <a:lstStyle/>
+                    <a:p>
+                      <a:pPr marL="171450" indent="-171450">
+                        <a:buFont typeface="Arial" panose="020B0604020202020204" pitchFamily="34" charset="0"/>
+                        <a:buChar char="•"/>
+                      </a:pPr>
+                      <a:r>
+                        <a:rPr lang="en-US" sz="1000" dirty="0"/>
+                        <a:t>Any kinds of TCP message communication or file transfer.</a:t>
+                      </a:r>
+                      <a:endParaRPr lang="en-SG" sz="1000" dirty="0"/>
+                    </a:p>
+                  </a:txBody>
+                  <a:tcPr/>
+                </a:tc>
+                <a:tc>
+                  <a:txBody>
+                    <a:bodyPr/>
+                    <a:lstStyle/>
+                    <a:p>
+                      <a:r>
+                        <a:rPr lang="en-SG" sz="1000" dirty="0"/>
+                        <a:t>tcp</a:t>
+                      </a:r>
+                    </a:p>
+                  </a:txBody>
+                  <a:tcPr>
+                    <a:lnR w="12700" cap="flat" cmpd="sng" algn="ctr">
+                      <a:solidFill>
+                        <a:schemeClr val="tx1"/>
+                      </a:solidFill>
+                      <a:prstDash val="solid"/>
+                      <a:round/>
+                      <a:headEnd type="none" w="med" len="med"/>
+                      <a:tailEnd type="none" w="med" len="med"/>
+                    </a:lnR>
+                  </a:tcPr>
+                </a:tc>
+                <a:extLst>
+                  <a:ext uri="{0D108BD9-81ED-4DB2-BD59-A6C34878D82A}">
+                    <a16:rowId xmlns:a16="http://schemas.microsoft.com/office/drawing/2014/main" val="3372352072"/>
+                  </a:ext>
+                </a:extLst>
+              </a:tr>
+              <a:tr h="370840">
+                <a:tc>
+                  <a:txBody>
+                    <a:bodyPr/>
+                    <a:lstStyle/>
+                    <a:p>
+                      <a:r>
+                        <a:rPr lang="en-SG" sz="1000" dirty="0"/>
+                        <a:t>8</a:t>
+                      </a:r>
+                    </a:p>
+                  </a:txBody>
+                  <a:tcPr>
+                    <a:lnL w="12700" cap="flat" cmpd="sng" algn="ctr">
+                      <a:solidFill>
+                        <a:schemeClr val="tx1"/>
+                      </a:solidFill>
+                      <a:prstDash val="solid"/>
+                      <a:round/>
+                      <a:headEnd type="none" w="med" len="med"/>
+                      <a:tailEnd type="none" w="med" len="med"/>
+                    </a:lnL>
+                  </a:tcPr>
+                </a:tc>
+                <a:tc>
+                  <a:txBody>
+                    <a:bodyPr/>
+                    <a:lstStyle/>
+                    <a:p>
+                      <a:r>
+                        <a:rPr lang="en-SG" sz="1000" dirty="0"/>
+                        <a:t>emailActor</a:t>
+                      </a:r>
+                    </a:p>
+                  </a:txBody>
+                  <a:tcPr/>
+                </a:tc>
+                <a:tc>
+                  <a:txBody>
+                    <a:bodyPr/>
+                    <a:lstStyle/>
+                    <a:p>
+                      <a:pPr marL="171450" indent="-171450">
+                        <a:buFont typeface="Arial" panose="020B0604020202020204" pitchFamily="34" charset="0"/>
+                        <a:buChar char="•"/>
+                      </a:pPr>
+                      <a:r>
+                        <a:rPr lang="en-US" sz="1000" dirty="0"/>
+                        <a:t>Email receive and send (Gmail, Hotmail, Mailu)</a:t>
+                      </a:r>
+                      <a:endParaRPr lang="en-SG" sz="1000" dirty="0"/>
+                    </a:p>
+                  </a:txBody>
+                  <a:tcPr/>
+                </a:tc>
+                <a:tc>
+                  <a:txBody>
+                    <a:bodyPr/>
+                    <a:lstStyle/>
+                    <a:p>
+                      <a:r>
+                        <a:rPr lang="en-SG" sz="1000" dirty="0"/>
+                        <a:t>SMTP/IMAP4,POP,IMAP_SSL</a:t>
+                      </a:r>
+                    </a:p>
+                  </a:txBody>
+                  <a:tcPr>
+                    <a:lnR w="12700" cap="flat" cmpd="sng" algn="ctr">
+                      <a:solidFill>
+                        <a:schemeClr val="tx1"/>
+                      </a:solidFill>
+                      <a:prstDash val="solid"/>
+                      <a:round/>
+                      <a:headEnd type="none" w="med" len="med"/>
+                      <a:tailEnd type="none" w="med" len="med"/>
+                    </a:lnR>
+                  </a:tcPr>
+                </a:tc>
+                <a:extLst>
+                  <a:ext uri="{0D108BD9-81ED-4DB2-BD59-A6C34878D82A}">
+                    <a16:rowId xmlns:a16="http://schemas.microsoft.com/office/drawing/2014/main" val="4148151138"/>
+                  </a:ext>
+                </a:extLst>
+              </a:tr>
+              <a:tr h="370840">
+                <a:tc>
+                  <a:txBody>
+                    <a:bodyPr/>
+                    <a:lstStyle/>
+                    <a:p>
+                      <a:r>
+                        <a:rPr lang="en-SG" sz="1000" dirty="0"/>
+                        <a:t>7</a:t>
+                      </a:r>
+                    </a:p>
+                  </a:txBody>
+                  <a:tcPr>
+                    <a:lnL w="12700" cap="flat" cmpd="sng" algn="ctr">
+                      <a:solidFill>
+                        <a:schemeClr val="tx1"/>
+                      </a:solidFill>
+                      <a:prstDash val="solid"/>
+                      <a:round/>
+                      <a:headEnd type="none" w="med" len="med"/>
+                      <a:tailEnd type="none" w="med" len="med"/>
+                    </a:lnL>
+                  </a:tcPr>
+                </a:tc>
+                <a:tc>
+                  <a:txBody>
+                    <a:bodyPr/>
+                    <a:lstStyle/>
+                    <a:p>
+                      <a:r>
+                        <a:rPr lang="en-SG" sz="1000" dirty="0"/>
+                        <a:t>camEchoClient</a:t>
+                      </a:r>
+                    </a:p>
+                  </a:txBody>
+                  <a:tcPr/>
+                </a:tc>
+                <a:tc>
+                  <a:txBody>
+                    <a:bodyPr/>
+                    <a:lstStyle/>
+                    <a:p>
+                      <a:pPr marL="171450" indent="-171450">
+                        <a:buFont typeface="Arial" panose="020B0604020202020204" pitchFamily="34" charset="0"/>
+                        <a:buChar char="•"/>
+                      </a:pPr>
+                      <a:r>
+                        <a:rPr lang="en-SG" sz="1000" dirty="0"/>
+                        <a:t>Real-Time Streaming(IP camera) or </a:t>
+                      </a:r>
+                      <a:r>
+                        <a:rPr lang="en-US" sz="1000" dirty="0"/>
+                        <a:t>HTTP Live Streaming such as video web site.</a:t>
+                      </a:r>
+                      <a:endParaRPr lang="en-SG" sz="1000" dirty="0"/>
+                    </a:p>
+                  </a:txBody>
+                  <a:tcPr/>
+                </a:tc>
+                <a:tc>
+                  <a:txBody>
+                    <a:bodyPr/>
+                    <a:lstStyle/>
+                    <a:p>
+                      <a:r>
+                        <a:rPr lang="en-SG" sz="1000" dirty="0"/>
+                        <a:t>RTSP / HLS</a:t>
+                      </a:r>
+                    </a:p>
+                  </a:txBody>
+                  <a:tcPr>
+                    <a:lnR w="12700" cap="flat" cmpd="sng" algn="ctr">
+                      <a:solidFill>
+                        <a:schemeClr val="tx1"/>
+                      </a:solidFill>
+                      <a:prstDash val="solid"/>
+                      <a:round/>
+                      <a:headEnd type="none" w="med" len="med"/>
+                      <a:tailEnd type="none" w="med" len="med"/>
+                    </a:lnR>
+                  </a:tcPr>
+                </a:tc>
+                <a:extLst>
+                  <a:ext uri="{0D108BD9-81ED-4DB2-BD59-A6C34878D82A}">
+                    <a16:rowId xmlns:a16="http://schemas.microsoft.com/office/drawing/2014/main" val="4012374987"/>
+                  </a:ext>
+                </a:extLst>
+              </a:tr>
+              <a:tr h="370840">
+                <a:tc>
+                  <a:txBody>
+                    <a:bodyPr/>
+                    <a:lstStyle/>
+                    <a:p>
+                      <a:r>
+                        <a:rPr lang="en-SG" sz="1000" dirty="0"/>
+                        <a:t>8</a:t>
+                      </a:r>
+                    </a:p>
+                  </a:txBody>
+                  <a:tcPr>
+                    <a:lnL w="12700" cap="flat" cmpd="sng" algn="ctr">
+                      <a:solidFill>
+                        <a:schemeClr val="tx1"/>
+                      </a:solidFill>
+                      <a:prstDash val="solid"/>
+                      <a:round/>
+                      <a:headEnd type="none" w="med" len="med"/>
+                      <a:tailEnd type="none" w="med" len="med"/>
+                    </a:lnL>
+                  </a:tcPr>
+                </a:tc>
+                <a:tc>
+                  <a:txBody>
+                    <a:bodyPr/>
+                    <a:lstStyle/>
+                    <a:p>
+                      <a:r>
+                        <a:rPr lang="en-SG" sz="1000" dirty="0"/>
+                        <a:t>pcapReplayActor</a:t>
+                      </a:r>
+                    </a:p>
+                  </a:txBody>
+                  <a:tcPr/>
+                </a:tc>
+                <a:tc>
+                  <a:txBody>
+                    <a:bodyPr/>
+                    <a:lstStyle/>
+                    <a:p>
+                      <a:pPr marL="171450" indent="-171450">
+                        <a:buFont typeface="Arial" panose="020B0604020202020204" pitchFamily="34" charset="0"/>
+                        <a:buChar char="•"/>
+                      </a:pPr>
+                      <a:r>
+                        <a:rPr lang="en-US" sz="1000" dirty="0"/>
+                        <a:t>parsing pcap file and send the packet to the specific destination.</a:t>
+                      </a:r>
+                      <a:endParaRPr lang="en-SG" sz="1000" dirty="0"/>
+                    </a:p>
+                  </a:txBody>
+                  <a:tcPr/>
+                </a:tc>
+                <a:tc>
+                  <a:txBody>
+                    <a:bodyPr/>
+                    <a:lstStyle/>
+                    <a:p>
+                      <a:r>
+                        <a:rPr lang="en-SG" sz="1000" dirty="0"/>
+                        <a:t>replaying send packet in pcap</a:t>
+                      </a:r>
+                    </a:p>
+                  </a:txBody>
+                  <a:tcPr>
+                    <a:lnR w="12700" cap="flat" cmpd="sng" algn="ctr">
+                      <a:solidFill>
+                        <a:schemeClr val="tx1"/>
+                      </a:solidFill>
+                      <a:prstDash val="solid"/>
+                      <a:round/>
+                      <a:headEnd type="none" w="med" len="med"/>
+                      <a:tailEnd type="none" w="med" len="med"/>
+                    </a:lnR>
+                  </a:tcPr>
+                </a:tc>
+                <a:extLst>
+                  <a:ext uri="{0D108BD9-81ED-4DB2-BD59-A6C34878D82A}">
+                    <a16:rowId xmlns:a16="http://schemas.microsoft.com/office/drawing/2014/main" val="29284880"/>
+                  </a:ext>
+                </a:extLst>
+              </a:tr>
+              <a:tr h="370840">
+                <a:tc>
+                  <a:txBody>
+                    <a:bodyPr/>
+                    <a:lstStyle/>
+                    <a:p>
+                      <a:r>
+                        <a:rPr lang="en-SG" sz="1000" dirty="0"/>
+                        <a:t>9</a:t>
+                      </a:r>
+                    </a:p>
+                  </a:txBody>
+                  <a:tcPr>
+                    <a:lnL w="12700" cap="flat" cmpd="sng" algn="ctr">
+                      <a:solidFill>
+                        <a:schemeClr val="tx1"/>
+                      </a:solidFill>
+                      <a:prstDash val="solid"/>
+                      <a:round/>
+                      <a:headEnd type="none" w="med" len="med"/>
+                      <a:tailEnd type="none" w="med" len="med"/>
+                    </a:lnL>
+                    <a:lnB w="12700" cap="flat" cmpd="sng" algn="ctr">
+                      <a:solidFill>
+                        <a:schemeClr val="tx1"/>
+                      </a:solidFill>
+                      <a:prstDash val="solid"/>
+                      <a:round/>
+                      <a:headEnd type="none" w="med" len="med"/>
+                      <a:tailEnd type="none" w="med" len="med"/>
+                    </a:lnB>
+                  </a:tcPr>
+                </a:tc>
+                <a:tc>
+                  <a:txBody>
+                    <a:bodyPr/>
+                    <a:lstStyle/>
+                    <a:p>
+                      <a:r>
+                        <a:rPr lang="en-SG" sz="1000" dirty="0"/>
+                        <a:t>telnetActor</a:t>
+                      </a:r>
+                    </a:p>
+                  </a:txBody>
+                  <a:tcPr>
+                    <a:lnB w="12700" cap="flat" cmpd="sng" algn="ctr">
+                      <a:solidFill>
+                        <a:schemeClr val="tx1"/>
+                      </a:solidFill>
+                      <a:prstDash val="solid"/>
+                      <a:round/>
+                      <a:headEnd type="none" w="med" len="med"/>
+                      <a:tailEnd type="none" w="med" len="med"/>
+                    </a:lnB>
+                  </a:tcPr>
+                </a:tc>
+                <a:tc>
+                  <a:txBody>
+                    <a:bodyPr/>
+                    <a:lstStyle/>
+                    <a:p>
+                      <a:pPr marL="171450" indent="-171450">
+                        <a:buFont typeface="Arial" panose="020B0604020202020204" pitchFamily="34" charset="0"/>
+                        <a:buChar char="•"/>
+                      </a:pPr>
+                      <a:r>
+                        <a:rPr lang="en-US" sz="1000" dirty="0"/>
+                        <a:t>Remote login/Open a telnet connection and issue commands.</a:t>
+                      </a:r>
+                      <a:endParaRPr lang="en-SG" sz="1000" dirty="0"/>
+                    </a:p>
+                  </a:txBody>
+                  <a:tcPr>
+                    <a:lnB w="12700" cap="flat" cmpd="sng" algn="ctr">
+                      <a:solidFill>
+                        <a:schemeClr val="tx1"/>
+                      </a:solidFill>
+                      <a:prstDash val="solid"/>
+                      <a:round/>
+                      <a:headEnd type="none" w="med" len="med"/>
+                      <a:tailEnd type="none" w="med" len="med"/>
+                    </a:lnB>
+                  </a:tcPr>
+                </a:tc>
+                <a:tc>
+                  <a:txBody>
+                    <a:bodyPr/>
+                    <a:lstStyle/>
+                    <a:p>
+                      <a:r>
+                        <a:rPr lang="en-SG" sz="1000" dirty="0"/>
+                        <a:t>telnet</a:t>
+                      </a:r>
+                    </a:p>
+                  </a:txBody>
+                  <a:tcPr>
+                    <a:lnR w="12700" cap="flat" cmpd="sng" algn="ctr">
+                      <a:solidFill>
+                        <a:schemeClr val="tx1"/>
+                      </a:solidFill>
+                      <a:prstDash val="solid"/>
+                      <a:round/>
+                      <a:headEnd type="none" w="med" len="med"/>
+                      <a:tailEnd type="none" w="med" len="med"/>
+                    </a:lnR>
+                    <a:lnB w="12700" cap="flat" cmpd="sng" algn="ctr">
+                      <a:solidFill>
+                        <a:schemeClr val="tx1"/>
+                      </a:solidFill>
+                      <a:prstDash val="solid"/>
+                      <a:round/>
+                      <a:headEnd type="none" w="med" len="med"/>
+                      <a:tailEnd type="none" w="med" len="med"/>
+                    </a:lnB>
+                  </a:tcPr>
+                </a:tc>
+                <a:extLst>
+                  <a:ext uri="{0D108BD9-81ED-4DB2-BD59-A6C34878D82A}">
+                    <a16:rowId xmlns:a16="http://schemas.microsoft.com/office/drawing/2014/main" val="1592204886"/>
+                  </a:ext>
+                </a:extLst>
+              </a:tr>
+            </a:tbl>
+          </a:graphicData>
+        </a:graphic>
+      </p:graphicFrame>
+      <p:sp>
+        <p:nvSpPr>
+          <p:cNvPr id="6" name="TextBox 5">
+            <a:extLst>
+              <a:ext uri="{FF2B5EF4-FFF2-40B4-BE49-F238E27FC236}">
+                <a16:creationId xmlns:a16="http://schemas.microsoft.com/office/drawing/2014/main" id="{15CB6618-6C5C-D8D4-35C0-A07B7518B8C8}"/>
+              </a:ext>
+            </a:extLst>
+          </p:cNvPr>
+          <p:cNvSpPr txBox="1"/>
+          <p:nvPr/>
+        </p:nvSpPr>
+        <p:spPr>
+          <a:xfrm>
+            <a:off x="322470" y="835103"/>
+            <a:ext cx="4269408" cy="338554"/>
+          </a:xfrm>
+          <a:prstGeom prst="rect">
+            <a:avLst/>
+          </a:prstGeom>
+          <a:noFill/>
+        </p:spPr>
+        <p:txBody>
+          <a:bodyPr wrap="square" rtlCol="0">
+            <a:spAutoFit/>
+          </a:bodyPr>
+          <a:lstStyle/>
+          <a:p>
+            <a:r>
+              <a:rPr lang="en-US" sz="1600" b="1" dirty="0"/>
+              <a:t>Network traffic generation actors repository </a:t>
+            </a:r>
+            <a:endParaRPr lang="en-SG" sz="1600" b="1" dirty="0"/>
+          </a:p>
+        </p:txBody>
+      </p:sp>
+      <p:graphicFrame>
+        <p:nvGraphicFramePr>
+          <p:cNvPr id="7" name="Table 5">
+            <a:extLst>
+              <a:ext uri="{FF2B5EF4-FFF2-40B4-BE49-F238E27FC236}">
+                <a16:creationId xmlns:a16="http://schemas.microsoft.com/office/drawing/2014/main" id="{24B83012-43CA-4227-7189-5FC416B45BBC}"/>
+              </a:ext>
+            </a:extLst>
+          </p:cNvPr>
+          <p:cNvGraphicFramePr>
+            <a:graphicFrameLocks noGrp="1"/>
+          </p:cNvGraphicFramePr>
+          <p:nvPr>
+            <p:extLst>
+              <p:ext uri="{D42A27DB-BD31-4B8C-83A1-F6EECF244321}">
+                <p14:modId xmlns:p14="http://schemas.microsoft.com/office/powerpoint/2010/main" val="3963582719"/>
+              </p:ext>
+            </p:extLst>
+          </p:nvPr>
+        </p:nvGraphicFramePr>
+        <p:xfrm>
+          <a:off x="7153413" y="1286197"/>
+          <a:ext cx="4865756" cy="2966720"/>
+        </p:xfrm>
+        <a:graphic>
+          <a:graphicData uri="http://schemas.openxmlformats.org/drawingml/2006/table">
+            <a:tbl>
+              <a:tblPr firstRow="1" bandRow="1">
+                <a:tableStyleId>{5C22544A-7EE6-4342-B048-85BDC9FD1C3A}</a:tableStyleId>
+              </a:tblPr>
+              <a:tblGrid>
+                <a:gridCol w="522357">
+                  <a:extLst>
+                    <a:ext uri="{9D8B030D-6E8A-4147-A177-3AD203B41FA5}">
+                      <a16:colId xmlns:a16="http://schemas.microsoft.com/office/drawing/2014/main" val="3380695120"/>
+                    </a:ext>
+                  </a:extLst>
+                </a:gridCol>
+                <a:gridCol w="1490869">
+                  <a:extLst>
+                    <a:ext uri="{9D8B030D-6E8A-4147-A177-3AD203B41FA5}">
+                      <a16:colId xmlns:a16="http://schemas.microsoft.com/office/drawing/2014/main" val="308096956"/>
+                    </a:ext>
+                  </a:extLst>
+                </a:gridCol>
+                <a:gridCol w="2852530">
+                  <a:extLst>
+                    <a:ext uri="{9D8B030D-6E8A-4147-A177-3AD203B41FA5}">
+                      <a16:colId xmlns:a16="http://schemas.microsoft.com/office/drawing/2014/main" val="1115179321"/>
+                    </a:ext>
+                  </a:extLst>
+                </a:gridCol>
+              </a:tblGrid>
+              <a:tr h="370840">
+                <a:tc>
+                  <a:txBody>
+                    <a:bodyPr/>
+                    <a:lstStyle/>
+                    <a:p>
+                      <a:r>
+                        <a:rPr lang="en-SG" sz="1000" dirty="0"/>
+                        <a:t>Index</a:t>
+                      </a:r>
+                    </a:p>
+                  </a:txBody>
+                  <a:tcPr>
+                    <a:lnL w="12700" cap="flat" cmpd="sng" algn="ctr">
+                      <a:solidFill>
+                        <a:schemeClr val="tx1"/>
+                      </a:solidFill>
+                      <a:prstDash val="solid"/>
+                      <a:round/>
+                      <a:headEnd type="none" w="med" len="med"/>
+                      <a:tailEnd type="none" w="med" len="med"/>
+                    </a:lnL>
+                    <a:lnT w="12700" cap="flat" cmpd="sng" algn="ctr">
+                      <a:solidFill>
+                        <a:schemeClr val="tx1"/>
+                      </a:solidFill>
+                      <a:prstDash val="solid"/>
+                      <a:round/>
+                      <a:headEnd type="none" w="med" len="med"/>
+                      <a:tailEnd type="none" w="med" len="med"/>
+                    </a:lnT>
+                  </a:tcPr>
+                </a:tc>
+                <a:tc>
+                  <a:txBody>
+                    <a:bodyPr/>
+                    <a:lstStyle/>
+                    <a:p>
+                      <a:r>
+                        <a:rPr lang="en-SG" sz="1000" dirty="0"/>
+                        <a:t>Actor module name</a:t>
+                      </a:r>
+                    </a:p>
+                  </a:txBody>
+                  <a:tcPr>
+                    <a:lnT w="12700" cap="flat" cmpd="sng" algn="ctr">
+                      <a:solidFill>
+                        <a:schemeClr val="tx1"/>
+                      </a:solidFill>
+                      <a:prstDash val="solid"/>
+                      <a:round/>
+                      <a:headEnd type="none" w="med" len="med"/>
+                      <a:tailEnd type="none" w="med" len="med"/>
+                    </a:lnT>
+                  </a:tcPr>
+                </a:tc>
+                <a:tc>
+                  <a:txBody>
+                    <a:bodyPr/>
+                    <a:lstStyle/>
+                    <a:p>
+                      <a:r>
+                        <a:rPr lang="en-SG" sz="1000" dirty="0"/>
+                        <a:t>Function provided</a:t>
+                      </a:r>
+                    </a:p>
+                  </a:txBody>
+                  <a:tcPr>
+                    <a:lnR w="12700" cap="flat" cmpd="sng" algn="ctr">
+                      <a:solidFill>
+                        <a:schemeClr val="tx1"/>
+                      </a:solidFill>
+                      <a:prstDash val="solid"/>
+                      <a:round/>
+                      <a:headEnd type="none" w="med" len="med"/>
+                      <a:tailEnd type="none" w="med" len="med"/>
+                    </a:lnR>
+                    <a:lnT w="12700" cap="flat" cmpd="sng" algn="ctr">
+                      <a:solidFill>
+                        <a:schemeClr val="tx1"/>
+                      </a:solidFill>
+                      <a:prstDash val="solid"/>
+                      <a:round/>
+                      <a:headEnd type="none" w="med" len="med"/>
+                      <a:tailEnd type="none" w="med" len="med"/>
+                    </a:lnT>
+                  </a:tcPr>
+                </a:tc>
+                <a:extLst>
+                  <a:ext uri="{0D108BD9-81ED-4DB2-BD59-A6C34878D82A}">
+                    <a16:rowId xmlns:a16="http://schemas.microsoft.com/office/drawing/2014/main" val="896556790"/>
+                  </a:ext>
+                </a:extLst>
+              </a:tr>
+              <a:tr h="370840">
+                <a:tc>
+                  <a:txBody>
+                    <a:bodyPr/>
+                    <a:lstStyle/>
+                    <a:p>
+                      <a:r>
+                        <a:rPr lang="en-SG" sz="1000" dirty="0"/>
+                        <a:t>1</a:t>
+                      </a:r>
+                    </a:p>
+                  </a:txBody>
+                  <a:tcPr>
+                    <a:lnL w="12700" cap="flat" cmpd="sng" algn="ctr">
+                      <a:solidFill>
+                        <a:schemeClr val="tx1"/>
+                      </a:solidFill>
+                      <a:prstDash val="solid"/>
+                      <a:round/>
+                      <a:headEnd type="none" w="med" len="med"/>
+                      <a:tailEnd type="none" w="med" len="med"/>
+                    </a:lnL>
+                  </a:tcPr>
+                </a:tc>
+                <a:tc>
+                  <a:txBody>
+                    <a:bodyPr/>
+                    <a:lstStyle/>
+                    <a:p>
+                      <a:r>
+                        <a:rPr lang="en-SG" sz="1000" b="0" kern="1200" dirty="0">
+                          <a:solidFill>
+                            <a:schemeClr val="dk1"/>
+                          </a:solidFill>
+                          <a:effectLst/>
+                        </a:rPr>
+                        <a:t>zoomActor</a:t>
+                      </a:r>
+                      <a:endParaRPr lang="en-SG" sz="1000" dirty="0"/>
+                    </a:p>
+                  </a:txBody>
+                  <a:tcPr/>
+                </a:tc>
+                <a:tc>
+                  <a:txBody>
+                    <a:bodyPr/>
+                    <a:lstStyle/>
+                    <a:p>
+                      <a:r>
+                        <a:rPr lang="en-SG" sz="1000" b="0" kern="1200" dirty="0">
+                          <a:solidFill>
+                            <a:schemeClr val="dk1"/>
+                          </a:solidFill>
+                          <a:effectLst/>
+                        </a:rPr>
+                        <a:t>Join a zoom meeting</a:t>
+                      </a:r>
+                      <a:endParaRPr lang="en-SG" sz="1000" dirty="0"/>
+                    </a:p>
+                  </a:txBody>
+                  <a:tcPr>
+                    <a:lnR w="12700" cap="flat" cmpd="sng" algn="ctr">
+                      <a:solidFill>
+                        <a:schemeClr val="tx1"/>
+                      </a:solidFill>
+                      <a:prstDash val="solid"/>
+                      <a:round/>
+                      <a:headEnd type="none" w="med" len="med"/>
+                      <a:tailEnd type="none" w="med" len="med"/>
+                    </a:lnR>
+                  </a:tcPr>
+                </a:tc>
+                <a:extLst>
+                  <a:ext uri="{0D108BD9-81ED-4DB2-BD59-A6C34878D82A}">
+                    <a16:rowId xmlns:a16="http://schemas.microsoft.com/office/drawing/2014/main" val="553099790"/>
+                  </a:ext>
+                </a:extLst>
+              </a:tr>
+              <a:tr h="370840">
+                <a:tc>
+                  <a:txBody>
+                    <a:bodyPr/>
+                    <a:lstStyle/>
+                    <a:p>
+                      <a:r>
+                        <a:rPr lang="en-SG" sz="1000" dirty="0"/>
+                        <a:t>2</a:t>
+                      </a:r>
+                    </a:p>
+                  </a:txBody>
+                  <a:tcPr>
+                    <a:lnL w="12700" cap="flat" cmpd="sng" algn="ctr">
+                      <a:solidFill>
+                        <a:schemeClr val="tx1"/>
+                      </a:solidFill>
+                      <a:prstDash val="solid"/>
+                      <a:round/>
+                      <a:headEnd type="none" w="med" len="med"/>
+                      <a:tailEnd type="none" w="med" len="med"/>
+                    </a:lnL>
+                  </a:tcPr>
+                </a:tc>
+                <a:tc>
+                  <a:txBody>
+                    <a:bodyPr/>
+                    <a:lstStyle/>
+                    <a:p>
+                      <a:r>
+                        <a:rPr lang="en-SG" sz="1000" b="0" kern="1200" dirty="0">
+                          <a:solidFill>
+                            <a:schemeClr val="dk1"/>
+                          </a:solidFill>
+                          <a:effectLst/>
+                        </a:rPr>
+                        <a:t>musicActor</a:t>
+                      </a:r>
+                      <a:endParaRPr lang="en-SG" sz="1000" dirty="0"/>
+                    </a:p>
+                  </a:txBody>
+                  <a:tcPr/>
+                </a:tc>
+                <a:tc>
+                  <a:txBody>
+                    <a:bodyPr/>
+                    <a:lstStyle/>
+                    <a:p>
+                      <a:r>
+                        <a:rPr lang="en-US" sz="1000" dirty="0"/>
+                        <a:t>Search audio files and play one by one. </a:t>
+                      </a:r>
+                      <a:endParaRPr lang="en-SG" sz="1000" dirty="0"/>
+                    </a:p>
+                  </a:txBody>
+                  <a:tcPr>
+                    <a:lnR w="12700" cap="flat" cmpd="sng" algn="ctr">
+                      <a:solidFill>
+                        <a:schemeClr val="tx1"/>
+                      </a:solidFill>
+                      <a:prstDash val="solid"/>
+                      <a:round/>
+                      <a:headEnd type="none" w="med" len="med"/>
+                      <a:tailEnd type="none" w="med" len="med"/>
+                    </a:lnR>
+                  </a:tcPr>
+                </a:tc>
+                <a:extLst>
+                  <a:ext uri="{0D108BD9-81ED-4DB2-BD59-A6C34878D82A}">
+                    <a16:rowId xmlns:a16="http://schemas.microsoft.com/office/drawing/2014/main" val="3476181168"/>
+                  </a:ext>
+                </a:extLst>
+              </a:tr>
+              <a:tr h="370840">
+                <a:tc>
+                  <a:txBody>
+                    <a:bodyPr/>
+                    <a:lstStyle/>
+                    <a:p>
+                      <a:r>
+                        <a:rPr lang="en-SG" sz="1000" dirty="0"/>
+                        <a:t>3</a:t>
+                      </a:r>
+                    </a:p>
+                  </a:txBody>
+                  <a:tcPr>
+                    <a:lnL w="12700" cap="flat" cmpd="sng" algn="ctr">
+                      <a:solidFill>
+                        <a:schemeClr val="tx1"/>
+                      </a:solidFill>
+                      <a:prstDash val="solid"/>
+                      <a:round/>
+                      <a:headEnd type="none" w="med" len="med"/>
+                      <a:tailEnd type="none" w="med" len="med"/>
+                    </a:lnL>
+                  </a:tcPr>
+                </a:tc>
+                <a:tc>
+                  <a:txBody>
+                    <a:bodyPr/>
+                    <a:lstStyle/>
+                    <a:p>
+                      <a:r>
+                        <a:rPr lang="en-SG" sz="1000" dirty="0"/>
+                        <a:t>VideoActor</a:t>
+                      </a:r>
+                    </a:p>
+                  </a:txBody>
+                  <a:tcPr/>
+                </a:tc>
+                <a:tc>
+                  <a:txBody>
+                    <a:bodyPr/>
+                    <a:lstStyle/>
+                    <a:p>
+                      <a:pPr marL="0" marR="0" lvl="0" indent="0" algn="l" defTabSz="914400" rtl="0" eaLnBrk="1" fontAlgn="auto" latinLnBrk="0" hangingPunct="1">
+                        <a:lnSpc>
+                          <a:spcPct val="100000"/>
+                        </a:lnSpc>
+                        <a:spcBef>
+                          <a:spcPts val="0"/>
+                        </a:spcBef>
+                        <a:spcAft>
+                          <a:spcPts val="0"/>
+                        </a:spcAft>
+                        <a:buClrTx/>
+                        <a:buSzTx/>
+                        <a:buFontTx/>
+                        <a:buNone/>
+                        <a:tabLst/>
+                        <a:defRPr/>
+                      </a:pPr>
+                      <a:r>
+                        <a:rPr lang="en-US" sz="1000" dirty="0"/>
+                        <a:t>Search video/movie files and play one by one. </a:t>
+                      </a:r>
+                      <a:endParaRPr lang="en-SG" sz="1000" dirty="0"/>
+                    </a:p>
+                  </a:txBody>
+                  <a:tcPr>
+                    <a:lnR w="12700" cap="flat" cmpd="sng" algn="ctr">
+                      <a:solidFill>
+                        <a:schemeClr val="tx1"/>
+                      </a:solidFill>
+                      <a:prstDash val="solid"/>
+                      <a:round/>
+                      <a:headEnd type="none" w="med" len="med"/>
+                      <a:tailEnd type="none" w="med" len="med"/>
+                    </a:lnR>
+                  </a:tcPr>
+                </a:tc>
+                <a:extLst>
+                  <a:ext uri="{0D108BD9-81ED-4DB2-BD59-A6C34878D82A}">
+                    <a16:rowId xmlns:a16="http://schemas.microsoft.com/office/drawing/2014/main" val="3794426225"/>
+                  </a:ext>
+                </a:extLst>
+              </a:tr>
+              <a:tr h="370840">
+                <a:tc>
+                  <a:txBody>
+                    <a:bodyPr/>
+                    <a:lstStyle/>
+                    <a:p>
+                      <a:r>
+                        <a:rPr lang="en-SG" sz="1000" dirty="0"/>
+                        <a:t>4</a:t>
+                      </a:r>
+                    </a:p>
+                  </a:txBody>
+                  <a:tcPr>
+                    <a:lnL w="12700" cap="flat" cmpd="sng" algn="ctr">
+                      <a:solidFill>
+                        <a:schemeClr val="tx1"/>
+                      </a:solidFill>
+                      <a:prstDash val="solid"/>
+                      <a:round/>
+                      <a:headEnd type="none" w="med" len="med"/>
+                      <a:tailEnd type="none" w="med" len="med"/>
+                    </a:lnL>
+                  </a:tcPr>
+                </a:tc>
+                <a:tc>
+                  <a:txBody>
+                    <a:bodyPr/>
+                    <a:lstStyle/>
+                    <a:p>
+                      <a:pPr marL="0" marR="0" lvl="0" indent="0" algn="l" defTabSz="914400" rtl="0" eaLnBrk="1" fontAlgn="auto" latinLnBrk="0" hangingPunct="1">
+                        <a:lnSpc>
+                          <a:spcPct val="100000"/>
+                        </a:lnSpc>
+                        <a:spcBef>
+                          <a:spcPts val="0"/>
+                        </a:spcBef>
+                        <a:spcAft>
+                          <a:spcPts val="0"/>
+                        </a:spcAft>
+                        <a:buClrTx/>
+                        <a:buSzTx/>
+                        <a:buFontTx/>
+                        <a:buNone/>
+                        <a:tabLst/>
+                        <a:defRPr/>
+                      </a:pPr>
+                      <a:r>
+                        <a:rPr lang="en-SG" sz="1000" dirty="0"/>
+                        <a:t>msFileActor(Word)</a:t>
+                      </a:r>
+                    </a:p>
+                  </a:txBody>
+                  <a:tcPr/>
+                </a:tc>
+                <a:tc>
+                  <a:txBody>
+                    <a:bodyPr/>
+                    <a:lstStyle/>
+                    <a:p>
+                      <a:pPr marL="0" marR="0" lvl="0" indent="0" algn="l" defTabSz="914400" rtl="0" eaLnBrk="1" fontAlgn="auto" latinLnBrk="0" hangingPunct="1">
+                        <a:lnSpc>
+                          <a:spcPct val="100000"/>
+                        </a:lnSpc>
+                        <a:spcBef>
+                          <a:spcPts val="0"/>
+                        </a:spcBef>
+                        <a:spcAft>
+                          <a:spcPts val="0"/>
+                        </a:spcAft>
+                        <a:buClrTx/>
+                        <a:buSzTx/>
+                        <a:buFontTx/>
+                        <a:buNone/>
+                        <a:tabLst/>
+                        <a:defRPr/>
+                      </a:pPr>
+                      <a:r>
+                        <a:rPr lang="en-US" sz="1000" dirty="0"/>
+                        <a:t>Create/edit MS-word(*.docx) file</a:t>
+                      </a:r>
+                      <a:endParaRPr lang="en-SG" sz="1000" dirty="0"/>
+                    </a:p>
+                  </a:txBody>
+                  <a:tcPr>
+                    <a:lnR w="12700" cap="flat" cmpd="sng" algn="ctr">
+                      <a:solidFill>
+                        <a:schemeClr val="tx1"/>
+                      </a:solidFill>
+                      <a:prstDash val="solid"/>
+                      <a:round/>
+                      <a:headEnd type="none" w="med" len="med"/>
+                      <a:tailEnd type="none" w="med" len="med"/>
+                    </a:lnR>
+                  </a:tcPr>
+                </a:tc>
+                <a:extLst>
+                  <a:ext uri="{0D108BD9-81ED-4DB2-BD59-A6C34878D82A}">
+                    <a16:rowId xmlns:a16="http://schemas.microsoft.com/office/drawing/2014/main" val="1558206522"/>
+                  </a:ext>
+                </a:extLst>
+              </a:tr>
+              <a:tr h="370840">
+                <a:tc>
+                  <a:txBody>
+                    <a:bodyPr/>
+                    <a:lstStyle/>
+                    <a:p>
+                      <a:r>
+                        <a:rPr lang="en-SG" sz="1000" dirty="0"/>
+                        <a:t>5</a:t>
+                      </a:r>
+                    </a:p>
+                  </a:txBody>
+                  <a:tcPr>
+                    <a:lnL w="12700" cap="flat" cmpd="sng" algn="ctr">
+                      <a:solidFill>
+                        <a:schemeClr val="tx1"/>
+                      </a:solidFill>
+                      <a:prstDash val="solid"/>
+                      <a:round/>
+                      <a:headEnd type="none" w="med" len="med"/>
+                      <a:tailEnd type="none" w="med" len="med"/>
+                    </a:lnL>
+                  </a:tcPr>
+                </a:tc>
+                <a:tc>
+                  <a:txBody>
+                    <a:bodyPr/>
+                    <a:lstStyle/>
+                    <a:p>
+                      <a:pPr marL="0" marR="0" lvl="0" indent="0" algn="l" defTabSz="914400" rtl="0" eaLnBrk="1" fontAlgn="auto" latinLnBrk="0" hangingPunct="1">
+                        <a:lnSpc>
+                          <a:spcPct val="100000"/>
+                        </a:lnSpc>
+                        <a:spcBef>
+                          <a:spcPts val="0"/>
+                        </a:spcBef>
+                        <a:spcAft>
+                          <a:spcPts val="0"/>
+                        </a:spcAft>
+                        <a:buClrTx/>
+                        <a:buSzTx/>
+                        <a:buFontTx/>
+                        <a:buNone/>
+                        <a:tabLst/>
+                        <a:defRPr/>
+                      </a:pPr>
+                      <a:r>
+                        <a:rPr lang="en-SG" sz="1000" dirty="0"/>
+                        <a:t>msFileActor(PPT)</a:t>
+                      </a:r>
+                    </a:p>
+                  </a:txBody>
+                  <a:tcPr/>
+                </a:tc>
+                <a:tc>
+                  <a:txBody>
+                    <a:bodyPr/>
+                    <a:lstStyle/>
+                    <a:p>
+                      <a:pPr marL="0" marR="0" lvl="0" indent="0" algn="l" defTabSz="914400" rtl="0" eaLnBrk="1" fontAlgn="auto" latinLnBrk="0" hangingPunct="1">
+                        <a:lnSpc>
+                          <a:spcPct val="100000"/>
+                        </a:lnSpc>
+                        <a:spcBef>
+                          <a:spcPts val="0"/>
+                        </a:spcBef>
+                        <a:spcAft>
+                          <a:spcPts val="0"/>
+                        </a:spcAft>
+                        <a:buClrTx/>
+                        <a:buSzTx/>
+                        <a:buFontTx/>
+                        <a:buNone/>
+                        <a:tabLst/>
+                        <a:defRPr/>
+                      </a:pPr>
+                      <a:r>
+                        <a:rPr lang="en-US" sz="1000" dirty="0"/>
+                        <a:t>Create/edit MS-powerpoint(*.pptx) file</a:t>
+                      </a:r>
+                      <a:endParaRPr lang="en-SG" sz="1000" dirty="0"/>
+                    </a:p>
+                  </a:txBody>
+                  <a:tcPr>
+                    <a:lnR w="12700" cap="flat" cmpd="sng" algn="ctr">
+                      <a:solidFill>
+                        <a:schemeClr val="tx1"/>
+                      </a:solidFill>
+                      <a:prstDash val="solid"/>
+                      <a:round/>
+                      <a:headEnd type="none" w="med" len="med"/>
+                      <a:tailEnd type="none" w="med" len="med"/>
+                    </a:lnR>
+                  </a:tcPr>
+                </a:tc>
+                <a:extLst>
+                  <a:ext uri="{0D108BD9-81ED-4DB2-BD59-A6C34878D82A}">
+                    <a16:rowId xmlns:a16="http://schemas.microsoft.com/office/drawing/2014/main" val="3863115443"/>
+                  </a:ext>
+                </a:extLst>
+              </a:tr>
+              <a:tr h="370840">
+                <a:tc>
+                  <a:txBody>
+                    <a:bodyPr/>
+                    <a:lstStyle/>
+                    <a:p>
+                      <a:r>
+                        <a:rPr lang="en-SG" sz="1000" dirty="0"/>
+                        <a:t>6</a:t>
+                      </a:r>
+                    </a:p>
+                  </a:txBody>
+                  <a:tcPr>
+                    <a:lnL w="12700" cap="flat" cmpd="sng" algn="ctr">
+                      <a:solidFill>
+                        <a:schemeClr val="tx1"/>
+                      </a:solidFill>
+                      <a:prstDash val="solid"/>
+                      <a:round/>
+                      <a:headEnd type="none" w="med" len="med"/>
+                      <a:tailEnd type="none" w="med" len="med"/>
+                    </a:lnL>
+                  </a:tcPr>
+                </a:tc>
+                <a:tc>
+                  <a:txBody>
+                    <a:bodyPr/>
+                    <a:lstStyle/>
+                    <a:p>
+                      <a:pPr marL="0" marR="0" lvl="0" indent="0" algn="l" defTabSz="914400" rtl="0" eaLnBrk="1" fontAlgn="auto" latinLnBrk="0" hangingPunct="1">
+                        <a:lnSpc>
+                          <a:spcPct val="100000"/>
+                        </a:lnSpc>
+                        <a:spcBef>
+                          <a:spcPts val="0"/>
+                        </a:spcBef>
+                        <a:spcAft>
+                          <a:spcPts val="0"/>
+                        </a:spcAft>
+                        <a:buClrTx/>
+                        <a:buSzTx/>
+                        <a:buFontTx/>
+                        <a:buNone/>
+                        <a:tabLst/>
+                        <a:defRPr/>
+                      </a:pPr>
+                      <a:r>
+                        <a:rPr lang="en-SG" sz="1000" dirty="0"/>
+                        <a:t>msTeamsActor</a:t>
+                      </a:r>
+                    </a:p>
+                  </a:txBody>
+                  <a:tcPr/>
+                </a:tc>
+                <a:tc>
+                  <a:txBody>
+                    <a:bodyPr/>
+                    <a:lstStyle/>
+                    <a:p>
+                      <a:r>
+                        <a:rPr lang="en-US" sz="1000" dirty="0"/>
+                        <a:t>Join teams meeting, send a message.</a:t>
+                      </a:r>
+                      <a:endParaRPr lang="en-SG" sz="1000" dirty="0"/>
+                    </a:p>
+                  </a:txBody>
+                  <a:tcPr>
+                    <a:lnR w="12700" cap="flat" cmpd="sng" algn="ctr">
+                      <a:solidFill>
+                        <a:schemeClr val="tx1"/>
+                      </a:solidFill>
+                      <a:prstDash val="solid"/>
+                      <a:round/>
+                      <a:headEnd type="none" w="med" len="med"/>
+                      <a:tailEnd type="none" w="med" len="med"/>
+                    </a:lnR>
+                  </a:tcPr>
+                </a:tc>
+                <a:extLst>
+                  <a:ext uri="{0D108BD9-81ED-4DB2-BD59-A6C34878D82A}">
+                    <a16:rowId xmlns:a16="http://schemas.microsoft.com/office/drawing/2014/main" val="1055004137"/>
+                  </a:ext>
+                </a:extLst>
+              </a:tr>
+              <a:tr h="370840">
+                <a:tc>
+                  <a:txBody>
+                    <a:bodyPr/>
+                    <a:lstStyle/>
+                    <a:p>
+                      <a:r>
+                        <a:rPr lang="en-SG" sz="1000" dirty="0"/>
+                        <a:t>7</a:t>
+                      </a:r>
+                    </a:p>
+                  </a:txBody>
+                  <a:tcPr>
+                    <a:lnL w="12700" cap="flat" cmpd="sng" algn="ctr">
+                      <a:solidFill>
+                        <a:schemeClr val="tx1"/>
+                      </a:solidFill>
+                      <a:prstDash val="solid"/>
+                      <a:round/>
+                      <a:headEnd type="none" w="med" len="med"/>
+                      <a:tailEnd type="none" w="med" len="med"/>
+                    </a:lnL>
+                    <a:lnB w="12700" cap="flat" cmpd="sng" algn="ctr">
+                      <a:solidFill>
+                        <a:schemeClr val="tx1"/>
+                      </a:solidFill>
+                      <a:prstDash val="solid"/>
+                      <a:round/>
+                      <a:headEnd type="none" w="med" len="med"/>
+                      <a:tailEnd type="none" w="med" len="med"/>
+                    </a:lnB>
+                  </a:tcPr>
+                </a:tc>
+                <a:tc>
+                  <a:txBody>
+                    <a:bodyPr/>
+                    <a:lstStyle/>
+                    <a:p>
+                      <a:r>
+                        <a:rPr lang="en-SG" sz="1000" dirty="0"/>
+                        <a:t>fileActor</a:t>
+                      </a:r>
+                    </a:p>
+                  </a:txBody>
+                  <a:tcPr>
+                    <a:lnB w="12700" cap="flat" cmpd="sng" algn="ctr">
+                      <a:solidFill>
+                        <a:schemeClr val="tx1"/>
+                      </a:solidFill>
+                      <a:prstDash val="solid"/>
+                      <a:round/>
+                      <a:headEnd type="none" w="med" len="med"/>
+                      <a:tailEnd type="none" w="med" len="med"/>
+                    </a:lnB>
+                  </a:tcPr>
+                </a:tc>
+                <a:tc>
+                  <a:txBody>
+                    <a:bodyPr/>
+                    <a:lstStyle/>
+                    <a:p>
+                      <a:r>
+                        <a:rPr lang="en-US" sz="1000" dirty="0"/>
+                        <a:t>Check pdf file and parse the info.</a:t>
+                      </a:r>
+                      <a:endParaRPr lang="en-SG" sz="1000" dirty="0"/>
+                    </a:p>
+                  </a:txBody>
+                  <a:tcPr>
+                    <a:lnR w="12700" cap="flat" cmpd="sng" algn="ctr">
+                      <a:solidFill>
+                        <a:schemeClr val="tx1"/>
+                      </a:solidFill>
+                      <a:prstDash val="solid"/>
+                      <a:round/>
+                      <a:headEnd type="none" w="med" len="med"/>
+                      <a:tailEnd type="none" w="med" len="med"/>
+                    </a:lnR>
+                    <a:lnB w="12700" cap="flat" cmpd="sng" algn="ctr">
+                      <a:solidFill>
+                        <a:schemeClr val="tx1"/>
+                      </a:solidFill>
+                      <a:prstDash val="solid"/>
+                      <a:round/>
+                      <a:headEnd type="none" w="med" len="med"/>
+                      <a:tailEnd type="none" w="med" len="med"/>
+                    </a:lnB>
+                  </a:tcPr>
+                </a:tc>
+                <a:extLst>
+                  <a:ext uri="{0D108BD9-81ED-4DB2-BD59-A6C34878D82A}">
+                    <a16:rowId xmlns:a16="http://schemas.microsoft.com/office/drawing/2014/main" val="4081149017"/>
+                  </a:ext>
+                </a:extLst>
+              </a:tr>
+            </a:tbl>
+          </a:graphicData>
+        </a:graphic>
+      </p:graphicFrame>
+      <p:sp>
+        <p:nvSpPr>
+          <p:cNvPr id="8" name="TextBox 7">
+            <a:extLst>
+              <a:ext uri="{FF2B5EF4-FFF2-40B4-BE49-F238E27FC236}">
+                <a16:creationId xmlns:a16="http://schemas.microsoft.com/office/drawing/2014/main" id="{138EFD8C-376B-7A8F-739A-6047F97BE298}"/>
+              </a:ext>
+            </a:extLst>
+          </p:cNvPr>
+          <p:cNvSpPr txBox="1"/>
+          <p:nvPr/>
+        </p:nvSpPr>
+        <p:spPr>
+          <a:xfrm>
+            <a:off x="7057084" y="835103"/>
+            <a:ext cx="4269408" cy="338554"/>
+          </a:xfrm>
+          <a:prstGeom prst="rect">
+            <a:avLst/>
+          </a:prstGeom>
+          <a:noFill/>
+        </p:spPr>
+        <p:txBody>
+          <a:bodyPr wrap="square" rtlCol="0">
+            <a:spAutoFit/>
+          </a:bodyPr>
+          <a:lstStyle/>
+          <a:p>
+            <a:r>
+              <a:rPr lang="en-SG" sz="1600" b="1" dirty="0"/>
+              <a:t>Application event actors repository </a:t>
+            </a:r>
+          </a:p>
+        </p:txBody>
+      </p:sp>
+      <p:graphicFrame>
+        <p:nvGraphicFramePr>
+          <p:cNvPr id="9" name="Table 5">
+            <a:extLst>
+              <a:ext uri="{FF2B5EF4-FFF2-40B4-BE49-F238E27FC236}">
+                <a16:creationId xmlns:a16="http://schemas.microsoft.com/office/drawing/2014/main" id="{C0D742AC-0B12-6BEA-176A-BE437E45E5D3}"/>
+              </a:ext>
+            </a:extLst>
+          </p:cNvPr>
+          <p:cNvGraphicFramePr>
+            <a:graphicFrameLocks noGrp="1"/>
+          </p:cNvGraphicFramePr>
+          <p:nvPr>
+            <p:extLst>
+              <p:ext uri="{D42A27DB-BD31-4B8C-83A1-F6EECF244321}">
+                <p14:modId xmlns:p14="http://schemas.microsoft.com/office/powerpoint/2010/main" val="89040102"/>
+              </p:ext>
+            </p:extLst>
+          </p:nvPr>
+        </p:nvGraphicFramePr>
+        <p:xfrm>
+          <a:off x="7153413" y="4591065"/>
+          <a:ext cx="4865756" cy="1962288"/>
+        </p:xfrm>
+        <a:graphic>
+          <a:graphicData uri="http://schemas.openxmlformats.org/drawingml/2006/table">
+            <a:tbl>
+              <a:tblPr firstRow="1" bandRow="1">
+                <a:tableStyleId>{5C22544A-7EE6-4342-B048-85BDC9FD1C3A}</a:tableStyleId>
+              </a:tblPr>
+              <a:tblGrid>
+                <a:gridCol w="522357">
+                  <a:extLst>
+                    <a:ext uri="{9D8B030D-6E8A-4147-A177-3AD203B41FA5}">
+                      <a16:colId xmlns:a16="http://schemas.microsoft.com/office/drawing/2014/main" val="3380695120"/>
+                    </a:ext>
+                  </a:extLst>
+                </a:gridCol>
+                <a:gridCol w="1490869">
+                  <a:extLst>
+                    <a:ext uri="{9D8B030D-6E8A-4147-A177-3AD203B41FA5}">
+                      <a16:colId xmlns:a16="http://schemas.microsoft.com/office/drawing/2014/main" val="308096956"/>
+                    </a:ext>
+                  </a:extLst>
+                </a:gridCol>
+                <a:gridCol w="2852530">
+                  <a:extLst>
+                    <a:ext uri="{9D8B030D-6E8A-4147-A177-3AD203B41FA5}">
+                      <a16:colId xmlns:a16="http://schemas.microsoft.com/office/drawing/2014/main" val="1115179321"/>
+                    </a:ext>
+                  </a:extLst>
+                </a:gridCol>
+              </a:tblGrid>
+              <a:tr h="353412">
+                <a:tc>
+                  <a:txBody>
+                    <a:bodyPr/>
+                    <a:lstStyle/>
+                    <a:p>
+                      <a:r>
+                        <a:rPr lang="en-SG" sz="1000" dirty="0"/>
+                        <a:t>Index</a:t>
+                      </a:r>
+                    </a:p>
+                  </a:txBody>
+                  <a:tcPr>
+                    <a:lnL w="12700" cap="flat" cmpd="sng" algn="ctr">
+                      <a:solidFill>
+                        <a:schemeClr val="tx1"/>
+                      </a:solidFill>
+                      <a:prstDash val="solid"/>
+                      <a:round/>
+                      <a:headEnd type="none" w="med" len="med"/>
+                      <a:tailEnd type="none" w="med" len="med"/>
+                    </a:lnL>
+                    <a:lnT w="12700" cap="flat" cmpd="sng" algn="ctr">
+                      <a:solidFill>
+                        <a:schemeClr val="tx1"/>
+                      </a:solidFill>
+                      <a:prstDash val="solid"/>
+                      <a:round/>
+                      <a:headEnd type="none" w="med" len="med"/>
+                      <a:tailEnd type="none" w="med" len="med"/>
+                    </a:lnT>
+                  </a:tcPr>
+                </a:tc>
+                <a:tc>
+                  <a:txBody>
+                    <a:bodyPr/>
+                    <a:lstStyle/>
+                    <a:p>
+                      <a:r>
+                        <a:rPr lang="en-SG" sz="1000" dirty="0"/>
+                        <a:t>Actor module name</a:t>
+                      </a:r>
+                    </a:p>
+                  </a:txBody>
+                  <a:tcPr>
+                    <a:lnT w="12700" cap="flat" cmpd="sng" algn="ctr">
+                      <a:solidFill>
+                        <a:schemeClr val="tx1"/>
+                      </a:solidFill>
+                      <a:prstDash val="solid"/>
+                      <a:round/>
+                      <a:headEnd type="none" w="med" len="med"/>
+                      <a:tailEnd type="none" w="med" len="med"/>
+                    </a:lnT>
+                  </a:tcPr>
+                </a:tc>
+                <a:tc>
+                  <a:txBody>
+                    <a:bodyPr/>
+                    <a:lstStyle/>
+                    <a:p>
+                      <a:r>
+                        <a:rPr lang="en-SG" sz="1000" dirty="0"/>
+                        <a:t>Function provided</a:t>
+                      </a:r>
+                    </a:p>
+                  </a:txBody>
+                  <a:tcPr>
+                    <a:lnR w="12700" cap="flat" cmpd="sng" algn="ctr">
+                      <a:solidFill>
+                        <a:schemeClr val="tx1"/>
+                      </a:solidFill>
+                      <a:prstDash val="solid"/>
+                      <a:round/>
+                      <a:headEnd type="none" w="med" len="med"/>
+                      <a:tailEnd type="none" w="med" len="med"/>
+                    </a:lnR>
+                    <a:lnT w="12700" cap="flat" cmpd="sng" algn="ctr">
+                      <a:solidFill>
+                        <a:schemeClr val="tx1"/>
+                      </a:solidFill>
+                      <a:prstDash val="solid"/>
+                      <a:round/>
+                      <a:headEnd type="none" w="med" len="med"/>
+                      <a:tailEnd type="none" w="med" len="med"/>
+                    </a:lnT>
+                  </a:tcPr>
+                </a:tc>
+                <a:extLst>
+                  <a:ext uri="{0D108BD9-81ED-4DB2-BD59-A6C34878D82A}">
+                    <a16:rowId xmlns:a16="http://schemas.microsoft.com/office/drawing/2014/main" val="896556790"/>
+                  </a:ext>
+                </a:extLst>
+              </a:tr>
+              <a:tr h="522857">
+                <a:tc>
+                  <a:txBody>
+                    <a:bodyPr/>
+                    <a:lstStyle/>
+                    <a:p>
+                      <a:r>
+                        <a:rPr lang="en-SG" sz="1000" dirty="0"/>
+                        <a:t>1</a:t>
+                      </a:r>
+                    </a:p>
+                  </a:txBody>
+                  <a:tcPr>
+                    <a:lnL w="12700" cap="flat" cmpd="sng" algn="ctr">
+                      <a:solidFill>
+                        <a:schemeClr val="tx1"/>
+                      </a:solidFill>
+                      <a:prstDash val="solid"/>
+                      <a:round/>
+                      <a:headEnd type="none" w="med" len="med"/>
+                      <a:tailEnd type="none" w="med" len="med"/>
+                    </a:lnL>
+                  </a:tcPr>
+                </a:tc>
+                <a:tc>
+                  <a:txBody>
+                    <a:bodyPr/>
+                    <a:lstStyle/>
+                    <a:p>
+                      <a:r>
+                        <a:rPr lang="en-SG" sz="1000" b="0" kern="1200" dirty="0">
+                          <a:solidFill>
+                            <a:schemeClr val="dk1"/>
+                          </a:solidFill>
+                          <a:effectLst/>
+                        </a:rPr>
+                        <a:t>mouse_keyboard Actor</a:t>
+                      </a:r>
+                      <a:endParaRPr lang="en-SG" sz="1000" dirty="0"/>
+                    </a:p>
+                  </a:txBody>
+                  <a:tcPr/>
+                </a:tc>
+                <a:tc>
+                  <a:txBody>
+                    <a:bodyPr/>
+                    <a:lstStyle/>
+                    <a:p>
+                      <a:r>
+                        <a:rPr lang="en-US" sz="1000" b="0" kern="1200" dirty="0">
+                          <a:solidFill>
+                            <a:schemeClr val="dk1"/>
+                          </a:solidFill>
+                          <a:effectLst/>
+                        </a:rPr>
+                        <a:t>Replay recorded user mouse + keyboard action, Simulate user's mouse+keyboard action based on pre-config</a:t>
+                      </a:r>
+                      <a:endParaRPr lang="en-SG" sz="1000" dirty="0"/>
+                    </a:p>
+                  </a:txBody>
+                  <a:tcPr>
+                    <a:lnR w="12700" cap="flat" cmpd="sng" algn="ctr">
+                      <a:solidFill>
+                        <a:schemeClr val="tx1"/>
+                      </a:solidFill>
+                      <a:prstDash val="solid"/>
+                      <a:round/>
+                      <a:headEnd type="none" w="med" len="med"/>
+                      <a:tailEnd type="none" w="med" len="med"/>
+                    </a:lnR>
+                  </a:tcPr>
+                </a:tc>
+                <a:extLst>
+                  <a:ext uri="{0D108BD9-81ED-4DB2-BD59-A6C34878D82A}">
+                    <a16:rowId xmlns:a16="http://schemas.microsoft.com/office/drawing/2014/main" val="553099790"/>
+                  </a:ext>
+                </a:extLst>
+              </a:tr>
+              <a:tr h="353412">
+                <a:tc>
+                  <a:txBody>
+                    <a:bodyPr/>
+                    <a:lstStyle/>
+                    <a:p>
+                      <a:r>
+                        <a:rPr lang="en-SG" sz="1000" dirty="0"/>
+                        <a:t>2</a:t>
+                      </a:r>
+                    </a:p>
+                  </a:txBody>
+                  <a:tcPr>
+                    <a:lnL w="12700" cap="flat" cmpd="sng" algn="ctr">
+                      <a:solidFill>
+                        <a:schemeClr val="tx1"/>
+                      </a:solidFill>
+                      <a:prstDash val="solid"/>
+                      <a:round/>
+                      <a:headEnd type="none" w="med" len="med"/>
+                      <a:tailEnd type="none" w="med" len="med"/>
+                    </a:lnL>
+                  </a:tcPr>
+                </a:tc>
+                <a:tc>
+                  <a:txBody>
+                    <a:bodyPr/>
+                    <a:lstStyle/>
+                    <a:p>
+                      <a:r>
+                        <a:rPr lang="en-SG" sz="1000" b="0" kern="1200" dirty="0">
+                          <a:solidFill>
+                            <a:schemeClr val="dk1"/>
+                          </a:solidFill>
+                          <a:effectLst/>
+                        </a:rPr>
+                        <a:t>TelegramActor</a:t>
+                      </a:r>
+                      <a:endParaRPr lang="en-SG" sz="1000" dirty="0"/>
+                    </a:p>
+                  </a:txBody>
+                  <a:tcPr/>
+                </a:tc>
+                <a:tc>
+                  <a:txBody>
+                    <a:bodyPr/>
+                    <a:lstStyle/>
+                    <a:p>
+                      <a:r>
+                        <a:rPr lang="en-US" sz="1000" dirty="0"/>
+                        <a:t>Send message to phone by telegram</a:t>
+                      </a:r>
+                      <a:endParaRPr lang="en-SG" sz="1000" dirty="0"/>
+                    </a:p>
+                  </a:txBody>
+                  <a:tcPr>
+                    <a:lnR w="12700" cap="flat" cmpd="sng" algn="ctr">
+                      <a:solidFill>
+                        <a:schemeClr val="tx1"/>
+                      </a:solidFill>
+                      <a:prstDash val="solid"/>
+                      <a:round/>
+                      <a:headEnd type="none" w="med" len="med"/>
+                      <a:tailEnd type="none" w="med" len="med"/>
+                    </a:lnR>
+                  </a:tcPr>
+                </a:tc>
+                <a:extLst>
+                  <a:ext uri="{0D108BD9-81ED-4DB2-BD59-A6C34878D82A}">
+                    <a16:rowId xmlns:a16="http://schemas.microsoft.com/office/drawing/2014/main" val="3476181168"/>
+                  </a:ext>
+                </a:extLst>
+              </a:tr>
+              <a:tr h="353412">
+                <a:tc>
+                  <a:txBody>
+                    <a:bodyPr/>
+                    <a:lstStyle/>
+                    <a:p>
+                      <a:r>
+                        <a:rPr lang="en-SG" sz="1000" dirty="0"/>
+                        <a:t>3</a:t>
+                      </a:r>
+                    </a:p>
+                  </a:txBody>
+                  <a:tcPr>
+                    <a:lnL w="12700" cap="flat" cmpd="sng" algn="ctr">
+                      <a:solidFill>
+                        <a:schemeClr val="tx1"/>
+                      </a:solidFill>
+                      <a:prstDash val="solid"/>
+                      <a:round/>
+                      <a:headEnd type="none" w="med" len="med"/>
+                      <a:tailEnd type="none" w="med" len="med"/>
+                    </a:lnL>
+                  </a:tcPr>
+                </a:tc>
+                <a:tc>
+                  <a:txBody>
+                    <a:bodyPr/>
+                    <a:lstStyle/>
+                    <a:p>
+                      <a:r>
+                        <a:rPr lang="en-SG" sz="1000" dirty="0"/>
+                        <a:t>gameActor(dino/sudoku)</a:t>
+                      </a:r>
+                    </a:p>
+                  </a:txBody>
+                  <a:tcPr/>
+                </a:tc>
+                <a:tc>
+                  <a:txBody>
+                    <a:bodyPr/>
+                    <a:lstStyle/>
+                    <a:p>
+                      <a:r>
+                        <a:rPr lang="en-US" sz="1000" dirty="0"/>
+                        <a:t>Play google dino game. play sudoku game.</a:t>
+                      </a:r>
+                      <a:endParaRPr lang="en-SG" sz="1000" dirty="0"/>
+                    </a:p>
+                  </a:txBody>
+                  <a:tcPr>
+                    <a:lnR w="12700" cap="flat" cmpd="sng" algn="ctr">
+                      <a:solidFill>
+                        <a:schemeClr val="tx1"/>
+                      </a:solidFill>
+                      <a:prstDash val="solid"/>
+                      <a:round/>
+                      <a:headEnd type="none" w="med" len="med"/>
+                      <a:tailEnd type="none" w="med" len="med"/>
+                    </a:lnR>
+                  </a:tcPr>
+                </a:tc>
+                <a:extLst>
+                  <a:ext uri="{0D108BD9-81ED-4DB2-BD59-A6C34878D82A}">
+                    <a16:rowId xmlns:a16="http://schemas.microsoft.com/office/drawing/2014/main" val="3794426225"/>
+                  </a:ext>
+                </a:extLst>
+              </a:tr>
+              <a:tr h="353412">
+                <a:tc>
+                  <a:txBody>
+                    <a:bodyPr/>
+                    <a:lstStyle/>
+                    <a:p>
+                      <a:r>
+                        <a:rPr lang="en-SG" sz="1000" dirty="0"/>
+                        <a:t>4</a:t>
+                      </a:r>
+                    </a:p>
+                  </a:txBody>
+                  <a:tcPr>
+                    <a:lnL w="12700" cap="flat" cmpd="sng" algn="ctr">
+                      <a:solidFill>
+                        <a:schemeClr val="tx1"/>
+                      </a:solidFill>
+                      <a:prstDash val="solid"/>
+                      <a:round/>
+                      <a:headEnd type="none" w="med" len="med"/>
+                      <a:tailEnd type="none" w="med" len="med"/>
+                    </a:lnL>
+                    <a:lnB w="12700" cap="flat" cmpd="sng" algn="ctr">
+                      <a:solidFill>
+                        <a:schemeClr val="tx1"/>
+                      </a:solidFill>
+                      <a:prstDash val="solid"/>
+                      <a:round/>
+                      <a:headEnd type="none" w="med" len="med"/>
+                      <a:tailEnd type="none" w="med" len="med"/>
+                    </a:lnB>
+                  </a:tcPr>
+                </a:tc>
+                <a:tc>
+                  <a:txBody>
+                    <a:bodyPr/>
+                    <a:lstStyle/>
+                    <a:p>
+                      <a:r>
+                        <a:rPr lang="en-SG" sz="1000" dirty="0"/>
+                        <a:t>PaintActor</a:t>
+                      </a:r>
+                    </a:p>
+                  </a:txBody>
+                  <a:tcPr>
+                    <a:lnB w="12700" cap="flat" cmpd="sng" algn="ctr">
+                      <a:solidFill>
+                        <a:schemeClr val="tx1"/>
+                      </a:solidFill>
+                      <a:prstDash val="solid"/>
+                      <a:round/>
+                      <a:headEnd type="none" w="med" len="med"/>
+                      <a:tailEnd type="none" w="med" len="med"/>
+                    </a:lnB>
+                  </a:tcPr>
+                </a:tc>
+                <a:tc>
+                  <a:txBody>
+                    <a:bodyPr/>
+                    <a:lstStyle/>
+                    <a:p>
+                      <a:r>
+                        <a:rPr lang="en-SG" sz="1000" dirty="0"/>
+                        <a:t>Draw picture with MS-Paint app.</a:t>
+                      </a:r>
+                    </a:p>
+                  </a:txBody>
+                  <a:tcPr>
+                    <a:lnR w="12700" cap="flat" cmpd="sng" algn="ctr">
+                      <a:solidFill>
+                        <a:schemeClr val="tx1"/>
+                      </a:solidFill>
+                      <a:prstDash val="solid"/>
+                      <a:round/>
+                      <a:headEnd type="none" w="med" len="med"/>
+                      <a:tailEnd type="none" w="med" len="med"/>
+                    </a:lnR>
+                    <a:lnB w="12700" cap="flat" cmpd="sng" algn="ctr">
+                      <a:solidFill>
+                        <a:schemeClr val="tx1"/>
+                      </a:solidFill>
+                      <a:prstDash val="solid"/>
+                      <a:round/>
+                      <a:headEnd type="none" w="med" len="med"/>
+                      <a:tailEnd type="none" w="med" len="med"/>
+                    </a:lnB>
+                  </a:tcPr>
+                </a:tc>
+                <a:extLst>
+                  <a:ext uri="{0D108BD9-81ED-4DB2-BD59-A6C34878D82A}">
+                    <a16:rowId xmlns:a16="http://schemas.microsoft.com/office/drawing/2014/main" val="3781525643"/>
+                  </a:ext>
+                </a:extLst>
+              </a:tr>
+            </a:tbl>
+          </a:graphicData>
+        </a:graphic>
+      </p:graphicFrame>
+      <p:sp>
+        <p:nvSpPr>
+          <p:cNvPr id="10" name="TextBox 9">
+            <a:extLst>
+              <a:ext uri="{FF2B5EF4-FFF2-40B4-BE49-F238E27FC236}">
+                <a16:creationId xmlns:a16="http://schemas.microsoft.com/office/drawing/2014/main" id="{DABC52E8-651F-68A0-4FD1-0C1389D4F432}"/>
+              </a:ext>
+            </a:extLst>
+          </p:cNvPr>
+          <p:cNvSpPr txBox="1"/>
+          <p:nvPr/>
+        </p:nvSpPr>
+        <p:spPr>
+          <a:xfrm>
+            <a:off x="7057084" y="4252511"/>
+            <a:ext cx="4269408" cy="338554"/>
+          </a:xfrm>
+          <a:prstGeom prst="rect">
+            <a:avLst/>
+          </a:prstGeom>
+          <a:noFill/>
+        </p:spPr>
+        <p:txBody>
+          <a:bodyPr wrap="square" rtlCol="0">
+            <a:spAutoFit/>
+          </a:bodyPr>
+          <a:lstStyle/>
+          <a:p>
+            <a:r>
+              <a:rPr lang="en-SG" sz="1600" b="1" dirty="0"/>
+              <a:t>Human activities repository </a:t>
+            </a:r>
+          </a:p>
+        </p:txBody>
+      </p:sp>
+    </p:spTree>
+    <p:extLst>
+      <p:ext uri="{BB962C8B-B14F-4D97-AF65-F5344CB8AC3E}">
+        <p14:creationId xmlns:p14="http://schemas.microsoft.com/office/powerpoint/2010/main" val="1843010431"/>
+      </p:ext>
+    </p:extLst>
+  </p:cSld>
+  <p:clrMapOvr>
+    <a:masterClrMapping/>
+  </p:clrMapOvr>
+</p:sld>
+</file>
+
+<file path=ppt/slides/slide4.xml><?xml version="1.0" encoding="utf-8"?>
+<p:sld xmlns:a="http://schemas.openxmlformats.org/drawingml/2006/main" xmlns:r="http://schemas.openxmlformats.org/officeDocument/2006/relationships" xmlns:p="http://schemas.openxmlformats.org/presentationml/2006/main">
+  <p:cSld>
+    <p:spTree>
+      <p:nvGrpSpPr>
+        <p:cNvPr id="1" name=""/>
+        <p:cNvGrpSpPr/>
+        <p:nvPr/>
+      </p:nvGrpSpPr>
+      <p:grpSpPr>
+        <a:xfrm>
+          <a:off x="0" y="0"/>
+          <a:ext cx="0" cy="0"/>
+          <a:chOff x="0" y="0"/>
+          <a:chExt cx="0" cy="0"/>
+        </a:xfrm>
+      </p:grpSpPr>
+      <p:sp>
+        <p:nvSpPr>
+          <p:cNvPr id="4" name="TextBox 3">
+            <a:extLst>
+              <a:ext uri="{FF2B5EF4-FFF2-40B4-BE49-F238E27FC236}">
+                <a16:creationId xmlns:a16="http://schemas.microsoft.com/office/drawing/2014/main" id="{B2EE9385-272D-78F8-37EF-D7BFBD2E461E}"/>
+              </a:ext>
+            </a:extLst>
+          </p:cNvPr>
+          <p:cNvSpPr txBox="1"/>
+          <p:nvPr/>
+        </p:nvSpPr>
+        <p:spPr>
+          <a:xfrm>
+            <a:off x="0" y="-12557"/>
+            <a:ext cx="12191999" cy="461665"/>
+          </a:xfrm>
+          <a:prstGeom prst="rect">
+            <a:avLst/>
+          </a:prstGeom>
+          <a:solidFill>
+            <a:schemeClr val="accent1">
+              <a:lumMod val="75000"/>
+            </a:schemeClr>
+          </a:solidFill>
+          <a:ln>
+            <a:solidFill>
+              <a:schemeClr val="tx1"/>
+            </a:solidFill>
+          </a:ln>
+        </p:spPr>
+        <p:txBody>
+          <a:bodyPr wrap="square" rtlCol="0">
+            <a:spAutoFit/>
+          </a:bodyPr>
+          <a:lstStyle/>
+          <a:p>
+            <a:r>
+              <a:rPr lang="en-SG" sz="2400" dirty="0">
+                <a:solidFill>
+                  <a:schemeClr val="bg1"/>
+                </a:solidFill>
+              </a:rPr>
+              <a:t>User Action Emulator [ Pre-built actors we provided and monitor UI ]  </a:t>
+            </a:r>
+            <a:endParaRPr lang="en-SG" sz="2400" dirty="0">
+              <a:solidFill>
+                <a:srgbClr val="FF0000"/>
+              </a:solidFill>
+            </a:endParaRPr>
+          </a:p>
+        </p:txBody>
+      </p:sp>
+      <p:pic>
+        <p:nvPicPr>
+          <p:cNvPr id="5" name="Picture 4" descr="Graphical user interface, text&#10;&#10;Description automatically generated with medium confidence">
+            <a:extLst>
+              <a:ext uri="{FF2B5EF4-FFF2-40B4-BE49-F238E27FC236}">
+                <a16:creationId xmlns:a16="http://schemas.microsoft.com/office/drawing/2014/main" id="{CCBDD8B4-58ED-392B-004A-4336DFD8CA6A}"/>
+              </a:ext>
+            </a:extLst>
+          </p:cNvPr>
+          <p:cNvPicPr>
+            <a:picLocks noChangeAspect="1"/>
+          </p:cNvPicPr>
+          <p:nvPr/>
+        </p:nvPicPr>
+        <p:blipFill>
+          <a:blip r:embed="rId2">
+            <a:extLst>
+              <a:ext uri="{28A0092B-C50C-407E-A947-70E740481C1C}">
+                <a14:useLocalDpi xmlns:a14="http://schemas.microsoft.com/office/drawing/2010/main" val="0"/>
+              </a:ext>
+            </a:extLst>
+          </a:blip>
+          <a:stretch>
+            <a:fillRect/>
+          </a:stretch>
+        </p:blipFill>
+        <p:spPr>
+          <a:xfrm>
+            <a:off x="10527245" y="53310"/>
+            <a:ext cx="1598494" cy="348275"/>
+          </a:xfrm>
+          <a:prstGeom prst="rect">
+            <a:avLst/>
+          </a:prstGeom>
+        </p:spPr>
+      </p:pic>
+      <p:graphicFrame>
+        <p:nvGraphicFramePr>
+          <p:cNvPr id="7" name="Table 5">
+            <a:extLst>
+              <a:ext uri="{FF2B5EF4-FFF2-40B4-BE49-F238E27FC236}">
+                <a16:creationId xmlns:a16="http://schemas.microsoft.com/office/drawing/2014/main" id="{24B83012-43CA-4227-7189-5FC416B45BBC}"/>
+              </a:ext>
+            </a:extLst>
+          </p:cNvPr>
+          <p:cNvGraphicFramePr>
+            <a:graphicFrameLocks noGrp="1"/>
+          </p:cNvGraphicFramePr>
+          <p:nvPr>
+            <p:extLst>
+              <p:ext uri="{D42A27DB-BD31-4B8C-83A1-F6EECF244321}">
+                <p14:modId xmlns:p14="http://schemas.microsoft.com/office/powerpoint/2010/main" val="1642846139"/>
+              </p:ext>
+            </p:extLst>
+          </p:nvPr>
+        </p:nvGraphicFramePr>
+        <p:xfrm>
+          <a:off x="372940" y="1204137"/>
+          <a:ext cx="3548820" cy="1341120"/>
+        </p:xfrm>
+        <a:graphic>
+          <a:graphicData uri="http://schemas.openxmlformats.org/drawingml/2006/table">
+            <a:tbl>
+              <a:tblPr firstRow="1" bandRow="1">
+                <a:tableStyleId>{5C22544A-7EE6-4342-B048-85BDC9FD1C3A}</a:tableStyleId>
+              </a:tblPr>
+              <a:tblGrid>
+                <a:gridCol w="380979">
+                  <a:extLst>
+                    <a:ext uri="{9D8B030D-6E8A-4147-A177-3AD203B41FA5}">
+                      <a16:colId xmlns:a16="http://schemas.microsoft.com/office/drawing/2014/main" val="3380695120"/>
+                    </a:ext>
+                  </a:extLst>
+                </a:gridCol>
+                <a:gridCol w="1087359">
+                  <a:extLst>
+                    <a:ext uri="{9D8B030D-6E8A-4147-A177-3AD203B41FA5}">
+                      <a16:colId xmlns:a16="http://schemas.microsoft.com/office/drawing/2014/main" val="308096956"/>
+                    </a:ext>
+                  </a:extLst>
+                </a:gridCol>
+                <a:gridCol w="2080482">
+                  <a:extLst>
+                    <a:ext uri="{9D8B030D-6E8A-4147-A177-3AD203B41FA5}">
+                      <a16:colId xmlns:a16="http://schemas.microsoft.com/office/drawing/2014/main" val="1115179321"/>
+                    </a:ext>
+                  </a:extLst>
+                </a:gridCol>
+              </a:tblGrid>
+              <a:tr h="370840">
+                <a:tc>
+                  <a:txBody>
+                    <a:bodyPr/>
+                    <a:lstStyle/>
+                    <a:p>
+                      <a:r>
+                        <a:rPr lang="en-SG" sz="1000" dirty="0"/>
+                        <a:t>Index</a:t>
+                      </a:r>
+                    </a:p>
+                  </a:txBody>
+                  <a:tcPr>
+                    <a:lnL w="12700" cap="flat" cmpd="sng" algn="ctr">
+                      <a:solidFill>
+                        <a:schemeClr val="tx1"/>
+                      </a:solidFill>
+                      <a:prstDash val="solid"/>
+                      <a:round/>
+                      <a:headEnd type="none" w="med" len="med"/>
+                      <a:tailEnd type="none" w="med" len="med"/>
+                    </a:lnL>
+                    <a:lnT w="12700" cap="flat" cmpd="sng" algn="ctr">
+                      <a:solidFill>
+                        <a:schemeClr val="tx1"/>
+                      </a:solidFill>
+                      <a:prstDash val="solid"/>
+                      <a:round/>
+                      <a:headEnd type="none" w="med" len="med"/>
+                      <a:tailEnd type="none" w="med" len="med"/>
+                    </a:lnT>
+                  </a:tcPr>
+                </a:tc>
+                <a:tc>
+                  <a:txBody>
+                    <a:bodyPr/>
+                    <a:lstStyle/>
+                    <a:p>
+                      <a:r>
+                        <a:rPr lang="en-SG" sz="1000" dirty="0"/>
+                        <a:t>Actor module name</a:t>
+                      </a:r>
+                    </a:p>
+                  </a:txBody>
+                  <a:tcPr>
+                    <a:lnT w="12700" cap="flat" cmpd="sng" algn="ctr">
+                      <a:solidFill>
+                        <a:schemeClr val="tx1"/>
+                      </a:solidFill>
+                      <a:prstDash val="solid"/>
+                      <a:round/>
+                      <a:headEnd type="none" w="med" len="med"/>
+                      <a:tailEnd type="none" w="med" len="med"/>
+                    </a:lnT>
+                  </a:tcPr>
+                </a:tc>
+                <a:tc>
+                  <a:txBody>
+                    <a:bodyPr/>
+                    <a:lstStyle/>
+                    <a:p>
+                      <a:r>
+                        <a:rPr lang="en-SG" sz="1000" dirty="0"/>
+                        <a:t>Function provided</a:t>
+                      </a:r>
+                    </a:p>
+                  </a:txBody>
+                  <a:tcPr>
+                    <a:lnR w="12700" cap="flat" cmpd="sng" algn="ctr">
+                      <a:solidFill>
+                        <a:schemeClr val="tx1"/>
+                      </a:solidFill>
+                      <a:prstDash val="solid"/>
+                      <a:round/>
+                      <a:headEnd type="none" w="med" len="med"/>
+                      <a:tailEnd type="none" w="med" len="med"/>
+                    </a:lnR>
+                    <a:lnT w="12700" cap="flat" cmpd="sng" algn="ctr">
+                      <a:solidFill>
+                        <a:schemeClr val="tx1"/>
+                      </a:solidFill>
+                      <a:prstDash val="solid"/>
+                      <a:round/>
+                      <a:headEnd type="none" w="med" len="med"/>
+                      <a:tailEnd type="none" w="med" len="med"/>
+                    </a:lnT>
+                  </a:tcPr>
+                </a:tc>
+                <a:extLst>
+                  <a:ext uri="{0D108BD9-81ED-4DB2-BD59-A6C34878D82A}">
+                    <a16:rowId xmlns:a16="http://schemas.microsoft.com/office/drawing/2014/main" val="896556790"/>
+                  </a:ext>
+                </a:extLst>
+              </a:tr>
+              <a:tr h="370840">
+                <a:tc>
+                  <a:txBody>
+                    <a:bodyPr/>
+                    <a:lstStyle/>
+                    <a:p>
+                      <a:r>
+                        <a:rPr lang="en-SG" sz="1000" dirty="0"/>
+                        <a:t>1</a:t>
+                      </a:r>
+                    </a:p>
+                  </a:txBody>
+                  <a:tcPr>
+                    <a:lnL w="12700" cap="flat" cmpd="sng" algn="ctr">
+                      <a:solidFill>
+                        <a:schemeClr val="tx1"/>
+                      </a:solidFill>
+                      <a:prstDash val="solid"/>
+                      <a:round/>
+                      <a:headEnd type="none" w="med" len="med"/>
+                      <a:tailEnd type="none" w="med" len="med"/>
+                    </a:lnL>
+                  </a:tcPr>
+                </a:tc>
+                <a:tc>
+                  <a:txBody>
+                    <a:bodyPr/>
+                    <a:lstStyle/>
+                    <a:p>
+                      <a:r>
+                        <a:rPr lang="en-SG" sz="1000" b="0" kern="1200" dirty="0">
+                          <a:solidFill>
+                            <a:schemeClr val="dk1"/>
+                          </a:solidFill>
+                          <a:effectLst/>
+                        </a:rPr>
+                        <a:t>CmdActor</a:t>
+                      </a:r>
+                      <a:endParaRPr lang="en-SG" sz="1000" dirty="0"/>
+                    </a:p>
+                  </a:txBody>
+                  <a:tcPr/>
+                </a:tc>
+                <a:tc>
+                  <a:txBody>
+                    <a:bodyPr/>
+                    <a:lstStyle/>
+                    <a:p>
+                      <a:r>
+                        <a:rPr lang="en-US" sz="1000" b="0" kern="1200" dirty="0">
+                          <a:solidFill>
+                            <a:schemeClr val="dk1"/>
+                          </a:solidFill>
+                          <a:effectLst/>
+                        </a:rPr>
+                        <a:t>Run Window/Linux  commend under cmd or PowerShell.</a:t>
+                      </a:r>
+                      <a:endParaRPr lang="en-SG" sz="1000" dirty="0"/>
+                    </a:p>
+                  </a:txBody>
+                  <a:tcPr>
+                    <a:lnR w="12700" cap="flat" cmpd="sng" algn="ctr">
+                      <a:solidFill>
+                        <a:schemeClr val="tx1"/>
+                      </a:solidFill>
+                      <a:prstDash val="solid"/>
+                      <a:round/>
+                      <a:headEnd type="none" w="med" len="med"/>
+                      <a:tailEnd type="none" w="med" len="med"/>
+                    </a:lnR>
+                  </a:tcPr>
+                </a:tc>
+                <a:extLst>
+                  <a:ext uri="{0D108BD9-81ED-4DB2-BD59-A6C34878D82A}">
+                    <a16:rowId xmlns:a16="http://schemas.microsoft.com/office/drawing/2014/main" val="553099790"/>
+                  </a:ext>
+                </a:extLst>
+              </a:tr>
+              <a:tr h="370840">
+                <a:tc>
+                  <a:txBody>
+                    <a:bodyPr/>
+                    <a:lstStyle/>
+                    <a:p>
+                      <a:r>
+                        <a:rPr lang="en-SG" sz="1000" dirty="0"/>
+                        <a:t>2</a:t>
+                      </a:r>
+                    </a:p>
+                  </a:txBody>
+                  <a:tcPr>
+                    <a:lnL w="12700" cap="flat" cmpd="sng" algn="ctr">
+                      <a:solidFill>
+                        <a:schemeClr val="tx1"/>
+                      </a:solidFill>
+                      <a:prstDash val="solid"/>
+                      <a:round/>
+                      <a:headEnd type="none" w="med" len="med"/>
+                      <a:tailEnd type="none" w="med" len="med"/>
+                    </a:lnL>
+                    <a:lnB w="12700" cap="flat" cmpd="sng" algn="ctr">
+                      <a:solidFill>
+                        <a:schemeClr val="tx1"/>
+                      </a:solidFill>
+                      <a:prstDash val="solid"/>
+                      <a:round/>
+                      <a:headEnd type="none" w="med" len="med"/>
+                      <a:tailEnd type="none" w="med" len="med"/>
+                    </a:lnB>
+                  </a:tcPr>
+                </a:tc>
+                <a:tc>
+                  <a:txBody>
+                    <a:bodyPr/>
+                    <a:lstStyle/>
+                    <a:p>
+                      <a:r>
+                        <a:rPr lang="en-SG" sz="1000" b="0" kern="1200" dirty="0">
+                          <a:solidFill>
+                            <a:schemeClr val="dk1"/>
+                          </a:solidFill>
+                          <a:effectLst/>
+                        </a:rPr>
+                        <a:t>SettingActor</a:t>
+                      </a:r>
+                      <a:endParaRPr lang="en-SG" sz="1000" dirty="0"/>
+                    </a:p>
+                  </a:txBody>
+                  <a:tcPr>
+                    <a:lnB w="12700" cap="flat" cmpd="sng" algn="ctr">
+                      <a:solidFill>
+                        <a:schemeClr val="tx1"/>
+                      </a:solidFill>
+                      <a:prstDash val="solid"/>
+                      <a:round/>
+                      <a:headEnd type="none" w="med" len="med"/>
+                      <a:tailEnd type="none" w="med" len="med"/>
+                    </a:lnB>
+                  </a:tcPr>
+                </a:tc>
+                <a:tc>
+                  <a:txBody>
+                    <a:bodyPr/>
+                    <a:lstStyle/>
+                    <a:p>
+                      <a:r>
+                        <a:rPr lang="en-US" sz="1000" dirty="0"/>
+                        <a:t>Change some OS setting (on/off firewall, change display bg, sort desktop, reboot)</a:t>
+                      </a:r>
+                      <a:endParaRPr lang="en-SG" sz="1000" dirty="0"/>
+                    </a:p>
+                  </a:txBody>
+                  <a:tcPr>
+                    <a:lnR w="12700" cap="flat" cmpd="sng" algn="ctr">
+                      <a:solidFill>
+                        <a:schemeClr val="tx1"/>
+                      </a:solidFill>
+                      <a:prstDash val="solid"/>
+                      <a:round/>
+                      <a:headEnd type="none" w="med" len="med"/>
+                      <a:tailEnd type="none" w="med" len="med"/>
+                    </a:lnR>
+                    <a:lnB w="12700" cap="flat" cmpd="sng" algn="ctr">
+                      <a:solidFill>
+                        <a:schemeClr val="tx1"/>
+                      </a:solidFill>
+                      <a:prstDash val="solid"/>
+                      <a:round/>
+                      <a:headEnd type="none" w="med" len="med"/>
+                      <a:tailEnd type="none" w="med" len="med"/>
+                    </a:lnB>
+                  </a:tcPr>
+                </a:tc>
+                <a:extLst>
+                  <a:ext uri="{0D108BD9-81ED-4DB2-BD59-A6C34878D82A}">
+                    <a16:rowId xmlns:a16="http://schemas.microsoft.com/office/drawing/2014/main" val="3476181168"/>
+                  </a:ext>
+                </a:extLst>
+              </a:tr>
+            </a:tbl>
+          </a:graphicData>
+        </a:graphic>
+      </p:graphicFrame>
+      <p:sp>
+        <p:nvSpPr>
+          <p:cNvPr id="8" name="TextBox 7">
+            <a:extLst>
+              <a:ext uri="{FF2B5EF4-FFF2-40B4-BE49-F238E27FC236}">
+                <a16:creationId xmlns:a16="http://schemas.microsoft.com/office/drawing/2014/main" id="{138EFD8C-376B-7A8F-739A-6047F97BE298}"/>
+              </a:ext>
+            </a:extLst>
+          </p:cNvPr>
+          <p:cNvSpPr txBox="1"/>
+          <p:nvPr/>
+        </p:nvSpPr>
+        <p:spPr>
+          <a:xfrm>
+            <a:off x="259568" y="755026"/>
+            <a:ext cx="4269408" cy="338554"/>
+          </a:xfrm>
+          <a:prstGeom prst="rect">
+            <a:avLst/>
+          </a:prstGeom>
+          <a:noFill/>
+        </p:spPr>
+        <p:txBody>
+          <a:bodyPr wrap="square" rtlCol="0">
+            <a:spAutoFit/>
+          </a:bodyPr>
+          <a:lstStyle/>
+          <a:p>
+            <a:r>
+              <a:rPr lang="en-US" sz="1600" b="1" dirty="0"/>
+              <a:t>System Operation Actors </a:t>
+            </a:r>
+            <a:r>
+              <a:rPr lang="en-SG" sz="1600" b="1" dirty="0"/>
+              <a:t>Repository </a:t>
+            </a:r>
+          </a:p>
+        </p:txBody>
+      </p:sp>
+      <p:graphicFrame>
+        <p:nvGraphicFramePr>
+          <p:cNvPr id="9" name="Table 5">
+            <a:extLst>
+              <a:ext uri="{FF2B5EF4-FFF2-40B4-BE49-F238E27FC236}">
+                <a16:creationId xmlns:a16="http://schemas.microsoft.com/office/drawing/2014/main" id="{C0D742AC-0B12-6BEA-176A-BE437E45E5D3}"/>
+              </a:ext>
+            </a:extLst>
+          </p:cNvPr>
+          <p:cNvGraphicFramePr>
+            <a:graphicFrameLocks noGrp="1"/>
+          </p:cNvGraphicFramePr>
+          <p:nvPr>
+            <p:extLst>
+              <p:ext uri="{D42A27DB-BD31-4B8C-83A1-F6EECF244321}">
+                <p14:modId xmlns:p14="http://schemas.microsoft.com/office/powerpoint/2010/main" val="397633608"/>
+              </p:ext>
+            </p:extLst>
+          </p:nvPr>
+        </p:nvGraphicFramePr>
+        <p:xfrm>
+          <a:off x="372940" y="3122486"/>
+          <a:ext cx="3548820" cy="2064989"/>
+        </p:xfrm>
+        <a:graphic>
+          <a:graphicData uri="http://schemas.openxmlformats.org/drawingml/2006/table">
+            <a:tbl>
+              <a:tblPr firstRow="1" bandRow="1">
+                <a:tableStyleId>{5C22544A-7EE6-4342-B048-85BDC9FD1C3A}</a:tableStyleId>
+              </a:tblPr>
+              <a:tblGrid>
+                <a:gridCol w="380979">
+                  <a:extLst>
+                    <a:ext uri="{9D8B030D-6E8A-4147-A177-3AD203B41FA5}">
+                      <a16:colId xmlns:a16="http://schemas.microsoft.com/office/drawing/2014/main" val="3380695120"/>
+                    </a:ext>
+                  </a:extLst>
+                </a:gridCol>
+                <a:gridCol w="1006894">
+                  <a:extLst>
+                    <a:ext uri="{9D8B030D-6E8A-4147-A177-3AD203B41FA5}">
+                      <a16:colId xmlns:a16="http://schemas.microsoft.com/office/drawing/2014/main" val="308096956"/>
+                    </a:ext>
+                  </a:extLst>
+                </a:gridCol>
+                <a:gridCol w="2160947">
+                  <a:extLst>
+                    <a:ext uri="{9D8B030D-6E8A-4147-A177-3AD203B41FA5}">
+                      <a16:colId xmlns:a16="http://schemas.microsoft.com/office/drawing/2014/main" val="1115179321"/>
+                    </a:ext>
+                  </a:extLst>
+                </a:gridCol>
+              </a:tblGrid>
+              <a:tr h="353412">
+                <a:tc>
+                  <a:txBody>
+                    <a:bodyPr/>
+                    <a:lstStyle/>
+                    <a:p>
+                      <a:r>
+                        <a:rPr lang="en-SG" sz="1000" dirty="0"/>
+                        <a:t>Index</a:t>
+                      </a:r>
+                    </a:p>
+                  </a:txBody>
+                  <a:tcPr>
+                    <a:lnL w="12700" cap="flat" cmpd="sng" algn="ctr">
+                      <a:solidFill>
+                        <a:schemeClr val="tx1"/>
+                      </a:solidFill>
+                      <a:prstDash val="solid"/>
+                      <a:round/>
+                      <a:headEnd type="none" w="med" len="med"/>
+                      <a:tailEnd type="none" w="med" len="med"/>
+                    </a:lnL>
+                    <a:lnT w="12700" cap="flat" cmpd="sng" algn="ctr">
+                      <a:solidFill>
+                        <a:schemeClr val="tx1"/>
+                      </a:solidFill>
+                      <a:prstDash val="solid"/>
+                      <a:round/>
+                      <a:headEnd type="none" w="med" len="med"/>
+                      <a:tailEnd type="none" w="med" len="med"/>
+                    </a:lnT>
+                  </a:tcPr>
+                </a:tc>
+                <a:tc>
+                  <a:txBody>
+                    <a:bodyPr/>
+                    <a:lstStyle/>
+                    <a:p>
+                      <a:r>
+                        <a:rPr lang="en-SG" sz="1000" dirty="0"/>
+                        <a:t>Actor module name</a:t>
+                      </a:r>
+                    </a:p>
+                  </a:txBody>
+                  <a:tcPr>
+                    <a:lnT w="12700" cap="flat" cmpd="sng" algn="ctr">
+                      <a:solidFill>
+                        <a:schemeClr val="tx1"/>
+                      </a:solidFill>
+                      <a:prstDash val="solid"/>
+                      <a:round/>
+                      <a:headEnd type="none" w="med" len="med"/>
+                      <a:tailEnd type="none" w="med" len="med"/>
+                    </a:lnT>
+                  </a:tcPr>
+                </a:tc>
+                <a:tc>
+                  <a:txBody>
+                    <a:bodyPr/>
+                    <a:lstStyle/>
+                    <a:p>
+                      <a:r>
+                        <a:rPr lang="en-SG" sz="1000" dirty="0"/>
+                        <a:t>Function provided</a:t>
+                      </a:r>
+                    </a:p>
+                  </a:txBody>
+                  <a:tcPr>
+                    <a:lnR w="12700" cap="flat" cmpd="sng" algn="ctr">
+                      <a:solidFill>
+                        <a:schemeClr val="tx1"/>
+                      </a:solidFill>
+                      <a:prstDash val="solid"/>
+                      <a:round/>
+                      <a:headEnd type="none" w="med" len="med"/>
+                      <a:tailEnd type="none" w="med" len="med"/>
+                    </a:lnR>
+                    <a:lnT w="12700" cap="flat" cmpd="sng" algn="ctr">
+                      <a:solidFill>
+                        <a:schemeClr val="tx1"/>
+                      </a:solidFill>
+                      <a:prstDash val="solid"/>
+                      <a:round/>
+                      <a:headEnd type="none" w="med" len="med"/>
+                      <a:tailEnd type="none" w="med" len="med"/>
+                    </a:lnT>
+                  </a:tcPr>
+                </a:tc>
+                <a:extLst>
+                  <a:ext uri="{0D108BD9-81ED-4DB2-BD59-A6C34878D82A}">
+                    <a16:rowId xmlns:a16="http://schemas.microsoft.com/office/drawing/2014/main" val="896556790"/>
+                  </a:ext>
+                </a:extLst>
+              </a:tr>
+              <a:tr h="522857">
+                <a:tc>
+                  <a:txBody>
+                    <a:bodyPr/>
+                    <a:lstStyle/>
+                    <a:p>
+                      <a:r>
+                        <a:rPr lang="en-SG" sz="1000" dirty="0"/>
+                        <a:t>1</a:t>
+                      </a:r>
+                    </a:p>
+                  </a:txBody>
+                  <a:tcPr>
+                    <a:lnL w="12700" cap="flat" cmpd="sng" algn="ctr">
+                      <a:solidFill>
+                        <a:schemeClr val="tx1"/>
+                      </a:solidFill>
+                      <a:prstDash val="solid"/>
+                      <a:round/>
+                      <a:headEnd type="none" w="med" len="med"/>
+                      <a:tailEnd type="none" w="med" len="med"/>
+                    </a:lnL>
+                  </a:tcPr>
+                </a:tc>
+                <a:tc>
+                  <a:txBody>
+                    <a:bodyPr/>
+                    <a:lstStyle/>
+                    <a:p>
+                      <a:r>
+                        <a:rPr lang="en-SG" sz="1000" b="0" kern="1200" dirty="0">
+                          <a:solidFill>
+                            <a:schemeClr val="dk1"/>
+                          </a:solidFill>
+                          <a:effectLst/>
+                        </a:rPr>
+                        <a:t>SerialConnector</a:t>
+                      </a:r>
+                      <a:endParaRPr lang="en-SG" sz="1000" dirty="0"/>
+                    </a:p>
+                  </a:txBody>
+                  <a:tcPr/>
+                </a:tc>
+                <a:tc>
+                  <a:txBody>
+                    <a:bodyPr/>
+                    <a:lstStyle/>
+                    <a:p>
+                      <a:r>
+                        <a:rPr lang="en-US" sz="1000" b="0" kern="1200" dirty="0">
+                          <a:solidFill>
+                            <a:schemeClr val="dk1"/>
+                          </a:solidFill>
+                          <a:effectLst/>
+                        </a:rPr>
+                        <a:t>Send and read message to/from COM port.</a:t>
+                      </a:r>
+                      <a:endParaRPr lang="en-SG" sz="1000" dirty="0"/>
+                    </a:p>
+                  </a:txBody>
+                  <a:tcPr>
+                    <a:lnR w="12700" cap="flat" cmpd="sng" algn="ctr">
+                      <a:solidFill>
+                        <a:schemeClr val="tx1"/>
+                      </a:solidFill>
+                      <a:prstDash val="solid"/>
+                      <a:round/>
+                      <a:headEnd type="none" w="med" len="med"/>
+                      <a:tailEnd type="none" w="med" len="med"/>
+                    </a:lnR>
+                  </a:tcPr>
+                </a:tc>
+                <a:extLst>
+                  <a:ext uri="{0D108BD9-81ED-4DB2-BD59-A6C34878D82A}">
+                    <a16:rowId xmlns:a16="http://schemas.microsoft.com/office/drawing/2014/main" val="553099790"/>
+                  </a:ext>
+                </a:extLst>
+              </a:tr>
+              <a:tr h="353412">
+                <a:tc>
+                  <a:txBody>
+                    <a:bodyPr/>
+                    <a:lstStyle/>
+                    <a:p>
+                      <a:r>
+                        <a:rPr lang="en-SG" sz="1000" dirty="0"/>
+                        <a:t>2</a:t>
+                      </a:r>
+                    </a:p>
+                  </a:txBody>
+                  <a:tcPr>
+                    <a:lnL w="12700" cap="flat" cmpd="sng" algn="ctr">
+                      <a:solidFill>
+                        <a:schemeClr val="tx1"/>
+                      </a:solidFill>
+                      <a:prstDash val="solid"/>
+                      <a:round/>
+                      <a:headEnd type="none" w="med" len="med"/>
+                      <a:tailEnd type="none" w="med" len="med"/>
+                    </a:lnL>
+                  </a:tcPr>
+                </a:tc>
+                <a:tc>
+                  <a:txBody>
+                    <a:bodyPr/>
+                    <a:lstStyle/>
+                    <a:p>
+                      <a:r>
+                        <a:rPr lang="en-SG" sz="1000" b="0" kern="1200" dirty="0">
+                          <a:solidFill>
+                            <a:schemeClr val="dk1"/>
+                          </a:solidFill>
+                          <a:effectLst/>
+                        </a:rPr>
+                        <a:t>camEchoServer</a:t>
+                      </a:r>
+                      <a:endParaRPr lang="en-SG" sz="1000" dirty="0"/>
+                    </a:p>
+                  </a:txBody>
+                  <a:tcPr/>
+                </a:tc>
+                <a:tc>
+                  <a:txBody>
+                    <a:bodyPr/>
+                    <a:lstStyle/>
+                    <a:p>
+                      <a:r>
+                        <a:rPr lang="en-US" sz="1000" dirty="0"/>
+                        <a:t>Computer built in camera/usb camera video read record. Start a HLS server.</a:t>
+                      </a:r>
+                      <a:endParaRPr lang="en-SG" sz="1000" dirty="0"/>
+                    </a:p>
+                  </a:txBody>
+                  <a:tcPr>
+                    <a:lnR w="12700" cap="flat" cmpd="sng" algn="ctr">
+                      <a:solidFill>
+                        <a:schemeClr val="tx1"/>
+                      </a:solidFill>
+                      <a:prstDash val="solid"/>
+                      <a:round/>
+                      <a:headEnd type="none" w="med" len="med"/>
+                      <a:tailEnd type="none" w="med" len="med"/>
+                    </a:lnR>
+                  </a:tcPr>
+                </a:tc>
+                <a:extLst>
+                  <a:ext uri="{0D108BD9-81ED-4DB2-BD59-A6C34878D82A}">
+                    <a16:rowId xmlns:a16="http://schemas.microsoft.com/office/drawing/2014/main" val="3476181168"/>
+                  </a:ext>
+                </a:extLst>
+              </a:tr>
+              <a:tr h="353412">
+                <a:tc>
+                  <a:txBody>
+                    <a:bodyPr/>
+                    <a:lstStyle/>
+                    <a:p>
+                      <a:r>
+                        <a:rPr lang="en-SG" sz="1000" dirty="0"/>
+                        <a:t>3</a:t>
+                      </a:r>
+                    </a:p>
+                  </a:txBody>
+                  <a:tcPr>
+                    <a:lnL w="12700" cap="flat" cmpd="sng" algn="ctr">
+                      <a:solidFill>
+                        <a:schemeClr val="tx1"/>
+                      </a:solidFill>
+                      <a:prstDash val="solid"/>
+                      <a:round/>
+                      <a:headEnd type="none" w="med" len="med"/>
+                      <a:tailEnd type="none" w="med" len="med"/>
+                    </a:lnL>
+                  </a:tcPr>
+                </a:tc>
+                <a:tc>
+                  <a:txBody>
+                    <a:bodyPr/>
+                    <a:lstStyle/>
+                    <a:p>
+                      <a:r>
+                        <a:rPr lang="en-SG" sz="1000" dirty="0"/>
+                        <a:t>ScreanRecorder</a:t>
+                      </a:r>
+                    </a:p>
+                  </a:txBody>
+                  <a:tcPr/>
+                </a:tc>
+                <a:tc>
+                  <a:txBody>
+                    <a:bodyPr/>
+                    <a:lstStyle/>
+                    <a:p>
+                      <a:r>
+                        <a:rPr lang="en-US" sz="1000" dirty="0"/>
+                        <a:t>snapshot the screen under frequency.</a:t>
+                      </a:r>
+                      <a:endParaRPr lang="en-SG" sz="1000" dirty="0"/>
+                    </a:p>
+                  </a:txBody>
+                  <a:tcPr>
+                    <a:lnR w="12700" cap="flat" cmpd="sng" algn="ctr">
+                      <a:solidFill>
+                        <a:schemeClr val="tx1"/>
+                      </a:solidFill>
+                      <a:prstDash val="solid"/>
+                      <a:round/>
+                      <a:headEnd type="none" w="med" len="med"/>
+                      <a:tailEnd type="none" w="med" len="med"/>
+                    </a:lnR>
+                  </a:tcPr>
+                </a:tc>
+                <a:extLst>
+                  <a:ext uri="{0D108BD9-81ED-4DB2-BD59-A6C34878D82A}">
+                    <a16:rowId xmlns:a16="http://schemas.microsoft.com/office/drawing/2014/main" val="3794426225"/>
+                  </a:ext>
+                </a:extLst>
+              </a:tr>
+              <a:tr h="353412">
+                <a:tc>
+                  <a:txBody>
+                    <a:bodyPr/>
+                    <a:lstStyle/>
+                    <a:p>
+                      <a:r>
+                        <a:rPr lang="en-SG" sz="1000" dirty="0"/>
+                        <a:t>4</a:t>
+                      </a:r>
+                    </a:p>
+                  </a:txBody>
+                  <a:tcPr>
+                    <a:lnL w="12700" cap="flat" cmpd="sng" algn="ctr">
+                      <a:solidFill>
+                        <a:schemeClr val="tx1"/>
+                      </a:solidFill>
+                      <a:prstDash val="solid"/>
+                      <a:round/>
+                      <a:headEnd type="none" w="med" len="med"/>
+                      <a:tailEnd type="none" w="med" len="med"/>
+                    </a:lnL>
+                    <a:lnB w="12700" cap="flat" cmpd="sng" algn="ctr">
+                      <a:solidFill>
+                        <a:schemeClr val="tx1"/>
+                      </a:solidFill>
+                      <a:prstDash val="solid"/>
+                      <a:round/>
+                      <a:headEnd type="none" w="med" len="med"/>
+                      <a:tailEnd type="none" w="med" len="med"/>
+                    </a:lnB>
+                  </a:tcPr>
+                </a:tc>
+                <a:tc>
+                  <a:txBody>
+                    <a:bodyPr/>
+                    <a:lstStyle/>
+                    <a:p>
+                      <a:r>
+                        <a:rPr lang="en-SG" sz="1000" dirty="0"/>
+                        <a:t>DBHandler</a:t>
+                      </a:r>
+                    </a:p>
+                  </a:txBody>
+                  <a:tcPr>
+                    <a:lnB w="12700" cap="flat" cmpd="sng" algn="ctr">
+                      <a:solidFill>
+                        <a:schemeClr val="tx1"/>
+                      </a:solidFill>
+                      <a:prstDash val="solid"/>
+                      <a:round/>
+                      <a:headEnd type="none" w="med" len="med"/>
+                      <a:tailEnd type="none" w="med" len="med"/>
+                    </a:lnB>
+                  </a:tcPr>
+                </a:tc>
+                <a:tc>
+                  <a:txBody>
+                    <a:bodyPr/>
+                    <a:lstStyle/>
+                    <a:p>
+                      <a:r>
+                        <a:rPr lang="en-US" sz="1000" dirty="0"/>
+                        <a:t>DataBase (SQLite3, influxDB, arangodb) access action simulator.</a:t>
+                      </a:r>
+                      <a:endParaRPr lang="en-SG" sz="1000" dirty="0"/>
+                    </a:p>
+                  </a:txBody>
+                  <a:tcPr>
+                    <a:lnR w="12700" cap="flat" cmpd="sng" algn="ctr">
+                      <a:solidFill>
+                        <a:schemeClr val="tx1"/>
+                      </a:solidFill>
+                      <a:prstDash val="solid"/>
+                      <a:round/>
+                      <a:headEnd type="none" w="med" len="med"/>
+                      <a:tailEnd type="none" w="med" len="med"/>
+                    </a:lnR>
+                    <a:lnB w="12700" cap="flat" cmpd="sng" algn="ctr">
+                      <a:solidFill>
+                        <a:schemeClr val="tx1"/>
+                      </a:solidFill>
+                      <a:prstDash val="solid"/>
+                      <a:round/>
+                      <a:headEnd type="none" w="med" len="med"/>
+                      <a:tailEnd type="none" w="med" len="med"/>
+                    </a:lnB>
+                  </a:tcPr>
+                </a:tc>
+                <a:extLst>
+                  <a:ext uri="{0D108BD9-81ED-4DB2-BD59-A6C34878D82A}">
+                    <a16:rowId xmlns:a16="http://schemas.microsoft.com/office/drawing/2014/main" val="3781525643"/>
+                  </a:ext>
+                </a:extLst>
+              </a:tr>
+            </a:tbl>
+          </a:graphicData>
+        </a:graphic>
+      </p:graphicFrame>
+      <p:sp>
+        <p:nvSpPr>
+          <p:cNvPr id="10" name="TextBox 9">
+            <a:extLst>
+              <a:ext uri="{FF2B5EF4-FFF2-40B4-BE49-F238E27FC236}">
+                <a16:creationId xmlns:a16="http://schemas.microsoft.com/office/drawing/2014/main" id="{DABC52E8-651F-68A0-4FD1-0C1389D4F432}"/>
+              </a:ext>
+            </a:extLst>
+          </p:cNvPr>
+          <p:cNvSpPr txBox="1"/>
+          <p:nvPr/>
+        </p:nvSpPr>
+        <p:spPr>
+          <a:xfrm>
+            <a:off x="259568" y="2670028"/>
+            <a:ext cx="4269408" cy="338554"/>
+          </a:xfrm>
+          <a:prstGeom prst="rect">
+            <a:avLst/>
+          </a:prstGeom>
+          <a:noFill/>
+        </p:spPr>
+        <p:txBody>
+          <a:bodyPr wrap="square" rtlCol="0">
+            <a:spAutoFit/>
+          </a:bodyPr>
+          <a:lstStyle/>
+          <a:p>
+            <a:r>
+              <a:rPr lang="en-SG" sz="1600" b="1" dirty="0"/>
+              <a:t>Other Action Repository</a:t>
+            </a:r>
+          </a:p>
+        </p:txBody>
+      </p:sp>
+      <p:sp>
+        <p:nvSpPr>
+          <p:cNvPr id="2" name="TextBox 1">
+            <a:extLst>
+              <a:ext uri="{FF2B5EF4-FFF2-40B4-BE49-F238E27FC236}">
+                <a16:creationId xmlns:a16="http://schemas.microsoft.com/office/drawing/2014/main" id="{94E06D7B-D6E9-8DFE-3944-24B0157E4E43}"/>
+              </a:ext>
+            </a:extLst>
+          </p:cNvPr>
+          <p:cNvSpPr txBox="1"/>
+          <p:nvPr/>
+        </p:nvSpPr>
+        <p:spPr>
+          <a:xfrm>
+            <a:off x="4519590" y="743663"/>
+            <a:ext cx="4269408" cy="338554"/>
+          </a:xfrm>
+          <a:prstGeom prst="rect">
+            <a:avLst/>
+          </a:prstGeom>
+          <a:noFill/>
+        </p:spPr>
+        <p:txBody>
+          <a:bodyPr wrap="square" rtlCol="0">
+            <a:spAutoFit/>
+          </a:bodyPr>
+          <a:lstStyle/>
+          <a:p>
+            <a:r>
+              <a:rPr lang="en-SG" sz="1600" b="1" dirty="0"/>
+              <a:t>User’s Action monitor web:</a:t>
+            </a:r>
+          </a:p>
+        </p:txBody>
+      </p:sp>
+      <p:pic>
+        <p:nvPicPr>
+          <p:cNvPr id="12" name="Picture 11" descr="A screenshot of a computer&#10;&#10;Description automatically generated">
+            <a:extLst>
+              <a:ext uri="{FF2B5EF4-FFF2-40B4-BE49-F238E27FC236}">
+                <a16:creationId xmlns:a16="http://schemas.microsoft.com/office/drawing/2014/main" id="{BF37BF6A-DEF8-9A7D-19A7-30130330F815}"/>
+              </a:ext>
+            </a:extLst>
+          </p:cNvPr>
+          <p:cNvPicPr>
+            <a:picLocks noChangeAspect="1"/>
+          </p:cNvPicPr>
+          <p:nvPr/>
+        </p:nvPicPr>
+        <p:blipFill rotWithShape="1">
+          <a:blip r:embed="rId3">
+            <a:extLst>
+              <a:ext uri="{28A0092B-C50C-407E-A947-70E740481C1C}">
+                <a14:useLocalDpi xmlns:a14="http://schemas.microsoft.com/office/drawing/2010/main" val="0"/>
+              </a:ext>
+            </a:extLst>
+          </a:blip>
+          <a:srcRect b="5440"/>
+          <a:stretch/>
+        </p:blipFill>
+        <p:spPr>
+          <a:xfrm>
+            <a:off x="4528976" y="1204137"/>
+            <a:ext cx="7482532" cy="3979972"/>
+          </a:xfrm>
+          <a:prstGeom prst="rect">
+            <a:avLst/>
+          </a:prstGeom>
+          <a:ln w="3175">
+            <a:solidFill>
+              <a:schemeClr val="tx1"/>
+            </a:solidFill>
+          </a:ln>
+        </p:spPr>
+      </p:pic>
+      <p:sp>
+        <p:nvSpPr>
+          <p:cNvPr id="13" name="TextBox 12">
+            <a:extLst>
+              <a:ext uri="{FF2B5EF4-FFF2-40B4-BE49-F238E27FC236}">
+                <a16:creationId xmlns:a16="http://schemas.microsoft.com/office/drawing/2014/main" id="{386AD3BF-2C15-9716-3262-FD64E58EB5A2}"/>
+              </a:ext>
+            </a:extLst>
+          </p:cNvPr>
+          <p:cNvSpPr txBox="1"/>
+          <p:nvPr/>
+        </p:nvSpPr>
+        <p:spPr>
+          <a:xfrm>
+            <a:off x="259568" y="5326561"/>
+            <a:ext cx="8880788" cy="1323439"/>
+          </a:xfrm>
+          <a:prstGeom prst="rect">
+            <a:avLst/>
+          </a:prstGeom>
+          <a:noFill/>
+        </p:spPr>
+        <p:txBody>
+          <a:bodyPr wrap="square" rtlCol="0">
+            <a:spAutoFit/>
+          </a:bodyPr>
+          <a:lstStyle/>
+          <a:p>
+            <a:r>
+              <a:rPr lang="en-SG" sz="1600" b="1" dirty="0"/>
+              <a:t>Emulator’s action monitor web feature: </a:t>
+            </a:r>
+          </a:p>
+          <a:p>
+            <a:pPr marL="285750" indent="-285750">
+              <a:buFont typeface="Arial" panose="020B0604020202020204" pitchFamily="34" charset="0"/>
+              <a:buChar char="•"/>
+            </a:pPr>
+            <a:r>
+              <a:rPr lang="en-SG" sz="1600" dirty="0"/>
+              <a:t>User can monitor the scheduled actions(events) execution state from the monitor Web. </a:t>
+            </a:r>
+          </a:p>
+          <a:p>
+            <a:pPr marL="285750" indent="-285750">
+              <a:buFont typeface="Arial" panose="020B0604020202020204" pitchFamily="34" charset="0"/>
+              <a:buChar char="•"/>
+            </a:pPr>
+            <a:r>
+              <a:rPr lang="en-SG" sz="1600" dirty="0"/>
+              <a:t>User can remove/deactivate the action from the web. </a:t>
+            </a:r>
+          </a:p>
+          <a:p>
+            <a:pPr marL="285750" indent="-285750">
+              <a:buFont typeface="Arial" panose="020B0604020202020204" pitchFamily="34" charset="0"/>
+              <a:buChar char="•"/>
+            </a:pPr>
+            <a:r>
+              <a:rPr lang="en-SG" sz="1600" dirty="0"/>
+              <a:t>The web provide regular action (daily/weekly action) and random action monitoring. </a:t>
+            </a:r>
+          </a:p>
+          <a:p>
+            <a:pPr marL="285750" indent="-285750">
+              <a:buFont typeface="Arial" panose="020B0604020202020204" pitchFamily="34" charset="0"/>
+              <a:buChar char="•"/>
+            </a:pPr>
+            <a:r>
+              <a:rPr lang="en-SG" sz="1600"/>
+              <a:t>(Under </a:t>
+            </a:r>
+            <a:r>
+              <a:rPr lang="en-SG" sz="1600" dirty="0"/>
+              <a:t>development) user can add new action/edit the actions from the Web interface</a:t>
+            </a:r>
+            <a:r>
+              <a:rPr lang="en-SG" sz="1600" b="1" dirty="0"/>
+              <a:t>. </a:t>
+            </a:r>
+          </a:p>
+        </p:txBody>
+      </p:sp>
+    </p:spTree>
+    <p:extLst>
+      <p:ext uri="{BB962C8B-B14F-4D97-AF65-F5344CB8AC3E}">
+        <p14:creationId xmlns:p14="http://schemas.microsoft.com/office/powerpoint/2010/main" val="2311589"/>
       </p:ext>
     </p:extLst>
   </p:cSld>
@@ -3737,4 +12371,299 @@
     </a:ext>
   </a:extLst>
 </a:theme>
+</file>
+
+<file path=ppt/theme/theme2.xml><?xml version="1.0" encoding="utf-8"?>
+<a:theme xmlns:a="http://schemas.openxmlformats.org/drawingml/2006/main" name="Office Theme">
+  <a:themeElements>
+    <a:clrScheme name="Office">
+      <a:dk1>
+        <a:sysClr val="windowText" lastClr="000000"/>
+      </a:dk1>
+      <a:lt1>
+        <a:sysClr val="window" lastClr="FFFFFF"/>
+      </a:lt1>
+      <a:dk2>
+        <a:srgbClr val="44546A"/>
+      </a:dk2>
+      <a:lt2>
+        <a:srgbClr val="E7E6E6"/>
+      </a:lt2>
+      <a:accent1>
+        <a:srgbClr val="4472C4"/>
+      </a:accent1>
+      <a:accent2>
+        <a:srgbClr val="ED7D31"/>
+      </a:accent2>
+      <a:accent3>
+        <a:srgbClr val="A5A5A5"/>
+      </a:accent3>
+      <a:accent4>
+        <a:srgbClr val="FFC000"/>
+      </a:accent4>
+      <a:accent5>
+        <a:srgbClr val="5B9BD5"/>
+      </a:accent5>
+      <a:accent6>
+        <a:srgbClr val="70AD47"/>
+      </a:accent6>
+      <a:hlink>
+        <a:srgbClr val="0563C1"/>
+      </a:hlink>
+      <a:folHlink>
+        <a:srgbClr val="954F72"/>
+      </a:folHlink>
+    </a:clrScheme>
+    <a:fontScheme name="Office">
+      <a:majorFont>
+        <a:latin typeface="Calibri Light" panose="020F0302020204030204"/>
+        <a:ea typeface=""/>
+        <a:cs typeface=""/>
+        <a:font script="Jpan" typeface="游ゴシック Light"/>
+        <a:font script="Hang" typeface="맑은 고딕"/>
+        <a:font script="Hans" typeface="等线 Light"/>
+        <a:font script="Hant" typeface="新細明體"/>
+        <a:font script="Arab" typeface="Times New Roman"/>
+        <a:font script="Hebr" typeface="Times New Roman"/>
+        <a:font script="Thai" typeface="Angsana New"/>
+        <a:font script="Ethi" typeface="Nyala"/>
+        <a:font script="Beng" typeface="Vrinda"/>
+        <a:font script="Gujr" typeface="Shruti"/>
+        <a:font script="Khmr" typeface="MoolBoran"/>
+        <a:font script="Knda" typeface="Tunga"/>
+        <a:font script="Guru" typeface="Raavi"/>
+        <a:font script="Cans" typeface="Euphemia"/>
+        <a:font script="Cher" typeface="Plantagenet Cherokee"/>
+        <a:font script="Yiii" typeface="Microsoft Yi Baiti"/>
+        <a:font script="Tibt" typeface="Microsoft Himalaya"/>
+        <a:font script="Thaa" typeface="MV Boli"/>
+        <a:font script="Deva" typeface="Mangal"/>
+        <a:font script="Telu" typeface="Gautami"/>
+        <a:font script="Taml" typeface="Latha"/>
+        <a:font script="Syrc" typeface="Estrangelo Edessa"/>
+        <a:font script="Orya" typeface="Kalinga"/>
+        <a:font script="Mlym" typeface="Kartika"/>
+        <a:font script="Laoo" typeface="DokChampa"/>
+        <a:font script="Sinh" typeface="Iskoola Pota"/>
+        <a:font script="Mong" typeface="Mongolian Baiti"/>
+        <a:font script="Viet" typeface="Times New Roman"/>
+        <a:font script="Uigh" typeface="Microsoft Uighur"/>
+        <a:font script="Geor" typeface="Sylfaen"/>
+        <a:font script="Armn" typeface="Arial"/>
+        <a:font script="Bugi" typeface="Leelawadee UI"/>
+        <a:font script="Bopo" typeface="Microsoft JhengHei"/>
+        <a:font script="Java" typeface="Javanese Text"/>
+        <a:font script="Lisu" typeface="Segoe UI"/>
+        <a:font script="Mymr" typeface="Myanmar Text"/>
+        <a:font script="Nkoo" typeface="Ebrima"/>
+        <a:font script="Olck" typeface="Nirmala UI"/>
+        <a:font script="Osma" typeface="Ebrima"/>
+        <a:font script="Phag" typeface="Phagspa"/>
+        <a:font script="Syrn" typeface="Estrangelo Edessa"/>
+        <a:font script="Syrj" typeface="Estrangelo Edessa"/>
+        <a:font script="Syre" typeface="Estrangelo Edessa"/>
+        <a:font script="Sora" typeface="Nirmala UI"/>
+        <a:font script="Tale" typeface="Microsoft Tai Le"/>
+        <a:font script="Talu" typeface="Microsoft New Tai Lue"/>
+        <a:font script="Tfng" typeface="Ebrima"/>
+      </a:majorFont>
+      <a:minorFont>
+        <a:latin typeface="Calibri" panose="020F0502020204030204"/>
+        <a:ea typeface=""/>
+        <a:cs typeface=""/>
+        <a:font script="Jpan" typeface="游ゴシック"/>
+        <a:font script="Hang" typeface="맑은 고딕"/>
+        <a:font script="Hans" typeface="等线"/>
+        <a:font script="Hant" typeface="新細明體"/>
+        <a:font script="Arab" typeface="Arial"/>
+        <a:font script="Hebr" typeface="Arial"/>
+        <a:font script="Thai" typeface="Cordia New"/>
+        <a:font script="Ethi" typeface="Nyala"/>
+        <a:font script="Beng" typeface="Vrinda"/>
+        <a:font script="Gujr" typeface="Shruti"/>
+        <a:font script="Khmr" typeface="DaunPenh"/>
+        <a:font script="Knda" typeface="Tunga"/>
+        <a:font script="Guru" typeface="Raavi"/>
+        <a:font script="Cans" typeface="Euphemia"/>
+        <a:font script="Cher" typeface="Plantagenet Cherokee"/>
+        <a:font script="Yiii" typeface="Microsoft Yi Baiti"/>
+        <a:font script="Tibt" typeface="Microsoft Himalaya"/>
+        <a:font script="Thaa" typeface="MV Boli"/>
+        <a:font script="Deva" typeface="Mangal"/>
+        <a:font script="Telu" typeface="Gautami"/>
+        <a:font script="Taml" typeface="Latha"/>
+        <a:font script="Syrc" typeface="Estrangelo Edessa"/>
+        <a:font script="Orya" typeface="Kalinga"/>
+        <a:font script="Mlym" typeface="Kartika"/>
+        <a:font script="Laoo" typeface="DokChampa"/>
+        <a:font script="Sinh" typeface="Iskoola Pota"/>
+        <a:font script="Mong" typeface="Mongolian Baiti"/>
+        <a:font script="Viet" typeface="Arial"/>
+        <a:font script="Uigh" typeface="Microsoft Uighur"/>
+        <a:font script="Geor" typeface="Sylfaen"/>
+        <a:font script="Armn" typeface="Arial"/>
+        <a:font script="Bugi" typeface="Leelawadee UI"/>
+        <a:font script="Bopo" typeface="Microsoft JhengHei"/>
+        <a:font script="Java" typeface="Javanese Text"/>
+        <a:font script="Lisu" typeface="Segoe UI"/>
+        <a:font script="Mymr" typeface="Myanmar Text"/>
+        <a:font script="Nkoo" typeface="Ebrima"/>
+        <a:font script="Olck" typeface="Nirmala UI"/>
+        <a:font script="Osma" typeface="Ebrima"/>
+        <a:font script="Phag" typeface="Phagspa"/>
+        <a:font script="Syrn" typeface="Estrangelo Edessa"/>
+        <a:font script="Syrj" typeface="Estrangelo Edessa"/>
+        <a:font script="Syre" typeface="Estrangelo Edessa"/>
+        <a:font script="Sora" typeface="Nirmala UI"/>
+        <a:font script="Tale" typeface="Microsoft Tai Le"/>
+        <a:font script="Talu" typeface="Microsoft New Tai Lue"/>
+        <a:font script="Tfng" typeface="Ebrima"/>
+      </a:minorFont>
+    </a:fontScheme>
+    <a:fmtScheme name="Office">
+      <a:fillStyleLst>
+        <a:solidFill>
+          <a:schemeClr val="phClr"/>
+        </a:solidFill>
+        <a:gradFill rotWithShape="1">
+          <a:gsLst>
+            <a:gs pos="0">
+              <a:schemeClr val="phClr">
+                <a:lumMod val="110000"/>
+                <a:satMod val="105000"/>
+                <a:tint val="67000"/>
+              </a:schemeClr>
+            </a:gs>
+            <a:gs pos="50000">
+              <a:schemeClr val="phClr">
+                <a:lumMod val="105000"/>
+                <a:satMod val="103000"/>
+                <a:tint val="73000"/>
+              </a:schemeClr>
+            </a:gs>
+            <a:gs pos="100000">
+              <a:schemeClr val="phClr">
+                <a:lumMod val="105000"/>
+                <a:satMod val="109000"/>
+                <a:tint val="81000"/>
+              </a:schemeClr>
+            </a:gs>
+          </a:gsLst>
+          <a:lin ang="5400000" scaled="0"/>
+        </a:gradFill>
+        <a:gradFill rotWithShape="1">
+          <a:gsLst>
+            <a:gs pos="0">
+              <a:schemeClr val="phClr">
+                <a:satMod val="103000"/>
+                <a:lumMod val="102000"/>
+                <a:tint val="94000"/>
+              </a:schemeClr>
+            </a:gs>
+            <a:gs pos="50000">
+              <a:schemeClr val="phClr">
+                <a:satMod val="110000"/>
+                <a:lumMod val="100000"/>
+                <a:shade val="100000"/>
+              </a:schemeClr>
+            </a:gs>
+            <a:gs pos="100000">
+              <a:schemeClr val="phClr">
+                <a:lumMod val="99000"/>
+                <a:satMod val="120000"/>
+                <a:shade val="78000"/>
+              </a:schemeClr>
+            </a:gs>
+          </a:gsLst>
+          <a:lin ang="5400000" scaled="0"/>
+        </a:gradFill>
+      </a:fillStyleLst>
+      <a:lnStyleLst>
+        <a:ln w="6350" cap="flat" cmpd="sng" algn="ctr">
+          <a:solidFill>
+            <a:schemeClr val="phClr"/>
+          </a:solidFill>
+          <a:prstDash val="solid"/>
+          <a:miter lim="800000"/>
+        </a:ln>
+        <a:ln w="12700" cap="flat" cmpd="sng" algn="ctr">
+          <a:solidFill>
+            <a:schemeClr val="phClr"/>
+          </a:solidFill>
+          <a:prstDash val="solid"/>
+          <a:miter lim="800000"/>
+        </a:ln>
+        <a:ln w="19050" cap="flat" cmpd="sng" algn="ctr">
+          <a:solidFill>
+            <a:schemeClr val="phClr"/>
+          </a:solidFill>
+          <a:prstDash val="solid"/>
+          <a:miter lim="800000"/>
+        </a:ln>
+      </a:lnStyleLst>
+      <a:effectStyleLst>
+        <a:effectStyle>
+          <a:effectLst/>
+        </a:effectStyle>
+        <a:effectStyle>
+          <a:effectLst/>
+        </a:effectStyle>
+        <a:effectStyle>
+          <a:effectLst>
+            <a:outerShdw blurRad="57150" dist="19050" dir="5400000" algn="ctr" rotWithShape="0">
+              <a:srgbClr val="000000">
+                <a:alpha val="63000"/>
+              </a:srgbClr>
+            </a:outerShdw>
+          </a:effectLst>
+        </a:effectStyle>
+      </a:effectStyleLst>
+      <a:bgFillStyleLst>
+        <a:solidFill>
+          <a:schemeClr val="phClr"/>
+        </a:solidFill>
+        <a:solidFill>
+          <a:schemeClr val="phClr">
+            <a:tint val="95000"/>
+            <a:satMod val="170000"/>
+          </a:schemeClr>
+        </a:solidFill>
+        <a:gradFill rotWithShape="1">
+          <a:gsLst>
+            <a:gs pos="0">
+              <a:schemeClr val="phClr">
+                <a:tint val="93000"/>
+                <a:satMod val="150000"/>
+                <a:shade val="98000"/>
+                <a:lumMod val="102000"/>
+              </a:schemeClr>
+            </a:gs>
+            <a:gs pos="50000">
+              <a:schemeClr val="phClr">
+                <a:tint val="98000"/>
+                <a:satMod val="130000"/>
+                <a:shade val="90000"/>
+                <a:lumMod val="103000"/>
+              </a:schemeClr>
+            </a:gs>
+            <a:gs pos="100000">
+              <a:schemeClr val="phClr">
+                <a:shade val="63000"/>
+                <a:satMod val="120000"/>
+              </a:schemeClr>
+            </a:gs>
+          </a:gsLst>
+          <a:lin ang="5400000" scaled="0"/>
+        </a:gradFill>
+      </a:bgFillStyleLst>
+    </a:fmtScheme>
+  </a:themeElements>
+  <a:objectDefaults/>
+  <a:extraClrSchemeLst/>
+  <a:extLst>
+    <a:ext uri="{05A4C25C-085E-4340-85A3-A5531E510DB2}">
+      <thm15:themeFamily xmlns:thm15="http://schemas.microsoft.com/office/thememl/2012/main" name="Office Theme" id="{62F939B6-93AF-4DB8-9C6B-D6C7DFDC589F}" vid="{4A3C46E8-61CC-4603-A589-7422A47A8E4A}"/>
+    </a:ext>
+  </a:extLst>
+</a:theme>
 </file>
--- a/doc/designDoc.pptx
+++ b/doc/designDoc.pptx
@@ -5,13 +5,14 @@
     <p:sldMasterId id="2147483648" r:id="rId1"/>
   </p:sldMasterIdLst>
   <p:notesMasterIdLst>
-    <p:notesMasterId r:id="rId6"/>
+    <p:notesMasterId r:id="rId7"/>
   </p:notesMasterIdLst>
   <p:sldIdLst>
     <p:sldId id="256" r:id="rId2"/>
     <p:sldId id="257" r:id="rId3"/>
     <p:sldId id="258" r:id="rId4"/>
     <p:sldId id="259" r:id="rId5"/>
+    <p:sldId id="260" r:id="rId6"/>
   </p:sldIdLst>
   <p:sldSz cx="12192000" cy="6858000"/>
   <p:notesSz cx="6858000" cy="9144000"/>
@@ -200,7 +201,7 @@
           <a:p>
             <a:fld id="{2BA6DB02-48BF-406A-9449-0BBAAE1D3FCC}" type="datetimeFigureOut">
               <a:rPr lang="en-SG" smtClean="0"/>
-              <a:t>4/1/2023</a:t>
+              <a:t>9/1/2023</a:t>
             </a:fld>
             <a:endParaRPr lang="en-SG" dirty="0"/>
           </a:p>
@@ -701,7 +702,7 @@
           <a:p>
             <a:fld id="{568D23B1-6EF9-4DFF-A006-F22E70A73051}" type="datetimeFigureOut">
               <a:rPr lang="en-SG" smtClean="0"/>
-              <a:t>4/1/2023</a:t>
+              <a:t>9/1/2023</a:t>
             </a:fld>
             <a:endParaRPr lang="en-SG" dirty="0"/>
           </a:p>
@@ -901,7 +902,7 @@
           <a:p>
             <a:fld id="{568D23B1-6EF9-4DFF-A006-F22E70A73051}" type="datetimeFigureOut">
               <a:rPr lang="en-SG" smtClean="0"/>
-              <a:t>4/1/2023</a:t>
+              <a:t>9/1/2023</a:t>
             </a:fld>
             <a:endParaRPr lang="en-SG" dirty="0"/>
           </a:p>
@@ -1111,7 +1112,7 @@
           <a:p>
             <a:fld id="{568D23B1-6EF9-4DFF-A006-F22E70A73051}" type="datetimeFigureOut">
               <a:rPr lang="en-SG" smtClean="0"/>
-              <a:t>4/1/2023</a:t>
+              <a:t>9/1/2023</a:t>
             </a:fld>
             <a:endParaRPr lang="en-SG" dirty="0"/>
           </a:p>
@@ -1311,7 +1312,7 @@
           <a:p>
             <a:fld id="{568D23B1-6EF9-4DFF-A006-F22E70A73051}" type="datetimeFigureOut">
               <a:rPr lang="en-SG" smtClean="0"/>
-              <a:t>4/1/2023</a:t>
+              <a:t>9/1/2023</a:t>
             </a:fld>
             <a:endParaRPr lang="en-SG" dirty="0"/>
           </a:p>
@@ -1587,7 +1588,7 @@
           <a:p>
             <a:fld id="{568D23B1-6EF9-4DFF-A006-F22E70A73051}" type="datetimeFigureOut">
               <a:rPr lang="en-SG" smtClean="0"/>
-              <a:t>4/1/2023</a:t>
+              <a:t>9/1/2023</a:t>
             </a:fld>
             <a:endParaRPr lang="en-SG" dirty="0"/>
           </a:p>
@@ -1855,7 +1856,7 @@
           <a:p>
             <a:fld id="{568D23B1-6EF9-4DFF-A006-F22E70A73051}" type="datetimeFigureOut">
               <a:rPr lang="en-SG" smtClean="0"/>
-              <a:t>4/1/2023</a:t>
+              <a:t>9/1/2023</a:t>
             </a:fld>
             <a:endParaRPr lang="en-SG" dirty="0"/>
           </a:p>
@@ -2270,7 +2271,7 @@
           <a:p>
             <a:fld id="{568D23B1-6EF9-4DFF-A006-F22E70A73051}" type="datetimeFigureOut">
               <a:rPr lang="en-SG" smtClean="0"/>
-              <a:t>4/1/2023</a:t>
+              <a:t>9/1/2023</a:t>
             </a:fld>
             <a:endParaRPr lang="en-SG" dirty="0"/>
           </a:p>
@@ -2412,7 +2413,7 @@
           <a:p>
             <a:fld id="{568D23B1-6EF9-4DFF-A006-F22E70A73051}" type="datetimeFigureOut">
               <a:rPr lang="en-SG" smtClean="0"/>
-              <a:t>4/1/2023</a:t>
+              <a:t>9/1/2023</a:t>
             </a:fld>
             <a:endParaRPr lang="en-SG" dirty="0"/>
           </a:p>
@@ -2525,7 +2526,7 @@
           <a:p>
             <a:fld id="{568D23B1-6EF9-4DFF-A006-F22E70A73051}" type="datetimeFigureOut">
               <a:rPr lang="en-SG" smtClean="0"/>
-              <a:t>4/1/2023</a:t>
+              <a:t>9/1/2023</a:t>
             </a:fld>
             <a:endParaRPr lang="en-SG" dirty="0"/>
           </a:p>
@@ -2838,7 +2839,7 @@
           <a:p>
             <a:fld id="{568D23B1-6EF9-4DFF-A006-F22E70A73051}" type="datetimeFigureOut">
               <a:rPr lang="en-SG" smtClean="0"/>
-              <a:t>4/1/2023</a:t>
+              <a:t>9/1/2023</a:t>
             </a:fld>
             <a:endParaRPr lang="en-SG" dirty="0"/>
           </a:p>
@@ -3127,7 +3128,7 @@
           <a:p>
             <a:fld id="{568D23B1-6EF9-4DFF-A006-F22E70A73051}" type="datetimeFigureOut">
               <a:rPr lang="en-SG" smtClean="0"/>
-              <a:t>4/1/2023</a:t>
+              <a:t>9/1/2023</a:t>
             </a:fld>
             <a:endParaRPr lang="en-SG" dirty="0"/>
           </a:p>
@@ -3370,7 +3371,7 @@
           <a:p>
             <a:fld id="{568D23B1-6EF9-4DFF-A006-F22E70A73051}" type="datetimeFigureOut">
               <a:rPr lang="en-SG" smtClean="0"/>
-              <a:t>4/1/2023</a:t>
+              <a:t>9/1/2023</a:t>
             </a:fld>
             <a:endParaRPr lang="en-SG" dirty="0"/>
           </a:p>
@@ -12078,6 +12079,5101 @@
 </p:sld>
 </file>
 
+<file path=ppt/slides/slide5.xml><?xml version="1.0" encoding="utf-8"?>
+<p:sld xmlns:a="http://schemas.openxmlformats.org/drawingml/2006/main" xmlns:r="http://schemas.openxmlformats.org/officeDocument/2006/relationships" xmlns:p="http://schemas.openxmlformats.org/presentationml/2006/main">
+  <p:cSld>
+    <p:spTree>
+      <p:nvGrpSpPr>
+        <p:cNvPr id="1" name=""/>
+        <p:cNvGrpSpPr/>
+        <p:nvPr/>
+      </p:nvGrpSpPr>
+      <p:grpSpPr>
+        <a:xfrm>
+          <a:off x="0" y="0"/>
+          <a:ext cx="0" cy="0"/>
+          <a:chOff x="0" y="0"/>
+          <a:chExt cx="0" cy="0"/>
+        </a:xfrm>
+      </p:grpSpPr>
+      <p:sp>
+        <p:nvSpPr>
+          <p:cNvPr id="4" name="Rectangle 3">
+            <a:extLst>
+              <a:ext uri="{FF2B5EF4-FFF2-40B4-BE49-F238E27FC236}">
+                <a16:creationId xmlns:a16="http://schemas.microsoft.com/office/drawing/2014/main" id="{A3082564-E487-A678-F2FE-8562D205CA93}"/>
+              </a:ext>
+            </a:extLst>
+          </p:cNvPr>
+          <p:cNvSpPr/>
+          <p:nvPr/>
+        </p:nvSpPr>
+        <p:spPr>
+          <a:xfrm>
+            <a:off x="2012672" y="566013"/>
+            <a:ext cx="1138032" cy="427896"/>
+          </a:xfrm>
+          <a:prstGeom prst="rect">
+            <a:avLst/>
+          </a:prstGeom>
+        </p:spPr>
+        <p:style>
+          <a:lnRef idx="2">
+            <a:schemeClr val="accent1">
+              <a:shade val="50000"/>
+            </a:schemeClr>
+          </a:lnRef>
+          <a:fillRef idx="1">
+            <a:schemeClr val="accent1"/>
+          </a:fillRef>
+          <a:effectRef idx="0">
+            <a:schemeClr val="accent1"/>
+          </a:effectRef>
+          <a:fontRef idx="minor">
+            <a:schemeClr val="lt1"/>
+          </a:fontRef>
+        </p:style>
+        <p:txBody>
+          <a:bodyPr rtlCol="0" anchor="ctr"/>
+          <a:lstStyle/>
+          <a:p>
+            <a:r>
+              <a:rPr lang="en-US" sz="1200" dirty="0"/>
+              <a:t>User Action Emulator </a:t>
+            </a:r>
+            <a:r>
+              <a:rPr lang="en-US" sz="1200" dirty="0" err="1"/>
+              <a:t>init</a:t>
+            </a:r>
+            <a:endParaRPr lang="en-SG" sz="1200" dirty="0"/>
+          </a:p>
+        </p:txBody>
+      </p:sp>
+      <p:cxnSp>
+        <p:nvCxnSpPr>
+          <p:cNvPr id="6" name="Straight Arrow Connector 5">
+            <a:extLst>
+              <a:ext uri="{FF2B5EF4-FFF2-40B4-BE49-F238E27FC236}">
+                <a16:creationId xmlns:a16="http://schemas.microsoft.com/office/drawing/2014/main" id="{A1A583B6-6627-B57A-E47D-74BC5D2D149A}"/>
+              </a:ext>
+            </a:extLst>
+          </p:cNvPr>
+          <p:cNvCxnSpPr>
+            <a:cxnSpLocks/>
+            <a:stCxn id="4" idx="2"/>
+            <a:endCxn id="8" idx="0"/>
+          </p:cNvCxnSpPr>
+          <p:nvPr/>
+        </p:nvCxnSpPr>
+        <p:spPr>
+          <a:xfrm>
+            <a:off x="2581688" y="993909"/>
+            <a:ext cx="0" cy="561817"/>
+          </a:xfrm>
+          <a:prstGeom prst="straightConnector1">
+            <a:avLst/>
+          </a:prstGeom>
+          <a:ln w="19050">
+            <a:prstDash val="sysDash"/>
+            <a:tailEnd type="triangle"/>
+          </a:ln>
+        </p:spPr>
+        <p:style>
+          <a:lnRef idx="1">
+            <a:schemeClr val="accent1"/>
+          </a:lnRef>
+          <a:fillRef idx="0">
+            <a:schemeClr val="accent1"/>
+          </a:fillRef>
+          <a:effectRef idx="0">
+            <a:schemeClr val="accent1"/>
+          </a:effectRef>
+          <a:fontRef idx="minor">
+            <a:schemeClr val="tx1"/>
+          </a:fontRef>
+        </p:style>
+      </p:cxnSp>
+      <p:sp>
+        <p:nvSpPr>
+          <p:cNvPr id="8" name="Rectangle 7">
+            <a:extLst>
+              <a:ext uri="{FF2B5EF4-FFF2-40B4-BE49-F238E27FC236}">
+                <a16:creationId xmlns:a16="http://schemas.microsoft.com/office/drawing/2014/main" id="{A58AB3A9-5496-B476-A106-8395E131B10F}"/>
+              </a:ext>
+            </a:extLst>
+          </p:cNvPr>
+          <p:cNvSpPr/>
+          <p:nvPr/>
+        </p:nvSpPr>
+        <p:spPr>
+          <a:xfrm>
+            <a:off x="2012672" y="1555726"/>
+            <a:ext cx="1138032" cy="427896"/>
+          </a:xfrm>
+          <a:prstGeom prst="rect">
+            <a:avLst/>
+          </a:prstGeom>
+        </p:spPr>
+        <p:style>
+          <a:lnRef idx="2">
+            <a:schemeClr val="accent1">
+              <a:shade val="50000"/>
+            </a:schemeClr>
+          </a:lnRef>
+          <a:fillRef idx="1">
+            <a:schemeClr val="accent1"/>
+          </a:fillRef>
+          <a:effectRef idx="0">
+            <a:schemeClr val="accent1"/>
+          </a:effectRef>
+          <a:fontRef idx="minor">
+            <a:schemeClr val="lt1"/>
+          </a:fontRef>
+        </p:style>
+        <p:txBody>
+          <a:bodyPr rtlCol="0" anchor="ctr"/>
+          <a:lstStyle/>
+          <a:p>
+            <a:r>
+              <a:rPr lang="en-US" sz="1200" dirty="0"/>
+              <a:t>User Action Scheduler</a:t>
+            </a:r>
+            <a:endParaRPr lang="en-SG" sz="1200" dirty="0"/>
+          </a:p>
+        </p:txBody>
+      </p:sp>
+      <p:cxnSp>
+        <p:nvCxnSpPr>
+          <p:cNvPr id="11" name="Connector: Elbow 10">
+            <a:extLst>
+              <a:ext uri="{FF2B5EF4-FFF2-40B4-BE49-F238E27FC236}">
+                <a16:creationId xmlns:a16="http://schemas.microsoft.com/office/drawing/2014/main" id="{4DB1C809-ABFC-6E11-0A20-735ABFD11879}"/>
+              </a:ext>
+            </a:extLst>
+          </p:cNvPr>
+          <p:cNvCxnSpPr>
+            <a:cxnSpLocks/>
+            <a:endCxn id="12" idx="0"/>
+          </p:cNvCxnSpPr>
+          <p:nvPr/>
+        </p:nvCxnSpPr>
+        <p:spPr>
+          <a:xfrm>
+            <a:off x="2593497" y="1254996"/>
+            <a:ext cx="3745174" cy="625235"/>
+          </a:xfrm>
+          <a:prstGeom prst="bentConnector2">
+            <a:avLst/>
+          </a:prstGeom>
+          <a:ln w="19050">
+            <a:prstDash val="sysDash"/>
+            <a:tailEnd type="triangle"/>
+          </a:ln>
+        </p:spPr>
+        <p:style>
+          <a:lnRef idx="1">
+            <a:schemeClr val="accent1"/>
+          </a:lnRef>
+          <a:fillRef idx="0">
+            <a:schemeClr val="accent1"/>
+          </a:fillRef>
+          <a:effectRef idx="0">
+            <a:schemeClr val="accent1"/>
+          </a:effectRef>
+          <a:fontRef idx="minor">
+            <a:schemeClr val="tx1"/>
+          </a:fontRef>
+        </p:style>
+      </p:cxnSp>
+      <p:sp>
+        <p:nvSpPr>
+          <p:cNvPr id="12" name="Rectangle 11">
+            <a:extLst>
+              <a:ext uri="{FF2B5EF4-FFF2-40B4-BE49-F238E27FC236}">
+                <a16:creationId xmlns:a16="http://schemas.microsoft.com/office/drawing/2014/main" id="{5388C7C6-E60A-7891-DD15-CA213FFF0096}"/>
+              </a:ext>
+            </a:extLst>
+          </p:cNvPr>
+          <p:cNvSpPr/>
+          <p:nvPr/>
+        </p:nvSpPr>
+        <p:spPr>
+          <a:xfrm>
+            <a:off x="5769655" y="1880231"/>
+            <a:ext cx="1138032" cy="427896"/>
+          </a:xfrm>
+          <a:prstGeom prst="rect">
+            <a:avLst/>
+          </a:prstGeom>
+        </p:spPr>
+        <p:style>
+          <a:lnRef idx="2">
+            <a:schemeClr val="accent1">
+              <a:shade val="50000"/>
+            </a:schemeClr>
+          </a:lnRef>
+          <a:fillRef idx="1">
+            <a:schemeClr val="accent1"/>
+          </a:fillRef>
+          <a:effectRef idx="0">
+            <a:schemeClr val="accent1"/>
+          </a:effectRef>
+          <a:fontRef idx="minor">
+            <a:schemeClr val="lt1"/>
+          </a:fontRef>
+        </p:style>
+        <p:txBody>
+          <a:bodyPr rtlCol="0" anchor="ctr"/>
+          <a:lstStyle/>
+          <a:p>
+            <a:r>
+              <a:rPr lang="en-US" sz="1200" dirty="0"/>
+              <a:t>Action monitor </a:t>
+            </a:r>
+            <a:endParaRPr lang="en-SG" sz="1200" dirty="0"/>
+          </a:p>
+        </p:txBody>
+      </p:sp>
+      <p:sp>
+        <p:nvSpPr>
+          <p:cNvPr id="20" name="Rectangle 19">
+            <a:extLst>
+              <a:ext uri="{FF2B5EF4-FFF2-40B4-BE49-F238E27FC236}">
+                <a16:creationId xmlns:a16="http://schemas.microsoft.com/office/drawing/2014/main" id="{9D34145A-A53C-1850-71AF-584CC0D34E3E}"/>
+              </a:ext>
+            </a:extLst>
+          </p:cNvPr>
+          <p:cNvSpPr/>
+          <p:nvPr/>
+        </p:nvSpPr>
+        <p:spPr>
+          <a:xfrm>
+            <a:off x="763655" y="2633866"/>
+            <a:ext cx="1138032" cy="427896"/>
+          </a:xfrm>
+          <a:prstGeom prst="rect">
+            <a:avLst/>
+          </a:prstGeom>
+        </p:spPr>
+        <p:style>
+          <a:lnRef idx="2">
+            <a:schemeClr val="accent1">
+              <a:shade val="50000"/>
+            </a:schemeClr>
+          </a:lnRef>
+          <a:fillRef idx="1">
+            <a:schemeClr val="accent1"/>
+          </a:fillRef>
+          <a:effectRef idx="0">
+            <a:schemeClr val="accent1"/>
+          </a:effectRef>
+          <a:fontRef idx="minor">
+            <a:schemeClr val="lt1"/>
+          </a:fontRef>
+        </p:style>
+        <p:txBody>
+          <a:bodyPr rtlCol="0" anchor="ctr"/>
+          <a:lstStyle/>
+          <a:p>
+            <a:r>
+              <a:rPr lang="en-US" sz="1200" dirty="0"/>
+              <a:t>Random Action Handler </a:t>
+            </a:r>
+            <a:endParaRPr lang="en-SG" sz="1200" dirty="0"/>
+          </a:p>
+        </p:txBody>
+      </p:sp>
+      <p:sp>
+        <p:nvSpPr>
+          <p:cNvPr id="21" name="Rectangle 20">
+            <a:extLst>
+              <a:ext uri="{FF2B5EF4-FFF2-40B4-BE49-F238E27FC236}">
+                <a16:creationId xmlns:a16="http://schemas.microsoft.com/office/drawing/2014/main" id="{759A0561-D957-5E20-9735-87443AF21805}"/>
+              </a:ext>
+            </a:extLst>
+          </p:cNvPr>
+          <p:cNvSpPr/>
+          <p:nvPr/>
+        </p:nvSpPr>
+        <p:spPr>
+          <a:xfrm>
+            <a:off x="2194888" y="2643805"/>
+            <a:ext cx="1138032" cy="427896"/>
+          </a:xfrm>
+          <a:prstGeom prst="rect">
+            <a:avLst/>
+          </a:prstGeom>
+        </p:spPr>
+        <p:style>
+          <a:lnRef idx="2">
+            <a:schemeClr val="accent1">
+              <a:shade val="50000"/>
+            </a:schemeClr>
+          </a:lnRef>
+          <a:fillRef idx="1">
+            <a:schemeClr val="accent1"/>
+          </a:fillRef>
+          <a:effectRef idx="0">
+            <a:schemeClr val="accent1"/>
+          </a:effectRef>
+          <a:fontRef idx="minor">
+            <a:schemeClr val="lt1"/>
+          </a:fontRef>
+        </p:style>
+        <p:txBody>
+          <a:bodyPr rtlCol="0" anchor="ctr"/>
+          <a:lstStyle/>
+          <a:p>
+            <a:r>
+              <a:rPr lang="en-US" sz="1200" dirty="0"/>
+              <a:t>Daily Action Handler </a:t>
+            </a:r>
+            <a:endParaRPr lang="en-SG" sz="1200" dirty="0"/>
+          </a:p>
+        </p:txBody>
+      </p:sp>
+      <p:cxnSp>
+        <p:nvCxnSpPr>
+          <p:cNvPr id="23" name="Straight Arrow Connector 22">
+            <a:extLst>
+              <a:ext uri="{FF2B5EF4-FFF2-40B4-BE49-F238E27FC236}">
+                <a16:creationId xmlns:a16="http://schemas.microsoft.com/office/drawing/2014/main" id="{718AFD6A-12F8-D9C7-EF18-AFFF32EF65CB}"/>
+              </a:ext>
+            </a:extLst>
+          </p:cNvPr>
+          <p:cNvCxnSpPr>
+            <a:stCxn id="8" idx="2"/>
+          </p:cNvCxnSpPr>
+          <p:nvPr/>
+        </p:nvCxnSpPr>
+        <p:spPr>
+          <a:xfrm>
+            <a:off x="2581688" y="1983622"/>
+            <a:ext cx="0" cy="650244"/>
+          </a:xfrm>
+          <a:prstGeom prst="straightConnector1">
+            <a:avLst/>
+          </a:prstGeom>
+          <a:ln w="19050">
+            <a:prstDash val="sysDash"/>
+            <a:tailEnd type="triangle"/>
+          </a:ln>
+        </p:spPr>
+        <p:style>
+          <a:lnRef idx="1">
+            <a:schemeClr val="accent1"/>
+          </a:lnRef>
+          <a:fillRef idx="0">
+            <a:schemeClr val="accent1"/>
+          </a:fillRef>
+          <a:effectRef idx="0">
+            <a:schemeClr val="accent1"/>
+          </a:effectRef>
+          <a:fontRef idx="minor">
+            <a:schemeClr val="tx1"/>
+          </a:fontRef>
+        </p:style>
+      </p:cxnSp>
+      <p:cxnSp>
+        <p:nvCxnSpPr>
+          <p:cNvPr id="25" name="Connector: Elbow 24">
+            <a:extLst>
+              <a:ext uri="{FF2B5EF4-FFF2-40B4-BE49-F238E27FC236}">
+                <a16:creationId xmlns:a16="http://schemas.microsoft.com/office/drawing/2014/main" id="{79ABEC30-37FB-45CD-F584-E217D7E98DF2}"/>
+              </a:ext>
+            </a:extLst>
+          </p:cNvPr>
+          <p:cNvCxnSpPr>
+            <a:cxnSpLocks/>
+            <a:stCxn id="8" idx="1"/>
+            <a:endCxn id="20" idx="0"/>
+          </p:cNvCxnSpPr>
+          <p:nvPr/>
+        </p:nvCxnSpPr>
+        <p:spPr>
+          <a:xfrm rot="10800000" flipV="1">
+            <a:off x="1332672" y="1769674"/>
+            <a:ext cx="680001" cy="864192"/>
+          </a:xfrm>
+          <a:prstGeom prst="bentConnector2">
+            <a:avLst/>
+          </a:prstGeom>
+          <a:ln w="19050">
+            <a:prstDash val="sysDash"/>
+            <a:tailEnd type="triangle"/>
+          </a:ln>
+        </p:spPr>
+        <p:style>
+          <a:lnRef idx="1">
+            <a:schemeClr val="accent1"/>
+          </a:lnRef>
+          <a:fillRef idx="0">
+            <a:schemeClr val="accent1"/>
+          </a:fillRef>
+          <a:effectRef idx="0">
+            <a:schemeClr val="accent1"/>
+          </a:effectRef>
+          <a:fontRef idx="minor">
+            <a:schemeClr val="tx1"/>
+          </a:fontRef>
+        </p:style>
+      </p:cxnSp>
+      <p:sp>
+        <p:nvSpPr>
+          <p:cNvPr id="27" name="Rectangle 26">
+            <a:extLst>
+              <a:ext uri="{FF2B5EF4-FFF2-40B4-BE49-F238E27FC236}">
+                <a16:creationId xmlns:a16="http://schemas.microsoft.com/office/drawing/2014/main" id="{5BECB53C-68AB-32F3-C343-CDA0586C8D08}"/>
+              </a:ext>
+            </a:extLst>
+          </p:cNvPr>
+          <p:cNvSpPr/>
+          <p:nvPr/>
+        </p:nvSpPr>
+        <p:spPr>
+          <a:xfrm>
+            <a:off x="3609555" y="2643805"/>
+            <a:ext cx="1138032" cy="427896"/>
+          </a:xfrm>
+          <a:prstGeom prst="rect">
+            <a:avLst/>
+          </a:prstGeom>
+        </p:spPr>
+        <p:style>
+          <a:lnRef idx="2">
+            <a:schemeClr val="accent1">
+              <a:shade val="50000"/>
+            </a:schemeClr>
+          </a:lnRef>
+          <a:fillRef idx="1">
+            <a:schemeClr val="accent1"/>
+          </a:fillRef>
+          <a:effectRef idx="0">
+            <a:schemeClr val="accent1"/>
+          </a:effectRef>
+          <a:fontRef idx="minor">
+            <a:schemeClr val="lt1"/>
+          </a:fontRef>
+        </p:style>
+        <p:txBody>
+          <a:bodyPr rtlCol="0" anchor="ctr"/>
+          <a:lstStyle/>
+          <a:p>
+            <a:r>
+              <a:rPr lang="en-US" sz="1200" dirty="0"/>
+              <a:t>Weekly Action Handler </a:t>
+            </a:r>
+            <a:endParaRPr lang="en-SG" sz="1200" dirty="0"/>
+          </a:p>
+        </p:txBody>
+      </p:sp>
+      <p:cxnSp>
+        <p:nvCxnSpPr>
+          <p:cNvPr id="28" name="Connector: Elbow 27">
+            <a:extLst>
+              <a:ext uri="{FF2B5EF4-FFF2-40B4-BE49-F238E27FC236}">
+                <a16:creationId xmlns:a16="http://schemas.microsoft.com/office/drawing/2014/main" id="{F1D7F073-233C-03CF-2793-9484BF93AD2C}"/>
+              </a:ext>
+            </a:extLst>
+          </p:cNvPr>
+          <p:cNvCxnSpPr>
+            <a:cxnSpLocks/>
+            <a:stCxn id="8" idx="3"/>
+            <a:endCxn id="27" idx="0"/>
+          </p:cNvCxnSpPr>
+          <p:nvPr/>
+        </p:nvCxnSpPr>
+        <p:spPr>
+          <a:xfrm>
+            <a:off x="3150704" y="1769674"/>
+            <a:ext cx="1027867" cy="874131"/>
+          </a:xfrm>
+          <a:prstGeom prst="bentConnector2">
+            <a:avLst/>
+          </a:prstGeom>
+          <a:ln w="19050">
+            <a:prstDash val="sysDash"/>
+            <a:tailEnd type="triangle"/>
+          </a:ln>
+        </p:spPr>
+        <p:style>
+          <a:lnRef idx="1">
+            <a:schemeClr val="accent1"/>
+          </a:lnRef>
+          <a:fillRef idx="0">
+            <a:schemeClr val="accent1"/>
+          </a:fillRef>
+          <a:effectRef idx="0">
+            <a:schemeClr val="accent1"/>
+          </a:effectRef>
+          <a:fontRef idx="minor">
+            <a:schemeClr val="tx1"/>
+          </a:fontRef>
+        </p:style>
+      </p:cxnSp>
+      <p:sp>
+        <p:nvSpPr>
+          <p:cNvPr id="32" name="TextBox 31">
+            <a:extLst>
+              <a:ext uri="{FF2B5EF4-FFF2-40B4-BE49-F238E27FC236}">
+                <a16:creationId xmlns:a16="http://schemas.microsoft.com/office/drawing/2014/main" id="{6C1E3A4F-2BA1-2EB6-C96F-8D8907962051}"/>
+              </a:ext>
+            </a:extLst>
+          </p:cNvPr>
+          <p:cNvSpPr txBox="1"/>
+          <p:nvPr/>
+        </p:nvSpPr>
+        <p:spPr>
+          <a:xfrm>
+            <a:off x="347869" y="1924023"/>
+            <a:ext cx="1685929" cy="769441"/>
+          </a:xfrm>
+          <a:prstGeom prst="rect">
+            <a:avLst/>
+          </a:prstGeom>
+          <a:noFill/>
+        </p:spPr>
+        <p:txBody>
+          <a:bodyPr wrap="square" rtlCol="0">
+            <a:spAutoFit/>
+          </a:bodyPr>
+          <a:lstStyle/>
+          <a:p>
+            <a:r>
+              <a:rPr lang="en-US" sz="1100" b="1" dirty="0"/>
+              <a:t>Random/conditional/flexible  action process</a:t>
+            </a:r>
+          </a:p>
+          <a:p>
+            <a:r>
+              <a:rPr lang="en-US" sz="1100" b="1" dirty="0">
+                <a:solidFill>
+                  <a:schemeClr val="accent6">
+                    <a:lumMod val="75000"/>
+                  </a:schemeClr>
+                </a:solidFill>
+              </a:rPr>
+              <a:t>Priority: low</a:t>
+            </a:r>
+          </a:p>
+          <a:p>
+            <a:endParaRPr lang="en-SG" sz="1100" b="1" dirty="0"/>
+          </a:p>
+        </p:txBody>
+      </p:sp>
+      <p:sp>
+        <p:nvSpPr>
+          <p:cNvPr id="33" name="TextBox 32">
+            <a:extLst>
+              <a:ext uri="{FF2B5EF4-FFF2-40B4-BE49-F238E27FC236}">
+                <a16:creationId xmlns:a16="http://schemas.microsoft.com/office/drawing/2014/main" id="{99E53A7F-DAB4-8A9A-0D7D-DD57A69AA367}"/>
+              </a:ext>
+            </a:extLst>
+          </p:cNvPr>
+          <p:cNvSpPr txBox="1"/>
+          <p:nvPr/>
+        </p:nvSpPr>
+        <p:spPr>
+          <a:xfrm>
+            <a:off x="2583331" y="2044463"/>
+            <a:ext cx="1200992" cy="769441"/>
+          </a:xfrm>
+          <a:prstGeom prst="rect">
+            <a:avLst/>
+          </a:prstGeom>
+          <a:noFill/>
+        </p:spPr>
+        <p:txBody>
+          <a:bodyPr wrap="square" rtlCol="0">
+            <a:spAutoFit/>
+          </a:bodyPr>
+          <a:lstStyle/>
+          <a:p>
+            <a:r>
+              <a:rPr lang="en-US" sz="1100" b="1" dirty="0"/>
+              <a:t>Timeline based action process</a:t>
+            </a:r>
+          </a:p>
+          <a:p>
+            <a:r>
+              <a:rPr lang="en-US" sz="1100" b="1" dirty="0">
+                <a:solidFill>
+                  <a:schemeClr val="accent4"/>
+                </a:solidFill>
+              </a:rPr>
+              <a:t>Priority: mid </a:t>
+            </a:r>
+          </a:p>
+          <a:p>
+            <a:endParaRPr lang="en-SG" sz="1100" b="1" dirty="0"/>
+          </a:p>
+        </p:txBody>
+      </p:sp>
+      <p:sp>
+        <p:nvSpPr>
+          <p:cNvPr id="34" name="TextBox 33">
+            <a:extLst>
+              <a:ext uri="{FF2B5EF4-FFF2-40B4-BE49-F238E27FC236}">
+                <a16:creationId xmlns:a16="http://schemas.microsoft.com/office/drawing/2014/main" id="{A824273D-11DD-C7DE-24F4-6C1A0477B57B}"/>
+              </a:ext>
+            </a:extLst>
+          </p:cNvPr>
+          <p:cNvSpPr txBox="1"/>
+          <p:nvPr/>
+        </p:nvSpPr>
+        <p:spPr>
+          <a:xfrm>
+            <a:off x="4133848" y="2040990"/>
+            <a:ext cx="1469330" cy="769441"/>
+          </a:xfrm>
+          <a:prstGeom prst="rect">
+            <a:avLst/>
+          </a:prstGeom>
+          <a:noFill/>
+        </p:spPr>
+        <p:txBody>
+          <a:bodyPr wrap="square" rtlCol="0">
+            <a:spAutoFit/>
+          </a:bodyPr>
+          <a:lstStyle/>
+          <a:p>
+            <a:r>
+              <a:rPr lang="en-US" sz="1100" b="1" dirty="0"/>
+              <a:t>Fixed timeline-based action process</a:t>
+            </a:r>
+          </a:p>
+          <a:p>
+            <a:r>
+              <a:rPr lang="en-US" sz="1100" b="1" dirty="0">
+                <a:solidFill>
+                  <a:srgbClr val="FF0000"/>
+                </a:solidFill>
+              </a:rPr>
+              <a:t>Priority: high </a:t>
+            </a:r>
+          </a:p>
+          <a:p>
+            <a:endParaRPr lang="en-SG" sz="1100" b="1" dirty="0"/>
+          </a:p>
+        </p:txBody>
+      </p:sp>
+      <p:pic>
+        <p:nvPicPr>
+          <p:cNvPr id="35" name="Picture 34">
+            <a:extLst>
+              <a:ext uri="{FF2B5EF4-FFF2-40B4-BE49-F238E27FC236}">
+                <a16:creationId xmlns:a16="http://schemas.microsoft.com/office/drawing/2014/main" id="{19FD2C80-890D-01F1-841F-4A2665470FD4}"/>
+              </a:ext>
+            </a:extLst>
+          </p:cNvPr>
+          <p:cNvPicPr>
+            <a:picLocks noChangeAspect="1"/>
+          </p:cNvPicPr>
+          <p:nvPr/>
+        </p:nvPicPr>
+        <p:blipFill>
+          <a:blip r:embed="rId2"/>
+          <a:stretch>
+            <a:fillRect/>
+          </a:stretch>
+        </p:blipFill>
+        <p:spPr>
+          <a:xfrm>
+            <a:off x="3728410" y="2148368"/>
+            <a:ext cx="210380" cy="241137"/>
+          </a:xfrm>
+          <a:prstGeom prst="rect">
+            <a:avLst/>
+          </a:prstGeom>
+        </p:spPr>
+      </p:pic>
+      <p:cxnSp>
+        <p:nvCxnSpPr>
+          <p:cNvPr id="37" name="Straight Arrow Connector 36">
+            <a:extLst>
+              <a:ext uri="{FF2B5EF4-FFF2-40B4-BE49-F238E27FC236}">
+                <a16:creationId xmlns:a16="http://schemas.microsoft.com/office/drawing/2014/main" id="{1BCE1F28-4AE8-D9D1-7C98-4C28BB05B6DB}"/>
+              </a:ext>
+            </a:extLst>
+          </p:cNvPr>
+          <p:cNvCxnSpPr>
+            <a:stCxn id="35" idx="2"/>
+          </p:cNvCxnSpPr>
+          <p:nvPr/>
+        </p:nvCxnSpPr>
+        <p:spPr>
+          <a:xfrm>
+            <a:off x="3833600" y="2389505"/>
+            <a:ext cx="0" cy="254300"/>
+          </a:xfrm>
+          <a:prstGeom prst="straightConnector1">
+            <a:avLst/>
+          </a:prstGeom>
+          <a:ln>
+            <a:tailEnd type="triangle"/>
+          </a:ln>
+        </p:spPr>
+        <p:style>
+          <a:lnRef idx="1">
+            <a:schemeClr val="dk1"/>
+          </a:lnRef>
+          <a:fillRef idx="0">
+            <a:schemeClr val="dk1"/>
+          </a:fillRef>
+          <a:effectRef idx="0">
+            <a:schemeClr val="dk1"/>
+          </a:effectRef>
+          <a:fontRef idx="minor">
+            <a:schemeClr val="tx1"/>
+          </a:fontRef>
+        </p:style>
+      </p:cxnSp>
+      <p:pic>
+        <p:nvPicPr>
+          <p:cNvPr id="38" name="Picture 37">
+            <a:extLst>
+              <a:ext uri="{FF2B5EF4-FFF2-40B4-BE49-F238E27FC236}">
+                <a16:creationId xmlns:a16="http://schemas.microsoft.com/office/drawing/2014/main" id="{31861DD7-0D2E-0737-ACE4-05DF3745300B}"/>
+              </a:ext>
+            </a:extLst>
+          </p:cNvPr>
+          <p:cNvPicPr>
+            <a:picLocks noChangeAspect="1"/>
+          </p:cNvPicPr>
+          <p:nvPr/>
+        </p:nvPicPr>
+        <p:blipFill>
+          <a:blip r:embed="rId2"/>
+          <a:stretch>
+            <a:fillRect/>
+          </a:stretch>
+        </p:blipFill>
+        <p:spPr>
+          <a:xfrm>
+            <a:off x="2261144" y="2108431"/>
+            <a:ext cx="210380" cy="241137"/>
+          </a:xfrm>
+          <a:prstGeom prst="rect">
+            <a:avLst/>
+          </a:prstGeom>
+        </p:spPr>
+      </p:pic>
+      <p:cxnSp>
+        <p:nvCxnSpPr>
+          <p:cNvPr id="39" name="Straight Arrow Connector 38">
+            <a:extLst>
+              <a:ext uri="{FF2B5EF4-FFF2-40B4-BE49-F238E27FC236}">
+                <a16:creationId xmlns:a16="http://schemas.microsoft.com/office/drawing/2014/main" id="{EAFF186A-50E6-D81D-3A12-F2ACDCAED5F8}"/>
+              </a:ext>
+            </a:extLst>
+          </p:cNvPr>
+          <p:cNvCxnSpPr>
+            <a:cxnSpLocks/>
+            <a:stCxn id="38" idx="2"/>
+          </p:cNvCxnSpPr>
+          <p:nvPr/>
+        </p:nvCxnSpPr>
+        <p:spPr>
+          <a:xfrm>
+            <a:off x="2366334" y="2349568"/>
+            <a:ext cx="0" cy="254300"/>
+          </a:xfrm>
+          <a:prstGeom prst="straightConnector1">
+            <a:avLst/>
+          </a:prstGeom>
+          <a:ln>
+            <a:tailEnd type="triangle"/>
+          </a:ln>
+        </p:spPr>
+        <p:style>
+          <a:lnRef idx="1">
+            <a:schemeClr val="dk1"/>
+          </a:lnRef>
+          <a:fillRef idx="0">
+            <a:schemeClr val="dk1"/>
+          </a:fillRef>
+          <a:effectRef idx="0">
+            <a:schemeClr val="dk1"/>
+          </a:effectRef>
+          <a:fontRef idx="minor">
+            <a:schemeClr val="tx1"/>
+          </a:fontRef>
+        </p:style>
+      </p:cxnSp>
+      <p:pic>
+        <p:nvPicPr>
+          <p:cNvPr id="40" name="Picture 39">
+            <a:extLst>
+              <a:ext uri="{FF2B5EF4-FFF2-40B4-BE49-F238E27FC236}">
+                <a16:creationId xmlns:a16="http://schemas.microsoft.com/office/drawing/2014/main" id="{EB349752-D4E8-03FC-D888-E1B817F5A10F}"/>
+              </a:ext>
+            </a:extLst>
+          </p:cNvPr>
+          <p:cNvPicPr>
+            <a:picLocks noChangeAspect="1"/>
+          </p:cNvPicPr>
+          <p:nvPr/>
+        </p:nvPicPr>
+        <p:blipFill>
+          <a:blip r:embed="rId2"/>
+          <a:stretch>
+            <a:fillRect/>
+          </a:stretch>
+        </p:blipFill>
+        <p:spPr>
+          <a:xfrm>
+            <a:off x="1623393" y="2118295"/>
+            <a:ext cx="210380" cy="241137"/>
+          </a:xfrm>
+          <a:prstGeom prst="rect">
+            <a:avLst/>
+          </a:prstGeom>
+        </p:spPr>
+      </p:pic>
+      <p:cxnSp>
+        <p:nvCxnSpPr>
+          <p:cNvPr id="41" name="Straight Arrow Connector 40">
+            <a:extLst>
+              <a:ext uri="{FF2B5EF4-FFF2-40B4-BE49-F238E27FC236}">
+                <a16:creationId xmlns:a16="http://schemas.microsoft.com/office/drawing/2014/main" id="{E405DBD9-F206-8785-3990-C361AAF48DF8}"/>
+              </a:ext>
+            </a:extLst>
+          </p:cNvPr>
+          <p:cNvCxnSpPr>
+            <a:stCxn id="40" idx="2"/>
+          </p:cNvCxnSpPr>
+          <p:nvPr/>
+        </p:nvCxnSpPr>
+        <p:spPr>
+          <a:xfrm>
+            <a:off x="1728583" y="2359432"/>
+            <a:ext cx="0" cy="254300"/>
+          </a:xfrm>
+          <a:prstGeom prst="straightConnector1">
+            <a:avLst/>
+          </a:prstGeom>
+          <a:ln>
+            <a:tailEnd type="triangle"/>
+          </a:ln>
+        </p:spPr>
+        <p:style>
+          <a:lnRef idx="1">
+            <a:schemeClr val="dk1"/>
+          </a:lnRef>
+          <a:fillRef idx="0">
+            <a:schemeClr val="dk1"/>
+          </a:fillRef>
+          <a:effectRef idx="0">
+            <a:schemeClr val="dk1"/>
+          </a:effectRef>
+          <a:fontRef idx="minor">
+            <a:schemeClr val="tx1"/>
+          </a:fontRef>
+        </p:style>
+      </p:cxnSp>
+      <p:sp>
+        <p:nvSpPr>
+          <p:cNvPr id="42" name="Flowchart: Decision 41">
+            <a:extLst>
+              <a:ext uri="{FF2B5EF4-FFF2-40B4-BE49-F238E27FC236}">
+                <a16:creationId xmlns:a16="http://schemas.microsoft.com/office/drawing/2014/main" id="{4560C37B-F09B-BD09-D52D-CC70E2306109}"/>
+              </a:ext>
+            </a:extLst>
+          </p:cNvPr>
+          <p:cNvSpPr/>
+          <p:nvPr/>
+        </p:nvSpPr>
+        <p:spPr>
+          <a:xfrm>
+            <a:off x="797612" y="3557657"/>
+            <a:ext cx="1070118" cy="427896"/>
+          </a:xfrm>
+          <a:prstGeom prst="flowChartDecision">
+            <a:avLst/>
+          </a:prstGeom>
+          <a:noFill/>
+          <a:ln w="9525" cap="flat" cmpd="sng" algn="ctr">
+            <a:solidFill>
+              <a:schemeClr val="dk1"/>
+            </a:solidFill>
+            <a:prstDash val="solid"/>
+            <a:round/>
+            <a:headEnd type="none" w="med" len="med"/>
+            <a:tailEnd type="none" w="med" len="med"/>
+          </a:ln>
+        </p:spPr>
+        <p:style>
+          <a:lnRef idx="0">
+            <a:scrgbClr r="0" g="0" b="0"/>
+          </a:lnRef>
+          <a:fillRef idx="0">
+            <a:scrgbClr r="0" g="0" b="0"/>
+          </a:fillRef>
+          <a:effectRef idx="0">
+            <a:scrgbClr r="0" g="0" b="0"/>
+          </a:effectRef>
+          <a:fontRef idx="minor">
+            <a:schemeClr val="dk1"/>
+          </a:fontRef>
+        </p:style>
+        <p:txBody>
+          <a:bodyPr rtlCol="0" anchor="ctr"/>
+          <a:lstStyle/>
+          <a:p>
+            <a:pPr algn="ctr"/>
+            <a:endParaRPr lang="en-SG" dirty="0"/>
+          </a:p>
+        </p:txBody>
+      </p:sp>
+      <p:cxnSp>
+        <p:nvCxnSpPr>
+          <p:cNvPr id="43" name="Straight Arrow Connector 42">
+            <a:extLst>
+              <a:ext uri="{FF2B5EF4-FFF2-40B4-BE49-F238E27FC236}">
+                <a16:creationId xmlns:a16="http://schemas.microsoft.com/office/drawing/2014/main" id="{E09472BB-57E3-8525-8E5D-B7B7077CA0C0}"/>
+              </a:ext>
+            </a:extLst>
+          </p:cNvPr>
+          <p:cNvCxnSpPr>
+            <a:cxnSpLocks/>
+            <a:stCxn id="20" idx="2"/>
+            <a:endCxn id="42" idx="0"/>
+          </p:cNvCxnSpPr>
+          <p:nvPr/>
+        </p:nvCxnSpPr>
+        <p:spPr>
+          <a:xfrm>
+            <a:off x="1332671" y="3061762"/>
+            <a:ext cx="0" cy="495895"/>
+          </a:xfrm>
+          <a:prstGeom prst="straightConnector1">
+            <a:avLst/>
+          </a:prstGeom>
+          <a:ln w="19050">
+            <a:prstDash val="sysDash"/>
+            <a:tailEnd type="triangle"/>
+          </a:ln>
+        </p:spPr>
+        <p:style>
+          <a:lnRef idx="1">
+            <a:schemeClr val="accent1"/>
+          </a:lnRef>
+          <a:fillRef idx="0">
+            <a:schemeClr val="accent1"/>
+          </a:fillRef>
+          <a:effectRef idx="0">
+            <a:schemeClr val="accent1"/>
+          </a:effectRef>
+          <a:fontRef idx="minor">
+            <a:schemeClr val="tx1"/>
+          </a:fontRef>
+        </p:style>
+      </p:cxnSp>
+      <p:sp>
+        <p:nvSpPr>
+          <p:cNvPr id="46" name="Flowchart: Decision 45">
+            <a:extLst>
+              <a:ext uri="{FF2B5EF4-FFF2-40B4-BE49-F238E27FC236}">
+                <a16:creationId xmlns:a16="http://schemas.microsoft.com/office/drawing/2014/main" id="{50F5717C-C832-94E3-7340-F45D85385784}"/>
+              </a:ext>
+            </a:extLst>
+          </p:cNvPr>
+          <p:cNvSpPr/>
+          <p:nvPr/>
+        </p:nvSpPr>
+        <p:spPr>
+          <a:xfrm>
+            <a:off x="2228845" y="3557657"/>
+            <a:ext cx="1070118" cy="427896"/>
+          </a:xfrm>
+          <a:prstGeom prst="flowChartDecision">
+            <a:avLst/>
+          </a:prstGeom>
+          <a:noFill/>
+          <a:ln w="9525" cap="flat" cmpd="sng" algn="ctr">
+            <a:solidFill>
+              <a:schemeClr val="dk1"/>
+            </a:solidFill>
+            <a:prstDash val="solid"/>
+            <a:round/>
+            <a:headEnd type="none" w="med" len="med"/>
+            <a:tailEnd type="none" w="med" len="med"/>
+          </a:ln>
+        </p:spPr>
+        <p:style>
+          <a:lnRef idx="0">
+            <a:scrgbClr r="0" g="0" b="0"/>
+          </a:lnRef>
+          <a:fillRef idx="0">
+            <a:scrgbClr r="0" g="0" b="0"/>
+          </a:fillRef>
+          <a:effectRef idx="0">
+            <a:scrgbClr r="0" g="0" b="0"/>
+          </a:effectRef>
+          <a:fontRef idx="minor">
+            <a:schemeClr val="dk1"/>
+          </a:fontRef>
+        </p:style>
+        <p:txBody>
+          <a:bodyPr rtlCol="0" anchor="ctr"/>
+          <a:lstStyle/>
+          <a:p>
+            <a:pPr algn="ctr"/>
+            <a:endParaRPr lang="en-SG" dirty="0"/>
+          </a:p>
+        </p:txBody>
+      </p:sp>
+      <p:cxnSp>
+        <p:nvCxnSpPr>
+          <p:cNvPr id="47" name="Straight Arrow Connector 46">
+            <a:extLst>
+              <a:ext uri="{FF2B5EF4-FFF2-40B4-BE49-F238E27FC236}">
+                <a16:creationId xmlns:a16="http://schemas.microsoft.com/office/drawing/2014/main" id="{BF68E925-F6C8-EACE-6726-120EBA18D5F1}"/>
+              </a:ext>
+            </a:extLst>
+          </p:cNvPr>
+          <p:cNvCxnSpPr>
+            <a:cxnSpLocks/>
+            <a:stCxn id="21" idx="2"/>
+            <a:endCxn id="46" idx="0"/>
+          </p:cNvCxnSpPr>
+          <p:nvPr/>
+        </p:nvCxnSpPr>
+        <p:spPr>
+          <a:xfrm>
+            <a:off x="2763904" y="3071701"/>
+            <a:ext cx="0" cy="485956"/>
+          </a:xfrm>
+          <a:prstGeom prst="straightConnector1">
+            <a:avLst/>
+          </a:prstGeom>
+          <a:ln w="19050">
+            <a:prstDash val="sysDash"/>
+            <a:tailEnd type="triangle"/>
+          </a:ln>
+        </p:spPr>
+        <p:style>
+          <a:lnRef idx="1">
+            <a:schemeClr val="accent1"/>
+          </a:lnRef>
+          <a:fillRef idx="0">
+            <a:schemeClr val="accent1"/>
+          </a:fillRef>
+          <a:effectRef idx="0">
+            <a:schemeClr val="accent1"/>
+          </a:effectRef>
+          <a:fontRef idx="minor">
+            <a:schemeClr val="tx1"/>
+          </a:fontRef>
+        </p:style>
+      </p:cxnSp>
+      <p:sp>
+        <p:nvSpPr>
+          <p:cNvPr id="51" name="Flowchart: Decision 50">
+            <a:extLst>
+              <a:ext uri="{FF2B5EF4-FFF2-40B4-BE49-F238E27FC236}">
+                <a16:creationId xmlns:a16="http://schemas.microsoft.com/office/drawing/2014/main" id="{9D2A8A3F-78D5-E72A-9357-805AAF60DBED}"/>
+              </a:ext>
+            </a:extLst>
+          </p:cNvPr>
+          <p:cNvSpPr/>
+          <p:nvPr/>
+        </p:nvSpPr>
+        <p:spPr>
+          <a:xfrm>
+            <a:off x="3662564" y="3552432"/>
+            <a:ext cx="1070118" cy="427896"/>
+          </a:xfrm>
+          <a:prstGeom prst="flowChartDecision">
+            <a:avLst/>
+          </a:prstGeom>
+          <a:noFill/>
+          <a:ln w="9525" cap="flat" cmpd="sng" algn="ctr">
+            <a:solidFill>
+              <a:schemeClr val="dk1"/>
+            </a:solidFill>
+            <a:prstDash val="solid"/>
+            <a:round/>
+            <a:headEnd type="none" w="med" len="med"/>
+            <a:tailEnd type="none" w="med" len="med"/>
+          </a:ln>
+        </p:spPr>
+        <p:style>
+          <a:lnRef idx="0">
+            <a:scrgbClr r="0" g="0" b="0"/>
+          </a:lnRef>
+          <a:fillRef idx="0">
+            <a:scrgbClr r="0" g="0" b="0"/>
+          </a:fillRef>
+          <a:effectRef idx="0">
+            <a:scrgbClr r="0" g="0" b="0"/>
+          </a:effectRef>
+          <a:fontRef idx="minor">
+            <a:schemeClr val="dk1"/>
+          </a:fontRef>
+        </p:style>
+        <p:txBody>
+          <a:bodyPr rtlCol="0" anchor="ctr"/>
+          <a:lstStyle/>
+          <a:p>
+            <a:pPr algn="ctr"/>
+            <a:endParaRPr lang="en-SG" dirty="0"/>
+          </a:p>
+        </p:txBody>
+      </p:sp>
+      <p:cxnSp>
+        <p:nvCxnSpPr>
+          <p:cNvPr id="52" name="Straight Arrow Connector 51">
+            <a:extLst>
+              <a:ext uri="{FF2B5EF4-FFF2-40B4-BE49-F238E27FC236}">
+                <a16:creationId xmlns:a16="http://schemas.microsoft.com/office/drawing/2014/main" id="{0EB04FAE-679B-12C9-FF94-27BABC26301A}"/>
+              </a:ext>
+            </a:extLst>
+          </p:cNvPr>
+          <p:cNvCxnSpPr>
+            <a:cxnSpLocks/>
+            <a:endCxn id="51" idx="0"/>
+          </p:cNvCxnSpPr>
+          <p:nvPr/>
+        </p:nvCxnSpPr>
+        <p:spPr>
+          <a:xfrm>
+            <a:off x="4197623" y="3056537"/>
+            <a:ext cx="0" cy="495895"/>
+          </a:xfrm>
+          <a:prstGeom prst="straightConnector1">
+            <a:avLst/>
+          </a:prstGeom>
+          <a:ln w="19050">
+            <a:prstDash val="sysDash"/>
+            <a:tailEnd type="triangle"/>
+          </a:ln>
+        </p:spPr>
+        <p:style>
+          <a:lnRef idx="1">
+            <a:schemeClr val="accent1"/>
+          </a:lnRef>
+          <a:fillRef idx="0">
+            <a:schemeClr val="accent1"/>
+          </a:fillRef>
+          <a:effectRef idx="0">
+            <a:schemeClr val="accent1"/>
+          </a:effectRef>
+          <a:fontRef idx="minor">
+            <a:schemeClr val="tx1"/>
+          </a:fontRef>
+        </p:style>
+      </p:cxnSp>
+      <p:sp>
+        <p:nvSpPr>
+          <p:cNvPr id="53" name="TextBox 52">
+            <a:extLst>
+              <a:ext uri="{FF2B5EF4-FFF2-40B4-BE49-F238E27FC236}">
+                <a16:creationId xmlns:a16="http://schemas.microsoft.com/office/drawing/2014/main" id="{EDF8BBE4-3555-C8CC-D959-F880653C1A4D}"/>
+              </a:ext>
+            </a:extLst>
+          </p:cNvPr>
+          <p:cNvSpPr txBox="1"/>
+          <p:nvPr/>
+        </p:nvSpPr>
+        <p:spPr>
+          <a:xfrm>
+            <a:off x="984387" y="3550936"/>
+            <a:ext cx="1109873" cy="430887"/>
+          </a:xfrm>
+          <a:prstGeom prst="rect">
+            <a:avLst/>
+          </a:prstGeom>
+          <a:noFill/>
+        </p:spPr>
+        <p:txBody>
+          <a:bodyPr wrap="square" rtlCol="0">
+            <a:spAutoFit/>
+          </a:bodyPr>
+          <a:lstStyle/>
+          <a:p>
+            <a:r>
+              <a:rPr lang="en-SG" sz="1100" b="1" dirty="0">
+                <a:solidFill>
+                  <a:schemeClr val="accent6">
+                    <a:lumMod val="75000"/>
+                  </a:schemeClr>
+                </a:solidFill>
+              </a:rPr>
+              <a:t>condition satisfied? </a:t>
+            </a:r>
+          </a:p>
+        </p:txBody>
+      </p:sp>
+      <p:sp>
+        <p:nvSpPr>
+          <p:cNvPr id="54" name="TextBox 53">
+            <a:extLst>
+              <a:ext uri="{FF2B5EF4-FFF2-40B4-BE49-F238E27FC236}">
+                <a16:creationId xmlns:a16="http://schemas.microsoft.com/office/drawing/2014/main" id="{0129F963-5DCC-BA61-EC9E-3EE398E032C5}"/>
+              </a:ext>
+            </a:extLst>
+          </p:cNvPr>
+          <p:cNvSpPr txBox="1"/>
+          <p:nvPr/>
+        </p:nvSpPr>
+        <p:spPr>
+          <a:xfrm>
+            <a:off x="3728410" y="3635575"/>
+            <a:ext cx="1138032" cy="261610"/>
+          </a:xfrm>
+          <a:prstGeom prst="rect">
+            <a:avLst/>
+          </a:prstGeom>
+          <a:noFill/>
+        </p:spPr>
+        <p:txBody>
+          <a:bodyPr wrap="square" rtlCol="0">
+            <a:spAutoFit/>
+          </a:bodyPr>
+          <a:lstStyle/>
+          <a:p>
+            <a:r>
+              <a:rPr lang="en-US" sz="1100" b="1" dirty="0">
+                <a:solidFill>
+                  <a:schemeClr val="accent6">
+                    <a:lumMod val="75000"/>
+                  </a:schemeClr>
+                </a:solidFill>
+              </a:rPr>
+              <a:t>Time </a:t>
+            </a:r>
+            <a:r>
+              <a:rPr lang="en-SG" sz="1100" b="1" dirty="0">
+                <a:solidFill>
+                  <a:schemeClr val="accent6">
+                    <a:lumMod val="75000"/>
+                  </a:schemeClr>
+                </a:solidFill>
+              </a:rPr>
+              <a:t>satisfied ? </a:t>
+            </a:r>
+          </a:p>
+        </p:txBody>
+      </p:sp>
+      <p:sp>
+        <p:nvSpPr>
+          <p:cNvPr id="55" name="TextBox 54">
+            <a:extLst>
+              <a:ext uri="{FF2B5EF4-FFF2-40B4-BE49-F238E27FC236}">
+                <a16:creationId xmlns:a16="http://schemas.microsoft.com/office/drawing/2014/main" id="{DBA4ADFF-8451-57D2-07F7-42B69297FEF6}"/>
+              </a:ext>
+            </a:extLst>
+          </p:cNvPr>
+          <p:cNvSpPr txBox="1"/>
+          <p:nvPr/>
+        </p:nvSpPr>
+        <p:spPr>
+          <a:xfrm>
+            <a:off x="2354738" y="3557657"/>
+            <a:ext cx="1138032" cy="430887"/>
+          </a:xfrm>
+          <a:prstGeom prst="rect">
+            <a:avLst/>
+          </a:prstGeom>
+          <a:noFill/>
+        </p:spPr>
+        <p:txBody>
+          <a:bodyPr wrap="square" rtlCol="0">
+            <a:spAutoFit/>
+          </a:bodyPr>
+          <a:lstStyle/>
+          <a:p>
+            <a:r>
+              <a:rPr lang="en-US" sz="1100" b="1" dirty="0">
+                <a:solidFill>
+                  <a:schemeClr val="accent6">
+                    <a:lumMod val="75000"/>
+                  </a:schemeClr>
+                </a:solidFill>
+              </a:rPr>
+              <a:t>Time </a:t>
+            </a:r>
+            <a:r>
+              <a:rPr lang="en-SG" sz="1100" b="1" dirty="0">
+                <a:solidFill>
+                  <a:schemeClr val="accent6">
+                    <a:lumMod val="75000"/>
+                  </a:schemeClr>
+                </a:solidFill>
+              </a:rPr>
+              <a:t>/condition satisfied? </a:t>
+            </a:r>
+          </a:p>
+        </p:txBody>
+      </p:sp>
+      <p:sp>
+        <p:nvSpPr>
+          <p:cNvPr id="56" name="Rectangle 55">
+            <a:extLst>
+              <a:ext uri="{FF2B5EF4-FFF2-40B4-BE49-F238E27FC236}">
+                <a16:creationId xmlns:a16="http://schemas.microsoft.com/office/drawing/2014/main" id="{D2BF129A-963E-C160-37E7-C03BB101E6B4}"/>
+              </a:ext>
+            </a:extLst>
+          </p:cNvPr>
+          <p:cNvSpPr/>
+          <p:nvPr/>
+        </p:nvSpPr>
+        <p:spPr>
+          <a:xfrm>
+            <a:off x="1073008" y="4430182"/>
+            <a:ext cx="550385" cy="427896"/>
+          </a:xfrm>
+          <a:prstGeom prst="rect">
+            <a:avLst/>
+          </a:prstGeom>
+        </p:spPr>
+        <p:style>
+          <a:lnRef idx="2">
+            <a:schemeClr val="accent1">
+              <a:shade val="50000"/>
+            </a:schemeClr>
+          </a:lnRef>
+          <a:fillRef idx="1">
+            <a:schemeClr val="accent1"/>
+          </a:fillRef>
+          <a:effectRef idx="0">
+            <a:schemeClr val="accent1"/>
+          </a:effectRef>
+          <a:fontRef idx="minor">
+            <a:schemeClr val="lt1"/>
+          </a:fontRef>
+        </p:style>
+        <p:txBody>
+          <a:bodyPr rtlCol="0" anchor="ctr"/>
+          <a:lstStyle/>
+          <a:p>
+            <a:r>
+              <a:rPr lang="en-US" sz="1200" dirty="0"/>
+              <a:t>Actor</a:t>
+            </a:r>
+            <a:endParaRPr lang="en-SG" sz="1200" dirty="0"/>
+          </a:p>
+        </p:txBody>
+      </p:sp>
+      <p:sp>
+        <p:nvSpPr>
+          <p:cNvPr id="57" name="Rectangle 56">
+            <a:extLst>
+              <a:ext uri="{FF2B5EF4-FFF2-40B4-BE49-F238E27FC236}">
+                <a16:creationId xmlns:a16="http://schemas.microsoft.com/office/drawing/2014/main" id="{488C43E6-A33E-D6BD-4592-D9B66068499C}"/>
+              </a:ext>
+            </a:extLst>
+          </p:cNvPr>
+          <p:cNvSpPr/>
+          <p:nvPr/>
+        </p:nvSpPr>
+        <p:spPr>
+          <a:xfrm>
+            <a:off x="2488711" y="4430182"/>
+            <a:ext cx="550385" cy="427896"/>
+          </a:xfrm>
+          <a:prstGeom prst="rect">
+            <a:avLst/>
+          </a:prstGeom>
+        </p:spPr>
+        <p:style>
+          <a:lnRef idx="2">
+            <a:schemeClr val="accent1">
+              <a:shade val="50000"/>
+            </a:schemeClr>
+          </a:lnRef>
+          <a:fillRef idx="1">
+            <a:schemeClr val="accent1"/>
+          </a:fillRef>
+          <a:effectRef idx="0">
+            <a:schemeClr val="accent1"/>
+          </a:effectRef>
+          <a:fontRef idx="minor">
+            <a:schemeClr val="lt1"/>
+          </a:fontRef>
+        </p:style>
+        <p:txBody>
+          <a:bodyPr rtlCol="0" anchor="ctr"/>
+          <a:lstStyle/>
+          <a:p>
+            <a:r>
+              <a:rPr lang="en-US" sz="1200" dirty="0"/>
+              <a:t>Actor</a:t>
+            </a:r>
+            <a:endParaRPr lang="en-SG" sz="1200" dirty="0"/>
+          </a:p>
+        </p:txBody>
+      </p:sp>
+      <p:sp>
+        <p:nvSpPr>
+          <p:cNvPr id="58" name="Rectangle 57">
+            <a:extLst>
+              <a:ext uri="{FF2B5EF4-FFF2-40B4-BE49-F238E27FC236}">
+                <a16:creationId xmlns:a16="http://schemas.microsoft.com/office/drawing/2014/main" id="{DDF79060-422C-1215-7327-6BE160B41754}"/>
+              </a:ext>
+            </a:extLst>
+          </p:cNvPr>
+          <p:cNvSpPr/>
+          <p:nvPr/>
+        </p:nvSpPr>
+        <p:spPr>
+          <a:xfrm>
+            <a:off x="3938790" y="4430182"/>
+            <a:ext cx="550385" cy="427896"/>
+          </a:xfrm>
+          <a:prstGeom prst="rect">
+            <a:avLst/>
+          </a:prstGeom>
+        </p:spPr>
+        <p:style>
+          <a:lnRef idx="2">
+            <a:schemeClr val="accent1">
+              <a:shade val="50000"/>
+            </a:schemeClr>
+          </a:lnRef>
+          <a:fillRef idx="1">
+            <a:schemeClr val="accent1"/>
+          </a:fillRef>
+          <a:effectRef idx="0">
+            <a:schemeClr val="accent1"/>
+          </a:effectRef>
+          <a:fontRef idx="minor">
+            <a:schemeClr val="lt1"/>
+          </a:fontRef>
+        </p:style>
+        <p:txBody>
+          <a:bodyPr rtlCol="0" anchor="ctr"/>
+          <a:lstStyle/>
+          <a:p>
+            <a:r>
+              <a:rPr lang="en-US" sz="1200" dirty="0"/>
+              <a:t>Actor</a:t>
+            </a:r>
+            <a:endParaRPr lang="en-SG" sz="1200" dirty="0"/>
+          </a:p>
+        </p:txBody>
+      </p:sp>
+      <p:cxnSp>
+        <p:nvCxnSpPr>
+          <p:cNvPr id="59" name="Straight Arrow Connector 58">
+            <a:extLst>
+              <a:ext uri="{FF2B5EF4-FFF2-40B4-BE49-F238E27FC236}">
+                <a16:creationId xmlns:a16="http://schemas.microsoft.com/office/drawing/2014/main" id="{F7E160FE-2852-19A2-299C-9D96ED264AF8}"/>
+              </a:ext>
+            </a:extLst>
+          </p:cNvPr>
+          <p:cNvCxnSpPr>
+            <a:cxnSpLocks/>
+          </p:cNvCxnSpPr>
+          <p:nvPr/>
+        </p:nvCxnSpPr>
+        <p:spPr>
+          <a:xfrm flipV="1">
+            <a:off x="3662564" y="3116691"/>
+            <a:ext cx="0" cy="648492"/>
+          </a:xfrm>
+          <a:prstGeom prst="straightConnector1">
+            <a:avLst/>
+          </a:prstGeom>
+          <a:ln w="19050">
+            <a:solidFill>
+              <a:srgbClr val="C00000"/>
+            </a:solidFill>
+            <a:prstDash val="solid"/>
+            <a:tailEnd type="triangle"/>
+          </a:ln>
+        </p:spPr>
+        <p:style>
+          <a:lnRef idx="1">
+            <a:schemeClr val="accent1"/>
+          </a:lnRef>
+          <a:fillRef idx="0">
+            <a:schemeClr val="accent1"/>
+          </a:fillRef>
+          <a:effectRef idx="0">
+            <a:schemeClr val="accent1"/>
+          </a:effectRef>
+          <a:fontRef idx="minor">
+            <a:schemeClr val="tx1"/>
+          </a:fontRef>
+        </p:style>
+      </p:cxnSp>
+      <p:cxnSp>
+        <p:nvCxnSpPr>
+          <p:cNvPr id="63" name="Straight Arrow Connector 62">
+            <a:extLst>
+              <a:ext uri="{FF2B5EF4-FFF2-40B4-BE49-F238E27FC236}">
+                <a16:creationId xmlns:a16="http://schemas.microsoft.com/office/drawing/2014/main" id="{E2653CB8-FA9F-922D-6FA8-23C0A14E9ED2}"/>
+              </a:ext>
+            </a:extLst>
+          </p:cNvPr>
+          <p:cNvCxnSpPr>
+            <a:cxnSpLocks/>
+          </p:cNvCxnSpPr>
+          <p:nvPr/>
+        </p:nvCxnSpPr>
+        <p:spPr>
+          <a:xfrm flipV="1">
+            <a:off x="2249543" y="3123113"/>
+            <a:ext cx="0" cy="648492"/>
+          </a:xfrm>
+          <a:prstGeom prst="straightConnector1">
+            <a:avLst/>
+          </a:prstGeom>
+          <a:ln w="19050">
+            <a:solidFill>
+              <a:srgbClr val="C00000"/>
+            </a:solidFill>
+            <a:prstDash val="solid"/>
+            <a:tailEnd type="triangle"/>
+          </a:ln>
+        </p:spPr>
+        <p:style>
+          <a:lnRef idx="1">
+            <a:schemeClr val="accent1"/>
+          </a:lnRef>
+          <a:fillRef idx="0">
+            <a:schemeClr val="accent1"/>
+          </a:fillRef>
+          <a:effectRef idx="0">
+            <a:schemeClr val="accent1"/>
+          </a:effectRef>
+          <a:fontRef idx="minor">
+            <a:schemeClr val="tx1"/>
+          </a:fontRef>
+        </p:style>
+      </p:cxnSp>
+      <p:cxnSp>
+        <p:nvCxnSpPr>
+          <p:cNvPr id="64" name="Straight Arrow Connector 63">
+            <a:extLst>
+              <a:ext uri="{FF2B5EF4-FFF2-40B4-BE49-F238E27FC236}">
+                <a16:creationId xmlns:a16="http://schemas.microsoft.com/office/drawing/2014/main" id="{470E2952-3AAA-E147-9C6F-1872EB4B2DE1}"/>
+              </a:ext>
+            </a:extLst>
+          </p:cNvPr>
+          <p:cNvCxnSpPr>
+            <a:cxnSpLocks/>
+          </p:cNvCxnSpPr>
+          <p:nvPr/>
+        </p:nvCxnSpPr>
+        <p:spPr>
+          <a:xfrm flipV="1">
+            <a:off x="797612" y="3123113"/>
+            <a:ext cx="0" cy="648492"/>
+          </a:xfrm>
+          <a:prstGeom prst="straightConnector1">
+            <a:avLst/>
+          </a:prstGeom>
+          <a:ln w="19050">
+            <a:solidFill>
+              <a:srgbClr val="C00000"/>
+            </a:solidFill>
+            <a:prstDash val="solid"/>
+            <a:tailEnd type="triangle"/>
+          </a:ln>
+        </p:spPr>
+        <p:style>
+          <a:lnRef idx="1">
+            <a:schemeClr val="accent1"/>
+          </a:lnRef>
+          <a:fillRef idx="0">
+            <a:schemeClr val="accent1"/>
+          </a:fillRef>
+          <a:effectRef idx="0">
+            <a:schemeClr val="accent1"/>
+          </a:effectRef>
+          <a:fontRef idx="minor">
+            <a:schemeClr val="tx1"/>
+          </a:fontRef>
+        </p:style>
+      </p:cxnSp>
+      <p:cxnSp>
+        <p:nvCxnSpPr>
+          <p:cNvPr id="65" name="Straight Arrow Connector 64">
+            <a:extLst>
+              <a:ext uri="{FF2B5EF4-FFF2-40B4-BE49-F238E27FC236}">
+                <a16:creationId xmlns:a16="http://schemas.microsoft.com/office/drawing/2014/main" id="{80921725-D93E-4926-2FA1-73B36C015356}"/>
+              </a:ext>
+            </a:extLst>
+          </p:cNvPr>
+          <p:cNvCxnSpPr>
+            <a:cxnSpLocks/>
+          </p:cNvCxnSpPr>
+          <p:nvPr/>
+        </p:nvCxnSpPr>
+        <p:spPr>
+          <a:xfrm>
+            <a:off x="4213982" y="3988544"/>
+            <a:ext cx="0" cy="399461"/>
+          </a:xfrm>
+          <a:prstGeom prst="straightConnector1">
+            <a:avLst/>
+          </a:prstGeom>
+          <a:ln w="19050">
+            <a:solidFill>
+              <a:srgbClr val="00B050"/>
+            </a:solidFill>
+            <a:prstDash val="solid"/>
+            <a:tailEnd type="triangle"/>
+          </a:ln>
+        </p:spPr>
+        <p:style>
+          <a:lnRef idx="1">
+            <a:schemeClr val="accent1"/>
+          </a:lnRef>
+          <a:fillRef idx="0">
+            <a:schemeClr val="accent1"/>
+          </a:fillRef>
+          <a:effectRef idx="0">
+            <a:schemeClr val="accent1"/>
+          </a:effectRef>
+          <a:fontRef idx="minor">
+            <a:schemeClr val="tx1"/>
+          </a:fontRef>
+        </p:style>
+      </p:cxnSp>
+      <p:cxnSp>
+        <p:nvCxnSpPr>
+          <p:cNvPr id="67" name="Straight Arrow Connector 66">
+            <a:extLst>
+              <a:ext uri="{FF2B5EF4-FFF2-40B4-BE49-F238E27FC236}">
+                <a16:creationId xmlns:a16="http://schemas.microsoft.com/office/drawing/2014/main" id="{829DC6E5-B0EC-107B-6EE3-D0CA05B6BE31}"/>
+              </a:ext>
+            </a:extLst>
+          </p:cNvPr>
+          <p:cNvCxnSpPr>
+            <a:cxnSpLocks/>
+          </p:cNvCxnSpPr>
+          <p:nvPr/>
+        </p:nvCxnSpPr>
+        <p:spPr>
+          <a:xfrm>
+            <a:off x="2763903" y="3980328"/>
+            <a:ext cx="0" cy="399461"/>
+          </a:xfrm>
+          <a:prstGeom prst="straightConnector1">
+            <a:avLst/>
+          </a:prstGeom>
+          <a:ln w="19050">
+            <a:solidFill>
+              <a:srgbClr val="00B050"/>
+            </a:solidFill>
+            <a:prstDash val="solid"/>
+            <a:tailEnd type="triangle"/>
+          </a:ln>
+        </p:spPr>
+        <p:style>
+          <a:lnRef idx="1">
+            <a:schemeClr val="accent1"/>
+          </a:lnRef>
+          <a:fillRef idx="0">
+            <a:schemeClr val="accent1"/>
+          </a:fillRef>
+          <a:effectRef idx="0">
+            <a:schemeClr val="accent1"/>
+          </a:effectRef>
+          <a:fontRef idx="minor">
+            <a:schemeClr val="tx1"/>
+          </a:fontRef>
+        </p:style>
+      </p:cxnSp>
+      <p:cxnSp>
+        <p:nvCxnSpPr>
+          <p:cNvPr id="68" name="Straight Arrow Connector 67">
+            <a:extLst>
+              <a:ext uri="{FF2B5EF4-FFF2-40B4-BE49-F238E27FC236}">
+                <a16:creationId xmlns:a16="http://schemas.microsoft.com/office/drawing/2014/main" id="{4EDFCB26-49A3-EB88-4300-21E31003725C}"/>
+              </a:ext>
+            </a:extLst>
+          </p:cNvPr>
+          <p:cNvCxnSpPr>
+            <a:cxnSpLocks/>
+          </p:cNvCxnSpPr>
+          <p:nvPr/>
+        </p:nvCxnSpPr>
+        <p:spPr>
+          <a:xfrm>
+            <a:off x="1332671" y="3988544"/>
+            <a:ext cx="0" cy="399461"/>
+          </a:xfrm>
+          <a:prstGeom prst="straightConnector1">
+            <a:avLst/>
+          </a:prstGeom>
+          <a:ln w="19050">
+            <a:solidFill>
+              <a:srgbClr val="00B050"/>
+            </a:solidFill>
+            <a:prstDash val="solid"/>
+            <a:tailEnd type="triangle"/>
+          </a:ln>
+        </p:spPr>
+        <p:style>
+          <a:lnRef idx="1">
+            <a:schemeClr val="accent1"/>
+          </a:lnRef>
+          <a:fillRef idx="0">
+            <a:schemeClr val="accent1"/>
+          </a:fillRef>
+          <a:effectRef idx="0">
+            <a:schemeClr val="accent1"/>
+          </a:effectRef>
+          <a:fontRef idx="minor">
+            <a:schemeClr val="tx1"/>
+          </a:fontRef>
+        </p:style>
+      </p:cxnSp>
+      <p:sp>
+        <p:nvSpPr>
+          <p:cNvPr id="69" name="TextBox 68">
+            <a:extLst>
+              <a:ext uri="{FF2B5EF4-FFF2-40B4-BE49-F238E27FC236}">
+                <a16:creationId xmlns:a16="http://schemas.microsoft.com/office/drawing/2014/main" id="{24F9A5CB-AE97-40AB-72AE-70BF7F2F4140}"/>
+              </a:ext>
+            </a:extLst>
+          </p:cNvPr>
+          <p:cNvSpPr txBox="1"/>
+          <p:nvPr/>
+        </p:nvSpPr>
+        <p:spPr>
+          <a:xfrm>
+            <a:off x="2212079" y="3382534"/>
+            <a:ext cx="381418" cy="261610"/>
+          </a:xfrm>
+          <a:prstGeom prst="rect">
+            <a:avLst/>
+          </a:prstGeom>
+          <a:noFill/>
+        </p:spPr>
+        <p:txBody>
+          <a:bodyPr wrap="square" rtlCol="0">
+            <a:spAutoFit/>
+          </a:bodyPr>
+          <a:lstStyle/>
+          <a:p>
+            <a:r>
+              <a:rPr lang="en-US" sz="1100" b="1" dirty="0">
+                <a:solidFill>
+                  <a:srgbClr val="C00000"/>
+                </a:solidFill>
+              </a:rPr>
+              <a:t>No</a:t>
+            </a:r>
+            <a:endParaRPr lang="en-SG" sz="1100" b="1" dirty="0">
+              <a:solidFill>
+                <a:srgbClr val="C00000"/>
+              </a:solidFill>
+            </a:endParaRPr>
+          </a:p>
+        </p:txBody>
+      </p:sp>
+      <p:sp>
+        <p:nvSpPr>
+          <p:cNvPr id="70" name="TextBox 69">
+            <a:extLst>
+              <a:ext uri="{FF2B5EF4-FFF2-40B4-BE49-F238E27FC236}">
+                <a16:creationId xmlns:a16="http://schemas.microsoft.com/office/drawing/2014/main" id="{36568B5C-F635-8B16-32C8-FF3DC73212D8}"/>
+              </a:ext>
+            </a:extLst>
+          </p:cNvPr>
+          <p:cNvSpPr txBox="1"/>
+          <p:nvPr/>
+        </p:nvSpPr>
+        <p:spPr>
+          <a:xfrm>
+            <a:off x="746670" y="3399043"/>
+            <a:ext cx="381418" cy="261610"/>
+          </a:xfrm>
+          <a:prstGeom prst="rect">
+            <a:avLst/>
+          </a:prstGeom>
+          <a:noFill/>
+        </p:spPr>
+        <p:txBody>
+          <a:bodyPr wrap="square" rtlCol="0">
+            <a:spAutoFit/>
+          </a:bodyPr>
+          <a:lstStyle/>
+          <a:p>
+            <a:r>
+              <a:rPr lang="en-US" sz="1100" b="1" dirty="0">
+                <a:solidFill>
+                  <a:srgbClr val="C00000"/>
+                </a:solidFill>
+              </a:rPr>
+              <a:t>No</a:t>
+            </a:r>
+            <a:endParaRPr lang="en-SG" sz="1100" b="1" dirty="0">
+              <a:solidFill>
+                <a:srgbClr val="C00000"/>
+              </a:solidFill>
+            </a:endParaRPr>
+          </a:p>
+        </p:txBody>
+      </p:sp>
+      <p:sp>
+        <p:nvSpPr>
+          <p:cNvPr id="71" name="TextBox 70">
+            <a:extLst>
+              <a:ext uri="{FF2B5EF4-FFF2-40B4-BE49-F238E27FC236}">
+                <a16:creationId xmlns:a16="http://schemas.microsoft.com/office/drawing/2014/main" id="{CBE22285-A261-D26E-2632-3585FF80ACFA}"/>
+              </a:ext>
+            </a:extLst>
+          </p:cNvPr>
+          <p:cNvSpPr txBox="1"/>
+          <p:nvPr/>
+        </p:nvSpPr>
+        <p:spPr>
+          <a:xfrm>
+            <a:off x="3615965" y="3377778"/>
+            <a:ext cx="381418" cy="261610"/>
+          </a:xfrm>
+          <a:prstGeom prst="rect">
+            <a:avLst/>
+          </a:prstGeom>
+          <a:noFill/>
+        </p:spPr>
+        <p:txBody>
+          <a:bodyPr wrap="square" rtlCol="0">
+            <a:spAutoFit/>
+          </a:bodyPr>
+          <a:lstStyle/>
+          <a:p>
+            <a:r>
+              <a:rPr lang="en-US" sz="1100" b="1" dirty="0">
+                <a:solidFill>
+                  <a:srgbClr val="C00000"/>
+                </a:solidFill>
+              </a:rPr>
+              <a:t>No</a:t>
+            </a:r>
+            <a:endParaRPr lang="en-SG" sz="1100" b="1" dirty="0">
+              <a:solidFill>
+                <a:srgbClr val="C00000"/>
+              </a:solidFill>
+            </a:endParaRPr>
+          </a:p>
+        </p:txBody>
+      </p:sp>
+      <p:sp>
+        <p:nvSpPr>
+          <p:cNvPr id="72" name="TextBox 71">
+            <a:extLst>
+              <a:ext uri="{FF2B5EF4-FFF2-40B4-BE49-F238E27FC236}">
+                <a16:creationId xmlns:a16="http://schemas.microsoft.com/office/drawing/2014/main" id="{4E853C7F-92D4-0AD5-E78A-B87323685936}"/>
+              </a:ext>
+            </a:extLst>
+          </p:cNvPr>
+          <p:cNvSpPr txBox="1"/>
+          <p:nvPr/>
+        </p:nvSpPr>
+        <p:spPr>
+          <a:xfrm>
+            <a:off x="4214614" y="4029473"/>
+            <a:ext cx="381418" cy="261610"/>
+          </a:xfrm>
+          <a:prstGeom prst="rect">
+            <a:avLst/>
+          </a:prstGeom>
+          <a:noFill/>
+          <a:ln>
+            <a:noFill/>
+            <a:extLst>
+              <a:ext uri="{C807C97D-BFC1-408E-A445-0C87EB9F89A2}">
+                <ask:lineSketchStyleProps xmlns:ask="http://schemas.microsoft.com/office/drawing/2018/sketchyshapes">
+                  <ask:type>
+                    <ask:lineSketchNone/>
+                  </ask:type>
+                </ask:lineSketchStyleProps>
+              </a:ext>
+            </a:extLst>
+          </a:ln>
+        </p:spPr>
+        <p:txBody>
+          <a:bodyPr wrap="square" rtlCol="0">
+            <a:spAutoFit/>
+          </a:bodyPr>
+          <a:lstStyle/>
+          <a:p>
+            <a:r>
+              <a:rPr lang="en-US" sz="1100" b="1" dirty="0">
+                <a:solidFill>
+                  <a:schemeClr val="accent6">
+                    <a:lumMod val="75000"/>
+                  </a:schemeClr>
+                </a:solidFill>
+              </a:rPr>
+              <a:t>Yes</a:t>
+            </a:r>
+            <a:endParaRPr lang="en-SG" sz="1100" b="1" dirty="0">
+              <a:solidFill>
+                <a:schemeClr val="accent6">
+                  <a:lumMod val="75000"/>
+                </a:schemeClr>
+              </a:solidFill>
+            </a:endParaRPr>
+          </a:p>
+        </p:txBody>
+      </p:sp>
+      <p:sp>
+        <p:nvSpPr>
+          <p:cNvPr id="73" name="TextBox 72">
+            <a:extLst>
+              <a:ext uri="{FF2B5EF4-FFF2-40B4-BE49-F238E27FC236}">
+                <a16:creationId xmlns:a16="http://schemas.microsoft.com/office/drawing/2014/main" id="{EEB234AD-3EA2-2B1B-D58B-92F529674036}"/>
+              </a:ext>
+            </a:extLst>
+          </p:cNvPr>
+          <p:cNvSpPr txBox="1"/>
+          <p:nvPr/>
+        </p:nvSpPr>
+        <p:spPr>
+          <a:xfrm>
+            <a:off x="2746919" y="4025712"/>
+            <a:ext cx="381418" cy="261610"/>
+          </a:xfrm>
+          <a:prstGeom prst="rect">
+            <a:avLst/>
+          </a:prstGeom>
+          <a:noFill/>
+        </p:spPr>
+        <p:txBody>
+          <a:bodyPr wrap="square" rtlCol="0">
+            <a:spAutoFit/>
+          </a:bodyPr>
+          <a:lstStyle/>
+          <a:p>
+            <a:r>
+              <a:rPr lang="en-US" sz="1100" b="1" dirty="0">
+                <a:solidFill>
+                  <a:schemeClr val="accent6">
+                    <a:lumMod val="75000"/>
+                  </a:schemeClr>
+                </a:solidFill>
+              </a:rPr>
+              <a:t>Yes</a:t>
+            </a:r>
+            <a:endParaRPr lang="en-SG" sz="1100" b="1" dirty="0">
+              <a:solidFill>
+                <a:schemeClr val="accent6">
+                  <a:lumMod val="75000"/>
+                </a:schemeClr>
+              </a:solidFill>
+            </a:endParaRPr>
+          </a:p>
+        </p:txBody>
+      </p:sp>
+      <p:sp>
+        <p:nvSpPr>
+          <p:cNvPr id="74" name="TextBox 73">
+            <a:extLst>
+              <a:ext uri="{FF2B5EF4-FFF2-40B4-BE49-F238E27FC236}">
+                <a16:creationId xmlns:a16="http://schemas.microsoft.com/office/drawing/2014/main" id="{13568097-AB30-B270-5B4C-6B819FFD64E4}"/>
+              </a:ext>
+            </a:extLst>
+          </p:cNvPr>
+          <p:cNvSpPr txBox="1"/>
+          <p:nvPr/>
+        </p:nvSpPr>
+        <p:spPr>
+          <a:xfrm>
+            <a:off x="1291254" y="4009561"/>
+            <a:ext cx="381418" cy="261610"/>
+          </a:xfrm>
+          <a:prstGeom prst="rect">
+            <a:avLst/>
+          </a:prstGeom>
+          <a:noFill/>
+        </p:spPr>
+        <p:txBody>
+          <a:bodyPr wrap="square" rtlCol="0">
+            <a:spAutoFit/>
+          </a:bodyPr>
+          <a:lstStyle/>
+          <a:p>
+            <a:r>
+              <a:rPr lang="en-US" sz="1100" b="1" dirty="0">
+                <a:solidFill>
+                  <a:schemeClr val="accent6">
+                    <a:lumMod val="75000"/>
+                  </a:schemeClr>
+                </a:solidFill>
+              </a:rPr>
+              <a:t>Yes</a:t>
+            </a:r>
+            <a:endParaRPr lang="en-SG" sz="1100" b="1" dirty="0">
+              <a:solidFill>
+                <a:schemeClr val="accent6">
+                  <a:lumMod val="75000"/>
+                </a:schemeClr>
+              </a:solidFill>
+            </a:endParaRPr>
+          </a:p>
+        </p:txBody>
+      </p:sp>
+      <p:cxnSp>
+        <p:nvCxnSpPr>
+          <p:cNvPr id="78" name="Straight Arrow Connector 77">
+            <a:extLst>
+              <a:ext uri="{FF2B5EF4-FFF2-40B4-BE49-F238E27FC236}">
+                <a16:creationId xmlns:a16="http://schemas.microsoft.com/office/drawing/2014/main" id="{FEA3D7BB-8610-2178-A429-5A809F14F7B0}"/>
+              </a:ext>
+            </a:extLst>
+          </p:cNvPr>
+          <p:cNvCxnSpPr>
+            <a:cxnSpLocks/>
+            <a:stCxn id="56" idx="2"/>
+          </p:cNvCxnSpPr>
+          <p:nvPr/>
+        </p:nvCxnSpPr>
+        <p:spPr>
+          <a:xfrm flipH="1">
+            <a:off x="1348200" y="4858078"/>
+            <a:ext cx="1" cy="444629"/>
+          </a:xfrm>
+          <a:prstGeom prst="straightConnector1">
+            <a:avLst/>
+          </a:prstGeom>
+          <a:ln>
+            <a:tailEnd type="triangle"/>
+          </a:ln>
+        </p:spPr>
+        <p:style>
+          <a:lnRef idx="1">
+            <a:schemeClr val="accent1"/>
+          </a:lnRef>
+          <a:fillRef idx="0">
+            <a:schemeClr val="accent1"/>
+          </a:fillRef>
+          <a:effectRef idx="0">
+            <a:schemeClr val="accent1"/>
+          </a:effectRef>
+          <a:fontRef idx="minor">
+            <a:schemeClr val="tx1"/>
+          </a:fontRef>
+        </p:style>
+      </p:cxnSp>
+      <p:cxnSp>
+        <p:nvCxnSpPr>
+          <p:cNvPr id="80" name="Straight Arrow Connector 79">
+            <a:extLst>
+              <a:ext uri="{FF2B5EF4-FFF2-40B4-BE49-F238E27FC236}">
+                <a16:creationId xmlns:a16="http://schemas.microsoft.com/office/drawing/2014/main" id="{07C3F058-7C53-36DB-5F37-606D9E1C72F8}"/>
+              </a:ext>
+            </a:extLst>
+          </p:cNvPr>
+          <p:cNvCxnSpPr>
+            <a:stCxn id="57" idx="2"/>
+          </p:cNvCxnSpPr>
+          <p:nvPr/>
+        </p:nvCxnSpPr>
+        <p:spPr>
+          <a:xfrm flipH="1">
+            <a:off x="2763903" y="4858078"/>
+            <a:ext cx="1" cy="419596"/>
+          </a:xfrm>
+          <a:prstGeom prst="straightConnector1">
+            <a:avLst/>
+          </a:prstGeom>
+          <a:ln>
+            <a:tailEnd type="triangle"/>
+          </a:ln>
+        </p:spPr>
+        <p:style>
+          <a:lnRef idx="1">
+            <a:schemeClr val="accent1"/>
+          </a:lnRef>
+          <a:fillRef idx="0">
+            <a:schemeClr val="accent1"/>
+          </a:fillRef>
+          <a:effectRef idx="0">
+            <a:schemeClr val="accent1"/>
+          </a:effectRef>
+          <a:fontRef idx="minor">
+            <a:schemeClr val="tx1"/>
+          </a:fontRef>
+        </p:style>
+      </p:cxnSp>
+      <p:cxnSp>
+        <p:nvCxnSpPr>
+          <p:cNvPr id="82" name="Straight Arrow Connector 81">
+            <a:extLst>
+              <a:ext uri="{FF2B5EF4-FFF2-40B4-BE49-F238E27FC236}">
+                <a16:creationId xmlns:a16="http://schemas.microsoft.com/office/drawing/2014/main" id="{879BA959-2126-150E-417A-C8FDF8CF9510}"/>
+              </a:ext>
+            </a:extLst>
+          </p:cNvPr>
+          <p:cNvCxnSpPr>
+            <a:stCxn id="58" idx="2"/>
+          </p:cNvCxnSpPr>
+          <p:nvPr/>
+        </p:nvCxnSpPr>
+        <p:spPr>
+          <a:xfrm flipH="1">
+            <a:off x="4213982" y="4858078"/>
+            <a:ext cx="1" cy="419596"/>
+          </a:xfrm>
+          <a:prstGeom prst="straightConnector1">
+            <a:avLst/>
+          </a:prstGeom>
+          <a:ln>
+            <a:tailEnd type="triangle"/>
+          </a:ln>
+        </p:spPr>
+        <p:style>
+          <a:lnRef idx="1">
+            <a:schemeClr val="accent1"/>
+          </a:lnRef>
+          <a:fillRef idx="0">
+            <a:schemeClr val="accent1"/>
+          </a:fillRef>
+          <a:effectRef idx="0">
+            <a:schemeClr val="accent1"/>
+          </a:effectRef>
+          <a:fontRef idx="minor">
+            <a:schemeClr val="tx1"/>
+          </a:fontRef>
+        </p:style>
+      </p:cxnSp>
+      <p:sp>
+        <p:nvSpPr>
+          <p:cNvPr id="84" name="Rectangle 83">
+            <a:extLst>
+              <a:ext uri="{FF2B5EF4-FFF2-40B4-BE49-F238E27FC236}">
+                <a16:creationId xmlns:a16="http://schemas.microsoft.com/office/drawing/2014/main" id="{812A82E6-44A1-D6E9-735E-721C884EDF16}"/>
+              </a:ext>
+            </a:extLst>
+          </p:cNvPr>
+          <p:cNvSpPr/>
+          <p:nvPr/>
+        </p:nvSpPr>
+        <p:spPr>
+          <a:xfrm>
+            <a:off x="1128087" y="5338988"/>
+            <a:ext cx="3361087" cy="427896"/>
+          </a:xfrm>
+          <a:prstGeom prst="rect">
+            <a:avLst/>
+          </a:prstGeom>
+          <a:ln w="19050">
+            <a:prstDash val="sysDash"/>
+          </a:ln>
+        </p:spPr>
+        <p:style>
+          <a:lnRef idx="2">
+            <a:schemeClr val="accent1"/>
+          </a:lnRef>
+          <a:fillRef idx="1">
+            <a:schemeClr val="lt1"/>
+          </a:fillRef>
+          <a:effectRef idx="0">
+            <a:schemeClr val="accent1"/>
+          </a:effectRef>
+          <a:fontRef idx="minor">
+            <a:schemeClr val="dk1"/>
+          </a:fontRef>
+        </p:style>
+        <p:txBody>
+          <a:bodyPr rtlCol="0" anchor="ctr"/>
+          <a:lstStyle/>
+          <a:p>
+            <a:r>
+              <a:rPr lang="en-US" sz="1400" b="1" dirty="0"/>
+              <a:t>User Actions repositories</a:t>
+            </a:r>
+            <a:endParaRPr lang="en-SG" sz="1400" b="1" dirty="0"/>
+          </a:p>
+        </p:txBody>
+      </p:sp>
+      <p:pic>
+        <p:nvPicPr>
+          <p:cNvPr id="85" name="Picture 84">
+            <a:extLst>
+              <a:ext uri="{FF2B5EF4-FFF2-40B4-BE49-F238E27FC236}">
+                <a16:creationId xmlns:a16="http://schemas.microsoft.com/office/drawing/2014/main" id="{388B3253-F0E0-D267-2106-18E6850408FE}"/>
+              </a:ext>
+            </a:extLst>
+          </p:cNvPr>
+          <p:cNvPicPr>
+            <a:picLocks noChangeAspect="1"/>
+          </p:cNvPicPr>
+          <p:nvPr/>
+        </p:nvPicPr>
+        <p:blipFill>
+          <a:blip r:embed="rId2"/>
+          <a:stretch>
+            <a:fillRect/>
+          </a:stretch>
+        </p:blipFill>
+        <p:spPr>
+          <a:xfrm>
+            <a:off x="1828484" y="4368620"/>
+            <a:ext cx="210380" cy="241137"/>
+          </a:xfrm>
+          <a:prstGeom prst="rect">
+            <a:avLst/>
+          </a:prstGeom>
+        </p:spPr>
+      </p:pic>
+      <p:cxnSp>
+        <p:nvCxnSpPr>
+          <p:cNvPr id="86" name="Straight Arrow Connector 85">
+            <a:extLst>
+              <a:ext uri="{FF2B5EF4-FFF2-40B4-BE49-F238E27FC236}">
+                <a16:creationId xmlns:a16="http://schemas.microsoft.com/office/drawing/2014/main" id="{6164871D-02DD-BDAD-0DB4-7598D727E904}"/>
+              </a:ext>
+            </a:extLst>
+          </p:cNvPr>
+          <p:cNvCxnSpPr>
+            <a:cxnSpLocks/>
+          </p:cNvCxnSpPr>
+          <p:nvPr/>
+        </p:nvCxnSpPr>
+        <p:spPr>
+          <a:xfrm flipH="1">
+            <a:off x="1606308" y="4500270"/>
+            <a:ext cx="210380" cy="0"/>
+          </a:xfrm>
+          <a:prstGeom prst="straightConnector1">
+            <a:avLst/>
+          </a:prstGeom>
+          <a:ln>
+            <a:tailEnd type="triangle"/>
+          </a:ln>
+        </p:spPr>
+        <p:style>
+          <a:lnRef idx="1">
+            <a:schemeClr val="dk1"/>
+          </a:lnRef>
+          <a:fillRef idx="0">
+            <a:schemeClr val="dk1"/>
+          </a:fillRef>
+          <a:effectRef idx="0">
+            <a:schemeClr val="dk1"/>
+          </a:effectRef>
+          <a:fontRef idx="minor">
+            <a:schemeClr val="tx1"/>
+          </a:fontRef>
+        </p:style>
+      </p:cxnSp>
+      <p:pic>
+        <p:nvPicPr>
+          <p:cNvPr id="89" name="Picture 88">
+            <a:extLst>
+              <a:ext uri="{FF2B5EF4-FFF2-40B4-BE49-F238E27FC236}">
+                <a16:creationId xmlns:a16="http://schemas.microsoft.com/office/drawing/2014/main" id="{9DD63901-ACA3-D465-7EBB-43C65C33629C}"/>
+              </a:ext>
+            </a:extLst>
+          </p:cNvPr>
+          <p:cNvPicPr>
+            <a:picLocks noChangeAspect="1"/>
+          </p:cNvPicPr>
+          <p:nvPr/>
+        </p:nvPicPr>
+        <p:blipFill>
+          <a:blip r:embed="rId2"/>
+          <a:stretch>
+            <a:fillRect/>
+          </a:stretch>
+        </p:blipFill>
+        <p:spPr>
+          <a:xfrm>
+            <a:off x="3274736" y="4368620"/>
+            <a:ext cx="210380" cy="241137"/>
+          </a:xfrm>
+          <a:prstGeom prst="rect">
+            <a:avLst/>
+          </a:prstGeom>
+        </p:spPr>
+      </p:pic>
+      <p:cxnSp>
+        <p:nvCxnSpPr>
+          <p:cNvPr id="90" name="Straight Arrow Connector 89">
+            <a:extLst>
+              <a:ext uri="{FF2B5EF4-FFF2-40B4-BE49-F238E27FC236}">
+                <a16:creationId xmlns:a16="http://schemas.microsoft.com/office/drawing/2014/main" id="{B5082279-47F5-1E70-0A57-DE6908DAC8C2}"/>
+              </a:ext>
+            </a:extLst>
+          </p:cNvPr>
+          <p:cNvCxnSpPr>
+            <a:cxnSpLocks/>
+          </p:cNvCxnSpPr>
+          <p:nvPr/>
+        </p:nvCxnSpPr>
+        <p:spPr>
+          <a:xfrm flipH="1">
+            <a:off x="3052560" y="4500270"/>
+            <a:ext cx="210380" cy="0"/>
+          </a:xfrm>
+          <a:prstGeom prst="straightConnector1">
+            <a:avLst/>
+          </a:prstGeom>
+          <a:ln>
+            <a:tailEnd type="triangle"/>
+          </a:ln>
+        </p:spPr>
+        <p:style>
+          <a:lnRef idx="1">
+            <a:schemeClr val="dk1"/>
+          </a:lnRef>
+          <a:fillRef idx="0">
+            <a:schemeClr val="dk1"/>
+          </a:fillRef>
+          <a:effectRef idx="0">
+            <a:schemeClr val="dk1"/>
+          </a:effectRef>
+          <a:fontRef idx="minor">
+            <a:schemeClr val="tx1"/>
+          </a:fontRef>
+        </p:style>
+      </p:cxnSp>
+      <p:pic>
+        <p:nvPicPr>
+          <p:cNvPr id="91" name="Picture 90">
+            <a:extLst>
+              <a:ext uri="{FF2B5EF4-FFF2-40B4-BE49-F238E27FC236}">
+                <a16:creationId xmlns:a16="http://schemas.microsoft.com/office/drawing/2014/main" id="{B4C5BF09-01C5-CB35-988E-2FC9C7BE5E40}"/>
+              </a:ext>
+            </a:extLst>
+          </p:cNvPr>
+          <p:cNvPicPr>
+            <a:picLocks noChangeAspect="1"/>
+          </p:cNvPicPr>
+          <p:nvPr/>
+        </p:nvPicPr>
+        <p:blipFill>
+          <a:blip r:embed="rId2"/>
+          <a:stretch>
+            <a:fillRect/>
+          </a:stretch>
+        </p:blipFill>
+        <p:spPr>
+          <a:xfrm>
+            <a:off x="4713018" y="4382002"/>
+            <a:ext cx="210380" cy="241137"/>
+          </a:xfrm>
+          <a:prstGeom prst="rect">
+            <a:avLst/>
+          </a:prstGeom>
+        </p:spPr>
+      </p:pic>
+      <p:cxnSp>
+        <p:nvCxnSpPr>
+          <p:cNvPr id="92" name="Straight Arrow Connector 91">
+            <a:extLst>
+              <a:ext uri="{FF2B5EF4-FFF2-40B4-BE49-F238E27FC236}">
+                <a16:creationId xmlns:a16="http://schemas.microsoft.com/office/drawing/2014/main" id="{D570D9AF-32E7-AFCC-AF25-08903E09D773}"/>
+              </a:ext>
+            </a:extLst>
+          </p:cNvPr>
+          <p:cNvCxnSpPr>
+            <a:cxnSpLocks/>
+          </p:cNvCxnSpPr>
+          <p:nvPr/>
+        </p:nvCxnSpPr>
+        <p:spPr>
+          <a:xfrm flipH="1">
+            <a:off x="4490842" y="4513652"/>
+            <a:ext cx="210380" cy="0"/>
+          </a:xfrm>
+          <a:prstGeom prst="straightConnector1">
+            <a:avLst/>
+          </a:prstGeom>
+          <a:ln>
+            <a:tailEnd type="triangle"/>
+          </a:ln>
+        </p:spPr>
+        <p:style>
+          <a:lnRef idx="1">
+            <a:schemeClr val="dk1"/>
+          </a:lnRef>
+          <a:fillRef idx="0">
+            <a:schemeClr val="dk1"/>
+          </a:fillRef>
+          <a:effectRef idx="0">
+            <a:schemeClr val="dk1"/>
+          </a:effectRef>
+          <a:fontRef idx="minor">
+            <a:schemeClr val="tx1"/>
+          </a:fontRef>
+        </p:style>
+      </p:cxnSp>
+      <p:cxnSp>
+        <p:nvCxnSpPr>
+          <p:cNvPr id="94" name="Straight Arrow Connector 93">
+            <a:extLst>
+              <a:ext uri="{FF2B5EF4-FFF2-40B4-BE49-F238E27FC236}">
+                <a16:creationId xmlns:a16="http://schemas.microsoft.com/office/drawing/2014/main" id="{AAD341BC-9298-FE89-7EA3-E27D508A82E6}"/>
+              </a:ext>
+            </a:extLst>
+          </p:cNvPr>
+          <p:cNvCxnSpPr>
+            <a:cxnSpLocks/>
+          </p:cNvCxnSpPr>
+          <p:nvPr/>
+        </p:nvCxnSpPr>
+        <p:spPr>
+          <a:xfrm>
+            <a:off x="1520478" y="4858078"/>
+            <a:ext cx="0" cy="1155091"/>
+          </a:xfrm>
+          <a:prstGeom prst="straightConnector1">
+            <a:avLst/>
+          </a:prstGeom>
+          <a:ln>
+            <a:prstDash val="dash"/>
+            <a:tailEnd type="triangle"/>
+          </a:ln>
+        </p:spPr>
+        <p:style>
+          <a:lnRef idx="1">
+            <a:schemeClr val="accent1"/>
+          </a:lnRef>
+          <a:fillRef idx="0">
+            <a:schemeClr val="accent1"/>
+          </a:fillRef>
+          <a:effectRef idx="0">
+            <a:schemeClr val="accent1"/>
+          </a:effectRef>
+          <a:fontRef idx="minor">
+            <a:schemeClr val="tx1"/>
+          </a:fontRef>
+        </p:style>
+      </p:cxnSp>
+      <p:cxnSp>
+        <p:nvCxnSpPr>
+          <p:cNvPr id="97" name="Straight Arrow Connector 96">
+            <a:extLst>
+              <a:ext uri="{FF2B5EF4-FFF2-40B4-BE49-F238E27FC236}">
+                <a16:creationId xmlns:a16="http://schemas.microsoft.com/office/drawing/2014/main" id="{5953F6FF-E548-5382-F45F-23350F945AA7}"/>
+              </a:ext>
+            </a:extLst>
+          </p:cNvPr>
+          <p:cNvCxnSpPr>
+            <a:cxnSpLocks/>
+          </p:cNvCxnSpPr>
+          <p:nvPr/>
+        </p:nvCxnSpPr>
+        <p:spPr>
+          <a:xfrm>
+            <a:off x="2916920" y="4892709"/>
+            <a:ext cx="0" cy="1155091"/>
+          </a:xfrm>
+          <a:prstGeom prst="straightConnector1">
+            <a:avLst/>
+          </a:prstGeom>
+          <a:ln>
+            <a:prstDash val="dash"/>
+            <a:tailEnd type="triangle"/>
+          </a:ln>
+        </p:spPr>
+        <p:style>
+          <a:lnRef idx="1">
+            <a:schemeClr val="accent1"/>
+          </a:lnRef>
+          <a:fillRef idx="0">
+            <a:schemeClr val="accent1"/>
+          </a:fillRef>
+          <a:effectRef idx="0">
+            <a:schemeClr val="accent1"/>
+          </a:effectRef>
+          <a:fontRef idx="minor">
+            <a:schemeClr val="tx1"/>
+          </a:fontRef>
+        </p:style>
+      </p:cxnSp>
+      <p:cxnSp>
+        <p:nvCxnSpPr>
+          <p:cNvPr id="98" name="Straight Arrow Connector 97">
+            <a:extLst>
+              <a:ext uri="{FF2B5EF4-FFF2-40B4-BE49-F238E27FC236}">
+                <a16:creationId xmlns:a16="http://schemas.microsoft.com/office/drawing/2014/main" id="{A52DF10B-377D-705A-01DE-4A4CC990D61B}"/>
+              </a:ext>
+            </a:extLst>
+          </p:cNvPr>
+          <p:cNvCxnSpPr>
+            <a:cxnSpLocks/>
+          </p:cNvCxnSpPr>
+          <p:nvPr/>
+        </p:nvCxnSpPr>
+        <p:spPr>
+          <a:xfrm>
+            <a:off x="4330350" y="4870254"/>
+            <a:ext cx="0" cy="1155091"/>
+          </a:xfrm>
+          <a:prstGeom prst="straightConnector1">
+            <a:avLst/>
+          </a:prstGeom>
+          <a:ln>
+            <a:prstDash val="dash"/>
+            <a:tailEnd type="triangle"/>
+          </a:ln>
+        </p:spPr>
+        <p:style>
+          <a:lnRef idx="1">
+            <a:schemeClr val="accent1"/>
+          </a:lnRef>
+          <a:fillRef idx="0">
+            <a:schemeClr val="accent1"/>
+          </a:fillRef>
+          <a:effectRef idx="0">
+            <a:schemeClr val="accent1"/>
+          </a:effectRef>
+          <a:fontRef idx="minor">
+            <a:schemeClr val="tx1"/>
+          </a:fontRef>
+        </p:style>
+      </p:cxnSp>
+      <p:sp>
+        <p:nvSpPr>
+          <p:cNvPr id="99" name="Rectangle 98">
+            <a:extLst>
+              <a:ext uri="{FF2B5EF4-FFF2-40B4-BE49-F238E27FC236}">
+                <a16:creationId xmlns:a16="http://schemas.microsoft.com/office/drawing/2014/main" id="{E3F33799-A473-1C90-E4F5-561EF7B1F2CA}"/>
+              </a:ext>
+            </a:extLst>
+          </p:cNvPr>
+          <p:cNvSpPr/>
+          <p:nvPr/>
+        </p:nvSpPr>
+        <p:spPr>
+          <a:xfrm>
+            <a:off x="1093946" y="6058028"/>
+            <a:ext cx="3361087" cy="427896"/>
+          </a:xfrm>
+          <a:prstGeom prst="rect">
+            <a:avLst/>
+          </a:prstGeom>
+        </p:spPr>
+        <p:style>
+          <a:lnRef idx="2">
+            <a:schemeClr val="accent1">
+              <a:shade val="50000"/>
+            </a:schemeClr>
+          </a:lnRef>
+          <a:fillRef idx="1">
+            <a:schemeClr val="accent1"/>
+          </a:fillRef>
+          <a:effectRef idx="0">
+            <a:schemeClr val="accent1"/>
+          </a:effectRef>
+          <a:fontRef idx="minor">
+            <a:schemeClr val="lt1"/>
+          </a:fontRef>
+        </p:style>
+        <p:txBody>
+          <a:bodyPr rtlCol="0" anchor="ctr"/>
+          <a:lstStyle/>
+          <a:p>
+            <a:r>
+              <a:rPr lang="en-US" sz="1200" dirty="0"/>
+              <a:t>Actions result checker</a:t>
+            </a:r>
+            <a:endParaRPr lang="en-SG" sz="1200" dirty="0"/>
+          </a:p>
+        </p:txBody>
+      </p:sp>
+      <p:pic>
+        <p:nvPicPr>
+          <p:cNvPr id="101" name="Picture 100">
+            <a:extLst>
+              <a:ext uri="{FF2B5EF4-FFF2-40B4-BE49-F238E27FC236}">
+                <a16:creationId xmlns:a16="http://schemas.microsoft.com/office/drawing/2014/main" id="{3D626E4B-CB0D-556C-488E-A7ECD88FB211}"/>
+              </a:ext>
+            </a:extLst>
+          </p:cNvPr>
+          <p:cNvPicPr>
+            <a:picLocks noChangeAspect="1"/>
+          </p:cNvPicPr>
+          <p:nvPr/>
+        </p:nvPicPr>
+        <p:blipFill>
+          <a:blip r:embed="rId3"/>
+          <a:stretch>
+            <a:fillRect/>
+          </a:stretch>
+        </p:blipFill>
+        <p:spPr>
+          <a:xfrm>
+            <a:off x="1562611" y="2883989"/>
+            <a:ext cx="401067" cy="375803"/>
+          </a:xfrm>
+          <a:prstGeom prst="rect">
+            <a:avLst/>
+          </a:prstGeom>
+          <a:ln w="12700">
+            <a:solidFill>
+              <a:srgbClr val="0070C0"/>
+            </a:solidFill>
+          </a:ln>
+        </p:spPr>
+      </p:pic>
+      <p:pic>
+        <p:nvPicPr>
+          <p:cNvPr id="102" name="Picture 101">
+            <a:extLst>
+              <a:ext uri="{FF2B5EF4-FFF2-40B4-BE49-F238E27FC236}">
+                <a16:creationId xmlns:a16="http://schemas.microsoft.com/office/drawing/2014/main" id="{4F3BE103-C77A-9453-A5D9-2FA0BF64D062}"/>
+              </a:ext>
+            </a:extLst>
+          </p:cNvPr>
+          <p:cNvPicPr>
+            <a:picLocks noChangeAspect="1"/>
+          </p:cNvPicPr>
+          <p:nvPr/>
+        </p:nvPicPr>
+        <p:blipFill>
+          <a:blip r:embed="rId3"/>
+          <a:stretch>
+            <a:fillRect/>
+          </a:stretch>
+        </p:blipFill>
+        <p:spPr>
+          <a:xfrm>
+            <a:off x="3062406" y="2857459"/>
+            <a:ext cx="401067" cy="375803"/>
+          </a:xfrm>
+          <a:prstGeom prst="rect">
+            <a:avLst/>
+          </a:prstGeom>
+          <a:ln w="12700">
+            <a:solidFill>
+              <a:srgbClr val="0070C0"/>
+            </a:solidFill>
+          </a:ln>
+        </p:spPr>
+      </p:pic>
+      <p:pic>
+        <p:nvPicPr>
+          <p:cNvPr id="103" name="Picture 102">
+            <a:extLst>
+              <a:ext uri="{FF2B5EF4-FFF2-40B4-BE49-F238E27FC236}">
+                <a16:creationId xmlns:a16="http://schemas.microsoft.com/office/drawing/2014/main" id="{A3728E20-D19C-6C59-20EB-9E413CB401B0}"/>
+              </a:ext>
+            </a:extLst>
+          </p:cNvPr>
+          <p:cNvPicPr>
+            <a:picLocks noChangeAspect="1"/>
+          </p:cNvPicPr>
+          <p:nvPr/>
+        </p:nvPicPr>
+        <p:blipFill>
+          <a:blip r:embed="rId3"/>
+          <a:stretch>
+            <a:fillRect/>
+          </a:stretch>
+        </p:blipFill>
+        <p:spPr>
+          <a:xfrm>
+            <a:off x="4512484" y="2901401"/>
+            <a:ext cx="401067" cy="375803"/>
+          </a:xfrm>
+          <a:prstGeom prst="rect">
+            <a:avLst/>
+          </a:prstGeom>
+          <a:ln w="12700">
+            <a:solidFill>
+              <a:srgbClr val="0070C0"/>
+            </a:solidFill>
+          </a:ln>
+        </p:spPr>
+      </p:pic>
+      <p:cxnSp>
+        <p:nvCxnSpPr>
+          <p:cNvPr id="105" name="Connector: Elbow 104">
+            <a:extLst>
+              <a:ext uri="{FF2B5EF4-FFF2-40B4-BE49-F238E27FC236}">
+                <a16:creationId xmlns:a16="http://schemas.microsoft.com/office/drawing/2014/main" id="{1374EF0D-9D69-F9C0-20C8-AC9DA574662F}"/>
+              </a:ext>
+            </a:extLst>
+          </p:cNvPr>
+          <p:cNvCxnSpPr>
+            <a:stCxn id="99" idx="1"/>
+            <a:endCxn id="20" idx="1"/>
+          </p:cNvCxnSpPr>
+          <p:nvPr/>
+        </p:nvCxnSpPr>
+        <p:spPr>
+          <a:xfrm rot="10800000">
+            <a:off x="763656" y="2847814"/>
+            <a:ext cx="330291" cy="3424162"/>
+          </a:xfrm>
+          <a:prstGeom prst="bentConnector3">
+            <a:avLst>
+              <a:gd name="adj1" fmla="val 169212"/>
+            </a:avLst>
+          </a:prstGeom>
+          <a:ln>
+            <a:tailEnd type="triangle"/>
+          </a:ln>
+        </p:spPr>
+        <p:style>
+          <a:lnRef idx="1">
+            <a:schemeClr val="accent1"/>
+          </a:lnRef>
+          <a:fillRef idx="0">
+            <a:schemeClr val="accent1"/>
+          </a:fillRef>
+          <a:effectRef idx="0">
+            <a:schemeClr val="accent1"/>
+          </a:effectRef>
+          <a:fontRef idx="minor">
+            <a:schemeClr val="tx1"/>
+          </a:fontRef>
+        </p:style>
+      </p:cxnSp>
+      <p:sp>
+        <p:nvSpPr>
+          <p:cNvPr id="106" name="TextBox 105">
+            <a:extLst>
+              <a:ext uri="{FF2B5EF4-FFF2-40B4-BE49-F238E27FC236}">
+                <a16:creationId xmlns:a16="http://schemas.microsoft.com/office/drawing/2014/main" id="{30CAD51F-EEE3-62DB-DF08-7967AC4E5836}"/>
+              </a:ext>
+            </a:extLst>
+          </p:cNvPr>
+          <p:cNvSpPr txBox="1"/>
+          <p:nvPr/>
+        </p:nvSpPr>
+        <p:spPr>
+          <a:xfrm>
+            <a:off x="-13375" y="4907934"/>
+            <a:ext cx="1469330" cy="600164"/>
+          </a:xfrm>
+          <a:prstGeom prst="rect">
+            <a:avLst/>
+          </a:prstGeom>
+          <a:noFill/>
+        </p:spPr>
+        <p:txBody>
+          <a:bodyPr wrap="square" rtlCol="0">
+            <a:spAutoFit/>
+          </a:bodyPr>
+          <a:lstStyle/>
+          <a:p>
+            <a:r>
+              <a:rPr lang="en-US" sz="1100" b="1" dirty="0"/>
+              <a:t>Return to related action handler based on actor’s config</a:t>
+            </a:r>
+            <a:endParaRPr lang="en-US" sz="1100" b="1" dirty="0">
+              <a:solidFill>
+                <a:srgbClr val="FF0000"/>
+              </a:solidFill>
+            </a:endParaRPr>
+          </a:p>
+        </p:txBody>
+      </p:sp>
+      <p:pic>
+        <p:nvPicPr>
+          <p:cNvPr id="107" name="Picture 106">
+            <a:extLst>
+              <a:ext uri="{FF2B5EF4-FFF2-40B4-BE49-F238E27FC236}">
+                <a16:creationId xmlns:a16="http://schemas.microsoft.com/office/drawing/2014/main" id="{86004582-7D81-83B5-18DE-700A0BA1ED8D}"/>
+              </a:ext>
+            </a:extLst>
+          </p:cNvPr>
+          <p:cNvPicPr>
+            <a:picLocks noChangeAspect="1"/>
+          </p:cNvPicPr>
+          <p:nvPr/>
+        </p:nvPicPr>
+        <p:blipFill>
+          <a:blip r:embed="rId4"/>
+          <a:stretch>
+            <a:fillRect/>
+          </a:stretch>
+        </p:blipFill>
+        <p:spPr>
+          <a:xfrm>
+            <a:off x="1901687" y="4730017"/>
+            <a:ext cx="288480" cy="316625"/>
+          </a:xfrm>
+          <a:prstGeom prst="rect">
+            <a:avLst/>
+          </a:prstGeom>
+        </p:spPr>
+      </p:pic>
+      <p:pic>
+        <p:nvPicPr>
+          <p:cNvPr id="108" name="Picture 107">
+            <a:extLst>
+              <a:ext uri="{FF2B5EF4-FFF2-40B4-BE49-F238E27FC236}">
+                <a16:creationId xmlns:a16="http://schemas.microsoft.com/office/drawing/2014/main" id="{A0F99C1C-860C-422C-E2F8-DC358CD711A6}"/>
+              </a:ext>
+            </a:extLst>
+          </p:cNvPr>
+          <p:cNvPicPr>
+            <a:picLocks noChangeAspect="1"/>
+          </p:cNvPicPr>
+          <p:nvPr/>
+        </p:nvPicPr>
+        <p:blipFill>
+          <a:blip r:embed="rId4"/>
+          <a:stretch>
+            <a:fillRect/>
+          </a:stretch>
+        </p:blipFill>
+        <p:spPr>
+          <a:xfrm>
+            <a:off x="3325594" y="4728153"/>
+            <a:ext cx="293564" cy="322205"/>
+          </a:xfrm>
+          <a:prstGeom prst="rect">
+            <a:avLst/>
+          </a:prstGeom>
+        </p:spPr>
+      </p:pic>
+      <p:pic>
+        <p:nvPicPr>
+          <p:cNvPr id="109" name="Picture 108">
+            <a:extLst>
+              <a:ext uri="{FF2B5EF4-FFF2-40B4-BE49-F238E27FC236}">
+                <a16:creationId xmlns:a16="http://schemas.microsoft.com/office/drawing/2014/main" id="{49777109-BDA5-B8C3-4FAC-A65DA1BE815E}"/>
+              </a:ext>
+            </a:extLst>
+          </p:cNvPr>
+          <p:cNvPicPr>
+            <a:picLocks noChangeAspect="1"/>
+          </p:cNvPicPr>
+          <p:nvPr/>
+        </p:nvPicPr>
+        <p:blipFill>
+          <a:blip r:embed="rId4"/>
+          <a:stretch>
+            <a:fillRect/>
+          </a:stretch>
+        </p:blipFill>
+        <p:spPr>
+          <a:xfrm>
+            <a:off x="4800103" y="4747295"/>
+            <a:ext cx="256995" cy="282068"/>
+          </a:xfrm>
+          <a:prstGeom prst="rect">
+            <a:avLst/>
+          </a:prstGeom>
+        </p:spPr>
+      </p:pic>
+      <p:cxnSp>
+        <p:nvCxnSpPr>
+          <p:cNvPr id="110" name="Straight Arrow Connector 109">
+            <a:extLst>
+              <a:ext uri="{FF2B5EF4-FFF2-40B4-BE49-F238E27FC236}">
+                <a16:creationId xmlns:a16="http://schemas.microsoft.com/office/drawing/2014/main" id="{D25883A9-B03E-C5D6-4877-2D0A359DE693}"/>
+              </a:ext>
+            </a:extLst>
+          </p:cNvPr>
+          <p:cNvCxnSpPr>
+            <a:cxnSpLocks/>
+          </p:cNvCxnSpPr>
+          <p:nvPr/>
+        </p:nvCxnSpPr>
+        <p:spPr>
+          <a:xfrm>
+            <a:off x="1630989" y="4794280"/>
+            <a:ext cx="264310" cy="0"/>
+          </a:xfrm>
+          <a:prstGeom prst="straightConnector1">
+            <a:avLst/>
+          </a:prstGeom>
+          <a:ln>
+            <a:tailEnd type="triangle"/>
+          </a:ln>
+        </p:spPr>
+        <p:style>
+          <a:lnRef idx="1">
+            <a:schemeClr val="dk1"/>
+          </a:lnRef>
+          <a:fillRef idx="0">
+            <a:schemeClr val="dk1"/>
+          </a:fillRef>
+          <a:effectRef idx="0">
+            <a:schemeClr val="dk1"/>
+          </a:effectRef>
+          <a:fontRef idx="minor">
+            <a:schemeClr val="tx1"/>
+          </a:fontRef>
+        </p:style>
+      </p:cxnSp>
+      <p:cxnSp>
+        <p:nvCxnSpPr>
+          <p:cNvPr id="112" name="Straight Arrow Connector 111">
+            <a:extLst>
+              <a:ext uri="{FF2B5EF4-FFF2-40B4-BE49-F238E27FC236}">
+                <a16:creationId xmlns:a16="http://schemas.microsoft.com/office/drawing/2014/main" id="{14E04816-A70F-2B80-4216-104431B37A86}"/>
+              </a:ext>
+            </a:extLst>
+          </p:cNvPr>
+          <p:cNvCxnSpPr>
+            <a:cxnSpLocks/>
+          </p:cNvCxnSpPr>
+          <p:nvPr/>
+        </p:nvCxnSpPr>
+        <p:spPr>
+          <a:xfrm>
+            <a:off x="3068610" y="4761460"/>
+            <a:ext cx="264310" cy="0"/>
+          </a:xfrm>
+          <a:prstGeom prst="straightConnector1">
+            <a:avLst/>
+          </a:prstGeom>
+          <a:ln>
+            <a:tailEnd type="triangle"/>
+          </a:ln>
+        </p:spPr>
+        <p:style>
+          <a:lnRef idx="1">
+            <a:schemeClr val="dk1"/>
+          </a:lnRef>
+          <a:fillRef idx="0">
+            <a:schemeClr val="dk1"/>
+          </a:fillRef>
+          <a:effectRef idx="0">
+            <a:schemeClr val="dk1"/>
+          </a:effectRef>
+          <a:fontRef idx="minor">
+            <a:schemeClr val="tx1"/>
+          </a:fontRef>
+        </p:style>
+      </p:cxnSp>
+      <p:cxnSp>
+        <p:nvCxnSpPr>
+          <p:cNvPr id="113" name="Straight Arrow Connector 112">
+            <a:extLst>
+              <a:ext uri="{FF2B5EF4-FFF2-40B4-BE49-F238E27FC236}">
+                <a16:creationId xmlns:a16="http://schemas.microsoft.com/office/drawing/2014/main" id="{05638791-F262-CBBB-61FD-A1C32172C195}"/>
+              </a:ext>
+            </a:extLst>
+          </p:cNvPr>
+          <p:cNvCxnSpPr>
+            <a:cxnSpLocks/>
+          </p:cNvCxnSpPr>
+          <p:nvPr/>
+        </p:nvCxnSpPr>
+        <p:spPr>
+          <a:xfrm>
+            <a:off x="4512484" y="4803058"/>
+            <a:ext cx="264310" cy="0"/>
+          </a:xfrm>
+          <a:prstGeom prst="straightConnector1">
+            <a:avLst/>
+          </a:prstGeom>
+          <a:ln>
+            <a:tailEnd type="triangle"/>
+          </a:ln>
+        </p:spPr>
+        <p:style>
+          <a:lnRef idx="1">
+            <a:schemeClr val="dk1"/>
+          </a:lnRef>
+          <a:fillRef idx="0">
+            <a:schemeClr val="dk1"/>
+          </a:fillRef>
+          <a:effectRef idx="0">
+            <a:schemeClr val="dk1"/>
+          </a:effectRef>
+          <a:fontRef idx="minor">
+            <a:schemeClr val="tx1"/>
+          </a:fontRef>
+        </p:style>
+      </p:cxnSp>
+      <p:pic>
+        <p:nvPicPr>
+          <p:cNvPr id="114" name="Picture 113">
+            <a:extLst>
+              <a:ext uri="{FF2B5EF4-FFF2-40B4-BE49-F238E27FC236}">
+                <a16:creationId xmlns:a16="http://schemas.microsoft.com/office/drawing/2014/main" id="{87CA9B66-ECFF-968E-298E-BFFA52B12A61}"/>
+              </a:ext>
+            </a:extLst>
+          </p:cNvPr>
+          <p:cNvPicPr>
+            <a:picLocks noChangeAspect="1"/>
+          </p:cNvPicPr>
+          <p:nvPr/>
+        </p:nvPicPr>
+        <p:blipFill>
+          <a:blip r:embed="rId4"/>
+          <a:stretch>
+            <a:fillRect/>
+          </a:stretch>
+        </p:blipFill>
+        <p:spPr>
+          <a:xfrm>
+            <a:off x="4069541" y="6130942"/>
+            <a:ext cx="256995" cy="282068"/>
+          </a:xfrm>
+          <a:prstGeom prst="rect">
+            <a:avLst/>
+          </a:prstGeom>
+        </p:spPr>
+      </p:pic>
+      <p:sp>
+        <p:nvSpPr>
+          <p:cNvPr id="115" name="Rectangle 114">
+            <a:extLst>
+              <a:ext uri="{FF2B5EF4-FFF2-40B4-BE49-F238E27FC236}">
+                <a16:creationId xmlns:a16="http://schemas.microsoft.com/office/drawing/2014/main" id="{48BC2261-579A-0AC0-4A9D-3F637E580117}"/>
+              </a:ext>
+            </a:extLst>
+          </p:cNvPr>
+          <p:cNvSpPr/>
+          <p:nvPr/>
+        </p:nvSpPr>
+        <p:spPr>
+          <a:xfrm>
+            <a:off x="5549454" y="2972992"/>
+            <a:ext cx="913579" cy="427896"/>
+          </a:xfrm>
+          <a:prstGeom prst="rect">
+            <a:avLst/>
+          </a:prstGeom>
+        </p:spPr>
+        <p:style>
+          <a:lnRef idx="2">
+            <a:schemeClr val="accent1">
+              <a:shade val="50000"/>
+            </a:schemeClr>
+          </a:lnRef>
+          <a:fillRef idx="1">
+            <a:schemeClr val="accent1"/>
+          </a:fillRef>
+          <a:effectRef idx="0">
+            <a:schemeClr val="accent1"/>
+          </a:effectRef>
+          <a:fontRef idx="minor">
+            <a:schemeClr val="lt1"/>
+          </a:fontRef>
+        </p:style>
+        <p:txBody>
+          <a:bodyPr rtlCol="0" anchor="ctr"/>
+          <a:lstStyle/>
+          <a:p>
+            <a:r>
+              <a:rPr lang="en-US" sz="1200" dirty="0"/>
+              <a:t>Action data manager</a:t>
+            </a:r>
+            <a:endParaRPr lang="en-SG" sz="1200" dirty="0"/>
+          </a:p>
+        </p:txBody>
+      </p:sp>
+      <p:sp>
+        <p:nvSpPr>
+          <p:cNvPr id="116" name="Rectangle 115">
+            <a:extLst>
+              <a:ext uri="{FF2B5EF4-FFF2-40B4-BE49-F238E27FC236}">
+                <a16:creationId xmlns:a16="http://schemas.microsoft.com/office/drawing/2014/main" id="{88F373FB-73A3-B217-CAE2-67820B82FD99}"/>
+              </a:ext>
+            </a:extLst>
+          </p:cNvPr>
+          <p:cNvSpPr/>
+          <p:nvPr/>
+        </p:nvSpPr>
+        <p:spPr>
+          <a:xfrm>
+            <a:off x="6329801" y="4216234"/>
+            <a:ext cx="913579" cy="427896"/>
+          </a:xfrm>
+          <a:prstGeom prst="rect">
+            <a:avLst/>
+          </a:prstGeom>
+        </p:spPr>
+        <p:style>
+          <a:lnRef idx="2">
+            <a:schemeClr val="accent1">
+              <a:shade val="50000"/>
+            </a:schemeClr>
+          </a:lnRef>
+          <a:fillRef idx="1">
+            <a:schemeClr val="accent1"/>
+          </a:fillRef>
+          <a:effectRef idx="0">
+            <a:schemeClr val="accent1"/>
+          </a:effectRef>
+          <a:fontRef idx="minor">
+            <a:schemeClr val="lt1"/>
+          </a:fontRef>
+        </p:style>
+        <p:txBody>
+          <a:bodyPr rtlCol="0" anchor="ctr"/>
+          <a:lstStyle/>
+          <a:p>
+            <a:r>
+              <a:rPr lang="en-US" sz="1200" dirty="0"/>
+              <a:t>UDP Comm handler</a:t>
+            </a:r>
+            <a:endParaRPr lang="en-SG" sz="1200" dirty="0"/>
+          </a:p>
+        </p:txBody>
+      </p:sp>
+      <p:sp>
+        <p:nvSpPr>
+          <p:cNvPr id="117" name="Cylinder 116">
+            <a:extLst>
+              <a:ext uri="{FF2B5EF4-FFF2-40B4-BE49-F238E27FC236}">
+                <a16:creationId xmlns:a16="http://schemas.microsoft.com/office/drawing/2014/main" id="{0433F05F-A6DA-F4A8-D0DE-38ACA0F18BA6}"/>
+              </a:ext>
+            </a:extLst>
+          </p:cNvPr>
+          <p:cNvSpPr/>
+          <p:nvPr/>
+        </p:nvSpPr>
+        <p:spPr>
+          <a:xfrm>
+            <a:off x="5891419" y="3814847"/>
+            <a:ext cx="447252" cy="261611"/>
+          </a:xfrm>
+          <a:prstGeom prst="can">
+            <a:avLst/>
+          </a:prstGeom>
+        </p:spPr>
+        <p:style>
+          <a:lnRef idx="2">
+            <a:schemeClr val="accent1">
+              <a:shade val="50000"/>
+            </a:schemeClr>
+          </a:lnRef>
+          <a:fillRef idx="1">
+            <a:schemeClr val="accent1"/>
+          </a:fillRef>
+          <a:effectRef idx="0">
+            <a:schemeClr val="accent1"/>
+          </a:effectRef>
+          <a:fontRef idx="minor">
+            <a:schemeClr val="lt1"/>
+          </a:fontRef>
+        </p:style>
+        <p:txBody>
+          <a:bodyPr rtlCol="0" anchor="ctr"/>
+          <a:lstStyle/>
+          <a:p>
+            <a:pPr algn="ctr"/>
+            <a:r>
+              <a:rPr lang="en-US" sz="1200" b="1" dirty="0"/>
+              <a:t>DB</a:t>
+            </a:r>
+            <a:endParaRPr lang="en-SG" sz="1200" b="1" dirty="0"/>
+          </a:p>
+        </p:txBody>
+      </p:sp>
+      <p:cxnSp>
+        <p:nvCxnSpPr>
+          <p:cNvPr id="118" name="Straight Arrow Connector 117">
+            <a:extLst>
+              <a:ext uri="{FF2B5EF4-FFF2-40B4-BE49-F238E27FC236}">
+                <a16:creationId xmlns:a16="http://schemas.microsoft.com/office/drawing/2014/main" id="{29E85F19-C3EE-681E-3744-A2013B9ECBA5}"/>
+              </a:ext>
+            </a:extLst>
+          </p:cNvPr>
+          <p:cNvCxnSpPr/>
+          <p:nvPr/>
+        </p:nvCxnSpPr>
+        <p:spPr>
+          <a:xfrm>
+            <a:off x="5934488" y="2318683"/>
+            <a:ext cx="0" cy="650244"/>
+          </a:xfrm>
+          <a:prstGeom prst="straightConnector1">
+            <a:avLst/>
+          </a:prstGeom>
+          <a:ln w="19050">
+            <a:prstDash val="sysDash"/>
+            <a:tailEnd type="triangle"/>
+          </a:ln>
+        </p:spPr>
+        <p:style>
+          <a:lnRef idx="1">
+            <a:schemeClr val="accent1"/>
+          </a:lnRef>
+          <a:fillRef idx="0">
+            <a:schemeClr val="accent1"/>
+          </a:fillRef>
+          <a:effectRef idx="0">
+            <a:schemeClr val="accent1"/>
+          </a:effectRef>
+          <a:fontRef idx="minor">
+            <a:schemeClr val="tx1"/>
+          </a:fontRef>
+        </p:style>
+      </p:cxnSp>
+      <p:cxnSp>
+        <p:nvCxnSpPr>
+          <p:cNvPr id="119" name="Straight Arrow Connector 118">
+            <a:extLst>
+              <a:ext uri="{FF2B5EF4-FFF2-40B4-BE49-F238E27FC236}">
+                <a16:creationId xmlns:a16="http://schemas.microsoft.com/office/drawing/2014/main" id="{F20E918B-70AE-37E1-62F2-5DBDE93A2DA3}"/>
+              </a:ext>
+            </a:extLst>
+          </p:cNvPr>
+          <p:cNvCxnSpPr>
+            <a:cxnSpLocks/>
+          </p:cNvCxnSpPr>
+          <p:nvPr/>
+        </p:nvCxnSpPr>
+        <p:spPr>
+          <a:xfrm>
+            <a:off x="6718852" y="2359432"/>
+            <a:ext cx="0" cy="1835811"/>
+          </a:xfrm>
+          <a:prstGeom prst="straightConnector1">
+            <a:avLst/>
+          </a:prstGeom>
+          <a:ln w="19050">
+            <a:prstDash val="sysDash"/>
+            <a:tailEnd type="triangle"/>
+          </a:ln>
+        </p:spPr>
+        <p:style>
+          <a:lnRef idx="1">
+            <a:schemeClr val="accent1"/>
+          </a:lnRef>
+          <a:fillRef idx="0">
+            <a:schemeClr val="accent1"/>
+          </a:fillRef>
+          <a:effectRef idx="0">
+            <a:schemeClr val="accent1"/>
+          </a:effectRef>
+          <a:fontRef idx="minor">
+            <a:schemeClr val="tx1"/>
+          </a:fontRef>
+        </p:style>
+      </p:cxnSp>
+      <p:cxnSp>
+        <p:nvCxnSpPr>
+          <p:cNvPr id="121" name="Straight Arrow Connector 120">
+            <a:extLst>
+              <a:ext uri="{FF2B5EF4-FFF2-40B4-BE49-F238E27FC236}">
+                <a16:creationId xmlns:a16="http://schemas.microsoft.com/office/drawing/2014/main" id="{20921278-D59C-8381-DE02-3E3BB28DD1A5}"/>
+              </a:ext>
+            </a:extLst>
+          </p:cNvPr>
+          <p:cNvCxnSpPr>
+            <a:cxnSpLocks/>
+            <a:endCxn id="117" idx="1"/>
+          </p:cNvCxnSpPr>
+          <p:nvPr/>
+        </p:nvCxnSpPr>
+        <p:spPr>
+          <a:xfrm>
+            <a:off x="6115045" y="3399043"/>
+            <a:ext cx="0" cy="415804"/>
+          </a:xfrm>
+          <a:prstGeom prst="straightConnector1">
+            <a:avLst/>
+          </a:prstGeom>
+          <a:ln>
+            <a:headEnd type="triangle" w="med" len="med"/>
+            <a:tailEnd type="triangle" w="med" len="med"/>
+          </a:ln>
+        </p:spPr>
+        <p:style>
+          <a:lnRef idx="1">
+            <a:schemeClr val="dk1"/>
+          </a:lnRef>
+          <a:fillRef idx="0">
+            <a:schemeClr val="dk1"/>
+          </a:fillRef>
+          <a:effectRef idx="0">
+            <a:schemeClr val="dk1"/>
+          </a:effectRef>
+          <a:fontRef idx="minor">
+            <a:schemeClr val="tx1"/>
+          </a:fontRef>
+        </p:style>
+      </p:cxnSp>
+      <p:cxnSp>
+        <p:nvCxnSpPr>
+          <p:cNvPr id="125" name="Connector: Elbow 124">
+            <a:extLst>
+              <a:ext uri="{FF2B5EF4-FFF2-40B4-BE49-F238E27FC236}">
+                <a16:creationId xmlns:a16="http://schemas.microsoft.com/office/drawing/2014/main" id="{7763F9D1-4D03-F548-1B11-893B7190F6F8}"/>
+              </a:ext>
+            </a:extLst>
+          </p:cNvPr>
+          <p:cNvCxnSpPr>
+            <a:cxnSpLocks/>
+          </p:cNvCxnSpPr>
+          <p:nvPr/>
+        </p:nvCxnSpPr>
+        <p:spPr>
+          <a:xfrm>
+            <a:off x="4774915" y="2691901"/>
+            <a:ext cx="773607" cy="326361"/>
+          </a:xfrm>
+          <a:prstGeom prst="bentConnector3">
+            <a:avLst/>
+          </a:prstGeom>
+          <a:ln>
+            <a:tailEnd type="triangle"/>
+          </a:ln>
+        </p:spPr>
+        <p:style>
+          <a:lnRef idx="1">
+            <a:schemeClr val="dk1"/>
+          </a:lnRef>
+          <a:fillRef idx="0">
+            <a:schemeClr val="dk1"/>
+          </a:fillRef>
+          <a:effectRef idx="0">
+            <a:schemeClr val="dk1"/>
+          </a:effectRef>
+          <a:fontRef idx="minor">
+            <a:schemeClr val="tx1"/>
+          </a:fontRef>
+        </p:style>
+      </p:cxnSp>
+      <p:cxnSp>
+        <p:nvCxnSpPr>
+          <p:cNvPr id="127" name="Connector: Elbow 126">
+            <a:extLst>
+              <a:ext uri="{FF2B5EF4-FFF2-40B4-BE49-F238E27FC236}">
+                <a16:creationId xmlns:a16="http://schemas.microsoft.com/office/drawing/2014/main" id="{2F71EAF5-C3BA-D99E-D2B1-FBFE21A2FF7A}"/>
+              </a:ext>
+            </a:extLst>
+          </p:cNvPr>
+          <p:cNvCxnSpPr>
+            <a:cxnSpLocks/>
+            <a:stCxn id="109" idx="3"/>
+            <a:endCxn id="115" idx="1"/>
+          </p:cNvCxnSpPr>
+          <p:nvPr/>
+        </p:nvCxnSpPr>
+        <p:spPr>
+          <a:xfrm flipV="1">
+            <a:off x="5057098" y="3186940"/>
+            <a:ext cx="492356" cy="1701389"/>
+          </a:xfrm>
+          <a:prstGeom prst="bentConnector3">
+            <a:avLst>
+              <a:gd name="adj1" fmla="val 50000"/>
+            </a:avLst>
+          </a:prstGeom>
+          <a:ln>
+            <a:tailEnd type="triangle"/>
+          </a:ln>
+        </p:spPr>
+        <p:style>
+          <a:lnRef idx="1">
+            <a:schemeClr val="dk1"/>
+          </a:lnRef>
+          <a:fillRef idx="0">
+            <a:schemeClr val="dk1"/>
+          </a:fillRef>
+          <a:effectRef idx="0">
+            <a:schemeClr val="dk1"/>
+          </a:effectRef>
+          <a:fontRef idx="minor">
+            <a:schemeClr val="tx1"/>
+          </a:fontRef>
+        </p:style>
+      </p:cxnSp>
+      <p:cxnSp>
+        <p:nvCxnSpPr>
+          <p:cNvPr id="131" name="Straight Connector 130">
+            <a:extLst>
+              <a:ext uri="{FF2B5EF4-FFF2-40B4-BE49-F238E27FC236}">
+                <a16:creationId xmlns:a16="http://schemas.microsoft.com/office/drawing/2014/main" id="{2935CD1A-6B15-7BA5-722E-47AABD6F611F}"/>
+              </a:ext>
+            </a:extLst>
+          </p:cNvPr>
+          <p:cNvCxnSpPr>
+            <a:cxnSpLocks/>
+          </p:cNvCxnSpPr>
+          <p:nvPr/>
+        </p:nvCxnSpPr>
+        <p:spPr>
+          <a:xfrm flipV="1">
+            <a:off x="1907263" y="2742669"/>
+            <a:ext cx="277892" cy="0"/>
+          </a:xfrm>
+          <a:prstGeom prst="line">
+            <a:avLst/>
+          </a:prstGeom>
+        </p:spPr>
+        <p:style>
+          <a:lnRef idx="1">
+            <a:schemeClr val="dk1"/>
+          </a:lnRef>
+          <a:fillRef idx="0">
+            <a:schemeClr val="dk1"/>
+          </a:fillRef>
+          <a:effectRef idx="0">
+            <a:schemeClr val="dk1"/>
+          </a:effectRef>
+          <a:fontRef idx="minor">
+            <a:schemeClr val="tx1"/>
+          </a:fontRef>
+        </p:style>
+      </p:cxnSp>
+      <p:cxnSp>
+        <p:nvCxnSpPr>
+          <p:cNvPr id="135" name="Straight Connector 134">
+            <a:extLst>
+              <a:ext uri="{FF2B5EF4-FFF2-40B4-BE49-F238E27FC236}">
+                <a16:creationId xmlns:a16="http://schemas.microsoft.com/office/drawing/2014/main" id="{519647CD-D66B-F98B-E850-21E848657C3E}"/>
+              </a:ext>
+            </a:extLst>
+          </p:cNvPr>
+          <p:cNvCxnSpPr>
+            <a:cxnSpLocks/>
+          </p:cNvCxnSpPr>
+          <p:nvPr/>
+        </p:nvCxnSpPr>
+        <p:spPr>
+          <a:xfrm flipV="1">
+            <a:off x="3331663" y="2693464"/>
+            <a:ext cx="277892" cy="0"/>
+          </a:xfrm>
+          <a:prstGeom prst="line">
+            <a:avLst/>
+          </a:prstGeom>
+        </p:spPr>
+        <p:style>
+          <a:lnRef idx="1">
+            <a:schemeClr val="dk1"/>
+          </a:lnRef>
+          <a:fillRef idx="0">
+            <a:schemeClr val="dk1"/>
+          </a:fillRef>
+          <a:effectRef idx="0">
+            <a:schemeClr val="dk1"/>
+          </a:effectRef>
+          <a:fontRef idx="minor">
+            <a:schemeClr val="tx1"/>
+          </a:fontRef>
+        </p:style>
+      </p:cxnSp>
+      <p:cxnSp>
+        <p:nvCxnSpPr>
+          <p:cNvPr id="138" name="Straight Connector 137">
+            <a:extLst>
+              <a:ext uri="{FF2B5EF4-FFF2-40B4-BE49-F238E27FC236}">
+                <a16:creationId xmlns:a16="http://schemas.microsoft.com/office/drawing/2014/main" id="{096D966C-AFCB-0DA3-F688-1F4121EFE6F6}"/>
+              </a:ext>
+            </a:extLst>
+          </p:cNvPr>
+          <p:cNvCxnSpPr>
+            <a:stCxn id="107" idx="3"/>
+            <a:endCxn id="108" idx="1"/>
+          </p:cNvCxnSpPr>
+          <p:nvPr/>
+        </p:nvCxnSpPr>
+        <p:spPr>
+          <a:xfrm>
+            <a:off x="2190167" y="4888330"/>
+            <a:ext cx="1135427" cy="926"/>
+          </a:xfrm>
+          <a:prstGeom prst="line">
+            <a:avLst/>
+          </a:prstGeom>
+          <a:ln>
+            <a:solidFill>
+              <a:schemeClr val="tx1"/>
+            </a:solidFill>
+          </a:ln>
+        </p:spPr>
+        <p:style>
+          <a:lnRef idx="1">
+            <a:schemeClr val="accent1"/>
+          </a:lnRef>
+          <a:fillRef idx="0">
+            <a:schemeClr val="accent1"/>
+          </a:fillRef>
+          <a:effectRef idx="0">
+            <a:schemeClr val="accent1"/>
+          </a:effectRef>
+          <a:fontRef idx="minor">
+            <a:schemeClr val="tx1"/>
+          </a:fontRef>
+        </p:style>
+      </p:cxnSp>
+      <p:cxnSp>
+        <p:nvCxnSpPr>
+          <p:cNvPr id="139" name="Straight Connector 138">
+            <a:extLst>
+              <a:ext uri="{FF2B5EF4-FFF2-40B4-BE49-F238E27FC236}">
+                <a16:creationId xmlns:a16="http://schemas.microsoft.com/office/drawing/2014/main" id="{785CB4D6-0931-1F26-E963-8639F4C8A2FC}"/>
+              </a:ext>
+            </a:extLst>
+          </p:cNvPr>
+          <p:cNvCxnSpPr>
+            <a:cxnSpLocks/>
+            <a:stCxn id="108" idx="3"/>
+            <a:endCxn id="109" idx="1"/>
+          </p:cNvCxnSpPr>
+          <p:nvPr/>
+        </p:nvCxnSpPr>
+        <p:spPr>
+          <a:xfrm flipV="1">
+            <a:off x="3619158" y="4888329"/>
+            <a:ext cx="1180945" cy="927"/>
+          </a:xfrm>
+          <a:prstGeom prst="line">
+            <a:avLst/>
+          </a:prstGeom>
+          <a:ln>
+            <a:solidFill>
+              <a:schemeClr val="tx1"/>
+            </a:solidFill>
+          </a:ln>
+        </p:spPr>
+        <p:style>
+          <a:lnRef idx="1">
+            <a:schemeClr val="accent1"/>
+          </a:lnRef>
+          <a:fillRef idx="0">
+            <a:schemeClr val="accent1"/>
+          </a:fillRef>
+          <a:effectRef idx="0">
+            <a:schemeClr val="accent1"/>
+          </a:effectRef>
+          <a:fontRef idx="minor">
+            <a:schemeClr val="tx1"/>
+          </a:fontRef>
+        </p:style>
+      </p:cxnSp>
+      <p:cxnSp>
+        <p:nvCxnSpPr>
+          <p:cNvPr id="148" name="Connector: Elbow 147">
+            <a:extLst>
+              <a:ext uri="{FF2B5EF4-FFF2-40B4-BE49-F238E27FC236}">
+                <a16:creationId xmlns:a16="http://schemas.microsoft.com/office/drawing/2014/main" id="{C183E87E-21A5-1B13-42FD-9D1345DDA59D}"/>
+              </a:ext>
+            </a:extLst>
+          </p:cNvPr>
+          <p:cNvCxnSpPr>
+            <a:stCxn id="99" idx="3"/>
+          </p:cNvCxnSpPr>
+          <p:nvPr/>
+        </p:nvCxnSpPr>
+        <p:spPr>
+          <a:xfrm flipV="1">
+            <a:off x="4455033" y="3399043"/>
+            <a:ext cx="1148145" cy="2872933"/>
+          </a:xfrm>
+          <a:prstGeom prst="bentConnector2">
+            <a:avLst/>
+          </a:prstGeom>
+          <a:ln>
+            <a:solidFill>
+              <a:schemeClr val="tx1"/>
+            </a:solidFill>
+            <a:tailEnd type="triangle"/>
+          </a:ln>
+        </p:spPr>
+        <p:style>
+          <a:lnRef idx="1">
+            <a:schemeClr val="accent1"/>
+          </a:lnRef>
+          <a:fillRef idx="0">
+            <a:schemeClr val="accent1"/>
+          </a:fillRef>
+          <a:effectRef idx="0">
+            <a:schemeClr val="accent1"/>
+          </a:effectRef>
+          <a:fontRef idx="minor">
+            <a:schemeClr val="tx1"/>
+          </a:fontRef>
+        </p:style>
+      </p:cxnSp>
+      <p:cxnSp>
+        <p:nvCxnSpPr>
+          <p:cNvPr id="150" name="Connector: Elbow 149">
+            <a:extLst>
+              <a:ext uri="{FF2B5EF4-FFF2-40B4-BE49-F238E27FC236}">
+                <a16:creationId xmlns:a16="http://schemas.microsoft.com/office/drawing/2014/main" id="{186783E6-80C9-B9FF-D2DC-B5068CB5CBDB}"/>
+              </a:ext>
+            </a:extLst>
+          </p:cNvPr>
+          <p:cNvCxnSpPr>
+            <a:cxnSpLocks/>
+          </p:cNvCxnSpPr>
+          <p:nvPr/>
+        </p:nvCxnSpPr>
+        <p:spPr>
+          <a:xfrm>
+            <a:off x="3150704" y="1567613"/>
+            <a:ext cx="2452474" cy="1367218"/>
+          </a:xfrm>
+          <a:prstGeom prst="bentConnector3">
+            <a:avLst>
+              <a:gd name="adj1" fmla="val 99848"/>
+            </a:avLst>
+          </a:prstGeom>
+          <a:ln>
+            <a:tailEnd type="triangle"/>
+          </a:ln>
+        </p:spPr>
+        <p:style>
+          <a:lnRef idx="1">
+            <a:schemeClr val="dk1"/>
+          </a:lnRef>
+          <a:fillRef idx="0">
+            <a:schemeClr val="dk1"/>
+          </a:fillRef>
+          <a:effectRef idx="0">
+            <a:schemeClr val="dk1"/>
+          </a:effectRef>
+          <a:fontRef idx="minor">
+            <a:schemeClr val="tx1"/>
+          </a:fontRef>
+        </p:style>
+      </p:cxnSp>
+      <p:cxnSp>
+        <p:nvCxnSpPr>
+          <p:cNvPr id="155" name="Straight Connector 154">
+            <a:extLst>
+              <a:ext uri="{FF2B5EF4-FFF2-40B4-BE49-F238E27FC236}">
+                <a16:creationId xmlns:a16="http://schemas.microsoft.com/office/drawing/2014/main" id="{D8D8B9A8-78B0-9A04-C0C2-14C504217225}"/>
+              </a:ext>
+            </a:extLst>
+          </p:cNvPr>
+          <p:cNvCxnSpPr>
+            <a:cxnSpLocks/>
+          </p:cNvCxnSpPr>
+          <p:nvPr/>
+        </p:nvCxnSpPr>
+        <p:spPr>
+          <a:xfrm>
+            <a:off x="7541964" y="145966"/>
+            <a:ext cx="0" cy="6555548"/>
+          </a:xfrm>
+          <a:prstGeom prst="line">
+            <a:avLst/>
+          </a:prstGeom>
+        </p:spPr>
+        <p:style>
+          <a:lnRef idx="1">
+            <a:schemeClr val="accent1"/>
+          </a:lnRef>
+          <a:fillRef idx="0">
+            <a:schemeClr val="accent1"/>
+          </a:fillRef>
+          <a:effectRef idx="0">
+            <a:schemeClr val="accent1"/>
+          </a:effectRef>
+          <a:fontRef idx="minor">
+            <a:schemeClr val="tx1"/>
+          </a:fontRef>
+        </p:style>
+      </p:cxnSp>
+      <p:sp>
+        <p:nvSpPr>
+          <p:cNvPr id="158" name="TextBox 157">
+            <a:extLst>
+              <a:ext uri="{FF2B5EF4-FFF2-40B4-BE49-F238E27FC236}">
+                <a16:creationId xmlns:a16="http://schemas.microsoft.com/office/drawing/2014/main" id="{CC1B268E-B941-217A-6D4E-544DED819F29}"/>
+              </a:ext>
+            </a:extLst>
+          </p:cNvPr>
+          <p:cNvSpPr txBox="1"/>
+          <p:nvPr/>
+        </p:nvSpPr>
+        <p:spPr>
+          <a:xfrm>
+            <a:off x="5964398" y="254638"/>
+            <a:ext cx="1438516" cy="307777"/>
+          </a:xfrm>
+          <a:prstGeom prst="rect">
+            <a:avLst/>
+          </a:prstGeom>
+          <a:noFill/>
+        </p:spPr>
+        <p:txBody>
+          <a:bodyPr wrap="square" rtlCol="0">
+            <a:spAutoFit/>
+          </a:bodyPr>
+          <a:lstStyle/>
+          <a:p>
+            <a:r>
+              <a:rPr lang="en-SG" sz="1400" b="1" dirty="0"/>
+              <a:t>Emulator Node</a:t>
+            </a:r>
+          </a:p>
+        </p:txBody>
+      </p:sp>
+      <p:cxnSp>
+        <p:nvCxnSpPr>
+          <p:cNvPr id="160" name="Straight Arrow Connector 159">
+            <a:extLst>
+              <a:ext uri="{FF2B5EF4-FFF2-40B4-BE49-F238E27FC236}">
+                <a16:creationId xmlns:a16="http://schemas.microsoft.com/office/drawing/2014/main" id="{1F5E91B0-8F5D-1517-C77E-9FB2283C5AFA}"/>
+              </a:ext>
+            </a:extLst>
+          </p:cNvPr>
+          <p:cNvCxnSpPr>
+            <a:stCxn id="116" idx="3"/>
+          </p:cNvCxnSpPr>
+          <p:nvPr/>
+        </p:nvCxnSpPr>
+        <p:spPr>
+          <a:xfrm>
+            <a:off x="7243380" y="4430182"/>
+            <a:ext cx="697985" cy="0"/>
+          </a:xfrm>
+          <a:prstGeom prst="straightConnector1">
+            <a:avLst/>
+          </a:prstGeom>
+          <a:ln>
+            <a:solidFill>
+              <a:schemeClr val="tx1"/>
+            </a:solidFill>
+            <a:headEnd type="triangle"/>
+            <a:tailEnd type="triangle"/>
+          </a:ln>
+        </p:spPr>
+        <p:style>
+          <a:lnRef idx="1">
+            <a:schemeClr val="accent1"/>
+          </a:lnRef>
+          <a:fillRef idx="0">
+            <a:schemeClr val="accent1"/>
+          </a:fillRef>
+          <a:effectRef idx="0">
+            <a:schemeClr val="accent1"/>
+          </a:effectRef>
+          <a:fontRef idx="minor">
+            <a:schemeClr val="tx1"/>
+          </a:fontRef>
+        </p:style>
+      </p:cxnSp>
+      <p:sp>
+        <p:nvSpPr>
+          <p:cNvPr id="161" name="TextBox 160">
+            <a:extLst>
+              <a:ext uri="{FF2B5EF4-FFF2-40B4-BE49-F238E27FC236}">
+                <a16:creationId xmlns:a16="http://schemas.microsoft.com/office/drawing/2014/main" id="{4AA4DBFF-B5C2-4C35-D719-E93801E8A6ED}"/>
+              </a:ext>
+            </a:extLst>
+          </p:cNvPr>
+          <p:cNvSpPr txBox="1"/>
+          <p:nvPr/>
+        </p:nvSpPr>
+        <p:spPr>
+          <a:xfrm>
+            <a:off x="7339100" y="4189930"/>
+            <a:ext cx="530093" cy="261610"/>
+          </a:xfrm>
+          <a:prstGeom prst="rect">
+            <a:avLst/>
+          </a:prstGeom>
+          <a:noFill/>
+        </p:spPr>
+        <p:txBody>
+          <a:bodyPr wrap="square" rtlCol="0">
+            <a:spAutoFit/>
+          </a:bodyPr>
+          <a:lstStyle/>
+          <a:p>
+            <a:r>
+              <a:rPr lang="en-US" sz="1100" b="1" dirty="0"/>
+              <a:t>Data</a:t>
+            </a:r>
+            <a:endParaRPr lang="en-SG" sz="1100" b="1" dirty="0"/>
+          </a:p>
+        </p:txBody>
+      </p:sp>
+      <p:sp>
+        <p:nvSpPr>
+          <p:cNvPr id="162" name="Rectangle 161">
+            <a:extLst>
+              <a:ext uri="{FF2B5EF4-FFF2-40B4-BE49-F238E27FC236}">
+                <a16:creationId xmlns:a16="http://schemas.microsoft.com/office/drawing/2014/main" id="{80F21C67-FBE7-CCE2-DCAF-4185713C1410}"/>
+              </a:ext>
+            </a:extLst>
+          </p:cNvPr>
+          <p:cNvSpPr/>
+          <p:nvPr/>
+        </p:nvSpPr>
+        <p:spPr>
+          <a:xfrm>
+            <a:off x="7724180" y="2417000"/>
+            <a:ext cx="1304501" cy="427896"/>
+          </a:xfrm>
+          <a:prstGeom prst="rect">
+            <a:avLst/>
+          </a:prstGeom>
+        </p:spPr>
+        <p:style>
+          <a:lnRef idx="2">
+            <a:schemeClr val="accent1">
+              <a:shade val="50000"/>
+            </a:schemeClr>
+          </a:lnRef>
+          <a:fillRef idx="1">
+            <a:schemeClr val="accent1"/>
+          </a:fillRef>
+          <a:effectRef idx="0">
+            <a:schemeClr val="accent1"/>
+          </a:effectRef>
+          <a:fontRef idx="minor">
+            <a:schemeClr val="lt1"/>
+          </a:fontRef>
+        </p:style>
+        <p:txBody>
+          <a:bodyPr rtlCol="0" anchor="ctr"/>
+          <a:lstStyle/>
+          <a:p>
+            <a:r>
+              <a:rPr lang="en-US" sz="1200" dirty="0"/>
+              <a:t>Monitor/Control Web Host</a:t>
+            </a:r>
+            <a:endParaRPr lang="en-SG" sz="1200" dirty="0"/>
+          </a:p>
+        </p:txBody>
+      </p:sp>
+      <p:sp>
+        <p:nvSpPr>
+          <p:cNvPr id="163" name="Rectangle 162">
+            <a:extLst>
+              <a:ext uri="{FF2B5EF4-FFF2-40B4-BE49-F238E27FC236}">
+                <a16:creationId xmlns:a16="http://schemas.microsoft.com/office/drawing/2014/main" id="{FCF24F13-17FD-845A-0287-73F9215742FE}"/>
+              </a:ext>
+            </a:extLst>
+          </p:cNvPr>
+          <p:cNvSpPr/>
+          <p:nvPr/>
+        </p:nvSpPr>
+        <p:spPr>
+          <a:xfrm>
+            <a:off x="8344123" y="3399043"/>
+            <a:ext cx="913579" cy="427896"/>
+          </a:xfrm>
+          <a:prstGeom prst="rect">
+            <a:avLst/>
+          </a:prstGeom>
+        </p:spPr>
+        <p:style>
+          <a:lnRef idx="2">
+            <a:schemeClr val="accent1">
+              <a:shade val="50000"/>
+            </a:schemeClr>
+          </a:lnRef>
+          <a:fillRef idx="1">
+            <a:schemeClr val="accent1"/>
+          </a:fillRef>
+          <a:effectRef idx="0">
+            <a:schemeClr val="accent1"/>
+          </a:effectRef>
+          <a:fontRef idx="minor">
+            <a:schemeClr val="lt1"/>
+          </a:fontRef>
+        </p:style>
+        <p:txBody>
+          <a:bodyPr rtlCol="0" anchor="ctr"/>
+          <a:lstStyle/>
+          <a:p>
+            <a:r>
+              <a:rPr lang="en-US" sz="1200" dirty="0"/>
+              <a:t>Data manager</a:t>
+            </a:r>
+            <a:endParaRPr lang="en-SG" sz="1200" dirty="0"/>
+          </a:p>
+        </p:txBody>
+      </p:sp>
+      <p:sp>
+        <p:nvSpPr>
+          <p:cNvPr id="166" name="Rectangle 165">
+            <a:extLst>
+              <a:ext uri="{FF2B5EF4-FFF2-40B4-BE49-F238E27FC236}">
+                <a16:creationId xmlns:a16="http://schemas.microsoft.com/office/drawing/2014/main" id="{DDAA85D7-4577-77BB-464A-156637B53333}"/>
+              </a:ext>
+            </a:extLst>
+          </p:cNvPr>
+          <p:cNvSpPr/>
+          <p:nvPr/>
+        </p:nvSpPr>
+        <p:spPr>
+          <a:xfrm>
+            <a:off x="7960819" y="4211637"/>
+            <a:ext cx="913579" cy="427896"/>
+          </a:xfrm>
+          <a:prstGeom prst="rect">
+            <a:avLst/>
+          </a:prstGeom>
+        </p:spPr>
+        <p:style>
+          <a:lnRef idx="2">
+            <a:schemeClr val="accent1">
+              <a:shade val="50000"/>
+            </a:schemeClr>
+          </a:lnRef>
+          <a:fillRef idx="1">
+            <a:schemeClr val="accent1"/>
+          </a:fillRef>
+          <a:effectRef idx="0">
+            <a:schemeClr val="accent1"/>
+          </a:effectRef>
+          <a:fontRef idx="minor">
+            <a:schemeClr val="lt1"/>
+          </a:fontRef>
+        </p:style>
+        <p:txBody>
+          <a:bodyPr rtlCol="0" anchor="ctr"/>
+          <a:lstStyle/>
+          <a:p>
+            <a:r>
+              <a:rPr lang="en-US" sz="1200" dirty="0"/>
+              <a:t>UDP Comm handler</a:t>
+            </a:r>
+            <a:endParaRPr lang="en-SG" sz="1200" dirty="0"/>
+          </a:p>
+        </p:txBody>
+      </p:sp>
+      <p:cxnSp>
+        <p:nvCxnSpPr>
+          <p:cNvPr id="169" name="Straight Arrow Connector 168">
+            <a:extLst>
+              <a:ext uri="{FF2B5EF4-FFF2-40B4-BE49-F238E27FC236}">
+                <a16:creationId xmlns:a16="http://schemas.microsoft.com/office/drawing/2014/main" id="{6B643B2A-2613-A937-78C8-92F73C1863EB}"/>
+              </a:ext>
+            </a:extLst>
+          </p:cNvPr>
+          <p:cNvCxnSpPr>
+            <a:cxnSpLocks/>
+          </p:cNvCxnSpPr>
+          <p:nvPr/>
+        </p:nvCxnSpPr>
+        <p:spPr>
+          <a:xfrm>
+            <a:off x="8063948" y="2810431"/>
+            <a:ext cx="0" cy="1358141"/>
+          </a:xfrm>
+          <a:prstGeom prst="straightConnector1">
+            <a:avLst/>
+          </a:prstGeom>
+          <a:ln w="19050">
+            <a:prstDash val="sysDash"/>
+            <a:tailEnd type="triangle"/>
+          </a:ln>
+        </p:spPr>
+        <p:style>
+          <a:lnRef idx="1">
+            <a:schemeClr val="accent1"/>
+          </a:lnRef>
+          <a:fillRef idx="0">
+            <a:schemeClr val="accent1"/>
+          </a:fillRef>
+          <a:effectRef idx="0">
+            <a:schemeClr val="accent1"/>
+          </a:effectRef>
+          <a:fontRef idx="minor">
+            <a:schemeClr val="tx1"/>
+          </a:fontRef>
+        </p:style>
+      </p:cxnSp>
+      <p:cxnSp>
+        <p:nvCxnSpPr>
+          <p:cNvPr id="171" name="Straight Arrow Connector 170">
+            <a:extLst>
+              <a:ext uri="{FF2B5EF4-FFF2-40B4-BE49-F238E27FC236}">
+                <a16:creationId xmlns:a16="http://schemas.microsoft.com/office/drawing/2014/main" id="{5AECC9BB-1C67-75C1-BC8A-A6965E78704D}"/>
+              </a:ext>
+            </a:extLst>
+          </p:cNvPr>
+          <p:cNvCxnSpPr>
+            <a:cxnSpLocks/>
+          </p:cNvCxnSpPr>
+          <p:nvPr/>
+        </p:nvCxnSpPr>
+        <p:spPr>
+          <a:xfrm>
+            <a:off x="8693425" y="2901401"/>
+            <a:ext cx="0" cy="493789"/>
+          </a:xfrm>
+          <a:prstGeom prst="straightConnector1">
+            <a:avLst/>
+          </a:prstGeom>
+          <a:ln w="19050">
+            <a:prstDash val="sysDash"/>
+            <a:tailEnd type="triangle"/>
+          </a:ln>
+        </p:spPr>
+        <p:style>
+          <a:lnRef idx="1">
+            <a:schemeClr val="accent1"/>
+          </a:lnRef>
+          <a:fillRef idx="0">
+            <a:schemeClr val="accent1"/>
+          </a:fillRef>
+          <a:effectRef idx="0">
+            <a:schemeClr val="accent1"/>
+          </a:effectRef>
+          <a:fontRef idx="minor">
+            <a:schemeClr val="tx1"/>
+          </a:fontRef>
+        </p:style>
+      </p:cxnSp>
+      <p:cxnSp>
+        <p:nvCxnSpPr>
+          <p:cNvPr id="174" name="Straight Arrow Connector 173">
+            <a:extLst>
+              <a:ext uri="{FF2B5EF4-FFF2-40B4-BE49-F238E27FC236}">
+                <a16:creationId xmlns:a16="http://schemas.microsoft.com/office/drawing/2014/main" id="{D89C3A5B-9E49-11D1-AB9A-F7713025E7C5}"/>
+              </a:ext>
+            </a:extLst>
+          </p:cNvPr>
+          <p:cNvCxnSpPr>
+            <a:cxnSpLocks/>
+          </p:cNvCxnSpPr>
+          <p:nvPr/>
+        </p:nvCxnSpPr>
+        <p:spPr>
+          <a:xfrm>
+            <a:off x="8693425" y="3851446"/>
+            <a:ext cx="0" cy="348532"/>
+          </a:xfrm>
+          <a:prstGeom prst="straightConnector1">
+            <a:avLst/>
+          </a:prstGeom>
+          <a:ln>
+            <a:solidFill>
+              <a:schemeClr val="tx1"/>
+            </a:solidFill>
+            <a:headEnd type="triangle"/>
+            <a:tailEnd type="triangle"/>
+          </a:ln>
+        </p:spPr>
+        <p:style>
+          <a:lnRef idx="1">
+            <a:schemeClr val="accent1"/>
+          </a:lnRef>
+          <a:fillRef idx="0">
+            <a:schemeClr val="accent1"/>
+          </a:fillRef>
+          <a:effectRef idx="0">
+            <a:schemeClr val="accent1"/>
+          </a:effectRef>
+          <a:fontRef idx="minor">
+            <a:schemeClr val="tx1"/>
+          </a:fontRef>
+        </p:style>
+      </p:cxnSp>
+      <p:sp>
+        <p:nvSpPr>
+          <p:cNvPr id="177" name="TextBox 176">
+            <a:extLst>
+              <a:ext uri="{FF2B5EF4-FFF2-40B4-BE49-F238E27FC236}">
+                <a16:creationId xmlns:a16="http://schemas.microsoft.com/office/drawing/2014/main" id="{1EC31638-A089-286B-6328-7976FAFF99EA}"/>
+              </a:ext>
+            </a:extLst>
+          </p:cNvPr>
+          <p:cNvSpPr txBox="1"/>
+          <p:nvPr/>
+        </p:nvSpPr>
+        <p:spPr>
+          <a:xfrm>
+            <a:off x="7551482" y="191447"/>
+            <a:ext cx="1729761" cy="523220"/>
+          </a:xfrm>
+          <a:prstGeom prst="rect">
+            <a:avLst/>
+          </a:prstGeom>
+          <a:noFill/>
+        </p:spPr>
+        <p:txBody>
+          <a:bodyPr wrap="square" rtlCol="0">
+            <a:spAutoFit/>
+          </a:bodyPr>
+          <a:lstStyle/>
+          <a:p>
+            <a:r>
+              <a:rPr lang="en-SG" sz="1400" b="1" dirty="0"/>
+              <a:t>Emulator or monitor Node (optional)</a:t>
+            </a:r>
+          </a:p>
+        </p:txBody>
+      </p:sp>
+      <p:cxnSp>
+        <p:nvCxnSpPr>
+          <p:cNvPr id="178" name="Straight Connector 177">
+            <a:extLst>
+              <a:ext uri="{FF2B5EF4-FFF2-40B4-BE49-F238E27FC236}">
+                <a16:creationId xmlns:a16="http://schemas.microsoft.com/office/drawing/2014/main" id="{8661F39A-C537-23F8-04F3-E289A7C7BE72}"/>
+              </a:ext>
+            </a:extLst>
+          </p:cNvPr>
+          <p:cNvCxnSpPr>
+            <a:cxnSpLocks/>
+          </p:cNvCxnSpPr>
+          <p:nvPr/>
+        </p:nvCxnSpPr>
+        <p:spPr>
+          <a:xfrm>
+            <a:off x="9543042" y="163163"/>
+            <a:ext cx="0" cy="6555548"/>
+          </a:xfrm>
+          <a:prstGeom prst="line">
+            <a:avLst/>
+          </a:prstGeom>
+        </p:spPr>
+        <p:style>
+          <a:lnRef idx="1">
+            <a:schemeClr val="accent1"/>
+          </a:lnRef>
+          <a:fillRef idx="0">
+            <a:schemeClr val="accent1"/>
+          </a:fillRef>
+          <a:effectRef idx="0">
+            <a:schemeClr val="accent1"/>
+          </a:effectRef>
+          <a:fontRef idx="minor">
+            <a:schemeClr val="tx1"/>
+          </a:fontRef>
+        </p:style>
+      </p:cxnSp>
+      <p:sp>
+        <p:nvSpPr>
+          <p:cNvPr id="179" name="TextBox 178">
+            <a:extLst>
+              <a:ext uri="{FF2B5EF4-FFF2-40B4-BE49-F238E27FC236}">
+                <a16:creationId xmlns:a16="http://schemas.microsoft.com/office/drawing/2014/main" id="{C18014F2-0B57-01E4-CBB6-DBF4F82F760F}"/>
+              </a:ext>
+            </a:extLst>
+          </p:cNvPr>
+          <p:cNvSpPr txBox="1"/>
+          <p:nvPr/>
+        </p:nvSpPr>
+        <p:spPr>
+          <a:xfrm>
+            <a:off x="9634284" y="191447"/>
+            <a:ext cx="1438516" cy="523220"/>
+          </a:xfrm>
+          <a:prstGeom prst="rect">
+            <a:avLst/>
+          </a:prstGeom>
+          <a:noFill/>
+        </p:spPr>
+        <p:txBody>
+          <a:bodyPr wrap="square" rtlCol="0">
+            <a:spAutoFit/>
+          </a:bodyPr>
+          <a:lstStyle/>
+          <a:p>
+            <a:r>
+              <a:rPr lang="en-SG" sz="1400" b="1" dirty="0"/>
+              <a:t>Control Hub Node (optional)</a:t>
+            </a:r>
+          </a:p>
+        </p:txBody>
+      </p:sp>
+      <p:sp>
+        <p:nvSpPr>
+          <p:cNvPr id="180" name="Rectangle 179">
+            <a:extLst>
+              <a:ext uri="{FF2B5EF4-FFF2-40B4-BE49-F238E27FC236}">
+                <a16:creationId xmlns:a16="http://schemas.microsoft.com/office/drawing/2014/main" id="{8F805164-EE0D-537D-B922-35C927A63225}"/>
+              </a:ext>
+            </a:extLst>
+          </p:cNvPr>
+          <p:cNvSpPr/>
+          <p:nvPr/>
+        </p:nvSpPr>
+        <p:spPr>
+          <a:xfrm>
+            <a:off x="9799810" y="3239209"/>
+            <a:ext cx="913579" cy="427896"/>
+          </a:xfrm>
+          <a:prstGeom prst="rect">
+            <a:avLst/>
+          </a:prstGeom>
+        </p:spPr>
+        <p:style>
+          <a:lnRef idx="2">
+            <a:schemeClr val="accent1">
+              <a:shade val="50000"/>
+            </a:schemeClr>
+          </a:lnRef>
+          <a:fillRef idx="1">
+            <a:schemeClr val="accent1"/>
+          </a:fillRef>
+          <a:effectRef idx="0">
+            <a:schemeClr val="accent1"/>
+          </a:effectRef>
+          <a:fontRef idx="minor">
+            <a:schemeClr val="lt1"/>
+          </a:fontRef>
+        </p:style>
+        <p:txBody>
+          <a:bodyPr rtlCol="0" anchor="ctr"/>
+          <a:lstStyle/>
+          <a:p>
+            <a:r>
+              <a:rPr lang="en-US" sz="1200" dirty="0"/>
+              <a:t>Data manager</a:t>
+            </a:r>
+            <a:endParaRPr lang="en-SG" sz="1200" dirty="0"/>
+          </a:p>
+        </p:txBody>
+      </p:sp>
+      <p:sp>
+        <p:nvSpPr>
+          <p:cNvPr id="181" name="Rectangle 180">
+            <a:extLst>
+              <a:ext uri="{FF2B5EF4-FFF2-40B4-BE49-F238E27FC236}">
+                <a16:creationId xmlns:a16="http://schemas.microsoft.com/office/drawing/2014/main" id="{20678D6A-EC3A-60F6-193A-EC518DF93ECF}"/>
+              </a:ext>
+            </a:extLst>
+          </p:cNvPr>
+          <p:cNvSpPr/>
+          <p:nvPr/>
+        </p:nvSpPr>
+        <p:spPr>
+          <a:xfrm>
+            <a:off x="10159874" y="2359432"/>
+            <a:ext cx="1304501" cy="427896"/>
+          </a:xfrm>
+          <a:prstGeom prst="rect">
+            <a:avLst/>
+          </a:prstGeom>
+        </p:spPr>
+        <p:style>
+          <a:lnRef idx="2">
+            <a:schemeClr val="accent1">
+              <a:shade val="50000"/>
+            </a:schemeClr>
+          </a:lnRef>
+          <a:fillRef idx="1">
+            <a:schemeClr val="accent1"/>
+          </a:fillRef>
+          <a:effectRef idx="0">
+            <a:schemeClr val="accent1"/>
+          </a:effectRef>
+          <a:fontRef idx="minor">
+            <a:schemeClr val="lt1"/>
+          </a:fontRef>
+        </p:style>
+        <p:txBody>
+          <a:bodyPr rtlCol="0" anchor="ctr"/>
+          <a:lstStyle/>
+          <a:p>
+            <a:r>
+              <a:rPr lang="en-US" sz="1200" dirty="0"/>
+              <a:t>Control hub </a:t>
+            </a:r>
+            <a:endParaRPr lang="en-SG" sz="1200" dirty="0"/>
+          </a:p>
+        </p:txBody>
+      </p:sp>
+      <p:cxnSp>
+        <p:nvCxnSpPr>
+          <p:cNvPr id="182" name="Straight Arrow Connector 181">
+            <a:extLst>
+              <a:ext uri="{FF2B5EF4-FFF2-40B4-BE49-F238E27FC236}">
+                <a16:creationId xmlns:a16="http://schemas.microsoft.com/office/drawing/2014/main" id="{A90ADB99-FFED-E02F-91FF-645B02757AFF}"/>
+              </a:ext>
+            </a:extLst>
+          </p:cNvPr>
+          <p:cNvCxnSpPr>
+            <a:cxnSpLocks/>
+          </p:cNvCxnSpPr>
+          <p:nvPr/>
+        </p:nvCxnSpPr>
+        <p:spPr>
+          <a:xfrm>
+            <a:off x="10215887" y="2810431"/>
+            <a:ext cx="1" cy="429567"/>
+          </a:xfrm>
+          <a:prstGeom prst="straightConnector1">
+            <a:avLst/>
+          </a:prstGeom>
+          <a:ln w="19050">
+            <a:prstDash val="sysDash"/>
+            <a:tailEnd type="triangle"/>
+          </a:ln>
+        </p:spPr>
+        <p:style>
+          <a:lnRef idx="1">
+            <a:schemeClr val="accent1"/>
+          </a:lnRef>
+          <a:fillRef idx="0">
+            <a:schemeClr val="accent1"/>
+          </a:fillRef>
+          <a:effectRef idx="0">
+            <a:schemeClr val="accent1"/>
+          </a:effectRef>
+          <a:fontRef idx="minor">
+            <a:schemeClr val="tx1"/>
+          </a:fontRef>
+        </p:style>
+      </p:cxnSp>
+      <p:sp>
+        <p:nvSpPr>
+          <p:cNvPr id="183" name="Cylinder 182">
+            <a:extLst>
+              <a:ext uri="{FF2B5EF4-FFF2-40B4-BE49-F238E27FC236}">
+                <a16:creationId xmlns:a16="http://schemas.microsoft.com/office/drawing/2014/main" id="{44064194-FF51-CD14-F7AB-CE88DA6803A4}"/>
+              </a:ext>
+            </a:extLst>
+          </p:cNvPr>
+          <p:cNvSpPr/>
+          <p:nvPr/>
+        </p:nvSpPr>
+        <p:spPr>
+          <a:xfrm>
+            <a:off x="10286103" y="3937708"/>
+            <a:ext cx="447252" cy="261611"/>
+          </a:xfrm>
+          <a:prstGeom prst="can">
+            <a:avLst/>
+          </a:prstGeom>
+        </p:spPr>
+        <p:style>
+          <a:lnRef idx="2">
+            <a:schemeClr val="accent1">
+              <a:shade val="50000"/>
+            </a:schemeClr>
+          </a:lnRef>
+          <a:fillRef idx="1">
+            <a:schemeClr val="accent1"/>
+          </a:fillRef>
+          <a:effectRef idx="0">
+            <a:schemeClr val="accent1"/>
+          </a:effectRef>
+          <a:fontRef idx="minor">
+            <a:schemeClr val="lt1"/>
+          </a:fontRef>
+        </p:style>
+        <p:txBody>
+          <a:bodyPr rtlCol="0" anchor="ctr"/>
+          <a:lstStyle/>
+          <a:p>
+            <a:pPr algn="ctr"/>
+            <a:r>
+              <a:rPr lang="en-US" sz="1200" b="1" dirty="0"/>
+              <a:t>DB</a:t>
+            </a:r>
+            <a:endParaRPr lang="en-SG" sz="1200" b="1" dirty="0"/>
+          </a:p>
+        </p:txBody>
+      </p:sp>
+      <p:cxnSp>
+        <p:nvCxnSpPr>
+          <p:cNvPr id="184" name="Straight Arrow Connector 183">
+            <a:extLst>
+              <a:ext uri="{FF2B5EF4-FFF2-40B4-BE49-F238E27FC236}">
+                <a16:creationId xmlns:a16="http://schemas.microsoft.com/office/drawing/2014/main" id="{93D4F625-3999-06F3-0893-15C547D94F2F}"/>
+              </a:ext>
+            </a:extLst>
+          </p:cNvPr>
+          <p:cNvCxnSpPr>
+            <a:cxnSpLocks/>
+          </p:cNvCxnSpPr>
+          <p:nvPr/>
+        </p:nvCxnSpPr>
+        <p:spPr>
+          <a:xfrm>
+            <a:off x="10509729" y="3689283"/>
+            <a:ext cx="0" cy="207902"/>
+          </a:xfrm>
+          <a:prstGeom prst="straightConnector1">
+            <a:avLst/>
+          </a:prstGeom>
+          <a:ln>
+            <a:headEnd type="triangle" w="med" len="med"/>
+            <a:tailEnd type="triangle" w="med" len="med"/>
+          </a:ln>
+        </p:spPr>
+        <p:style>
+          <a:lnRef idx="1">
+            <a:schemeClr val="dk1"/>
+          </a:lnRef>
+          <a:fillRef idx="0">
+            <a:schemeClr val="dk1"/>
+          </a:fillRef>
+          <a:effectRef idx="0">
+            <a:schemeClr val="dk1"/>
+          </a:effectRef>
+          <a:fontRef idx="minor">
+            <a:schemeClr val="tx1"/>
+          </a:fontRef>
+        </p:style>
+      </p:cxnSp>
+      <p:sp>
+        <p:nvSpPr>
+          <p:cNvPr id="187" name="Rectangle 186">
+            <a:extLst>
+              <a:ext uri="{FF2B5EF4-FFF2-40B4-BE49-F238E27FC236}">
+                <a16:creationId xmlns:a16="http://schemas.microsoft.com/office/drawing/2014/main" id="{33FFD54A-1ECC-975B-973A-485F04B1ACA2}"/>
+              </a:ext>
+            </a:extLst>
+          </p:cNvPr>
+          <p:cNvSpPr/>
+          <p:nvPr/>
+        </p:nvSpPr>
+        <p:spPr>
+          <a:xfrm>
+            <a:off x="9804839" y="4235245"/>
+            <a:ext cx="913579" cy="427896"/>
+          </a:xfrm>
+          <a:prstGeom prst="rect">
+            <a:avLst/>
+          </a:prstGeom>
+        </p:spPr>
+        <p:style>
+          <a:lnRef idx="2">
+            <a:schemeClr val="accent1">
+              <a:shade val="50000"/>
+            </a:schemeClr>
+          </a:lnRef>
+          <a:fillRef idx="1">
+            <a:schemeClr val="accent1"/>
+          </a:fillRef>
+          <a:effectRef idx="0">
+            <a:schemeClr val="accent1"/>
+          </a:effectRef>
+          <a:fontRef idx="minor">
+            <a:schemeClr val="lt1"/>
+          </a:fontRef>
+        </p:style>
+        <p:txBody>
+          <a:bodyPr rtlCol="0" anchor="ctr"/>
+          <a:lstStyle/>
+          <a:p>
+            <a:r>
+              <a:rPr lang="en-US" sz="1200" dirty="0"/>
+              <a:t>UDP Comm handler</a:t>
+            </a:r>
+            <a:endParaRPr lang="en-SG" sz="1200" dirty="0"/>
+          </a:p>
+        </p:txBody>
+      </p:sp>
+      <p:cxnSp>
+        <p:nvCxnSpPr>
+          <p:cNvPr id="188" name="Straight Arrow Connector 187">
+            <a:extLst>
+              <a:ext uri="{FF2B5EF4-FFF2-40B4-BE49-F238E27FC236}">
+                <a16:creationId xmlns:a16="http://schemas.microsoft.com/office/drawing/2014/main" id="{5D193C39-A470-ECFF-331A-E23E87D8B6BE}"/>
+              </a:ext>
+            </a:extLst>
+          </p:cNvPr>
+          <p:cNvCxnSpPr>
+            <a:cxnSpLocks/>
+            <a:endCxn id="187" idx="1"/>
+          </p:cNvCxnSpPr>
+          <p:nvPr/>
+        </p:nvCxnSpPr>
+        <p:spPr>
+          <a:xfrm>
+            <a:off x="8874398" y="4449193"/>
+            <a:ext cx="930441" cy="0"/>
+          </a:xfrm>
+          <a:prstGeom prst="straightConnector1">
+            <a:avLst/>
+          </a:prstGeom>
+          <a:ln>
+            <a:solidFill>
+              <a:schemeClr val="tx1"/>
+            </a:solidFill>
+            <a:headEnd type="triangle"/>
+            <a:tailEnd type="triangle"/>
+          </a:ln>
+        </p:spPr>
+        <p:style>
+          <a:lnRef idx="1">
+            <a:schemeClr val="accent1"/>
+          </a:lnRef>
+          <a:fillRef idx="0">
+            <a:schemeClr val="accent1"/>
+          </a:fillRef>
+          <a:effectRef idx="0">
+            <a:schemeClr val="accent1"/>
+          </a:effectRef>
+          <a:fontRef idx="minor">
+            <a:schemeClr val="tx1"/>
+          </a:fontRef>
+        </p:style>
+      </p:cxnSp>
+      <p:cxnSp>
+        <p:nvCxnSpPr>
+          <p:cNvPr id="193" name="Connector: Elbow 192">
+            <a:extLst>
+              <a:ext uri="{FF2B5EF4-FFF2-40B4-BE49-F238E27FC236}">
+                <a16:creationId xmlns:a16="http://schemas.microsoft.com/office/drawing/2014/main" id="{C921C903-89F8-0730-3185-FB6F3B6FD24A}"/>
+              </a:ext>
+            </a:extLst>
+          </p:cNvPr>
+          <p:cNvCxnSpPr>
+            <a:stCxn id="181" idx="1"/>
+          </p:cNvCxnSpPr>
+          <p:nvPr/>
+        </p:nvCxnSpPr>
+        <p:spPr>
+          <a:xfrm rot="10800000" flipV="1">
+            <a:off x="9978888" y="2573380"/>
+            <a:ext cx="180987" cy="1637262"/>
+          </a:xfrm>
+          <a:prstGeom prst="bentConnector2">
+            <a:avLst/>
+          </a:prstGeom>
+          <a:ln w="19050">
+            <a:prstDash val="sysDash"/>
+            <a:tailEnd type="triangle"/>
+          </a:ln>
+        </p:spPr>
+        <p:style>
+          <a:lnRef idx="1">
+            <a:schemeClr val="accent1"/>
+          </a:lnRef>
+          <a:fillRef idx="0">
+            <a:schemeClr val="accent1"/>
+          </a:fillRef>
+          <a:effectRef idx="0">
+            <a:schemeClr val="accent1"/>
+          </a:effectRef>
+          <a:fontRef idx="minor">
+            <a:schemeClr val="tx1"/>
+          </a:fontRef>
+        </p:style>
+      </p:cxnSp>
+      <p:sp>
+        <p:nvSpPr>
+          <p:cNvPr id="194" name="Rectangle 193">
+            <a:extLst>
+              <a:ext uri="{FF2B5EF4-FFF2-40B4-BE49-F238E27FC236}">
+                <a16:creationId xmlns:a16="http://schemas.microsoft.com/office/drawing/2014/main" id="{83245B9A-762C-BCB6-AD68-118AC897C0C5}"/>
+              </a:ext>
+            </a:extLst>
+          </p:cNvPr>
+          <p:cNvSpPr/>
+          <p:nvPr/>
+        </p:nvSpPr>
+        <p:spPr>
+          <a:xfrm>
+            <a:off x="8639859" y="4888329"/>
+            <a:ext cx="788238" cy="427896"/>
+          </a:xfrm>
+          <a:prstGeom prst="rect">
+            <a:avLst/>
+          </a:prstGeom>
+        </p:spPr>
+        <p:style>
+          <a:lnRef idx="2">
+            <a:schemeClr val="accent1">
+              <a:shade val="50000"/>
+            </a:schemeClr>
+          </a:lnRef>
+          <a:fillRef idx="1">
+            <a:schemeClr val="accent1"/>
+          </a:fillRef>
+          <a:effectRef idx="0">
+            <a:schemeClr val="accent1"/>
+          </a:effectRef>
+          <a:fontRef idx="minor">
+            <a:schemeClr val="lt1"/>
+          </a:fontRef>
+        </p:style>
+        <p:txBody>
+          <a:bodyPr rtlCol="0" anchor="ctr"/>
+          <a:lstStyle/>
+          <a:p>
+            <a:r>
+              <a:rPr lang="en-US" sz="1200" dirty="0"/>
+              <a:t>Web-site handler</a:t>
+            </a:r>
+            <a:endParaRPr lang="en-SG" sz="1200" dirty="0"/>
+          </a:p>
+        </p:txBody>
+      </p:sp>
+      <p:cxnSp>
+        <p:nvCxnSpPr>
+          <p:cNvPr id="195" name="Straight Arrow Connector 194">
+            <a:extLst>
+              <a:ext uri="{FF2B5EF4-FFF2-40B4-BE49-F238E27FC236}">
+                <a16:creationId xmlns:a16="http://schemas.microsoft.com/office/drawing/2014/main" id="{2D56306B-3F40-D84B-812A-8265C4C24948}"/>
+              </a:ext>
+            </a:extLst>
+          </p:cNvPr>
+          <p:cNvCxnSpPr>
+            <a:cxnSpLocks/>
+            <a:endCxn id="194" idx="0"/>
+          </p:cNvCxnSpPr>
+          <p:nvPr/>
+        </p:nvCxnSpPr>
+        <p:spPr>
+          <a:xfrm>
+            <a:off x="9000626" y="2883989"/>
+            <a:ext cx="33352" cy="2004340"/>
+          </a:xfrm>
+          <a:prstGeom prst="straightConnector1">
+            <a:avLst/>
+          </a:prstGeom>
+          <a:ln w="19050">
+            <a:prstDash val="sysDash"/>
+            <a:tailEnd type="triangle"/>
+          </a:ln>
+        </p:spPr>
+        <p:style>
+          <a:lnRef idx="1">
+            <a:schemeClr val="accent1"/>
+          </a:lnRef>
+          <a:fillRef idx="0">
+            <a:schemeClr val="accent1"/>
+          </a:fillRef>
+          <a:effectRef idx="0">
+            <a:schemeClr val="accent1"/>
+          </a:effectRef>
+          <a:fontRef idx="minor">
+            <a:schemeClr val="tx1"/>
+          </a:fontRef>
+        </p:style>
+      </p:cxnSp>
+      <p:sp>
+        <p:nvSpPr>
+          <p:cNvPr id="198" name="Rectangle 197">
+            <a:extLst>
+              <a:ext uri="{FF2B5EF4-FFF2-40B4-BE49-F238E27FC236}">
+                <a16:creationId xmlns:a16="http://schemas.microsoft.com/office/drawing/2014/main" id="{3BF43741-61DD-D7AB-DEB9-F2370E126F99}"/>
+              </a:ext>
+            </a:extLst>
+          </p:cNvPr>
+          <p:cNvSpPr/>
+          <p:nvPr/>
+        </p:nvSpPr>
+        <p:spPr>
+          <a:xfrm>
+            <a:off x="10759842" y="4814771"/>
+            <a:ext cx="788238" cy="427896"/>
+          </a:xfrm>
+          <a:prstGeom prst="rect">
+            <a:avLst/>
+          </a:prstGeom>
+        </p:spPr>
+        <p:style>
+          <a:lnRef idx="2">
+            <a:schemeClr val="accent1">
+              <a:shade val="50000"/>
+            </a:schemeClr>
+          </a:lnRef>
+          <a:fillRef idx="1">
+            <a:schemeClr val="accent1"/>
+          </a:fillRef>
+          <a:effectRef idx="0">
+            <a:schemeClr val="accent1"/>
+          </a:effectRef>
+          <a:fontRef idx="minor">
+            <a:schemeClr val="lt1"/>
+          </a:fontRef>
+        </p:style>
+        <p:txBody>
+          <a:bodyPr rtlCol="0" anchor="ctr"/>
+          <a:lstStyle/>
+          <a:p>
+            <a:r>
+              <a:rPr lang="en-US" sz="1200" dirty="0"/>
+              <a:t>Web-site handler</a:t>
+            </a:r>
+            <a:endParaRPr lang="en-SG" sz="1200" dirty="0"/>
+          </a:p>
+        </p:txBody>
+      </p:sp>
+      <p:cxnSp>
+        <p:nvCxnSpPr>
+          <p:cNvPr id="199" name="Straight Arrow Connector 198">
+            <a:extLst>
+              <a:ext uri="{FF2B5EF4-FFF2-40B4-BE49-F238E27FC236}">
+                <a16:creationId xmlns:a16="http://schemas.microsoft.com/office/drawing/2014/main" id="{D3A72017-A892-4589-05F6-3CA8FACC3680}"/>
+              </a:ext>
+            </a:extLst>
+          </p:cNvPr>
+          <p:cNvCxnSpPr>
+            <a:cxnSpLocks/>
+            <a:endCxn id="198" idx="0"/>
+          </p:cNvCxnSpPr>
+          <p:nvPr/>
+        </p:nvCxnSpPr>
+        <p:spPr>
+          <a:xfrm>
+            <a:off x="11120609" y="2810431"/>
+            <a:ext cx="33352" cy="2004340"/>
+          </a:xfrm>
+          <a:prstGeom prst="straightConnector1">
+            <a:avLst/>
+          </a:prstGeom>
+          <a:ln w="19050">
+            <a:prstDash val="sysDash"/>
+            <a:tailEnd type="triangle"/>
+          </a:ln>
+        </p:spPr>
+        <p:style>
+          <a:lnRef idx="1">
+            <a:schemeClr val="accent1"/>
+          </a:lnRef>
+          <a:fillRef idx="0">
+            <a:schemeClr val="accent1"/>
+          </a:fillRef>
+          <a:effectRef idx="0">
+            <a:schemeClr val="accent1"/>
+          </a:effectRef>
+          <a:fontRef idx="minor">
+            <a:schemeClr val="tx1"/>
+          </a:fontRef>
+        </p:style>
+      </p:cxnSp>
+      <p:sp>
+        <p:nvSpPr>
+          <p:cNvPr id="200" name="TextBox 199">
+            <a:extLst>
+              <a:ext uri="{FF2B5EF4-FFF2-40B4-BE49-F238E27FC236}">
+                <a16:creationId xmlns:a16="http://schemas.microsoft.com/office/drawing/2014/main" id="{A82525B7-4201-F35F-FFF1-E4FEF9C4CD3B}"/>
+              </a:ext>
+            </a:extLst>
+          </p:cNvPr>
+          <p:cNvSpPr txBox="1"/>
+          <p:nvPr/>
+        </p:nvSpPr>
+        <p:spPr>
+          <a:xfrm>
+            <a:off x="9071267" y="4224923"/>
+            <a:ext cx="530093" cy="261610"/>
+          </a:xfrm>
+          <a:prstGeom prst="rect">
+            <a:avLst/>
+          </a:prstGeom>
+          <a:noFill/>
+        </p:spPr>
+        <p:txBody>
+          <a:bodyPr wrap="square" rtlCol="0">
+            <a:spAutoFit/>
+          </a:bodyPr>
+          <a:lstStyle/>
+          <a:p>
+            <a:r>
+              <a:rPr lang="en-US" sz="1100" b="1" dirty="0"/>
+              <a:t>Data</a:t>
+            </a:r>
+            <a:endParaRPr lang="en-SG" sz="1100" b="1" dirty="0"/>
+          </a:p>
+        </p:txBody>
+      </p:sp>
+      <p:sp>
+        <p:nvSpPr>
+          <p:cNvPr id="201" name="TextBox 200">
+            <a:extLst>
+              <a:ext uri="{FF2B5EF4-FFF2-40B4-BE49-F238E27FC236}">
+                <a16:creationId xmlns:a16="http://schemas.microsoft.com/office/drawing/2014/main" id="{CC9A3443-2446-59E0-40CA-9E9E1D4EFF0D}"/>
+              </a:ext>
+            </a:extLst>
+          </p:cNvPr>
+          <p:cNvSpPr txBox="1"/>
+          <p:nvPr/>
+        </p:nvSpPr>
+        <p:spPr>
+          <a:xfrm>
+            <a:off x="7123684" y="6318488"/>
+            <a:ext cx="697985" cy="261610"/>
+          </a:xfrm>
+          <a:prstGeom prst="rect">
+            <a:avLst/>
+          </a:prstGeom>
+          <a:noFill/>
+        </p:spPr>
+        <p:txBody>
+          <a:bodyPr wrap="square" rtlCol="0">
+            <a:spAutoFit/>
+          </a:bodyPr>
+          <a:lstStyle/>
+          <a:p>
+            <a:r>
+              <a:rPr lang="en-US" sz="1100" b="1" dirty="0">
+                <a:solidFill>
+                  <a:srgbClr val="0070C0"/>
+                </a:solidFill>
+              </a:rPr>
+              <a:t>Network</a:t>
+            </a:r>
+            <a:endParaRPr lang="en-SG" sz="1100" b="1" dirty="0">
+              <a:solidFill>
+                <a:srgbClr val="0070C0"/>
+              </a:solidFill>
+            </a:endParaRPr>
+          </a:p>
+        </p:txBody>
+      </p:sp>
+      <p:sp>
+        <p:nvSpPr>
+          <p:cNvPr id="202" name="TextBox 201">
+            <a:extLst>
+              <a:ext uri="{FF2B5EF4-FFF2-40B4-BE49-F238E27FC236}">
+                <a16:creationId xmlns:a16="http://schemas.microsoft.com/office/drawing/2014/main" id="{92A31E0A-5285-C954-BC1D-522F7F205997}"/>
+              </a:ext>
+            </a:extLst>
+          </p:cNvPr>
+          <p:cNvSpPr txBox="1"/>
+          <p:nvPr/>
+        </p:nvSpPr>
+        <p:spPr>
+          <a:xfrm>
+            <a:off x="9194049" y="6338880"/>
+            <a:ext cx="697985" cy="261610"/>
+          </a:xfrm>
+          <a:prstGeom prst="rect">
+            <a:avLst/>
+          </a:prstGeom>
+          <a:noFill/>
+        </p:spPr>
+        <p:txBody>
+          <a:bodyPr wrap="square" rtlCol="0">
+            <a:spAutoFit/>
+          </a:bodyPr>
+          <a:lstStyle/>
+          <a:p>
+            <a:r>
+              <a:rPr lang="en-US" sz="1100" b="1" dirty="0">
+                <a:solidFill>
+                  <a:srgbClr val="0070C0"/>
+                </a:solidFill>
+              </a:rPr>
+              <a:t>Network</a:t>
+            </a:r>
+            <a:endParaRPr lang="en-SG" sz="1100" b="1" dirty="0">
+              <a:solidFill>
+                <a:srgbClr val="0070C0"/>
+              </a:solidFill>
+            </a:endParaRPr>
+          </a:p>
+        </p:txBody>
+      </p:sp>
+      <p:cxnSp>
+        <p:nvCxnSpPr>
+          <p:cNvPr id="3" name="Straight Arrow Connector 2">
+            <a:extLst>
+              <a:ext uri="{FF2B5EF4-FFF2-40B4-BE49-F238E27FC236}">
+                <a16:creationId xmlns:a16="http://schemas.microsoft.com/office/drawing/2014/main" id="{DA627BBB-6E85-4E32-7F52-B4C6E6525684}"/>
+              </a:ext>
+            </a:extLst>
+          </p:cNvPr>
+          <p:cNvCxnSpPr/>
+          <p:nvPr/>
+        </p:nvCxnSpPr>
+        <p:spPr>
+          <a:xfrm>
+            <a:off x="347869" y="407504"/>
+            <a:ext cx="398801" cy="0"/>
+          </a:xfrm>
+          <a:prstGeom prst="straightConnector1">
+            <a:avLst/>
+          </a:prstGeom>
+          <a:ln>
+            <a:solidFill>
+              <a:schemeClr val="tx1"/>
+            </a:solidFill>
+            <a:tailEnd type="triangle"/>
+          </a:ln>
+        </p:spPr>
+        <p:style>
+          <a:lnRef idx="1">
+            <a:schemeClr val="accent1"/>
+          </a:lnRef>
+          <a:fillRef idx="0">
+            <a:schemeClr val="accent1"/>
+          </a:fillRef>
+          <a:effectRef idx="0">
+            <a:schemeClr val="accent1"/>
+          </a:effectRef>
+          <a:fontRef idx="minor">
+            <a:schemeClr val="tx1"/>
+          </a:fontRef>
+        </p:style>
+      </p:cxnSp>
+      <p:sp>
+        <p:nvSpPr>
+          <p:cNvPr id="5" name="TextBox 4">
+            <a:extLst>
+              <a:ext uri="{FF2B5EF4-FFF2-40B4-BE49-F238E27FC236}">
+                <a16:creationId xmlns:a16="http://schemas.microsoft.com/office/drawing/2014/main" id="{D0004950-626F-FA33-A065-EA06BB7F09EF}"/>
+              </a:ext>
+            </a:extLst>
+          </p:cNvPr>
+          <p:cNvSpPr txBox="1"/>
+          <p:nvPr/>
+        </p:nvSpPr>
+        <p:spPr>
+          <a:xfrm>
+            <a:off x="732982" y="276699"/>
+            <a:ext cx="530093" cy="261610"/>
+          </a:xfrm>
+          <a:prstGeom prst="rect">
+            <a:avLst/>
+          </a:prstGeom>
+          <a:noFill/>
+        </p:spPr>
+        <p:txBody>
+          <a:bodyPr wrap="square" rtlCol="0">
+            <a:spAutoFit/>
+          </a:bodyPr>
+          <a:lstStyle/>
+          <a:p>
+            <a:r>
+              <a:rPr lang="en-US" sz="1100" dirty="0"/>
+              <a:t>Data</a:t>
+            </a:r>
+            <a:endParaRPr lang="en-SG" sz="1100" dirty="0"/>
+          </a:p>
+        </p:txBody>
+      </p:sp>
+      <p:cxnSp>
+        <p:nvCxnSpPr>
+          <p:cNvPr id="9" name="Straight Arrow Connector 8">
+            <a:extLst>
+              <a:ext uri="{FF2B5EF4-FFF2-40B4-BE49-F238E27FC236}">
+                <a16:creationId xmlns:a16="http://schemas.microsoft.com/office/drawing/2014/main" id="{CE785A8C-5B48-1068-AEB2-9B994F64873B}"/>
+              </a:ext>
+            </a:extLst>
+          </p:cNvPr>
+          <p:cNvCxnSpPr/>
+          <p:nvPr/>
+        </p:nvCxnSpPr>
+        <p:spPr>
+          <a:xfrm>
+            <a:off x="359561" y="635154"/>
+            <a:ext cx="373421" cy="0"/>
+          </a:xfrm>
+          <a:prstGeom prst="straightConnector1">
+            <a:avLst/>
+          </a:prstGeom>
+          <a:ln>
+            <a:tailEnd type="triangle"/>
+          </a:ln>
+        </p:spPr>
+        <p:style>
+          <a:lnRef idx="1">
+            <a:schemeClr val="accent1"/>
+          </a:lnRef>
+          <a:fillRef idx="0">
+            <a:schemeClr val="accent1"/>
+          </a:fillRef>
+          <a:effectRef idx="0">
+            <a:schemeClr val="accent1"/>
+          </a:effectRef>
+          <a:fontRef idx="minor">
+            <a:schemeClr val="tx1"/>
+          </a:fontRef>
+        </p:style>
+      </p:cxnSp>
+      <p:sp>
+        <p:nvSpPr>
+          <p:cNvPr id="10" name="TextBox 9">
+            <a:extLst>
+              <a:ext uri="{FF2B5EF4-FFF2-40B4-BE49-F238E27FC236}">
+                <a16:creationId xmlns:a16="http://schemas.microsoft.com/office/drawing/2014/main" id="{A47AB365-C25B-C3D7-3EFE-BD739D804870}"/>
+              </a:ext>
+            </a:extLst>
+          </p:cNvPr>
+          <p:cNvSpPr txBox="1"/>
+          <p:nvPr/>
+        </p:nvSpPr>
+        <p:spPr>
+          <a:xfrm>
+            <a:off x="696007" y="457361"/>
+            <a:ext cx="1589363" cy="430887"/>
+          </a:xfrm>
+          <a:prstGeom prst="rect">
+            <a:avLst/>
+          </a:prstGeom>
+          <a:noFill/>
+        </p:spPr>
+        <p:txBody>
+          <a:bodyPr wrap="square" rtlCol="0">
+            <a:spAutoFit/>
+          </a:bodyPr>
+          <a:lstStyle/>
+          <a:p>
+            <a:r>
+              <a:rPr lang="en-US" sz="1100" dirty="0"/>
+              <a:t>Sequential process/thread </a:t>
+            </a:r>
+            <a:endParaRPr lang="en-SG" sz="1100" dirty="0"/>
+          </a:p>
+        </p:txBody>
+      </p:sp>
+      <p:cxnSp>
+        <p:nvCxnSpPr>
+          <p:cNvPr id="13" name="Straight Arrow Connector 12">
+            <a:extLst>
+              <a:ext uri="{FF2B5EF4-FFF2-40B4-BE49-F238E27FC236}">
+                <a16:creationId xmlns:a16="http://schemas.microsoft.com/office/drawing/2014/main" id="{B98C034D-C0A1-B79F-D177-A238DC2998AD}"/>
+              </a:ext>
+            </a:extLst>
+          </p:cNvPr>
+          <p:cNvCxnSpPr/>
+          <p:nvPr/>
+        </p:nvCxnSpPr>
+        <p:spPr>
+          <a:xfrm>
+            <a:off x="372432" y="993909"/>
+            <a:ext cx="373421" cy="0"/>
+          </a:xfrm>
+          <a:prstGeom prst="straightConnector1">
+            <a:avLst/>
+          </a:prstGeom>
+          <a:ln>
+            <a:prstDash val="dash"/>
+            <a:tailEnd type="triangle"/>
+          </a:ln>
+        </p:spPr>
+        <p:style>
+          <a:lnRef idx="1">
+            <a:schemeClr val="accent1"/>
+          </a:lnRef>
+          <a:fillRef idx="0">
+            <a:schemeClr val="accent1"/>
+          </a:fillRef>
+          <a:effectRef idx="0">
+            <a:schemeClr val="accent1"/>
+          </a:effectRef>
+          <a:fontRef idx="minor">
+            <a:schemeClr val="tx1"/>
+          </a:fontRef>
+        </p:style>
+      </p:cxnSp>
+      <p:sp>
+        <p:nvSpPr>
+          <p:cNvPr id="14" name="TextBox 13">
+            <a:extLst>
+              <a:ext uri="{FF2B5EF4-FFF2-40B4-BE49-F238E27FC236}">
+                <a16:creationId xmlns:a16="http://schemas.microsoft.com/office/drawing/2014/main" id="{2CF894DB-D6B4-75BB-DE20-CE17C865BAC4}"/>
+              </a:ext>
+            </a:extLst>
+          </p:cNvPr>
+          <p:cNvSpPr txBox="1"/>
+          <p:nvPr/>
+        </p:nvSpPr>
+        <p:spPr>
+          <a:xfrm>
+            <a:off x="689674" y="849747"/>
+            <a:ext cx="1350430" cy="430887"/>
+          </a:xfrm>
+          <a:prstGeom prst="rect">
+            <a:avLst/>
+          </a:prstGeom>
+          <a:noFill/>
+        </p:spPr>
+        <p:txBody>
+          <a:bodyPr wrap="square" rtlCol="0">
+            <a:spAutoFit/>
+          </a:bodyPr>
+          <a:lstStyle/>
+          <a:p>
+            <a:r>
+              <a:rPr lang="en-US" sz="1100" dirty="0"/>
+              <a:t>Parallel process/thread </a:t>
+            </a:r>
+            <a:endParaRPr lang="en-SG" sz="1100" dirty="0"/>
+          </a:p>
+        </p:txBody>
+      </p:sp>
+    </p:spTree>
+    <p:extLst>
+      <p:ext uri="{BB962C8B-B14F-4D97-AF65-F5344CB8AC3E}">
+        <p14:creationId xmlns:p14="http://schemas.microsoft.com/office/powerpoint/2010/main" val="2486327747"/>
+      </p:ext>
+    </p:extLst>
+  </p:cSld>
+  <p:clrMapOvr>
+    <a:masterClrMapping/>
+  </p:clrMapOvr>
+</p:sld>
+</file>
+
 <file path=ppt/theme/theme1.xml><?xml version="1.0" encoding="utf-8"?>
 <a:theme xmlns:a="http://schemas.openxmlformats.org/drawingml/2006/main" name="Office Theme">
   <a:themeElements>

--- a/doc/designDoc.pptx
+++ b/doc/designDoc.pptx
@@ -5,14 +5,15 @@
     <p:sldMasterId id="2147483648" r:id="rId1"/>
   </p:sldMasterIdLst>
   <p:notesMasterIdLst>
-    <p:notesMasterId r:id="rId7"/>
+    <p:notesMasterId r:id="rId8"/>
   </p:notesMasterIdLst>
   <p:sldIdLst>
     <p:sldId id="256" r:id="rId2"/>
     <p:sldId id="257" r:id="rId3"/>
     <p:sldId id="258" r:id="rId4"/>
     <p:sldId id="259" r:id="rId5"/>
-    <p:sldId id="260" r:id="rId6"/>
+    <p:sldId id="261" r:id="rId6"/>
+    <p:sldId id="260" r:id="rId7"/>
   </p:sldIdLst>
   <p:sldSz cx="12192000" cy="6858000"/>
   <p:notesSz cx="6858000" cy="9144000"/>
@@ -201,7 +202,7 @@
           <a:p>
             <a:fld id="{2BA6DB02-48BF-406A-9449-0BBAAE1D3FCC}" type="datetimeFigureOut">
               <a:rPr lang="en-SG" smtClean="0"/>
-              <a:t>9/1/2023</a:t>
+              <a:t>16/1/2023</a:t>
             </a:fld>
             <a:endParaRPr lang="en-SG" dirty="0"/>
           </a:p>
@@ -702,7 +703,7 @@
           <a:p>
             <a:fld id="{568D23B1-6EF9-4DFF-A006-F22E70A73051}" type="datetimeFigureOut">
               <a:rPr lang="en-SG" smtClean="0"/>
-              <a:t>9/1/2023</a:t>
+              <a:t>16/1/2023</a:t>
             </a:fld>
             <a:endParaRPr lang="en-SG" dirty="0"/>
           </a:p>
@@ -902,7 +903,7 @@
           <a:p>
             <a:fld id="{568D23B1-6EF9-4DFF-A006-F22E70A73051}" type="datetimeFigureOut">
               <a:rPr lang="en-SG" smtClean="0"/>
-              <a:t>9/1/2023</a:t>
+              <a:t>16/1/2023</a:t>
             </a:fld>
             <a:endParaRPr lang="en-SG" dirty="0"/>
           </a:p>
@@ -1112,7 +1113,7 @@
           <a:p>
             <a:fld id="{568D23B1-6EF9-4DFF-A006-F22E70A73051}" type="datetimeFigureOut">
               <a:rPr lang="en-SG" smtClean="0"/>
-              <a:t>9/1/2023</a:t>
+              <a:t>16/1/2023</a:t>
             </a:fld>
             <a:endParaRPr lang="en-SG" dirty="0"/>
           </a:p>
@@ -1312,7 +1313,7 @@
           <a:p>
             <a:fld id="{568D23B1-6EF9-4DFF-A006-F22E70A73051}" type="datetimeFigureOut">
               <a:rPr lang="en-SG" smtClean="0"/>
-              <a:t>9/1/2023</a:t>
+              <a:t>16/1/2023</a:t>
             </a:fld>
             <a:endParaRPr lang="en-SG" dirty="0"/>
           </a:p>
@@ -1588,7 +1589,7 @@
           <a:p>
             <a:fld id="{568D23B1-6EF9-4DFF-A006-F22E70A73051}" type="datetimeFigureOut">
               <a:rPr lang="en-SG" smtClean="0"/>
-              <a:t>9/1/2023</a:t>
+              <a:t>16/1/2023</a:t>
             </a:fld>
             <a:endParaRPr lang="en-SG" dirty="0"/>
           </a:p>
@@ -1856,7 +1857,7 @@
           <a:p>
             <a:fld id="{568D23B1-6EF9-4DFF-A006-F22E70A73051}" type="datetimeFigureOut">
               <a:rPr lang="en-SG" smtClean="0"/>
-              <a:t>9/1/2023</a:t>
+              <a:t>16/1/2023</a:t>
             </a:fld>
             <a:endParaRPr lang="en-SG" dirty="0"/>
           </a:p>
@@ -2271,7 +2272,7 @@
           <a:p>
             <a:fld id="{568D23B1-6EF9-4DFF-A006-F22E70A73051}" type="datetimeFigureOut">
               <a:rPr lang="en-SG" smtClean="0"/>
-              <a:t>9/1/2023</a:t>
+              <a:t>16/1/2023</a:t>
             </a:fld>
             <a:endParaRPr lang="en-SG" dirty="0"/>
           </a:p>
@@ -2413,7 +2414,7 @@
           <a:p>
             <a:fld id="{568D23B1-6EF9-4DFF-A006-F22E70A73051}" type="datetimeFigureOut">
               <a:rPr lang="en-SG" smtClean="0"/>
-              <a:t>9/1/2023</a:t>
+              <a:t>16/1/2023</a:t>
             </a:fld>
             <a:endParaRPr lang="en-SG" dirty="0"/>
           </a:p>
@@ -2526,7 +2527,7 @@
           <a:p>
             <a:fld id="{568D23B1-6EF9-4DFF-A006-F22E70A73051}" type="datetimeFigureOut">
               <a:rPr lang="en-SG" smtClean="0"/>
-              <a:t>9/1/2023</a:t>
+              <a:t>16/1/2023</a:t>
             </a:fld>
             <a:endParaRPr lang="en-SG" dirty="0"/>
           </a:p>
@@ -2839,7 +2840,7 @@
           <a:p>
             <a:fld id="{568D23B1-6EF9-4DFF-A006-F22E70A73051}" type="datetimeFigureOut">
               <a:rPr lang="en-SG" smtClean="0"/>
-              <a:t>9/1/2023</a:t>
+              <a:t>16/1/2023</a:t>
             </a:fld>
             <a:endParaRPr lang="en-SG" dirty="0"/>
           </a:p>
@@ -3128,7 +3129,7 @@
           <a:p>
             <a:fld id="{568D23B1-6EF9-4DFF-A006-F22E70A73051}" type="datetimeFigureOut">
               <a:rPr lang="en-SG" smtClean="0"/>
-              <a:t>9/1/2023</a:t>
+              <a:t>16/1/2023</a:t>
             </a:fld>
             <a:endParaRPr lang="en-SG" dirty="0"/>
           </a:p>
@@ -3371,7 +3372,7 @@
           <a:p>
             <a:fld id="{568D23B1-6EF9-4DFF-A006-F22E70A73051}" type="datetimeFigureOut">
               <a:rPr lang="en-SG" smtClean="0"/>
-              <a:t>9/1/2023</a:t>
+              <a:t>16/1/2023</a:t>
             </a:fld>
             <a:endParaRPr lang="en-SG" dirty="0"/>
           </a:p>
@@ -12259,8 +12260,8 @@
         </p:nvCxnSpPr>
         <p:spPr>
           <a:xfrm>
-            <a:off x="2593497" y="1254996"/>
-            <a:ext cx="3745174" cy="625235"/>
+            <a:off x="2609120" y="1224339"/>
+            <a:ext cx="3729551" cy="655892"/>
           </a:xfrm>
           <a:prstGeom prst="bentConnector2">
             <a:avLst/>
@@ -14280,7 +14281,7 @@
           <a:p>
             <a:r>
               <a:rPr lang="en-US" sz="1400" b="1" dirty="0"/>
-              <a:t>User Actions repositories</a:t>
+              <a:t>User actions repositories</a:t>
             </a:r>
             <a:endParaRPr lang="en-SG" sz="1400" b="1" dirty="0"/>
           </a:p>
@@ -15169,7 +15170,7 @@
         </p:nvSpPr>
         <p:spPr>
           <a:xfrm>
-            <a:off x="6329801" y="4216234"/>
+            <a:off x="5683154" y="4553409"/>
             <a:ext cx="913579" cy="427896"/>
           </a:xfrm>
           <a:prstGeom prst="rect">
@@ -15218,7 +15219,7 @@
         </p:nvSpPr>
         <p:spPr>
           <a:xfrm>
-            <a:off x="5891419" y="3814847"/>
+            <a:off x="7005173" y="3833730"/>
             <a:ext cx="447252" cy="261611"/>
           </a:xfrm>
           <a:prstGeom prst="can">
@@ -15310,8 +15311,8 @@
         </p:nvCxnSpPr>
         <p:spPr>
           <a:xfrm>
-            <a:off x="6718852" y="2359432"/>
-            <a:ext cx="0" cy="1835811"/>
+            <a:off x="5895559" y="3446390"/>
+            <a:ext cx="0" cy="1113505"/>
           </a:xfrm>
           <a:prstGeom prst="straightConnector1">
             <a:avLst/>
@@ -15347,13 +15348,12 @@
           </p:cNvPr>
           <p:cNvCxnSpPr>
             <a:cxnSpLocks/>
-            <a:endCxn id="117" idx="1"/>
           </p:cNvCxnSpPr>
           <p:nvPr/>
         </p:nvCxnSpPr>
         <p:spPr>
           <a:xfrm>
-            <a:off x="6115045" y="3399043"/>
+            <a:off x="7182397" y="3411135"/>
             <a:ext cx="0" cy="415804"/>
           </a:xfrm>
           <a:prstGeom prst="straightConnector1">
@@ -15690,12 +15690,12 @@
         </p:nvCxnSpPr>
         <p:spPr>
           <a:xfrm>
-            <a:off x="3150704" y="1567613"/>
-            <a:ext cx="2452474" cy="1367218"/>
+            <a:off x="3192568" y="1911699"/>
+            <a:ext cx="2410610" cy="1023132"/>
           </a:xfrm>
           <a:prstGeom prst="bentConnector3">
             <a:avLst>
-              <a:gd name="adj1" fmla="val 99848"/>
+              <a:gd name="adj1" fmla="val 99889"/>
             </a:avLst>
           </a:prstGeom>
           <a:ln>
@@ -15790,51 +15790,6 @@
           </a:p>
         </p:txBody>
       </p:sp>
-      <p:cxnSp>
-        <p:nvCxnSpPr>
-          <p:cNvPr id="160" name="Straight Arrow Connector 159">
-            <a:extLst>
-              <a:ext uri="{FF2B5EF4-FFF2-40B4-BE49-F238E27FC236}">
-                <a16:creationId xmlns:a16="http://schemas.microsoft.com/office/drawing/2014/main" id="{1F5E91B0-8F5D-1517-C77E-9FB2283C5AFA}"/>
-              </a:ext>
-            </a:extLst>
-          </p:cNvPr>
-          <p:cNvCxnSpPr>
-            <a:stCxn id="116" idx="3"/>
-          </p:cNvCxnSpPr>
-          <p:nvPr/>
-        </p:nvCxnSpPr>
-        <p:spPr>
-          <a:xfrm>
-            <a:off x="7243380" y="4430182"/>
-            <a:ext cx="697985" cy="0"/>
-          </a:xfrm>
-          <a:prstGeom prst="straightConnector1">
-            <a:avLst/>
-          </a:prstGeom>
-          <a:ln>
-            <a:solidFill>
-              <a:schemeClr val="tx1"/>
-            </a:solidFill>
-            <a:headEnd type="triangle"/>
-            <a:tailEnd type="triangle"/>
-          </a:ln>
-        </p:spPr>
-        <p:style>
-          <a:lnRef idx="1">
-            <a:schemeClr val="accent1"/>
-          </a:lnRef>
-          <a:fillRef idx="0">
-            <a:schemeClr val="accent1"/>
-          </a:fillRef>
-          <a:effectRef idx="0">
-            <a:schemeClr val="accent1"/>
-          </a:effectRef>
-          <a:fontRef idx="minor">
-            <a:schemeClr val="tx1"/>
-          </a:fontRef>
-        </p:style>
-      </p:cxnSp>
       <p:sp>
         <p:nvSpPr>
           <p:cNvPr id="161" name="TextBox 160">
@@ -16369,7 +16324,5655 @@
         </p:nvCxnSpPr>
         <p:spPr>
           <a:xfrm>
-            <a:off x="10215887" y="2810431"/>
+            <a:off x="10345094" y="2810431"/>
+            <a:ext cx="1" cy="429567"/>
+          </a:xfrm>
+          <a:prstGeom prst="straightConnector1">
+            <a:avLst/>
+          </a:prstGeom>
+          <a:ln w="19050">
+            <a:prstDash val="sysDash"/>
+            <a:tailEnd type="triangle"/>
+          </a:ln>
+        </p:spPr>
+        <p:style>
+          <a:lnRef idx="1">
+            <a:schemeClr val="accent1"/>
+          </a:lnRef>
+          <a:fillRef idx="0">
+            <a:schemeClr val="accent1"/>
+          </a:fillRef>
+          <a:effectRef idx="0">
+            <a:schemeClr val="accent1"/>
+          </a:effectRef>
+          <a:fontRef idx="minor">
+            <a:schemeClr val="tx1"/>
+          </a:fontRef>
+        </p:style>
+      </p:cxnSp>
+      <p:sp>
+        <p:nvSpPr>
+          <p:cNvPr id="183" name="Cylinder 182">
+            <a:extLst>
+              <a:ext uri="{FF2B5EF4-FFF2-40B4-BE49-F238E27FC236}">
+                <a16:creationId xmlns:a16="http://schemas.microsoft.com/office/drawing/2014/main" id="{44064194-FF51-CD14-F7AB-CE88DA6803A4}"/>
+              </a:ext>
+            </a:extLst>
+          </p:cNvPr>
+          <p:cNvSpPr/>
+          <p:nvPr/>
+        </p:nvSpPr>
+        <p:spPr>
+          <a:xfrm>
+            <a:off x="10286103" y="3937708"/>
+            <a:ext cx="447252" cy="261611"/>
+          </a:xfrm>
+          <a:prstGeom prst="can">
+            <a:avLst/>
+          </a:prstGeom>
+        </p:spPr>
+        <p:style>
+          <a:lnRef idx="2">
+            <a:schemeClr val="accent1">
+              <a:shade val="50000"/>
+            </a:schemeClr>
+          </a:lnRef>
+          <a:fillRef idx="1">
+            <a:schemeClr val="accent1"/>
+          </a:fillRef>
+          <a:effectRef idx="0">
+            <a:schemeClr val="accent1"/>
+          </a:effectRef>
+          <a:fontRef idx="minor">
+            <a:schemeClr val="lt1"/>
+          </a:fontRef>
+        </p:style>
+        <p:txBody>
+          <a:bodyPr rtlCol="0" anchor="ctr"/>
+          <a:lstStyle/>
+          <a:p>
+            <a:pPr algn="ctr"/>
+            <a:r>
+              <a:rPr lang="en-US" sz="1200" b="1" dirty="0"/>
+              <a:t>DB</a:t>
+            </a:r>
+            <a:endParaRPr lang="en-SG" sz="1200" b="1" dirty="0"/>
+          </a:p>
+        </p:txBody>
+      </p:sp>
+      <p:cxnSp>
+        <p:nvCxnSpPr>
+          <p:cNvPr id="184" name="Straight Arrow Connector 183">
+            <a:extLst>
+              <a:ext uri="{FF2B5EF4-FFF2-40B4-BE49-F238E27FC236}">
+                <a16:creationId xmlns:a16="http://schemas.microsoft.com/office/drawing/2014/main" id="{93D4F625-3999-06F3-0893-15C547D94F2F}"/>
+              </a:ext>
+            </a:extLst>
+          </p:cNvPr>
+          <p:cNvCxnSpPr>
+            <a:cxnSpLocks/>
+          </p:cNvCxnSpPr>
+          <p:nvPr/>
+        </p:nvCxnSpPr>
+        <p:spPr>
+          <a:xfrm>
+            <a:off x="10509729" y="3689283"/>
+            <a:ext cx="0" cy="207902"/>
+          </a:xfrm>
+          <a:prstGeom prst="straightConnector1">
+            <a:avLst/>
+          </a:prstGeom>
+          <a:ln>
+            <a:headEnd type="triangle" w="med" len="med"/>
+            <a:tailEnd type="triangle" w="med" len="med"/>
+          </a:ln>
+        </p:spPr>
+        <p:style>
+          <a:lnRef idx="1">
+            <a:schemeClr val="dk1"/>
+          </a:lnRef>
+          <a:fillRef idx="0">
+            <a:schemeClr val="dk1"/>
+          </a:fillRef>
+          <a:effectRef idx="0">
+            <a:schemeClr val="dk1"/>
+          </a:effectRef>
+          <a:fontRef idx="minor">
+            <a:schemeClr val="tx1"/>
+          </a:fontRef>
+        </p:style>
+      </p:cxnSp>
+      <p:sp>
+        <p:nvSpPr>
+          <p:cNvPr id="187" name="Rectangle 186">
+            <a:extLst>
+              <a:ext uri="{FF2B5EF4-FFF2-40B4-BE49-F238E27FC236}">
+                <a16:creationId xmlns:a16="http://schemas.microsoft.com/office/drawing/2014/main" id="{33FFD54A-1ECC-975B-973A-485F04B1ACA2}"/>
+              </a:ext>
+            </a:extLst>
+          </p:cNvPr>
+          <p:cNvSpPr/>
+          <p:nvPr/>
+        </p:nvSpPr>
+        <p:spPr>
+          <a:xfrm>
+            <a:off x="9804839" y="4235245"/>
+            <a:ext cx="913579" cy="427896"/>
+          </a:xfrm>
+          <a:prstGeom prst="rect">
+            <a:avLst/>
+          </a:prstGeom>
+        </p:spPr>
+        <p:style>
+          <a:lnRef idx="2">
+            <a:schemeClr val="accent1">
+              <a:shade val="50000"/>
+            </a:schemeClr>
+          </a:lnRef>
+          <a:fillRef idx="1">
+            <a:schemeClr val="accent1"/>
+          </a:fillRef>
+          <a:effectRef idx="0">
+            <a:schemeClr val="accent1"/>
+          </a:effectRef>
+          <a:fontRef idx="minor">
+            <a:schemeClr val="lt1"/>
+          </a:fontRef>
+        </p:style>
+        <p:txBody>
+          <a:bodyPr rtlCol="0" anchor="ctr"/>
+          <a:lstStyle/>
+          <a:p>
+            <a:r>
+              <a:rPr lang="en-US" sz="1200" dirty="0"/>
+              <a:t>UDP Comm handler</a:t>
+            </a:r>
+            <a:endParaRPr lang="en-SG" sz="1200" dirty="0"/>
+          </a:p>
+        </p:txBody>
+      </p:sp>
+      <p:cxnSp>
+        <p:nvCxnSpPr>
+          <p:cNvPr id="188" name="Straight Arrow Connector 187">
+            <a:extLst>
+              <a:ext uri="{FF2B5EF4-FFF2-40B4-BE49-F238E27FC236}">
+                <a16:creationId xmlns:a16="http://schemas.microsoft.com/office/drawing/2014/main" id="{5D193C39-A470-ECFF-331A-E23E87D8B6BE}"/>
+              </a:ext>
+            </a:extLst>
+          </p:cNvPr>
+          <p:cNvCxnSpPr>
+            <a:cxnSpLocks/>
+            <a:endCxn id="187" idx="1"/>
+          </p:cNvCxnSpPr>
+          <p:nvPr/>
+        </p:nvCxnSpPr>
+        <p:spPr>
+          <a:xfrm>
+            <a:off x="8874398" y="4449193"/>
+            <a:ext cx="930441" cy="0"/>
+          </a:xfrm>
+          <a:prstGeom prst="straightConnector1">
+            <a:avLst/>
+          </a:prstGeom>
+          <a:ln>
+            <a:solidFill>
+              <a:schemeClr val="tx1"/>
+            </a:solidFill>
+            <a:headEnd type="triangle"/>
+            <a:tailEnd type="triangle"/>
+          </a:ln>
+        </p:spPr>
+        <p:style>
+          <a:lnRef idx="1">
+            <a:schemeClr val="accent1"/>
+          </a:lnRef>
+          <a:fillRef idx="0">
+            <a:schemeClr val="accent1"/>
+          </a:fillRef>
+          <a:effectRef idx="0">
+            <a:schemeClr val="accent1"/>
+          </a:effectRef>
+          <a:fontRef idx="minor">
+            <a:schemeClr val="tx1"/>
+          </a:fontRef>
+        </p:style>
+      </p:cxnSp>
+      <p:cxnSp>
+        <p:nvCxnSpPr>
+          <p:cNvPr id="193" name="Connector: Elbow 192">
+            <a:extLst>
+              <a:ext uri="{FF2B5EF4-FFF2-40B4-BE49-F238E27FC236}">
+                <a16:creationId xmlns:a16="http://schemas.microsoft.com/office/drawing/2014/main" id="{C921C903-89F8-0730-3185-FB6F3B6FD24A}"/>
+              </a:ext>
+            </a:extLst>
+          </p:cNvPr>
+          <p:cNvCxnSpPr>
+            <a:stCxn id="181" idx="1"/>
+          </p:cNvCxnSpPr>
+          <p:nvPr/>
+        </p:nvCxnSpPr>
+        <p:spPr>
+          <a:xfrm rot="10800000" flipV="1">
+            <a:off x="9978888" y="2573380"/>
+            <a:ext cx="180987" cy="1637262"/>
+          </a:xfrm>
+          <a:prstGeom prst="bentConnector2">
+            <a:avLst/>
+          </a:prstGeom>
+          <a:ln w="19050">
+            <a:prstDash val="sysDash"/>
+            <a:tailEnd type="triangle"/>
+          </a:ln>
+        </p:spPr>
+        <p:style>
+          <a:lnRef idx="1">
+            <a:schemeClr val="accent1"/>
+          </a:lnRef>
+          <a:fillRef idx="0">
+            <a:schemeClr val="accent1"/>
+          </a:fillRef>
+          <a:effectRef idx="0">
+            <a:schemeClr val="accent1"/>
+          </a:effectRef>
+          <a:fontRef idx="minor">
+            <a:schemeClr val="tx1"/>
+          </a:fontRef>
+        </p:style>
+      </p:cxnSp>
+      <p:sp>
+        <p:nvSpPr>
+          <p:cNvPr id="194" name="Rectangle 193">
+            <a:extLst>
+              <a:ext uri="{FF2B5EF4-FFF2-40B4-BE49-F238E27FC236}">
+                <a16:creationId xmlns:a16="http://schemas.microsoft.com/office/drawing/2014/main" id="{83245B9A-762C-BCB6-AD68-118AC897C0C5}"/>
+              </a:ext>
+            </a:extLst>
+          </p:cNvPr>
+          <p:cNvSpPr/>
+          <p:nvPr/>
+        </p:nvSpPr>
+        <p:spPr>
+          <a:xfrm>
+            <a:off x="8639859" y="4888329"/>
+            <a:ext cx="788238" cy="427896"/>
+          </a:xfrm>
+          <a:prstGeom prst="rect">
+            <a:avLst/>
+          </a:prstGeom>
+        </p:spPr>
+        <p:style>
+          <a:lnRef idx="2">
+            <a:schemeClr val="accent1">
+              <a:shade val="50000"/>
+            </a:schemeClr>
+          </a:lnRef>
+          <a:fillRef idx="1">
+            <a:schemeClr val="accent1"/>
+          </a:fillRef>
+          <a:effectRef idx="0">
+            <a:schemeClr val="accent1"/>
+          </a:effectRef>
+          <a:fontRef idx="minor">
+            <a:schemeClr val="lt1"/>
+          </a:fontRef>
+        </p:style>
+        <p:txBody>
+          <a:bodyPr rtlCol="0" anchor="ctr"/>
+          <a:lstStyle/>
+          <a:p>
+            <a:r>
+              <a:rPr lang="en-US" sz="1200" dirty="0"/>
+              <a:t>Web-site handler</a:t>
+            </a:r>
+            <a:endParaRPr lang="en-SG" sz="1200" dirty="0"/>
+          </a:p>
+        </p:txBody>
+      </p:sp>
+      <p:cxnSp>
+        <p:nvCxnSpPr>
+          <p:cNvPr id="195" name="Straight Arrow Connector 194">
+            <a:extLst>
+              <a:ext uri="{FF2B5EF4-FFF2-40B4-BE49-F238E27FC236}">
+                <a16:creationId xmlns:a16="http://schemas.microsoft.com/office/drawing/2014/main" id="{2D56306B-3F40-D84B-812A-8265C4C24948}"/>
+              </a:ext>
+            </a:extLst>
+          </p:cNvPr>
+          <p:cNvCxnSpPr>
+            <a:cxnSpLocks/>
+            <a:endCxn id="194" idx="0"/>
+          </p:cNvCxnSpPr>
+          <p:nvPr/>
+        </p:nvCxnSpPr>
+        <p:spPr>
+          <a:xfrm>
+            <a:off x="9000626" y="2883989"/>
+            <a:ext cx="33352" cy="2004340"/>
+          </a:xfrm>
+          <a:prstGeom prst="straightConnector1">
+            <a:avLst/>
+          </a:prstGeom>
+          <a:ln w="19050">
+            <a:prstDash val="sysDash"/>
+            <a:tailEnd type="triangle"/>
+          </a:ln>
+        </p:spPr>
+        <p:style>
+          <a:lnRef idx="1">
+            <a:schemeClr val="accent1"/>
+          </a:lnRef>
+          <a:fillRef idx="0">
+            <a:schemeClr val="accent1"/>
+          </a:fillRef>
+          <a:effectRef idx="0">
+            <a:schemeClr val="accent1"/>
+          </a:effectRef>
+          <a:fontRef idx="minor">
+            <a:schemeClr val="tx1"/>
+          </a:fontRef>
+        </p:style>
+      </p:cxnSp>
+      <p:sp>
+        <p:nvSpPr>
+          <p:cNvPr id="198" name="Rectangle 197">
+            <a:extLst>
+              <a:ext uri="{FF2B5EF4-FFF2-40B4-BE49-F238E27FC236}">
+                <a16:creationId xmlns:a16="http://schemas.microsoft.com/office/drawing/2014/main" id="{3BF43741-61DD-D7AB-DEB9-F2370E126F99}"/>
+              </a:ext>
+            </a:extLst>
+          </p:cNvPr>
+          <p:cNvSpPr/>
+          <p:nvPr/>
+        </p:nvSpPr>
+        <p:spPr>
+          <a:xfrm>
+            <a:off x="10759842" y="4814771"/>
+            <a:ext cx="788238" cy="427896"/>
+          </a:xfrm>
+          <a:prstGeom prst="rect">
+            <a:avLst/>
+          </a:prstGeom>
+        </p:spPr>
+        <p:style>
+          <a:lnRef idx="2">
+            <a:schemeClr val="accent1">
+              <a:shade val="50000"/>
+            </a:schemeClr>
+          </a:lnRef>
+          <a:fillRef idx="1">
+            <a:schemeClr val="accent1"/>
+          </a:fillRef>
+          <a:effectRef idx="0">
+            <a:schemeClr val="accent1"/>
+          </a:effectRef>
+          <a:fontRef idx="minor">
+            <a:schemeClr val="lt1"/>
+          </a:fontRef>
+        </p:style>
+        <p:txBody>
+          <a:bodyPr rtlCol="0" anchor="ctr"/>
+          <a:lstStyle/>
+          <a:p>
+            <a:r>
+              <a:rPr lang="en-US" sz="1200" dirty="0"/>
+              <a:t>Web-site handler</a:t>
+            </a:r>
+            <a:endParaRPr lang="en-SG" sz="1200" dirty="0"/>
+          </a:p>
+        </p:txBody>
+      </p:sp>
+      <p:cxnSp>
+        <p:nvCxnSpPr>
+          <p:cNvPr id="199" name="Straight Arrow Connector 198">
+            <a:extLst>
+              <a:ext uri="{FF2B5EF4-FFF2-40B4-BE49-F238E27FC236}">
+                <a16:creationId xmlns:a16="http://schemas.microsoft.com/office/drawing/2014/main" id="{D3A72017-A892-4589-05F6-3CA8FACC3680}"/>
+              </a:ext>
+            </a:extLst>
+          </p:cNvPr>
+          <p:cNvCxnSpPr>
+            <a:cxnSpLocks/>
+            <a:endCxn id="198" idx="0"/>
+          </p:cNvCxnSpPr>
+          <p:nvPr/>
+        </p:nvCxnSpPr>
+        <p:spPr>
+          <a:xfrm>
+            <a:off x="11120609" y="2810431"/>
+            <a:ext cx="33352" cy="2004340"/>
+          </a:xfrm>
+          <a:prstGeom prst="straightConnector1">
+            <a:avLst/>
+          </a:prstGeom>
+          <a:ln w="19050">
+            <a:prstDash val="sysDash"/>
+            <a:tailEnd type="triangle"/>
+          </a:ln>
+        </p:spPr>
+        <p:style>
+          <a:lnRef idx="1">
+            <a:schemeClr val="accent1"/>
+          </a:lnRef>
+          <a:fillRef idx="0">
+            <a:schemeClr val="accent1"/>
+          </a:fillRef>
+          <a:effectRef idx="0">
+            <a:schemeClr val="accent1"/>
+          </a:effectRef>
+          <a:fontRef idx="minor">
+            <a:schemeClr val="tx1"/>
+          </a:fontRef>
+        </p:style>
+      </p:cxnSp>
+      <p:sp>
+        <p:nvSpPr>
+          <p:cNvPr id="200" name="TextBox 199">
+            <a:extLst>
+              <a:ext uri="{FF2B5EF4-FFF2-40B4-BE49-F238E27FC236}">
+                <a16:creationId xmlns:a16="http://schemas.microsoft.com/office/drawing/2014/main" id="{A82525B7-4201-F35F-FFF1-E4FEF9C4CD3B}"/>
+              </a:ext>
+            </a:extLst>
+          </p:cNvPr>
+          <p:cNvSpPr txBox="1"/>
+          <p:nvPr/>
+        </p:nvSpPr>
+        <p:spPr>
+          <a:xfrm>
+            <a:off x="9071267" y="4224923"/>
+            <a:ext cx="530093" cy="261610"/>
+          </a:xfrm>
+          <a:prstGeom prst="rect">
+            <a:avLst/>
+          </a:prstGeom>
+          <a:noFill/>
+        </p:spPr>
+        <p:txBody>
+          <a:bodyPr wrap="square" rtlCol="0">
+            <a:spAutoFit/>
+          </a:bodyPr>
+          <a:lstStyle/>
+          <a:p>
+            <a:r>
+              <a:rPr lang="en-US" sz="1100" b="1" dirty="0"/>
+              <a:t>Data</a:t>
+            </a:r>
+            <a:endParaRPr lang="en-SG" sz="1100" b="1" dirty="0"/>
+          </a:p>
+        </p:txBody>
+      </p:sp>
+      <p:sp>
+        <p:nvSpPr>
+          <p:cNvPr id="201" name="TextBox 200">
+            <a:extLst>
+              <a:ext uri="{FF2B5EF4-FFF2-40B4-BE49-F238E27FC236}">
+                <a16:creationId xmlns:a16="http://schemas.microsoft.com/office/drawing/2014/main" id="{CC9A3443-2446-59E0-40CA-9E9E1D4EFF0D}"/>
+              </a:ext>
+            </a:extLst>
+          </p:cNvPr>
+          <p:cNvSpPr txBox="1"/>
+          <p:nvPr/>
+        </p:nvSpPr>
+        <p:spPr>
+          <a:xfrm>
+            <a:off x="7123684" y="6318488"/>
+            <a:ext cx="697985" cy="261610"/>
+          </a:xfrm>
+          <a:prstGeom prst="rect">
+            <a:avLst/>
+          </a:prstGeom>
+          <a:noFill/>
+        </p:spPr>
+        <p:txBody>
+          <a:bodyPr wrap="square" rtlCol="0">
+            <a:spAutoFit/>
+          </a:bodyPr>
+          <a:lstStyle/>
+          <a:p>
+            <a:r>
+              <a:rPr lang="en-US" sz="1100" b="1" dirty="0">
+                <a:solidFill>
+                  <a:srgbClr val="0070C0"/>
+                </a:solidFill>
+              </a:rPr>
+              <a:t>Network</a:t>
+            </a:r>
+            <a:endParaRPr lang="en-SG" sz="1100" b="1" dirty="0">
+              <a:solidFill>
+                <a:srgbClr val="0070C0"/>
+              </a:solidFill>
+            </a:endParaRPr>
+          </a:p>
+        </p:txBody>
+      </p:sp>
+      <p:sp>
+        <p:nvSpPr>
+          <p:cNvPr id="202" name="TextBox 201">
+            <a:extLst>
+              <a:ext uri="{FF2B5EF4-FFF2-40B4-BE49-F238E27FC236}">
+                <a16:creationId xmlns:a16="http://schemas.microsoft.com/office/drawing/2014/main" id="{92A31E0A-5285-C954-BC1D-522F7F205997}"/>
+              </a:ext>
+            </a:extLst>
+          </p:cNvPr>
+          <p:cNvSpPr txBox="1"/>
+          <p:nvPr/>
+        </p:nvSpPr>
+        <p:spPr>
+          <a:xfrm>
+            <a:off x="9194049" y="6338880"/>
+            <a:ext cx="697985" cy="261610"/>
+          </a:xfrm>
+          <a:prstGeom prst="rect">
+            <a:avLst/>
+          </a:prstGeom>
+          <a:noFill/>
+        </p:spPr>
+        <p:txBody>
+          <a:bodyPr wrap="square" rtlCol="0">
+            <a:spAutoFit/>
+          </a:bodyPr>
+          <a:lstStyle/>
+          <a:p>
+            <a:r>
+              <a:rPr lang="en-US" sz="1100" b="1" dirty="0">
+                <a:solidFill>
+                  <a:srgbClr val="0070C0"/>
+                </a:solidFill>
+              </a:rPr>
+              <a:t>Network</a:t>
+            </a:r>
+            <a:endParaRPr lang="en-SG" sz="1100" b="1" dirty="0">
+              <a:solidFill>
+                <a:srgbClr val="0070C0"/>
+              </a:solidFill>
+            </a:endParaRPr>
+          </a:p>
+        </p:txBody>
+      </p:sp>
+      <p:cxnSp>
+        <p:nvCxnSpPr>
+          <p:cNvPr id="3" name="Straight Arrow Connector 2">
+            <a:extLst>
+              <a:ext uri="{FF2B5EF4-FFF2-40B4-BE49-F238E27FC236}">
+                <a16:creationId xmlns:a16="http://schemas.microsoft.com/office/drawing/2014/main" id="{DA627BBB-6E85-4E32-7F52-B4C6E6525684}"/>
+              </a:ext>
+            </a:extLst>
+          </p:cNvPr>
+          <p:cNvCxnSpPr/>
+          <p:nvPr/>
+        </p:nvCxnSpPr>
+        <p:spPr>
+          <a:xfrm>
+            <a:off x="347869" y="407504"/>
+            <a:ext cx="398801" cy="0"/>
+          </a:xfrm>
+          <a:prstGeom prst="straightConnector1">
+            <a:avLst/>
+          </a:prstGeom>
+          <a:ln>
+            <a:solidFill>
+              <a:schemeClr val="tx1"/>
+            </a:solidFill>
+            <a:tailEnd type="triangle"/>
+          </a:ln>
+        </p:spPr>
+        <p:style>
+          <a:lnRef idx="1">
+            <a:schemeClr val="accent1"/>
+          </a:lnRef>
+          <a:fillRef idx="0">
+            <a:schemeClr val="accent1"/>
+          </a:fillRef>
+          <a:effectRef idx="0">
+            <a:schemeClr val="accent1"/>
+          </a:effectRef>
+          <a:fontRef idx="minor">
+            <a:schemeClr val="tx1"/>
+          </a:fontRef>
+        </p:style>
+      </p:cxnSp>
+      <p:sp>
+        <p:nvSpPr>
+          <p:cNvPr id="5" name="TextBox 4">
+            <a:extLst>
+              <a:ext uri="{FF2B5EF4-FFF2-40B4-BE49-F238E27FC236}">
+                <a16:creationId xmlns:a16="http://schemas.microsoft.com/office/drawing/2014/main" id="{D0004950-626F-FA33-A065-EA06BB7F09EF}"/>
+              </a:ext>
+            </a:extLst>
+          </p:cNvPr>
+          <p:cNvSpPr txBox="1"/>
+          <p:nvPr/>
+        </p:nvSpPr>
+        <p:spPr>
+          <a:xfrm>
+            <a:off x="732982" y="276699"/>
+            <a:ext cx="530093" cy="261610"/>
+          </a:xfrm>
+          <a:prstGeom prst="rect">
+            <a:avLst/>
+          </a:prstGeom>
+          <a:noFill/>
+        </p:spPr>
+        <p:txBody>
+          <a:bodyPr wrap="square" rtlCol="0">
+            <a:spAutoFit/>
+          </a:bodyPr>
+          <a:lstStyle/>
+          <a:p>
+            <a:r>
+              <a:rPr lang="en-US" sz="1100" dirty="0"/>
+              <a:t>Data</a:t>
+            </a:r>
+            <a:endParaRPr lang="en-SG" sz="1100" dirty="0"/>
+          </a:p>
+        </p:txBody>
+      </p:sp>
+      <p:cxnSp>
+        <p:nvCxnSpPr>
+          <p:cNvPr id="9" name="Straight Arrow Connector 8">
+            <a:extLst>
+              <a:ext uri="{FF2B5EF4-FFF2-40B4-BE49-F238E27FC236}">
+                <a16:creationId xmlns:a16="http://schemas.microsoft.com/office/drawing/2014/main" id="{CE785A8C-5B48-1068-AEB2-9B994F64873B}"/>
+              </a:ext>
+            </a:extLst>
+          </p:cNvPr>
+          <p:cNvCxnSpPr/>
+          <p:nvPr/>
+        </p:nvCxnSpPr>
+        <p:spPr>
+          <a:xfrm>
+            <a:off x="359561" y="635154"/>
+            <a:ext cx="373421" cy="0"/>
+          </a:xfrm>
+          <a:prstGeom prst="straightConnector1">
+            <a:avLst/>
+          </a:prstGeom>
+          <a:ln>
+            <a:tailEnd type="triangle"/>
+          </a:ln>
+        </p:spPr>
+        <p:style>
+          <a:lnRef idx="1">
+            <a:schemeClr val="accent1"/>
+          </a:lnRef>
+          <a:fillRef idx="0">
+            <a:schemeClr val="accent1"/>
+          </a:fillRef>
+          <a:effectRef idx="0">
+            <a:schemeClr val="accent1"/>
+          </a:effectRef>
+          <a:fontRef idx="minor">
+            <a:schemeClr val="tx1"/>
+          </a:fontRef>
+        </p:style>
+      </p:cxnSp>
+      <p:sp>
+        <p:nvSpPr>
+          <p:cNvPr id="10" name="TextBox 9">
+            <a:extLst>
+              <a:ext uri="{FF2B5EF4-FFF2-40B4-BE49-F238E27FC236}">
+                <a16:creationId xmlns:a16="http://schemas.microsoft.com/office/drawing/2014/main" id="{A47AB365-C25B-C3D7-3EFE-BD739D804870}"/>
+              </a:ext>
+            </a:extLst>
+          </p:cNvPr>
+          <p:cNvSpPr txBox="1"/>
+          <p:nvPr/>
+        </p:nvSpPr>
+        <p:spPr>
+          <a:xfrm>
+            <a:off x="696007" y="457361"/>
+            <a:ext cx="1589363" cy="430887"/>
+          </a:xfrm>
+          <a:prstGeom prst="rect">
+            <a:avLst/>
+          </a:prstGeom>
+          <a:noFill/>
+        </p:spPr>
+        <p:txBody>
+          <a:bodyPr wrap="square" rtlCol="0">
+            <a:spAutoFit/>
+          </a:bodyPr>
+          <a:lstStyle/>
+          <a:p>
+            <a:r>
+              <a:rPr lang="en-US" sz="1100" dirty="0"/>
+              <a:t>Sequential process/thread </a:t>
+            </a:r>
+            <a:endParaRPr lang="en-SG" sz="1100" dirty="0"/>
+          </a:p>
+        </p:txBody>
+      </p:sp>
+      <p:cxnSp>
+        <p:nvCxnSpPr>
+          <p:cNvPr id="13" name="Straight Arrow Connector 12">
+            <a:extLst>
+              <a:ext uri="{FF2B5EF4-FFF2-40B4-BE49-F238E27FC236}">
+                <a16:creationId xmlns:a16="http://schemas.microsoft.com/office/drawing/2014/main" id="{B98C034D-C0A1-B79F-D177-A238DC2998AD}"/>
+              </a:ext>
+            </a:extLst>
+          </p:cNvPr>
+          <p:cNvCxnSpPr/>
+          <p:nvPr/>
+        </p:nvCxnSpPr>
+        <p:spPr>
+          <a:xfrm>
+            <a:off x="372432" y="993909"/>
+            <a:ext cx="373421" cy="0"/>
+          </a:xfrm>
+          <a:prstGeom prst="straightConnector1">
+            <a:avLst/>
+          </a:prstGeom>
+          <a:ln>
+            <a:prstDash val="dash"/>
+            <a:tailEnd type="triangle"/>
+          </a:ln>
+        </p:spPr>
+        <p:style>
+          <a:lnRef idx="1">
+            <a:schemeClr val="accent1"/>
+          </a:lnRef>
+          <a:fillRef idx="0">
+            <a:schemeClr val="accent1"/>
+          </a:fillRef>
+          <a:effectRef idx="0">
+            <a:schemeClr val="accent1"/>
+          </a:effectRef>
+          <a:fontRef idx="minor">
+            <a:schemeClr val="tx1"/>
+          </a:fontRef>
+        </p:style>
+      </p:cxnSp>
+      <p:sp>
+        <p:nvSpPr>
+          <p:cNvPr id="14" name="TextBox 13">
+            <a:extLst>
+              <a:ext uri="{FF2B5EF4-FFF2-40B4-BE49-F238E27FC236}">
+                <a16:creationId xmlns:a16="http://schemas.microsoft.com/office/drawing/2014/main" id="{2CF894DB-D6B4-75BB-DE20-CE17C865BAC4}"/>
+              </a:ext>
+            </a:extLst>
+          </p:cNvPr>
+          <p:cNvSpPr txBox="1"/>
+          <p:nvPr/>
+        </p:nvSpPr>
+        <p:spPr>
+          <a:xfrm>
+            <a:off x="689674" y="849747"/>
+            <a:ext cx="1350430" cy="430887"/>
+          </a:xfrm>
+          <a:prstGeom prst="rect">
+            <a:avLst/>
+          </a:prstGeom>
+          <a:noFill/>
+        </p:spPr>
+        <p:txBody>
+          <a:bodyPr wrap="square" rtlCol="0">
+            <a:spAutoFit/>
+          </a:bodyPr>
+          <a:lstStyle/>
+          <a:p>
+            <a:r>
+              <a:rPr lang="en-US" sz="1100" dirty="0"/>
+              <a:t>Parallel process/thread </a:t>
+            </a:r>
+            <a:endParaRPr lang="en-SG" sz="1100" dirty="0"/>
+          </a:p>
+        </p:txBody>
+      </p:sp>
+      <p:sp>
+        <p:nvSpPr>
+          <p:cNvPr id="15" name="Rectangle 14">
+            <a:extLst>
+              <a:ext uri="{FF2B5EF4-FFF2-40B4-BE49-F238E27FC236}">
+                <a16:creationId xmlns:a16="http://schemas.microsoft.com/office/drawing/2014/main" id="{32152602-7D27-A039-2FF7-975AA348B59B}"/>
+              </a:ext>
+            </a:extLst>
+          </p:cNvPr>
+          <p:cNvSpPr/>
+          <p:nvPr/>
+        </p:nvSpPr>
+        <p:spPr>
+          <a:xfrm>
+            <a:off x="6665897" y="2971147"/>
+            <a:ext cx="766329" cy="427896"/>
+          </a:xfrm>
+          <a:prstGeom prst="rect">
+            <a:avLst/>
+          </a:prstGeom>
+        </p:spPr>
+        <p:style>
+          <a:lnRef idx="2">
+            <a:schemeClr val="accent1">
+              <a:shade val="50000"/>
+            </a:schemeClr>
+          </a:lnRef>
+          <a:fillRef idx="1">
+            <a:schemeClr val="accent1"/>
+          </a:fillRef>
+          <a:effectRef idx="0">
+            <a:schemeClr val="accent1"/>
+          </a:effectRef>
+          <a:fontRef idx="minor">
+            <a:schemeClr val="lt1"/>
+          </a:fontRef>
+        </p:style>
+        <p:txBody>
+          <a:bodyPr rtlCol="0" anchor="ctr"/>
+          <a:lstStyle/>
+          <a:p>
+            <a:r>
+              <a:rPr lang="en-US" sz="1200" dirty="0"/>
+              <a:t>Database handler</a:t>
+            </a:r>
+            <a:endParaRPr lang="en-SG" sz="1200" dirty="0"/>
+          </a:p>
+        </p:txBody>
+      </p:sp>
+      <p:cxnSp>
+        <p:nvCxnSpPr>
+          <p:cNvPr id="16" name="Straight Arrow Connector 15">
+            <a:extLst>
+              <a:ext uri="{FF2B5EF4-FFF2-40B4-BE49-F238E27FC236}">
+                <a16:creationId xmlns:a16="http://schemas.microsoft.com/office/drawing/2014/main" id="{CEDF7705-B089-5784-79C7-E992C9F7F68F}"/>
+              </a:ext>
+            </a:extLst>
+          </p:cNvPr>
+          <p:cNvCxnSpPr/>
+          <p:nvPr/>
+        </p:nvCxnSpPr>
+        <p:spPr>
+          <a:xfrm>
+            <a:off x="6805228" y="2318683"/>
+            <a:ext cx="0" cy="650244"/>
+          </a:xfrm>
+          <a:prstGeom prst="straightConnector1">
+            <a:avLst/>
+          </a:prstGeom>
+          <a:ln w="19050">
+            <a:prstDash val="sysDash"/>
+            <a:tailEnd type="triangle"/>
+          </a:ln>
+        </p:spPr>
+        <p:style>
+          <a:lnRef idx="1">
+            <a:schemeClr val="accent1"/>
+          </a:lnRef>
+          <a:fillRef idx="0">
+            <a:schemeClr val="accent1"/>
+          </a:fillRef>
+          <a:effectRef idx="0">
+            <a:schemeClr val="accent1"/>
+          </a:effectRef>
+          <a:fontRef idx="minor">
+            <a:schemeClr val="tx1"/>
+          </a:fontRef>
+        </p:style>
+      </p:cxnSp>
+      <p:cxnSp>
+        <p:nvCxnSpPr>
+          <p:cNvPr id="24" name="Connector: Elbow 23">
+            <a:extLst>
+              <a:ext uri="{FF2B5EF4-FFF2-40B4-BE49-F238E27FC236}">
+                <a16:creationId xmlns:a16="http://schemas.microsoft.com/office/drawing/2014/main" id="{D5833BCE-C2ED-1FE3-4927-F89441B5105B}"/>
+              </a:ext>
+            </a:extLst>
+          </p:cNvPr>
+          <p:cNvCxnSpPr>
+            <a:cxnSpLocks/>
+            <a:endCxn id="12" idx="3"/>
+          </p:cNvCxnSpPr>
+          <p:nvPr/>
+        </p:nvCxnSpPr>
+        <p:spPr>
+          <a:xfrm rot="16200000" flipV="1">
+            <a:off x="6672954" y="2328912"/>
+            <a:ext cx="869840" cy="400373"/>
+          </a:xfrm>
+          <a:prstGeom prst="bentConnector2">
+            <a:avLst/>
+          </a:prstGeom>
+          <a:ln>
+            <a:solidFill>
+              <a:schemeClr val="tx1"/>
+            </a:solidFill>
+            <a:tailEnd type="triangle"/>
+          </a:ln>
+        </p:spPr>
+        <p:style>
+          <a:lnRef idx="1">
+            <a:schemeClr val="accent1"/>
+          </a:lnRef>
+          <a:fillRef idx="0">
+            <a:schemeClr val="accent1"/>
+          </a:fillRef>
+          <a:effectRef idx="0">
+            <a:schemeClr val="accent1"/>
+          </a:effectRef>
+          <a:fontRef idx="minor">
+            <a:schemeClr val="tx1"/>
+          </a:fontRef>
+        </p:style>
+      </p:cxnSp>
+      <p:cxnSp>
+        <p:nvCxnSpPr>
+          <p:cNvPr id="49" name="Connector: Elbow 48">
+            <a:extLst>
+              <a:ext uri="{FF2B5EF4-FFF2-40B4-BE49-F238E27FC236}">
+                <a16:creationId xmlns:a16="http://schemas.microsoft.com/office/drawing/2014/main" id="{FFD33434-25F4-51F8-1A76-6975E0DCB995}"/>
+              </a:ext>
+            </a:extLst>
+          </p:cNvPr>
+          <p:cNvCxnSpPr/>
+          <p:nvPr/>
+        </p:nvCxnSpPr>
+        <p:spPr>
+          <a:xfrm rot="10800000">
+            <a:off x="3128338" y="1649897"/>
+            <a:ext cx="2836061" cy="230335"/>
+          </a:xfrm>
+          <a:prstGeom prst="bentConnector3">
+            <a:avLst>
+              <a:gd name="adj1" fmla="val -27451"/>
+            </a:avLst>
+          </a:prstGeom>
+          <a:ln>
+            <a:solidFill>
+              <a:schemeClr val="tx1"/>
+            </a:solidFill>
+            <a:tailEnd type="triangle"/>
+          </a:ln>
+        </p:spPr>
+        <p:style>
+          <a:lnRef idx="1">
+            <a:schemeClr val="accent1"/>
+          </a:lnRef>
+          <a:fillRef idx="0">
+            <a:schemeClr val="accent1"/>
+          </a:fillRef>
+          <a:effectRef idx="0">
+            <a:schemeClr val="accent1"/>
+          </a:effectRef>
+          <a:fontRef idx="minor">
+            <a:schemeClr val="tx1"/>
+          </a:fontRef>
+        </p:style>
+      </p:cxnSp>
+      <p:cxnSp>
+        <p:nvCxnSpPr>
+          <p:cNvPr id="61" name="Connector: Elbow 60">
+            <a:extLst>
+              <a:ext uri="{FF2B5EF4-FFF2-40B4-BE49-F238E27FC236}">
+                <a16:creationId xmlns:a16="http://schemas.microsoft.com/office/drawing/2014/main" id="{DFD380D3-5756-9140-B835-BB0093D7B19A}"/>
+              </a:ext>
+            </a:extLst>
+          </p:cNvPr>
+          <p:cNvCxnSpPr>
+            <a:stCxn id="116" idx="3"/>
+            <a:endCxn id="166" idx="1"/>
+          </p:cNvCxnSpPr>
+          <p:nvPr/>
+        </p:nvCxnSpPr>
+        <p:spPr>
+          <a:xfrm flipV="1">
+            <a:off x="6596733" y="4425585"/>
+            <a:ext cx="1364086" cy="341772"/>
+          </a:xfrm>
+          <a:prstGeom prst="bentConnector3">
+            <a:avLst/>
+          </a:prstGeom>
+          <a:ln>
+            <a:headEnd type="triangle" w="med" len="med"/>
+            <a:tailEnd type="triangle" w="med" len="med"/>
+          </a:ln>
+        </p:spPr>
+        <p:style>
+          <a:lnRef idx="1">
+            <a:schemeClr val="dk1"/>
+          </a:lnRef>
+          <a:fillRef idx="0">
+            <a:schemeClr val="dk1"/>
+          </a:fillRef>
+          <a:effectRef idx="0">
+            <a:schemeClr val="dk1"/>
+          </a:effectRef>
+          <a:fontRef idx="minor">
+            <a:schemeClr val="tx1"/>
+          </a:fontRef>
+        </p:style>
+      </p:cxnSp>
+      <p:cxnSp>
+        <p:nvCxnSpPr>
+          <p:cNvPr id="66" name="Connector: Elbow 65">
+            <a:extLst>
+              <a:ext uri="{FF2B5EF4-FFF2-40B4-BE49-F238E27FC236}">
+                <a16:creationId xmlns:a16="http://schemas.microsoft.com/office/drawing/2014/main" id="{89C16A68-79E9-7420-A1B1-4A13CFBB7CF4}"/>
+              </a:ext>
+            </a:extLst>
+          </p:cNvPr>
+          <p:cNvCxnSpPr>
+            <a:stCxn id="15" idx="2"/>
+            <a:endCxn id="115" idx="2"/>
+          </p:cNvCxnSpPr>
+          <p:nvPr/>
+        </p:nvCxnSpPr>
+        <p:spPr>
+          <a:xfrm rot="5400000">
+            <a:off x="6526731" y="2878556"/>
+            <a:ext cx="1845" cy="1042818"/>
+          </a:xfrm>
+          <a:prstGeom prst="bentConnector3">
+            <a:avLst>
+              <a:gd name="adj1" fmla="val 12490244"/>
+            </a:avLst>
+          </a:prstGeom>
+          <a:ln>
+            <a:tailEnd type="triangle"/>
+          </a:ln>
+        </p:spPr>
+        <p:style>
+          <a:lnRef idx="1">
+            <a:schemeClr val="dk1"/>
+          </a:lnRef>
+          <a:fillRef idx="0">
+            <a:schemeClr val="dk1"/>
+          </a:fillRef>
+          <a:effectRef idx="0">
+            <a:schemeClr val="dk1"/>
+          </a:effectRef>
+          <a:fontRef idx="minor">
+            <a:schemeClr val="tx1"/>
+          </a:fontRef>
+        </p:style>
+      </p:cxnSp>
+      <p:sp>
+        <p:nvSpPr>
+          <p:cNvPr id="76" name="TextBox 75">
+            <a:extLst>
+              <a:ext uri="{FF2B5EF4-FFF2-40B4-BE49-F238E27FC236}">
+                <a16:creationId xmlns:a16="http://schemas.microsoft.com/office/drawing/2014/main" id="{1EFFCEE3-237A-8B3F-74E9-A84128528D56}"/>
+              </a:ext>
+            </a:extLst>
+          </p:cNvPr>
+          <p:cNvSpPr txBox="1"/>
+          <p:nvPr/>
+        </p:nvSpPr>
+        <p:spPr>
+          <a:xfrm>
+            <a:off x="3260442" y="1428388"/>
+            <a:ext cx="3551678" cy="261610"/>
+          </a:xfrm>
+          <a:prstGeom prst="rect">
+            <a:avLst/>
+          </a:prstGeom>
+          <a:noFill/>
+        </p:spPr>
+        <p:txBody>
+          <a:bodyPr wrap="square" rtlCol="0">
+            <a:spAutoFit/>
+          </a:bodyPr>
+          <a:lstStyle/>
+          <a:p>
+            <a:r>
+              <a:rPr lang="en-US" sz="1100" b="1" dirty="0"/>
+              <a:t>Current daily task progress info  for state recover   </a:t>
+            </a:r>
+            <a:endParaRPr lang="en-SG" sz="1100" b="1" dirty="0"/>
+          </a:p>
+        </p:txBody>
+      </p:sp>
+      <p:sp>
+        <p:nvSpPr>
+          <p:cNvPr id="79" name="TextBox 78">
+            <a:extLst>
+              <a:ext uri="{FF2B5EF4-FFF2-40B4-BE49-F238E27FC236}">
+                <a16:creationId xmlns:a16="http://schemas.microsoft.com/office/drawing/2014/main" id="{92CFE7DF-DD2D-CD77-4B2C-9E61538A5DDC}"/>
+              </a:ext>
+            </a:extLst>
+          </p:cNvPr>
+          <p:cNvSpPr txBox="1"/>
+          <p:nvPr/>
+        </p:nvSpPr>
+        <p:spPr>
+          <a:xfrm>
+            <a:off x="4317554" y="1710561"/>
+            <a:ext cx="1046750" cy="230832"/>
+          </a:xfrm>
+          <a:prstGeom prst="rect">
+            <a:avLst/>
+          </a:prstGeom>
+          <a:noFill/>
+        </p:spPr>
+        <p:txBody>
+          <a:bodyPr wrap="square" rtlCol="0">
+            <a:spAutoFit/>
+          </a:bodyPr>
+          <a:lstStyle/>
+          <a:p>
+            <a:r>
+              <a:rPr lang="en-US" sz="900" dirty="0"/>
+              <a:t>Schedule info</a:t>
+            </a:r>
+            <a:endParaRPr lang="en-SG" sz="900" dirty="0"/>
+          </a:p>
+        </p:txBody>
+      </p:sp>
+      <p:sp>
+        <p:nvSpPr>
+          <p:cNvPr id="81" name="TextBox 80">
+            <a:extLst>
+              <a:ext uri="{FF2B5EF4-FFF2-40B4-BE49-F238E27FC236}">
+                <a16:creationId xmlns:a16="http://schemas.microsoft.com/office/drawing/2014/main" id="{5BF31BEC-D4F3-EDE0-F8F9-7A8253CD95FD}"/>
+              </a:ext>
+            </a:extLst>
+          </p:cNvPr>
+          <p:cNvSpPr txBox="1"/>
+          <p:nvPr/>
+        </p:nvSpPr>
+        <p:spPr>
+          <a:xfrm>
+            <a:off x="4777430" y="2676732"/>
+            <a:ext cx="1046750" cy="230832"/>
+          </a:xfrm>
+          <a:prstGeom prst="rect">
+            <a:avLst/>
+          </a:prstGeom>
+          <a:noFill/>
+        </p:spPr>
+        <p:txBody>
+          <a:bodyPr wrap="square" rtlCol="0">
+            <a:spAutoFit/>
+          </a:bodyPr>
+          <a:lstStyle/>
+          <a:p>
+            <a:r>
+              <a:rPr lang="en-US" sz="900" dirty="0"/>
+              <a:t>Task start  info</a:t>
+            </a:r>
+            <a:endParaRPr lang="en-SG" sz="900" dirty="0"/>
+          </a:p>
+        </p:txBody>
+      </p:sp>
+      <p:sp>
+        <p:nvSpPr>
+          <p:cNvPr id="83" name="TextBox 82">
+            <a:extLst>
+              <a:ext uri="{FF2B5EF4-FFF2-40B4-BE49-F238E27FC236}">
+                <a16:creationId xmlns:a16="http://schemas.microsoft.com/office/drawing/2014/main" id="{AC761116-9EDD-A5AB-5CF3-5BABD383D540}"/>
+              </a:ext>
+            </a:extLst>
+          </p:cNvPr>
+          <p:cNvSpPr txBox="1"/>
+          <p:nvPr/>
+        </p:nvSpPr>
+        <p:spPr>
+          <a:xfrm>
+            <a:off x="4850947" y="3812601"/>
+            <a:ext cx="899242" cy="369332"/>
+          </a:xfrm>
+          <a:prstGeom prst="rect">
+            <a:avLst/>
+          </a:prstGeom>
+          <a:noFill/>
+        </p:spPr>
+        <p:txBody>
+          <a:bodyPr wrap="square" rtlCol="0">
+            <a:spAutoFit/>
+          </a:bodyPr>
+          <a:lstStyle/>
+          <a:p>
+            <a:r>
+              <a:rPr lang="en-US" sz="900" dirty="0"/>
+              <a:t>Action progress info</a:t>
+            </a:r>
+            <a:endParaRPr lang="en-SG" sz="900" dirty="0"/>
+          </a:p>
+        </p:txBody>
+      </p:sp>
+      <p:sp>
+        <p:nvSpPr>
+          <p:cNvPr id="87" name="TextBox 86">
+            <a:extLst>
+              <a:ext uri="{FF2B5EF4-FFF2-40B4-BE49-F238E27FC236}">
+                <a16:creationId xmlns:a16="http://schemas.microsoft.com/office/drawing/2014/main" id="{2F14E55C-1A5C-25E1-5061-43A2BA5C3EBA}"/>
+              </a:ext>
+            </a:extLst>
+          </p:cNvPr>
+          <p:cNvSpPr txBox="1"/>
+          <p:nvPr/>
+        </p:nvSpPr>
+        <p:spPr>
+          <a:xfrm>
+            <a:off x="4665698" y="6071176"/>
+            <a:ext cx="899242" cy="369332"/>
+          </a:xfrm>
+          <a:prstGeom prst="rect">
+            <a:avLst/>
+          </a:prstGeom>
+          <a:noFill/>
+        </p:spPr>
+        <p:txBody>
+          <a:bodyPr wrap="square" rtlCol="0">
+            <a:spAutoFit/>
+          </a:bodyPr>
+          <a:lstStyle/>
+          <a:p>
+            <a:r>
+              <a:rPr lang="en-US" sz="900" dirty="0"/>
+              <a:t>Actor’s all task progress info</a:t>
+            </a:r>
+            <a:endParaRPr lang="en-SG" sz="900" dirty="0"/>
+          </a:p>
+        </p:txBody>
+      </p:sp>
+      <p:sp>
+        <p:nvSpPr>
+          <p:cNvPr id="88" name="TextBox 87">
+            <a:extLst>
+              <a:ext uri="{FF2B5EF4-FFF2-40B4-BE49-F238E27FC236}">
+                <a16:creationId xmlns:a16="http://schemas.microsoft.com/office/drawing/2014/main" id="{DDF67479-FA35-5048-3B4A-82A574051E4C}"/>
+              </a:ext>
+            </a:extLst>
+          </p:cNvPr>
+          <p:cNvSpPr txBox="1"/>
+          <p:nvPr/>
+        </p:nvSpPr>
+        <p:spPr>
+          <a:xfrm>
+            <a:off x="6068642" y="3586939"/>
+            <a:ext cx="899242" cy="369332"/>
+          </a:xfrm>
+          <a:prstGeom prst="rect">
+            <a:avLst/>
+          </a:prstGeom>
+          <a:noFill/>
+        </p:spPr>
+        <p:txBody>
+          <a:bodyPr wrap="square" rtlCol="0">
+            <a:spAutoFit/>
+          </a:bodyPr>
+          <a:lstStyle/>
+          <a:p>
+            <a:r>
+              <a:rPr lang="en-US" sz="900" dirty="0"/>
+              <a:t>Current time all task info</a:t>
+            </a:r>
+            <a:endParaRPr lang="en-SG" sz="900" dirty="0"/>
+          </a:p>
+        </p:txBody>
+      </p:sp>
+      <p:sp>
+        <p:nvSpPr>
+          <p:cNvPr id="93" name="TextBox 92">
+            <a:extLst>
+              <a:ext uri="{FF2B5EF4-FFF2-40B4-BE49-F238E27FC236}">
+                <a16:creationId xmlns:a16="http://schemas.microsoft.com/office/drawing/2014/main" id="{0C90A49B-D15D-EBBD-F6F3-91299E429127}"/>
+              </a:ext>
+            </a:extLst>
+          </p:cNvPr>
+          <p:cNvSpPr txBox="1"/>
+          <p:nvPr/>
+        </p:nvSpPr>
+        <p:spPr>
+          <a:xfrm>
+            <a:off x="6858440" y="1679225"/>
+            <a:ext cx="899242" cy="369332"/>
+          </a:xfrm>
+          <a:prstGeom prst="rect">
+            <a:avLst/>
+          </a:prstGeom>
+          <a:noFill/>
+        </p:spPr>
+        <p:txBody>
+          <a:bodyPr wrap="square" rtlCol="0">
+            <a:spAutoFit/>
+          </a:bodyPr>
+          <a:lstStyle/>
+          <a:p>
+            <a:r>
+              <a:rPr lang="en-US" sz="900" dirty="0"/>
+              <a:t>Today history task info</a:t>
+            </a:r>
+            <a:endParaRPr lang="en-SG" sz="900" dirty="0"/>
+          </a:p>
+        </p:txBody>
+      </p:sp>
+      <p:sp>
+        <p:nvSpPr>
+          <p:cNvPr id="95" name="TextBox 94">
+            <a:extLst>
+              <a:ext uri="{FF2B5EF4-FFF2-40B4-BE49-F238E27FC236}">
+                <a16:creationId xmlns:a16="http://schemas.microsoft.com/office/drawing/2014/main" id="{884E1136-5DC5-019B-5B70-2A285F77E042}"/>
+              </a:ext>
+            </a:extLst>
+          </p:cNvPr>
+          <p:cNvSpPr txBox="1"/>
+          <p:nvPr/>
+        </p:nvSpPr>
+        <p:spPr>
+          <a:xfrm>
+            <a:off x="3269920" y="5289591"/>
+            <a:ext cx="1105128" cy="507831"/>
+          </a:xfrm>
+          <a:prstGeom prst="rect">
+            <a:avLst/>
+          </a:prstGeom>
+          <a:noFill/>
+        </p:spPr>
+        <p:txBody>
+          <a:bodyPr wrap="square" rtlCol="0">
+            <a:spAutoFit/>
+          </a:bodyPr>
+          <a:lstStyle/>
+          <a:p>
+            <a:r>
+              <a:rPr lang="en-US" sz="900" dirty="0"/>
+              <a:t>Import related actor module to finish the task </a:t>
+            </a:r>
+            <a:endParaRPr lang="en-SG" sz="900" dirty="0"/>
+          </a:p>
+        </p:txBody>
+      </p:sp>
+    </p:spTree>
+    <p:extLst>
+      <p:ext uri="{BB962C8B-B14F-4D97-AF65-F5344CB8AC3E}">
+        <p14:creationId xmlns:p14="http://schemas.microsoft.com/office/powerpoint/2010/main" val="2507425515"/>
+      </p:ext>
+    </p:extLst>
+  </p:cSld>
+  <p:clrMapOvr>
+    <a:masterClrMapping/>
+  </p:clrMapOvr>
+</p:sld>
+</file>
+
+<file path=ppt/slides/slide6.xml><?xml version="1.0" encoding="utf-8"?>
+<p:sld xmlns:a="http://schemas.openxmlformats.org/drawingml/2006/main" xmlns:r="http://schemas.openxmlformats.org/officeDocument/2006/relationships" xmlns:p="http://schemas.openxmlformats.org/presentationml/2006/main">
+  <p:cSld>
+    <p:spTree>
+      <p:nvGrpSpPr>
+        <p:cNvPr id="1" name=""/>
+        <p:cNvGrpSpPr/>
+        <p:nvPr/>
+      </p:nvGrpSpPr>
+      <p:grpSpPr>
+        <a:xfrm>
+          <a:off x="0" y="0"/>
+          <a:ext cx="0" cy="0"/>
+          <a:chOff x="0" y="0"/>
+          <a:chExt cx="0" cy="0"/>
+        </a:xfrm>
+      </p:grpSpPr>
+      <p:sp>
+        <p:nvSpPr>
+          <p:cNvPr id="4" name="Rectangle 3">
+            <a:extLst>
+              <a:ext uri="{FF2B5EF4-FFF2-40B4-BE49-F238E27FC236}">
+                <a16:creationId xmlns:a16="http://schemas.microsoft.com/office/drawing/2014/main" id="{A3082564-E487-A678-F2FE-8562D205CA93}"/>
+              </a:ext>
+            </a:extLst>
+          </p:cNvPr>
+          <p:cNvSpPr/>
+          <p:nvPr/>
+        </p:nvSpPr>
+        <p:spPr>
+          <a:xfrm>
+            <a:off x="2012672" y="566013"/>
+            <a:ext cx="1138032" cy="427896"/>
+          </a:xfrm>
+          <a:prstGeom prst="rect">
+            <a:avLst/>
+          </a:prstGeom>
+        </p:spPr>
+        <p:style>
+          <a:lnRef idx="2">
+            <a:schemeClr val="accent1">
+              <a:shade val="50000"/>
+            </a:schemeClr>
+          </a:lnRef>
+          <a:fillRef idx="1">
+            <a:schemeClr val="accent1"/>
+          </a:fillRef>
+          <a:effectRef idx="0">
+            <a:schemeClr val="accent1"/>
+          </a:effectRef>
+          <a:fontRef idx="minor">
+            <a:schemeClr val="lt1"/>
+          </a:fontRef>
+        </p:style>
+        <p:txBody>
+          <a:bodyPr rtlCol="0" anchor="ctr"/>
+          <a:lstStyle/>
+          <a:p>
+            <a:r>
+              <a:rPr lang="en-US" sz="1200" dirty="0"/>
+              <a:t>User Action Emulator </a:t>
+            </a:r>
+            <a:r>
+              <a:rPr lang="en-US" sz="1200" dirty="0" err="1"/>
+              <a:t>init</a:t>
+            </a:r>
+            <a:endParaRPr lang="en-SG" sz="1200" dirty="0"/>
+          </a:p>
+        </p:txBody>
+      </p:sp>
+      <p:cxnSp>
+        <p:nvCxnSpPr>
+          <p:cNvPr id="6" name="Straight Arrow Connector 5">
+            <a:extLst>
+              <a:ext uri="{FF2B5EF4-FFF2-40B4-BE49-F238E27FC236}">
+                <a16:creationId xmlns:a16="http://schemas.microsoft.com/office/drawing/2014/main" id="{A1A583B6-6627-B57A-E47D-74BC5D2D149A}"/>
+              </a:ext>
+            </a:extLst>
+          </p:cNvPr>
+          <p:cNvCxnSpPr>
+            <a:cxnSpLocks/>
+            <a:stCxn id="4" idx="2"/>
+            <a:endCxn id="8" idx="0"/>
+          </p:cNvCxnSpPr>
+          <p:nvPr/>
+        </p:nvCxnSpPr>
+        <p:spPr>
+          <a:xfrm>
+            <a:off x="2581688" y="993909"/>
+            <a:ext cx="0" cy="561817"/>
+          </a:xfrm>
+          <a:prstGeom prst="straightConnector1">
+            <a:avLst/>
+          </a:prstGeom>
+          <a:ln w="19050">
+            <a:prstDash val="sysDash"/>
+            <a:tailEnd type="triangle"/>
+          </a:ln>
+        </p:spPr>
+        <p:style>
+          <a:lnRef idx="1">
+            <a:schemeClr val="accent1"/>
+          </a:lnRef>
+          <a:fillRef idx="0">
+            <a:schemeClr val="accent1"/>
+          </a:fillRef>
+          <a:effectRef idx="0">
+            <a:schemeClr val="accent1"/>
+          </a:effectRef>
+          <a:fontRef idx="minor">
+            <a:schemeClr val="tx1"/>
+          </a:fontRef>
+        </p:style>
+      </p:cxnSp>
+      <p:sp>
+        <p:nvSpPr>
+          <p:cNvPr id="8" name="Rectangle 7">
+            <a:extLst>
+              <a:ext uri="{FF2B5EF4-FFF2-40B4-BE49-F238E27FC236}">
+                <a16:creationId xmlns:a16="http://schemas.microsoft.com/office/drawing/2014/main" id="{A58AB3A9-5496-B476-A106-8395E131B10F}"/>
+              </a:ext>
+            </a:extLst>
+          </p:cNvPr>
+          <p:cNvSpPr/>
+          <p:nvPr/>
+        </p:nvSpPr>
+        <p:spPr>
+          <a:xfrm>
+            <a:off x="2012672" y="1555726"/>
+            <a:ext cx="1138032" cy="427896"/>
+          </a:xfrm>
+          <a:prstGeom prst="rect">
+            <a:avLst/>
+          </a:prstGeom>
+        </p:spPr>
+        <p:style>
+          <a:lnRef idx="2">
+            <a:schemeClr val="accent1">
+              <a:shade val="50000"/>
+            </a:schemeClr>
+          </a:lnRef>
+          <a:fillRef idx="1">
+            <a:schemeClr val="accent1"/>
+          </a:fillRef>
+          <a:effectRef idx="0">
+            <a:schemeClr val="accent1"/>
+          </a:effectRef>
+          <a:fontRef idx="minor">
+            <a:schemeClr val="lt1"/>
+          </a:fontRef>
+        </p:style>
+        <p:txBody>
+          <a:bodyPr rtlCol="0" anchor="ctr"/>
+          <a:lstStyle/>
+          <a:p>
+            <a:r>
+              <a:rPr lang="en-US" sz="1200" dirty="0"/>
+              <a:t>User Action Scheduler</a:t>
+            </a:r>
+            <a:endParaRPr lang="en-SG" sz="1200" dirty="0"/>
+          </a:p>
+        </p:txBody>
+      </p:sp>
+      <p:cxnSp>
+        <p:nvCxnSpPr>
+          <p:cNvPr id="11" name="Connector: Elbow 10">
+            <a:extLst>
+              <a:ext uri="{FF2B5EF4-FFF2-40B4-BE49-F238E27FC236}">
+                <a16:creationId xmlns:a16="http://schemas.microsoft.com/office/drawing/2014/main" id="{4DB1C809-ABFC-6E11-0A20-735ABFD11879}"/>
+              </a:ext>
+            </a:extLst>
+          </p:cNvPr>
+          <p:cNvCxnSpPr>
+            <a:cxnSpLocks/>
+            <a:endCxn id="12" idx="0"/>
+          </p:cNvCxnSpPr>
+          <p:nvPr/>
+        </p:nvCxnSpPr>
+        <p:spPr>
+          <a:xfrm>
+            <a:off x="2593497" y="1254996"/>
+            <a:ext cx="3745174" cy="625235"/>
+          </a:xfrm>
+          <a:prstGeom prst="bentConnector2">
+            <a:avLst/>
+          </a:prstGeom>
+          <a:ln w="19050">
+            <a:prstDash val="sysDash"/>
+            <a:tailEnd type="triangle"/>
+          </a:ln>
+        </p:spPr>
+        <p:style>
+          <a:lnRef idx="1">
+            <a:schemeClr val="accent1"/>
+          </a:lnRef>
+          <a:fillRef idx="0">
+            <a:schemeClr val="accent1"/>
+          </a:fillRef>
+          <a:effectRef idx="0">
+            <a:schemeClr val="accent1"/>
+          </a:effectRef>
+          <a:fontRef idx="minor">
+            <a:schemeClr val="tx1"/>
+          </a:fontRef>
+        </p:style>
+      </p:cxnSp>
+      <p:sp>
+        <p:nvSpPr>
+          <p:cNvPr id="12" name="Rectangle 11">
+            <a:extLst>
+              <a:ext uri="{FF2B5EF4-FFF2-40B4-BE49-F238E27FC236}">
+                <a16:creationId xmlns:a16="http://schemas.microsoft.com/office/drawing/2014/main" id="{5388C7C6-E60A-7891-DD15-CA213FFF0096}"/>
+              </a:ext>
+            </a:extLst>
+          </p:cNvPr>
+          <p:cNvSpPr/>
+          <p:nvPr/>
+        </p:nvSpPr>
+        <p:spPr>
+          <a:xfrm>
+            <a:off x="5769655" y="1880231"/>
+            <a:ext cx="1138032" cy="427896"/>
+          </a:xfrm>
+          <a:prstGeom prst="rect">
+            <a:avLst/>
+          </a:prstGeom>
+        </p:spPr>
+        <p:style>
+          <a:lnRef idx="2">
+            <a:schemeClr val="accent1">
+              <a:shade val="50000"/>
+            </a:schemeClr>
+          </a:lnRef>
+          <a:fillRef idx="1">
+            <a:schemeClr val="accent1"/>
+          </a:fillRef>
+          <a:effectRef idx="0">
+            <a:schemeClr val="accent1"/>
+          </a:effectRef>
+          <a:fontRef idx="minor">
+            <a:schemeClr val="lt1"/>
+          </a:fontRef>
+        </p:style>
+        <p:txBody>
+          <a:bodyPr rtlCol="0" anchor="ctr"/>
+          <a:lstStyle/>
+          <a:p>
+            <a:r>
+              <a:rPr lang="en-US" sz="1200" dirty="0"/>
+              <a:t>Action monitor </a:t>
+            </a:r>
+            <a:endParaRPr lang="en-SG" sz="1200" dirty="0"/>
+          </a:p>
+        </p:txBody>
+      </p:sp>
+      <p:sp>
+        <p:nvSpPr>
+          <p:cNvPr id="20" name="Rectangle 19">
+            <a:extLst>
+              <a:ext uri="{FF2B5EF4-FFF2-40B4-BE49-F238E27FC236}">
+                <a16:creationId xmlns:a16="http://schemas.microsoft.com/office/drawing/2014/main" id="{9D34145A-A53C-1850-71AF-584CC0D34E3E}"/>
+              </a:ext>
+            </a:extLst>
+          </p:cNvPr>
+          <p:cNvSpPr/>
+          <p:nvPr/>
+        </p:nvSpPr>
+        <p:spPr>
+          <a:xfrm>
+            <a:off x="763655" y="2633866"/>
+            <a:ext cx="1138032" cy="427896"/>
+          </a:xfrm>
+          <a:prstGeom prst="rect">
+            <a:avLst/>
+          </a:prstGeom>
+        </p:spPr>
+        <p:style>
+          <a:lnRef idx="2">
+            <a:schemeClr val="accent1">
+              <a:shade val="50000"/>
+            </a:schemeClr>
+          </a:lnRef>
+          <a:fillRef idx="1">
+            <a:schemeClr val="accent1"/>
+          </a:fillRef>
+          <a:effectRef idx="0">
+            <a:schemeClr val="accent1"/>
+          </a:effectRef>
+          <a:fontRef idx="minor">
+            <a:schemeClr val="lt1"/>
+          </a:fontRef>
+        </p:style>
+        <p:txBody>
+          <a:bodyPr rtlCol="0" anchor="ctr"/>
+          <a:lstStyle/>
+          <a:p>
+            <a:r>
+              <a:rPr lang="en-US" sz="1200" dirty="0"/>
+              <a:t>Random Action Handler </a:t>
+            </a:r>
+            <a:endParaRPr lang="en-SG" sz="1200" dirty="0"/>
+          </a:p>
+        </p:txBody>
+      </p:sp>
+      <p:sp>
+        <p:nvSpPr>
+          <p:cNvPr id="21" name="Rectangle 20">
+            <a:extLst>
+              <a:ext uri="{FF2B5EF4-FFF2-40B4-BE49-F238E27FC236}">
+                <a16:creationId xmlns:a16="http://schemas.microsoft.com/office/drawing/2014/main" id="{759A0561-D957-5E20-9735-87443AF21805}"/>
+              </a:ext>
+            </a:extLst>
+          </p:cNvPr>
+          <p:cNvSpPr/>
+          <p:nvPr/>
+        </p:nvSpPr>
+        <p:spPr>
+          <a:xfrm>
+            <a:off x="2194888" y="2643805"/>
+            <a:ext cx="1138032" cy="427896"/>
+          </a:xfrm>
+          <a:prstGeom prst="rect">
+            <a:avLst/>
+          </a:prstGeom>
+        </p:spPr>
+        <p:style>
+          <a:lnRef idx="2">
+            <a:schemeClr val="accent1">
+              <a:shade val="50000"/>
+            </a:schemeClr>
+          </a:lnRef>
+          <a:fillRef idx="1">
+            <a:schemeClr val="accent1"/>
+          </a:fillRef>
+          <a:effectRef idx="0">
+            <a:schemeClr val="accent1"/>
+          </a:effectRef>
+          <a:fontRef idx="minor">
+            <a:schemeClr val="lt1"/>
+          </a:fontRef>
+        </p:style>
+        <p:txBody>
+          <a:bodyPr rtlCol="0" anchor="ctr"/>
+          <a:lstStyle/>
+          <a:p>
+            <a:r>
+              <a:rPr lang="en-US" sz="1200" dirty="0"/>
+              <a:t>Daily Action Handler </a:t>
+            </a:r>
+            <a:endParaRPr lang="en-SG" sz="1200" dirty="0"/>
+          </a:p>
+        </p:txBody>
+      </p:sp>
+      <p:cxnSp>
+        <p:nvCxnSpPr>
+          <p:cNvPr id="23" name="Straight Arrow Connector 22">
+            <a:extLst>
+              <a:ext uri="{FF2B5EF4-FFF2-40B4-BE49-F238E27FC236}">
+                <a16:creationId xmlns:a16="http://schemas.microsoft.com/office/drawing/2014/main" id="{718AFD6A-12F8-D9C7-EF18-AFFF32EF65CB}"/>
+              </a:ext>
+            </a:extLst>
+          </p:cNvPr>
+          <p:cNvCxnSpPr>
+            <a:stCxn id="8" idx="2"/>
+          </p:cNvCxnSpPr>
+          <p:nvPr/>
+        </p:nvCxnSpPr>
+        <p:spPr>
+          <a:xfrm>
+            <a:off x="2581688" y="1983622"/>
+            <a:ext cx="0" cy="650244"/>
+          </a:xfrm>
+          <a:prstGeom prst="straightConnector1">
+            <a:avLst/>
+          </a:prstGeom>
+          <a:ln w="19050">
+            <a:prstDash val="sysDash"/>
+            <a:tailEnd type="triangle"/>
+          </a:ln>
+        </p:spPr>
+        <p:style>
+          <a:lnRef idx="1">
+            <a:schemeClr val="accent1"/>
+          </a:lnRef>
+          <a:fillRef idx="0">
+            <a:schemeClr val="accent1"/>
+          </a:fillRef>
+          <a:effectRef idx="0">
+            <a:schemeClr val="accent1"/>
+          </a:effectRef>
+          <a:fontRef idx="minor">
+            <a:schemeClr val="tx1"/>
+          </a:fontRef>
+        </p:style>
+      </p:cxnSp>
+      <p:cxnSp>
+        <p:nvCxnSpPr>
+          <p:cNvPr id="25" name="Connector: Elbow 24">
+            <a:extLst>
+              <a:ext uri="{FF2B5EF4-FFF2-40B4-BE49-F238E27FC236}">
+                <a16:creationId xmlns:a16="http://schemas.microsoft.com/office/drawing/2014/main" id="{79ABEC30-37FB-45CD-F584-E217D7E98DF2}"/>
+              </a:ext>
+            </a:extLst>
+          </p:cNvPr>
+          <p:cNvCxnSpPr>
+            <a:cxnSpLocks/>
+            <a:stCxn id="8" idx="1"/>
+            <a:endCxn id="20" idx="0"/>
+          </p:cNvCxnSpPr>
+          <p:nvPr/>
+        </p:nvCxnSpPr>
+        <p:spPr>
+          <a:xfrm rot="10800000" flipV="1">
+            <a:off x="1332672" y="1769674"/>
+            <a:ext cx="680001" cy="864192"/>
+          </a:xfrm>
+          <a:prstGeom prst="bentConnector2">
+            <a:avLst/>
+          </a:prstGeom>
+          <a:ln w="19050">
+            <a:prstDash val="sysDash"/>
+            <a:tailEnd type="triangle"/>
+          </a:ln>
+        </p:spPr>
+        <p:style>
+          <a:lnRef idx="1">
+            <a:schemeClr val="accent1"/>
+          </a:lnRef>
+          <a:fillRef idx="0">
+            <a:schemeClr val="accent1"/>
+          </a:fillRef>
+          <a:effectRef idx="0">
+            <a:schemeClr val="accent1"/>
+          </a:effectRef>
+          <a:fontRef idx="minor">
+            <a:schemeClr val="tx1"/>
+          </a:fontRef>
+        </p:style>
+      </p:cxnSp>
+      <p:sp>
+        <p:nvSpPr>
+          <p:cNvPr id="27" name="Rectangle 26">
+            <a:extLst>
+              <a:ext uri="{FF2B5EF4-FFF2-40B4-BE49-F238E27FC236}">
+                <a16:creationId xmlns:a16="http://schemas.microsoft.com/office/drawing/2014/main" id="{5BECB53C-68AB-32F3-C343-CDA0586C8D08}"/>
+              </a:ext>
+            </a:extLst>
+          </p:cNvPr>
+          <p:cNvSpPr/>
+          <p:nvPr/>
+        </p:nvSpPr>
+        <p:spPr>
+          <a:xfrm>
+            <a:off x="3609555" y="2643805"/>
+            <a:ext cx="1138032" cy="427896"/>
+          </a:xfrm>
+          <a:prstGeom prst="rect">
+            <a:avLst/>
+          </a:prstGeom>
+        </p:spPr>
+        <p:style>
+          <a:lnRef idx="2">
+            <a:schemeClr val="accent1">
+              <a:shade val="50000"/>
+            </a:schemeClr>
+          </a:lnRef>
+          <a:fillRef idx="1">
+            <a:schemeClr val="accent1"/>
+          </a:fillRef>
+          <a:effectRef idx="0">
+            <a:schemeClr val="accent1"/>
+          </a:effectRef>
+          <a:fontRef idx="minor">
+            <a:schemeClr val="lt1"/>
+          </a:fontRef>
+        </p:style>
+        <p:txBody>
+          <a:bodyPr rtlCol="0" anchor="ctr"/>
+          <a:lstStyle/>
+          <a:p>
+            <a:r>
+              <a:rPr lang="en-US" sz="1200" dirty="0"/>
+              <a:t>Weekly Action Handler </a:t>
+            </a:r>
+            <a:endParaRPr lang="en-SG" sz="1200" dirty="0"/>
+          </a:p>
+        </p:txBody>
+      </p:sp>
+      <p:cxnSp>
+        <p:nvCxnSpPr>
+          <p:cNvPr id="28" name="Connector: Elbow 27">
+            <a:extLst>
+              <a:ext uri="{FF2B5EF4-FFF2-40B4-BE49-F238E27FC236}">
+                <a16:creationId xmlns:a16="http://schemas.microsoft.com/office/drawing/2014/main" id="{F1D7F073-233C-03CF-2793-9484BF93AD2C}"/>
+              </a:ext>
+            </a:extLst>
+          </p:cNvPr>
+          <p:cNvCxnSpPr>
+            <a:cxnSpLocks/>
+            <a:stCxn id="8" idx="3"/>
+            <a:endCxn id="27" idx="0"/>
+          </p:cNvCxnSpPr>
+          <p:nvPr/>
+        </p:nvCxnSpPr>
+        <p:spPr>
+          <a:xfrm>
+            <a:off x="3150704" y="1769674"/>
+            <a:ext cx="1027867" cy="874131"/>
+          </a:xfrm>
+          <a:prstGeom prst="bentConnector2">
+            <a:avLst/>
+          </a:prstGeom>
+          <a:ln w="19050">
+            <a:prstDash val="sysDash"/>
+            <a:tailEnd type="triangle"/>
+          </a:ln>
+        </p:spPr>
+        <p:style>
+          <a:lnRef idx="1">
+            <a:schemeClr val="accent1"/>
+          </a:lnRef>
+          <a:fillRef idx="0">
+            <a:schemeClr val="accent1"/>
+          </a:fillRef>
+          <a:effectRef idx="0">
+            <a:schemeClr val="accent1"/>
+          </a:effectRef>
+          <a:fontRef idx="minor">
+            <a:schemeClr val="tx1"/>
+          </a:fontRef>
+        </p:style>
+      </p:cxnSp>
+      <p:sp>
+        <p:nvSpPr>
+          <p:cNvPr id="32" name="TextBox 31">
+            <a:extLst>
+              <a:ext uri="{FF2B5EF4-FFF2-40B4-BE49-F238E27FC236}">
+                <a16:creationId xmlns:a16="http://schemas.microsoft.com/office/drawing/2014/main" id="{6C1E3A4F-2BA1-2EB6-C96F-8D8907962051}"/>
+              </a:ext>
+            </a:extLst>
+          </p:cNvPr>
+          <p:cNvSpPr txBox="1"/>
+          <p:nvPr/>
+        </p:nvSpPr>
+        <p:spPr>
+          <a:xfrm>
+            <a:off x="347869" y="1924023"/>
+            <a:ext cx="1685929" cy="769441"/>
+          </a:xfrm>
+          <a:prstGeom prst="rect">
+            <a:avLst/>
+          </a:prstGeom>
+          <a:noFill/>
+        </p:spPr>
+        <p:txBody>
+          <a:bodyPr wrap="square" rtlCol="0">
+            <a:spAutoFit/>
+          </a:bodyPr>
+          <a:lstStyle/>
+          <a:p>
+            <a:r>
+              <a:rPr lang="en-US" sz="1100" b="1" dirty="0"/>
+              <a:t>Random/conditional/flexible  action process</a:t>
+            </a:r>
+          </a:p>
+          <a:p>
+            <a:r>
+              <a:rPr lang="en-US" sz="1100" b="1" dirty="0">
+                <a:solidFill>
+                  <a:schemeClr val="accent6">
+                    <a:lumMod val="75000"/>
+                  </a:schemeClr>
+                </a:solidFill>
+              </a:rPr>
+              <a:t>Priority: low</a:t>
+            </a:r>
+          </a:p>
+          <a:p>
+            <a:endParaRPr lang="en-SG" sz="1100" b="1" dirty="0"/>
+          </a:p>
+        </p:txBody>
+      </p:sp>
+      <p:sp>
+        <p:nvSpPr>
+          <p:cNvPr id="33" name="TextBox 32">
+            <a:extLst>
+              <a:ext uri="{FF2B5EF4-FFF2-40B4-BE49-F238E27FC236}">
+                <a16:creationId xmlns:a16="http://schemas.microsoft.com/office/drawing/2014/main" id="{99E53A7F-DAB4-8A9A-0D7D-DD57A69AA367}"/>
+              </a:ext>
+            </a:extLst>
+          </p:cNvPr>
+          <p:cNvSpPr txBox="1"/>
+          <p:nvPr/>
+        </p:nvSpPr>
+        <p:spPr>
+          <a:xfrm>
+            <a:off x="2583331" y="2044463"/>
+            <a:ext cx="1200992" cy="769441"/>
+          </a:xfrm>
+          <a:prstGeom prst="rect">
+            <a:avLst/>
+          </a:prstGeom>
+          <a:noFill/>
+        </p:spPr>
+        <p:txBody>
+          <a:bodyPr wrap="square" rtlCol="0">
+            <a:spAutoFit/>
+          </a:bodyPr>
+          <a:lstStyle/>
+          <a:p>
+            <a:r>
+              <a:rPr lang="en-US" sz="1100" b="1" dirty="0"/>
+              <a:t>Timeline based action process</a:t>
+            </a:r>
+          </a:p>
+          <a:p>
+            <a:r>
+              <a:rPr lang="en-US" sz="1100" b="1" dirty="0">
+                <a:solidFill>
+                  <a:schemeClr val="accent4"/>
+                </a:solidFill>
+              </a:rPr>
+              <a:t>Priority: mid </a:t>
+            </a:r>
+          </a:p>
+          <a:p>
+            <a:endParaRPr lang="en-SG" sz="1100" b="1" dirty="0"/>
+          </a:p>
+        </p:txBody>
+      </p:sp>
+      <p:sp>
+        <p:nvSpPr>
+          <p:cNvPr id="34" name="TextBox 33">
+            <a:extLst>
+              <a:ext uri="{FF2B5EF4-FFF2-40B4-BE49-F238E27FC236}">
+                <a16:creationId xmlns:a16="http://schemas.microsoft.com/office/drawing/2014/main" id="{A824273D-11DD-C7DE-24F4-6C1A0477B57B}"/>
+              </a:ext>
+            </a:extLst>
+          </p:cNvPr>
+          <p:cNvSpPr txBox="1"/>
+          <p:nvPr/>
+        </p:nvSpPr>
+        <p:spPr>
+          <a:xfrm>
+            <a:off x="4133848" y="2040990"/>
+            <a:ext cx="1469330" cy="769441"/>
+          </a:xfrm>
+          <a:prstGeom prst="rect">
+            <a:avLst/>
+          </a:prstGeom>
+          <a:noFill/>
+        </p:spPr>
+        <p:txBody>
+          <a:bodyPr wrap="square" rtlCol="0">
+            <a:spAutoFit/>
+          </a:bodyPr>
+          <a:lstStyle/>
+          <a:p>
+            <a:r>
+              <a:rPr lang="en-US" sz="1100" b="1" dirty="0"/>
+              <a:t>Fixed timeline-based action process</a:t>
+            </a:r>
+          </a:p>
+          <a:p>
+            <a:r>
+              <a:rPr lang="en-US" sz="1100" b="1" dirty="0">
+                <a:solidFill>
+                  <a:srgbClr val="FF0000"/>
+                </a:solidFill>
+              </a:rPr>
+              <a:t>Priority: high </a:t>
+            </a:r>
+          </a:p>
+          <a:p>
+            <a:endParaRPr lang="en-SG" sz="1100" b="1" dirty="0"/>
+          </a:p>
+        </p:txBody>
+      </p:sp>
+      <p:pic>
+        <p:nvPicPr>
+          <p:cNvPr id="35" name="Picture 34">
+            <a:extLst>
+              <a:ext uri="{FF2B5EF4-FFF2-40B4-BE49-F238E27FC236}">
+                <a16:creationId xmlns:a16="http://schemas.microsoft.com/office/drawing/2014/main" id="{19FD2C80-890D-01F1-841F-4A2665470FD4}"/>
+              </a:ext>
+            </a:extLst>
+          </p:cNvPr>
+          <p:cNvPicPr>
+            <a:picLocks noChangeAspect="1"/>
+          </p:cNvPicPr>
+          <p:nvPr/>
+        </p:nvPicPr>
+        <p:blipFill>
+          <a:blip r:embed="rId2"/>
+          <a:stretch>
+            <a:fillRect/>
+          </a:stretch>
+        </p:blipFill>
+        <p:spPr>
+          <a:xfrm>
+            <a:off x="3728410" y="2148368"/>
+            <a:ext cx="210380" cy="241137"/>
+          </a:xfrm>
+          <a:prstGeom prst="rect">
+            <a:avLst/>
+          </a:prstGeom>
+        </p:spPr>
+      </p:pic>
+      <p:cxnSp>
+        <p:nvCxnSpPr>
+          <p:cNvPr id="37" name="Straight Arrow Connector 36">
+            <a:extLst>
+              <a:ext uri="{FF2B5EF4-FFF2-40B4-BE49-F238E27FC236}">
+                <a16:creationId xmlns:a16="http://schemas.microsoft.com/office/drawing/2014/main" id="{1BCE1F28-4AE8-D9D1-7C98-4C28BB05B6DB}"/>
+              </a:ext>
+            </a:extLst>
+          </p:cNvPr>
+          <p:cNvCxnSpPr>
+            <a:stCxn id="35" idx="2"/>
+          </p:cNvCxnSpPr>
+          <p:nvPr/>
+        </p:nvCxnSpPr>
+        <p:spPr>
+          <a:xfrm>
+            <a:off x="3833600" y="2389505"/>
+            <a:ext cx="0" cy="254300"/>
+          </a:xfrm>
+          <a:prstGeom prst="straightConnector1">
+            <a:avLst/>
+          </a:prstGeom>
+          <a:ln>
+            <a:tailEnd type="triangle"/>
+          </a:ln>
+        </p:spPr>
+        <p:style>
+          <a:lnRef idx="1">
+            <a:schemeClr val="dk1"/>
+          </a:lnRef>
+          <a:fillRef idx="0">
+            <a:schemeClr val="dk1"/>
+          </a:fillRef>
+          <a:effectRef idx="0">
+            <a:schemeClr val="dk1"/>
+          </a:effectRef>
+          <a:fontRef idx="minor">
+            <a:schemeClr val="tx1"/>
+          </a:fontRef>
+        </p:style>
+      </p:cxnSp>
+      <p:pic>
+        <p:nvPicPr>
+          <p:cNvPr id="38" name="Picture 37">
+            <a:extLst>
+              <a:ext uri="{FF2B5EF4-FFF2-40B4-BE49-F238E27FC236}">
+                <a16:creationId xmlns:a16="http://schemas.microsoft.com/office/drawing/2014/main" id="{31861DD7-0D2E-0737-ACE4-05DF3745300B}"/>
+              </a:ext>
+            </a:extLst>
+          </p:cNvPr>
+          <p:cNvPicPr>
+            <a:picLocks noChangeAspect="1"/>
+          </p:cNvPicPr>
+          <p:nvPr/>
+        </p:nvPicPr>
+        <p:blipFill>
+          <a:blip r:embed="rId2"/>
+          <a:stretch>
+            <a:fillRect/>
+          </a:stretch>
+        </p:blipFill>
+        <p:spPr>
+          <a:xfrm>
+            <a:off x="2261144" y="2108431"/>
+            <a:ext cx="210380" cy="241137"/>
+          </a:xfrm>
+          <a:prstGeom prst="rect">
+            <a:avLst/>
+          </a:prstGeom>
+        </p:spPr>
+      </p:pic>
+      <p:cxnSp>
+        <p:nvCxnSpPr>
+          <p:cNvPr id="39" name="Straight Arrow Connector 38">
+            <a:extLst>
+              <a:ext uri="{FF2B5EF4-FFF2-40B4-BE49-F238E27FC236}">
+                <a16:creationId xmlns:a16="http://schemas.microsoft.com/office/drawing/2014/main" id="{EAFF186A-50E6-D81D-3A12-F2ACDCAED5F8}"/>
+              </a:ext>
+            </a:extLst>
+          </p:cNvPr>
+          <p:cNvCxnSpPr>
+            <a:cxnSpLocks/>
+            <a:stCxn id="38" idx="2"/>
+          </p:cNvCxnSpPr>
+          <p:nvPr/>
+        </p:nvCxnSpPr>
+        <p:spPr>
+          <a:xfrm>
+            <a:off x="2366334" y="2349568"/>
+            <a:ext cx="0" cy="254300"/>
+          </a:xfrm>
+          <a:prstGeom prst="straightConnector1">
+            <a:avLst/>
+          </a:prstGeom>
+          <a:ln>
+            <a:tailEnd type="triangle"/>
+          </a:ln>
+        </p:spPr>
+        <p:style>
+          <a:lnRef idx="1">
+            <a:schemeClr val="dk1"/>
+          </a:lnRef>
+          <a:fillRef idx="0">
+            <a:schemeClr val="dk1"/>
+          </a:fillRef>
+          <a:effectRef idx="0">
+            <a:schemeClr val="dk1"/>
+          </a:effectRef>
+          <a:fontRef idx="minor">
+            <a:schemeClr val="tx1"/>
+          </a:fontRef>
+        </p:style>
+      </p:cxnSp>
+      <p:pic>
+        <p:nvPicPr>
+          <p:cNvPr id="40" name="Picture 39">
+            <a:extLst>
+              <a:ext uri="{FF2B5EF4-FFF2-40B4-BE49-F238E27FC236}">
+                <a16:creationId xmlns:a16="http://schemas.microsoft.com/office/drawing/2014/main" id="{EB349752-D4E8-03FC-D888-E1B817F5A10F}"/>
+              </a:ext>
+            </a:extLst>
+          </p:cNvPr>
+          <p:cNvPicPr>
+            <a:picLocks noChangeAspect="1"/>
+          </p:cNvPicPr>
+          <p:nvPr/>
+        </p:nvPicPr>
+        <p:blipFill>
+          <a:blip r:embed="rId2"/>
+          <a:stretch>
+            <a:fillRect/>
+          </a:stretch>
+        </p:blipFill>
+        <p:spPr>
+          <a:xfrm>
+            <a:off x="1623393" y="2118295"/>
+            <a:ext cx="210380" cy="241137"/>
+          </a:xfrm>
+          <a:prstGeom prst="rect">
+            <a:avLst/>
+          </a:prstGeom>
+        </p:spPr>
+      </p:pic>
+      <p:cxnSp>
+        <p:nvCxnSpPr>
+          <p:cNvPr id="41" name="Straight Arrow Connector 40">
+            <a:extLst>
+              <a:ext uri="{FF2B5EF4-FFF2-40B4-BE49-F238E27FC236}">
+                <a16:creationId xmlns:a16="http://schemas.microsoft.com/office/drawing/2014/main" id="{E405DBD9-F206-8785-3990-C361AAF48DF8}"/>
+              </a:ext>
+            </a:extLst>
+          </p:cNvPr>
+          <p:cNvCxnSpPr>
+            <a:stCxn id="40" idx="2"/>
+          </p:cNvCxnSpPr>
+          <p:nvPr/>
+        </p:nvCxnSpPr>
+        <p:spPr>
+          <a:xfrm>
+            <a:off x="1728583" y="2359432"/>
+            <a:ext cx="0" cy="254300"/>
+          </a:xfrm>
+          <a:prstGeom prst="straightConnector1">
+            <a:avLst/>
+          </a:prstGeom>
+          <a:ln>
+            <a:tailEnd type="triangle"/>
+          </a:ln>
+        </p:spPr>
+        <p:style>
+          <a:lnRef idx="1">
+            <a:schemeClr val="dk1"/>
+          </a:lnRef>
+          <a:fillRef idx="0">
+            <a:schemeClr val="dk1"/>
+          </a:fillRef>
+          <a:effectRef idx="0">
+            <a:schemeClr val="dk1"/>
+          </a:effectRef>
+          <a:fontRef idx="minor">
+            <a:schemeClr val="tx1"/>
+          </a:fontRef>
+        </p:style>
+      </p:cxnSp>
+      <p:sp>
+        <p:nvSpPr>
+          <p:cNvPr id="42" name="Flowchart: Decision 41">
+            <a:extLst>
+              <a:ext uri="{FF2B5EF4-FFF2-40B4-BE49-F238E27FC236}">
+                <a16:creationId xmlns:a16="http://schemas.microsoft.com/office/drawing/2014/main" id="{4560C37B-F09B-BD09-D52D-CC70E2306109}"/>
+              </a:ext>
+            </a:extLst>
+          </p:cNvPr>
+          <p:cNvSpPr/>
+          <p:nvPr/>
+        </p:nvSpPr>
+        <p:spPr>
+          <a:xfrm>
+            <a:off x="797612" y="3557657"/>
+            <a:ext cx="1070118" cy="427896"/>
+          </a:xfrm>
+          <a:prstGeom prst="flowChartDecision">
+            <a:avLst/>
+          </a:prstGeom>
+          <a:noFill/>
+          <a:ln w="9525" cap="flat" cmpd="sng" algn="ctr">
+            <a:solidFill>
+              <a:schemeClr val="dk1"/>
+            </a:solidFill>
+            <a:prstDash val="solid"/>
+            <a:round/>
+            <a:headEnd type="none" w="med" len="med"/>
+            <a:tailEnd type="none" w="med" len="med"/>
+          </a:ln>
+        </p:spPr>
+        <p:style>
+          <a:lnRef idx="0">
+            <a:scrgbClr r="0" g="0" b="0"/>
+          </a:lnRef>
+          <a:fillRef idx="0">
+            <a:scrgbClr r="0" g="0" b="0"/>
+          </a:fillRef>
+          <a:effectRef idx="0">
+            <a:scrgbClr r="0" g="0" b="0"/>
+          </a:effectRef>
+          <a:fontRef idx="minor">
+            <a:schemeClr val="dk1"/>
+          </a:fontRef>
+        </p:style>
+        <p:txBody>
+          <a:bodyPr rtlCol="0" anchor="ctr"/>
+          <a:lstStyle/>
+          <a:p>
+            <a:pPr algn="ctr"/>
+            <a:endParaRPr lang="en-SG" dirty="0"/>
+          </a:p>
+        </p:txBody>
+      </p:sp>
+      <p:cxnSp>
+        <p:nvCxnSpPr>
+          <p:cNvPr id="43" name="Straight Arrow Connector 42">
+            <a:extLst>
+              <a:ext uri="{FF2B5EF4-FFF2-40B4-BE49-F238E27FC236}">
+                <a16:creationId xmlns:a16="http://schemas.microsoft.com/office/drawing/2014/main" id="{E09472BB-57E3-8525-8E5D-B7B7077CA0C0}"/>
+              </a:ext>
+            </a:extLst>
+          </p:cNvPr>
+          <p:cNvCxnSpPr>
+            <a:cxnSpLocks/>
+            <a:stCxn id="20" idx="2"/>
+            <a:endCxn id="42" idx="0"/>
+          </p:cNvCxnSpPr>
+          <p:nvPr/>
+        </p:nvCxnSpPr>
+        <p:spPr>
+          <a:xfrm>
+            <a:off x="1332671" y="3061762"/>
+            <a:ext cx="0" cy="495895"/>
+          </a:xfrm>
+          <a:prstGeom prst="straightConnector1">
+            <a:avLst/>
+          </a:prstGeom>
+          <a:ln w="19050">
+            <a:prstDash val="sysDash"/>
+            <a:tailEnd type="triangle"/>
+          </a:ln>
+        </p:spPr>
+        <p:style>
+          <a:lnRef idx="1">
+            <a:schemeClr val="accent1"/>
+          </a:lnRef>
+          <a:fillRef idx="0">
+            <a:schemeClr val="accent1"/>
+          </a:fillRef>
+          <a:effectRef idx="0">
+            <a:schemeClr val="accent1"/>
+          </a:effectRef>
+          <a:fontRef idx="minor">
+            <a:schemeClr val="tx1"/>
+          </a:fontRef>
+        </p:style>
+      </p:cxnSp>
+      <p:sp>
+        <p:nvSpPr>
+          <p:cNvPr id="46" name="Flowchart: Decision 45">
+            <a:extLst>
+              <a:ext uri="{FF2B5EF4-FFF2-40B4-BE49-F238E27FC236}">
+                <a16:creationId xmlns:a16="http://schemas.microsoft.com/office/drawing/2014/main" id="{50F5717C-C832-94E3-7340-F45D85385784}"/>
+              </a:ext>
+            </a:extLst>
+          </p:cNvPr>
+          <p:cNvSpPr/>
+          <p:nvPr/>
+        </p:nvSpPr>
+        <p:spPr>
+          <a:xfrm>
+            <a:off x="2228845" y="3557657"/>
+            <a:ext cx="1070118" cy="427896"/>
+          </a:xfrm>
+          <a:prstGeom prst="flowChartDecision">
+            <a:avLst/>
+          </a:prstGeom>
+          <a:noFill/>
+          <a:ln w="9525" cap="flat" cmpd="sng" algn="ctr">
+            <a:solidFill>
+              <a:schemeClr val="dk1"/>
+            </a:solidFill>
+            <a:prstDash val="solid"/>
+            <a:round/>
+            <a:headEnd type="none" w="med" len="med"/>
+            <a:tailEnd type="none" w="med" len="med"/>
+          </a:ln>
+        </p:spPr>
+        <p:style>
+          <a:lnRef idx="0">
+            <a:scrgbClr r="0" g="0" b="0"/>
+          </a:lnRef>
+          <a:fillRef idx="0">
+            <a:scrgbClr r="0" g="0" b="0"/>
+          </a:fillRef>
+          <a:effectRef idx="0">
+            <a:scrgbClr r="0" g="0" b="0"/>
+          </a:effectRef>
+          <a:fontRef idx="minor">
+            <a:schemeClr val="dk1"/>
+          </a:fontRef>
+        </p:style>
+        <p:txBody>
+          <a:bodyPr rtlCol="0" anchor="ctr"/>
+          <a:lstStyle/>
+          <a:p>
+            <a:pPr algn="ctr"/>
+            <a:endParaRPr lang="en-SG" dirty="0"/>
+          </a:p>
+        </p:txBody>
+      </p:sp>
+      <p:cxnSp>
+        <p:nvCxnSpPr>
+          <p:cNvPr id="47" name="Straight Arrow Connector 46">
+            <a:extLst>
+              <a:ext uri="{FF2B5EF4-FFF2-40B4-BE49-F238E27FC236}">
+                <a16:creationId xmlns:a16="http://schemas.microsoft.com/office/drawing/2014/main" id="{BF68E925-F6C8-EACE-6726-120EBA18D5F1}"/>
+              </a:ext>
+            </a:extLst>
+          </p:cNvPr>
+          <p:cNvCxnSpPr>
+            <a:cxnSpLocks/>
+            <a:stCxn id="21" idx="2"/>
+            <a:endCxn id="46" idx="0"/>
+          </p:cNvCxnSpPr>
+          <p:nvPr/>
+        </p:nvCxnSpPr>
+        <p:spPr>
+          <a:xfrm>
+            <a:off x="2763904" y="3071701"/>
+            <a:ext cx="0" cy="485956"/>
+          </a:xfrm>
+          <a:prstGeom prst="straightConnector1">
+            <a:avLst/>
+          </a:prstGeom>
+          <a:ln w="19050">
+            <a:prstDash val="sysDash"/>
+            <a:tailEnd type="triangle"/>
+          </a:ln>
+        </p:spPr>
+        <p:style>
+          <a:lnRef idx="1">
+            <a:schemeClr val="accent1"/>
+          </a:lnRef>
+          <a:fillRef idx="0">
+            <a:schemeClr val="accent1"/>
+          </a:fillRef>
+          <a:effectRef idx="0">
+            <a:schemeClr val="accent1"/>
+          </a:effectRef>
+          <a:fontRef idx="minor">
+            <a:schemeClr val="tx1"/>
+          </a:fontRef>
+        </p:style>
+      </p:cxnSp>
+      <p:sp>
+        <p:nvSpPr>
+          <p:cNvPr id="51" name="Flowchart: Decision 50">
+            <a:extLst>
+              <a:ext uri="{FF2B5EF4-FFF2-40B4-BE49-F238E27FC236}">
+                <a16:creationId xmlns:a16="http://schemas.microsoft.com/office/drawing/2014/main" id="{9D2A8A3F-78D5-E72A-9357-805AAF60DBED}"/>
+              </a:ext>
+            </a:extLst>
+          </p:cNvPr>
+          <p:cNvSpPr/>
+          <p:nvPr/>
+        </p:nvSpPr>
+        <p:spPr>
+          <a:xfrm>
+            <a:off x="3662564" y="3552432"/>
+            <a:ext cx="1070118" cy="427896"/>
+          </a:xfrm>
+          <a:prstGeom prst="flowChartDecision">
+            <a:avLst/>
+          </a:prstGeom>
+          <a:noFill/>
+          <a:ln w="9525" cap="flat" cmpd="sng" algn="ctr">
+            <a:solidFill>
+              <a:schemeClr val="dk1"/>
+            </a:solidFill>
+            <a:prstDash val="solid"/>
+            <a:round/>
+            <a:headEnd type="none" w="med" len="med"/>
+            <a:tailEnd type="none" w="med" len="med"/>
+          </a:ln>
+        </p:spPr>
+        <p:style>
+          <a:lnRef idx="0">
+            <a:scrgbClr r="0" g="0" b="0"/>
+          </a:lnRef>
+          <a:fillRef idx="0">
+            <a:scrgbClr r="0" g="0" b="0"/>
+          </a:fillRef>
+          <a:effectRef idx="0">
+            <a:scrgbClr r="0" g="0" b="0"/>
+          </a:effectRef>
+          <a:fontRef idx="minor">
+            <a:schemeClr val="dk1"/>
+          </a:fontRef>
+        </p:style>
+        <p:txBody>
+          <a:bodyPr rtlCol="0" anchor="ctr"/>
+          <a:lstStyle/>
+          <a:p>
+            <a:pPr algn="ctr"/>
+            <a:endParaRPr lang="en-SG" dirty="0"/>
+          </a:p>
+        </p:txBody>
+      </p:sp>
+      <p:cxnSp>
+        <p:nvCxnSpPr>
+          <p:cNvPr id="52" name="Straight Arrow Connector 51">
+            <a:extLst>
+              <a:ext uri="{FF2B5EF4-FFF2-40B4-BE49-F238E27FC236}">
+                <a16:creationId xmlns:a16="http://schemas.microsoft.com/office/drawing/2014/main" id="{0EB04FAE-679B-12C9-FF94-27BABC26301A}"/>
+              </a:ext>
+            </a:extLst>
+          </p:cNvPr>
+          <p:cNvCxnSpPr>
+            <a:cxnSpLocks/>
+            <a:endCxn id="51" idx="0"/>
+          </p:cNvCxnSpPr>
+          <p:nvPr/>
+        </p:nvCxnSpPr>
+        <p:spPr>
+          <a:xfrm>
+            <a:off x="4197623" y="3056537"/>
+            <a:ext cx="0" cy="495895"/>
+          </a:xfrm>
+          <a:prstGeom prst="straightConnector1">
+            <a:avLst/>
+          </a:prstGeom>
+          <a:ln w="19050">
+            <a:prstDash val="sysDash"/>
+            <a:tailEnd type="triangle"/>
+          </a:ln>
+        </p:spPr>
+        <p:style>
+          <a:lnRef idx="1">
+            <a:schemeClr val="accent1"/>
+          </a:lnRef>
+          <a:fillRef idx="0">
+            <a:schemeClr val="accent1"/>
+          </a:fillRef>
+          <a:effectRef idx="0">
+            <a:schemeClr val="accent1"/>
+          </a:effectRef>
+          <a:fontRef idx="minor">
+            <a:schemeClr val="tx1"/>
+          </a:fontRef>
+        </p:style>
+      </p:cxnSp>
+      <p:sp>
+        <p:nvSpPr>
+          <p:cNvPr id="53" name="TextBox 52">
+            <a:extLst>
+              <a:ext uri="{FF2B5EF4-FFF2-40B4-BE49-F238E27FC236}">
+                <a16:creationId xmlns:a16="http://schemas.microsoft.com/office/drawing/2014/main" id="{EDF8BBE4-3555-C8CC-D959-F880653C1A4D}"/>
+              </a:ext>
+            </a:extLst>
+          </p:cNvPr>
+          <p:cNvSpPr txBox="1"/>
+          <p:nvPr/>
+        </p:nvSpPr>
+        <p:spPr>
+          <a:xfrm>
+            <a:off x="984387" y="3550936"/>
+            <a:ext cx="1109873" cy="430887"/>
+          </a:xfrm>
+          <a:prstGeom prst="rect">
+            <a:avLst/>
+          </a:prstGeom>
+          <a:noFill/>
+        </p:spPr>
+        <p:txBody>
+          <a:bodyPr wrap="square" rtlCol="0">
+            <a:spAutoFit/>
+          </a:bodyPr>
+          <a:lstStyle/>
+          <a:p>
+            <a:r>
+              <a:rPr lang="en-SG" sz="1100" b="1" dirty="0">
+                <a:solidFill>
+                  <a:schemeClr val="accent6">
+                    <a:lumMod val="75000"/>
+                  </a:schemeClr>
+                </a:solidFill>
+              </a:rPr>
+              <a:t>condition satisfied? </a:t>
+            </a:r>
+          </a:p>
+        </p:txBody>
+      </p:sp>
+      <p:sp>
+        <p:nvSpPr>
+          <p:cNvPr id="54" name="TextBox 53">
+            <a:extLst>
+              <a:ext uri="{FF2B5EF4-FFF2-40B4-BE49-F238E27FC236}">
+                <a16:creationId xmlns:a16="http://schemas.microsoft.com/office/drawing/2014/main" id="{0129F963-5DCC-BA61-EC9E-3EE398E032C5}"/>
+              </a:ext>
+            </a:extLst>
+          </p:cNvPr>
+          <p:cNvSpPr txBox="1"/>
+          <p:nvPr/>
+        </p:nvSpPr>
+        <p:spPr>
+          <a:xfrm>
+            <a:off x="3728410" y="3635575"/>
+            <a:ext cx="1138032" cy="261610"/>
+          </a:xfrm>
+          <a:prstGeom prst="rect">
+            <a:avLst/>
+          </a:prstGeom>
+          <a:noFill/>
+        </p:spPr>
+        <p:txBody>
+          <a:bodyPr wrap="square" rtlCol="0">
+            <a:spAutoFit/>
+          </a:bodyPr>
+          <a:lstStyle/>
+          <a:p>
+            <a:r>
+              <a:rPr lang="en-US" sz="1100" b="1" dirty="0">
+                <a:solidFill>
+                  <a:schemeClr val="accent6">
+                    <a:lumMod val="75000"/>
+                  </a:schemeClr>
+                </a:solidFill>
+              </a:rPr>
+              <a:t>Time </a:t>
+            </a:r>
+            <a:r>
+              <a:rPr lang="en-SG" sz="1100" b="1" dirty="0">
+                <a:solidFill>
+                  <a:schemeClr val="accent6">
+                    <a:lumMod val="75000"/>
+                  </a:schemeClr>
+                </a:solidFill>
+              </a:rPr>
+              <a:t>satisfied ? </a:t>
+            </a:r>
+          </a:p>
+        </p:txBody>
+      </p:sp>
+      <p:sp>
+        <p:nvSpPr>
+          <p:cNvPr id="55" name="TextBox 54">
+            <a:extLst>
+              <a:ext uri="{FF2B5EF4-FFF2-40B4-BE49-F238E27FC236}">
+                <a16:creationId xmlns:a16="http://schemas.microsoft.com/office/drawing/2014/main" id="{DBA4ADFF-8451-57D2-07F7-42B69297FEF6}"/>
+              </a:ext>
+            </a:extLst>
+          </p:cNvPr>
+          <p:cNvSpPr txBox="1"/>
+          <p:nvPr/>
+        </p:nvSpPr>
+        <p:spPr>
+          <a:xfrm>
+            <a:off x="2354738" y="3557657"/>
+            <a:ext cx="1138032" cy="430887"/>
+          </a:xfrm>
+          <a:prstGeom prst="rect">
+            <a:avLst/>
+          </a:prstGeom>
+          <a:noFill/>
+        </p:spPr>
+        <p:txBody>
+          <a:bodyPr wrap="square" rtlCol="0">
+            <a:spAutoFit/>
+          </a:bodyPr>
+          <a:lstStyle/>
+          <a:p>
+            <a:r>
+              <a:rPr lang="en-US" sz="1100" b="1" dirty="0">
+                <a:solidFill>
+                  <a:schemeClr val="accent6">
+                    <a:lumMod val="75000"/>
+                  </a:schemeClr>
+                </a:solidFill>
+              </a:rPr>
+              <a:t>Time </a:t>
+            </a:r>
+            <a:r>
+              <a:rPr lang="en-SG" sz="1100" b="1" dirty="0">
+                <a:solidFill>
+                  <a:schemeClr val="accent6">
+                    <a:lumMod val="75000"/>
+                  </a:schemeClr>
+                </a:solidFill>
+              </a:rPr>
+              <a:t>/condition satisfied? </a:t>
+            </a:r>
+          </a:p>
+        </p:txBody>
+      </p:sp>
+      <p:sp>
+        <p:nvSpPr>
+          <p:cNvPr id="56" name="Rectangle 55">
+            <a:extLst>
+              <a:ext uri="{FF2B5EF4-FFF2-40B4-BE49-F238E27FC236}">
+                <a16:creationId xmlns:a16="http://schemas.microsoft.com/office/drawing/2014/main" id="{D2BF129A-963E-C160-37E7-C03BB101E6B4}"/>
+              </a:ext>
+            </a:extLst>
+          </p:cNvPr>
+          <p:cNvSpPr/>
+          <p:nvPr/>
+        </p:nvSpPr>
+        <p:spPr>
+          <a:xfrm>
+            <a:off x="1073008" y="4430182"/>
+            <a:ext cx="550385" cy="427896"/>
+          </a:xfrm>
+          <a:prstGeom prst="rect">
+            <a:avLst/>
+          </a:prstGeom>
+        </p:spPr>
+        <p:style>
+          <a:lnRef idx="2">
+            <a:schemeClr val="accent1">
+              <a:shade val="50000"/>
+            </a:schemeClr>
+          </a:lnRef>
+          <a:fillRef idx="1">
+            <a:schemeClr val="accent1"/>
+          </a:fillRef>
+          <a:effectRef idx="0">
+            <a:schemeClr val="accent1"/>
+          </a:effectRef>
+          <a:fontRef idx="minor">
+            <a:schemeClr val="lt1"/>
+          </a:fontRef>
+        </p:style>
+        <p:txBody>
+          <a:bodyPr rtlCol="0" anchor="ctr"/>
+          <a:lstStyle/>
+          <a:p>
+            <a:r>
+              <a:rPr lang="en-US" sz="1200" dirty="0"/>
+              <a:t>Actor</a:t>
+            </a:r>
+            <a:endParaRPr lang="en-SG" sz="1200" dirty="0"/>
+          </a:p>
+        </p:txBody>
+      </p:sp>
+      <p:sp>
+        <p:nvSpPr>
+          <p:cNvPr id="57" name="Rectangle 56">
+            <a:extLst>
+              <a:ext uri="{FF2B5EF4-FFF2-40B4-BE49-F238E27FC236}">
+                <a16:creationId xmlns:a16="http://schemas.microsoft.com/office/drawing/2014/main" id="{488C43E6-A33E-D6BD-4592-D9B66068499C}"/>
+              </a:ext>
+            </a:extLst>
+          </p:cNvPr>
+          <p:cNvSpPr/>
+          <p:nvPr/>
+        </p:nvSpPr>
+        <p:spPr>
+          <a:xfrm>
+            <a:off x="2488711" y="4430182"/>
+            <a:ext cx="550385" cy="427896"/>
+          </a:xfrm>
+          <a:prstGeom prst="rect">
+            <a:avLst/>
+          </a:prstGeom>
+        </p:spPr>
+        <p:style>
+          <a:lnRef idx="2">
+            <a:schemeClr val="accent1">
+              <a:shade val="50000"/>
+            </a:schemeClr>
+          </a:lnRef>
+          <a:fillRef idx="1">
+            <a:schemeClr val="accent1"/>
+          </a:fillRef>
+          <a:effectRef idx="0">
+            <a:schemeClr val="accent1"/>
+          </a:effectRef>
+          <a:fontRef idx="minor">
+            <a:schemeClr val="lt1"/>
+          </a:fontRef>
+        </p:style>
+        <p:txBody>
+          <a:bodyPr rtlCol="0" anchor="ctr"/>
+          <a:lstStyle/>
+          <a:p>
+            <a:r>
+              <a:rPr lang="en-US" sz="1200" dirty="0"/>
+              <a:t>Actor</a:t>
+            </a:r>
+            <a:endParaRPr lang="en-SG" sz="1200" dirty="0"/>
+          </a:p>
+        </p:txBody>
+      </p:sp>
+      <p:sp>
+        <p:nvSpPr>
+          <p:cNvPr id="58" name="Rectangle 57">
+            <a:extLst>
+              <a:ext uri="{FF2B5EF4-FFF2-40B4-BE49-F238E27FC236}">
+                <a16:creationId xmlns:a16="http://schemas.microsoft.com/office/drawing/2014/main" id="{DDF79060-422C-1215-7327-6BE160B41754}"/>
+              </a:ext>
+            </a:extLst>
+          </p:cNvPr>
+          <p:cNvSpPr/>
+          <p:nvPr/>
+        </p:nvSpPr>
+        <p:spPr>
+          <a:xfrm>
+            <a:off x="3938790" y="4430182"/>
+            <a:ext cx="550385" cy="427896"/>
+          </a:xfrm>
+          <a:prstGeom prst="rect">
+            <a:avLst/>
+          </a:prstGeom>
+        </p:spPr>
+        <p:style>
+          <a:lnRef idx="2">
+            <a:schemeClr val="accent1">
+              <a:shade val="50000"/>
+            </a:schemeClr>
+          </a:lnRef>
+          <a:fillRef idx="1">
+            <a:schemeClr val="accent1"/>
+          </a:fillRef>
+          <a:effectRef idx="0">
+            <a:schemeClr val="accent1"/>
+          </a:effectRef>
+          <a:fontRef idx="minor">
+            <a:schemeClr val="lt1"/>
+          </a:fontRef>
+        </p:style>
+        <p:txBody>
+          <a:bodyPr rtlCol="0" anchor="ctr"/>
+          <a:lstStyle/>
+          <a:p>
+            <a:r>
+              <a:rPr lang="en-US" sz="1200" dirty="0"/>
+              <a:t>Actor</a:t>
+            </a:r>
+            <a:endParaRPr lang="en-SG" sz="1200" dirty="0"/>
+          </a:p>
+        </p:txBody>
+      </p:sp>
+      <p:cxnSp>
+        <p:nvCxnSpPr>
+          <p:cNvPr id="59" name="Straight Arrow Connector 58">
+            <a:extLst>
+              <a:ext uri="{FF2B5EF4-FFF2-40B4-BE49-F238E27FC236}">
+                <a16:creationId xmlns:a16="http://schemas.microsoft.com/office/drawing/2014/main" id="{F7E160FE-2852-19A2-299C-9D96ED264AF8}"/>
+              </a:ext>
+            </a:extLst>
+          </p:cNvPr>
+          <p:cNvCxnSpPr>
+            <a:cxnSpLocks/>
+          </p:cNvCxnSpPr>
+          <p:nvPr/>
+        </p:nvCxnSpPr>
+        <p:spPr>
+          <a:xfrm flipV="1">
+            <a:off x="3662564" y="3116691"/>
+            <a:ext cx="0" cy="648492"/>
+          </a:xfrm>
+          <a:prstGeom prst="straightConnector1">
+            <a:avLst/>
+          </a:prstGeom>
+          <a:ln w="19050">
+            <a:solidFill>
+              <a:srgbClr val="C00000"/>
+            </a:solidFill>
+            <a:prstDash val="solid"/>
+            <a:tailEnd type="triangle"/>
+          </a:ln>
+        </p:spPr>
+        <p:style>
+          <a:lnRef idx="1">
+            <a:schemeClr val="accent1"/>
+          </a:lnRef>
+          <a:fillRef idx="0">
+            <a:schemeClr val="accent1"/>
+          </a:fillRef>
+          <a:effectRef idx="0">
+            <a:schemeClr val="accent1"/>
+          </a:effectRef>
+          <a:fontRef idx="minor">
+            <a:schemeClr val="tx1"/>
+          </a:fontRef>
+        </p:style>
+      </p:cxnSp>
+      <p:cxnSp>
+        <p:nvCxnSpPr>
+          <p:cNvPr id="63" name="Straight Arrow Connector 62">
+            <a:extLst>
+              <a:ext uri="{FF2B5EF4-FFF2-40B4-BE49-F238E27FC236}">
+                <a16:creationId xmlns:a16="http://schemas.microsoft.com/office/drawing/2014/main" id="{E2653CB8-FA9F-922D-6FA8-23C0A14E9ED2}"/>
+              </a:ext>
+            </a:extLst>
+          </p:cNvPr>
+          <p:cNvCxnSpPr>
+            <a:cxnSpLocks/>
+          </p:cNvCxnSpPr>
+          <p:nvPr/>
+        </p:nvCxnSpPr>
+        <p:spPr>
+          <a:xfrm flipV="1">
+            <a:off x="2249543" y="3123113"/>
+            <a:ext cx="0" cy="648492"/>
+          </a:xfrm>
+          <a:prstGeom prst="straightConnector1">
+            <a:avLst/>
+          </a:prstGeom>
+          <a:ln w="19050">
+            <a:solidFill>
+              <a:srgbClr val="C00000"/>
+            </a:solidFill>
+            <a:prstDash val="solid"/>
+            <a:tailEnd type="triangle"/>
+          </a:ln>
+        </p:spPr>
+        <p:style>
+          <a:lnRef idx="1">
+            <a:schemeClr val="accent1"/>
+          </a:lnRef>
+          <a:fillRef idx="0">
+            <a:schemeClr val="accent1"/>
+          </a:fillRef>
+          <a:effectRef idx="0">
+            <a:schemeClr val="accent1"/>
+          </a:effectRef>
+          <a:fontRef idx="minor">
+            <a:schemeClr val="tx1"/>
+          </a:fontRef>
+        </p:style>
+      </p:cxnSp>
+      <p:cxnSp>
+        <p:nvCxnSpPr>
+          <p:cNvPr id="64" name="Straight Arrow Connector 63">
+            <a:extLst>
+              <a:ext uri="{FF2B5EF4-FFF2-40B4-BE49-F238E27FC236}">
+                <a16:creationId xmlns:a16="http://schemas.microsoft.com/office/drawing/2014/main" id="{470E2952-3AAA-E147-9C6F-1872EB4B2DE1}"/>
+              </a:ext>
+            </a:extLst>
+          </p:cNvPr>
+          <p:cNvCxnSpPr>
+            <a:cxnSpLocks/>
+          </p:cNvCxnSpPr>
+          <p:nvPr/>
+        </p:nvCxnSpPr>
+        <p:spPr>
+          <a:xfrm flipV="1">
+            <a:off x="797612" y="3123113"/>
+            <a:ext cx="0" cy="648492"/>
+          </a:xfrm>
+          <a:prstGeom prst="straightConnector1">
+            <a:avLst/>
+          </a:prstGeom>
+          <a:ln w="19050">
+            <a:solidFill>
+              <a:srgbClr val="C00000"/>
+            </a:solidFill>
+            <a:prstDash val="solid"/>
+            <a:tailEnd type="triangle"/>
+          </a:ln>
+        </p:spPr>
+        <p:style>
+          <a:lnRef idx="1">
+            <a:schemeClr val="accent1"/>
+          </a:lnRef>
+          <a:fillRef idx="0">
+            <a:schemeClr val="accent1"/>
+          </a:fillRef>
+          <a:effectRef idx="0">
+            <a:schemeClr val="accent1"/>
+          </a:effectRef>
+          <a:fontRef idx="minor">
+            <a:schemeClr val="tx1"/>
+          </a:fontRef>
+        </p:style>
+      </p:cxnSp>
+      <p:cxnSp>
+        <p:nvCxnSpPr>
+          <p:cNvPr id="65" name="Straight Arrow Connector 64">
+            <a:extLst>
+              <a:ext uri="{FF2B5EF4-FFF2-40B4-BE49-F238E27FC236}">
+                <a16:creationId xmlns:a16="http://schemas.microsoft.com/office/drawing/2014/main" id="{80921725-D93E-4926-2FA1-73B36C015356}"/>
+              </a:ext>
+            </a:extLst>
+          </p:cNvPr>
+          <p:cNvCxnSpPr>
+            <a:cxnSpLocks/>
+          </p:cNvCxnSpPr>
+          <p:nvPr/>
+        </p:nvCxnSpPr>
+        <p:spPr>
+          <a:xfrm>
+            <a:off x="4213982" y="3988544"/>
+            <a:ext cx="0" cy="399461"/>
+          </a:xfrm>
+          <a:prstGeom prst="straightConnector1">
+            <a:avLst/>
+          </a:prstGeom>
+          <a:ln w="19050">
+            <a:solidFill>
+              <a:srgbClr val="00B050"/>
+            </a:solidFill>
+            <a:prstDash val="solid"/>
+            <a:tailEnd type="triangle"/>
+          </a:ln>
+        </p:spPr>
+        <p:style>
+          <a:lnRef idx="1">
+            <a:schemeClr val="accent1"/>
+          </a:lnRef>
+          <a:fillRef idx="0">
+            <a:schemeClr val="accent1"/>
+          </a:fillRef>
+          <a:effectRef idx="0">
+            <a:schemeClr val="accent1"/>
+          </a:effectRef>
+          <a:fontRef idx="minor">
+            <a:schemeClr val="tx1"/>
+          </a:fontRef>
+        </p:style>
+      </p:cxnSp>
+      <p:cxnSp>
+        <p:nvCxnSpPr>
+          <p:cNvPr id="67" name="Straight Arrow Connector 66">
+            <a:extLst>
+              <a:ext uri="{FF2B5EF4-FFF2-40B4-BE49-F238E27FC236}">
+                <a16:creationId xmlns:a16="http://schemas.microsoft.com/office/drawing/2014/main" id="{829DC6E5-B0EC-107B-6EE3-D0CA05B6BE31}"/>
+              </a:ext>
+            </a:extLst>
+          </p:cNvPr>
+          <p:cNvCxnSpPr>
+            <a:cxnSpLocks/>
+          </p:cNvCxnSpPr>
+          <p:nvPr/>
+        </p:nvCxnSpPr>
+        <p:spPr>
+          <a:xfrm>
+            <a:off x="2763903" y="3980328"/>
+            <a:ext cx="0" cy="399461"/>
+          </a:xfrm>
+          <a:prstGeom prst="straightConnector1">
+            <a:avLst/>
+          </a:prstGeom>
+          <a:ln w="19050">
+            <a:solidFill>
+              <a:srgbClr val="00B050"/>
+            </a:solidFill>
+            <a:prstDash val="solid"/>
+            <a:tailEnd type="triangle"/>
+          </a:ln>
+        </p:spPr>
+        <p:style>
+          <a:lnRef idx="1">
+            <a:schemeClr val="accent1"/>
+          </a:lnRef>
+          <a:fillRef idx="0">
+            <a:schemeClr val="accent1"/>
+          </a:fillRef>
+          <a:effectRef idx="0">
+            <a:schemeClr val="accent1"/>
+          </a:effectRef>
+          <a:fontRef idx="minor">
+            <a:schemeClr val="tx1"/>
+          </a:fontRef>
+        </p:style>
+      </p:cxnSp>
+      <p:cxnSp>
+        <p:nvCxnSpPr>
+          <p:cNvPr id="68" name="Straight Arrow Connector 67">
+            <a:extLst>
+              <a:ext uri="{FF2B5EF4-FFF2-40B4-BE49-F238E27FC236}">
+                <a16:creationId xmlns:a16="http://schemas.microsoft.com/office/drawing/2014/main" id="{4EDFCB26-49A3-EB88-4300-21E31003725C}"/>
+              </a:ext>
+            </a:extLst>
+          </p:cNvPr>
+          <p:cNvCxnSpPr>
+            <a:cxnSpLocks/>
+          </p:cNvCxnSpPr>
+          <p:nvPr/>
+        </p:nvCxnSpPr>
+        <p:spPr>
+          <a:xfrm>
+            <a:off x="1332671" y="3988544"/>
+            <a:ext cx="0" cy="399461"/>
+          </a:xfrm>
+          <a:prstGeom prst="straightConnector1">
+            <a:avLst/>
+          </a:prstGeom>
+          <a:ln w="19050">
+            <a:solidFill>
+              <a:srgbClr val="00B050"/>
+            </a:solidFill>
+            <a:prstDash val="solid"/>
+            <a:tailEnd type="triangle"/>
+          </a:ln>
+        </p:spPr>
+        <p:style>
+          <a:lnRef idx="1">
+            <a:schemeClr val="accent1"/>
+          </a:lnRef>
+          <a:fillRef idx="0">
+            <a:schemeClr val="accent1"/>
+          </a:fillRef>
+          <a:effectRef idx="0">
+            <a:schemeClr val="accent1"/>
+          </a:effectRef>
+          <a:fontRef idx="minor">
+            <a:schemeClr val="tx1"/>
+          </a:fontRef>
+        </p:style>
+      </p:cxnSp>
+      <p:sp>
+        <p:nvSpPr>
+          <p:cNvPr id="69" name="TextBox 68">
+            <a:extLst>
+              <a:ext uri="{FF2B5EF4-FFF2-40B4-BE49-F238E27FC236}">
+                <a16:creationId xmlns:a16="http://schemas.microsoft.com/office/drawing/2014/main" id="{24F9A5CB-AE97-40AB-72AE-70BF7F2F4140}"/>
+              </a:ext>
+            </a:extLst>
+          </p:cNvPr>
+          <p:cNvSpPr txBox="1"/>
+          <p:nvPr/>
+        </p:nvSpPr>
+        <p:spPr>
+          <a:xfrm>
+            <a:off x="2212079" y="3382534"/>
+            <a:ext cx="381418" cy="261610"/>
+          </a:xfrm>
+          <a:prstGeom prst="rect">
+            <a:avLst/>
+          </a:prstGeom>
+          <a:noFill/>
+        </p:spPr>
+        <p:txBody>
+          <a:bodyPr wrap="square" rtlCol="0">
+            <a:spAutoFit/>
+          </a:bodyPr>
+          <a:lstStyle/>
+          <a:p>
+            <a:r>
+              <a:rPr lang="en-US" sz="1100" b="1" dirty="0">
+                <a:solidFill>
+                  <a:srgbClr val="C00000"/>
+                </a:solidFill>
+              </a:rPr>
+              <a:t>No</a:t>
+            </a:r>
+            <a:endParaRPr lang="en-SG" sz="1100" b="1" dirty="0">
+              <a:solidFill>
+                <a:srgbClr val="C00000"/>
+              </a:solidFill>
+            </a:endParaRPr>
+          </a:p>
+        </p:txBody>
+      </p:sp>
+      <p:sp>
+        <p:nvSpPr>
+          <p:cNvPr id="70" name="TextBox 69">
+            <a:extLst>
+              <a:ext uri="{FF2B5EF4-FFF2-40B4-BE49-F238E27FC236}">
+                <a16:creationId xmlns:a16="http://schemas.microsoft.com/office/drawing/2014/main" id="{36568B5C-F635-8B16-32C8-FF3DC73212D8}"/>
+              </a:ext>
+            </a:extLst>
+          </p:cNvPr>
+          <p:cNvSpPr txBox="1"/>
+          <p:nvPr/>
+        </p:nvSpPr>
+        <p:spPr>
+          <a:xfrm>
+            <a:off x="746670" y="3399043"/>
+            <a:ext cx="381418" cy="261610"/>
+          </a:xfrm>
+          <a:prstGeom prst="rect">
+            <a:avLst/>
+          </a:prstGeom>
+          <a:noFill/>
+        </p:spPr>
+        <p:txBody>
+          <a:bodyPr wrap="square" rtlCol="0">
+            <a:spAutoFit/>
+          </a:bodyPr>
+          <a:lstStyle/>
+          <a:p>
+            <a:r>
+              <a:rPr lang="en-US" sz="1100" b="1" dirty="0">
+                <a:solidFill>
+                  <a:srgbClr val="C00000"/>
+                </a:solidFill>
+              </a:rPr>
+              <a:t>No</a:t>
+            </a:r>
+            <a:endParaRPr lang="en-SG" sz="1100" b="1" dirty="0">
+              <a:solidFill>
+                <a:srgbClr val="C00000"/>
+              </a:solidFill>
+            </a:endParaRPr>
+          </a:p>
+        </p:txBody>
+      </p:sp>
+      <p:sp>
+        <p:nvSpPr>
+          <p:cNvPr id="71" name="TextBox 70">
+            <a:extLst>
+              <a:ext uri="{FF2B5EF4-FFF2-40B4-BE49-F238E27FC236}">
+                <a16:creationId xmlns:a16="http://schemas.microsoft.com/office/drawing/2014/main" id="{CBE22285-A261-D26E-2632-3585FF80ACFA}"/>
+              </a:ext>
+            </a:extLst>
+          </p:cNvPr>
+          <p:cNvSpPr txBox="1"/>
+          <p:nvPr/>
+        </p:nvSpPr>
+        <p:spPr>
+          <a:xfrm>
+            <a:off x="3615965" y="3377778"/>
+            <a:ext cx="381418" cy="261610"/>
+          </a:xfrm>
+          <a:prstGeom prst="rect">
+            <a:avLst/>
+          </a:prstGeom>
+          <a:noFill/>
+        </p:spPr>
+        <p:txBody>
+          <a:bodyPr wrap="square" rtlCol="0">
+            <a:spAutoFit/>
+          </a:bodyPr>
+          <a:lstStyle/>
+          <a:p>
+            <a:r>
+              <a:rPr lang="en-US" sz="1100" b="1" dirty="0">
+                <a:solidFill>
+                  <a:srgbClr val="C00000"/>
+                </a:solidFill>
+              </a:rPr>
+              <a:t>No</a:t>
+            </a:r>
+            <a:endParaRPr lang="en-SG" sz="1100" b="1" dirty="0">
+              <a:solidFill>
+                <a:srgbClr val="C00000"/>
+              </a:solidFill>
+            </a:endParaRPr>
+          </a:p>
+        </p:txBody>
+      </p:sp>
+      <p:sp>
+        <p:nvSpPr>
+          <p:cNvPr id="72" name="TextBox 71">
+            <a:extLst>
+              <a:ext uri="{FF2B5EF4-FFF2-40B4-BE49-F238E27FC236}">
+                <a16:creationId xmlns:a16="http://schemas.microsoft.com/office/drawing/2014/main" id="{4E853C7F-92D4-0AD5-E78A-B87323685936}"/>
+              </a:ext>
+            </a:extLst>
+          </p:cNvPr>
+          <p:cNvSpPr txBox="1"/>
+          <p:nvPr/>
+        </p:nvSpPr>
+        <p:spPr>
+          <a:xfrm>
+            <a:off x="4214614" y="4029473"/>
+            <a:ext cx="381418" cy="261610"/>
+          </a:xfrm>
+          <a:prstGeom prst="rect">
+            <a:avLst/>
+          </a:prstGeom>
+          <a:noFill/>
+          <a:ln>
+            <a:noFill/>
+            <a:extLst>
+              <a:ext uri="{C807C97D-BFC1-408E-A445-0C87EB9F89A2}">
+                <ask:lineSketchStyleProps xmlns:ask="http://schemas.microsoft.com/office/drawing/2018/sketchyshapes">
+                  <ask:type>
+                    <ask:lineSketchNone/>
+                  </ask:type>
+                </ask:lineSketchStyleProps>
+              </a:ext>
+            </a:extLst>
+          </a:ln>
+        </p:spPr>
+        <p:txBody>
+          <a:bodyPr wrap="square" rtlCol="0">
+            <a:spAutoFit/>
+          </a:bodyPr>
+          <a:lstStyle/>
+          <a:p>
+            <a:r>
+              <a:rPr lang="en-US" sz="1100" b="1" dirty="0">
+                <a:solidFill>
+                  <a:schemeClr val="accent6">
+                    <a:lumMod val="75000"/>
+                  </a:schemeClr>
+                </a:solidFill>
+              </a:rPr>
+              <a:t>Yes</a:t>
+            </a:r>
+            <a:endParaRPr lang="en-SG" sz="1100" b="1" dirty="0">
+              <a:solidFill>
+                <a:schemeClr val="accent6">
+                  <a:lumMod val="75000"/>
+                </a:schemeClr>
+              </a:solidFill>
+            </a:endParaRPr>
+          </a:p>
+        </p:txBody>
+      </p:sp>
+      <p:sp>
+        <p:nvSpPr>
+          <p:cNvPr id="73" name="TextBox 72">
+            <a:extLst>
+              <a:ext uri="{FF2B5EF4-FFF2-40B4-BE49-F238E27FC236}">
+                <a16:creationId xmlns:a16="http://schemas.microsoft.com/office/drawing/2014/main" id="{EEB234AD-3EA2-2B1B-D58B-92F529674036}"/>
+              </a:ext>
+            </a:extLst>
+          </p:cNvPr>
+          <p:cNvSpPr txBox="1"/>
+          <p:nvPr/>
+        </p:nvSpPr>
+        <p:spPr>
+          <a:xfrm>
+            <a:off x="2746919" y="4025712"/>
+            <a:ext cx="381418" cy="261610"/>
+          </a:xfrm>
+          <a:prstGeom prst="rect">
+            <a:avLst/>
+          </a:prstGeom>
+          <a:noFill/>
+        </p:spPr>
+        <p:txBody>
+          <a:bodyPr wrap="square" rtlCol="0">
+            <a:spAutoFit/>
+          </a:bodyPr>
+          <a:lstStyle/>
+          <a:p>
+            <a:r>
+              <a:rPr lang="en-US" sz="1100" b="1" dirty="0">
+                <a:solidFill>
+                  <a:schemeClr val="accent6">
+                    <a:lumMod val="75000"/>
+                  </a:schemeClr>
+                </a:solidFill>
+              </a:rPr>
+              <a:t>Yes</a:t>
+            </a:r>
+            <a:endParaRPr lang="en-SG" sz="1100" b="1" dirty="0">
+              <a:solidFill>
+                <a:schemeClr val="accent6">
+                  <a:lumMod val="75000"/>
+                </a:schemeClr>
+              </a:solidFill>
+            </a:endParaRPr>
+          </a:p>
+        </p:txBody>
+      </p:sp>
+      <p:sp>
+        <p:nvSpPr>
+          <p:cNvPr id="74" name="TextBox 73">
+            <a:extLst>
+              <a:ext uri="{FF2B5EF4-FFF2-40B4-BE49-F238E27FC236}">
+                <a16:creationId xmlns:a16="http://schemas.microsoft.com/office/drawing/2014/main" id="{13568097-AB30-B270-5B4C-6B819FFD64E4}"/>
+              </a:ext>
+            </a:extLst>
+          </p:cNvPr>
+          <p:cNvSpPr txBox="1"/>
+          <p:nvPr/>
+        </p:nvSpPr>
+        <p:spPr>
+          <a:xfrm>
+            <a:off x="1291254" y="4009561"/>
+            <a:ext cx="381418" cy="261610"/>
+          </a:xfrm>
+          <a:prstGeom prst="rect">
+            <a:avLst/>
+          </a:prstGeom>
+          <a:noFill/>
+        </p:spPr>
+        <p:txBody>
+          <a:bodyPr wrap="square" rtlCol="0">
+            <a:spAutoFit/>
+          </a:bodyPr>
+          <a:lstStyle/>
+          <a:p>
+            <a:r>
+              <a:rPr lang="en-US" sz="1100" b="1" dirty="0">
+                <a:solidFill>
+                  <a:schemeClr val="accent6">
+                    <a:lumMod val="75000"/>
+                  </a:schemeClr>
+                </a:solidFill>
+              </a:rPr>
+              <a:t>Yes</a:t>
+            </a:r>
+            <a:endParaRPr lang="en-SG" sz="1100" b="1" dirty="0">
+              <a:solidFill>
+                <a:schemeClr val="accent6">
+                  <a:lumMod val="75000"/>
+                </a:schemeClr>
+              </a:solidFill>
+            </a:endParaRPr>
+          </a:p>
+        </p:txBody>
+      </p:sp>
+      <p:cxnSp>
+        <p:nvCxnSpPr>
+          <p:cNvPr id="78" name="Straight Arrow Connector 77">
+            <a:extLst>
+              <a:ext uri="{FF2B5EF4-FFF2-40B4-BE49-F238E27FC236}">
+                <a16:creationId xmlns:a16="http://schemas.microsoft.com/office/drawing/2014/main" id="{FEA3D7BB-8610-2178-A429-5A809F14F7B0}"/>
+              </a:ext>
+            </a:extLst>
+          </p:cNvPr>
+          <p:cNvCxnSpPr>
+            <a:cxnSpLocks/>
+            <a:stCxn id="56" idx="2"/>
+          </p:cNvCxnSpPr>
+          <p:nvPr/>
+        </p:nvCxnSpPr>
+        <p:spPr>
+          <a:xfrm flipH="1">
+            <a:off x="1348200" y="4858078"/>
+            <a:ext cx="1" cy="444629"/>
+          </a:xfrm>
+          <a:prstGeom prst="straightConnector1">
+            <a:avLst/>
+          </a:prstGeom>
+          <a:ln>
+            <a:tailEnd type="triangle"/>
+          </a:ln>
+        </p:spPr>
+        <p:style>
+          <a:lnRef idx="1">
+            <a:schemeClr val="accent1"/>
+          </a:lnRef>
+          <a:fillRef idx="0">
+            <a:schemeClr val="accent1"/>
+          </a:fillRef>
+          <a:effectRef idx="0">
+            <a:schemeClr val="accent1"/>
+          </a:effectRef>
+          <a:fontRef idx="minor">
+            <a:schemeClr val="tx1"/>
+          </a:fontRef>
+        </p:style>
+      </p:cxnSp>
+      <p:cxnSp>
+        <p:nvCxnSpPr>
+          <p:cNvPr id="80" name="Straight Arrow Connector 79">
+            <a:extLst>
+              <a:ext uri="{FF2B5EF4-FFF2-40B4-BE49-F238E27FC236}">
+                <a16:creationId xmlns:a16="http://schemas.microsoft.com/office/drawing/2014/main" id="{07C3F058-7C53-36DB-5F37-606D9E1C72F8}"/>
+              </a:ext>
+            </a:extLst>
+          </p:cNvPr>
+          <p:cNvCxnSpPr>
+            <a:stCxn id="57" idx="2"/>
+          </p:cNvCxnSpPr>
+          <p:nvPr/>
+        </p:nvCxnSpPr>
+        <p:spPr>
+          <a:xfrm flipH="1">
+            <a:off x="2763903" y="4858078"/>
+            <a:ext cx="1" cy="419596"/>
+          </a:xfrm>
+          <a:prstGeom prst="straightConnector1">
+            <a:avLst/>
+          </a:prstGeom>
+          <a:ln>
+            <a:tailEnd type="triangle"/>
+          </a:ln>
+        </p:spPr>
+        <p:style>
+          <a:lnRef idx="1">
+            <a:schemeClr val="accent1"/>
+          </a:lnRef>
+          <a:fillRef idx="0">
+            <a:schemeClr val="accent1"/>
+          </a:fillRef>
+          <a:effectRef idx="0">
+            <a:schemeClr val="accent1"/>
+          </a:effectRef>
+          <a:fontRef idx="minor">
+            <a:schemeClr val="tx1"/>
+          </a:fontRef>
+        </p:style>
+      </p:cxnSp>
+      <p:cxnSp>
+        <p:nvCxnSpPr>
+          <p:cNvPr id="82" name="Straight Arrow Connector 81">
+            <a:extLst>
+              <a:ext uri="{FF2B5EF4-FFF2-40B4-BE49-F238E27FC236}">
+                <a16:creationId xmlns:a16="http://schemas.microsoft.com/office/drawing/2014/main" id="{879BA959-2126-150E-417A-C8FDF8CF9510}"/>
+              </a:ext>
+            </a:extLst>
+          </p:cNvPr>
+          <p:cNvCxnSpPr>
+            <a:stCxn id="58" idx="2"/>
+          </p:cNvCxnSpPr>
+          <p:nvPr/>
+        </p:nvCxnSpPr>
+        <p:spPr>
+          <a:xfrm flipH="1">
+            <a:off x="4213982" y="4858078"/>
+            <a:ext cx="1" cy="419596"/>
+          </a:xfrm>
+          <a:prstGeom prst="straightConnector1">
+            <a:avLst/>
+          </a:prstGeom>
+          <a:ln>
+            <a:tailEnd type="triangle"/>
+          </a:ln>
+        </p:spPr>
+        <p:style>
+          <a:lnRef idx="1">
+            <a:schemeClr val="accent1"/>
+          </a:lnRef>
+          <a:fillRef idx="0">
+            <a:schemeClr val="accent1"/>
+          </a:fillRef>
+          <a:effectRef idx="0">
+            <a:schemeClr val="accent1"/>
+          </a:effectRef>
+          <a:fontRef idx="minor">
+            <a:schemeClr val="tx1"/>
+          </a:fontRef>
+        </p:style>
+      </p:cxnSp>
+      <p:sp>
+        <p:nvSpPr>
+          <p:cNvPr id="84" name="Rectangle 83">
+            <a:extLst>
+              <a:ext uri="{FF2B5EF4-FFF2-40B4-BE49-F238E27FC236}">
+                <a16:creationId xmlns:a16="http://schemas.microsoft.com/office/drawing/2014/main" id="{812A82E6-44A1-D6E9-735E-721C884EDF16}"/>
+              </a:ext>
+            </a:extLst>
+          </p:cNvPr>
+          <p:cNvSpPr/>
+          <p:nvPr/>
+        </p:nvSpPr>
+        <p:spPr>
+          <a:xfrm>
+            <a:off x="1128087" y="5338988"/>
+            <a:ext cx="3361087" cy="427896"/>
+          </a:xfrm>
+          <a:prstGeom prst="rect">
+            <a:avLst/>
+          </a:prstGeom>
+          <a:ln w="19050">
+            <a:prstDash val="sysDash"/>
+          </a:ln>
+        </p:spPr>
+        <p:style>
+          <a:lnRef idx="2">
+            <a:schemeClr val="accent1"/>
+          </a:lnRef>
+          <a:fillRef idx="1">
+            <a:schemeClr val="lt1"/>
+          </a:fillRef>
+          <a:effectRef idx="0">
+            <a:schemeClr val="accent1"/>
+          </a:effectRef>
+          <a:fontRef idx="minor">
+            <a:schemeClr val="dk1"/>
+          </a:fontRef>
+        </p:style>
+        <p:txBody>
+          <a:bodyPr rtlCol="0" anchor="ctr"/>
+          <a:lstStyle/>
+          <a:p>
+            <a:r>
+              <a:rPr lang="en-US" sz="1400" b="1" dirty="0"/>
+              <a:t>User Actions repositories</a:t>
+            </a:r>
+            <a:endParaRPr lang="en-SG" sz="1400" b="1" dirty="0"/>
+          </a:p>
+        </p:txBody>
+      </p:sp>
+      <p:pic>
+        <p:nvPicPr>
+          <p:cNvPr id="85" name="Picture 84">
+            <a:extLst>
+              <a:ext uri="{FF2B5EF4-FFF2-40B4-BE49-F238E27FC236}">
+                <a16:creationId xmlns:a16="http://schemas.microsoft.com/office/drawing/2014/main" id="{388B3253-F0E0-D267-2106-18E6850408FE}"/>
+              </a:ext>
+            </a:extLst>
+          </p:cNvPr>
+          <p:cNvPicPr>
+            <a:picLocks noChangeAspect="1"/>
+          </p:cNvPicPr>
+          <p:nvPr/>
+        </p:nvPicPr>
+        <p:blipFill>
+          <a:blip r:embed="rId2"/>
+          <a:stretch>
+            <a:fillRect/>
+          </a:stretch>
+        </p:blipFill>
+        <p:spPr>
+          <a:xfrm>
+            <a:off x="1828484" y="4368620"/>
+            <a:ext cx="210380" cy="241137"/>
+          </a:xfrm>
+          <a:prstGeom prst="rect">
+            <a:avLst/>
+          </a:prstGeom>
+        </p:spPr>
+      </p:pic>
+      <p:cxnSp>
+        <p:nvCxnSpPr>
+          <p:cNvPr id="86" name="Straight Arrow Connector 85">
+            <a:extLst>
+              <a:ext uri="{FF2B5EF4-FFF2-40B4-BE49-F238E27FC236}">
+                <a16:creationId xmlns:a16="http://schemas.microsoft.com/office/drawing/2014/main" id="{6164871D-02DD-BDAD-0DB4-7598D727E904}"/>
+              </a:ext>
+            </a:extLst>
+          </p:cNvPr>
+          <p:cNvCxnSpPr>
+            <a:cxnSpLocks/>
+          </p:cNvCxnSpPr>
+          <p:nvPr/>
+        </p:nvCxnSpPr>
+        <p:spPr>
+          <a:xfrm flipH="1">
+            <a:off x="1606308" y="4500270"/>
+            <a:ext cx="210380" cy="0"/>
+          </a:xfrm>
+          <a:prstGeom prst="straightConnector1">
+            <a:avLst/>
+          </a:prstGeom>
+          <a:ln>
+            <a:tailEnd type="triangle"/>
+          </a:ln>
+        </p:spPr>
+        <p:style>
+          <a:lnRef idx="1">
+            <a:schemeClr val="dk1"/>
+          </a:lnRef>
+          <a:fillRef idx="0">
+            <a:schemeClr val="dk1"/>
+          </a:fillRef>
+          <a:effectRef idx="0">
+            <a:schemeClr val="dk1"/>
+          </a:effectRef>
+          <a:fontRef idx="minor">
+            <a:schemeClr val="tx1"/>
+          </a:fontRef>
+        </p:style>
+      </p:cxnSp>
+      <p:pic>
+        <p:nvPicPr>
+          <p:cNvPr id="89" name="Picture 88">
+            <a:extLst>
+              <a:ext uri="{FF2B5EF4-FFF2-40B4-BE49-F238E27FC236}">
+                <a16:creationId xmlns:a16="http://schemas.microsoft.com/office/drawing/2014/main" id="{9DD63901-ACA3-D465-7EBB-43C65C33629C}"/>
+              </a:ext>
+            </a:extLst>
+          </p:cNvPr>
+          <p:cNvPicPr>
+            <a:picLocks noChangeAspect="1"/>
+          </p:cNvPicPr>
+          <p:nvPr/>
+        </p:nvPicPr>
+        <p:blipFill>
+          <a:blip r:embed="rId2"/>
+          <a:stretch>
+            <a:fillRect/>
+          </a:stretch>
+        </p:blipFill>
+        <p:spPr>
+          <a:xfrm>
+            <a:off x="3274736" y="4368620"/>
+            <a:ext cx="210380" cy="241137"/>
+          </a:xfrm>
+          <a:prstGeom prst="rect">
+            <a:avLst/>
+          </a:prstGeom>
+        </p:spPr>
+      </p:pic>
+      <p:cxnSp>
+        <p:nvCxnSpPr>
+          <p:cNvPr id="90" name="Straight Arrow Connector 89">
+            <a:extLst>
+              <a:ext uri="{FF2B5EF4-FFF2-40B4-BE49-F238E27FC236}">
+                <a16:creationId xmlns:a16="http://schemas.microsoft.com/office/drawing/2014/main" id="{B5082279-47F5-1E70-0A57-DE6908DAC8C2}"/>
+              </a:ext>
+            </a:extLst>
+          </p:cNvPr>
+          <p:cNvCxnSpPr>
+            <a:cxnSpLocks/>
+          </p:cNvCxnSpPr>
+          <p:nvPr/>
+        </p:nvCxnSpPr>
+        <p:spPr>
+          <a:xfrm flipH="1">
+            <a:off x="3052560" y="4500270"/>
+            <a:ext cx="210380" cy="0"/>
+          </a:xfrm>
+          <a:prstGeom prst="straightConnector1">
+            <a:avLst/>
+          </a:prstGeom>
+          <a:ln>
+            <a:tailEnd type="triangle"/>
+          </a:ln>
+        </p:spPr>
+        <p:style>
+          <a:lnRef idx="1">
+            <a:schemeClr val="dk1"/>
+          </a:lnRef>
+          <a:fillRef idx="0">
+            <a:schemeClr val="dk1"/>
+          </a:fillRef>
+          <a:effectRef idx="0">
+            <a:schemeClr val="dk1"/>
+          </a:effectRef>
+          <a:fontRef idx="minor">
+            <a:schemeClr val="tx1"/>
+          </a:fontRef>
+        </p:style>
+      </p:cxnSp>
+      <p:pic>
+        <p:nvPicPr>
+          <p:cNvPr id="91" name="Picture 90">
+            <a:extLst>
+              <a:ext uri="{FF2B5EF4-FFF2-40B4-BE49-F238E27FC236}">
+                <a16:creationId xmlns:a16="http://schemas.microsoft.com/office/drawing/2014/main" id="{B4C5BF09-01C5-CB35-988E-2FC9C7BE5E40}"/>
+              </a:ext>
+            </a:extLst>
+          </p:cNvPr>
+          <p:cNvPicPr>
+            <a:picLocks noChangeAspect="1"/>
+          </p:cNvPicPr>
+          <p:nvPr/>
+        </p:nvPicPr>
+        <p:blipFill>
+          <a:blip r:embed="rId2"/>
+          <a:stretch>
+            <a:fillRect/>
+          </a:stretch>
+        </p:blipFill>
+        <p:spPr>
+          <a:xfrm>
+            <a:off x="4713018" y="4382002"/>
+            <a:ext cx="210380" cy="241137"/>
+          </a:xfrm>
+          <a:prstGeom prst="rect">
+            <a:avLst/>
+          </a:prstGeom>
+        </p:spPr>
+      </p:pic>
+      <p:cxnSp>
+        <p:nvCxnSpPr>
+          <p:cNvPr id="92" name="Straight Arrow Connector 91">
+            <a:extLst>
+              <a:ext uri="{FF2B5EF4-FFF2-40B4-BE49-F238E27FC236}">
+                <a16:creationId xmlns:a16="http://schemas.microsoft.com/office/drawing/2014/main" id="{D570D9AF-32E7-AFCC-AF25-08903E09D773}"/>
+              </a:ext>
+            </a:extLst>
+          </p:cNvPr>
+          <p:cNvCxnSpPr>
+            <a:cxnSpLocks/>
+          </p:cNvCxnSpPr>
+          <p:nvPr/>
+        </p:nvCxnSpPr>
+        <p:spPr>
+          <a:xfrm flipH="1">
+            <a:off x="4490842" y="4513652"/>
+            <a:ext cx="210380" cy="0"/>
+          </a:xfrm>
+          <a:prstGeom prst="straightConnector1">
+            <a:avLst/>
+          </a:prstGeom>
+          <a:ln>
+            <a:tailEnd type="triangle"/>
+          </a:ln>
+        </p:spPr>
+        <p:style>
+          <a:lnRef idx="1">
+            <a:schemeClr val="dk1"/>
+          </a:lnRef>
+          <a:fillRef idx="0">
+            <a:schemeClr val="dk1"/>
+          </a:fillRef>
+          <a:effectRef idx="0">
+            <a:schemeClr val="dk1"/>
+          </a:effectRef>
+          <a:fontRef idx="minor">
+            <a:schemeClr val="tx1"/>
+          </a:fontRef>
+        </p:style>
+      </p:cxnSp>
+      <p:cxnSp>
+        <p:nvCxnSpPr>
+          <p:cNvPr id="94" name="Straight Arrow Connector 93">
+            <a:extLst>
+              <a:ext uri="{FF2B5EF4-FFF2-40B4-BE49-F238E27FC236}">
+                <a16:creationId xmlns:a16="http://schemas.microsoft.com/office/drawing/2014/main" id="{AAD341BC-9298-FE89-7EA3-E27D508A82E6}"/>
+              </a:ext>
+            </a:extLst>
+          </p:cNvPr>
+          <p:cNvCxnSpPr>
+            <a:cxnSpLocks/>
+          </p:cNvCxnSpPr>
+          <p:nvPr/>
+        </p:nvCxnSpPr>
+        <p:spPr>
+          <a:xfrm>
+            <a:off x="1520478" y="4858078"/>
+            <a:ext cx="0" cy="1155091"/>
+          </a:xfrm>
+          <a:prstGeom prst="straightConnector1">
+            <a:avLst/>
+          </a:prstGeom>
+          <a:ln>
+            <a:prstDash val="dash"/>
+            <a:tailEnd type="triangle"/>
+          </a:ln>
+        </p:spPr>
+        <p:style>
+          <a:lnRef idx="1">
+            <a:schemeClr val="accent1"/>
+          </a:lnRef>
+          <a:fillRef idx="0">
+            <a:schemeClr val="accent1"/>
+          </a:fillRef>
+          <a:effectRef idx="0">
+            <a:schemeClr val="accent1"/>
+          </a:effectRef>
+          <a:fontRef idx="minor">
+            <a:schemeClr val="tx1"/>
+          </a:fontRef>
+        </p:style>
+      </p:cxnSp>
+      <p:cxnSp>
+        <p:nvCxnSpPr>
+          <p:cNvPr id="97" name="Straight Arrow Connector 96">
+            <a:extLst>
+              <a:ext uri="{FF2B5EF4-FFF2-40B4-BE49-F238E27FC236}">
+                <a16:creationId xmlns:a16="http://schemas.microsoft.com/office/drawing/2014/main" id="{5953F6FF-E548-5382-F45F-23350F945AA7}"/>
+              </a:ext>
+            </a:extLst>
+          </p:cNvPr>
+          <p:cNvCxnSpPr>
+            <a:cxnSpLocks/>
+          </p:cNvCxnSpPr>
+          <p:nvPr/>
+        </p:nvCxnSpPr>
+        <p:spPr>
+          <a:xfrm>
+            <a:off x="2916920" y="4892709"/>
+            <a:ext cx="0" cy="1155091"/>
+          </a:xfrm>
+          <a:prstGeom prst="straightConnector1">
+            <a:avLst/>
+          </a:prstGeom>
+          <a:ln>
+            <a:prstDash val="dash"/>
+            <a:tailEnd type="triangle"/>
+          </a:ln>
+        </p:spPr>
+        <p:style>
+          <a:lnRef idx="1">
+            <a:schemeClr val="accent1"/>
+          </a:lnRef>
+          <a:fillRef idx="0">
+            <a:schemeClr val="accent1"/>
+          </a:fillRef>
+          <a:effectRef idx="0">
+            <a:schemeClr val="accent1"/>
+          </a:effectRef>
+          <a:fontRef idx="minor">
+            <a:schemeClr val="tx1"/>
+          </a:fontRef>
+        </p:style>
+      </p:cxnSp>
+      <p:cxnSp>
+        <p:nvCxnSpPr>
+          <p:cNvPr id="98" name="Straight Arrow Connector 97">
+            <a:extLst>
+              <a:ext uri="{FF2B5EF4-FFF2-40B4-BE49-F238E27FC236}">
+                <a16:creationId xmlns:a16="http://schemas.microsoft.com/office/drawing/2014/main" id="{A52DF10B-377D-705A-01DE-4A4CC990D61B}"/>
+              </a:ext>
+            </a:extLst>
+          </p:cNvPr>
+          <p:cNvCxnSpPr>
+            <a:cxnSpLocks/>
+          </p:cNvCxnSpPr>
+          <p:nvPr/>
+        </p:nvCxnSpPr>
+        <p:spPr>
+          <a:xfrm>
+            <a:off x="4330350" y="4870254"/>
+            <a:ext cx="0" cy="1155091"/>
+          </a:xfrm>
+          <a:prstGeom prst="straightConnector1">
+            <a:avLst/>
+          </a:prstGeom>
+          <a:ln>
+            <a:prstDash val="dash"/>
+            <a:tailEnd type="triangle"/>
+          </a:ln>
+        </p:spPr>
+        <p:style>
+          <a:lnRef idx="1">
+            <a:schemeClr val="accent1"/>
+          </a:lnRef>
+          <a:fillRef idx="0">
+            <a:schemeClr val="accent1"/>
+          </a:fillRef>
+          <a:effectRef idx="0">
+            <a:schemeClr val="accent1"/>
+          </a:effectRef>
+          <a:fontRef idx="minor">
+            <a:schemeClr val="tx1"/>
+          </a:fontRef>
+        </p:style>
+      </p:cxnSp>
+      <p:sp>
+        <p:nvSpPr>
+          <p:cNvPr id="99" name="Rectangle 98">
+            <a:extLst>
+              <a:ext uri="{FF2B5EF4-FFF2-40B4-BE49-F238E27FC236}">
+                <a16:creationId xmlns:a16="http://schemas.microsoft.com/office/drawing/2014/main" id="{E3F33799-A473-1C90-E4F5-561EF7B1F2CA}"/>
+              </a:ext>
+            </a:extLst>
+          </p:cNvPr>
+          <p:cNvSpPr/>
+          <p:nvPr/>
+        </p:nvSpPr>
+        <p:spPr>
+          <a:xfrm>
+            <a:off x="1093946" y="6058028"/>
+            <a:ext cx="3361087" cy="427896"/>
+          </a:xfrm>
+          <a:prstGeom prst="rect">
+            <a:avLst/>
+          </a:prstGeom>
+        </p:spPr>
+        <p:style>
+          <a:lnRef idx="2">
+            <a:schemeClr val="accent1">
+              <a:shade val="50000"/>
+            </a:schemeClr>
+          </a:lnRef>
+          <a:fillRef idx="1">
+            <a:schemeClr val="accent1"/>
+          </a:fillRef>
+          <a:effectRef idx="0">
+            <a:schemeClr val="accent1"/>
+          </a:effectRef>
+          <a:fontRef idx="minor">
+            <a:schemeClr val="lt1"/>
+          </a:fontRef>
+        </p:style>
+        <p:txBody>
+          <a:bodyPr rtlCol="0" anchor="ctr"/>
+          <a:lstStyle/>
+          <a:p>
+            <a:r>
+              <a:rPr lang="en-US" sz="1200" dirty="0"/>
+              <a:t>Actions result checker</a:t>
+            </a:r>
+            <a:endParaRPr lang="en-SG" sz="1200" dirty="0"/>
+          </a:p>
+        </p:txBody>
+      </p:sp>
+      <p:pic>
+        <p:nvPicPr>
+          <p:cNvPr id="101" name="Picture 100">
+            <a:extLst>
+              <a:ext uri="{FF2B5EF4-FFF2-40B4-BE49-F238E27FC236}">
+                <a16:creationId xmlns:a16="http://schemas.microsoft.com/office/drawing/2014/main" id="{3D626E4B-CB0D-556C-488E-A7ECD88FB211}"/>
+              </a:ext>
+            </a:extLst>
+          </p:cNvPr>
+          <p:cNvPicPr>
+            <a:picLocks noChangeAspect="1"/>
+          </p:cNvPicPr>
+          <p:nvPr/>
+        </p:nvPicPr>
+        <p:blipFill>
+          <a:blip r:embed="rId3"/>
+          <a:stretch>
+            <a:fillRect/>
+          </a:stretch>
+        </p:blipFill>
+        <p:spPr>
+          <a:xfrm>
+            <a:off x="1562611" y="2883989"/>
+            <a:ext cx="401067" cy="375803"/>
+          </a:xfrm>
+          <a:prstGeom prst="rect">
+            <a:avLst/>
+          </a:prstGeom>
+          <a:ln w="12700">
+            <a:solidFill>
+              <a:srgbClr val="0070C0"/>
+            </a:solidFill>
+          </a:ln>
+        </p:spPr>
+      </p:pic>
+      <p:pic>
+        <p:nvPicPr>
+          <p:cNvPr id="102" name="Picture 101">
+            <a:extLst>
+              <a:ext uri="{FF2B5EF4-FFF2-40B4-BE49-F238E27FC236}">
+                <a16:creationId xmlns:a16="http://schemas.microsoft.com/office/drawing/2014/main" id="{4F3BE103-C77A-9453-A5D9-2FA0BF64D062}"/>
+              </a:ext>
+            </a:extLst>
+          </p:cNvPr>
+          <p:cNvPicPr>
+            <a:picLocks noChangeAspect="1"/>
+          </p:cNvPicPr>
+          <p:nvPr/>
+        </p:nvPicPr>
+        <p:blipFill>
+          <a:blip r:embed="rId3"/>
+          <a:stretch>
+            <a:fillRect/>
+          </a:stretch>
+        </p:blipFill>
+        <p:spPr>
+          <a:xfrm>
+            <a:off x="3062406" y="2857459"/>
+            <a:ext cx="401067" cy="375803"/>
+          </a:xfrm>
+          <a:prstGeom prst="rect">
+            <a:avLst/>
+          </a:prstGeom>
+          <a:ln w="12700">
+            <a:solidFill>
+              <a:srgbClr val="0070C0"/>
+            </a:solidFill>
+          </a:ln>
+        </p:spPr>
+      </p:pic>
+      <p:pic>
+        <p:nvPicPr>
+          <p:cNvPr id="103" name="Picture 102">
+            <a:extLst>
+              <a:ext uri="{FF2B5EF4-FFF2-40B4-BE49-F238E27FC236}">
+                <a16:creationId xmlns:a16="http://schemas.microsoft.com/office/drawing/2014/main" id="{A3728E20-D19C-6C59-20EB-9E413CB401B0}"/>
+              </a:ext>
+            </a:extLst>
+          </p:cNvPr>
+          <p:cNvPicPr>
+            <a:picLocks noChangeAspect="1"/>
+          </p:cNvPicPr>
+          <p:nvPr/>
+        </p:nvPicPr>
+        <p:blipFill>
+          <a:blip r:embed="rId3"/>
+          <a:stretch>
+            <a:fillRect/>
+          </a:stretch>
+        </p:blipFill>
+        <p:spPr>
+          <a:xfrm>
+            <a:off x="4512484" y="2901401"/>
+            <a:ext cx="401067" cy="375803"/>
+          </a:xfrm>
+          <a:prstGeom prst="rect">
+            <a:avLst/>
+          </a:prstGeom>
+          <a:ln w="12700">
+            <a:solidFill>
+              <a:srgbClr val="0070C0"/>
+            </a:solidFill>
+          </a:ln>
+        </p:spPr>
+      </p:pic>
+      <p:cxnSp>
+        <p:nvCxnSpPr>
+          <p:cNvPr id="105" name="Connector: Elbow 104">
+            <a:extLst>
+              <a:ext uri="{FF2B5EF4-FFF2-40B4-BE49-F238E27FC236}">
+                <a16:creationId xmlns:a16="http://schemas.microsoft.com/office/drawing/2014/main" id="{1374EF0D-9D69-F9C0-20C8-AC9DA574662F}"/>
+              </a:ext>
+            </a:extLst>
+          </p:cNvPr>
+          <p:cNvCxnSpPr>
+            <a:stCxn id="99" idx="1"/>
+            <a:endCxn id="20" idx="1"/>
+          </p:cNvCxnSpPr>
+          <p:nvPr/>
+        </p:nvCxnSpPr>
+        <p:spPr>
+          <a:xfrm rot="10800000">
+            <a:off x="763656" y="2847814"/>
+            <a:ext cx="330291" cy="3424162"/>
+          </a:xfrm>
+          <a:prstGeom prst="bentConnector3">
+            <a:avLst>
+              <a:gd name="adj1" fmla="val 169212"/>
+            </a:avLst>
+          </a:prstGeom>
+          <a:ln>
+            <a:tailEnd type="triangle"/>
+          </a:ln>
+        </p:spPr>
+        <p:style>
+          <a:lnRef idx="1">
+            <a:schemeClr val="accent1"/>
+          </a:lnRef>
+          <a:fillRef idx="0">
+            <a:schemeClr val="accent1"/>
+          </a:fillRef>
+          <a:effectRef idx="0">
+            <a:schemeClr val="accent1"/>
+          </a:effectRef>
+          <a:fontRef idx="minor">
+            <a:schemeClr val="tx1"/>
+          </a:fontRef>
+        </p:style>
+      </p:cxnSp>
+      <p:sp>
+        <p:nvSpPr>
+          <p:cNvPr id="106" name="TextBox 105">
+            <a:extLst>
+              <a:ext uri="{FF2B5EF4-FFF2-40B4-BE49-F238E27FC236}">
+                <a16:creationId xmlns:a16="http://schemas.microsoft.com/office/drawing/2014/main" id="{30CAD51F-EEE3-62DB-DF08-7967AC4E5836}"/>
+              </a:ext>
+            </a:extLst>
+          </p:cNvPr>
+          <p:cNvSpPr txBox="1"/>
+          <p:nvPr/>
+        </p:nvSpPr>
+        <p:spPr>
+          <a:xfrm>
+            <a:off x="-13375" y="4907934"/>
+            <a:ext cx="1469330" cy="600164"/>
+          </a:xfrm>
+          <a:prstGeom prst="rect">
+            <a:avLst/>
+          </a:prstGeom>
+          <a:noFill/>
+        </p:spPr>
+        <p:txBody>
+          <a:bodyPr wrap="square" rtlCol="0">
+            <a:spAutoFit/>
+          </a:bodyPr>
+          <a:lstStyle/>
+          <a:p>
+            <a:r>
+              <a:rPr lang="en-US" sz="1100" b="1" dirty="0"/>
+              <a:t>Return to related action handler based on actor’s config</a:t>
+            </a:r>
+            <a:endParaRPr lang="en-US" sz="1100" b="1" dirty="0">
+              <a:solidFill>
+                <a:srgbClr val="FF0000"/>
+              </a:solidFill>
+            </a:endParaRPr>
+          </a:p>
+        </p:txBody>
+      </p:sp>
+      <p:pic>
+        <p:nvPicPr>
+          <p:cNvPr id="107" name="Picture 106">
+            <a:extLst>
+              <a:ext uri="{FF2B5EF4-FFF2-40B4-BE49-F238E27FC236}">
+                <a16:creationId xmlns:a16="http://schemas.microsoft.com/office/drawing/2014/main" id="{86004582-7D81-83B5-18DE-700A0BA1ED8D}"/>
+              </a:ext>
+            </a:extLst>
+          </p:cNvPr>
+          <p:cNvPicPr>
+            <a:picLocks noChangeAspect="1"/>
+          </p:cNvPicPr>
+          <p:nvPr/>
+        </p:nvPicPr>
+        <p:blipFill>
+          <a:blip r:embed="rId4"/>
+          <a:stretch>
+            <a:fillRect/>
+          </a:stretch>
+        </p:blipFill>
+        <p:spPr>
+          <a:xfrm>
+            <a:off x="1901687" y="4730017"/>
+            <a:ext cx="288480" cy="316625"/>
+          </a:xfrm>
+          <a:prstGeom prst="rect">
+            <a:avLst/>
+          </a:prstGeom>
+        </p:spPr>
+      </p:pic>
+      <p:pic>
+        <p:nvPicPr>
+          <p:cNvPr id="108" name="Picture 107">
+            <a:extLst>
+              <a:ext uri="{FF2B5EF4-FFF2-40B4-BE49-F238E27FC236}">
+                <a16:creationId xmlns:a16="http://schemas.microsoft.com/office/drawing/2014/main" id="{A0F99C1C-860C-422C-E2F8-DC358CD711A6}"/>
+              </a:ext>
+            </a:extLst>
+          </p:cNvPr>
+          <p:cNvPicPr>
+            <a:picLocks noChangeAspect="1"/>
+          </p:cNvPicPr>
+          <p:nvPr/>
+        </p:nvPicPr>
+        <p:blipFill>
+          <a:blip r:embed="rId4"/>
+          <a:stretch>
+            <a:fillRect/>
+          </a:stretch>
+        </p:blipFill>
+        <p:spPr>
+          <a:xfrm>
+            <a:off x="3325594" y="4728153"/>
+            <a:ext cx="293564" cy="322205"/>
+          </a:xfrm>
+          <a:prstGeom prst="rect">
+            <a:avLst/>
+          </a:prstGeom>
+        </p:spPr>
+      </p:pic>
+      <p:pic>
+        <p:nvPicPr>
+          <p:cNvPr id="109" name="Picture 108">
+            <a:extLst>
+              <a:ext uri="{FF2B5EF4-FFF2-40B4-BE49-F238E27FC236}">
+                <a16:creationId xmlns:a16="http://schemas.microsoft.com/office/drawing/2014/main" id="{49777109-BDA5-B8C3-4FAC-A65DA1BE815E}"/>
+              </a:ext>
+            </a:extLst>
+          </p:cNvPr>
+          <p:cNvPicPr>
+            <a:picLocks noChangeAspect="1"/>
+          </p:cNvPicPr>
+          <p:nvPr/>
+        </p:nvPicPr>
+        <p:blipFill>
+          <a:blip r:embed="rId4"/>
+          <a:stretch>
+            <a:fillRect/>
+          </a:stretch>
+        </p:blipFill>
+        <p:spPr>
+          <a:xfrm>
+            <a:off x="4800103" y="4747295"/>
+            <a:ext cx="256995" cy="282068"/>
+          </a:xfrm>
+          <a:prstGeom prst="rect">
+            <a:avLst/>
+          </a:prstGeom>
+        </p:spPr>
+      </p:pic>
+      <p:cxnSp>
+        <p:nvCxnSpPr>
+          <p:cNvPr id="110" name="Straight Arrow Connector 109">
+            <a:extLst>
+              <a:ext uri="{FF2B5EF4-FFF2-40B4-BE49-F238E27FC236}">
+                <a16:creationId xmlns:a16="http://schemas.microsoft.com/office/drawing/2014/main" id="{D25883A9-B03E-C5D6-4877-2D0A359DE693}"/>
+              </a:ext>
+            </a:extLst>
+          </p:cNvPr>
+          <p:cNvCxnSpPr>
+            <a:cxnSpLocks/>
+          </p:cNvCxnSpPr>
+          <p:nvPr/>
+        </p:nvCxnSpPr>
+        <p:spPr>
+          <a:xfrm>
+            <a:off x="1630989" y="4794280"/>
+            <a:ext cx="264310" cy="0"/>
+          </a:xfrm>
+          <a:prstGeom prst="straightConnector1">
+            <a:avLst/>
+          </a:prstGeom>
+          <a:ln>
+            <a:tailEnd type="triangle"/>
+          </a:ln>
+        </p:spPr>
+        <p:style>
+          <a:lnRef idx="1">
+            <a:schemeClr val="dk1"/>
+          </a:lnRef>
+          <a:fillRef idx="0">
+            <a:schemeClr val="dk1"/>
+          </a:fillRef>
+          <a:effectRef idx="0">
+            <a:schemeClr val="dk1"/>
+          </a:effectRef>
+          <a:fontRef idx="minor">
+            <a:schemeClr val="tx1"/>
+          </a:fontRef>
+        </p:style>
+      </p:cxnSp>
+      <p:cxnSp>
+        <p:nvCxnSpPr>
+          <p:cNvPr id="112" name="Straight Arrow Connector 111">
+            <a:extLst>
+              <a:ext uri="{FF2B5EF4-FFF2-40B4-BE49-F238E27FC236}">
+                <a16:creationId xmlns:a16="http://schemas.microsoft.com/office/drawing/2014/main" id="{14E04816-A70F-2B80-4216-104431B37A86}"/>
+              </a:ext>
+            </a:extLst>
+          </p:cNvPr>
+          <p:cNvCxnSpPr>
+            <a:cxnSpLocks/>
+          </p:cNvCxnSpPr>
+          <p:nvPr/>
+        </p:nvCxnSpPr>
+        <p:spPr>
+          <a:xfrm>
+            <a:off x="3068610" y="4761460"/>
+            <a:ext cx="264310" cy="0"/>
+          </a:xfrm>
+          <a:prstGeom prst="straightConnector1">
+            <a:avLst/>
+          </a:prstGeom>
+          <a:ln>
+            <a:tailEnd type="triangle"/>
+          </a:ln>
+        </p:spPr>
+        <p:style>
+          <a:lnRef idx="1">
+            <a:schemeClr val="dk1"/>
+          </a:lnRef>
+          <a:fillRef idx="0">
+            <a:schemeClr val="dk1"/>
+          </a:fillRef>
+          <a:effectRef idx="0">
+            <a:schemeClr val="dk1"/>
+          </a:effectRef>
+          <a:fontRef idx="minor">
+            <a:schemeClr val="tx1"/>
+          </a:fontRef>
+        </p:style>
+      </p:cxnSp>
+      <p:cxnSp>
+        <p:nvCxnSpPr>
+          <p:cNvPr id="113" name="Straight Arrow Connector 112">
+            <a:extLst>
+              <a:ext uri="{FF2B5EF4-FFF2-40B4-BE49-F238E27FC236}">
+                <a16:creationId xmlns:a16="http://schemas.microsoft.com/office/drawing/2014/main" id="{05638791-F262-CBBB-61FD-A1C32172C195}"/>
+              </a:ext>
+            </a:extLst>
+          </p:cNvPr>
+          <p:cNvCxnSpPr>
+            <a:cxnSpLocks/>
+          </p:cNvCxnSpPr>
+          <p:nvPr/>
+        </p:nvCxnSpPr>
+        <p:spPr>
+          <a:xfrm>
+            <a:off x="4512484" y="4803058"/>
+            <a:ext cx="264310" cy="0"/>
+          </a:xfrm>
+          <a:prstGeom prst="straightConnector1">
+            <a:avLst/>
+          </a:prstGeom>
+          <a:ln>
+            <a:tailEnd type="triangle"/>
+          </a:ln>
+        </p:spPr>
+        <p:style>
+          <a:lnRef idx="1">
+            <a:schemeClr val="dk1"/>
+          </a:lnRef>
+          <a:fillRef idx="0">
+            <a:schemeClr val="dk1"/>
+          </a:fillRef>
+          <a:effectRef idx="0">
+            <a:schemeClr val="dk1"/>
+          </a:effectRef>
+          <a:fontRef idx="minor">
+            <a:schemeClr val="tx1"/>
+          </a:fontRef>
+        </p:style>
+      </p:cxnSp>
+      <p:pic>
+        <p:nvPicPr>
+          <p:cNvPr id="114" name="Picture 113">
+            <a:extLst>
+              <a:ext uri="{FF2B5EF4-FFF2-40B4-BE49-F238E27FC236}">
+                <a16:creationId xmlns:a16="http://schemas.microsoft.com/office/drawing/2014/main" id="{87CA9B66-ECFF-968E-298E-BFFA52B12A61}"/>
+              </a:ext>
+            </a:extLst>
+          </p:cNvPr>
+          <p:cNvPicPr>
+            <a:picLocks noChangeAspect="1"/>
+          </p:cNvPicPr>
+          <p:nvPr/>
+        </p:nvPicPr>
+        <p:blipFill>
+          <a:blip r:embed="rId4"/>
+          <a:stretch>
+            <a:fillRect/>
+          </a:stretch>
+        </p:blipFill>
+        <p:spPr>
+          <a:xfrm>
+            <a:off x="4069541" y="6130942"/>
+            <a:ext cx="256995" cy="282068"/>
+          </a:xfrm>
+          <a:prstGeom prst="rect">
+            <a:avLst/>
+          </a:prstGeom>
+        </p:spPr>
+      </p:pic>
+      <p:sp>
+        <p:nvSpPr>
+          <p:cNvPr id="115" name="Rectangle 114">
+            <a:extLst>
+              <a:ext uri="{FF2B5EF4-FFF2-40B4-BE49-F238E27FC236}">
+                <a16:creationId xmlns:a16="http://schemas.microsoft.com/office/drawing/2014/main" id="{48BC2261-579A-0AC0-4A9D-3F637E580117}"/>
+              </a:ext>
+            </a:extLst>
+          </p:cNvPr>
+          <p:cNvSpPr/>
+          <p:nvPr/>
+        </p:nvSpPr>
+        <p:spPr>
+          <a:xfrm>
+            <a:off x="5549454" y="2972992"/>
+            <a:ext cx="913579" cy="427896"/>
+          </a:xfrm>
+          <a:prstGeom prst="rect">
+            <a:avLst/>
+          </a:prstGeom>
+        </p:spPr>
+        <p:style>
+          <a:lnRef idx="2">
+            <a:schemeClr val="accent1">
+              <a:shade val="50000"/>
+            </a:schemeClr>
+          </a:lnRef>
+          <a:fillRef idx="1">
+            <a:schemeClr val="accent1"/>
+          </a:fillRef>
+          <a:effectRef idx="0">
+            <a:schemeClr val="accent1"/>
+          </a:effectRef>
+          <a:fontRef idx="minor">
+            <a:schemeClr val="lt1"/>
+          </a:fontRef>
+        </p:style>
+        <p:txBody>
+          <a:bodyPr rtlCol="0" anchor="ctr"/>
+          <a:lstStyle/>
+          <a:p>
+            <a:r>
+              <a:rPr lang="en-US" sz="1200" dirty="0"/>
+              <a:t>Action data manager</a:t>
+            </a:r>
+            <a:endParaRPr lang="en-SG" sz="1200" dirty="0"/>
+          </a:p>
+        </p:txBody>
+      </p:sp>
+      <p:sp>
+        <p:nvSpPr>
+          <p:cNvPr id="116" name="Rectangle 115">
+            <a:extLst>
+              <a:ext uri="{FF2B5EF4-FFF2-40B4-BE49-F238E27FC236}">
+                <a16:creationId xmlns:a16="http://schemas.microsoft.com/office/drawing/2014/main" id="{88F373FB-73A3-B217-CAE2-67820B82FD99}"/>
+              </a:ext>
+            </a:extLst>
+          </p:cNvPr>
+          <p:cNvSpPr/>
+          <p:nvPr/>
+        </p:nvSpPr>
+        <p:spPr>
+          <a:xfrm>
+            <a:off x="6329801" y="4216234"/>
+            <a:ext cx="913579" cy="427896"/>
+          </a:xfrm>
+          <a:prstGeom prst="rect">
+            <a:avLst/>
+          </a:prstGeom>
+        </p:spPr>
+        <p:style>
+          <a:lnRef idx="2">
+            <a:schemeClr val="accent1">
+              <a:shade val="50000"/>
+            </a:schemeClr>
+          </a:lnRef>
+          <a:fillRef idx="1">
+            <a:schemeClr val="accent1"/>
+          </a:fillRef>
+          <a:effectRef idx="0">
+            <a:schemeClr val="accent1"/>
+          </a:effectRef>
+          <a:fontRef idx="minor">
+            <a:schemeClr val="lt1"/>
+          </a:fontRef>
+        </p:style>
+        <p:txBody>
+          <a:bodyPr rtlCol="0" anchor="ctr"/>
+          <a:lstStyle/>
+          <a:p>
+            <a:r>
+              <a:rPr lang="en-US" sz="1200" dirty="0"/>
+              <a:t>UDP Comm handler</a:t>
+            </a:r>
+            <a:endParaRPr lang="en-SG" sz="1200" dirty="0"/>
+          </a:p>
+        </p:txBody>
+      </p:sp>
+      <p:sp>
+        <p:nvSpPr>
+          <p:cNvPr id="117" name="Cylinder 116">
+            <a:extLst>
+              <a:ext uri="{FF2B5EF4-FFF2-40B4-BE49-F238E27FC236}">
+                <a16:creationId xmlns:a16="http://schemas.microsoft.com/office/drawing/2014/main" id="{0433F05F-A6DA-F4A8-D0DE-38ACA0F18BA6}"/>
+              </a:ext>
+            </a:extLst>
+          </p:cNvPr>
+          <p:cNvSpPr/>
+          <p:nvPr/>
+        </p:nvSpPr>
+        <p:spPr>
+          <a:xfrm>
+            <a:off x="5891419" y="3814847"/>
+            <a:ext cx="447252" cy="261611"/>
+          </a:xfrm>
+          <a:prstGeom prst="can">
+            <a:avLst/>
+          </a:prstGeom>
+        </p:spPr>
+        <p:style>
+          <a:lnRef idx="2">
+            <a:schemeClr val="accent1">
+              <a:shade val="50000"/>
+            </a:schemeClr>
+          </a:lnRef>
+          <a:fillRef idx="1">
+            <a:schemeClr val="accent1"/>
+          </a:fillRef>
+          <a:effectRef idx="0">
+            <a:schemeClr val="accent1"/>
+          </a:effectRef>
+          <a:fontRef idx="minor">
+            <a:schemeClr val="lt1"/>
+          </a:fontRef>
+        </p:style>
+        <p:txBody>
+          <a:bodyPr rtlCol="0" anchor="ctr"/>
+          <a:lstStyle/>
+          <a:p>
+            <a:pPr algn="ctr"/>
+            <a:r>
+              <a:rPr lang="en-US" sz="1200" b="1" dirty="0"/>
+              <a:t>DB</a:t>
+            </a:r>
+            <a:endParaRPr lang="en-SG" sz="1200" b="1" dirty="0"/>
+          </a:p>
+        </p:txBody>
+      </p:sp>
+      <p:cxnSp>
+        <p:nvCxnSpPr>
+          <p:cNvPr id="118" name="Straight Arrow Connector 117">
+            <a:extLst>
+              <a:ext uri="{FF2B5EF4-FFF2-40B4-BE49-F238E27FC236}">
+                <a16:creationId xmlns:a16="http://schemas.microsoft.com/office/drawing/2014/main" id="{29E85F19-C3EE-681E-3744-A2013B9ECBA5}"/>
+              </a:ext>
+            </a:extLst>
+          </p:cNvPr>
+          <p:cNvCxnSpPr/>
+          <p:nvPr/>
+        </p:nvCxnSpPr>
+        <p:spPr>
+          <a:xfrm>
+            <a:off x="5934488" y="2318683"/>
+            <a:ext cx="0" cy="650244"/>
+          </a:xfrm>
+          <a:prstGeom prst="straightConnector1">
+            <a:avLst/>
+          </a:prstGeom>
+          <a:ln w="19050">
+            <a:prstDash val="sysDash"/>
+            <a:tailEnd type="triangle"/>
+          </a:ln>
+        </p:spPr>
+        <p:style>
+          <a:lnRef idx="1">
+            <a:schemeClr val="accent1"/>
+          </a:lnRef>
+          <a:fillRef idx="0">
+            <a:schemeClr val="accent1"/>
+          </a:fillRef>
+          <a:effectRef idx="0">
+            <a:schemeClr val="accent1"/>
+          </a:effectRef>
+          <a:fontRef idx="minor">
+            <a:schemeClr val="tx1"/>
+          </a:fontRef>
+        </p:style>
+      </p:cxnSp>
+      <p:cxnSp>
+        <p:nvCxnSpPr>
+          <p:cNvPr id="119" name="Straight Arrow Connector 118">
+            <a:extLst>
+              <a:ext uri="{FF2B5EF4-FFF2-40B4-BE49-F238E27FC236}">
+                <a16:creationId xmlns:a16="http://schemas.microsoft.com/office/drawing/2014/main" id="{F20E918B-70AE-37E1-62F2-5DBDE93A2DA3}"/>
+              </a:ext>
+            </a:extLst>
+          </p:cNvPr>
+          <p:cNvCxnSpPr>
+            <a:cxnSpLocks/>
+          </p:cNvCxnSpPr>
+          <p:nvPr/>
+        </p:nvCxnSpPr>
+        <p:spPr>
+          <a:xfrm>
+            <a:off x="6718852" y="2359432"/>
+            <a:ext cx="0" cy="1835811"/>
+          </a:xfrm>
+          <a:prstGeom prst="straightConnector1">
+            <a:avLst/>
+          </a:prstGeom>
+          <a:ln w="19050">
+            <a:prstDash val="sysDash"/>
+            <a:tailEnd type="triangle"/>
+          </a:ln>
+        </p:spPr>
+        <p:style>
+          <a:lnRef idx="1">
+            <a:schemeClr val="accent1"/>
+          </a:lnRef>
+          <a:fillRef idx="0">
+            <a:schemeClr val="accent1"/>
+          </a:fillRef>
+          <a:effectRef idx="0">
+            <a:schemeClr val="accent1"/>
+          </a:effectRef>
+          <a:fontRef idx="minor">
+            <a:schemeClr val="tx1"/>
+          </a:fontRef>
+        </p:style>
+      </p:cxnSp>
+      <p:cxnSp>
+        <p:nvCxnSpPr>
+          <p:cNvPr id="121" name="Straight Arrow Connector 120">
+            <a:extLst>
+              <a:ext uri="{FF2B5EF4-FFF2-40B4-BE49-F238E27FC236}">
+                <a16:creationId xmlns:a16="http://schemas.microsoft.com/office/drawing/2014/main" id="{20921278-D59C-8381-DE02-3E3BB28DD1A5}"/>
+              </a:ext>
+            </a:extLst>
+          </p:cNvPr>
+          <p:cNvCxnSpPr>
+            <a:cxnSpLocks/>
+            <a:endCxn id="117" idx="1"/>
+          </p:cNvCxnSpPr>
+          <p:nvPr/>
+        </p:nvCxnSpPr>
+        <p:spPr>
+          <a:xfrm>
+            <a:off x="6115045" y="3399043"/>
+            <a:ext cx="0" cy="415804"/>
+          </a:xfrm>
+          <a:prstGeom prst="straightConnector1">
+            <a:avLst/>
+          </a:prstGeom>
+          <a:ln>
+            <a:headEnd type="triangle" w="med" len="med"/>
+            <a:tailEnd type="triangle" w="med" len="med"/>
+          </a:ln>
+        </p:spPr>
+        <p:style>
+          <a:lnRef idx="1">
+            <a:schemeClr val="dk1"/>
+          </a:lnRef>
+          <a:fillRef idx="0">
+            <a:schemeClr val="dk1"/>
+          </a:fillRef>
+          <a:effectRef idx="0">
+            <a:schemeClr val="dk1"/>
+          </a:effectRef>
+          <a:fontRef idx="minor">
+            <a:schemeClr val="tx1"/>
+          </a:fontRef>
+        </p:style>
+      </p:cxnSp>
+      <p:cxnSp>
+        <p:nvCxnSpPr>
+          <p:cNvPr id="125" name="Connector: Elbow 124">
+            <a:extLst>
+              <a:ext uri="{FF2B5EF4-FFF2-40B4-BE49-F238E27FC236}">
+                <a16:creationId xmlns:a16="http://schemas.microsoft.com/office/drawing/2014/main" id="{7763F9D1-4D03-F548-1B11-893B7190F6F8}"/>
+              </a:ext>
+            </a:extLst>
+          </p:cNvPr>
+          <p:cNvCxnSpPr>
+            <a:cxnSpLocks/>
+          </p:cNvCxnSpPr>
+          <p:nvPr/>
+        </p:nvCxnSpPr>
+        <p:spPr>
+          <a:xfrm>
+            <a:off x="4774915" y="2691901"/>
+            <a:ext cx="773607" cy="326361"/>
+          </a:xfrm>
+          <a:prstGeom prst="bentConnector3">
+            <a:avLst/>
+          </a:prstGeom>
+          <a:ln>
+            <a:tailEnd type="triangle"/>
+          </a:ln>
+        </p:spPr>
+        <p:style>
+          <a:lnRef idx="1">
+            <a:schemeClr val="dk1"/>
+          </a:lnRef>
+          <a:fillRef idx="0">
+            <a:schemeClr val="dk1"/>
+          </a:fillRef>
+          <a:effectRef idx="0">
+            <a:schemeClr val="dk1"/>
+          </a:effectRef>
+          <a:fontRef idx="minor">
+            <a:schemeClr val="tx1"/>
+          </a:fontRef>
+        </p:style>
+      </p:cxnSp>
+      <p:cxnSp>
+        <p:nvCxnSpPr>
+          <p:cNvPr id="127" name="Connector: Elbow 126">
+            <a:extLst>
+              <a:ext uri="{FF2B5EF4-FFF2-40B4-BE49-F238E27FC236}">
+                <a16:creationId xmlns:a16="http://schemas.microsoft.com/office/drawing/2014/main" id="{2F71EAF5-C3BA-D99E-D2B1-FBFE21A2FF7A}"/>
+              </a:ext>
+            </a:extLst>
+          </p:cNvPr>
+          <p:cNvCxnSpPr>
+            <a:cxnSpLocks/>
+            <a:stCxn id="109" idx="3"/>
+            <a:endCxn id="115" idx="1"/>
+          </p:cNvCxnSpPr>
+          <p:nvPr/>
+        </p:nvCxnSpPr>
+        <p:spPr>
+          <a:xfrm flipV="1">
+            <a:off x="5057098" y="3186940"/>
+            <a:ext cx="492356" cy="1701389"/>
+          </a:xfrm>
+          <a:prstGeom prst="bentConnector3">
+            <a:avLst>
+              <a:gd name="adj1" fmla="val 50000"/>
+            </a:avLst>
+          </a:prstGeom>
+          <a:ln>
+            <a:tailEnd type="triangle"/>
+          </a:ln>
+        </p:spPr>
+        <p:style>
+          <a:lnRef idx="1">
+            <a:schemeClr val="dk1"/>
+          </a:lnRef>
+          <a:fillRef idx="0">
+            <a:schemeClr val="dk1"/>
+          </a:fillRef>
+          <a:effectRef idx="0">
+            <a:schemeClr val="dk1"/>
+          </a:effectRef>
+          <a:fontRef idx="minor">
+            <a:schemeClr val="tx1"/>
+          </a:fontRef>
+        </p:style>
+      </p:cxnSp>
+      <p:cxnSp>
+        <p:nvCxnSpPr>
+          <p:cNvPr id="131" name="Straight Connector 130">
+            <a:extLst>
+              <a:ext uri="{FF2B5EF4-FFF2-40B4-BE49-F238E27FC236}">
+                <a16:creationId xmlns:a16="http://schemas.microsoft.com/office/drawing/2014/main" id="{2935CD1A-6B15-7BA5-722E-47AABD6F611F}"/>
+              </a:ext>
+            </a:extLst>
+          </p:cNvPr>
+          <p:cNvCxnSpPr>
+            <a:cxnSpLocks/>
+          </p:cNvCxnSpPr>
+          <p:nvPr/>
+        </p:nvCxnSpPr>
+        <p:spPr>
+          <a:xfrm flipV="1">
+            <a:off x="1907263" y="2742669"/>
+            <a:ext cx="277892" cy="0"/>
+          </a:xfrm>
+          <a:prstGeom prst="line">
+            <a:avLst/>
+          </a:prstGeom>
+        </p:spPr>
+        <p:style>
+          <a:lnRef idx="1">
+            <a:schemeClr val="dk1"/>
+          </a:lnRef>
+          <a:fillRef idx="0">
+            <a:schemeClr val="dk1"/>
+          </a:fillRef>
+          <a:effectRef idx="0">
+            <a:schemeClr val="dk1"/>
+          </a:effectRef>
+          <a:fontRef idx="minor">
+            <a:schemeClr val="tx1"/>
+          </a:fontRef>
+        </p:style>
+      </p:cxnSp>
+      <p:cxnSp>
+        <p:nvCxnSpPr>
+          <p:cNvPr id="135" name="Straight Connector 134">
+            <a:extLst>
+              <a:ext uri="{FF2B5EF4-FFF2-40B4-BE49-F238E27FC236}">
+                <a16:creationId xmlns:a16="http://schemas.microsoft.com/office/drawing/2014/main" id="{519647CD-D66B-F98B-E850-21E848657C3E}"/>
+              </a:ext>
+            </a:extLst>
+          </p:cNvPr>
+          <p:cNvCxnSpPr>
+            <a:cxnSpLocks/>
+          </p:cNvCxnSpPr>
+          <p:nvPr/>
+        </p:nvCxnSpPr>
+        <p:spPr>
+          <a:xfrm flipV="1">
+            <a:off x="3331663" y="2693464"/>
+            <a:ext cx="277892" cy="0"/>
+          </a:xfrm>
+          <a:prstGeom prst="line">
+            <a:avLst/>
+          </a:prstGeom>
+        </p:spPr>
+        <p:style>
+          <a:lnRef idx="1">
+            <a:schemeClr val="dk1"/>
+          </a:lnRef>
+          <a:fillRef idx="0">
+            <a:schemeClr val="dk1"/>
+          </a:fillRef>
+          <a:effectRef idx="0">
+            <a:schemeClr val="dk1"/>
+          </a:effectRef>
+          <a:fontRef idx="minor">
+            <a:schemeClr val="tx1"/>
+          </a:fontRef>
+        </p:style>
+      </p:cxnSp>
+      <p:cxnSp>
+        <p:nvCxnSpPr>
+          <p:cNvPr id="138" name="Straight Connector 137">
+            <a:extLst>
+              <a:ext uri="{FF2B5EF4-FFF2-40B4-BE49-F238E27FC236}">
+                <a16:creationId xmlns:a16="http://schemas.microsoft.com/office/drawing/2014/main" id="{096D966C-AFCB-0DA3-F688-1F4121EFE6F6}"/>
+              </a:ext>
+            </a:extLst>
+          </p:cNvPr>
+          <p:cNvCxnSpPr>
+            <a:stCxn id="107" idx="3"/>
+            <a:endCxn id="108" idx="1"/>
+          </p:cNvCxnSpPr>
+          <p:nvPr/>
+        </p:nvCxnSpPr>
+        <p:spPr>
+          <a:xfrm>
+            <a:off x="2190167" y="4888330"/>
+            <a:ext cx="1135427" cy="926"/>
+          </a:xfrm>
+          <a:prstGeom prst="line">
+            <a:avLst/>
+          </a:prstGeom>
+          <a:ln>
+            <a:solidFill>
+              <a:schemeClr val="tx1"/>
+            </a:solidFill>
+          </a:ln>
+        </p:spPr>
+        <p:style>
+          <a:lnRef idx="1">
+            <a:schemeClr val="accent1"/>
+          </a:lnRef>
+          <a:fillRef idx="0">
+            <a:schemeClr val="accent1"/>
+          </a:fillRef>
+          <a:effectRef idx="0">
+            <a:schemeClr val="accent1"/>
+          </a:effectRef>
+          <a:fontRef idx="minor">
+            <a:schemeClr val="tx1"/>
+          </a:fontRef>
+        </p:style>
+      </p:cxnSp>
+      <p:cxnSp>
+        <p:nvCxnSpPr>
+          <p:cNvPr id="139" name="Straight Connector 138">
+            <a:extLst>
+              <a:ext uri="{FF2B5EF4-FFF2-40B4-BE49-F238E27FC236}">
+                <a16:creationId xmlns:a16="http://schemas.microsoft.com/office/drawing/2014/main" id="{785CB4D6-0931-1F26-E963-8639F4C8A2FC}"/>
+              </a:ext>
+            </a:extLst>
+          </p:cNvPr>
+          <p:cNvCxnSpPr>
+            <a:cxnSpLocks/>
+            <a:stCxn id="108" idx="3"/>
+            <a:endCxn id="109" idx="1"/>
+          </p:cNvCxnSpPr>
+          <p:nvPr/>
+        </p:nvCxnSpPr>
+        <p:spPr>
+          <a:xfrm flipV="1">
+            <a:off x="3619158" y="4888329"/>
+            <a:ext cx="1180945" cy="927"/>
+          </a:xfrm>
+          <a:prstGeom prst="line">
+            <a:avLst/>
+          </a:prstGeom>
+          <a:ln>
+            <a:solidFill>
+              <a:schemeClr val="tx1"/>
+            </a:solidFill>
+          </a:ln>
+        </p:spPr>
+        <p:style>
+          <a:lnRef idx="1">
+            <a:schemeClr val="accent1"/>
+          </a:lnRef>
+          <a:fillRef idx="0">
+            <a:schemeClr val="accent1"/>
+          </a:fillRef>
+          <a:effectRef idx="0">
+            <a:schemeClr val="accent1"/>
+          </a:effectRef>
+          <a:fontRef idx="minor">
+            <a:schemeClr val="tx1"/>
+          </a:fontRef>
+        </p:style>
+      </p:cxnSp>
+      <p:cxnSp>
+        <p:nvCxnSpPr>
+          <p:cNvPr id="148" name="Connector: Elbow 147">
+            <a:extLst>
+              <a:ext uri="{FF2B5EF4-FFF2-40B4-BE49-F238E27FC236}">
+                <a16:creationId xmlns:a16="http://schemas.microsoft.com/office/drawing/2014/main" id="{C183E87E-21A5-1B13-42FD-9D1345DDA59D}"/>
+              </a:ext>
+            </a:extLst>
+          </p:cNvPr>
+          <p:cNvCxnSpPr>
+            <a:stCxn id="99" idx="3"/>
+          </p:cNvCxnSpPr>
+          <p:nvPr/>
+        </p:nvCxnSpPr>
+        <p:spPr>
+          <a:xfrm flipV="1">
+            <a:off x="4455033" y="3399043"/>
+            <a:ext cx="1148145" cy="2872933"/>
+          </a:xfrm>
+          <a:prstGeom prst="bentConnector2">
+            <a:avLst/>
+          </a:prstGeom>
+          <a:ln>
+            <a:solidFill>
+              <a:schemeClr val="tx1"/>
+            </a:solidFill>
+            <a:tailEnd type="triangle"/>
+          </a:ln>
+        </p:spPr>
+        <p:style>
+          <a:lnRef idx="1">
+            <a:schemeClr val="accent1"/>
+          </a:lnRef>
+          <a:fillRef idx="0">
+            <a:schemeClr val="accent1"/>
+          </a:fillRef>
+          <a:effectRef idx="0">
+            <a:schemeClr val="accent1"/>
+          </a:effectRef>
+          <a:fontRef idx="minor">
+            <a:schemeClr val="tx1"/>
+          </a:fontRef>
+        </p:style>
+      </p:cxnSp>
+      <p:cxnSp>
+        <p:nvCxnSpPr>
+          <p:cNvPr id="150" name="Connector: Elbow 149">
+            <a:extLst>
+              <a:ext uri="{FF2B5EF4-FFF2-40B4-BE49-F238E27FC236}">
+                <a16:creationId xmlns:a16="http://schemas.microsoft.com/office/drawing/2014/main" id="{186783E6-80C9-B9FF-D2DC-B5068CB5CBDB}"/>
+              </a:ext>
+            </a:extLst>
+          </p:cNvPr>
+          <p:cNvCxnSpPr>
+            <a:cxnSpLocks/>
+          </p:cNvCxnSpPr>
+          <p:nvPr/>
+        </p:nvCxnSpPr>
+        <p:spPr>
+          <a:xfrm>
+            <a:off x="3150704" y="1567613"/>
+            <a:ext cx="2452474" cy="1367218"/>
+          </a:xfrm>
+          <a:prstGeom prst="bentConnector3">
+            <a:avLst>
+              <a:gd name="adj1" fmla="val 99848"/>
+            </a:avLst>
+          </a:prstGeom>
+          <a:ln>
+            <a:tailEnd type="triangle"/>
+          </a:ln>
+        </p:spPr>
+        <p:style>
+          <a:lnRef idx="1">
+            <a:schemeClr val="dk1"/>
+          </a:lnRef>
+          <a:fillRef idx="0">
+            <a:schemeClr val="dk1"/>
+          </a:fillRef>
+          <a:effectRef idx="0">
+            <a:schemeClr val="dk1"/>
+          </a:effectRef>
+          <a:fontRef idx="minor">
+            <a:schemeClr val="tx1"/>
+          </a:fontRef>
+        </p:style>
+      </p:cxnSp>
+      <p:cxnSp>
+        <p:nvCxnSpPr>
+          <p:cNvPr id="155" name="Straight Connector 154">
+            <a:extLst>
+              <a:ext uri="{FF2B5EF4-FFF2-40B4-BE49-F238E27FC236}">
+                <a16:creationId xmlns:a16="http://schemas.microsoft.com/office/drawing/2014/main" id="{D8D8B9A8-78B0-9A04-C0C2-14C504217225}"/>
+              </a:ext>
+            </a:extLst>
+          </p:cNvPr>
+          <p:cNvCxnSpPr>
+            <a:cxnSpLocks/>
+          </p:cNvCxnSpPr>
+          <p:nvPr/>
+        </p:nvCxnSpPr>
+        <p:spPr>
+          <a:xfrm>
+            <a:off x="7541964" y="145966"/>
+            <a:ext cx="0" cy="6555548"/>
+          </a:xfrm>
+          <a:prstGeom prst="line">
+            <a:avLst/>
+          </a:prstGeom>
+        </p:spPr>
+        <p:style>
+          <a:lnRef idx="1">
+            <a:schemeClr val="accent1"/>
+          </a:lnRef>
+          <a:fillRef idx="0">
+            <a:schemeClr val="accent1"/>
+          </a:fillRef>
+          <a:effectRef idx="0">
+            <a:schemeClr val="accent1"/>
+          </a:effectRef>
+          <a:fontRef idx="minor">
+            <a:schemeClr val="tx1"/>
+          </a:fontRef>
+        </p:style>
+      </p:cxnSp>
+      <p:sp>
+        <p:nvSpPr>
+          <p:cNvPr id="158" name="TextBox 157">
+            <a:extLst>
+              <a:ext uri="{FF2B5EF4-FFF2-40B4-BE49-F238E27FC236}">
+                <a16:creationId xmlns:a16="http://schemas.microsoft.com/office/drawing/2014/main" id="{CC1B268E-B941-217A-6D4E-544DED819F29}"/>
+              </a:ext>
+            </a:extLst>
+          </p:cNvPr>
+          <p:cNvSpPr txBox="1"/>
+          <p:nvPr/>
+        </p:nvSpPr>
+        <p:spPr>
+          <a:xfrm>
+            <a:off x="5964398" y="254638"/>
+            <a:ext cx="1438516" cy="307777"/>
+          </a:xfrm>
+          <a:prstGeom prst="rect">
+            <a:avLst/>
+          </a:prstGeom>
+          <a:noFill/>
+        </p:spPr>
+        <p:txBody>
+          <a:bodyPr wrap="square" rtlCol="0">
+            <a:spAutoFit/>
+          </a:bodyPr>
+          <a:lstStyle/>
+          <a:p>
+            <a:r>
+              <a:rPr lang="en-SG" sz="1400" b="1" dirty="0"/>
+              <a:t>Emulator Node</a:t>
+            </a:r>
+          </a:p>
+        </p:txBody>
+      </p:sp>
+      <p:cxnSp>
+        <p:nvCxnSpPr>
+          <p:cNvPr id="160" name="Straight Arrow Connector 159">
+            <a:extLst>
+              <a:ext uri="{FF2B5EF4-FFF2-40B4-BE49-F238E27FC236}">
+                <a16:creationId xmlns:a16="http://schemas.microsoft.com/office/drawing/2014/main" id="{1F5E91B0-8F5D-1517-C77E-9FB2283C5AFA}"/>
+              </a:ext>
+            </a:extLst>
+          </p:cNvPr>
+          <p:cNvCxnSpPr>
+            <a:stCxn id="116" idx="3"/>
+          </p:cNvCxnSpPr>
+          <p:nvPr/>
+        </p:nvCxnSpPr>
+        <p:spPr>
+          <a:xfrm>
+            <a:off x="7243380" y="4430182"/>
+            <a:ext cx="697985" cy="0"/>
+          </a:xfrm>
+          <a:prstGeom prst="straightConnector1">
+            <a:avLst/>
+          </a:prstGeom>
+          <a:ln>
+            <a:solidFill>
+              <a:schemeClr val="tx1"/>
+            </a:solidFill>
+            <a:headEnd type="triangle"/>
+            <a:tailEnd type="triangle"/>
+          </a:ln>
+        </p:spPr>
+        <p:style>
+          <a:lnRef idx="1">
+            <a:schemeClr val="accent1"/>
+          </a:lnRef>
+          <a:fillRef idx="0">
+            <a:schemeClr val="accent1"/>
+          </a:fillRef>
+          <a:effectRef idx="0">
+            <a:schemeClr val="accent1"/>
+          </a:effectRef>
+          <a:fontRef idx="minor">
+            <a:schemeClr val="tx1"/>
+          </a:fontRef>
+        </p:style>
+      </p:cxnSp>
+      <p:sp>
+        <p:nvSpPr>
+          <p:cNvPr id="161" name="TextBox 160">
+            <a:extLst>
+              <a:ext uri="{FF2B5EF4-FFF2-40B4-BE49-F238E27FC236}">
+                <a16:creationId xmlns:a16="http://schemas.microsoft.com/office/drawing/2014/main" id="{4AA4DBFF-B5C2-4C35-D719-E93801E8A6ED}"/>
+              </a:ext>
+            </a:extLst>
+          </p:cNvPr>
+          <p:cNvSpPr txBox="1"/>
+          <p:nvPr/>
+        </p:nvSpPr>
+        <p:spPr>
+          <a:xfrm>
+            <a:off x="7339100" y="4189930"/>
+            <a:ext cx="530093" cy="261610"/>
+          </a:xfrm>
+          <a:prstGeom prst="rect">
+            <a:avLst/>
+          </a:prstGeom>
+          <a:noFill/>
+        </p:spPr>
+        <p:txBody>
+          <a:bodyPr wrap="square" rtlCol="0">
+            <a:spAutoFit/>
+          </a:bodyPr>
+          <a:lstStyle/>
+          <a:p>
+            <a:r>
+              <a:rPr lang="en-US" sz="1100" b="1" dirty="0"/>
+              <a:t>Data</a:t>
+            </a:r>
+            <a:endParaRPr lang="en-SG" sz="1100" b="1" dirty="0"/>
+          </a:p>
+        </p:txBody>
+      </p:sp>
+      <p:sp>
+        <p:nvSpPr>
+          <p:cNvPr id="162" name="Rectangle 161">
+            <a:extLst>
+              <a:ext uri="{FF2B5EF4-FFF2-40B4-BE49-F238E27FC236}">
+                <a16:creationId xmlns:a16="http://schemas.microsoft.com/office/drawing/2014/main" id="{80F21C67-FBE7-CCE2-DCAF-4185713C1410}"/>
+              </a:ext>
+            </a:extLst>
+          </p:cNvPr>
+          <p:cNvSpPr/>
+          <p:nvPr/>
+        </p:nvSpPr>
+        <p:spPr>
+          <a:xfrm>
+            <a:off x="7724180" y="2417000"/>
+            <a:ext cx="1304501" cy="427896"/>
+          </a:xfrm>
+          <a:prstGeom prst="rect">
+            <a:avLst/>
+          </a:prstGeom>
+        </p:spPr>
+        <p:style>
+          <a:lnRef idx="2">
+            <a:schemeClr val="accent1">
+              <a:shade val="50000"/>
+            </a:schemeClr>
+          </a:lnRef>
+          <a:fillRef idx="1">
+            <a:schemeClr val="accent1"/>
+          </a:fillRef>
+          <a:effectRef idx="0">
+            <a:schemeClr val="accent1"/>
+          </a:effectRef>
+          <a:fontRef idx="minor">
+            <a:schemeClr val="lt1"/>
+          </a:fontRef>
+        </p:style>
+        <p:txBody>
+          <a:bodyPr rtlCol="0" anchor="ctr"/>
+          <a:lstStyle/>
+          <a:p>
+            <a:r>
+              <a:rPr lang="en-US" sz="1200" dirty="0"/>
+              <a:t>Monitor/Control Web Host</a:t>
+            </a:r>
+            <a:endParaRPr lang="en-SG" sz="1200" dirty="0"/>
+          </a:p>
+        </p:txBody>
+      </p:sp>
+      <p:sp>
+        <p:nvSpPr>
+          <p:cNvPr id="163" name="Rectangle 162">
+            <a:extLst>
+              <a:ext uri="{FF2B5EF4-FFF2-40B4-BE49-F238E27FC236}">
+                <a16:creationId xmlns:a16="http://schemas.microsoft.com/office/drawing/2014/main" id="{FCF24F13-17FD-845A-0287-73F9215742FE}"/>
+              </a:ext>
+            </a:extLst>
+          </p:cNvPr>
+          <p:cNvSpPr/>
+          <p:nvPr/>
+        </p:nvSpPr>
+        <p:spPr>
+          <a:xfrm>
+            <a:off x="8344123" y="3399043"/>
+            <a:ext cx="913579" cy="427896"/>
+          </a:xfrm>
+          <a:prstGeom prst="rect">
+            <a:avLst/>
+          </a:prstGeom>
+        </p:spPr>
+        <p:style>
+          <a:lnRef idx="2">
+            <a:schemeClr val="accent1">
+              <a:shade val="50000"/>
+            </a:schemeClr>
+          </a:lnRef>
+          <a:fillRef idx="1">
+            <a:schemeClr val="accent1"/>
+          </a:fillRef>
+          <a:effectRef idx="0">
+            <a:schemeClr val="accent1"/>
+          </a:effectRef>
+          <a:fontRef idx="minor">
+            <a:schemeClr val="lt1"/>
+          </a:fontRef>
+        </p:style>
+        <p:txBody>
+          <a:bodyPr rtlCol="0" anchor="ctr"/>
+          <a:lstStyle/>
+          <a:p>
+            <a:r>
+              <a:rPr lang="en-US" sz="1200" dirty="0"/>
+              <a:t>Data manager</a:t>
+            </a:r>
+            <a:endParaRPr lang="en-SG" sz="1200" dirty="0"/>
+          </a:p>
+        </p:txBody>
+      </p:sp>
+      <p:sp>
+        <p:nvSpPr>
+          <p:cNvPr id="166" name="Rectangle 165">
+            <a:extLst>
+              <a:ext uri="{FF2B5EF4-FFF2-40B4-BE49-F238E27FC236}">
+                <a16:creationId xmlns:a16="http://schemas.microsoft.com/office/drawing/2014/main" id="{DDAA85D7-4577-77BB-464A-156637B53333}"/>
+              </a:ext>
+            </a:extLst>
+          </p:cNvPr>
+          <p:cNvSpPr/>
+          <p:nvPr/>
+        </p:nvSpPr>
+        <p:spPr>
+          <a:xfrm>
+            <a:off x="7960819" y="4211637"/>
+            <a:ext cx="913579" cy="427896"/>
+          </a:xfrm>
+          <a:prstGeom prst="rect">
+            <a:avLst/>
+          </a:prstGeom>
+        </p:spPr>
+        <p:style>
+          <a:lnRef idx="2">
+            <a:schemeClr val="accent1">
+              <a:shade val="50000"/>
+            </a:schemeClr>
+          </a:lnRef>
+          <a:fillRef idx="1">
+            <a:schemeClr val="accent1"/>
+          </a:fillRef>
+          <a:effectRef idx="0">
+            <a:schemeClr val="accent1"/>
+          </a:effectRef>
+          <a:fontRef idx="minor">
+            <a:schemeClr val="lt1"/>
+          </a:fontRef>
+        </p:style>
+        <p:txBody>
+          <a:bodyPr rtlCol="0" anchor="ctr"/>
+          <a:lstStyle/>
+          <a:p>
+            <a:r>
+              <a:rPr lang="en-US" sz="1200" dirty="0"/>
+              <a:t>UDP Comm handler</a:t>
+            </a:r>
+            <a:endParaRPr lang="en-SG" sz="1200" dirty="0"/>
+          </a:p>
+        </p:txBody>
+      </p:sp>
+      <p:cxnSp>
+        <p:nvCxnSpPr>
+          <p:cNvPr id="169" name="Straight Arrow Connector 168">
+            <a:extLst>
+              <a:ext uri="{FF2B5EF4-FFF2-40B4-BE49-F238E27FC236}">
+                <a16:creationId xmlns:a16="http://schemas.microsoft.com/office/drawing/2014/main" id="{6B643B2A-2613-A937-78C8-92F73C1863EB}"/>
+              </a:ext>
+            </a:extLst>
+          </p:cNvPr>
+          <p:cNvCxnSpPr>
+            <a:cxnSpLocks/>
+          </p:cNvCxnSpPr>
+          <p:nvPr/>
+        </p:nvCxnSpPr>
+        <p:spPr>
+          <a:xfrm>
+            <a:off x="8063948" y="2810431"/>
+            <a:ext cx="0" cy="1358141"/>
+          </a:xfrm>
+          <a:prstGeom prst="straightConnector1">
+            <a:avLst/>
+          </a:prstGeom>
+          <a:ln w="19050">
+            <a:prstDash val="sysDash"/>
+            <a:tailEnd type="triangle"/>
+          </a:ln>
+        </p:spPr>
+        <p:style>
+          <a:lnRef idx="1">
+            <a:schemeClr val="accent1"/>
+          </a:lnRef>
+          <a:fillRef idx="0">
+            <a:schemeClr val="accent1"/>
+          </a:fillRef>
+          <a:effectRef idx="0">
+            <a:schemeClr val="accent1"/>
+          </a:effectRef>
+          <a:fontRef idx="minor">
+            <a:schemeClr val="tx1"/>
+          </a:fontRef>
+        </p:style>
+      </p:cxnSp>
+      <p:cxnSp>
+        <p:nvCxnSpPr>
+          <p:cNvPr id="171" name="Straight Arrow Connector 170">
+            <a:extLst>
+              <a:ext uri="{FF2B5EF4-FFF2-40B4-BE49-F238E27FC236}">
+                <a16:creationId xmlns:a16="http://schemas.microsoft.com/office/drawing/2014/main" id="{5AECC9BB-1C67-75C1-BC8A-A6965E78704D}"/>
+              </a:ext>
+            </a:extLst>
+          </p:cNvPr>
+          <p:cNvCxnSpPr>
+            <a:cxnSpLocks/>
+          </p:cNvCxnSpPr>
+          <p:nvPr/>
+        </p:nvCxnSpPr>
+        <p:spPr>
+          <a:xfrm>
+            <a:off x="8693425" y="2901401"/>
+            <a:ext cx="0" cy="493789"/>
+          </a:xfrm>
+          <a:prstGeom prst="straightConnector1">
+            <a:avLst/>
+          </a:prstGeom>
+          <a:ln w="19050">
+            <a:prstDash val="sysDash"/>
+            <a:tailEnd type="triangle"/>
+          </a:ln>
+        </p:spPr>
+        <p:style>
+          <a:lnRef idx="1">
+            <a:schemeClr val="accent1"/>
+          </a:lnRef>
+          <a:fillRef idx="0">
+            <a:schemeClr val="accent1"/>
+          </a:fillRef>
+          <a:effectRef idx="0">
+            <a:schemeClr val="accent1"/>
+          </a:effectRef>
+          <a:fontRef idx="minor">
+            <a:schemeClr val="tx1"/>
+          </a:fontRef>
+        </p:style>
+      </p:cxnSp>
+      <p:cxnSp>
+        <p:nvCxnSpPr>
+          <p:cNvPr id="174" name="Straight Arrow Connector 173">
+            <a:extLst>
+              <a:ext uri="{FF2B5EF4-FFF2-40B4-BE49-F238E27FC236}">
+                <a16:creationId xmlns:a16="http://schemas.microsoft.com/office/drawing/2014/main" id="{D89C3A5B-9E49-11D1-AB9A-F7713025E7C5}"/>
+              </a:ext>
+            </a:extLst>
+          </p:cNvPr>
+          <p:cNvCxnSpPr>
+            <a:cxnSpLocks/>
+          </p:cNvCxnSpPr>
+          <p:nvPr/>
+        </p:nvCxnSpPr>
+        <p:spPr>
+          <a:xfrm>
+            <a:off x="8693425" y="3851446"/>
+            <a:ext cx="0" cy="348532"/>
+          </a:xfrm>
+          <a:prstGeom prst="straightConnector1">
+            <a:avLst/>
+          </a:prstGeom>
+          <a:ln>
+            <a:solidFill>
+              <a:schemeClr val="tx1"/>
+            </a:solidFill>
+            <a:headEnd type="triangle"/>
+            <a:tailEnd type="triangle"/>
+          </a:ln>
+        </p:spPr>
+        <p:style>
+          <a:lnRef idx="1">
+            <a:schemeClr val="accent1"/>
+          </a:lnRef>
+          <a:fillRef idx="0">
+            <a:schemeClr val="accent1"/>
+          </a:fillRef>
+          <a:effectRef idx="0">
+            <a:schemeClr val="accent1"/>
+          </a:effectRef>
+          <a:fontRef idx="minor">
+            <a:schemeClr val="tx1"/>
+          </a:fontRef>
+        </p:style>
+      </p:cxnSp>
+      <p:sp>
+        <p:nvSpPr>
+          <p:cNvPr id="177" name="TextBox 176">
+            <a:extLst>
+              <a:ext uri="{FF2B5EF4-FFF2-40B4-BE49-F238E27FC236}">
+                <a16:creationId xmlns:a16="http://schemas.microsoft.com/office/drawing/2014/main" id="{1EC31638-A089-286B-6328-7976FAFF99EA}"/>
+              </a:ext>
+            </a:extLst>
+          </p:cNvPr>
+          <p:cNvSpPr txBox="1"/>
+          <p:nvPr/>
+        </p:nvSpPr>
+        <p:spPr>
+          <a:xfrm>
+            <a:off x="7551482" y="191447"/>
+            <a:ext cx="1729761" cy="523220"/>
+          </a:xfrm>
+          <a:prstGeom prst="rect">
+            <a:avLst/>
+          </a:prstGeom>
+          <a:noFill/>
+        </p:spPr>
+        <p:txBody>
+          <a:bodyPr wrap="square" rtlCol="0">
+            <a:spAutoFit/>
+          </a:bodyPr>
+          <a:lstStyle/>
+          <a:p>
+            <a:r>
+              <a:rPr lang="en-SG" sz="1400" b="1" dirty="0"/>
+              <a:t>Emulator or monitor Node (optional)</a:t>
+            </a:r>
+          </a:p>
+        </p:txBody>
+      </p:sp>
+      <p:cxnSp>
+        <p:nvCxnSpPr>
+          <p:cNvPr id="178" name="Straight Connector 177">
+            <a:extLst>
+              <a:ext uri="{FF2B5EF4-FFF2-40B4-BE49-F238E27FC236}">
+                <a16:creationId xmlns:a16="http://schemas.microsoft.com/office/drawing/2014/main" id="{8661F39A-C537-23F8-04F3-E289A7C7BE72}"/>
+              </a:ext>
+            </a:extLst>
+          </p:cNvPr>
+          <p:cNvCxnSpPr>
+            <a:cxnSpLocks/>
+          </p:cNvCxnSpPr>
+          <p:nvPr/>
+        </p:nvCxnSpPr>
+        <p:spPr>
+          <a:xfrm>
+            <a:off x="9543042" y="163163"/>
+            <a:ext cx="0" cy="6555548"/>
+          </a:xfrm>
+          <a:prstGeom prst="line">
+            <a:avLst/>
+          </a:prstGeom>
+        </p:spPr>
+        <p:style>
+          <a:lnRef idx="1">
+            <a:schemeClr val="accent1"/>
+          </a:lnRef>
+          <a:fillRef idx="0">
+            <a:schemeClr val="accent1"/>
+          </a:fillRef>
+          <a:effectRef idx="0">
+            <a:schemeClr val="accent1"/>
+          </a:effectRef>
+          <a:fontRef idx="minor">
+            <a:schemeClr val="tx1"/>
+          </a:fontRef>
+        </p:style>
+      </p:cxnSp>
+      <p:sp>
+        <p:nvSpPr>
+          <p:cNvPr id="179" name="TextBox 178">
+            <a:extLst>
+              <a:ext uri="{FF2B5EF4-FFF2-40B4-BE49-F238E27FC236}">
+                <a16:creationId xmlns:a16="http://schemas.microsoft.com/office/drawing/2014/main" id="{C18014F2-0B57-01E4-CBB6-DBF4F82F760F}"/>
+              </a:ext>
+            </a:extLst>
+          </p:cNvPr>
+          <p:cNvSpPr txBox="1"/>
+          <p:nvPr/>
+        </p:nvSpPr>
+        <p:spPr>
+          <a:xfrm>
+            <a:off x="9634284" y="191447"/>
+            <a:ext cx="1438516" cy="523220"/>
+          </a:xfrm>
+          <a:prstGeom prst="rect">
+            <a:avLst/>
+          </a:prstGeom>
+          <a:noFill/>
+        </p:spPr>
+        <p:txBody>
+          <a:bodyPr wrap="square" rtlCol="0">
+            <a:spAutoFit/>
+          </a:bodyPr>
+          <a:lstStyle/>
+          <a:p>
+            <a:r>
+              <a:rPr lang="en-SG" sz="1400" b="1" dirty="0"/>
+              <a:t>Control Hub Node (optional)</a:t>
+            </a:r>
+          </a:p>
+        </p:txBody>
+      </p:sp>
+      <p:sp>
+        <p:nvSpPr>
+          <p:cNvPr id="180" name="Rectangle 179">
+            <a:extLst>
+              <a:ext uri="{FF2B5EF4-FFF2-40B4-BE49-F238E27FC236}">
+                <a16:creationId xmlns:a16="http://schemas.microsoft.com/office/drawing/2014/main" id="{8F805164-EE0D-537D-B922-35C927A63225}"/>
+              </a:ext>
+            </a:extLst>
+          </p:cNvPr>
+          <p:cNvSpPr/>
+          <p:nvPr/>
+        </p:nvSpPr>
+        <p:spPr>
+          <a:xfrm>
+            <a:off x="9799810" y="3239209"/>
+            <a:ext cx="913579" cy="427896"/>
+          </a:xfrm>
+          <a:prstGeom prst="rect">
+            <a:avLst/>
+          </a:prstGeom>
+        </p:spPr>
+        <p:style>
+          <a:lnRef idx="2">
+            <a:schemeClr val="accent1">
+              <a:shade val="50000"/>
+            </a:schemeClr>
+          </a:lnRef>
+          <a:fillRef idx="1">
+            <a:schemeClr val="accent1"/>
+          </a:fillRef>
+          <a:effectRef idx="0">
+            <a:schemeClr val="accent1"/>
+          </a:effectRef>
+          <a:fontRef idx="minor">
+            <a:schemeClr val="lt1"/>
+          </a:fontRef>
+        </p:style>
+        <p:txBody>
+          <a:bodyPr rtlCol="0" anchor="ctr"/>
+          <a:lstStyle/>
+          <a:p>
+            <a:r>
+              <a:rPr lang="en-US" sz="1200" dirty="0"/>
+              <a:t>Data manager</a:t>
+            </a:r>
+            <a:endParaRPr lang="en-SG" sz="1200" dirty="0"/>
+          </a:p>
+        </p:txBody>
+      </p:sp>
+      <p:sp>
+        <p:nvSpPr>
+          <p:cNvPr id="181" name="Rectangle 180">
+            <a:extLst>
+              <a:ext uri="{FF2B5EF4-FFF2-40B4-BE49-F238E27FC236}">
+                <a16:creationId xmlns:a16="http://schemas.microsoft.com/office/drawing/2014/main" id="{20678D6A-EC3A-60F6-193A-EC518DF93ECF}"/>
+              </a:ext>
+            </a:extLst>
+          </p:cNvPr>
+          <p:cNvSpPr/>
+          <p:nvPr/>
+        </p:nvSpPr>
+        <p:spPr>
+          <a:xfrm>
+            <a:off x="10159874" y="2359432"/>
+            <a:ext cx="1304501" cy="427896"/>
+          </a:xfrm>
+          <a:prstGeom prst="rect">
+            <a:avLst/>
+          </a:prstGeom>
+        </p:spPr>
+        <p:style>
+          <a:lnRef idx="2">
+            <a:schemeClr val="accent1">
+              <a:shade val="50000"/>
+            </a:schemeClr>
+          </a:lnRef>
+          <a:fillRef idx="1">
+            <a:schemeClr val="accent1"/>
+          </a:fillRef>
+          <a:effectRef idx="0">
+            <a:schemeClr val="accent1"/>
+          </a:effectRef>
+          <a:fontRef idx="minor">
+            <a:schemeClr val="lt1"/>
+          </a:fontRef>
+        </p:style>
+        <p:txBody>
+          <a:bodyPr rtlCol="0" anchor="ctr"/>
+          <a:lstStyle/>
+          <a:p>
+            <a:r>
+              <a:rPr lang="en-US" sz="1200" dirty="0"/>
+              <a:t>Control hub </a:t>
+            </a:r>
+            <a:endParaRPr lang="en-SG" sz="1200" dirty="0"/>
+          </a:p>
+        </p:txBody>
+      </p:sp>
+      <p:cxnSp>
+        <p:nvCxnSpPr>
+          <p:cNvPr id="182" name="Straight Arrow Connector 181">
+            <a:extLst>
+              <a:ext uri="{FF2B5EF4-FFF2-40B4-BE49-F238E27FC236}">
+                <a16:creationId xmlns:a16="http://schemas.microsoft.com/office/drawing/2014/main" id="{A90ADB99-FFED-E02F-91FF-645B02757AFF}"/>
+              </a:ext>
+            </a:extLst>
+          </p:cNvPr>
+          <p:cNvCxnSpPr>
+            <a:cxnSpLocks/>
+          </p:cNvCxnSpPr>
+          <p:nvPr/>
+        </p:nvCxnSpPr>
+        <p:spPr>
+          <a:xfrm>
+            <a:off x="10345094" y="2810431"/>
             <a:ext cx="1" cy="429567"/>
           </a:xfrm>
           <a:prstGeom prst="straightConnector1">

--- a/doc/designDoc.pptx
+++ b/doc/designDoc.pptx
@@ -5,16 +5,17 @@
     <p:sldMasterId id="2147483648" r:id="rId1"/>
   </p:sldMasterIdLst>
   <p:notesMasterIdLst>
-    <p:notesMasterId r:id="rId9"/>
+    <p:notesMasterId r:id="rId10"/>
   </p:notesMasterIdLst>
   <p:sldIdLst>
     <p:sldId id="262" r:id="rId2"/>
     <p:sldId id="256" r:id="rId3"/>
     <p:sldId id="257" r:id="rId4"/>
     <p:sldId id="261" r:id="rId5"/>
-    <p:sldId id="258" r:id="rId6"/>
-    <p:sldId id="259" r:id="rId7"/>
-    <p:sldId id="260" r:id="rId8"/>
+    <p:sldId id="294" r:id="rId6"/>
+    <p:sldId id="258" r:id="rId7"/>
+    <p:sldId id="259" r:id="rId8"/>
+    <p:sldId id="260" r:id="rId9"/>
   </p:sldIdLst>
   <p:sldSz cx="12192000" cy="6858000"/>
   <p:notesSz cx="6858000" cy="9144000"/>
@@ -203,7 +204,7 @@
           <a:p>
             <a:fld id="{2BA6DB02-48BF-406A-9449-0BBAAE1D3FCC}" type="datetimeFigureOut">
               <a:rPr lang="en-SG" smtClean="0"/>
-              <a:t>27/1/2023</a:t>
+              <a:t>30/1/2023</a:t>
             </a:fld>
             <a:endParaRPr lang="en-SG" dirty="0"/>
           </a:p>
@@ -536,7 +537,7 @@
           <a:p>
             <a:fld id="{3B0C630E-0CE8-4915-8E08-22247CA7F11A}" type="slidenum">
               <a:rPr lang="en-SG" smtClean="0"/>
-              <a:t>5</a:t>
+              <a:t>6</a:t>
             </a:fld>
             <a:endParaRPr lang="en-SG" dirty="0"/>
           </a:p>
@@ -704,7 +705,7 @@
           <a:p>
             <a:fld id="{568D23B1-6EF9-4DFF-A006-F22E70A73051}" type="datetimeFigureOut">
               <a:rPr lang="en-SG" smtClean="0"/>
-              <a:t>27/1/2023</a:t>
+              <a:t>30/1/2023</a:t>
             </a:fld>
             <a:endParaRPr lang="en-SG" dirty="0"/>
           </a:p>
@@ -904,7 +905,7 @@
           <a:p>
             <a:fld id="{568D23B1-6EF9-4DFF-A006-F22E70A73051}" type="datetimeFigureOut">
               <a:rPr lang="en-SG" smtClean="0"/>
-              <a:t>27/1/2023</a:t>
+              <a:t>30/1/2023</a:t>
             </a:fld>
             <a:endParaRPr lang="en-SG" dirty="0"/>
           </a:p>
@@ -1114,7 +1115,7 @@
           <a:p>
             <a:fld id="{568D23B1-6EF9-4DFF-A006-F22E70A73051}" type="datetimeFigureOut">
               <a:rPr lang="en-SG" smtClean="0"/>
-              <a:t>27/1/2023</a:t>
+              <a:t>30/1/2023</a:t>
             </a:fld>
             <a:endParaRPr lang="en-SG" dirty="0"/>
           </a:p>
@@ -1314,7 +1315,7 @@
           <a:p>
             <a:fld id="{568D23B1-6EF9-4DFF-A006-F22E70A73051}" type="datetimeFigureOut">
               <a:rPr lang="en-SG" smtClean="0"/>
-              <a:t>27/1/2023</a:t>
+              <a:t>30/1/2023</a:t>
             </a:fld>
             <a:endParaRPr lang="en-SG" dirty="0"/>
           </a:p>
@@ -1590,7 +1591,7 @@
           <a:p>
             <a:fld id="{568D23B1-6EF9-4DFF-A006-F22E70A73051}" type="datetimeFigureOut">
               <a:rPr lang="en-SG" smtClean="0"/>
-              <a:t>27/1/2023</a:t>
+              <a:t>30/1/2023</a:t>
             </a:fld>
             <a:endParaRPr lang="en-SG" dirty="0"/>
           </a:p>
@@ -1858,7 +1859,7 @@
           <a:p>
             <a:fld id="{568D23B1-6EF9-4DFF-A006-F22E70A73051}" type="datetimeFigureOut">
               <a:rPr lang="en-SG" smtClean="0"/>
-              <a:t>27/1/2023</a:t>
+              <a:t>30/1/2023</a:t>
             </a:fld>
             <a:endParaRPr lang="en-SG" dirty="0"/>
           </a:p>
@@ -2273,7 +2274,7 @@
           <a:p>
             <a:fld id="{568D23B1-6EF9-4DFF-A006-F22E70A73051}" type="datetimeFigureOut">
               <a:rPr lang="en-SG" smtClean="0"/>
-              <a:t>27/1/2023</a:t>
+              <a:t>30/1/2023</a:t>
             </a:fld>
             <a:endParaRPr lang="en-SG" dirty="0"/>
           </a:p>
@@ -2415,7 +2416,7 @@
           <a:p>
             <a:fld id="{568D23B1-6EF9-4DFF-A006-F22E70A73051}" type="datetimeFigureOut">
               <a:rPr lang="en-SG" smtClean="0"/>
-              <a:t>27/1/2023</a:t>
+              <a:t>30/1/2023</a:t>
             </a:fld>
             <a:endParaRPr lang="en-SG" dirty="0"/>
           </a:p>
@@ -2528,7 +2529,7 @@
           <a:p>
             <a:fld id="{568D23B1-6EF9-4DFF-A006-F22E70A73051}" type="datetimeFigureOut">
               <a:rPr lang="en-SG" smtClean="0"/>
-              <a:t>27/1/2023</a:t>
+              <a:t>30/1/2023</a:t>
             </a:fld>
             <a:endParaRPr lang="en-SG" dirty="0"/>
           </a:p>
@@ -2841,7 +2842,7 @@
           <a:p>
             <a:fld id="{568D23B1-6EF9-4DFF-A006-F22E70A73051}" type="datetimeFigureOut">
               <a:rPr lang="en-SG" smtClean="0"/>
-              <a:t>27/1/2023</a:t>
+              <a:t>30/1/2023</a:t>
             </a:fld>
             <a:endParaRPr lang="en-SG" dirty="0"/>
           </a:p>
@@ -3130,7 +3131,7 @@
           <a:p>
             <a:fld id="{568D23B1-6EF9-4DFF-A006-F22E70A73051}" type="datetimeFigureOut">
               <a:rPr lang="en-SG" smtClean="0"/>
-              <a:t>27/1/2023</a:t>
+              <a:t>30/1/2023</a:t>
             </a:fld>
             <a:endParaRPr lang="en-SG" dirty="0"/>
           </a:p>
@@ -3373,7 +3374,7 @@
           <a:p>
             <a:fld id="{568D23B1-6EF9-4DFF-A006-F22E70A73051}" type="datetimeFigureOut">
               <a:rPr lang="en-SG" smtClean="0"/>
-              <a:t>27/1/2023</a:t>
+              <a:t>30/1/2023</a:t>
             </a:fld>
             <a:endParaRPr lang="en-SG" dirty="0"/>
           </a:p>
@@ -15447,6 +15448,565 @@
 </file>
 
 <file path=ppt/slides/slide5.xml><?xml version="1.0" encoding="utf-8"?>
+<p:sld xmlns:a="http://schemas.openxmlformats.org/drawingml/2006/main" xmlns:r="http://schemas.openxmlformats.org/officeDocument/2006/relationships" xmlns:p="http://schemas.openxmlformats.org/presentationml/2006/main">
+  <p:cSld>
+    <p:spTree>
+      <p:nvGrpSpPr>
+        <p:cNvPr id="1" name=""/>
+        <p:cNvGrpSpPr/>
+        <p:nvPr/>
+      </p:nvGrpSpPr>
+      <p:grpSpPr>
+        <a:xfrm>
+          <a:off x="0" y="0"/>
+          <a:ext cx="0" cy="0"/>
+          <a:chOff x="0" y="0"/>
+          <a:chExt cx="0" cy="0"/>
+        </a:xfrm>
+      </p:grpSpPr>
+      <p:sp>
+        <p:nvSpPr>
+          <p:cNvPr id="4" name="TextBox 3">
+            <a:extLst>
+              <a:ext uri="{FF2B5EF4-FFF2-40B4-BE49-F238E27FC236}">
+                <a16:creationId xmlns:a16="http://schemas.microsoft.com/office/drawing/2014/main" id="{DD319421-850C-B862-91CA-94B309913F88}"/>
+              </a:ext>
+            </a:extLst>
+          </p:cNvPr>
+          <p:cNvSpPr txBox="1"/>
+          <p:nvPr/>
+        </p:nvSpPr>
+        <p:spPr>
+          <a:xfrm>
+            <a:off x="0" y="-12557"/>
+            <a:ext cx="12191999" cy="461665"/>
+          </a:xfrm>
+          <a:prstGeom prst="rect">
+            <a:avLst/>
+          </a:prstGeom>
+          <a:solidFill>
+            <a:schemeClr val="accent1">
+              <a:lumMod val="75000"/>
+            </a:schemeClr>
+          </a:solidFill>
+          <a:ln>
+            <a:solidFill>
+              <a:schemeClr val="tx1"/>
+            </a:solidFill>
+          </a:ln>
+        </p:spPr>
+        <p:txBody>
+          <a:bodyPr wrap="square" rtlCol="0">
+            <a:spAutoFit/>
+          </a:bodyPr>
+          <a:lstStyle/>
+          <a:p>
+            <a:r>
+              <a:rPr lang="en-SG" sz="2400" dirty="0">
+                <a:solidFill>
+                  <a:schemeClr val="bg1"/>
+                </a:solidFill>
+              </a:rPr>
+              <a:t>User Action Emulator [System Design improvement]  </a:t>
+            </a:r>
+            <a:endParaRPr lang="en-SG" sz="2400" dirty="0">
+              <a:solidFill>
+                <a:srgbClr val="FF0000"/>
+              </a:solidFill>
+            </a:endParaRPr>
+          </a:p>
+        </p:txBody>
+      </p:sp>
+      <p:pic>
+        <p:nvPicPr>
+          <p:cNvPr id="5" name="Picture 4" descr="Graphical user interface, text&#10;&#10;Description automatically generated with medium confidence">
+            <a:extLst>
+              <a:ext uri="{FF2B5EF4-FFF2-40B4-BE49-F238E27FC236}">
+                <a16:creationId xmlns:a16="http://schemas.microsoft.com/office/drawing/2014/main" id="{9377C686-F64B-D611-CFA6-6D7DE4AAE440}"/>
+              </a:ext>
+            </a:extLst>
+          </p:cNvPr>
+          <p:cNvPicPr>
+            <a:picLocks noChangeAspect="1"/>
+          </p:cNvPicPr>
+          <p:nvPr/>
+        </p:nvPicPr>
+        <p:blipFill>
+          <a:blip r:embed="rId2">
+            <a:extLst>
+              <a:ext uri="{28A0092B-C50C-407E-A947-70E740481C1C}">
+                <a14:useLocalDpi xmlns:a14="http://schemas.microsoft.com/office/drawing/2010/main" val="0"/>
+              </a:ext>
+            </a:extLst>
+          </a:blip>
+          <a:stretch>
+            <a:fillRect/>
+          </a:stretch>
+        </p:blipFill>
+        <p:spPr>
+          <a:xfrm>
+            <a:off x="10527245" y="53310"/>
+            <a:ext cx="1598494" cy="348275"/>
+          </a:xfrm>
+          <a:prstGeom prst="rect">
+            <a:avLst/>
+          </a:prstGeom>
+        </p:spPr>
+      </p:pic>
+      <p:pic>
+        <p:nvPicPr>
+          <p:cNvPr id="7" name="Picture 6" descr="Diagram, timeline&#10;&#10;Description automatically generated">
+            <a:extLst>
+              <a:ext uri="{FF2B5EF4-FFF2-40B4-BE49-F238E27FC236}">
+                <a16:creationId xmlns:a16="http://schemas.microsoft.com/office/drawing/2014/main" id="{63B418EE-6954-8309-B714-CF075A2A311D}"/>
+              </a:ext>
+            </a:extLst>
+          </p:cNvPr>
+          <p:cNvPicPr>
+            <a:picLocks noChangeAspect="1"/>
+          </p:cNvPicPr>
+          <p:nvPr/>
+        </p:nvPicPr>
+        <p:blipFill>
+          <a:blip r:embed="rId3">
+            <a:extLst>
+              <a:ext uri="{28A0092B-C50C-407E-A947-70E740481C1C}">
+                <a14:useLocalDpi xmlns:a14="http://schemas.microsoft.com/office/drawing/2010/main" val="0"/>
+              </a:ext>
+            </a:extLst>
+          </a:blip>
+          <a:stretch>
+            <a:fillRect/>
+          </a:stretch>
+        </p:blipFill>
+        <p:spPr>
+          <a:xfrm>
+            <a:off x="315755" y="1408915"/>
+            <a:ext cx="3987888" cy="2243187"/>
+          </a:xfrm>
+          <a:prstGeom prst="rect">
+            <a:avLst/>
+          </a:prstGeom>
+          <a:ln w="6350">
+            <a:solidFill>
+              <a:schemeClr val="tx1"/>
+            </a:solidFill>
+          </a:ln>
+        </p:spPr>
+      </p:pic>
+      <p:sp>
+        <p:nvSpPr>
+          <p:cNvPr id="11" name="TextBox 10">
+            <a:extLst>
+              <a:ext uri="{FF2B5EF4-FFF2-40B4-BE49-F238E27FC236}">
+                <a16:creationId xmlns:a16="http://schemas.microsoft.com/office/drawing/2014/main" id="{3F0E355A-FC61-65D3-3012-F75DE5F253DD}"/>
+              </a:ext>
+            </a:extLst>
+          </p:cNvPr>
+          <p:cNvSpPr txBox="1"/>
+          <p:nvPr/>
+        </p:nvSpPr>
+        <p:spPr>
+          <a:xfrm>
+            <a:off x="315755" y="682923"/>
+            <a:ext cx="3599930" cy="338554"/>
+          </a:xfrm>
+          <a:prstGeom prst="rect">
+            <a:avLst/>
+          </a:prstGeom>
+          <a:noFill/>
+        </p:spPr>
+        <p:txBody>
+          <a:bodyPr wrap="square" rtlCol="0">
+            <a:spAutoFit/>
+          </a:bodyPr>
+          <a:lstStyle/>
+          <a:p>
+            <a:r>
+              <a:rPr lang="en-US" sz="1600" b="1" dirty="0"/>
+              <a:t>System workflow diagram (old) </a:t>
+            </a:r>
+          </a:p>
+        </p:txBody>
+      </p:sp>
+      <p:pic>
+        <p:nvPicPr>
+          <p:cNvPr id="3" name="Picture 2" descr="Timeline&#10;&#10;Description automatically generated">
+            <a:extLst>
+              <a:ext uri="{FF2B5EF4-FFF2-40B4-BE49-F238E27FC236}">
+                <a16:creationId xmlns:a16="http://schemas.microsoft.com/office/drawing/2014/main" id="{76FD506A-C0AE-9574-C404-F411BBFEEFE2}"/>
+              </a:ext>
+            </a:extLst>
+          </p:cNvPr>
+          <p:cNvPicPr>
+            <a:picLocks noChangeAspect="1"/>
+          </p:cNvPicPr>
+          <p:nvPr/>
+        </p:nvPicPr>
+        <p:blipFill>
+          <a:blip r:embed="rId4">
+            <a:extLst>
+              <a:ext uri="{28A0092B-C50C-407E-A947-70E740481C1C}">
+                <a14:useLocalDpi xmlns:a14="http://schemas.microsoft.com/office/drawing/2010/main" val="0"/>
+              </a:ext>
+            </a:extLst>
+          </a:blip>
+          <a:stretch>
+            <a:fillRect/>
+          </a:stretch>
+        </p:blipFill>
+        <p:spPr>
+          <a:xfrm>
+            <a:off x="4664763" y="2236321"/>
+            <a:ext cx="7527236" cy="4234070"/>
+          </a:xfrm>
+          <a:prstGeom prst="rect">
+            <a:avLst/>
+          </a:prstGeom>
+          <a:ln w="12700">
+            <a:solidFill>
+              <a:schemeClr val="tx1"/>
+            </a:solidFill>
+          </a:ln>
+        </p:spPr>
+      </p:pic>
+      <p:cxnSp>
+        <p:nvCxnSpPr>
+          <p:cNvPr id="9" name="Connector: Elbow 8">
+            <a:extLst>
+              <a:ext uri="{FF2B5EF4-FFF2-40B4-BE49-F238E27FC236}">
+                <a16:creationId xmlns:a16="http://schemas.microsoft.com/office/drawing/2014/main" id="{97A19B67-1F9B-BCBF-4D6F-AC9511FD1863}"/>
+              </a:ext>
+            </a:extLst>
+          </p:cNvPr>
+          <p:cNvCxnSpPr/>
+          <p:nvPr/>
+        </p:nvCxnSpPr>
+        <p:spPr>
+          <a:xfrm>
+            <a:off x="4373217" y="1639973"/>
+            <a:ext cx="1421295" cy="596348"/>
+          </a:xfrm>
+          <a:prstGeom prst="bentConnector3">
+            <a:avLst>
+              <a:gd name="adj1" fmla="val 99650"/>
+            </a:avLst>
+          </a:prstGeom>
+          <a:ln w="28575">
+            <a:tailEnd type="triangle"/>
+          </a:ln>
+        </p:spPr>
+        <p:style>
+          <a:lnRef idx="1">
+            <a:schemeClr val="accent1"/>
+          </a:lnRef>
+          <a:fillRef idx="0">
+            <a:schemeClr val="accent1"/>
+          </a:fillRef>
+          <a:effectRef idx="0">
+            <a:schemeClr val="accent1"/>
+          </a:effectRef>
+          <a:fontRef idx="minor">
+            <a:schemeClr val="tx1"/>
+          </a:fontRef>
+        </p:style>
+      </p:cxnSp>
+      <p:sp>
+        <p:nvSpPr>
+          <p:cNvPr id="14" name="TextBox 13">
+            <a:extLst>
+              <a:ext uri="{FF2B5EF4-FFF2-40B4-BE49-F238E27FC236}">
+                <a16:creationId xmlns:a16="http://schemas.microsoft.com/office/drawing/2014/main" id="{33A3B9DA-860D-6767-0D01-9544927397E4}"/>
+              </a:ext>
+            </a:extLst>
+          </p:cNvPr>
+          <p:cNvSpPr txBox="1"/>
+          <p:nvPr/>
+        </p:nvSpPr>
+        <p:spPr>
+          <a:xfrm>
+            <a:off x="5864086" y="1702223"/>
+            <a:ext cx="3599930" cy="338554"/>
+          </a:xfrm>
+          <a:prstGeom prst="rect">
+            <a:avLst/>
+          </a:prstGeom>
+          <a:noFill/>
+        </p:spPr>
+        <p:txBody>
+          <a:bodyPr wrap="square" rtlCol="0">
+            <a:spAutoFit/>
+          </a:bodyPr>
+          <a:lstStyle/>
+          <a:p>
+            <a:r>
+              <a:rPr lang="en-US" sz="1600" b="1" dirty="0"/>
+              <a:t>System workflow diagram (Current</a:t>
+            </a:r>
+            <a:r>
+              <a:rPr lang="en-US" sz="1600" b="1"/>
+              <a:t>) </a:t>
+            </a:r>
+            <a:endParaRPr lang="en-US" sz="1600" b="1" dirty="0"/>
+          </a:p>
+        </p:txBody>
+      </p:sp>
+      <p:sp>
+        <p:nvSpPr>
+          <p:cNvPr id="15" name="Rectangle 14">
+            <a:extLst>
+              <a:ext uri="{FF2B5EF4-FFF2-40B4-BE49-F238E27FC236}">
+                <a16:creationId xmlns:a16="http://schemas.microsoft.com/office/drawing/2014/main" id="{182A3384-A5FD-A59D-7B50-1974EE7A5A56}"/>
+              </a:ext>
+            </a:extLst>
+          </p:cNvPr>
+          <p:cNvSpPr/>
+          <p:nvPr/>
+        </p:nvSpPr>
+        <p:spPr>
+          <a:xfrm>
+            <a:off x="7851913" y="2971800"/>
+            <a:ext cx="1550504" cy="2673626"/>
+          </a:xfrm>
+          <a:prstGeom prst="rect">
+            <a:avLst/>
+          </a:prstGeom>
+          <a:noFill/>
+          <a:ln w="28575">
+            <a:solidFill>
+              <a:srgbClr val="FF0000"/>
+            </a:solidFill>
+            <a:prstDash val="sysDot"/>
+          </a:ln>
+        </p:spPr>
+        <p:style>
+          <a:lnRef idx="2">
+            <a:schemeClr val="accent1">
+              <a:shade val="50000"/>
+            </a:schemeClr>
+          </a:lnRef>
+          <a:fillRef idx="1">
+            <a:schemeClr val="accent1"/>
+          </a:fillRef>
+          <a:effectRef idx="0">
+            <a:schemeClr val="accent1"/>
+          </a:effectRef>
+          <a:fontRef idx="minor">
+            <a:schemeClr val="lt1"/>
+          </a:fontRef>
+        </p:style>
+        <p:txBody>
+          <a:bodyPr rtlCol="0" anchor="ctr"/>
+          <a:lstStyle/>
+          <a:p>
+            <a:pPr algn="ctr"/>
+            <a:endParaRPr lang="en-SG" dirty="0">
+              <a:solidFill>
+                <a:srgbClr val="FF0000"/>
+              </a:solidFill>
+            </a:endParaRPr>
+          </a:p>
+        </p:txBody>
+      </p:sp>
+      <p:sp>
+        <p:nvSpPr>
+          <p:cNvPr id="16" name="TextBox 15">
+            <a:extLst>
+              <a:ext uri="{FF2B5EF4-FFF2-40B4-BE49-F238E27FC236}">
+                <a16:creationId xmlns:a16="http://schemas.microsoft.com/office/drawing/2014/main" id="{3ADC4CFC-CE6F-274D-4049-06121D09B80A}"/>
+              </a:ext>
+            </a:extLst>
+          </p:cNvPr>
+          <p:cNvSpPr txBox="1"/>
+          <p:nvPr/>
+        </p:nvSpPr>
+        <p:spPr>
+          <a:xfrm>
+            <a:off x="7851913" y="2710190"/>
+            <a:ext cx="2033768" cy="261610"/>
+          </a:xfrm>
+          <a:prstGeom prst="rect">
+            <a:avLst/>
+          </a:prstGeom>
+          <a:noFill/>
+        </p:spPr>
+        <p:txBody>
+          <a:bodyPr wrap="square" rtlCol="0">
+            <a:spAutoFit/>
+          </a:bodyPr>
+          <a:lstStyle/>
+          <a:p>
+            <a:r>
+              <a:rPr lang="en-US" sz="1100" b="1" dirty="0">
+                <a:solidFill>
+                  <a:srgbClr val="C00000"/>
+                </a:solidFill>
+              </a:rPr>
+              <a:t>New DB-history recover feature</a:t>
+            </a:r>
+            <a:endParaRPr lang="en-SG" sz="1100" b="1" dirty="0">
+              <a:solidFill>
+                <a:srgbClr val="C00000"/>
+              </a:solidFill>
+            </a:endParaRPr>
+          </a:p>
+        </p:txBody>
+      </p:sp>
+      <p:sp>
+        <p:nvSpPr>
+          <p:cNvPr id="17" name="TextBox 16">
+            <a:extLst>
+              <a:ext uri="{FF2B5EF4-FFF2-40B4-BE49-F238E27FC236}">
+                <a16:creationId xmlns:a16="http://schemas.microsoft.com/office/drawing/2014/main" id="{B81F8B59-8DA7-D543-DBEA-CA16950DCCD3}"/>
+              </a:ext>
+            </a:extLst>
+          </p:cNvPr>
+          <p:cNvSpPr txBox="1"/>
+          <p:nvPr/>
+        </p:nvSpPr>
+        <p:spPr>
+          <a:xfrm>
+            <a:off x="205398" y="3652102"/>
+            <a:ext cx="4384712" cy="3200876"/>
+          </a:xfrm>
+          <a:prstGeom prst="rect">
+            <a:avLst/>
+          </a:prstGeom>
+          <a:noFill/>
+        </p:spPr>
+        <p:txBody>
+          <a:bodyPr wrap="square" rtlCol="0">
+            <a:spAutoFit/>
+          </a:bodyPr>
+          <a:lstStyle/>
+          <a:p>
+            <a:r>
+              <a:rPr lang="en-US" sz="1600" b="1" dirty="0"/>
+              <a:t>D</a:t>
+            </a:r>
+            <a:r>
+              <a:rPr lang="en-SG" sz="1600" b="1" dirty="0"/>
+              <a:t>B-history recovery feature.</a:t>
+            </a:r>
+          </a:p>
+          <a:p>
+            <a:endParaRPr lang="en-SG" sz="1600" b="1" dirty="0"/>
+          </a:p>
+          <a:p>
+            <a:r>
+              <a:rPr lang="en-SG" sz="1400" b="1" dirty="0"/>
+              <a:t>Case 1 [ scheduler auto run over midnight]: </a:t>
+            </a:r>
+            <a:r>
+              <a:rPr lang="en-SG" sz="1400" dirty="0"/>
+              <a:t>At 00:01 am create new state table, recover yesterday DB user’s  setting (such as deactivate tasks) into new DB state table.</a:t>
+            </a:r>
+          </a:p>
+          <a:p>
+            <a:endParaRPr lang="en-SG" sz="1400" b="1" dirty="0"/>
+          </a:p>
+          <a:p>
+            <a:r>
+              <a:rPr lang="en-SG" sz="1400" b="1" dirty="0"/>
+              <a:t>Case 2 [ User start the scheduler 1</a:t>
+            </a:r>
+            <a:r>
+              <a:rPr lang="en-SG" sz="1400" b="1" baseline="30000" dirty="0"/>
+              <a:t>st</a:t>
+            </a:r>
+            <a:r>
+              <a:rPr lang="en-SG" sz="1400" b="1" dirty="0"/>
+              <a:t> time today]: </a:t>
+            </a:r>
+            <a:r>
+              <a:rPr lang="en-SG" sz="1400" dirty="0"/>
+              <a:t>Load yesterday state table based on user’s recover flag setting. Built new state table, recover the user setting. </a:t>
+            </a:r>
+          </a:p>
+          <a:p>
+            <a:endParaRPr lang="en-SG" sz="1400" b="1" dirty="0"/>
+          </a:p>
+          <a:p>
+            <a:r>
+              <a:rPr lang="en-SG" sz="1400" b="1" dirty="0"/>
+              <a:t>Case 3 [ User start the scheduler again (not the 1</a:t>
+            </a:r>
+            <a:r>
+              <a:rPr lang="en-SG" sz="1400" b="1" baseline="30000" dirty="0"/>
+              <a:t>st</a:t>
+            </a:r>
+            <a:r>
+              <a:rPr lang="en-SG" sz="1400" b="1" dirty="0"/>
+              <a:t> time) in one day]: </a:t>
+            </a:r>
+            <a:r>
+              <a:rPr lang="en-SG" sz="1400" dirty="0"/>
+              <a:t>Assume the scheduler is closed by user because some reason, load the state from the DB to recovery the program state to the time point. </a:t>
+            </a:r>
+            <a:r>
+              <a:rPr lang="en-SG" sz="1600" b="1" dirty="0"/>
+              <a:t> </a:t>
+            </a:r>
+          </a:p>
+        </p:txBody>
+      </p:sp>
+      <p:sp>
+        <p:nvSpPr>
+          <p:cNvPr id="19" name="TextBox 18">
+            <a:extLst>
+              <a:ext uri="{FF2B5EF4-FFF2-40B4-BE49-F238E27FC236}">
+                <a16:creationId xmlns:a16="http://schemas.microsoft.com/office/drawing/2014/main" id="{50735573-25A7-2A60-BAFD-93512C756D26}"/>
+              </a:ext>
+            </a:extLst>
+          </p:cNvPr>
+          <p:cNvSpPr txBox="1"/>
+          <p:nvPr/>
+        </p:nvSpPr>
+        <p:spPr>
+          <a:xfrm>
+            <a:off x="6397490" y="449108"/>
+            <a:ext cx="5836699" cy="1169551"/>
+          </a:xfrm>
+          <a:prstGeom prst="rect">
+            <a:avLst/>
+          </a:prstGeom>
+          <a:noFill/>
+        </p:spPr>
+        <p:txBody>
+          <a:bodyPr wrap="square" rtlCol="0">
+            <a:spAutoFit/>
+          </a:bodyPr>
+          <a:lstStyle/>
+          <a:p>
+            <a:pPr algn="just"/>
+            <a:r>
+              <a:rPr lang="en-US" sz="1400" b="1" dirty="0"/>
+              <a:t>Why we need the history recovery feature ? </a:t>
+            </a:r>
+          </a:p>
+          <a:p>
+            <a:pPr algn="just"/>
+            <a:r>
+              <a:rPr lang="en-SG" sz="1400" dirty="0"/>
+              <a:t>Assume task-2 [running on 10:00 am] needs task-1 [running on 09:00 am] to be executed successfully, if the computer reboot at 9:45 am, then user re-run scheduler at 9:50, the scheduler needs to auto recover its tasks state to the time point 9:45 am to decide whether execute task-2. </a:t>
+            </a:r>
+          </a:p>
+        </p:txBody>
+      </p:sp>
+    </p:spTree>
+    <p:extLst>
+      <p:ext uri="{BB962C8B-B14F-4D97-AF65-F5344CB8AC3E}">
+        <p14:creationId xmlns:p14="http://schemas.microsoft.com/office/powerpoint/2010/main" val="2275827904"/>
+      </p:ext>
+    </p:extLst>
+  </p:cSld>
+  <p:clrMapOvr>
+    <a:masterClrMapping/>
+  </p:clrMapOvr>
+</p:sld>
+</file>
+
+<file path=ppt/slides/slide6.xml><?xml version="1.0" encoding="utf-8"?>
 <p:sld xmlns:a="http://schemas.openxmlformats.org/drawingml/2006/main" xmlns:r="http://schemas.openxmlformats.org/officeDocument/2006/relationships" xmlns:p="http://schemas.openxmlformats.org/presentationml/2006/main">
   <p:cSld>
     <p:spTree>
@@ -18233,7 +18793,7 @@
 </p:sld>
 </file>
 
-<file path=ppt/slides/slide6.xml><?xml version="1.0" encoding="utf-8"?>
+<file path=ppt/slides/slide7.xml><?xml version="1.0" encoding="utf-8"?>
 <p:sld xmlns:a="http://schemas.openxmlformats.org/drawingml/2006/main" xmlns:r="http://schemas.openxmlformats.org/officeDocument/2006/relationships" xmlns:p="http://schemas.openxmlformats.org/presentationml/2006/main">
   <p:cSld>
     <p:spTree>
@@ -19378,7 +19938,7 @@
 </p:sld>
 </file>
 
-<file path=ppt/slides/slide7.xml><?xml version="1.0" encoding="utf-8"?>
+<file path=ppt/slides/slide8.xml><?xml version="1.0" encoding="utf-8"?>
 <p:sld xmlns:a="http://schemas.openxmlformats.org/drawingml/2006/main" xmlns:r="http://schemas.openxmlformats.org/officeDocument/2006/relationships" xmlns:p="http://schemas.openxmlformats.org/presentationml/2006/main">
   <p:cSld>
     <p:spTree>

--- a/doc/designDoc.pptx
+++ b/doc/designDoc.pptx
@@ -5,7 +5,7 @@
     <p:sldMasterId id="2147483648" r:id="rId1"/>
   </p:sldMasterIdLst>
   <p:notesMasterIdLst>
-    <p:notesMasterId r:id="rId15"/>
+    <p:notesMasterId r:id="rId16"/>
   </p:notesMasterIdLst>
   <p:sldIdLst>
     <p:sldId id="262" r:id="rId2"/>
@@ -16,11 +16,12 @@
     <p:sldId id="298" r:id="rId7"/>
     <p:sldId id="299" r:id="rId8"/>
     <p:sldId id="300" r:id="rId9"/>
-    <p:sldId id="259" r:id="rId10"/>
-    <p:sldId id="297" r:id="rId11"/>
-    <p:sldId id="294" r:id="rId12"/>
-    <p:sldId id="260" r:id="rId13"/>
-    <p:sldId id="295" r:id="rId14"/>
+    <p:sldId id="301" r:id="rId10"/>
+    <p:sldId id="259" r:id="rId11"/>
+    <p:sldId id="297" r:id="rId12"/>
+    <p:sldId id="294" r:id="rId13"/>
+    <p:sldId id="260" r:id="rId14"/>
+    <p:sldId id="295" r:id="rId15"/>
   </p:sldIdLst>
   <p:sldSz cx="12192000" cy="6858000"/>
   <p:notesSz cx="6858000" cy="9144000"/>
@@ -4295,7 +4296,13 @@
           <p:cNvGraphicFramePr>
             <a:graphicFrameLocks noGrp="1"/>
           </p:cNvGraphicFramePr>
-          <p:nvPr/>
+          <p:nvPr>
+            <p:extLst>
+              <p:ext uri="{D42A27DB-BD31-4B8C-83A1-F6EECF244321}">
+                <p14:modId xmlns:p14="http://schemas.microsoft.com/office/powerpoint/2010/main" val="1642846139"/>
+              </p:ext>
+            </p:extLst>
+          </p:nvPr>
         </p:nvGraphicFramePr>
         <p:xfrm>
           <a:off x="372940" y="1204137"/>
@@ -4658,7 +4665,13 @@
           <p:cNvGraphicFramePr>
             <a:graphicFrameLocks noGrp="1"/>
           </p:cNvGraphicFramePr>
-          <p:nvPr/>
+          <p:nvPr>
+            <p:extLst>
+              <p:ext uri="{D42A27DB-BD31-4B8C-83A1-F6EECF244321}">
+                <p14:modId xmlns:p14="http://schemas.microsoft.com/office/powerpoint/2010/main" val="397633608"/>
+              </p:ext>
+            </p:extLst>
+          </p:nvPr>
         </p:nvGraphicFramePr>
         <p:xfrm>
           <a:off x="372940" y="3122486"/>
@@ -5283,12 +5296,8 @@
               <a:buChar char="•"/>
             </a:pPr>
             <a:r>
-              <a:rPr lang="en-SG" sz="1600"/>
-              <a:t>(Under </a:t>
-            </a:r>
-            <a:r>
               <a:rPr lang="en-SG" sz="1600" dirty="0"/>
-              <a:t>development) user can add new action/edit the actions from the Web interface</a:t>
+              <a:t>(Under development) user can add new action/edit the actions from the Web interface</a:t>
             </a:r>
             <a:r>
               <a:rPr lang="en-SG" sz="1600" b="1" dirty="0"/>
@@ -5300,7 +5309,7 @@
     </p:spTree>
     <p:extLst>
       <p:ext uri="{BB962C8B-B14F-4D97-AF65-F5344CB8AC3E}">
-        <p14:creationId xmlns:p14="http://schemas.microsoft.com/office/powerpoint/2010/main" val="2724637396"/>
+        <p14:creationId xmlns:p14="http://schemas.microsoft.com/office/powerpoint/2010/main" val="2311589"/>
       </p:ext>
     </p:extLst>
   </p:cSld>
@@ -5332,7 +5341,7 @@
           <p:cNvPr id="4" name="TextBox 3">
             <a:extLst>
               <a:ext uri="{FF2B5EF4-FFF2-40B4-BE49-F238E27FC236}">
-                <a16:creationId xmlns:a16="http://schemas.microsoft.com/office/drawing/2014/main" id="{DD319421-850C-B862-91CA-94B309913F88}"/>
+                <a16:creationId xmlns:a16="http://schemas.microsoft.com/office/drawing/2014/main" id="{B2EE9385-272D-78F8-37EF-D7BFBD2E461E}"/>
               </a:ext>
             </a:extLst>
           </p:cNvPr>
@@ -5370,7 +5379,7 @@
                   <a:schemeClr val="bg1"/>
                 </a:solidFill>
               </a:rPr>
-              <a:t>User Action Emulator [System Design improvement]  </a:t>
+              <a:t>User Action Emulator [ Pre-built actors we provided and monitor UI ]  </a:t>
             </a:r>
             <a:endParaRPr lang="en-SG" sz="2400" dirty="0">
               <a:solidFill>
@@ -5385,7 +5394,7 @@
           <p:cNvPr id="5" name="Picture 4" descr="Graphical user interface, text&#10;&#10;Description automatically generated with medium confidence">
             <a:extLst>
               <a:ext uri="{FF2B5EF4-FFF2-40B4-BE49-F238E27FC236}">
-                <a16:creationId xmlns:a16="http://schemas.microsoft.com/office/drawing/2014/main" id="{9377C686-F64B-D611-CFA6-6D7DE4AAE440}"/>
+                <a16:creationId xmlns:a16="http://schemas.microsoft.com/office/drawing/2014/main" id="{CCBDD8B4-58ED-392B-004A-4336DFD8CA6A}"/>
               </a:ext>
             </a:extLst>
           </p:cNvPr>
@@ -5416,53 +5425,336 @@
           </a:prstGeom>
         </p:spPr>
       </p:pic>
-      <p:pic>
-        <p:nvPicPr>
-          <p:cNvPr id="7" name="Picture 6" descr="Diagram, timeline&#10;&#10;Description automatically generated">
-            <a:extLst>
-              <a:ext uri="{FF2B5EF4-FFF2-40B4-BE49-F238E27FC236}">
-                <a16:creationId xmlns:a16="http://schemas.microsoft.com/office/drawing/2014/main" id="{63B418EE-6954-8309-B714-CF075A2A311D}"/>
-              </a:ext>
-            </a:extLst>
-          </p:cNvPr>
-          <p:cNvPicPr>
-            <a:picLocks noChangeAspect="1"/>
-          </p:cNvPicPr>
-          <p:nvPr/>
-        </p:nvPicPr>
-        <p:blipFill>
-          <a:blip r:embed="rId3">
-            <a:extLst>
-              <a:ext uri="{28A0092B-C50C-407E-A947-70E740481C1C}">
-                <a14:useLocalDpi xmlns:a14="http://schemas.microsoft.com/office/drawing/2010/main" val="0"/>
-              </a:ext>
-            </a:extLst>
-          </a:blip>
-          <a:stretch>
-            <a:fillRect/>
-          </a:stretch>
-        </p:blipFill>
-        <p:spPr>
-          <a:xfrm>
-            <a:off x="315755" y="1408915"/>
-            <a:ext cx="3987888" cy="2243187"/>
-          </a:xfrm>
-          <a:prstGeom prst="rect">
-            <a:avLst/>
-          </a:prstGeom>
-          <a:ln w="6350">
-            <a:solidFill>
-              <a:schemeClr val="tx1"/>
-            </a:solidFill>
-          </a:ln>
-        </p:spPr>
-      </p:pic>
+      <p:graphicFrame>
+        <p:nvGraphicFramePr>
+          <p:cNvPr id="7" name="Table 5">
+            <a:extLst>
+              <a:ext uri="{FF2B5EF4-FFF2-40B4-BE49-F238E27FC236}">
+                <a16:creationId xmlns:a16="http://schemas.microsoft.com/office/drawing/2014/main" id="{24B83012-43CA-4227-7189-5FC416B45BBC}"/>
+              </a:ext>
+            </a:extLst>
+          </p:cNvPr>
+          <p:cNvGraphicFramePr>
+            <a:graphicFrameLocks noGrp="1"/>
+          </p:cNvGraphicFramePr>
+          <p:nvPr/>
+        </p:nvGraphicFramePr>
+        <p:xfrm>
+          <a:off x="372940" y="1204137"/>
+          <a:ext cx="3548820" cy="1341120"/>
+        </p:xfrm>
+        <a:graphic>
+          <a:graphicData uri="http://schemas.openxmlformats.org/drawingml/2006/table">
+            <a:tbl>
+              <a:tblPr firstRow="1" bandRow="1">
+                <a:tableStyleId>{5C22544A-7EE6-4342-B048-85BDC9FD1C3A}</a:tableStyleId>
+              </a:tblPr>
+              <a:tblGrid>
+                <a:gridCol w="380979">
+                  <a:extLst>
+                    <a:ext uri="{9D8B030D-6E8A-4147-A177-3AD203B41FA5}">
+                      <a16:colId xmlns:a16="http://schemas.microsoft.com/office/drawing/2014/main" val="3380695120"/>
+                    </a:ext>
+                  </a:extLst>
+                </a:gridCol>
+                <a:gridCol w="1087359">
+                  <a:extLst>
+                    <a:ext uri="{9D8B030D-6E8A-4147-A177-3AD203B41FA5}">
+                      <a16:colId xmlns:a16="http://schemas.microsoft.com/office/drawing/2014/main" val="308096956"/>
+                    </a:ext>
+                  </a:extLst>
+                </a:gridCol>
+                <a:gridCol w="2080482">
+                  <a:extLst>
+                    <a:ext uri="{9D8B030D-6E8A-4147-A177-3AD203B41FA5}">
+                      <a16:colId xmlns:a16="http://schemas.microsoft.com/office/drawing/2014/main" val="1115179321"/>
+                    </a:ext>
+                  </a:extLst>
+                </a:gridCol>
+              </a:tblGrid>
+              <a:tr h="370840">
+                <a:tc>
+                  <a:txBody>
+                    <a:bodyPr/>
+                    <a:lstStyle/>
+                    <a:p>
+                      <a:r>
+                        <a:rPr lang="en-SG" sz="1000" dirty="0"/>
+                        <a:t>Index</a:t>
+                      </a:r>
+                    </a:p>
+                  </a:txBody>
+                  <a:tcPr>
+                    <a:lnL w="12700" cap="flat" cmpd="sng" algn="ctr">
+                      <a:solidFill>
+                        <a:schemeClr val="tx1"/>
+                      </a:solidFill>
+                      <a:prstDash val="solid"/>
+                      <a:round/>
+                      <a:headEnd type="none" w="med" len="med"/>
+                      <a:tailEnd type="none" w="med" len="med"/>
+                    </a:lnL>
+                    <a:lnT w="12700" cap="flat" cmpd="sng" algn="ctr">
+                      <a:solidFill>
+                        <a:schemeClr val="tx1"/>
+                      </a:solidFill>
+                      <a:prstDash val="solid"/>
+                      <a:round/>
+                      <a:headEnd type="none" w="med" len="med"/>
+                      <a:tailEnd type="none" w="med" len="med"/>
+                    </a:lnT>
+                  </a:tcPr>
+                </a:tc>
+                <a:tc>
+                  <a:txBody>
+                    <a:bodyPr/>
+                    <a:lstStyle/>
+                    <a:p>
+                      <a:r>
+                        <a:rPr lang="en-SG" sz="1000" dirty="0"/>
+                        <a:t>Actor module name</a:t>
+                      </a:r>
+                    </a:p>
+                  </a:txBody>
+                  <a:tcPr>
+                    <a:lnT w="12700" cap="flat" cmpd="sng" algn="ctr">
+                      <a:solidFill>
+                        <a:schemeClr val="tx1"/>
+                      </a:solidFill>
+                      <a:prstDash val="solid"/>
+                      <a:round/>
+                      <a:headEnd type="none" w="med" len="med"/>
+                      <a:tailEnd type="none" w="med" len="med"/>
+                    </a:lnT>
+                  </a:tcPr>
+                </a:tc>
+                <a:tc>
+                  <a:txBody>
+                    <a:bodyPr/>
+                    <a:lstStyle/>
+                    <a:p>
+                      <a:r>
+                        <a:rPr lang="en-SG" sz="1000" dirty="0"/>
+                        <a:t>Function provided</a:t>
+                      </a:r>
+                    </a:p>
+                  </a:txBody>
+                  <a:tcPr>
+                    <a:lnR w="12700" cap="flat" cmpd="sng" algn="ctr">
+                      <a:solidFill>
+                        <a:schemeClr val="tx1"/>
+                      </a:solidFill>
+                      <a:prstDash val="solid"/>
+                      <a:round/>
+                      <a:headEnd type="none" w="med" len="med"/>
+                      <a:tailEnd type="none" w="med" len="med"/>
+                    </a:lnR>
+                    <a:lnT w="12700" cap="flat" cmpd="sng" algn="ctr">
+                      <a:solidFill>
+                        <a:schemeClr val="tx1"/>
+                      </a:solidFill>
+                      <a:prstDash val="solid"/>
+                      <a:round/>
+                      <a:headEnd type="none" w="med" len="med"/>
+                      <a:tailEnd type="none" w="med" len="med"/>
+                    </a:lnT>
+                  </a:tcPr>
+                </a:tc>
+                <a:extLst>
+                  <a:ext uri="{0D108BD9-81ED-4DB2-BD59-A6C34878D82A}">
+                    <a16:rowId xmlns:a16="http://schemas.microsoft.com/office/drawing/2014/main" val="896556790"/>
+                  </a:ext>
+                </a:extLst>
+              </a:tr>
+              <a:tr h="370840">
+                <a:tc>
+                  <a:txBody>
+                    <a:bodyPr/>
+                    <a:lstStyle/>
+                    <a:p>
+                      <a:r>
+                        <a:rPr lang="en-SG" sz="1000" dirty="0"/>
+                        <a:t>1</a:t>
+                      </a:r>
+                    </a:p>
+                  </a:txBody>
+                  <a:tcPr>
+                    <a:lnL w="12700" cap="flat" cmpd="sng" algn="ctr">
+                      <a:solidFill>
+                        <a:schemeClr val="tx1"/>
+                      </a:solidFill>
+                      <a:prstDash val="solid"/>
+                      <a:round/>
+                      <a:headEnd type="none" w="med" len="med"/>
+                      <a:tailEnd type="none" w="med" len="med"/>
+                    </a:lnL>
+                  </a:tcPr>
+                </a:tc>
+                <a:tc>
+                  <a:txBody>
+                    <a:bodyPr/>
+                    <a:lstStyle/>
+                    <a:p>
+                      <a:r>
+                        <a:rPr lang="en-SG" sz="1000" b="0" kern="1200" dirty="0">
+                          <a:solidFill>
+                            <a:schemeClr val="dk1"/>
+                          </a:solidFill>
+                          <a:effectLst/>
+                        </a:rPr>
+                        <a:t>CmdActor</a:t>
+                      </a:r>
+                      <a:endParaRPr lang="en-SG" sz="1000" dirty="0"/>
+                    </a:p>
+                  </a:txBody>
+                  <a:tcPr/>
+                </a:tc>
+                <a:tc>
+                  <a:txBody>
+                    <a:bodyPr/>
+                    <a:lstStyle/>
+                    <a:p>
+                      <a:r>
+                        <a:rPr lang="en-US" sz="1000" b="0" kern="1200" dirty="0">
+                          <a:solidFill>
+                            <a:schemeClr val="dk1"/>
+                          </a:solidFill>
+                          <a:effectLst/>
+                        </a:rPr>
+                        <a:t>Run Window/Linux  commend under cmd or PowerShell.</a:t>
+                      </a:r>
+                      <a:endParaRPr lang="en-SG" sz="1000" dirty="0"/>
+                    </a:p>
+                  </a:txBody>
+                  <a:tcPr>
+                    <a:lnR w="12700" cap="flat" cmpd="sng" algn="ctr">
+                      <a:solidFill>
+                        <a:schemeClr val="tx1"/>
+                      </a:solidFill>
+                      <a:prstDash val="solid"/>
+                      <a:round/>
+                      <a:headEnd type="none" w="med" len="med"/>
+                      <a:tailEnd type="none" w="med" len="med"/>
+                    </a:lnR>
+                  </a:tcPr>
+                </a:tc>
+                <a:extLst>
+                  <a:ext uri="{0D108BD9-81ED-4DB2-BD59-A6C34878D82A}">
+                    <a16:rowId xmlns:a16="http://schemas.microsoft.com/office/drawing/2014/main" val="553099790"/>
+                  </a:ext>
+                </a:extLst>
+              </a:tr>
+              <a:tr h="370840">
+                <a:tc>
+                  <a:txBody>
+                    <a:bodyPr/>
+                    <a:lstStyle/>
+                    <a:p>
+                      <a:r>
+                        <a:rPr lang="en-SG" sz="1000" dirty="0"/>
+                        <a:t>2</a:t>
+                      </a:r>
+                    </a:p>
+                  </a:txBody>
+                  <a:tcPr>
+                    <a:lnL w="12700" cap="flat" cmpd="sng" algn="ctr">
+                      <a:solidFill>
+                        <a:schemeClr val="tx1"/>
+                      </a:solidFill>
+                      <a:prstDash val="solid"/>
+                      <a:round/>
+                      <a:headEnd type="none" w="med" len="med"/>
+                      <a:tailEnd type="none" w="med" len="med"/>
+                    </a:lnL>
+                    <a:lnB w="12700" cap="flat" cmpd="sng" algn="ctr">
+                      <a:solidFill>
+                        <a:schemeClr val="tx1"/>
+                      </a:solidFill>
+                      <a:prstDash val="solid"/>
+                      <a:round/>
+                      <a:headEnd type="none" w="med" len="med"/>
+                      <a:tailEnd type="none" w="med" len="med"/>
+                    </a:lnB>
+                  </a:tcPr>
+                </a:tc>
+                <a:tc>
+                  <a:txBody>
+                    <a:bodyPr/>
+                    <a:lstStyle/>
+                    <a:p>
+                      <a:r>
+                        <a:rPr lang="en-SG" sz="1000" b="0" kern="1200" dirty="0">
+                          <a:solidFill>
+                            <a:schemeClr val="dk1"/>
+                          </a:solidFill>
+                          <a:effectLst/>
+                        </a:rPr>
+                        <a:t>SettingActor</a:t>
+                      </a:r>
+                      <a:endParaRPr lang="en-SG" sz="1000" dirty="0"/>
+                    </a:p>
+                  </a:txBody>
+                  <a:tcPr>
+                    <a:lnB w="12700" cap="flat" cmpd="sng" algn="ctr">
+                      <a:solidFill>
+                        <a:schemeClr val="tx1"/>
+                      </a:solidFill>
+                      <a:prstDash val="solid"/>
+                      <a:round/>
+                      <a:headEnd type="none" w="med" len="med"/>
+                      <a:tailEnd type="none" w="med" len="med"/>
+                    </a:lnB>
+                  </a:tcPr>
+                </a:tc>
+                <a:tc>
+                  <a:txBody>
+                    <a:bodyPr/>
+                    <a:lstStyle/>
+                    <a:p>
+                      <a:r>
+                        <a:rPr lang="en-US" sz="1000" dirty="0"/>
+                        <a:t>Change some OS setting (on/off firewall, change display bg, sort desktop, reboot)</a:t>
+                      </a:r>
+                      <a:endParaRPr lang="en-SG" sz="1000" dirty="0"/>
+                    </a:p>
+                  </a:txBody>
+                  <a:tcPr>
+                    <a:lnR w="12700" cap="flat" cmpd="sng" algn="ctr">
+                      <a:solidFill>
+                        <a:schemeClr val="tx1"/>
+                      </a:solidFill>
+                      <a:prstDash val="solid"/>
+                      <a:round/>
+                      <a:headEnd type="none" w="med" len="med"/>
+                      <a:tailEnd type="none" w="med" len="med"/>
+                    </a:lnR>
+                    <a:lnB w="12700" cap="flat" cmpd="sng" algn="ctr">
+                      <a:solidFill>
+                        <a:schemeClr val="tx1"/>
+                      </a:solidFill>
+                      <a:prstDash val="solid"/>
+                      <a:round/>
+                      <a:headEnd type="none" w="med" len="med"/>
+                      <a:tailEnd type="none" w="med" len="med"/>
+                    </a:lnB>
+                  </a:tcPr>
+                </a:tc>
+                <a:extLst>
+                  <a:ext uri="{0D108BD9-81ED-4DB2-BD59-A6C34878D82A}">
+                    <a16:rowId xmlns:a16="http://schemas.microsoft.com/office/drawing/2014/main" val="3476181168"/>
+                  </a:ext>
+                </a:extLst>
+              </a:tr>
+            </a:tbl>
+          </a:graphicData>
+        </a:graphic>
+      </p:graphicFrame>
       <p:sp>
         <p:nvSpPr>
-          <p:cNvPr id="11" name="TextBox 10">
-            <a:extLst>
-              <a:ext uri="{FF2B5EF4-FFF2-40B4-BE49-F238E27FC236}">
-                <a16:creationId xmlns:a16="http://schemas.microsoft.com/office/drawing/2014/main" id="{3F0E355A-FC61-65D3-3012-F75DE5F253DD}"/>
+          <p:cNvPr id="8" name="TextBox 7">
+            <a:extLst>
+              <a:ext uri="{FF2B5EF4-FFF2-40B4-BE49-F238E27FC236}">
+                <a16:creationId xmlns:a16="http://schemas.microsoft.com/office/drawing/2014/main" id="{138EFD8C-376B-7A8F-739A-6047F97BE298}"/>
               </a:ext>
             </a:extLst>
           </p:cNvPr>
@@ -5471,8 +5763,8 @@
         </p:nvSpPr>
         <p:spPr>
           <a:xfrm>
-            <a:off x="315755" y="682923"/>
-            <a:ext cx="3599930" cy="338554"/>
+            <a:off x="259568" y="755026"/>
+            <a:ext cx="4269408" cy="338554"/>
           </a:xfrm>
           <a:prstGeom prst="rect">
             <a:avLst/>
@@ -5487,99 +5779,479 @@
           <a:p>
             <a:r>
               <a:rPr lang="en-US" sz="1600" b="1" dirty="0"/>
-              <a:t>System workflow diagram (old) </a:t>
+              <a:t>System Operation Actors </a:t>
+            </a:r>
+            <a:r>
+              <a:rPr lang="en-SG" sz="1600" b="1" dirty="0"/>
+              <a:t>Repository </a:t>
             </a:r>
           </a:p>
         </p:txBody>
       </p:sp>
-      <p:pic>
-        <p:nvPicPr>
-          <p:cNvPr id="3" name="Picture 2" descr="Timeline&#10;&#10;Description automatically generated">
-            <a:extLst>
-              <a:ext uri="{FF2B5EF4-FFF2-40B4-BE49-F238E27FC236}">
-                <a16:creationId xmlns:a16="http://schemas.microsoft.com/office/drawing/2014/main" id="{76FD506A-C0AE-9574-C404-F411BBFEEFE2}"/>
-              </a:ext>
-            </a:extLst>
-          </p:cNvPr>
-          <p:cNvPicPr>
-            <a:picLocks noChangeAspect="1"/>
-          </p:cNvPicPr>
-          <p:nvPr/>
-        </p:nvPicPr>
-        <p:blipFill>
-          <a:blip r:embed="rId4">
-            <a:extLst>
-              <a:ext uri="{28A0092B-C50C-407E-A947-70E740481C1C}">
-                <a14:useLocalDpi xmlns:a14="http://schemas.microsoft.com/office/drawing/2010/main" val="0"/>
-              </a:ext>
-            </a:extLst>
-          </a:blip>
-          <a:stretch>
-            <a:fillRect/>
-          </a:stretch>
-        </p:blipFill>
-        <p:spPr>
-          <a:xfrm>
-            <a:off x="4664763" y="2236321"/>
-            <a:ext cx="7527236" cy="4234070"/>
-          </a:xfrm>
-          <a:prstGeom prst="rect">
-            <a:avLst/>
-          </a:prstGeom>
-          <a:ln w="12700">
-            <a:solidFill>
-              <a:schemeClr val="tx1"/>
-            </a:solidFill>
-          </a:ln>
-        </p:spPr>
-      </p:pic>
-      <p:cxnSp>
-        <p:nvCxnSpPr>
-          <p:cNvPr id="9" name="Connector: Elbow 8">
-            <a:extLst>
-              <a:ext uri="{FF2B5EF4-FFF2-40B4-BE49-F238E27FC236}">
-                <a16:creationId xmlns:a16="http://schemas.microsoft.com/office/drawing/2014/main" id="{97A19B67-1F9B-BCBF-4D6F-AC9511FD1863}"/>
-              </a:ext>
-            </a:extLst>
-          </p:cNvPr>
-          <p:cNvCxnSpPr/>
-          <p:nvPr/>
-        </p:nvCxnSpPr>
-        <p:spPr>
-          <a:xfrm>
-            <a:off x="4373217" y="1639973"/>
-            <a:ext cx="1421295" cy="596348"/>
-          </a:xfrm>
-          <a:prstGeom prst="bentConnector3">
-            <a:avLst>
-              <a:gd name="adj1" fmla="val 99650"/>
-            </a:avLst>
-          </a:prstGeom>
-          <a:ln w="28575">
-            <a:tailEnd type="triangle"/>
-          </a:ln>
-        </p:spPr>
-        <p:style>
-          <a:lnRef idx="1">
-            <a:schemeClr val="accent1"/>
-          </a:lnRef>
-          <a:fillRef idx="0">
-            <a:schemeClr val="accent1"/>
-          </a:fillRef>
-          <a:effectRef idx="0">
-            <a:schemeClr val="accent1"/>
-          </a:effectRef>
-          <a:fontRef idx="minor">
-            <a:schemeClr val="tx1"/>
-          </a:fontRef>
-        </p:style>
-      </p:cxnSp>
+      <p:graphicFrame>
+        <p:nvGraphicFramePr>
+          <p:cNvPr id="9" name="Table 5">
+            <a:extLst>
+              <a:ext uri="{FF2B5EF4-FFF2-40B4-BE49-F238E27FC236}">
+                <a16:creationId xmlns:a16="http://schemas.microsoft.com/office/drawing/2014/main" id="{C0D742AC-0B12-6BEA-176A-BE437E45E5D3}"/>
+              </a:ext>
+            </a:extLst>
+          </p:cNvPr>
+          <p:cNvGraphicFramePr>
+            <a:graphicFrameLocks noGrp="1"/>
+          </p:cNvGraphicFramePr>
+          <p:nvPr/>
+        </p:nvGraphicFramePr>
+        <p:xfrm>
+          <a:off x="372940" y="3122486"/>
+          <a:ext cx="3548820" cy="2064989"/>
+        </p:xfrm>
+        <a:graphic>
+          <a:graphicData uri="http://schemas.openxmlformats.org/drawingml/2006/table">
+            <a:tbl>
+              <a:tblPr firstRow="1" bandRow="1">
+                <a:tableStyleId>{5C22544A-7EE6-4342-B048-85BDC9FD1C3A}</a:tableStyleId>
+              </a:tblPr>
+              <a:tblGrid>
+                <a:gridCol w="380979">
+                  <a:extLst>
+                    <a:ext uri="{9D8B030D-6E8A-4147-A177-3AD203B41FA5}">
+                      <a16:colId xmlns:a16="http://schemas.microsoft.com/office/drawing/2014/main" val="3380695120"/>
+                    </a:ext>
+                  </a:extLst>
+                </a:gridCol>
+                <a:gridCol w="1006894">
+                  <a:extLst>
+                    <a:ext uri="{9D8B030D-6E8A-4147-A177-3AD203B41FA5}">
+                      <a16:colId xmlns:a16="http://schemas.microsoft.com/office/drawing/2014/main" val="308096956"/>
+                    </a:ext>
+                  </a:extLst>
+                </a:gridCol>
+                <a:gridCol w="2160947">
+                  <a:extLst>
+                    <a:ext uri="{9D8B030D-6E8A-4147-A177-3AD203B41FA5}">
+                      <a16:colId xmlns:a16="http://schemas.microsoft.com/office/drawing/2014/main" val="1115179321"/>
+                    </a:ext>
+                  </a:extLst>
+                </a:gridCol>
+              </a:tblGrid>
+              <a:tr h="353412">
+                <a:tc>
+                  <a:txBody>
+                    <a:bodyPr/>
+                    <a:lstStyle/>
+                    <a:p>
+                      <a:r>
+                        <a:rPr lang="en-SG" sz="1000" dirty="0"/>
+                        <a:t>Index</a:t>
+                      </a:r>
+                    </a:p>
+                  </a:txBody>
+                  <a:tcPr>
+                    <a:lnL w="12700" cap="flat" cmpd="sng" algn="ctr">
+                      <a:solidFill>
+                        <a:schemeClr val="tx1"/>
+                      </a:solidFill>
+                      <a:prstDash val="solid"/>
+                      <a:round/>
+                      <a:headEnd type="none" w="med" len="med"/>
+                      <a:tailEnd type="none" w="med" len="med"/>
+                    </a:lnL>
+                    <a:lnT w="12700" cap="flat" cmpd="sng" algn="ctr">
+                      <a:solidFill>
+                        <a:schemeClr val="tx1"/>
+                      </a:solidFill>
+                      <a:prstDash val="solid"/>
+                      <a:round/>
+                      <a:headEnd type="none" w="med" len="med"/>
+                      <a:tailEnd type="none" w="med" len="med"/>
+                    </a:lnT>
+                  </a:tcPr>
+                </a:tc>
+                <a:tc>
+                  <a:txBody>
+                    <a:bodyPr/>
+                    <a:lstStyle/>
+                    <a:p>
+                      <a:r>
+                        <a:rPr lang="en-SG" sz="1000" dirty="0"/>
+                        <a:t>Actor module name</a:t>
+                      </a:r>
+                    </a:p>
+                  </a:txBody>
+                  <a:tcPr>
+                    <a:lnT w="12700" cap="flat" cmpd="sng" algn="ctr">
+                      <a:solidFill>
+                        <a:schemeClr val="tx1"/>
+                      </a:solidFill>
+                      <a:prstDash val="solid"/>
+                      <a:round/>
+                      <a:headEnd type="none" w="med" len="med"/>
+                      <a:tailEnd type="none" w="med" len="med"/>
+                    </a:lnT>
+                  </a:tcPr>
+                </a:tc>
+                <a:tc>
+                  <a:txBody>
+                    <a:bodyPr/>
+                    <a:lstStyle/>
+                    <a:p>
+                      <a:r>
+                        <a:rPr lang="en-SG" sz="1000" dirty="0"/>
+                        <a:t>Function provided</a:t>
+                      </a:r>
+                    </a:p>
+                  </a:txBody>
+                  <a:tcPr>
+                    <a:lnR w="12700" cap="flat" cmpd="sng" algn="ctr">
+                      <a:solidFill>
+                        <a:schemeClr val="tx1"/>
+                      </a:solidFill>
+                      <a:prstDash val="solid"/>
+                      <a:round/>
+                      <a:headEnd type="none" w="med" len="med"/>
+                      <a:tailEnd type="none" w="med" len="med"/>
+                    </a:lnR>
+                    <a:lnT w="12700" cap="flat" cmpd="sng" algn="ctr">
+                      <a:solidFill>
+                        <a:schemeClr val="tx1"/>
+                      </a:solidFill>
+                      <a:prstDash val="solid"/>
+                      <a:round/>
+                      <a:headEnd type="none" w="med" len="med"/>
+                      <a:tailEnd type="none" w="med" len="med"/>
+                    </a:lnT>
+                  </a:tcPr>
+                </a:tc>
+                <a:extLst>
+                  <a:ext uri="{0D108BD9-81ED-4DB2-BD59-A6C34878D82A}">
+                    <a16:rowId xmlns:a16="http://schemas.microsoft.com/office/drawing/2014/main" val="896556790"/>
+                  </a:ext>
+                </a:extLst>
+              </a:tr>
+              <a:tr h="522857">
+                <a:tc>
+                  <a:txBody>
+                    <a:bodyPr/>
+                    <a:lstStyle/>
+                    <a:p>
+                      <a:r>
+                        <a:rPr lang="en-SG" sz="1000" dirty="0"/>
+                        <a:t>1</a:t>
+                      </a:r>
+                    </a:p>
+                  </a:txBody>
+                  <a:tcPr>
+                    <a:lnL w="12700" cap="flat" cmpd="sng" algn="ctr">
+                      <a:solidFill>
+                        <a:schemeClr val="tx1"/>
+                      </a:solidFill>
+                      <a:prstDash val="solid"/>
+                      <a:round/>
+                      <a:headEnd type="none" w="med" len="med"/>
+                      <a:tailEnd type="none" w="med" len="med"/>
+                    </a:lnL>
+                  </a:tcPr>
+                </a:tc>
+                <a:tc>
+                  <a:txBody>
+                    <a:bodyPr/>
+                    <a:lstStyle/>
+                    <a:p>
+                      <a:r>
+                        <a:rPr lang="en-SG" sz="1000" b="0" kern="1200" dirty="0">
+                          <a:solidFill>
+                            <a:schemeClr val="dk1"/>
+                          </a:solidFill>
+                          <a:effectLst/>
+                        </a:rPr>
+                        <a:t>SerialConnector</a:t>
+                      </a:r>
+                      <a:endParaRPr lang="en-SG" sz="1000" dirty="0"/>
+                    </a:p>
+                  </a:txBody>
+                  <a:tcPr/>
+                </a:tc>
+                <a:tc>
+                  <a:txBody>
+                    <a:bodyPr/>
+                    <a:lstStyle/>
+                    <a:p>
+                      <a:r>
+                        <a:rPr lang="en-US" sz="1000" b="0" kern="1200" dirty="0">
+                          <a:solidFill>
+                            <a:schemeClr val="dk1"/>
+                          </a:solidFill>
+                          <a:effectLst/>
+                        </a:rPr>
+                        <a:t>Send and read message to/from COM port.</a:t>
+                      </a:r>
+                      <a:endParaRPr lang="en-SG" sz="1000" dirty="0"/>
+                    </a:p>
+                  </a:txBody>
+                  <a:tcPr>
+                    <a:lnR w="12700" cap="flat" cmpd="sng" algn="ctr">
+                      <a:solidFill>
+                        <a:schemeClr val="tx1"/>
+                      </a:solidFill>
+                      <a:prstDash val="solid"/>
+                      <a:round/>
+                      <a:headEnd type="none" w="med" len="med"/>
+                      <a:tailEnd type="none" w="med" len="med"/>
+                    </a:lnR>
+                  </a:tcPr>
+                </a:tc>
+                <a:extLst>
+                  <a:ext uri="{0D108BD9-81ED-4DB2-BD59-A6C34878D82A}">
+                    <a16:rowId xmlns:a16="http://schemas.microsoft.com/office/drawing/2014/main" val="553099790"/>
+                  </a:ext>
+                </a:extLst>
+              </a:tr>
+              <a:tr h="353412">
+                <a:tc>
+                  <a:txBody>
+                    <a:bodyPr/>
+                    <a:lstStyle/>
+                    <a:p>
+                      <a:r>
+                        <a:rPr lang="en-SG" sz="1000" dirty="0"/>
+                        <a:t>2</a:t>
+                      </a:r>
+                    </a:p>
+                  </a:txBody>
+                  <a:tcPr>
+                    <a:lnL w="12700" cap="flat" cmpd="sng" algn="ctr">
+                      <a:solidFill>
+                        <a:schemeClr val="tx1"/>
+                      </a:solidFill>
+                      <a:prstDash val="solid"/>
+                      <a:round/>
+                      <a:headEnd type="none" w="med" len="med"/>
+                      <a:tailEnd type="none" w="med" len="med"/>
+                    </a:lnL>
+                  </a:tcPr>
+                </a:tc>
+                <a:tc>
+                  <a:txBody>
+                    <a:bodyPr/>
+                    <a:lstStyle/>
+                    <a:p>
+                      <a:r>
+                        <a:rPr lang="en-SG" sz="1000" b="0" kern="1200" dirty="0">
+                          <a:solidFill>
+                            <a:schemeClr val="dk1"/>
+                          </a:solidFill>
+                          <a:effectLst/>
+                        </a:rPr>
+                        <a:t>camEchoServer</a:t>
+                      </a:r>
+                      <a:endParaRPr lang="en-SG" sz="1000" dirty="0"/>
+                    </a:p>
+                  </a:txBody>
+                  <a:tcPr/>
+                </a:tc>
+                <a:tc>
+                  <a:txBody>
+                    <a:bodyPr/>
+                    <a:lstStyle/>
+                    <a:p>
+                      <a:r>
+                        <a:rPr lang="en-US" sz="1000" dirty="0"/>
+                        <a:t>Computer built in camera/usb camera video read record. Start a HLS server.</a:t>
+                      </a:r>
+                      <a:endParaRPr lang="en-SG" sz="1000" dirty="0"/>
+                    </a:p>
+                  </a:txBody>
+                  <a:tcPr>
+                    <a:lnR w="12700" cap="flat" cmpd="sng" algn="ctr">
+                      <a:solidFill>
+                        <a:schemeClr val="tx1"/>
+                      </a:solidFill>
+                      <a:prstDash val="solid"/>
+                      <a:round/>
+                      <a:headEnd type="none" w="med" len="med"/>
+                      <a:tailEnd type="none" w="med" len="med"/>
+                    </a:lnR>
+                  </a:tcPr>
+                </a:tc>
+                <a:extLst>
+                  <a:ext uri="{0D108BD9-81ED-4DB2-BD59-A6C34878D82A}">
+                    <a16:rowId xmlns:a16="http://schemas.microsoft.com/office/drawing/2014/main" val="3476181168"/>
+                  </a:ext>
+                </a:extLst>
+              </a:tr>
+              <a:tr h="353412">
+                <a:tc>
+                  <a:txBody>
+                    <a:bodyPr/>
+                    <a:lstStyle/>
+                    <a:p>
+                      <a:r>
+                        <a:rPr lang="en-SG" sz="1000" dirty="0"/>
+                        <a:t>3</a:t>
+                      </a:r>
+                    </a:p>
+                  </a:txBody>
+                  <a:tcPr>
+                    <a:lnL w="12700" cap="flat" cmpd="sng" algn="ctr">
+                      <a:solidFill>
+                        <a:schemeClr val="tx1"/>
+                      </a:solidFill>
+                      <a:prstDash val="solid"/>
+                      <a:round/>
+                      <a:headEnd type="none" w="med" len="med"/>
+                      <a:tailEnd type="none" w="med" len="med"/>
+                    </a:lnL>
+                  </a:tcPr>
+                </a:tc>
+                <a:tc>
+                  <a:txBody>
+                    <a:bodyPr/>
+                    <a:lstStyle/>
+                    <a:p>
+                      <a:r>
+                        <a:rPr lang="en-SG" sz="1000" dirty="0"/>
+                        <a:t>ScreanRecorder</a:t>
+                      </a:r>
+                    </a:p>
+                  </a:txBody>
+                  <a:tcPr/>
+                </a:tc>
+                <a:tc>
+                  <a:txBody>
+                    <a:bodyPr/>
+                    <a:lstStyle/>
+                    <a:p>
+                      <a:r>
+                        <a:rPr lang="en-US" sz="1000" dirty="0"/>
+                        <a:t>snapshot the screen under frequency.</a:t>
+                      </a:r>
+                      <a:endParaRPr lang="en-SG" sz="1000" dirty="0"/>
+                    </a:p>
+                  </a:txBody>
+                  <a:tcPr>
+                    <a:lnR w="12700" cap="flat" cmpd="sng" algn="ctr">
+                      <a:solidFill>
+                        <a:schemeClr val="tx1"/>
+                      </a:solidFill>
+                      <a:prstDash val="solid"/>
+                      <a:round/>
+                      <a:headEnd type="none" w="med" len="med"/>
+                      <a:tailEnd type="none" w="med" len="med"/>
+                    </a:lnR>
+                  </a:tcPr>
+                </a:tc>
+                <a:extLst>
+                  <a:ext uri="{0D108BD9-81ED-4DB2-BD59-A6C34878D82A}">
+                    <a16:rowId xmlns:a16="http://schemas.microsoft.com/office/drawing/2014/main" val="3794426225"/>
+                  </a:ext>
+                </a:extLst>
+              </a:tr>
+              <a:tr h="353412">
+                <a:tc>
+                  <a:txBody>
+                    <a:bodyPr/>
+                    <a:lstStyle/>
+                    <a:p>
+                      <a:r>
+                        <a:rPr lang="en-SG" sz="1000" dirty="0"/>
+                        <a:t>4</a:t>
+                      </a:r>
+                    </a:p>
+                  </a:txBody>
+                  <a:tcPr>
+                    <a:lnL w="12700" cap="flat" cmpd="sng" algn="ctr">
+                      <a:solidFill>
+                        <a:schemeClr val="tx1"/>
+                      </a:solidFill>
+                      <a:prstDash val="solid"/>
+                      <a:round/>
+                      <a:headEnd type="none" w="med" len="med"/>
+                      <a:tailEnd type="none" w="med" len="med"/>
+                    </a:lnL>
+                    <a:lnB w="12700" cap="flat" cmpd="sng" algn="ctr">
+                      <a:solidFill>
+                        <a:schemeClr val="tx1"/>
+                      </a:solidFill>
+                      <a:prstDash val="solid"/>
+                      <a:round/>
+                      <a:headEnd type="none" w="med" len="med"/>
+                      <a:tailEnd type="none" w="med" len="med"/>
+                    </a:lnB>
+                  </a:tcPr>
+                </a:tc>
+                <a:tc>
+                  <a:txBody>
+                    <a:bodyPr/>
+                    <a:lstStyle/>
+                    <a:p>
+                      <a:r>
+                        <a:rPr lang="en-SG" sz="1000" dirty="0"/>
+                        <a:t>DBHandler</a:t>
+                      </a:r>
+                    </a:p>
+                  </a:txBody>
+                  <a:tcPr>
+                    <a:lnB w="12700" cap="flat" cmpd="sng" algn="ctr">
+                      <a:solidFill>
+                        <a:schemeClr val="tx1"/>
+                      </a:solidFill>
+                      <a:prstDash val="solid"/>
+                      <a:round/>
+                      <a:headEnd type="none" w="med" len="med"/>
+                      <a:tailEnd type="none" w="med" len="med"/>
+                    </a:lnB>
+                  </a:tcPr>
+                </a:tc>
+                <a:tc>
+                  <a:txBody>
+                    <a:bodyPr/>
+                    <a:lstStyle/>
+                    <a:p>
+                      <a:r>
+                        <a:rPr lang="en-US" sz="1000" dirty="0"/>
+                        <a:t>DataBase (SQLite3, influxDB, arangodb) access action simulator.</a:t>
+                      </a:r>
+                      <a:endParaRPr lang="en-SG" sz="1000" dirty="0"/>
+                    </a:p>
+                  </a:txBody>
+                  <a:tcPr>
+                    <a:lnR w="12700" cap="flat" cmpd="sng" algn="ctr">
+                      <a:solidFill>
+                        <a:schemeClr val="tx1"/>
+                      </a:solidFill>
+                      <a:prstDash val="solid"/>
+                      <a:round/>
+                      <a:headEnd type="none" w="med" len="med"/>
+                      <a:tailEnd type="none" w="med" len="med"/>
+                    </a:lnR>
+                    <a:lnB w="12700" cap="flat" cmpd="sng" algn="ctr">
+                      <a:solidFill>
+                        <a:schemeClr val="tx1"/>
+                      </a:solidFill>
+                      <a:prstDash val="solid"/>
+                      <a:round/>
+                      <a:headEnd type="none" w="med" len="med"/>
+                      <a:tailEnd type="none" w="med" len="med"/>
+                    </a:lnB>
+                  </a:tcPr>
+                </a:tc>
+                <a:extLst>
+                  <a:ext uri="{0D108BD9-81ED-4DB2-BD59-A6C34878D82A}">
+                    <a16:rowId xmlns:a16="http://schemas.microsoft.com/office/drawing/2014/main" val="3781525643"/>
+                  </a:ext>
+                </a:extLst>
+              </a:tr>
+            </a:tbl>
+          </a:graphicData>
+        </a:graphic>
+      </p:graphicFrame>
       <p:sp>
         <p:nvSpPr>
-          <p:cNvPr id="14" name="TextBox 13">
-            <a:extLst>
-              <a:ext uri="{FF2B5EF4-FFF2-40B4-BE49-F238E27FC236}">
-                <a16:creationId xmlns:a16="http://schemas.microsoft.com/office/drawing/2014/main" id="{33A3B9DA-860D-6767-0D01-9544927397E4}"/>
+          <p:cNvPr id="10" name="TextBox 9">
+            <a:extLst>
+              <a:ext uri="{FF2B5EF4-FFF2-40B4-BE49-F238E27FC236}">
+                <a16:creationId xmlns:a16="http://schemas.microsoft.com/office/drawing/2014/main" id="{DABC52E8-651F-68A0-4FD1-0C1389D4F432}"/>
               </a:ext>
             </a:extLst>
           </p:cNvPr>
@@ -5588,8 +6260,8 @@
         </p:nvSpPr>
         <p:spPr>
           <a:xfrm>
-            <a:off x="5864086" y="1702223"/>
-            <a:ext cx="3599930" cy="338554"/>
+            <a:off x="259568" y="2670028"/>
+            <a:ext cx="4269408" cy="338554"/>
           </a:xfrm>
           <a:prstGeom prst="rect">
             <a:avLst/>
@@ -5603,85 +6275,28 @@
           <a:lstStyle/>
           <a:p>
             <a:r>
-              <a:rPr lang="en-US" sz="1600" b="1" dirty="0"/>
-              <a:t>System workflow diagram (Current) </a:t>
+              <a:rPr lang="en-SG" sz="1600" b="1" dirty="0"/>
+              <a:t>Other Action Repository</a:t>
             </a:r>
           </a:p>
         </p:txBody>
       </p:sp>
       <p:sp>
         <p:nvSpPr>
-          <p:cNvPr id="15" name="Rectangle 14">
-            <a:extLst>
-              <a:ext uri="{FF2B5EF4-FFF2-40B4-BE49-F238E27FC236}">
-                <a16:creationId xmlns:a16="http://schemas.microsoft.com/office/drawing/2014/main" id="{182A3384-A5FD-A59D-7B50-1974EE7A5A56}"/>
-              </a:ext>
-            </a:extLst>
-          </p:cNvPr>
-          <p:cNvSpPr/>
+          <p:cNvPr id="2" name="TextBox 1">
+            <a:extLst>
+              <a:ext uri="{FF2B5EF4-FFF2-40B4-BE49-F238E27FC236}">
+                <a16:creationId xmlns:a16="http://schemas.microsoft.com/office/drawing/2014/main" id="{94E06D7B-D6E9-8DFE-3944-24B0157E4E43}"/>
+              </a:ext>
+            </a:extLst>
+          </p:cNvPr>
+          <p:cNvSpPr txBox="1"/>
           <p:nvPr/>
         </p:nvSpPr>
         <p:spPr>
           <a:xfrm>
-            <a:off x="7851913" y="2971800"/>
-            <a:ext cx="1550504" cy="2673626"/>
-          </a:xfrm>
-          <a:prstGeom prst="rect">
-            <a:avLst/>
-          </a:prstGeom>
-          <a:noFill/>
-          <a:ln w="28575">
-            <a:solidFill>
-              <a:srgbClr val="FF0000"/>
-            </a:solidFill>
-            <a:prstDash val="sysDot"/>
-          </a:ln>
-        </p:spPr>
-        <p:style>
-          <a:lnRef idx="2">
-            <a:schemeClr val="accent1">
-              <a:shade val="50000"/>
-            </a:schemeClr>
-          </a:lnRef>
-          <a:fillRef idx="1">
-            <a:schemeClr val="accent1"/>
-          </a:fillRef>
-          <a:effectRef idx="0">
-            <a:schemeClr val="accent1"/>
-          </a:effectRef>
-          <a:fontRef idx="minor">
-            <a:schemeClr val="lt1"/>
-          </a:fontRef>
-        </p:style>
-        <p:txBody>
-          <a:bodyPr rtlCol="0" anchor="ctr"/>
-          <a:lstStyle/>
-          <a:p>
-            <a:pPr algn="ctr"/>
-            <a:endParaRPr lang="en-SG" dirty="0">
-              <a:solidFill>
-                <a:srgbClr val="FF0000"/>
-              </a:solidFill>
-            </a:endParaRPr>
-          </a:p>
-        </p:txBody>
-      </p:sp>
-      <p:sp>
-        <p:nvSpPr>
-          <p:cNvPr id="16" name="TextBox 15">
-            <a:extLst>
-              <a:ext uri="{FF2B5EF4-FFF2-40B4-BE49-F238E27FC236}">
-                <a16:creationId xmlns:a16="http://schemas.microsoft.com/office/drawing/2014/main" id="{3ADC4CFC-CE6F-274D-4049-06121D09B80A}"/>
-              </a:ext>
-            </a:extLst>
-          </p:cNvPr>
-          <p:cNvSpPr txBox="1"/>
-          <p:nvPr/>
-        </p:nvSpPr>
-        <p:spPr>
-          <a:xfrm>
-            <a:off x="7851913" y="2710190"/>
-            <a:ext cx="2033768" cy="261610"/>
+            <a:off x="4519590" y="743663"/>
+            <a:ext cx="4269408" cy="338554"/>
           </a:xfrm>
           <a:prstGeom prst="rect">
             <a:avLst/>
@@ -5695,27 +6310,58 @@
           <a:lstStyle/>
           <a:p>
             <a:r>
-              <a:rPr lang="en-US" sz="1100" b="1" dirty="0">
-                <a:solidFill>
-                  <a:srgbClr val="C00000"/>
-                </a:solidFill>
-              </a:rPr>
-              <a:t>New DB-history recover feature</a:t>
-            </a:r>
-            <a:endParaRPr lang="en-SG" sz="1100" b="1" dirty="0">
-              <a:solidFill>
-                <a:srgbClr val="C00000"/>
-              </a:solidFill>
-            </a:endParaRPr>
+              <a:rPr lang="en-SG" sz="1600" b="1" dirty="0"/>
+              <a:t>User’s Action monitor web:</a:t>
+            </a:r>
           </a:p>
         </p:txBody>
       </p:sp>
+      <p:pic>
+        <p:nvPicPr>
+          <p:cNvPr id="12" name="Picture 11" descr="A screenshot of a computer&#10;&#10;Description automatically generated">
+            <a:extLst>
+              <a:ext uri="{FF2B5EF4-FFF2-40B4-BE49-F238E27FC236}">
+                <a16:creationId xmlns:a16="http://schemas.microsoft.com/office/drawing/2014/main" id="{BF37BF6A-DEF8-9A7D-19A7-30130330F815}"/>
+              </a:ext>
+            </a:extLst>
+          </p:cNvPr>
+          <p:cNvPicPr>
+            <a:picLocks noChangeAspect="1"/>
+          </p:cNvPicPr>
+          <p:nvPr/>
+        </p:nvPicPr>
+        <p:blipFill rotWithShape="1">
+          <a:blip r:embed="rId3">
+            <a:extLst>
+              <a:ext uri="{28A0092B-C50C-407E-A947-70E740481C1C}">
+                <a14:useLocalDpi xmlns:a14="http://schemas.microsoft.com/office/drawing/2010/main" val="0"/>
+              </a:ext>
+            </a:extLst>
+          </a:blip>
+          <a:srcRect b="5440"/>
+          <a:stretch/>
+        </p:blipFill>
+        <p:spPr>
+          <a:xfrm>
+            <a:off x="4528976" y="1204137"/>
+            <a:ext cx="7482532" cy="3979972"/>
+          </a:xfrm>
+          <a:prstGeom prst="rect">
+            <a:avLst/>
+          </a:prstGeom>
+          <a:ln w="3175">
+            <a:solidFill>
+              <a:schemeClr val="tx1"/>
+            </a:solidFill>
+          </a:ln>
+        </p:spPr>
+      </p:pic>
       <p:sp>
         <p:nvSpPr>
-          <p:cNvPr id="17" name="TextBox 16">
-            <a:extLst>
-              <a:ext uri="{FF2B5EF4-FFF2-40B4-BE49-F238E27FC236}">
-                <a16:creationId xmlns:a16="http://schemas.microsoft.com/office/drawing/2014/main" id="{B81F8B59-8DA7-D543-DBEA-CA16950DCCD3}"/>
+          <p:cNvPr id="13" name="TextBox 12">
+            <a:extLst>
+              <a:ext uri="{FF2B5EF4-FFF2-40B4-BE49-F238E27FC236}">
+                <a16:creationId xmlns:a16="http://schemas.microsoft.com/office/drawing/2014/main" id="{386AD3BF-2C15-9716-3262-FD64E58EB5A2}"/>
               </a:ext>
             </a:extLst>
           </p:cNvPr>
@@ -5724,8 +6370,8 @@
         </p:nvSpPr>
         <p:spPr>
           <a:xfrm>
-            <a:off x="205398" y="3652102"/>
-            <a:ext cx="4384712" cy="3200876"/>
+            <a:off x="259568" y="5326561"/>
+            <a:ext cx="8880788" cy="1323439"/>
           </a:xfrm>
           <a:prstGeom prst="rect">
             <a:avLst/>
@@ -5739,114 +6385,56 @@
           <a:lstStyle/>
           <a:p>
             <a:r>
-              <a:rPr lang="en-US" sz="1600" b="1" dirty="0"/>
-              <a:t>D</a:t>
-            </a:r>
-            <a:r>
               <a:rPr lang="en-SG" sz="1600" b="1" dirty="0"/>
-              <a:t>B-history recovery feature.</a:t>
-            </a:r>
-          </a:p>
-          <a:p>
-            <a:endParaRPr lang="en-SG" sz="1600" b="1" dirty="0"/>
-          </a:p>
-          <a:p>
-            <a:r>
-              <a:rPr lang="en-SG" sz="1400" b="1" dirty="0"/>
-              <a:t>Case 1 [ scheduler auto run over midnight]: </a:t>
-            </a:r>
-            <a:r>
-              <a:rPr lang="en-SG" sz="1400" dirty="0"/>
-              <a:t>At 00:01 am create new state table, recover yesterday DB user’s  setting (such as deactivate tasks) into new DB state table.</a:t>
-            </a:r>
-          </a:p>
-          <a:p>
-            <a:endParaRPr lang="en-SG" sz="1400" b="1" dirty="0"/>
-          </a:p>
-          <a:p>
-            <a:r>
-              <a:rPr lang="en-SG" sz="1400" b="1" dirty="0"/>
-              <a:t>Case 2 [ User start the scheduler 1</a:t>
-            </a:r>
-            <a:r>
-              <a:rPr lang="en-SG" sz="1400" b="1" baseline="30000" dirty="0"/>
-              <a:t>st</a:t>
-            </a:r>
-            <a:r>
-              <a:rPr lang="en-SG" sz="1400" b="1" dirty="0"/>
-              <a:t> time today]: </a:t>
-            </a:r>
-            <a:r>
-              <a:rPr lang="en-SG" sz="1400" dirty="0"/>
-              <a:t>Load yesterday state table based on user’s recover flag setting. Built new state table, recover the user setting. </a:t>
-            </a:r>
-          </a:p>
-          <a:p>
-            <a:endParaRPr lang="en-SG" sz="1400" b="1" dirty="0"/>
-          </a:p>
-          <a:p>
-            <a:r>
-              <a:rPr lang="en-SG" sz="1400" b="1" dirty="0"/>
-              <a:t>Case 3 [ User start the scheduler again (not the 1</a:t>
-            </a:r>
-            <a:r>
-              <a:rPr lang="en-SG" sz="1400" b="1" baseline="30000" dirty="0"/>
-              <a:t>st</a:t>
-            </a:r>
-            <a:r>
-              <a:rPr lang="en-SG" sz="1400" b="1" dirty="0"/>
-              <a:t> time) in one day]: </a:t>
-            </a:r>
-            <a:r>
-              <a:rPr lang="en-SG" sz="1400" dirty="0"/>
-              <a:t>Assume the scheduler is closed by user because some reason, load the state from the DB to recovery the program state to the time point. </a:t>
+              <a:t>Emulator’s action monitor web feature: </a:t>
+            </a:r>
+          </a:p>
+          <a:p>
+            <a:pPr marL="285750" indent="-285750">
+              <a:buFont typeface="Arial" panose="020B0604020202020204" pitchFamily="34" charset="0"/>
+              <a:buChar char="•"/>
+            </a:pPr>
+            <a:r>
+              <a:rPr lang="en-SG" sz="1600" dirty="0"/>
+              <a:t>User can monitor the scheduled actions(events) execution state from the monitor Web. </a:t>
+            </a:r>
+          </a:p>
+          <a:p>
+            <a:pPr marL="285750" indent="-285750">
+              <a:buFont typeface="Arial" panose="020B0604020202020204" pitchFamily="34" charset="0"/>
+              <a:buChar char="•"/>
+            </a:pPr>
+            <a:r>
+              <a:rPr lang="en-SG" sz="1600" dirty="0"/>
+              <a:t>User can remove/deactivate the action from the web. </a:t>
+            </a:r>
+          </a:p>
+          <a:p>
+            <a:pPr marL="285750" indent="-285750">
+              <a:buFont typeface="Arial" panose="020B0604020202020204" pitchFamily="34" charset="0"/>
+              <a:buChar char="•"/>
+            </a:pPr>
+            <a:r>
+              <a:rPr lang="en-SG" sz="1600" dirty="0"/>
+              <a:t>The web provide regular action (daily/weekly action) and random action monitoring. </a:t>
+            </a:r>
+          </a:p>
+          <a:p>
+            <a:pPr marL="285750" indent="-285750">
+              <a:buFont typeface="Arial" panose="020B0604020202020204" pitchFamily="34" charset="0"/>
+              <a:buChar char="•"/>
+            </a:pPr>
+            <a:r>
+              <a:rPr lang="en-SG" sz="1600"/>
+              <a:t>(Under </a:t>
+            </a:r>
+            <a:r>
+              <a:rPr lang="en-SG" sz="1600" dirty="0"/>
+              <a:t>development) user can add new action/edit the actions from the Web interface</a:t>
             </a:r>
             <a:r>
               <a:rPr lang="en-SG" sz="1600" b="1" dirty="0"/>
-              <a:t> </a:t>
-            </a:r>
-          </a:p>
-        </p:txBody>
-      </p:sp>
-      <p:sp>
-        <p:nvSpPr>
-          <p:cNvPr id="19" name="TextBox 18">
-            <a:extLst>
-              <a:ext uri="{FF2B5EF4-FFF2-40B4-BE49-F238E27FC236}">
-                <a16:creationId xmlns:a16="http://schemas.microsoft.com/office/drawing/2014/main" id="{50735573-25A7-2A60-BAFD-93512C756D26}"/>
-              </a:ext>
-            </a:extLst>
-          </p:cNvPr>
-          <p:cNvSpPr txBox="1"/>
-          <p:nvPr/>
-        </p:nvSpPr>
-        <p:spPr>
-          <a:xfrm>
-            <a:off x="6397490" y="449108"/>
-            <a:ext cx="5836699" cy="1169551"/>
-          </a:xfrm>
-          <a:prstGeom prst="rect">
-            <a:avLst/>
-          </a:prstGeom>
-          <a:noFill/>
-        </p:spPr>
-        <p:txBody>
-          <a:bodyPr wrap="square" rtlCol="0">
-            <a:spAutoFit/>
-          </a:bodyPr>
-          <a:lstStyle/>
-          <a:p>
-            <a:pPr algn="just"/>
-            <a:r>
-              <a:rPr lang="en-US" sz="1400" b="1" dirty="0"/>
-              <a:t>Why we need the history recovery feature ? </a:t>
-            </a:r>
-          </a:p>
-          <a:p>
-            <a:pPr algn="just"/>
-            <a:r>
-              <a:rPr lang="en-SG" sz="1400" dirty="0"/>
-              <a:t>Assume task-2 [running on 10:00 am] needs task-1 [running on 09:00 am] to be executed successfully, if the computer reboot at 9:45 am, then user re-run scheduler at 9:50, the scheduler needs to auto recover its tasks state to the time point 9:45 am to decide whether execute task-2. </a:t>
+              <a:t>. </a:t>
             </a:r>
           </a:p>
         </p:txBody>
@@ -5854,7 +6442,7 @@
     </p:spTree>
     <p:extLst>
       <p:ext uri="{BB962C8B-B14F-4D97-AF65-F5344CB8AC3E}">
-        <p14:creationId xmlns:p14="http://schemas.microsoft.com/office/powerpoint/2010/main" val="2275827904"/>
+        <p14:creationId xmlns:p14="http://schemas.microsoft.com/office/powerpoint/2010/main" val="2724637396"/>
       </p:ext>
     </p:extLst>
   </p:cSld>
@@ -5883,6 +6471,560 @@
       </p:grpSpPr>
       <p:sp>
         <p:nvSpPr>
+          <p:cNvPr id="4" name="TextBox 3">
+            <a:extLst>
+              <a:ext uri="{FF2B5EF4-FFF2-40B4-BE49-F238E27FC236}">
+                <a16:creationId xmlns:a16="http://schemas.microsoft.com/office/drawing/2014/main" id="{DD319421-850C-B862-91CA-94B309913F88}"/>
+              </a:ext>
+            </a:extLst>
+          </p:cNvPr>
+          <p:cNvSpPr txBox="1"/>
+          <p:nvPr/>
+        </p:nvSpPr>
+        <p:spPr>
+          <a:xfrm>
+            <a:off x="0" y="-12557"/>
+            <a:ext cx="12191999" cy="461665"/>
+          </a:xfrm>
+          <a:prstGeom prst="rect">
+            <a:avLst/>
+          </a:prstGeom>
+          <a:solidFill>
+            <a:schemeClr val="accent1">
+              <a:lumMod val="75000"/>
+            </a:schemeClr>
+          </a:solidFill>
+          <a:ln>
+            <a:solidFill>
+              <a:schemeClr val="tx1"/>
+            </a:solidFill>
+          </a:ln>
+        </p:spPr>
+        <p:txBody>
+          <a:bodyPr wrap="square" rtlCol="0">
+            <a:spAutoFit/>
+          </a:bodyPr>
+          <a:lstStyle/>
+          <a:p>
+            <a:r>
+              <a:rPr lang="en-SG" sz="2400" dirty="0">
+                <a:solidFill>
+                  <a:schemeClr val="bg1"/>
+                </a:solidFill>
+              </a:rPr>
+              <a:t>User Action Emulator [System Design improvement]  </a:t>
+            </a:r>
+            <a:endParaRPr lang="en-SG" sz="2400" dirty="0">
+              <a:solidFill>
+                <a:srgbClr val="FF0000"/>
+              </a:solidFill>
+            </a:endParaRPr>
+          </a:p>
+        </p:txBody>
+      </p:sp>
+      <p:pic>
+        <p:nvPicPr>
+          <p:cNvPr id="5" name="Picture 4" descr="Graphical user interface, text&#10;&#10;Description automatically generated with medium confidence">
+            <a:extLst>
+              <a:ext uri="{FF2B5EF4-FFF2-40B4-BE49-F238E27FC236}">
+                <a16:creationId xmlns:a16="http://schemas.microsoft.com/office/drawing/2014/main" id="{9377C686-F64B-D611-CFA6-6D7DE4AAE440}"/>
+              </a:ext>
+            </a:extLst>
+          </p:cNvPr>
+          <p:cNvPicPr>
+            <a:picLocks noChangeAspect="1"/>
+          </p:cNvPicPr>
+          <p:nvPr/>
+        </p:nvPicPr>
+        <p:blipFill>
+          <a:blip r:embed="rId2">
+            <a:extLst>
+              <a:ext uri="{28A0092B-C50C-407E-A947-70E740481C1C}">
+                <a14:useLocalDpi xmlns:a14="http://schemas.microsoft.com/office/drawing/2010/main" val="0"/>
+              </a:ext>
+            </a:extLst>
+          </a:blip>
+          <a:stretch>
+            <a:fillRect/>
+          </a:stretch>
+        </p:blipFill>
+        <p:spPr>
+          <a:xfrm>
+            <a:off x="10527245" y="53310"/>
+            <a:ext cx="1598494" cy="348275"/>
+          </a:xfrm>
+          <a:prstGeom prst="rect">
+            <a:avLst/>
+          </a:prstGeom>
+        </p:spPr>
+      </p:pic>
+      <p:pic>
+        <p:nvPicPr>
+          <p:cNvPr id="7" name="Picture 6" descr="Diagram, timeline&#10;&#10;Description automatically generated">
+            <a:extLst>
+              <a:ext uri="{FF2B5EF4-FFF2-40B4-BE49-F238E27FC236}">
+                <a16:creationId xmlns:a16="http://schemas.microsoft.com/office/drawing/2014/main" id="{63B418EE-6954-8309-B714-CF075A2A311D}"/>
+              </a:ext>
+            </a:extLst>
+          </p:cNvPr>
+          <p:cNvPicPr>
+            <a:picLocks noChangeAspect="1"/>
+          </p:cNvPicPr>
+          <p:nvPr/>
+        </p:nvPicPr>
+        <p:blipFill>
+          <a:blip r:embed="rId3">
+            <a:extLst>
+              <a:ext uri="{28A0092B-C50C-407E-A947-70E740481C1C}">
+                <a14:useLocalDpi xmlns:a14="http://schemas.microsoft.com/office/drawing/2010/main" val="0"/>
+              </a:ext>
+            </a:extLst>
+          </a:blip>
+          <a:stretch>
+            <a:fillRect/>
+          </a:stretch>
+        </p:blipFill>
+        <p:spPr>
+          <a:xfrm>
+            <a:off x="315755" y="1408915"/>
+            <a:ext cx="3987888" cy="2243187"/>
+          </a:xfrm>
+          <a:prstGeom prst="rect">
+            <a:avLst/>
+          </a:prstGeom>
+          <a:ln w="6350">
+            <a:solidFill>
+              <a:schemeClr val="tx1"/>
+            </a:solidFill>
+          </a:ln>
+        </p:spPr>
+      </p:pic>
+      <p:sp>
+        <p:nvSpPr>
+          <p:cNvPr id="11" name="TextBox 10">
+            <a:extLst>
+              <a:ext uri="{FF2B5EF4-FFF2-40B4-BE49-F238E27FC236}">
+                <a16:creationId xmlns:a16="http://schemas.microsoft.com/office/drawing/2014/main" id="{3F0E355A-FC61-65D3-3012-F75DE5F253DD}"/>
+              </a:ext>
+            </a:extLst>
+          </p:cNvPr>
+          <p:cNvSpPr txBox="1"/>
+          <p:nvPr/>
+        </p:nvSpPr>
+        <p:spPr>
+          <a:xfrm>
+            <a:off x="315755" y="682923"/>
+            <a:ext cx="3599930" cy="338554"/>
+          </a:xfrm>
+          <a:prstGeom prst="rect">
+            <a:avLst/>
+          </a:prstGeom>
+          <a:noFill/>
+        </p:spPr>
+        <p:txBody>
+          <a:bodyPr wrap="square" rtlCol="0">
+            <a:spAutoFit/>
+          </a:bodyPr>
+          <a:lstStyle/>
+          <a:p>
+            <a:r>
+              <a:rPr lang="en-US" sz="1600" b="1" dirty="0"/>
+              <a:t>System workflow diagram (old) </a:t>
+            </a:r>
+          </a:p>
+        </p:txBody>
+      </p:sp>
+      <p:pic>
+        <p:nvPicPr>
+          <p:cNvPr id="3" name="Picture 2" descr="Timeline&#10;&#10;Description automatically generated">
+            <a:extLst>
+              <a:ext uri="{FF2B5EF4-FFF2-40B4-BE49-F238E27FC236}">
+                <a16:creationId xmlns:a16="http://schemas.microsoft.com/office/drawing/2014/main" id="{76FD506A-C0AE-9574-C404-F411BBFEEFE2}"/>
+              </a:ext>
+            </a:extLst>
+          </p:cNvPr>
+          <p:cNvPicPr>
+            <a:picLocks noChangeAspect="1"/>
+          </p:cNvPicPr>
+          <p:nvPr/>
+        </p:nvPicPr>
+        <p:blipFill>
+          <a:blip r:embed="rId4">
+            <a:extLst>
+              <a:ext uri="{28A0092B-C50C-407E-A947-70E740481C1C}">
+                <a14:useLocalDpi xmlns:a14="http://schemas.microsoft.com/office/drawing/2010/main" val="0"/>
+              </a:ext>
+            </a:extLst>
+          </a:blip>
+          <a:stretch>
+            <a:fillRect/>
+          </a:stretch>
+        </p:blipFill>
+        <p:spPr>
+          <a:xfrm>
+            <a:off x="4664763" y="2236321"/>
+            <a:ext cx="7527236" cy="4234070"/>
+          </a:xfrm>
+          <a:prstGeom prst="rect">
+            <a:avLst/>
+          </a:prstGeom>
+          <a:ln w="12700">
+            <a:solidFill>
+              <a:schemeClr val="tx1"/>
+            </a:solidFill>
+          </a:ln>
+        </p:spPr>
+      </p:pic>
+      <p:cxnSp>
+        <p:nvCxnSpPr>
+          <p:cNvPr id="9" name="Connector: Elbow 8">
+            <a:extLst>
+              <a:ext uri="{FF2B5EF4-FFF2-40B4-BE49-F238E27FC236}">
+                <a16:creationId xmlns:a16="http://schemas.microsoft.com/office/drawing/2014/main" id="{97A19B67-1F9B-BCBF-4D6F-AC9511FD1863}"/>
+              </a:ext>
+            </a:extLst>
+          </p:cNvPr>
+          <p:cNvCxnSpPr/>
+          <p:nvPr/>
+        </p:nvCxnSpPr>
+        <p:spPr>
+          <a:xfrm>
+            <a:off x="4373217" y="1639973"/>
+            <a:ext cx="1421295" cy="596348"/>
+          </a:xfrm>
+          <a:prstGeom prst="bentConnector3">
+            <a:avLst>
+              <a:gd name="adj1" fmla="val 99650"/>
+            </a:avLst>
+          </a:prstGeom>
+          <a:ln w="28575">
+            <a:tailEnd type="triangle"/>
+          </a:ln>
+        </p:spPr>
+        <p:style>
+          <a:lnRef idx="1">
+            <a:schemeClr val="accent1"/>
+          </a:lnRef>
+          <a:fillRef idx="0">
+            <a:schemeClr val="accent1"/>
+          </a:fillRef>
+          <a:effectRef idx="0">
+            <a:schemeClr val="accent1"/>
+          </a:effectRef>
+          <a:fontRef idx="minor">
+            <a:schemeClr val="tx1"/>
+          </a:fontRef>
+        </p:style>
+      </p:cxnSp>
+      <p:sp>
+        <p:nvSpPr>
+          <p:cNvPr id="14" name="TextBox 13">
+            <a:extLst>
+              <a:ext uri="{FF2B5EF4-FFF2-40B4-BE49-F238E27FC236}">
+                <a16:creationId xmlns:a16="http://schemas.microsoft.com/office/drawing/2014/main" id="{33A3B9DA-860D-6767-0D01-9544927397E4}"/>
+              </a:ext>
+            </a:extLst>
+          </p:cNvPr>
+          <p:cNvSpPr txBox="1"/>
+          <p:nvPr/>
+        </p:nvSpPr>
+        <p:spPr>
+          <a:xfrm>
+            <a:off x="5864086" y="1702223"/>
+            <a:ext cx="3599930" cy="338554"/>
+          </a:xfrm>
+          <a:prstGeom prst="rect">
+            <a:avLst/>
+          </a:prstGeom>
+          <a:noFill/>
+        </p:spPr>
+        <p:txBody>
+          <a:bodyPr wrap="square" rtlCol="0">
+            <a:spAutoFit/>
+          </a:bodyPr>
+          <a:lstStyle/>
+          <a:p>
+            <a:r>
+              <a:rPr lang="en-US" sz="1600" b="1" dirty="0"/>
+              <a:t>System workflow diagram (Current) </a:t>
+            </a:r>
+          </a:p>
+        </p:txBody>
+      </p:sp>
+      <p:sp>
+        <p:nvSpPr>
+          <p:cNvPr id="15" name="Rectangle 14">
+            <a:extLst>
+              <a:ext uri="{FF2B5EF4-FFF2-40B4-BE49-F238E27FC236}">
+                <a16:creationId xmlns:a16="http://schemas.microsoft.com/office/drawing/2014/main" id="{182A3384-A5FD-A59D-7B50-1974EE7A5A56}"/>
+              </a:ext>
+            </a:extLst>
+          </p:cNvPr>
+          <p:cNvSpPr/>
+          <p:nvPr/>
+        </p:nvSpPr>
+        <p:spPr>
+          <a:xfrm>
+            <a:off x="7851913" y="2971800"/>
+            <a:ext cx="1550504" cy="2673626"/>
+          </a:xfrm>
+          <a:prstGeom prst="rect">
+            <a:avLst/>
+          </a:prstGeom>
+          <a:noFill/>
+          <a:ln w="28575">
+            <a:solidFill>
+              <a:srgbClr val="FF0000"/>
+            </a:solidFill>
+            <a:prstDash val="sysDot"/>
+          </a:ln>
+        </p:spPr>
+        <p:style>
+          <a:lnRef idx="2">
+            <a:schemeClr val="accent1">
+              <a:shade val="50000"/>
+            </a:schemeClr>
+          </a:lnRef>
+          <a:fillRef idx="1">
+            <a:schemeClr val="accent1"/>
+          </a:fillRef>
+          <a:effectRef idx="0">
+            <a:schemeClr val="accent1"/>
+          </a:effectRef>
+          <a:fontRef idx="minor">
+            <a:schemeClr val="lt1"/>
+          </a:fontRef>
+        </p:style>
+        <p:txBody>
+          <a:bodyPr rtlCol="0" anchor="ctr"/>
+          <a:lstStyle/>
+          <a:p>
+            <a:pPr algn="ctr"/>
+            <a:endParaRPr lang="en-SG" dirty="0">
+              <a:solidFill>
+                <a:srgbClr val="FF0000"/>
+              </a:solidFill>
+            </a:endParaRPr>
+          </a:p>
+        </p:txBody>
+      </p:sp>
+      <p:sp>
+        <p:nvSpPr>
+          <p:cNvPr id="16" name="TextBox 15">
+            <a:extLst>
+              <a:ext uri="{FF2B5EF4-FFF2-40B4-BE49-F238E27FC236}">
+                <a16:creationId xmlns:a16="http://schemas.microsoft.com/office/drawing/2014/main" id="{3ADC4CFC-CE6F-274D-4049-06121D09B80A}"/>
+              </a:ext>
+            </a:extLst>
+          </p:cNvPr>
+          <p:cNvSpPr txBox="1"/>
+          <p:nvPr/>
+        </p:nvSpPr>
+        <p:spPr>
+          <a:xfrm>
+            <a:off x="7851913" y="2710190"/>
+            <a:ext cx="2033768" cy="261610"/>
+          </a:xfrm>
+          <a:prstGeom prst="rect">
+            <a:avLst/>
+          </a:prstGeom>
+          <a:noFill/>
+        </p:spPr>
+        <p:txBody>
+          <a:bodyPr wrap="square" rtlCol="0">
+            <a:spAutoFit/>
+          </a:bodyPr>
+          <a:lstStyle/>
+          <a:p>
+            <a:r>
+              <a:rPr lang="en-US" sz="1100" b="1" dirty="0">
+                <a:solidFill>
+                  <a:srgbClr val="C00000"/>
+                </a:solidFill>
+              </a:rPr>
+              <a:t>New DB-history recover feature</a:t>
+            </a:r>
+            <a:endParaRPr lang="en-SG" sz="1100" b="1" dirty="0">
+              <a:solidFill>
+                <a:srgbClr val="C00000"/>
+              </a:solidFill>
+            </a:endParaRPr>
+          </a:p>
+        </p:txBody>
+      </p:sp>
+      <p:sp>
+        <p:nvSpPr>
+          <p:cNvPr id="17" name="TextBox 16">
+            <a:extLst>
+              <a:ext uri="{FF2B5EF4-FFF2-40B4-BE49-F238E27FC236}">
+                <a16:creationId xmlns:a16="http://schemas.microsoft.com/office/drawing/2014/main" id="{B81F8B59-8DA7-D543-DBEA-CA16950DCCD3}"/>
+              </a:ext>
+            </a:extLst>
+          </p:cNvPr>
+          <p:cNvSpPr txBox="1"/>
+          <p:nvPr/>
+        </p:nvSpPr>
+        <p:spPr>
+          <a:xfrm>
+            <a:off x="205398" y="3652102"/>
+            <a:ext cx="4384712" cy="3200876"/>
+          </a:xfrm>
+          <a:prstGeom prst="rect">
+            <a:avLst/>
+          </a:prstGeom>
+          <a:noFill/>
+        </p:spPr>
+        <p:txBody>
+          <a:bodyPr wrap="square" rtlCol="0">
+            <a:spAutoFit/>
+          </a:bodyPr>
+          <a:lstStyle/>
+          <a:p>
+            <a:r>
+              <a:rPr lang="en-US" sz="1600" b="1" dirty="0"/>
+              <a:t>D</a:t>
+            </a:r>
+            <a:r>
+              <a:rPr lang="en-SG" sz="1600" b="1" dirty="0"/>
+              <a:t>B-history recovery feature.</a:t>
+            </a:r>
+          </a:p>
+          <a:p>
+            <a:endParaRPr lang="en-SG" sz="1600" b="1" dirty="0"/>
+          </a:p>
+          <a:p>
+            <a:r>
+              <a:rPr lang="en-SG" sz="1400" b="1" dirty="0"/>
+              <a:t>Case 1 [ scheduler auto run over midnight]: </a:t>
+            </a:r>
+            <a:r>
+              <a:rPr lang="en-SG" sz="1400" dirty="0"/>
+              <a:t>At 00:01 am create new state table, recover yesterday DB user’s  setting (such as deactivate tasks) into new DB state table.</a:t>
+            </a:r>
+          </a:p>
+          <a:p>
+            <a:endParaRPr lang="en-SG" sz="1400" b="1" dirty="0"/>
+          </a:p>
+          <a:p>
+            <a:r>
+              <a:rPr lang="en-SG" sz="1400" b="1" dirty="0"/>
+              <a:t>Case 2 [ User start the scheduler 1</a:t>
+            </a:r>
+            <a:r>
+              <a:rPr lang="en-SG" sz="1400" b="1" baseline="30000" dirty="0"/>
+              <a:t>st</a:t>
+            </a:r>
+            <a:r>
+              <a:rPr lang="en-SG" sz="1400" b="1" dirty="0"/>
+              <a:t> time today]: </a:t>
+            </a:r>
+            <a:r>
+              <a:rPr lang="en-SG" sz="1400" dirty="0"/>
+              <a:t>Load yesterday state table based on user’s recover flag setting. Built new state table, recover the user setting. </a:t>
+            </a:r>
+          </a:p>
+          <a:p>
+            <a:endParaRPr lang="en-SG" sz="1400" b="1" dirty="0"/>
+          </a:p>
+          <a:p>
+            <a:r>
+              <a:rPr lang="en-SG" sz="1400" b="1" dirty="0"/>
+              <a:t>Case 3 [ User start the scheduler again (not the 1</a:t>
+            </a:r>
+            <a:r>
+              <a:rPr lang="en-SG" sz="1400" b="1" baseline="30000" dirty="0"/>
+              <a:t>st</a:t>
+            </a:r>
+            <a:r>
+              <a:rPr lang="en-SG" sz="1400" b="1" dirty="0"/>
+              <a:t> time) in one day]: </a:t>
+            </a:r>
+            <a:r>
+              <a:rPr lang="en-SG" sz="1400" dirty="0"/>
+              <a:t>Assume the scheduler is closed by user because some reason, load the state from the DB to recovery the program state to the time point. </a:t>
+            </a:r>
+            <a:r>
+              <a:rPr lang="en-SG" sz="1600" b="1" dirty="0"/>
+              <a:t> </a:t>
+            </a:r>
+          </a:p>
+        </p:txBody>
+      </p:sp>
+      <p:sp>
+        <p:nvSpPr>
+          <p:cNvPr id="19" name="TextBox 18">
+            <a:extLst>
+              <a:ext uri="{FF2B5EF4-FFF2-40B4-BE49-F238E27FC236}">
+                <a16:creationId xmlns:a16="http://schemas.microsoft.com/office/drawing/2014/main" id="{50735573-25A7-2A60-BAFD-93512C756D26}"/>
+              </a:ext>
+            </a:extLst>
+          </p:cNvPr>
+          <p:cNvSpPr txBox="1"/>
+          <p:nvPr/>
+        </p:nvSpPr>
+        <p:spPr>
+          <a:xfrm>
+            <a:off x="6397490" y="449108"/>
+            <a:ext cx="5836699" cy="1169551"/>
+          </a:xfrm>
+          <a:prstGeom prst="rect">
+            <a:avLst/>
+          </a:prstGeom>
+          <a:noFill/>
+        </p:spPr>
+        <p:txBody>
+          <a:bodyPr wrap="square" rtlCol="0">
+            <a:spAutoFit/>
+          </a:bodyPr>
+          <a:lstStyle/>
+          <a:p>
+            <a:pPr algn="just"/>
+            <a:r>
+              <a:rPr lang="en-US" sz="1400" b="1" dirty="0"/>
+              <a:t>Why we need the history recovery feature ? </a:t>
+            </a:r>
+          </a:p>
+          <a:p>
+            <a:pPr algn="just"/>
+            <a:r>
+              <a:rPr lang="en-SG" sz="1400" dirty="0"/>
+              <a:t>Assume task-2 [running on 10:00 am] needs task-1 [running on 09:00 am] to be executed successfully, if the computer reboot at 9:45 am, then user re-run scheduler at 9:50, the scheduler needs to auto recover its tasks state to the time point 9:45 am to decide whether execute task-2. </a:t>
+            </a:r>
+          </a:p>
+        </p:txBody>
+      </p:sp>
+    </p:spTree>
+    <p:extLst>
+      <p:ext uri="{BB962C8B-B14F-4D97-AF65-F5344CB8AC3E}">
+        <p14:creationId xmlns:p14="http://schemas.microsoft.com/office/powerpoint/2010/main" val="2275827904"/>
+      </p:ext>
+    </p:extLst>
+  </p:cSld>
+  <p:clrMapOvr>
+    <a:masterClrMapping/>
+  </p:clrMapOvr>
+</p:sld>
+</file>
+
+<file path=ppt/slides/slide13.xml><?xml version="1.0" encoding="utf-8"?>
+<p:sld xmlns:a="http://schemas.openxmlformats.org/drawingml/2006/main" xmlns:r="http://schemas.openxmlformats.org/officeDocument/2006/relationships" xmlns:p="http://schemas.openxmlformats.org/presentationml/2006/main">
+  <p:cSld>
+    <p:spTree>
+      <p:nvGrpSpPr>
+        <p:cNvPr id="1" name=""/>
+        <p:cNvGrpSpPr/>
+        <p:nvPr/>
+      </p:nvGrpSpPr>
+      <p:grpSpPr>
+        <a:xfrm>
+          <a:off x="0" y="0"/>
+          <a:ext cx="0" cy="0"/>
+          <a:chOff x="0" y="0"/>
+          <a:chExt cx="0" cy="0"/>
+        </a:xfrm>
+      </p:grpSpPr>
+      <p:sp>
+        <p:nvSpPr>
           <p:cNvPr id="4" name="Rectangle 3">
             <a:extLst>
               <a:ext uri="{FF2B5EF4-FFF2-40B4-BE49-F238E27FC236}">
@@ -10959,7 +12101,7 @@
 </p:sld>
 </file>
 
-<file path=ppt/slides/slide13.xml><?xml version="1.0" encoding="utf-8"?>
+<file path=ppt/slides/slide14.xml><?xml version="1.0" encoding="utf-8"?>
 <p:sld xmlns:a="http://schemas.openxmlformats.org/drawingml/2006/main" xmlns:r="http://schemas.openxmlformats.org/officeDocument/2006/relationships" xmlns:p="http://schemas.openxmlformats.org/presentationml/2006/main">
   <p:cSld>
     <p:spTree>
@@ -28571,7 +29713,7 @@
                   <a:schemeClr val="bg1"/>
                 </a:solidFill>
               </a:rPr>
-              <a:t>Cluster Users Emulator  [ Introduction ] </a:t>
+              <a:t>Cluster Users Emulator  [ Product overview ] </a:t>
             </a:r>
             <a:endParaRPr lang="en-SG" sz="2400" dirty="0">
               <a:solidFill>
@@ -28631,8 +29773,8 @@
         </p:nvSpPr>
         <p:spPr>
           <a:xfrm>
-            <a:off x="251280" y="737330"/>
-            <a:ext cx="11327807" cy="1569660"/>
+            <a:off x="281097" y="657817"/>
+            <a:ext cx="11629806" cy="1200329"/>
           </a:xfrm>
           <a:prstGeom prst="rect">
             <a:avLst/>
@@ -28653,13 +29795,9 @@
           </a:p>
           <a:p>
             <a:pPr algn="just"/>
-            <a:endParaRPr lang="en-US" sz="1600" b="1" dirty="0"/>
-          </a:p>
-          <a:p>
-            <a:pPr algn="just"/>
-            <a:r>
-              <a:rPr lang="en-US" sz="1600" dirty="0"/>
-              <a:t>There are several kinds of network traffic generators, task schedulers and the progress monitors hub in the market. But most of these tools don’t cover all three areas to provide a packaged solution to simulate, management and monitor a group of user's action. Our Cluster Users emulator is aimed to provide an all-in-one packaged solution allow our customer to simulate a groups of different users complex human type action, then schedule these event and monitor/control the task progress in a computer network/cluster. </a:t>
+            <a:r>
+              <a:rPr lang="en-US" sz="1400" dirty="0"/>
+              <a:t>There are several kinds of network traffic generators, task scheduler tools and the tasks progress monitors hub in the market. But most of these tools don’t cover all the three areas (monitor, management and simulate) to provide an all-in-one solution to emulate a group of users’ activities. Our Cluster Users emulator is aimed to provide a packaged solution allow our customer to simulate a groups of different users’ complex human type action, then schedule these event and monitor/control the task progress in the computer network/cluster. </a:t>
             </a:r>
           </a:p>
         </p:txBody>
@@ -28679,14 +29817,14 @@
           <p:nvPr>
             <p:extLst>
               <p:ext uri="{D42A27DB-BD31-4B8C-83A1-F6EECF244321}">
-                <p14:modId xmlns:p14="http://schemas.microsoft.com/office/powerpoint/2010/main" val="485339524"/>
+                <p14:modId xmlns:p14="http://schemas.microsoft.com/office/powerpoint/2010/main" val="1497385377"/>
               </p:ext>
             </p:extLst>
           </p:nvPr>
         </p:nvGraphicFramePr>
         <p:xfrm>
-          <a:off x="400367" y="2633637"/>
-          <a:ext cx="10396588" cy="3216168"/>
+          <a:off x="360610" y="2365281"/>
+          <a:ext cx="10396588" cy="3474720"/>
         </p:xfrm>
         <a:graphic>
           <a:graphicData uri="http://schemas.openxmlformats.org/drawingml/2006/table">
@@ -28897,12 +30035,12 @@
                         <a:defRPr/>
                       </a:pPr>
                       <a:r>
-                        <a:rPr lang="en-SG" sz="1200" dirty="0">
+                        <a:rPr lang="en-SG" sz="1200" b="0" dirty="0">
                           <a:solidFill>
                             <a:schemeClr val="tx1"/>
                           </a:solidFill>
                         </a:rPr>
-                        <a:t>Simulation situation may not be same as the real 5G vendor’s solution.</a:t>
+                        <a:t>Monitor-hub only provides basic tasks control function </a:t>
                       </a:r>
                     </a:p>
                     <a:p>
@@ -28924,12 +30062,12 @@
                         <a:defRPr/>
                       </a:pPr>
                       <a:r>
-                        <a:rPr lang="en-SG" sz="1200" dirty="0">
+                        <a:rPr lang="en-SG" sz="1200" b="0" dirty="0">
                           <a:solidFill>
                             <a:schemeClr val="tx1"/>
                           </a:solidFill>
                         </a:rPr>
-                        <a:t>Hard to convince market people as currently there is no real-life use case.</a:t>
+                        <a:t>Need to do the customized change based on the server and platform. </a:t>
                       </a:r>
                     </a:p>
                     <a:p>
@@ -28951,12 +30089,12 @@
                         <a:defRPr/>
                       </a:pPr>
                       <a:r>
-                        <a:rPr lang="en-SG" sz="1200" dirty="0">
+                        <a:rPr lang="en-SG" sz="1200" b="0" dirty="0">
                           <a:solidFill>
                             <a:schemeClr val="tx1"/>
                           </a:solidFill>
                         </a:rPr>
-                        <a:t>Hard to answer the question about why/how the 5G-function is implemented as we don’t hold the IP.</a:t>
+                        <a:t>Don’t have task pause/continuous function. </a:t>
                       </a:r>
                     </a:p>
                     <a:p>
@@ -28977,7 +30115,34 @@
                         <a:tabLst/>
                         <a:defRPr/>
                       </a:pPr>
-                      <a:endParaRPr lang="en-US" sz="1200" dirty="0">
+                      <a:r>
+                        <a:rPr lang="en-SG" sz="1200" b="0" dirty="0">
+                          <a:solidFill>
+                            <a:schemeClr val="tx1"/>
+                          </a:solidFill>
+                        </a:rPr>
+                        <a:t>Some of the features are under development. </a:t>
+                      </a:r>
+                    </a:p>
+                    <a:p>
+                      <a:pPr marL="285750" marR="0" lvl="0" indent="-285750" algn="l" defTabSz="914400" rtl="0" eaLnBrk="1" fontAlgn="auto" latinLnBrk="0" hangingPunct="1">
+                        <a:lnSpc>
+                          <a:spcPct val="100000"/>
+                        </a:lnSpc>
+                        <a:spcBef>
+                          <a:spcPts val="0"/>
+                        </a:spcBef>
+                        <a:spcAft>
+                          <a:spcPts val="0"/>
+                        </a:spcAft>
+                        <a:buClrTx/>
+                        <a:buSzTx/>
+                        <a:buFont typeface="Arial" panose="020B0604020202020204" pitchFamily="34" charset="0"/>
+                        <a:buChar char="•"/>
+                        <a:tabLst/>
+                        <a:defRPr/>
+                      </a:pPr>
+                      <a:endParaRPr lang="en-SG" sz="1200" b="0" dirty="0">
                         <a:solidFill>
                           <a:schemeClr val="tx1"/>
                         </a:solidFill>
@@ -28999,7 +30164,7 @@
                   </a:ext>
                 </a:extLst>
               </a:tr>
-              <a:tr h="1478808">
+              <a:tr h="1224599">
                 <a:tc>
                   <a:txBody>
                     <a:bodyPr/>
@@ -29029,8 +30194,8 @@
                         <a:buChar char="•"/>
                       </a:pPr>
                       <a:r>
-                        <a:rPr lang="en-SG" sz="1200" b="1" dirty="0"/>
-                        <a:t>Design different attack and defence simulation (can config vulnerable point). </a:t>
+                        <a:rPr lang="en-SG" sz="1200" b="0" dirty="0"/>
+                        <a:t>Avoid customer to use different kind tools with compatible along different programming language, platform and license issue. </a:t>
                       </a:r>
                     </a:p>
                     <a:p>
@@ -29039,8 +30204,18 @@
                         <a:buChar char="•"/>
                       </a:pPr>
                       <a:r>
-                        <a:rPr lang="en-SG" sz="1200" b="1" dirty="0"/>
-                        <a:t>Customized the 5G environment for cyber event/exercise. </a:t>
+                        <a:rPr lang="en-SG" sz="1200" b="0" dirty="0"/>
+                        <a:t>Provide more action emulation feature for the MS-windows customer and the customer with UI operation request.</a:t>
+                      </a:r>
+                    </a:p>
+                    <a:p>
+                      <a:pPr marL="285750" indent="-285750">
+                        <a:buFont typeface="Arial" panose="020B0604020202020204" pitchFamily="34" charset="0"/>
+                        <a:buChar char="•"/>
+                      </a:pPr>
+                      <a:r>
+                        <a:rPr lang="en-SG" sz="1200" b="0" dirty="0"/>
+                        <a:t>Can also used to simulate different teams’ attack and defence action in cyber exercise . </a:t>
                       </a:r>
                     </a:p>
                   </a:txBody>
@@ -29069,7 +30244,7 @@
                     <a:p>
                       <a:r>
                         <a:rPr lang="en-SG" sz="1200" b="1" dirty="0"/>
-                        <a:t>Several Opensource 5G project: </a:t>
+                        <a:t>Several Cluster task management tools: </a:t>
                       </a:r>
                     </a:p>
                     <a:p>
@@ -29078,128 +30253,29 @@
                         <a:buChar char="•"/>
                       </a:pPr>
                       <a:r>
-                        <a:rPr lang="en-SG" sz="1200" b="1" dirty="0"/>
-                        <a:t>my5G / my5G-RANTester</a:t>
+                        <a:rPr lang="en-SG" sz="1200" b="0" dirty="0"/>
+                        <a:t>Airflow (Linux)</a:t>
                       </a:r>
                     </a:p>
                     <a:p>
-                      <a:pPr marL="285750" marR="0" lvl="0" indent="-285750" algn="l" defTabSz="914400" rtl="0" eaLnBrk="1" fontAlgn="auto" latinLnBrk="0" hangingPunct="1">
-                        <a:lnSpc>
-                          <a:spcPct val="100000"/>
-                        </a:lnSpc>
-                        <a:spcBef>
-                          <a:spcPts val="0"/>
-                        </a:spcBef>
-                        <a:spcAft>
-                          <a:spcPts val="0"/>
-                        </a:spcAft>
-                        <a:buClrTx/>
-                        <a:buSzTx/>
+                      <a:pPr marL="285750" indent="-285750">
                         <a:buFont typeface="Arial" panose="020B0604020202020204" pitchFamily="34" charset="0"/>
                         <a:buChar char="•"/>
-                        <a:tabLst/>
-                        <a:defRPr/>
                       </a:pPr>
                       <a:r>
-                        <a:rPr lang="en-SG" sz="1200" b="1" i="0" kern="1200" dirty="0">
-                          <a:solidFill>
-                            <a:schemeClr val="dk1"/>
-                          </a:solidFill>
-                          <a:effectLst/>
-                          <a:latin typeface="+mn-lt"/>
-                          <a:ea typeface="+mn-ea"/>
-                          <a:cs typeface="+mn-cs"/>
-                        </a:rPr>
-                        <a:t>K-</a:t>
-                      </a:r>
-                      <a:r>
-                        <a:rPr lang="en-SG" sz="1200" b="1" i="0" kern="1200" dirty="0" err="1">
-                          <a:solidFill>
-                            <a:schemeClr val="dk1"/>
-                          </a:solidFill>
-                          <a:effectLst/>
-                          <a:latin typeface="+mn-lt"/>
-                          <a:ea typeface="+mn-ea"/>
-                          <a:cs typeface="+mn-cs"/>
-                        </a:rPr>
-                        <a:t>SimNet</a:t>
-                      </a:r>
-                      <a:r>
-                        <a:rPr lang="en-SG" sz="1200" b="1" i="0" kern="1200" dirty="0">
-                          <a:solidFill>
-                            <a:schemeClr val="dk1"/>
-                          </a:solidFill>
-                          <a:effectLst/>
-                          <a:latin typeface="+mn-lt"/>
-                          <a:ea typeface="+mn-ea"/>
-                          <a:cs typeface="+mn-cs"/>
-                        </a:rPr>
-                        <a:t>/ 5G Network Simulator (5G)</a:t>
+                        <a:rPr lang="en-SG" sz="1200" b="0" dirty="0"/>
+                        <a:t>PM2 (Linux)</a:t>
                       </a:r>
                     </a:p>
                     <a:p>
-                      <a:pPr marL="285750" marR="0" lvl="0" indent="-285750" algn="l" defTabSz="914400" rtl="0" eaLnBrk="1" fontAlgn="auto" latinLnBrk="0" hangingPunct="1">
-                        <a:lnSpc>
-                          <a:spcPct val="100000"/>
-                        </a:lnSpc>
-                        <a:spcBef>
-                          <a:spcPts val="0"/>
-                        </a:spcBef>
-                        <a:spcAft>
-                          <a:spcPts val="0"/>
-                        </a:spcAft>
-                        <a:buClrTx/>
-                        <a:buSzTx/>
+                      <a:pPr marL="285750" indent="-285750">
                         <a:buFont typeface="Arial" panose="020B0604020202020204" pitchFamily="34" charset="0"/>
                         <a:buChar char="•"/>
-                        <a:tabLst/>
-                        <a:defRPr/>
                       </a:pPr>
                       <a:r>
-                        <a:rPr lang="en-US" sz="1200" b="1" i="0" kern="1200" dirty="0">
-                          <a:solidFill>
-                            <a:schemeClr val="dk1"/>
-                          </a:solidFill>
-                          <a:effectLst/>
-                          <a:latin typeface="+mn-lt"/>
-                          <a:ea typeface="+mn-ea"/>
-                          <a:cs typeface="+mn-cs"/>
-                        </a:rPr>
-                        <a:t>UERANSIM/ 5G UE and RAN (</a:t>
+                        <a:rPr lang="en-SG" sz="1200" b="0" dirty="0"/>
+                        <a:t>Rancher-hub (K8s)</a:t>
                       </a:r>
-                      <a:r>
-                        <a:rPr lang="en-US" sz="1200" b="1" i="0" kern="1200" dirty="0" err="1">
-                          <a:solidFill>
-                            <a:schemeClr val="dk1"/>
-                          </a:solidFill>
-                          <a:effectLst/>
-                          <a:latin typeface="+mn-lt"/>
-                          <a:ea typeface="+mn-ea"/>
-                          <a:cs typeface="+mn-cs"/>
-                        </a:rPr>
-                        <a:t>gNodeB</a:t>
-                      </a:r>
-                      <a:r>
-                        <a:rPr lang="en-US" sz="1200" b="1" i="0" kern="1200" dirty="0">
-                          <a:solidFill>
-                            <a:schemeClr val="dk1"/>
-                          </a:solidFill>
-                          <a:effectLst/>
-                          <a:latin typeface="+mn-lt"/>
-                          <a:ea typeface="+mn-ea"/>
-                          <a:cs typeface="+mn-cs"/>
-                        </a:rPr>
-                        <a:t>) simulator</a:t>
-                      </a:r>
-                      <a:endParaRPr lang="en-SG" sz="1200" b="1" i="0" kern="1200" dirty="0">
-                        <a:solidFill>
-                          <a:schemeClr val="dk1"/>
-                        </a:solidFill>
-                        <a:effectLst/>
-                        <a:latin typeface="+mn-lt"/>
-                        <a:ea typeface="+mn-ea"/>
-                        <a:cs typeface="+mn-cs"/>
-                      </a:endParaRPr>
                     </a:p>
                   </a:txBody>
                   <a:tcPr>
@@ -29221,6 +30297,104 @@
           </a:graphicData>
         </a:graphic>
       </p:graphicFrame>
+      <p:sp>
+        <p:nvSpPr>
+          <p:cNvPr id="9" name="TextBox 8">
+            <a:extLst>
+              <a:ext uri="{FF2B5EF4-FFF2-40B4-BE49-F238E27FC236}">
+                <a16:creationId xmlns:a16="http://schemas.microsoft.com/office/drawing/2014/main" id="{CBED0AED-F398-BF63-86FD-DE7214483296}"/>
+              </a:ext>
+            </a:extLst>
+          </p:cNvPr>
+          <p:cNvSpPr txBox="1"/>
+          <p:nvPr/>
+        </p:nvSpPr>
+        <p:spPr>
+          <a:xfrm>
+            <a:off x="360610" y="5944917"/>
+            <a:ext cx="11327807" cy="769441"/>
+          </a:xfrm>
+          <a:prstGeom prst="rect">
+            <a:avLst/>
+          </a:prstGeom>
+          <a:noFill/>
+        </p:spPr>
+        <p:txBody>
+          <a:bodyPr wrap="square" rtlCol="0">
+            <a:spAutoFit/>
+          </a:bodyPr>
+          <a:lstStyle/>
+          <a:p>
+            <a:pPr algn="just"/>
+            <a:r>
+              <a:rPr lang="en-US" sz="1600" b="1" dirty="0"/>
+              <a:t>User Action emulator demo video: </a:t>
+            </a:r>
+          </a:p>
+          <a:p>
+            <a:pPr marL="285750" indent="-285750" algn="just">
+              <a:buFont typeface="Arial" panose="020B0604020202020204" pitchFamily="34" charset="0"/>
+              <a:buChar char="•"/>
+            </a:pPr>
+            <a:r>
+              <a:rPr lang="en-US" sz="1400" dirty="0">
+                <a:hlinkClick r:id="rId3"/>
+              </a:rPr>
+              <a:t>https://www.youtube.com/watch?v=jgm3gQhzUq4&amp;t=57s</a:t>
+            </a:r>
+            <a:endParaRPr lang="en-US" sz="1400" dirty="0"/>
+          </a:p>
+          <a:p>
+            <a:pPr marL="285750" indent="-285750" algn="just">
+              <a:buFont typeface="Arial" panose="020B0604020202020204" pitchFamily="34" charset="0"/>
+              <a:buChar char="•"/>
+            </a:pPr>
+            <a:r>
+              <a:rPr lang="en-US" sz="1400" dirty="0">
+                <a:hlinkClick r:id="rId4"/>
+              </a:rPr>
+              <a:t>https://www.youtube.com/watch?v=wZsRmYPcPTQ</a:t>
+            </a:r>
+            <a:endParaRPr lang="en-US" sz="1400" dirty="0"/>
+          </a:p>
+        </p:txBody>
+      </p:sp>
+      <p:sp>
+        <p:nvSpPr>
+          <p:cNvPr id="10" name="TextBox 9">
+            <a:extLst>
+              <a:ext uri="{FF2B5EF4-FFF2-40B4-BE49-F238E27FC236}">
+                <a16:creationId xmlns:a16="http://schemas.microsoft.com/office/drawing/2014/main" id="{66A0348F-4908-C82D-0A95-0008B24CFD46}"/>
+              </a:ext>
+            </a:extLst>
+          </p:cNvPr>
+          <p:cNvSpPr txBox="1"/>
+          <p:nvPr/>
+        </p:nvSpPr>
+        <p:spPr>
+          <a:xfrm>
+            <a:off x="281097" y="2003991"/>
+            <a:ext cx="3599930" cy="338554"/>
+          </a:xfrm>
+          <a:prstGeom prst="rect">
+            <a:avLst/>
+          </a:prstGeom>
+          <a:noFill/>
+        </p:spPr>
+        <p:txBody>
+          <a:bodyPr wrap="square" rtlCol="0">
+            <a:spAutoFit/>
+          </a:bodyPr>
+          <a:lstStyle/>
+          <a:p>
+            <a:r>
+              <a:rPr lang="en-US" sz="1600" b="1" dirty="0"/>
+              <a:t>SWOT business analysis</a:t>
+            </a:r>
+            <a:endParaRPr lang="en-SG" sz="1600" b="1" dirty="0"/>
+          </a:p>
+        </p:txBody>
+      </p:sp>
     </p:spTree>
     <p:extLst>
       <p:ext uri="{BB962C8B-B14F-4D97-AF65-F5344CB8AC3E}">
@@ -29251,12 +30425,104 @@
           <a:chExt cx="0" cy="0"/>
         </a:xfrm>
       </p:grpSpPr>
+      <p:pic>
+        <p:nvPicPr>
+          <p:cNvPr id="11" name="Picture 10">
+            <a:extLst>
+              <a:ext uri="{FF2B5EF4-FFF2-40B4-BE49-F238E27FC236}">
+                <a16:creationId xmlns:a16="http://schemas.microsoft.com/office/drawing/2014/main" id="{4654A506-5697-D88F-5888-B22A4672632C}"/>
+              </a:ext>
+            </a:extLst>
+          </p:cNvPr>
+          <p:cNvPicPr>
+            <a:picLocks noChangeAspect="1"/>
+          </p:cNvPicPr>
+          <p:nvPr/>
+        </p:nvPicPr>
+        <p:blipFill>
+          <a:blip r:embed="rId2">
+            <a:alphaModFix amt="70000"/>
+          </a:blip>
+          <a:stretch>
+            <a:fillRect/>
+          </a:stretch>
+        </p:blipFill>
+        <p:spPr>
+          <a:xfrm>
+            <a:off x="579244" y="2851698"/>
+            <a:ext cx="5652695" cy="3202066"/>
+          </a:xfrm>
+          <a:prstGeom prst="rect">
+            <a:avLst/>
+          </a:prstGeom>
+          <a:ln>
+            <a:solidFill>
+              <a:schemeClr val="tx1"/>
+            </a:solidFill>
+            <a:prstDash val="dash"/>
+          </a:ln>
+        </p:spPr>
+      </p:pic>
       <p:sp>
         <p:nvSpPr>
-          <p:cNvPr id="4" name="TextBox 3">
-            <a:extLst>
-              <a:ext uri="{FF2B5EF4-FFF2-40B4-BE49-F238E27FC236}">
-                <a16:creationId xmlns:a16="http://schemas.microsoft.com/office/drawing/2014/main" id="{B2EE9385-272D-78F8-37EF-D7BFBD2E461E}"/>
+          <p:cNvPr id="12" name="Rectangle 11">
+            <a:extLst>
+              <a:ext uri="{FF2B5EF4-FFF2-40B4-BE49-F238E27FC236}">
+                <a16:creationId xmlns:a16="http://schemas.microsoft.com/office/drawing/2014/main" id="{F2EB35E3-7A48-7FB5-C890-8ABF44D83490}"/>
+              </a:ext>
+            </a:extLst>
+          </p:cNvPr>
+          <p:cNvSpPr/>
+          <p:nvPr/>
+        </p:nvSpPr>
+        <p:spPr>
+          <a:xfrm>
+            <a:off x="327993" y="2027584"/>
+            <a:ext cx="6200764" cy="4432851"/>
+          </a:xfrm>
+          <a:prstGeom prst="rect">
+            <a:avLst/>
+          </a:prstGeom>
+          <a:noFill/>
+          <a:ln w="19050" cap="flat" cmpd="sng" algn="ctr">
+            <a:solidFill>
+              <a:schemeClr val="dk1"/>
+            </a:solidFill>
+            <a:prstDash val="solid"/>
+            <a:round/>
+            <a:headEnd type="none" w="med" len="med"/>
+            <a:tailEnd type="none" w="med" len="med"/>
+          </a:ln>
+        </p:spPr>
+        <p:style>
+          <a:lnRef idx="0">
+            <a:scrgbClr r="0" g="0" b="0"/>
+          </a:lnRef>
+          <a:fillRef idx="0">
+            <a:scrgbClr r="0" g="0" b="0"/>
+          </a:fillRef>
+          <a:effectRef idx="0">
+            <a:scrgbClr r="0" g="0" b="0"/>
+          </a:effectRef>
+          <a:fontRef idx="minor">
+            <a:schemeClr val="dk1"/>
+          </a:fontRef>
+        </p:style>
+        <p:txBody>
+          <a:bodyPr rtlCol="0" anchor="ctr"/>
+          <a:lstStyle/>
+          <a:p>
+            <a:pPr algn="ctr"/>
+            <a:endParaRPr lang="en-SG" dirty="0"/>
+          </a:p>
+        </p:txBody>
+      </p:sp>
+      <p:sp>
+        <p:nvSpPr>
+          <p:cNvPr id="15" name="TextBox 14">
+            <a:extLst>
+              <a:ext uri="{FF2B5EF4-FFF2-40B4-BE49-F238E27FC236}">
+                <a16:creationId xmlns:a16="http://schemas.microsoft.com/office/drawing/2014/main" id="{D4A376FC-EEE0-3BCA-AB03-A1AF17A4FEEC}"/>
               </a:ext>
             </a:extLst>
           </p:cNvPr>
@@ -29265,7 +30531,7 @@
         </p:nvSpPr>
         <p:spPr>
           <a:xfrm>
-            <a:off x="0" y="-12557"/>
+            <a:off x="-9939" y="-12557"/>
             <a:ext cx="12191999" cy="461665"/>
           </a:xfrm>
           <a:prstGeom prst="rect">
@@ -29294,7 +30560,7 @@
                   <a:schemeClr val="bg1"/>
                 </a:solidFill>
               </a:rPr>
-              <a:t>User Action Emulator [ Pre-built actors we provided and monitor UI ]  </a:t>
+              <a:t>Cluster Users Emulator [ Use case: LS2023 ]  </a:t>
             </a:r>
             <a:endParaRPr lang="en-SG" sz="2400" dirty="0">
               <a:solidFill>
@@ -29306,10 +30572,10 @@
       </p:sp>
       <p:pic>
         <p:nvPicPr>
-          <p:cNvPr id="5" name="Picture 4" descr="Graphical user interface, text&#10;&#10;Description automatically generated with medium confidence">
-            <a:extLst>
-              <a:ext uri="{FF2B5EF4-FFF2-40B4-BE49-F238E27FC236}">
-                <a16:creationId xmlns:a16="http://schemas.microsoft.com/office/drawing/2014/main" id="{CCBDD8B4-58ED-392B-004A-4336DFD8CA6A}"/>
+          <p:cNvPr id="16" name="Picture 15" descr="Graphical user interface, text&#10;&#10;Description automatically generated with medium confidence">
+            <a:extLst>
+              <a:ext uri="{FF2B5EF4-FFF2-40B4-BE49-F238E27FC236}">
+                <a16:creationId xmlns:a16="http://schemas.microsoft.com/office/drawing/2014/main" id="{77C40496-49D1-C0BF-8AE2-9AE0CA6F9C35}"/>
               </a:ext>
             </a:extLst>
           </p:cNvPr>
@@ -29319,7 +30585,7 @@
           <p:nvPr/>
         </p:nvPicPr>
         <p:blipFill>
-          <a:blip r:embed="rId2">
+          <a:blip r:embed="rId3">
             <a:extLst>
               <a:ext uri="{28A0092B-C50C-407E-A947-70E740481C1C}">
                 <a14:useLocalDpi xmlns:a14="http://schemas.microsoft.com/office/drawing/2010/main" val="0"/>
@@ -29340,342 +30606,12 @@
           </a:prstGeom>
         </p:spPr>
       </p:pic>
-      <p:graphicFrame>
-        <p:nvGraphicFramePr>
-          <p:cNvPr id="7" name="Table 5">
-            <a:extLst>
-              <a:ext uri="{FF2B5EF4-FFF2-40B4-BE49-F238E27FC236}">
-                <a16:creationId xmlns:a16="http://schemas.microsoft.com/office/drawing/2014/main" id="{24B83012-43CA-4227-7189-5FC416B45BBC}"/>
-              </a:ext>
-            </a:extLst>
-          </p:cNvPr>
-          <p:cNvGraphicFramePr>
-            <a:graphicFrameLocks noGrp="1"/>
-          </p:cNvGraphicFramePr>
-          <p:nvPr>
-            <p:extLst>
-              <p:ext uri="{D42A27DB-BD31-4B8C-83A1-F6EECF244321}">
-                <p14:modId xmlns:p14="http://schemas.microsoft.com/office/powerpoint/2010/main" val="1642846139"/>
-              </p:ext>
-            </p:extLst>
-          </p:nvPr>
-        </p:nvGraphicFramePr>
-        <p:xfrm>
-          <a:off x="372940" y="1204137"/>
-          <a:ext cx="3548820" cy="1341120"/>
-        </p:xfrm>
-        <a:graphic>
-          <a:graphicData uri="http://schemas.openxmlformats.org/drawingml/2006/table">
-            <a:tbl>
-              <a:tblPr firstRow="1" bandRow="1">
-                <a:tableStyleId>{5C22544A-7EE6-4342-B048-85BDC9FD1C3A}</a:tableStyleId>
-              </a:tblPr>
-              <a:tblGrid>
-                <a:gridCol w="380979">
-                  <a:extLst>
-                    <a:ext uri="{9D8B030D-6E8A-4147-A177-3AD203B41FA5}">
-                      <a16:colId xmlns:a16="http://schemas.microsoft.com/office/drawing/2014/main" val="3380695120"/>
-                    </a:ext>
-                  </a:extLst>
-                </a:gridCol>
-                <a:gridCol w="1087359">
-                  <a:extLst>
-                    <a:ext uri="{9D8B030D-6E8A-4147-A177-3AD203B41FA5}">
-                      <a16:colId xmlns:a16="http://schemas.microsoft.com/office/drawing/2014/main" val="308096956"/>
-                    </a:ext>
-                  </a:extLst>
-                </a:gridCol>
-                <a:gridCol w="2080482">
-                  <a:extLst>
-                    <a:ext uri="{9D8B030D-6E8A-4147-A177-3AD203B41FA5}">
-                      <a16:colId xmlns:a16="http://schemas.microsoft.com/office/drawing/2014/main" val="1115179321"/>
-                    </a:ext>
-                  </a:extLst>
-                </a:gridCol>
-              </a:tblGrid>
-              <a:tr h="370840">
-                <a:tc>
-                  <a:txBody>
-                    <a:bodyPr/>
-                    <a:lstStyle/>
-                    <a:p>
-                      <a:r>
-                        <a:rPr lang="en-SG" sz="1000" dirty="0"/>
-                        <a:t>Index</a:t>
-                      </a:r>
-                    </a:p>
-                  </a:txBody>
-                  <a:tcPr>
-                    <a:lnL w="12700" cap="flat" cmpd="sng" algn="ctr">
-                      <a:solidFill>
-                        <a:schemeClr val="tx1"/>
-                      </a:solidFill>
-                      <a:prstDash val="solid"/>
-                      <a:round/>
-                      <a:headEnd type="none" w="med" len="med"/>
-                      <a:tailEnd type="none" w="med" len="med"/>
-                    </a:lnL>
-                    <a:lnT w="12700" cap="flat" cmpd="sng" algn="ctr">
-                      <a:solidFill>
-                        <a:schemeClr val="tx1"/>
-                      </a:solidFill>
-                      <a:prstDash val="solid"/>
-                      <a:round/>
-                      <a:headEnd type="none" w="med" len="med"/>
-                      <a:tailEnd type="none" w="med" len="med"/>
-                    </a:lnT>
-                  </a:tcPr>
-                </a:tc>
-                <a:tc>
-                  <a:txBody>
-                    <a:bodyPr/>
-                    <a:lstStyle/>
-                    <a:p>
-                      <a:r>
-                        <a:rPr lang="en-SG" sz="1000" dirty="0"/>
-                        <a:t>Actor module name</a:t>
-                      </a:r>
-                    </a:p>
-                  </a:txBody>
-                  <a:tcPr>
-                    <a:lnT w="12700" cap="flat" cmpd="sng" algn="ctr">
-                      <a:solidFill>
-                        <a:schemeClr val="tx1"/>
-                      </a:solidFill>
-                      <a:prstDash val="solid"/>
-                      <a:round/>
-                      <a:headEnd type="none" w="med" len="med"/>
-                      <a:tailEnd type="none" w="med" len="med"/>
-                    </a:lnT>
-                  </a:tcPr>
-                </a:tc>
-                <a:tc>
-                  <a:txBody>
-                    <a:bodyPr/>
-                    <a:lstStyle/>
-                    <a:p>
-                      <a:r>
-                        <a:rPr lang="en-SG" sz="1000" dirty="0"/>
-                        <a:t>Function provided</a:t>
-                      </a:r>
-                    </a:p>
-                  </a:txBody>
-                  <a:tcPr>
-                    <a:lnR w="12700" cap="flat" cmpd="sng" algn="ctr">
-                      <a:solidFill>
-                        <a:schemeClr val="tx1"/>
-                      </a:solidFill>
-                      <a:prstDash val="solid"/>
-                      <a:round/>
-                      <a:headEnd type="none" w="med" len="med"/>
-                      <a:tailEnd type="none" w="med" len="med"/>
-                    </a:lnR>
-                    <a:lnT w="12700" cap="flat" cmpd="sng" algn="ctr">
-                      <a:solidFill>
-                        <a:schemeClr val="tx1"/>
-                      </a:solidFill>
-                      <a:prstDash val="solid"/>
-                      <a:round/>
-                      <a:headEnd type="none" w="med" len="med"/>
-                      <a:tailEnd type="none" w="med" len="med"/>
-                    </a:lnT>
-                  </a:tcPr>
-                </a:tc>
-                <a:extLst>
-                  <a:ext uri="{0D108BD9-81ED-4DB2-BD59-A6C34878D82A}">
-                    <a16:rowId xmlns:a16="http://schemas.microsoft.com/office/drawing/2014/main" val="896556790"/>
-                  </a:ext>
-                </a:extLst>
-              </a:tr>
-              <a:tr h="370840">
-                <a:tc>
-                  <a:txBody>
-                    <a:bodyPr/>
-                    <a:lstStyle/>
-                    <a:p>
-                      <a:r>
-                        <a:rPr lang="en-SG" sz="1000" dirty="0"/>
-                        <a:t>1</a:t>
-                      </a:r>
-                    </a:p>
-                  </a:txBody>
-                  <a:tcPr>
-                    <a:lnL w="12700" cap="flat" cmpd="sng" algn="ctr">
-                      <a:solidFill>
-                        <a:schemeClr val="tx1"/>
-                      </a:solidFill>
-                      <a:prstDash val="solid"/>
-                      <a:round/>
-                      <a:headEnd type="none" w="med" len="med"/>
-                      <a:tailEnd type="none" w="med" len="med"/>
-                    </a:lnL>
-                  </a:tcPr>
-                </a:tc>
-                <a:tc>
-                  <a:txBody>
-                    <a:bodyPr/>
-                    <a:lstStyle/>
-                    <a:p>
-                      <a:r>
-                        <a:rPr lang="en-SG" sz="1000" b="0" kern="1200" dirty="0">
-                          <a:solidFill>
-                            <a:schemeClr val="dk1"/>
-                          </a:solidFill>
-                          <a:effectLst/>
-                        </a:rPr>
-                        <a:t>CmdActor</a:t>
-                      </a:r>
-                      <a:endParaRPr lang="en-SG" sz="1000" dirty="0"/>
-                    </a:p>
-                  </a:txBody>
-                  <a:tcPr/>
-                </a:tc>
-                <a:tc>
-                  <a:txBody>
-                    <a:bodyPr/>
-                    <a:lstStyle/>
-                    <a:p>
-                      <a:r>
-                        <a:rPr lang="en-US" sz="1000" b="0" kern="1200" dirty="0">
-                          <a:solidFill>
-                            <a:schemeClr val="dk1"/>
-                          </a:solidFill>
-                          <a:effectLst/>
-                        </a:rPr>
-                        <a:t>Run Window/Linux  commend under cmd or PowerShell.</a:t>
-                      </a:r>
-                      <a:endParaRPr lang="en-SG" sz="1000" dirty="0"/>
-                    </a:p>
-                  </a:txBody>
-                  <a:tcPr>
-                    <a:lnR w="12700" cap="flat" cmpd="sng" algn="ctr">
-                      <a:solidFill>
-                        <a:schemeClr val="tx1"/>
-                      </a:solidFill>
-                      <a:prstDash val="solid"/>
-                      <a:round/>
-                      <a:headEnd type="none" w="med" len="med"/>
-                      <a:tailEnd type="none" w="med" len="med"/>
-                    </a:lnR>
-                  </a:tcPr>
-                </a:tc>
-                <a:extLst>
-                  <a:ext uri="{0D108BD9-81ED-4DB2-BD59-A6C34878D82A}">
-                    <a16:rowId xmlns:a16="http://schemas.microsoft.com/office/drawing/2014/main" val="553099790"/>
-                  </a:ext>
-                </a:extLst>
-              </a:tr>
-              <a:tr h="370840">
-                <a:tc>
-                  <a:txBody>
-                    <a:bodyPr/>
-                    <a:lstStyle/>
-                    <a:p>
-                      <a:r>
-                        <a:rPr lang="en-SG" sz="1000" dirty="0"/>
-                        <a:t>2</a:t>
-                      </a:r>
-                    </a:p>
-                  </a:txBody>
-                  <a:tcPr>
-                    <a:lnL w="12700" cap="flat" cmpd="sng" algn="ctr">
-                      <a:solidFill>
-                        <a:schemeClr val="tx1"/>
-                      </a:solidFill>
-                      <a:prstDash val="solid"/>
-                      <a:round/>
-                      <a:headEnd type="none" w="med" len="med"/>
-                      <a:tailEnd type="none" w="med" len="med"/>
-                    </a:lnL>
-                    <a:lnB w="12700" cap="flat" cmpd="sng" algn="ctr">
-                      <a:solidFill>
-                        <a:schemeClr val="tx1"/>
-                      </a:solidFill>
-                      <a:prstDash val="solid"/>
-                      <a:round/>
-                      <a:headEnd type="none" w="med" len="med"/>
-                      <a:tailEnd type="none" w="med" len="med"/>
-                    </a:lnB>
-                  </a:tcPr>
-                </a:tc>
-                <a:tc>
-                  <a:txBody>
-                    <a:bodyPr/>
-                    <a:lstStyle/>
-                    <a:p>
-                      <a:r>
-                        <a:rPr lang="en-SG" sz="1000" b="0" kern="1200" dirty="0">
-                          <a:solidFill>
-                            <a:schemeClr val="dk1"/>
-                          </a:solidFill>
-                          <a:effectLst/>
-                        </a:rPr>
-                        <a:t>SettingActor</a:t>
-                      </a:r>
-                      <a:endParaRPr lang="en-SG" sz="1000" dirty="0"/>
-                    </a:p>
-                  </a:txBody>
-                  <a:tcPr>
-                    <a:lnB w="12700" cap="flat" cmpd="sng" algn="ctr">
-                      <a:solidFill>
-                        <a:schemeClr val="tx1"/>
-                      </a:solidFill>
-                      <a:prstDash val="solid"/>
-                      <a:round/>
-                      <a:headEnd type="none" w="med" len="med"/>
-                      <a:tailEnd type="none" w="med" len="med"/>
-                    </a:lnB>
-                  </a:tcPr>
-                </a:tc>
-                <a:tc>
-                  <a:txBody>
-                    <a:bodyPr/>
-                    <a:lstStyle/>
-                    <a:p>
-                      <a:r>
-                        <a:rPr lang="en-US" sz="1000" dirty="0"/>
-                        <a:t>Change some OS setting (on/off firewall, change display bg, sort desktop, reboot)</a:t>
-                      </a:r>
-                      <a:endParaRPr lang="en-SG" sz="1000" dirty="0"/>
-                    </a:p>
-                  </a:txBody>
-                  <a:tcPr>
-                    <a:lnR w="12700" cap="flat" cmpd="sng" algn="ctr">
-                      <a:solidFill>
-                        <a:schemeClr val="tx1"/>
-                      </a:solidFill>
-                      <a:prstDash val="solid"/>
-                      <a:round/>
-                      <a:headEnd type="none" w="med" len="med"/>
-                      <a:tailEnd type="none" w="med" len="med"/>
-                    </a:lnR>
-                    <a:lnB w="12700" cap="flat" cmpd="sng" algn="ctr">
-                      <a:solidFill>
-                        <a:schemeClr val="tx1"/>
-                      </a:solidFill>
-                      <a:prstDash val="solid"/>
-                      <a:round/>
-                      <a:headEnd type="none" w="med" len="med"/>
-                      <a:tailEnd type="none" w="med" len="med"/>
-                    </a:lnB>
-                  </a:tcPr>
-                </a:tc>
-                <a:extLst>
-                  <a:ext uri="{0D108BD9-81ED-4DB2-BD59-A6C34878D82A}">
-                    <a16:rowId xmlns:a16="http://schemas.microsoft.com/office/drawing/2014/main" val="3476181168"/>
-                  </a:ext>
-                </a:extLst>
-              </a:tr>
-            </a:tbl>
-          </a:graphicData>
-        </a:graphic>
-      </p:graphicFrame>
       <p:sp>
         <p:nvSpPr>
-          <p:cNvPr id="8" name="TextBox 7">
-            <a:extLst>
-              <a:ext uri="{FF2B5EF4-FFF2-40B4-BE49-F238E27FC236}">
-                <a16:creationId xmlns:a16="http://schemas.microsoft.com/office/drawing/2014/main" id="{138EFD8C-376B-7A8F-739A-6047F97BE298}"/>
+          <p:cNvPr id="17" name="TextBox 16">
+            <a:extLst>
+              <a:ext uri="{FF2B5EF4-FFF2-40B4-BE49-F238E27FC236}">
+                <a16:creationId xmlns:a16="http://schemas.microsoft.com/office/drawing/2014/main" id="{EBF08DFE-C653-793C-2A90-1F31A7ED92CE}"/>
               </a:ext>
             </a:extLst>
           </p:cNvPr>
@@ -29684,8 +30620,8 @@
         </p:nvSpPr>
         <p:spPr>
           <a:xfrm>
-            <a:off x="259568" y="755026"/>
-            <a:ext cx="4269408" cy="338554"/>
+            <a:off x="327992" y="2027584"/>
+            <a:ext cx="1510747" cy="338554"/>
           </a:xfrm>
           <a:prstGeom prst="rect">
             <a:avLst/>
@@ -29699,486 +30635,18 @@
           <a:lstStyle/>
           <a:p>
             <a:r>
-              <a:rPr lang="en-US" sz="1600" b="1" dirty="0"/>
-              <a:t>System Operation Actors </a:t>
-            </a:r>
-            <a:r>
               <a:rPr lang="en-SG" sz="1600" b="1" dirty="0"/>
-              <a:t>Repository </a:t>
+              <a:t>Physical Server</a:t>
             </a:r>
           </a:p>
         </p:txBody>
       </p:sp>
-      <p:graphicFrame>
-        <p:nvGraphicFramePr>
-          <p:cNvPr id="9" name="Table 5">
-            <a:extLst>
-              <a:ext uri="{FF2B5EF4-FFF2-40B4-BE49-F238E27FC236}">
-                <a16:creationId xmlns:a16="http://schemas.microsoft.com/office/drawing/2014/main" id="{C0D742AC-0B12-6BEA-176A-BE437E45E5D3}"/>
-              </a:ext>
-            </a:extLst>
-          </p:cNvPr>
-          <p:cNvGraphicFramePr>
-            <a:graphicFrameLocks noGrp="1"/>
-          </p:cNvGraphicFramePr>
-          <p:nvPr>
-            <p:extLst>
-              <p:ext uri="{D42A27DB-BD31-4B8C-83A1-F6EECF244321}">
-                <p14:modId xmlns:p14="http://schemas.microsoft.com/office/powerpoint/2010/main" val="397633608"/>
-              </p:ext>
-            </p:extLst>
-          </p:nvPr>
-        </p:nvGraphicFramePr>
-        <p:xfrm>
-          <a:off x="372940" y="3122486"/>
-          <a:ext cx="3548820" cy="2064989"/>
-        </p:xfrm>
-        <a:graphic>
-          <a:graphicData uri="http://schemas.openxmlformats.org/drawingml/2006/table">
-            <a:tbl>
-              <a:tblPr firstRow="1" bandRow="1">
-                <a:tableStyleId>{5C22544A-7EE6-4342-B048-85BDC9FD1C3A}</a:tableStyleId>
-              </a:tblPr>
-              <a:tblGrid>
-                <a:gridCol w="380979">
-                  <a:extLst>
-                    <a:ext uri="{9D8B030D-6E8A-4147-A177-3AD203B41FA5}">
-                      <a16:colId xmlns:a16="http://schemas.microsoft.com/office/drawing/2014/main" val="3380695120"/>
-                    </a:ext>
-                  </a:extLst>
-                </a:gridCol>
-                <a:gridCol w="1006894">
-                  <a:extLst>
-                    <a:ext uri="{9D8B030D-6E8A-4147-A177-3AD203B41FA5}">
-                      <a16:colId xmlns:a16="http://schemas.microsoft.com/office/drawing/2014/main" val="308096956"/>
-                    </a:ext>
-                  </a:extLst>
-                </a:gridCol>
-                <a:gridCol w="2160947">
-                  <a:extLst>
-                    <a:ext uri="{9D8B030D-6E8A-4147-A177-3AD203B41FA5}">
-                      <a16:colId xmlns:a16="http://schemas.microsoft.com/office/drawing/2014/main" val="1115179321"/>
-                    </a:ext>
-                  </a:extLst>
-                </a:gridCol>
-              </a:tblGrid>
-              <a:tr h="353412">
-                <a:tc>
-                  <a:txBody>
-                    <a:bodyPr/>
-                    <a:lstStyle/>
-                    <a:p>
-                      <a:r>
-                        <a:rPr lang="en-SG" sz="1000" dirty="0"/>
-                        <a:t>Index</a:t>
-                      </a:r>
-                    </a:p>
-                  </a:txBody>
-                  <a:tcPr>
-                    <a:lnL w="12700" cap="flat" cmpd="sng" algn="ctr">
-                      <a:solidFill>
-                        <a:schemeClr val="tx1"/>
-                      </a:solidFill>
-                      <a:prstDash val="solid"/>
-                      <a:round/>
-                      <a:headEnd type="none" w="med" len="med"/>
-                      <a:tailEnd type="none" w="med" len="med"/>
-                    </a:lnL>
-                    <a:lnT w="12700" cap="flat" cmpd="sng" algn="ctr">
-                      <a:solidFill>
-                        <a:schemeClr val="tx1"/>
-                      </a:solidFill>
-                      <a:prstDash val="solid"/>
-                      <a:round/>
-                      <a:headEnd type="none" w="med" len="med"/>
-                      <a:tailEnd type="none" w="med" len="med"/>
-                    </a:lnT>
-                  </a:tcPr>
-                </a:tc>
-                <a:tc>
-                  <a:txBody>
-                    <a:bodyPr/>
-                    <a:lstStyle/>
-                    <a:p>
-                      <a:r>
-                        <a:rPr lang="en-SG" sz="1000" dirty="0"/>
-                        <a:t>Actor module name</a:t>
-                      </a:r>
-                    </a:p>
-                  </a:txBody>
-                  <a:tcPr>
-                    <a:lnT w="12700" cap="flat" cmpd="sng" algn="ctr">
-                      <a:solidFill>
-                        <a:schemeClr val="tx1"/>
-                      </a:solidFill>
-                      <a:prstDash val="solid"/>
-                      <a:round/>
-                      <a:headEnd type="none" w="med" len="med"/>
-                      <a:tailEnd type="none" w="med" len="med"/>
-                    </a:lnT>
-                  </a:tcPr>
-                </a:tc>
-                <a:tc>
-                  <a:txBody>
-                    <a:bodyPr/>
-                    <a:lstStyle/>
-                    <a:p>
-                      <a:r>
-                        <a:rPr lang="en-SG" sz="1000" dirty="0"/>
-                        <a:t>Function provided</a:t>
-                      </a:r>
-                    </a:p>
-                  </a:txBody>
-                  <a:tcPr>
-                    <a:lnR w="12700" cap="flat" cmpd="sng" algn="ctr">
-                      <a:solidFill>
-                        <a:schemeClr val="tx1"/>
-                      </a:solidFill>
-                      <a:prstDash val="solid"/>
-                      <a:round/>
-                      <a:headEnd type="none" w="med" len="med"/>
-                      <a:tailEnd type="none" w="med" len="med"/>
-                    </a:lnR>
-                    <a:lnT w="12700" cap="flat" cmpd="sng" algn="ctr">
-                      <a:solidFill>
-                        <a:schemeClr val="tx1"/>
-                      </a:solidFill>
-                      <a:prstDash val="solid"/>
-                      <a:round/>
-                      <a:headEnd type="none" w="med" len="med"/>
-                      <a:tailEnd type="none" w="med" len="med"/>
-                    </a:lnT>
-                  </a:tcPr>
-                </a:tc>
-                <a:extLst>
-                  <a:ext uri="{0D108BD9-81ED-4DB2-BD59-A6C34878D82A}">
-                    <a16:rowId xmlns:a16="http://schemas.microsoft.com/office/drawing/2014/main" val="896556790"/>
-                  </a:ext>
-                </a:extLst>
-              </a:tr>
-              <a:tr h="522857">
-                <a:tc>
-                  <a:txBody>
-                    <a:bodyPr/>
-                    <a:lstStyle/>
-                    <a:p>
-                      <a:r>
-                        <a:rPr lang="en-SG" sz="1000" dirty="0"/>
-                        <a:t>1</a:t>
-                      </a:r>
-                    </a:p>
-                  </a:txBody>
-                  <a:tcPr>
-                    <a:lnL w="12700" cap="flat" cmpd="sng" algn="ctr">
-                      <a:solidFill>
-                        <a:schemeClr val="tx1"/>
-                      </a:solidFill>
-                      <a:prstDash val="solid"/>
-                      <a:round/>
-                      <a:headEnd type="none" w="med" len="med"/>
-                      <a:tailEnd type="none" w="med" len="med"/>
-                    </a:lnL>
-                  </a:tcPr>
-                </a:tc>
-                <a:tc>
-                  <a:txBody>
-                    <a:bodyPr/>
-                    <a:lstStyle/>
-                    <a:p>
-                      <a:r>
-                        <a:rPr lang="en-SG" sz="1000" b="0" kern="1200" dirty="0">
-                          <a:solidFill>
-                            <a:schemeClr val="dk1"/>
-                          </a:solidFill>
-                          <a:effectLst/>
-                        </a:rPr>
-                        <a:t>SerialConnector</a:t>
-                      </a:r>
-                      <a:endParaRPr lang="en-SG" sz="1000" dirty="0"/>
-                    </a:p>
-                  </a:txBody>
-                  <a:tcPr/>
-                </a:tc>
-                <a:tc>
-                  <a:txBody>
-                    <a:bodyPr/>
-                    <a:lstStyle/>
-                    <a:p>
-                      <a:r>
-                        <a:rPr lang="en-US" sz="1000" b="0" kern="1200" dirty="0">
-                          <a:solidFill>
-                            <a:schemeClr val="dk1"/>
-                          </a:solidFill>
-                          <a:effectLst/>
-                        </a:rPr>
-                        <a:t>Send and read message to/from COM port.</a:t>
-                      </a:r>
-                      <a:endParaRPr lang="en-SG" sz="1000" dirty="0"/>
-                    </a:p>
-                  </a:txBody>
-                  <a:tcPr>
-                    <a:lnR w="12700" cap="flat" cmpd="sng" algn="ctr">
-                      <a:solidFill>
-                        <a:schemeClr val="tx1"/>
-                      </a:solidFill>
-                      <a:prstDash val="solid"/>
-                      <a:round/>
-                      <a:headEnd type="none" w="med" len="med"/>
-                      <a:tailEnd type="none" w="med" len="med"/>
-                    </a:lnR>
-                  </a:tcPr>
-                </a:tc>
-                <a:extLst>
-                  <a:ext uri="{0D108BD9-81ED-4DB2-BD59-A6C34878D82A}">
-                    <a16:rowId xmlns:a16="http://schemas.microsoft.com/office/drawing/2014/main" val="553099790"/>
-                  </a:ext>
-                </a:extLst>
-              </a:tr>
-              <a:tr h="353412">
-                <a:tc>
-                  <a:txBody>
-                    <a:bodyPr/>
-                    <a:lstStyle/>
-                    <a:p>
-                      <a:r>
-                        <a:rPr lang="en-SG" sz="1000" dirty="0"/>
-                        <a:t>2</a:t>
-                      </a:r>
-                    </a:p>
-                  </a:txBody>
-                  <a:tcPr>
-                    <a:lnL w="12700" cap="flat" cmpd="sng" algn="ctr">
-                      <a:solidFill>
-                        <a:schemeClr val="tx1"/>
-                      </a:solidFill>
-                      <a:prstDash val="solid"/>
-                      <a:round/>
-                      <a:headEnd type="none" w="med" len="med"/>
-                      <a:tailEnd type="none" w="med" len="med"/>
-                    </a:lnL>
-                  </a:tcPr>
-                </a:tc>
-                <a:tc>
-                  <a:txBody>
-                    <a:bodyPr/>
-                    <a:lstStyle/>
-                    <a:p>
-                      <a:r>
-                        <a:rPr lang="en-SG" sz="1000" b="0" kern="1200" dirty="0">
-                          <a:solidFill>
-                            <a:schemeClr val="dk1"/>
-                          </a:solidFill>
-                          <a:effectLst/>
-                        </a:rPr>
-                        <a:t>camEchoServer</a:t>
-                      </a:r>
-                      <a:endParaRPr lang="en-SG" sz="1000" dirty="0"/>
-                    </a:p>
-                  </a:txBody>
-                  <a:tcPr/>
-                </a:tc>
-                <a:tc>
-                  <a:txBody>
-                    <a:bodyPr/>
-                    <a:lstStyle/>
-                    <a:p>
-                      <a:r>
-                        <a:rPr lang="en-US" sz="1000" dirty="0"/>
-                        <a:t>Computer built in camera/usb camera video read record. Start a HLS server.</a:t>
-                      </a:r>
-                      <a:endParaRPr lang="en-SG" sz="1000" dirty="0"/>
-                    </a:p>
-                  </a:txBody>
-                  <a:tcPr>
-                    <a:lnR w="12700" cap="flat" cmpd="sng" algn="ctr">
-                      <a:solidFill>
-                        <a:schemeClr val="tx1"/>
-                      </a:solidFill>
-                      <a:prstDash val="solid"/>
-                      <a:round/>
-                      <a:headEnd type="none" w="med" len="med"/>
-                      <a:tailEnd type="none" w="med" len="med"/>
-                    </a:lnR>
-                  </a:tcPr>
-                </a:tc>
-                <a:extLst>
-                  <a:ext uri="{0D108BD9-81ED-4DB2-BD59-A6C34878D82A}">
-                    <a16:rowId xmlns:a16="http://schemas.microsoft.com/office/drawing/2014/main" val="3476181168"/>
-                  </a:ext>
-                </a:extLst>
-              </a:tr>
-              <a:tr h="353412">
-                <a:tc>
-                  <a:txBody>
-                    <a:bodyPr/>
-                    <a:lstStyle/>
-                    <a:p>
-                      <a:r>
-                        <a:rPr lang="en-SG" sz="1000" dirty="0"/>
-                        <a:t>3</a:t>
-                      </a:r>
-                    </a:p>
-                  </a:txBody>
-                  <a:tcPr>
-                    <a:lnL w="12700" cap="flat" cmpd="sng" algn="ctr">
-                      <a:solidFill>
-                        <a:schemeClr val="tx1"/>
-                      </a:solidFill>
-                      <a:prstDash val="solid"/>
-                      <a:round/>
-                      <a:headEnd type="none" w="med" len="med"/>
-                      <a:tailEnd type="none" w="med" len="med"/>
-                    </a:lnL>
-                  </a:tcPr>
-                </a:tc>
-                <a:tc>
-                  <a:txBody>
-                    <a:bodyPr/>
-                    <a:lstStyle/>
-                    <a:p>
-                      <a:r>
-                        <a:rPr lang="en-SG" sz="1000" dirty="0"/>
-                        <a:t>ScreanRecorder</a:t>
-                      </a:r>
-                    </a:p>
-                  </a:txBody>
-                  <a:tcPr/>
-                </a:tc>
-                <a:tc>
-                  <a:txBody>
-                    <a:bodyPr/>
-                    <a:lstStyle/>
-                    <a:p>
-                      <a:r>
-                        <a:rPr lang="en-US" sz="1000" dirty="0"/>
-                        <a:t>snapshot the screen under frequency.</a:t>
-                      </a:r>
-                      <a:endParaRPr lang="en-SG" sz="1000" dirty="0"/>
-                    </a:p>
-                  </a:txBody>
-                  <a:tcPr>
-                    <a:lnR w="12700" cap="flat" cmpd="sng" algn="ctr">
-                      <a:solidFill>
-                        <a:schemeClr val="tx1"/>
-                      </a:solidFill>
-                      <a:prstDash val="solid"/>
-                      <a:round/>
-                      <a:headEnd type="none" w="med" len="med"/>
-                      <a:tailEnd type="none" w="med" len="med"/>
-                    </a:lnR>
-                  </a:tcPr>
-                </a:tc>
-                <a:extLst>
-                  <a:ext uri="{0D108BD9-81ED-4DB2-BD59-A6C34878D82A}">
-                    <a16:rowId xmlns:a16="http://schemas.microsoft.com/office/drawing/2014/main" val="3794426225"/>
-                  </a:ext>
-                </a:extLst>
-              </a:tr>
-              <a:tr h="353412">
-                <a:tc>
-                  <a:txBody>
-                    <a:bodyPr/>
-                    <a:lstStyle/>
-                    <a:p>
-                      <a:r>
-                        <a:rPr lang="en-SG" sz="1000" dirty="0"/>
-                        <a:t>4</a:t>
-                      </a:r>
-                    </a:p>
-                  </a:txBody>
-                  <a:tcPr>
-                    <a:lnL w="12700" cap="flat" cmpd="sng" algn="ctr">
-                      <a:solidFill>
-                        <a:schemeClr val="tx1"/>
-                      </a:solidFill>
-                      <a:prstDash val="solid"/>
-                      <a:round/>
-                      <a:headEnd type="none" w="med" len="med"/>
-                      <a:tailEnd type="none" w="med" len="med"/>
-                    </a:lnL>
-                    <a:lnB w="12700" cap="flat" cmpd="sng" algn="ctr">
-                      <a:solidFill>
-                        <a:schemeClr val="tx1"/>
-                      </a:solidFill>
-                      <a:prstDash val="solid"/>
-                      <a:round/>
-                      <a:headEnd type="none" w="med" len="med"/>
-                      <a:tailEnd type="none" w="med" len="med"/>
-                    </a:lnB>
-                  </a:tcPr>
-                </a:tc>
-                <a:tc>
-                  <a:txBody>
-                    <a:bodyPr/>
-                    <a:lstStyle/>
-                    <a:p>
-                      <a:r>
-                        <a:rPr lang="en-SG" sz="1000" dirty="0"/>
-                        <a:t>DBHandler</a:t>
-                      </a:r>
-                    </a:p>
-                  </a:txBody>
-                  <a:tcPr>
-                    <a:lnB w="12700" cap="flat" cmpd="sng" algn="ctr">
-                      <a:solidFill>
-                        <a:schemeClr val="tx1"/>
-                      </a:solidFill>
-                      <a:prstDash val="solid"/>
-                      <a:round/>
-                      <a:headEnd type="none" w="med" len="med"/>
-                      <a:tailEnd type="none" w="med" len="med"/>
-                    </a:lnB>
-                  </a:tcPr>
-                </a:tc>
-                <a:tc>
-                  <a:txBody>
-                    <a:bodyPr/>
-                    <a:lstStyle/>
-                    <a:p>
-                      <a:r>
-                        <a:rPr lang="en-US" sz="1000" dirty="0"/>
-                        <a:t>DataBase (SQLite3, influxDB, arangodb) access action simulator.</a:t>
-                      </a:r>
-                      <a:endParaRPr lang="en-SG" sz="1000" dirty="0"/>
-                    </a:p>
-                  </a:txBody>
-                  <a:tcPr>
-                    <a:lnR w="12700" cap="flat" cmpd="sng" algn="ctr">
-                      <a:solidFill>
-                        <a:schemeClr val="tx1"/>
-                      </a:solidFill>
-                      <a:prstDash val="solid"/>
-                      <a:round/>
-                      <a:headEnd type="none" w="med" len="med"/>
-                      <a:tailEnd type="none" w="med" len="med"/>
-                    </a:lnR>
-                    <a:lnB w="12700" cap="flat" cmpd="sng" algn="ctr">
-                      <a:solidFill>
-                        <a:schemeClr val="tx1"/>
-                      </a:solidFill>
-                      <a:prstDash val="solid"/>
-                      <a:round/>
-                      <a:headEnd type="none" w="med" len="med"/>
-                      <a:tailEnd type="none" w="med" len="med"/>
-                    </a:lnB>
-                  </a:tcPr>
-                </a:tc>
-                <a:extLst>
-                  <a:ext uri="{0D108BD9-81ED-4DB2-BD59-A6C34878D82A}">
-                    <a16:rowId xmlns:a16="http://schemas.microsoft.com/office/drawing/2014/main" val="3781525643"/>
-                  </a:ext>
-                </a:extLst>
-              </a:tr>
-            </a:tbl>
-          </a:graphicData>
-        </a:graphic>
-      </p:graphicFrame>
       <p:sp>
         <p:nvSpPr>
-          <p:cNvPr id="10" name="TextBox 9">
-            <a:extLst>
-              <a:ext uri="{FF2B5EF4-FFF2-40B4-BE49-F238E27FC236}">
-                <a16:creationId xmlns:a16="http://schemas.microsoft.com/office/drawing/2014/main" id="{DABC52E8-651F-68A0-4FD1-0C1389D4F432}"/>
+          <p:cNvPr id="18" name="TextBox 17">
+            <a:extLst>
+              <a:ext uri="{FF2B5EF4-FFF2-40B4-BE49-F238E27FC236}">
+                <a16:creationId xmlns:a16="http://schemas.microsoft.com/office/drawing/2014/main" id="{DD0F07C9-038A-D995-B5E2-EF0922867D50}"/>
               </a:ext>
             </a:extLst>
           </p:cNvPr>
@@ -30187,8 +30655,8 @@
         </p:nvSpPr>
         <p:spPr>
           <a:xfrm>
-            <a:off x="259568" y="2670028"/>
-            <a:ext cx="4269408" cy="338554"/>
+            <a:off x="447594" y="2520738"/>
+            <a:ext cx="2957997" cy="276999"/>
           </a:xfrm>
           <a:prstGeom prst="rect">
             <a:avLst/>
@@ -30202,18 +30670,293 @@
           <a:lstStyle/>
           <a:p>
             <a:r>
-              <a:rPr lang="en-SG" sz="1600" b="1" dirty="0"/>
-              <a:t>Other Action Repository</a:t>
+              <a:rPr lang="en-SG" sz="1200" dirty="0"/>
+              <a:t>Test environment built by virtual box [VMs]</a:t>
             </a:r>
           </a:p>
         </p:txBody>
       </p:sp>
+      <p:pic>
+        <p:nvPicPr>
+          <p:cNvPr id="19" name="Picture 18">
+            <a:extLst>
+              <a:ext uri="{FF2B5EF4-FFF2-40B4-BE49-F238E27FC236}">
+                <a16:creationId xmlns:a16="http://schemas.microsoft.com/office/drawing/2014/main" id="{A5663F4A-DF56-0BE4-0874-D3C7A9386952}"/>
+              </a:ext>
+            </a:extLst>
+          </p:cNvPr>
+          <p:cNvPicPr>
+            <a:picLocks noChangeAspect="1"/>
+          </p:cNvPicPr>
+          <p:nvPr/>
+        </p:nvPicPr>
+        <p:blipFill>
+          <a:blip r:embed="rId4"/>
+          <a:stretch>
+            <a:fillRect/>
+          </a:stretch>
+        </p:blipFill>
+        <p:spPr>
+          <a:xfrm>
+            <a:off x="3335903" y="5421141"/>
+            <a:ext cx="357810" cy="278297"/>
+          </a:xfrm>
+          <a:prstGeom prst="rect">
+            <a:avLst/>
+          </a:prstGeom>
+          <a:ln w="12700">
+            <a:solidFill>
+              <a:schemeClr val="tx1"/>
+            </a:solidFill>
+          </a:ln>
+        </p:spPr>
+      </p:pic>
+      <p:pic>
+        <p:nvPicPr>
+          <p:cNvPr id="20" name="Picture 19">
+            <a:extLst>
+              <a:ext uri="{FF2B5EF4-FFF2-40B4-BE49-F238E27FC236}">
+                <a16:creationId xmlns:a16="http://schemas.microsoft.com/office/drawing/2014/main" id="{61575D29-847C-72AF-3576-65E140622928}"/>
+              </a:ext>
+            </a:extLst>
+          </p:cNvPr>
+          <p:cNvPicPr>
+            <a:picLocks noChangeAspect="1"/>
+          </p:cNvPicPr>
+          <p:nvPr/>
+        </p:nvPicPr>
+        <p:blipFill>
+          <a:blip r:embed="rId4"/>
+          <a:stretch>
+            <a:fillRect/>
+          </a:stretch>
+        </p:blipFill>
+        <p:spPr>
+          <a:xfrm>
+            <a:off x="4459128" y="5411202"/>
+            <a:ext cx="357810" cy="278297"/>
+          </a:xfrm>
+          <a:prstGeom prst="rect">
+            <a:avLst/>
+          </a:prstGeom>
+          <a:ln w="12700">
+            <a:solidFill>
+              <a:schemeClr val="tx1"/>
+            </a:solidFill>
+          </a:ln>
+        </p:spPr>
+      </p:pic>
+      <p:pic>
+        <p:nvPicPr>
+          <p:cNvPr id="21" name="Picture 20">
+            <a:extLst>
+              <a:ext uri="{FF2B5EF4-FFF2-40B4-BE49-F238E27FC236}">
+                <a16:creationId xmlns:a16="http://schemas.microsoft.com/office/drawing/2014/main" id="{964AB3C3-84D4-3813-228F-B503AC8675DA}"/>
+              </a:ext>
+            </a:extLst>
+          </p:cNvPr>
+          <p:cNvPicPr>
+            <a:picLocks noChangeAspect="1"/>
+          </p:cNvPicPr>
+          <p:nvPr/>
+        </p:nvPicPr>
+        <p:blipFill>
+          <a:blip r:embed="rId4"/>
+          <a:stretch>
+            <a:fillRect/>
+          </a:stretch>
+        </p:blipFill>
+        <p:spPr>
+          <a:xfrm>
+            <a:off x="5452829" y="4358310"/>
+            <a:ext cx="357810" cy="278297"/>
+          </a:xfrm>
+          <a:prstGeom prst="rect">
+            <a:avLst/>
+          </a:prstGeom>
+          <a:ln w="12700">
+            <a:solidFill>
+              <a:schemeClr val="tx1"/>
+            </a:solidFill>
+          </a:ln>
+        </p:spPr>
+      </p:pic>
+      <p:pic>
+        <p:nvPicPr>
+          <p:cNvPr id="23" name="Picture 22">
+            <a:extLst>
+              <a:ext uri="{FF2B5EF4-FFF2-40B4-BE49-F238E27FC236}">
+                <a16:creationId xmlns:a16="http://schemas.microsoft.com/office/drawing/2014/main" id="{1D01585E-0FCE-699F-11E8-0F6500BF5B34}"/>
+              </a:ext>
+            </a:extLst>
+          </p:cNvPr>
+          <p:cNvPicPr>
+            <a:picLocks noChangeAspect="1"/>
+          </p:cNvPicPr>
+          <p:nvPr/>
+        </p:nvPicPr>
+        <p:blipFill>
+          <a:blip r:embed="rId5"/>
+          <a:stretch>
+            <a:fillRect/>
+          </a:stretch>
+        </p:blipFill>
+        <p:spPr>
+          <a:xfrm>
+            <a:off x="5462768" y="2302003"/>
+            <a:ext cx="427130" cy="445361"/>
+          </a:xfrm>
+          <a:prstGeom prst="rect">
+            <a:avLst/>
+          </a:prstGeom>
+          <a:ln w="9525">
+            <a:solidFill>
+              <a:schemeClr val="tx1"/>
+            </a:solidFill>
+          </a:ln>
+        </p:spPr>
+      </p:pic>
+      <p:cxnSp>
+        <p:nvCxnSpPr>
+          <p:cNvPr id="26" name="Straight Arrow Connector 25">
+            <a:extLst>
+              <a:ext uri="{FF2B5EF4-FFF2-40B4-BE49-F238E27FC236}">
+                <a16:creationId xmlns:a16="http://schemas.microsoft.com/office/drawing/2014/main" id="{3A2229DC-453F-0E46-8D94-74F333771273}"/>
+              </a:ext>
+            </a:extLst>
+          </p:cNvPr>
+          <p:cNvCxnSpPr>
+            <a:cxnSpLocks/>
+          </p:cNvCxnSpPr>
+          <p:nvPr/>
+        </p:nvCxnSpPr>
+        <p:spPr>
+          <a:xfrm flipH="1">
+            <a:off x="3000043" y="5519693"/>
+            <a:ext cx="335860" cy="0"/>
+          </a:xfrm>
+          <a:prstGeom prst="straightConnector1">
+            <a:avLst/>
+          </a:prstGeom>
+          <a:ln w="28575">
+            <a:solidFill>
+              <a:srgbClr val="002060"/>
+            </a:solidFill>
+            <a:headEnd type="triangle" w="med" len="med"/>
+            <a:tailEnd type="triangle" w="med" len="med"/>
+          </a:ln>
+        </p:spPr>
+        <p:style>
+          <a:lnRef idx="1">
+            <a:schemeClr val="accent1"/>
+          </a:lnRef>
+          <a:fillRef idx="0">
+            <a:schemeClr val="accent1"/>
+          </a:fillRef>
+          <a:effectRef idx="0">
+            <a:schemeClr val="accent1"/>
+          </a:effectRef>
+          <a:fontRef idx="minor">
+            <a:schemeClr val="tx1"/>
+          </a:fontRef>
+        </p:style>
+      </p:cxnSp>
+      <p:cxnSp>
+        <p:nvCxnSpPr>
+          <p:cNvPr id="28" name="Straight Arrow Connector 27">
+            <a:extLst>
+              <a:ext uri="{FF2B5EF4-FFF2-40B4-BE49-F238E27FC236}">
+                <a16:creationId xmlns:a16="http://schemas.microsoft.com/office/drawing/2014/main" id="{10622C23-9A67-0694-F042-338D02AD5E52}"/>
+              </a:ext>
+            </a:extLst>
+          </p:cNvPr>
+          <p:cNvCxnSpPr>
+            <a:cxnSpLocks/>
+          </p:cNvCxnSpPr>
+          <p:nvPr/>
+        </p:nvCxnSpPr>
+        <p:spPr>
+          <a:xfrm flipH="1">
+            <a:off x="4123268" y="5519693"/>
+            <a:ext cx="335860" cy="0"/>
+          </a:xfrm>
+          <a:prstGeom prst="straightConnector1">
+            <a:avLst/>
+          </a:prstGeom>
+          <a:ln w="28575">
+            <a:solidFill>
+              <a:srgbClr val="002060"/>
+            </a:solidFill>
+            <a:headEnd type="triangle" w="med" len="med"/>
+            <a:tailEnd type="triangle" w="med" len="med"/>
+          </a:ln>
+        </p:spPr>
+        <p:style>
+          <a:lnRef idx="1">
+            <a:schemeClr val="accent1"/>
+          </a:lnRef>
+          <a:fillRef idx="0">
+            <a:schemeClr val="accent1"/>
+          </a:fillRef>
+          <a:effectRef idx="0">
+            <a:schemeClr val="accent1"/>
+          </a:effectRef>
+          <a:fontRef idx="minor">
+            <a:schemeClr val="tx1"/>
+          </a:fontRef>
+        </p:style>
+      </p:cxnSp>
+      <p:cxnSp>
+        <p:nvCxnSpPr>
+          <p:cNvPr id="29" name="Straight Arrow Connector 28">
+            <a:extLst>
+              <a:ext uri="{FF2B5EF4-FFF2-40B4-BE49-F238E27FC236}">
+                <a16:creationId xmlns:a16="http://schemas.microsoft.com/office/drawing/2014/main" id="{0C5F31A3-9A70-8BB1-F63D-E988FC7914FD}"/>
+              </a:ext>
+            </a:extLst>
+          </p:cNvPr>
+          <p:cNvCxnSpPr>
+            <a:cxnSpLocks/>
+          </p:cNvCxnSpPr>
+          <p:nvPr/>
+        </p:nvCxnSpPr>
+        <p:spPr>
+          <a:xfrm flipH="1">
+            <a:off x="5158408" y="4459519"/>
+            <a:ext cx="294421" cy="0"/>
+          </a:xfrm>
+          <a:prstGeom prst="straightConnector1">
+            <a:avLst/>
+          </a:prstGeom>
+          <a:ln w="28575">
+            <a:solidFill>
+              <a:srgbClr val="002060"/>
+            </a:solidFill>
+            <a:headEnd type="triangle" w="med" len="med"/>
+            <a:tailEnd type="triangle" w="med" len="med"/>
+          </a:ln>
+        </p:spPr>
+        <p:style>
+          <a:lnRef idx="1">
+            <a:schemeClr val="accent1"/>
+          </a:lnRef>
+          <a:fillRef idx="0">
+            <a:schemeClr val="accent1"/>
+          </a:fillRef>
+          <a:effectRef idx="0">
+            <a:schemeClr val="accent1"/>
+          </a:effectRef>
+          <a:fontRef idx="minor">
+            <a:schemeClr val="tx1"/>
+          </a:fontRef>
+        </p:style>
+      </p:cxnSp>
       <p:sp>
         <p:nvSpPr>
-          <p:cNvPr id="2" name="TextBox 1">
-            <a:extLst>
-              <a:ext uri="{FF2B5EF4-FFF2-40B4-BE49-F238E27FC236}">
-                <a16:creationId xmlns:a16="http://schemas.microsoft.com/office/drawing/2014/main" id="{94E06D7B-D6E9-8DFE-3944-24B0157E4E43}"/>
+          <p:cNvPr id="40" name="TextBox 39">
+            <a:extLst>
+              <a:ext uri="{FF2B5EF4-FFF2-40B4-BE49-F238E27FC236}">
+                <a16:creationId xmlns:a16="http://schemas.microsoft.com/office/drawing/2014/main" id="{5DEF7E3D-E4CE-CF8F-E80E-DEE43B4A3FA5}"/>
               </a:ext>
             </a:extLst>
           </p:cNvPr>
@@ -30222,8 +30965,8 @@
         </p:nvSpPr>
         <p:spPr>
           <a:xfrm>
-            <a:off x="4519590" y="743663"/>
-            <a:ext cx="4269408" cy="338554"/>
+            <a:off x="5251039" y="2090631"/>
+            <a:ext cx="1277717" cy="230832"/>
           </a:xfrm>
           <a:prstGeom prst="rect">
             <a:avLst/>
@@ -30237,58 +30980,27 @@
           <a:lstStyle/>
           <a:p>
             <a:r>
-              <a:rPr lang="en-SG" sz="1600" b="1" dirty="0"/>
-              <a:t>User’s Action monitor web:</a:t>
-            </a:r>
+              <a:rPr lang="en-US" sz="900" b="1" dirty="0">
+                <a:solidFill>
+                  <a:srgbClr val="002060"/>
+                </a:solidFill>
+              </a:rPr>
+              <a:t>Monitor-Hub</a:t>
+            </a:r>
+            <a:endParaRPr lang="en-SG" sz="900" b="1" dirty="0">
+              <a:solidFill>
+                <a:srgbClr val="002060"/>
+              </a:solidFill>
+            </a:endParaRPr>
           </a:p>
         </p:txBody>
       </p:sp>
-      <p:pic>
-        <p:nvPicPr>
-          <p:cNvPr id="12" name="Picture 11" descr="A screenshot of a computer&#10;&#10;Description automatically generated">
-            <a:extLst>
-              <a:ext uri="{FF2B5EF4-FFF2-40B4-BE49-F238E27FC236}">
-                <a16:creationId xmlns:a16="http://schemas.microsoft.com/office/drawing/2014/main" id="{BF37BF6A-DEF8-9A7D-19A7-30130330F815}"/>
-              </a:ext>
-            </a:extLst>
-          </p:cNvPr>
-          <p:cNvPicPr>
-            <a:picLocks noChangeAspect="1"/>
-          </p:cNvPicPr>
-          <p:nvPr/>
-        </p:nvPicPr>
-        <p:blipFill rotWithShape="1">
-          <a:blip r:embed="rId3">
-            <a:extLst>
-              <a:ext uri="{28A0092B-C50C-407E-A947-70E740481C1C}">
-                <a14:useLocalDpi xmlns:a14="http://schemas.microsoft.com/office/drawing/2010/main" val="0"/>
-              </a:ext>
-            </a:extLst>
-          </a:blip>
-          <a:srcRect b="5440"/>
-          <a:stretch/>
-        </p:blipFill>
-        <p:spPr>
-          <a:xfrm>
-            <a:off x="4528976" y="1204137"/>
-            <a:ext cx="7482532" cy="3979972"/>
-          </a:xfrm>
-          <a:prstGeom prst="rect">
-            <a:avLst/>
-          </a:prstGeom>
-          <a:ln w="3175">
-            <a:solidFill>
-              <a:schemeClr val="tx1"/>
-            </a:solidFill>
-          </a:ln>
-        </p:spPr>
-      </p:pic>
       <p:sp>
         <p:nvSpPr>
-          <p:cNvPr id="13" name="TextBox 12">
-            <a:extLst>
-              <a:ext uri="{FF2B5EF4-FFF2-40B4-BE49-F238E27FC236}">
-                <a16:creationId xmlns:a16="http://schemas.microsoft.com/office/drawing/2014/main" id="{386AD3BF-2C15-9716-3262-FD64E58EB5A2}"/>
+          <p:cNvPr id="41" name="TextBox 40">
+            <a:extLst>
+              <a:ext uri="{FF2B5EF4-FFF2-40B4-BE49-F238E27FC236}">
+                <a16:creationId xmlns:a16="http://schemas.microsoft.com/office/drawing/2014/main" id="{6F441173-D231-740C-65D7-3DCDBD5C2E8C}"/>
               </a:ext>
             </a:extLst>
           </p:cNvPr>
@@ -30297,8 +31009,8 @@
         </p:nvSpPr>
         <p:spPr>
           <a:xfrm>
-            <a:off x="259568" y="5326561"/>
-            <a:ext cx="8880788" cy="1323439"/>
+            <a:off x="2637998" y="5206962"/>
+            <a:ext cx="1220524" cy="230832"/>
           </a:xfrm>
           <a:prstGeom prst="rect">
             <a:avLst/>
@@ -30312,9 +31024,660 @@
           <a:lstStyle/>
           <a:p>
             <a:r>
+              <a:rPr lang="en-US" sz="900" b="1" dirty="0">
+                <a:solidFill>
+                  <a:srgbClr val="002060"/>
+                </a:solidFill>
+              </a:rPr>
+              <a:t>User emulator [Bob</a:t>
+            </a:r>
+            <a:r>
+              <a:rPr lang="en-US" sz="900" dirty="0">
+                <a:solidFill>
+                  <a:srgbClr val="002060"/>
+                </a:solidFill>
+              </a:rPr>
+              <a:t>]</a:t>
+            </a:r>
+            <a:endParaRPr lang="en-SG" sz="900" dirty="0">
+              <a:solidFill>
+                <a:srgbClr val="002060"/>
+              </a:solidFill>
+            </a:endParaRPr>
+          </a:p>
+        </p:txBody>
+      </p:sp>
+      <p:sp>
+        <p:nvSpPr>
+          <p:cNvPr id="42" name="TextBox 41">
+            <a:extLst>
+              <a:ext uri="{FF2B5EF4-FFF2-40B4-BE49-F238E27FC236}">
+                <a16:creationId xmlns:a16="http://schemas.microsoft.com/office/drawing/2014/main" id="{20D40CCA-2D26-1B5B-13BD-170C2DF5B4E2}"/>
+              </a:ext>
+            </a:extLst>
+          </p:cNvPr>
+          <p:cNvSpPr txBox="1"/>
+          <p:nvPr/>
+        </p:nvSpPr>
+        <p:spPr>
+          <a:xfrm>
+            <a:off x="4077644" y="5199134"/>
+            <a:ext cx="1220524" cy="230832"/>
+          </a:xfrm>
+          <a:prstGeom prst="rect">
+            <a:avLst/>
+          </a:prstGeom>
+          <a:noFill/>
+        </p:spPr>
+        <p:txBody>
+          <a:bodyPr wrap="square" rtlCol="0">
+            <a:spAutoFit/>
+          </a:bodyPr>
+          <a:lstStyle/>
+          <a:p>
+            <a:r>
+              <a:rPr lang="en-US" sz="900" b="1" dirty="0">
+                <a:solidFill>
+                  <a:srgbClr val="002060"/>
+                </a:solidFill>
+              </a:rPr>
+              <a:t>User emulator [Alice</a:t>
+            </a:r>
+            <a:r>
+              <a:rPr lang="en-US" sz="900" dirty="0">
+                <a:solidFill>
+                  <a:srgbClr val="002060"/>
+                </a:solidFill>
+              </a:rPr>
+              <a:t>]</a:t>
+            </a:r>
+            <a:endParaRPr lang="en-SG" sz="900" dirty="0">
+              <a:solidFill>
+                <a:srgbClr val="002060"/>
+              </a:solidFill>
+            </a:endParaRPr>
+          </a:p>
+        </p:txBody>
+      </p:sp>
+      <p:sp>
+        <p:nvSpPr>
+          <p:cNvPr id="43" name="TextBox 42">
+            <a:extLst>
+              <a:ext uri="{FF2B5EF4-FFF2-40B4-BE49-F238E27FC236}">
+                <a16:creationId xmlns:a16="http://schemas.microsoft.com/office/drawing/2014/main" id="{B1061F2D-0400-6955-7F0B-AF5D481C80D9}"/>
+              </a:ext>
+            </a:extLst>
+          </p:cNvPr>
+          <p:cNvSpPr txBox="1"/>
+          <p:nvPr/>
+        </p:nvSpPr>
+        <p:spPr>
+          <a:xfrm>
+            <a:off x="5200377" y="4128593"/>
+            <a:ext cx="1737136" cy="230832"/>
+          </a:xfrm>
+          <a:prstGeom prst="rect">
+            <a:avLst/>
+          </a:prstGeom>
+          <a:noFill/>
+        </p:spPr>
+        <p:txBody>
+          <a:bodyPr wrap="square" rtlCol="0">
+            <a:spAutoFit/>
+          </a:bodyPr>
+          <a:lstStyle/>
+          <a:p>
+            <a:r>
+              <a:rPr lang="en-US" sz="900" b="1" dirty="0">
+                <a:solidFill>
+                  <a:srgbClr val="002060"/>
+                </a:solidFill>
+              </a:rPr>
+              <a:t>User emulator [Charlie</a:t>
+            </a:r>
+            <a:r>
+              <a:rPr lang="en-US" sz="900" dirty="0">
+                <a:solidFill>
+                  <a:srgbClr val="002060"/>
+                </a:solidFill>
+              </a:rPr>
+              <a:t>]</a:t>
+            </a:r>
+            <a:endParaRPr lang="en-SG" sz="900" dirty="0">
+              <a:solidFill>
+                <a:srgbClr val="002060"/>
+              </a:solidFill>
+            </a:endParaRPr>
+          </a:p>
+        </p:txBody>
+      </p:sp>
+      <p:pic>
+        <p:nvPicPr>
+          <p:cNvPr id="45" name="Picture 4">
+            <a:extLst>
+              <a:ext uri="{FF2B5EF4-FFF2-40B4-BE49-F238E27FC236}">
+                <a16:creationId xmlns:a16="http://schemas.microsoft.com/office/drawing/2014/main" id="{18AEAC78-15DE-816E-20FC-D7D8E5432D62}"/>
+              </a:ext>
+            </a:extLst>
+          </p:cNvPr>
+          <p:cNvPicPr>
+            <a:picLocks noChangeAspect="1" noChangeArrowheads="1"/>
+          </p:cNvPicPr>
+          <p:nvPr/>
+        </p:nvPicPr>
+        <p:blipFill>
+          <a:blip r:embed="rId6">
+            <a:extLst>
+              <a:ext uri="{28A0092B-C50C-407E-A947-70E740481C1C}">
+                <a14:useLocalDpi xmlns:a14="http://schemas.microsoft.com/office/drawing/2010/main" val="0"/>
+              </a:ext>
+            </a:extLst>
+          </a:blip>
+          <a:srcRect/>
+          <a:stretch>
+            <a:fillRect/>
+          </a:stretch>
+        </p:blipFill>
+        <p:spPr bwMode="auto">
+          <a:xfrm>
+            <a:off x="6673418" y="2256238"/>
+            <a:ext cx="528189" cy="528189"/>
+          </a:xfrm>
+          <a:prstGeom prst="rect">
+            <a:avLst/>
+          </a:prstGeom>
+          <a:noFill/>
+          <a:extLst>
+            <a:ext uri="{909E8E84-426E-40DD-AFC4-6F175D3DCCD1}">
+              <a14:hiddenFill xmlns:a14="http://schemas.microsoft.com/office/drawing/2010/main">
+                <a:solidFill>
+                  <a:srgbClr val="FFFFFF"/>
+                </a:solidFill>
+              </a14:hiddenFill>
+            </a:ext>
+          </a:extLst>
+        </p:spPr>
+      </p:pic>
+      <p:cxnSp>
+        <p:nvCxnSpPr>
+          <p:cNvPr id="56" name="Connector: Elbow 55">
+            <a:extLst>
+              <a:ext uri="{FF2B5EF4-FFF2-40B4-BE49-F238E27FC236}">
+                <a16:creationId xmlns:a16="http://schemas.microsoft.com/office/drawing/2014/main" id="{C1F66C8E-30E1-D8AB-0667-F60AAB84E2A5}"/>
+              </a:ext>
+            </a:extLst>
+          </p:cNvPr>
+          <p:cNvCxnSpPr>
+            <a:cxnSpLocks/>
+            <a:stCxn id="23" idx="1"/>
+          </p:cNvCxnSpPr>
+          <p:nvPr/>
+        </p:nvCxnSpPr>
+        <p:spPr>
+          <a:xfrm rot="10800000" flipV="1">
+            <a:off x="3693714" y="2524683"/>
+            <a:ext cx="1769054" cy="1790955"/>
+          </a:xfrm>
+          <a:prstGeom prst="bentConnector2">
+            <a:avLst/>
+          </a:prstGeom>
+          <a:ln w="19050">
+            <a:solidFill>
+              <a:srgbClr val="00B050"/>
+            </a:solidFill>
+            <a:prstDash val="sysDash"/>
+            <a:tailEnd type="triangle"/>
+          </a:ln>
+        </p:spPr>
+        <p:style>
+          <a:lnRef idx="1">
+            <a:schemeClr val="accent1"/>
+          </a:lnRef>
+          <a:fillRef idx="0">
+            <a:schemeClr val="accent1"/>
+          </a:fillRef>
+          <a:effectRef idx="0">
+            <a:schemeClr val="accent1"/>
+          </a:effectRef>
+          <a:fontRef idx="minor">
+            <a:schemeClr val="tx1"/>
+          </a:fontRef>
+        </p:style>
+      </p:cxnSp>
+      <p:cxnSp>
+        <p:nvCxnSpPr>
+          <p:cNvPr id="62" name="Straight Arrow Connector 61">
+            <a:extLst>
+              <a:ext uri="{FF2B5EF4-FFF2-40B4-BE49-F238E27FC236}">
+                <a16:creationId xmlns:a16="http://schemas.microsoft.com/office/drawing/2014/main" id="{88DA4BF1-BE6F-94AE-D32B-F514534FEB0F}"/>
+              </a:ext>
+            </a:extLst>
+          </p:cNvPr>
+          <p:cNvCxnSpPr>
+            <a:cxnSpLocks/>
+          </p:cNvCxnSpPr>
+          <p:nvPr/>
+        </p:nvCxnSpPr>
+        <p:spPr>
+          <a:xfrm flipH="1">
+            <a:off x="3053399" y="4753281"/>
+            <a:ext cx="352192" cy="118911"/>
+          </a:xfrm>
+          <a:prstGeom prst="straightConnector1">
+            <a:avLst/>
+          </a:prstGeom>
+          <a:ln w="19050">
+            <a:solidFill>
+              <a:srgbClr val="00B050"/>
+            </a:solidFill>
+            <a:prstDash val="sysDash"/>
+            <a:tailEnd type="triangle"/>
+          </a:ln>
+        </p:spPr>
+        <p:style>
+          <a:lnRef idx="1">
+            <a:schemeClr val="accent1"/>
+          </a:lnRef>
+          <a:fillRef idx="0">
+            <a:schemeClr val="accent1"/>
+          </a:fillRef>
+          <a:effectRef idx="0">
+            <a:schemeClr val="accent1"/>
+          </a:effectRef>
+          <a:fontRef idx="minor">
+            <a:schemeClr val="tx1"/>
+          </a:fontRef>
+        </p:style>
+      </p:cxnSp>
+      <p:cxnSp>
+        <p:nvCxnSpPr>
+          <p:cNvPr id="63" name="Straight Arrow Connector 62">
+            <a:extLst>
+              <a:ext uri="{FF2B5EF4-FFF2-40B4-BE49-F238E27FC236}">
+                <a16:creationId xmlns:a16="http://schemas.microsoft.com/office/drawing/2014/main" id="{08CA909A-A8CD-B38C-974B-748CCCF60FFC}"/>
+              </a:ext>
+            </a:extLst>
+          </p:cNvPr>
+          <p:cNvCxnSpPr>
+            <a:cxnSpLocks/>
+          </p:cNvCxnSpPr>
+          <p:nvPr/>
+        </p:nvCxnSpPr>
+        <p:spPr>
+          <a:xfrm>
+            <a:off x="3745548" y="4636607"/>
+            <a:ext cx="627669" cy="235585"/>
+          </a:xfrm>
+          <a:prstGeom prst="straightConnector1">
+            <a:avLst/>
+          </a:prstGeom>
+          <a:ln w="19050">
+            <a:solidFill>
+              <a:srgbClr val="00B050"/>
+            </a:solidFill>
+            <a:prstDash val="sysDash"/>
+            <a:tailEnd type="triangle"/>
+          </a:ln>
+        </p:spPr>
+        <p:style>
+          <a:lnRef idx="1">
+            <a:schemeClr val="accent1"/>
+          </a:lnRef>
+          <a:fillRef idx="0">
+            <a:schemeClr val="accent1"/>
+          </a:fillRef>
+          <a:effectRef idx="0">
+            <a:schemeClr val="accent1"/>
+          </a:effectRef>
+          <a:fontRef idx="minor">
+            <a:schemeClr val="tx1"/>
+          </a:fontRef>
+        </p:style>
+      </p:cxnSp>
+      <p:cxnSp>
+        <p:nvCxnSpPr>
+          <p:cNvPr id="1033" name="Straight Arrow Connector 1032">
+            <a:extLst>
+              <a:ext uri="{FF2B5EF4-FFF2-40B4-BE49-F238E27FC236}">
+                <a16:creationId xmlns:a16="http://schemas.microsoft.com/office/drawing/2014/main" id="{6342948D-65D9-FEE2-05F2-253F7B23E44C}"/>
+              </a:ext>
+            </a:extLst>
+          </p:cNvPr>
+          <p:cNvCxnSpPr>
+            <a:cxnSpLocks/>
+          </p:cNvCxnSpPr>
+          <p:nvPr/>
+        </p:nvCxnSpPr>
+        <p:spPr>
+          <a:xfrm flipV="1">
+            <a:off x="3804712" y="4128593"/>
+            <a:ext cx="968535" cy="420617"/>
+          </a:xfrm>
+          <a:prstGeom prst="straightConnector1">
+            <a:avLst/>
+          </a:prstGeom>
+          <a:ln w="19050">
+            <a:solidFill>
+              <a:srgbClr val="00B050"/>
+            </a:solidFill>
+            <a:prstDash val="sysDash"/>
+            <a:tailEnd type="triangle"/>
+          </a:ln>
+        </p:spPr>
+        <p:style>
+          <a:lnRef idx="1">
+            <a:schemeClr val="accent1"/>
+          </a:lnRef>
+          <a:fillRef idx="0">
+            <a:schemeClr val="accent1"/>
+          </a:fillRef>
+          <a:effectRef idx="0">
+            <a:schemeClr val="accent1"/>
+          </a:effectRef>
+          <a:fontRef idx="minor">
+            <a:schemeClr val="tx1"/>
+          </a:fontRef>
+        </p:style>
+      </p:cxnSp>
+      <p:cxnSp>
+        <p:nvCxnSpPr>
+          <p:cNvPr id="1037" name="Connector: Elbow 1036">
+            <a:extLst>
+              <a:ext uri="{FF2B5EF4-FFF2-40B4-BE49-F238E27FC236}">
+                <a16:creationId xmlns:a16="http://schemas.microsoft.com/office/drawing/2014/main" id="{0B8F3B91-7916-25BE-F415-83702836C7D6}"/>
+              </a:ext>
+            </a:extLst>
+          </p:cNvPr>
+          <p:cNvCxnSpPr/>
+          <p:nvPr/>
+        </p:nvCxnSpPr>
+        <p:spPr>
+          <a:xfrm rot="16200000" flipH="1">
+            <a:off x="3044917" y="5027743"/>
+            <a:ext cx="391941" cy="374976"/>
+          </a:xfrm>
+          <a:prstGeom prst="bentConnector3">
+            <a:avLst>
+              <a:gd name="adj1" fmla="val -3253"/>
+            </a:avLst>
+          </a:prstGeom>
+          <a:ln w="19050">
+            <a:solidFill>
+              <a:srgbClr val="00B050"/>
+            </a:solidFill>
+            <a:prstDash val="sysDash"/>
+            <a:tailEnd type="triangle"/>
+          </a:ln>
+        </p:spPr>
+        <p:style>
+          <a:lnRef idx="1">
+            <a:schemeClr val="accent1"/>
+          </a:lnRef>
+          <a:fillRef idx="0">
+            <a:schemeClr val="accent1"/>
+          </a:fillRef>
+          <a:effectRef idx="0">
+            <a:schemeClr val="accent1"/>
+          </a:effectRef>
+          <a:fontRef idx="minor">
+            <a:schemeClr val="tx1"/>
+          </a:fontRef>
+        </p:style>
+      </p:cxnSp>
+      <p:cxnSp>
+        <p:nvCxnSpPr>
+          <p:cNvPr id="1040" name="Connector: Elbow 1039">
+            <a:extLst>
+              <a:ext uri="{FF2B5EF4-FFF2-40B4-BE49-F238E27FC236}">
+                <a16:creationId xmlns:a16="http://schemas.microsoft.com/office/drawing/2014/main" id="{5B0C25E4-2035-228D-30C0-2E69E02D7874}"/>
+              </a:ext>
+            </a:extLst>
+          </p:cNvPr>
+          <p:cNvCxnSpPr>
+            <a:endCxn id="20" idx="0"/>
+          </p:cNvCxnSpPr>
+          <p:nvPr/>
+        </p:nvCxnSpPr>
+        <p:spPr>
+          <a:xfrm rot="16200000" flipH="1">
+            <a:off x="4267535" y="5040704"/>
+            <a:ext cx="391942" cy="349054"/>
+          </a:xfrm>
+          <a:prstGeom prst="bentConnector3">
+            <a:avLst>
+              <a:gd name="adj1" fmla="val -717"/>
+            </a:avLst>
+          </a:prstGeom>
+          <a:ln w="19050">
+            <a:solidFill>
+              <a:srgbClr val="00B050"/>
+            </a:solidFill>
+            <a:prstDash val="sysDash"/>
+            <a:tailEnd type="triangle"/>
+          </a:ln>
+        </p:spPr>
+        <p:style>
+          <a:lnRef idx="1">
+            <a:schemeClr val="accent1"/>
+          </a:lnRef>
+          <a:fillRef idx="0">
+            <a:schemeClr val="accent1"/>
+          </a:fillRef>
+          <a:effectRef idx="0">
+            <a:schemeClr val="accent1"/>
+          </a:effectRef>
+          <a:fontRef idx="minor">
+            <a:schemeClr val="tx1"/>
+          </a:fontRef>
+        </p:style>
+      </p:cxnSp>
+      <p:cxnSp>
+        <p:nvCxnSpPr>
+          <p:cNvPr id="1042" name="Connector: Elbow 1041">
+            <a:extLst>
+              <a:ext uri="{FF2B5EF4-FFF2-40B4-BE49-F238E27FC236}">
+                <a16:creationId xmlns:a16="http://schemas.microsoft.com/office/drawing/2014/main" id="{29FA9369-0196-2FC3-3780-99C0A5F9B190}"/>
+              </a:ext>
+            </a:extLst>
+          </p:cNvPr>
+          <p:cNvCxnSpPr/>
+          <p:nvPr/>
+        </p:nvCxnSpPr>
+        <p:spPr>
+          <a:xfrm rot="16200000" flipH="1">
+            <a:off x="5284850" y="3988927"/>
+            <a:ext cx="391942" cy="349054"/>
+          </a:xfrm>
+          <a:prstGeom prst="bentConnector3">
+            <a:avLst>
+              <a:gd name="adj1" fmla="val -717"/>
+            </a:avLst>
+          </a:prstGeom>
+          <a:ln w="19050">
+            <a:solidFill>
+              <a:srgbClr val="00B050"/>
+            </a:solidFill>
+            <a:prstDash val="sysDash"/>
+            <a:tailEnd type="triangle"/>
+          </a:ln>
+        </p:spPr>
+        <p:style>
+          <a:lnRef idx="1">
+            <a:schemeClr val="accent1"/>
+          </a:lnRef>
+          <a:fillRef idx="0">
+            <a:schemeClr val="accent1"/>
+          </a:fillRef>
+          <a:effectRef idx="0">
+            <a:schemeClr val="accent1"/>
+          </a:effectRef>
+          <a:fontRef idx="minor">
+            <a:schemeClr val="tx1"/>
+          </a:fontRef>
+        </p:style>
+      </p:cxnSp>
+      <p:cxnSp>
+        <p:nvCxnSpPr>
+          <p:cNvPr id="1043" name="Straight Arrow Connector 1042">
+            <a:extLst>
+              <a:ext uri="{FF2B5EF4-FFF2-40B4-BE49-F238E27FC236}">
+                <a16:creationId xmlns:a16="http://schemas.microsoft.com/office/drawing/2014/main" id="{785DE261-75AB-150F-6EF8-795014FF8218}"/>
+              </a:ext>
+            </a:extLst>
+          </p:cNvPr>
+          <p:cNvCxnSpPr>
+            <a:cxnSpLocks/>
+            <a:stCxn id="45" idx="1"/>
+            <a:endCxn id="23" idx="3"/>
+          </p:cNvCxnSpPr>
+          <p:nvPr/>
+        </p:nvCxnSpPr>
+        <p:spPr>
+          <a:xfrm flipH="1">
+            <a:off x="5889898" y="2520333"/>
+            <a:ext cx="783520" cy="4351"/>
+          </a:xfrm>
+          <a:prstGeom prst="straightConnector1">
+            <a:avLst/>
+          </a:prstGeom>
+          <a:ln w="19050">
+            <a:solidFill>
+              <a:srgbClr val="00B050"/>
+            </a:solidFill>
+            <a:prstDash val="sysDash"/>
+            <a:tailEnd type="triangle"/>
+          </a:ln>
+        </p:spPr>
+        <p:style>
+          <a:lnRef idx="1">
+            <a:schemeClr val="accent1"/>
+          </a:lnRef>
+          <a:fillRef idx="0">
+            <a:schemeClr val="accent1"/>
+          </a:fillRef>
+          <a:effectRef idx="0">
+            <a:schemeClr val="accent1"/>
+          </a:effectRef>
+          <a:fontRef idx="minor">
+            <a:schemeClr val="tx1"/>
+          </a:fontRef>
+        </p:style>
+      </p:cxnSp>
+      <p:sp>
+        <p:nvSpPr>
+          <p:cNvPr id="1048" name="TextBox 1047">
+            <a:extLst>
+              <a:ext uri="{FF2B5EF4-FFF2-40B4-BE49-F238E27FC236}">
+                <a16:creationId xmlns:a16="http://schemas.microsoft.com/office/drawing/2014/main" id="{FEEBE512-1904-0162-454E-658567A18122}"/>
+              </a:ext>
+            </a:extLst>
+          </p:cNvPr>
+          <p:cNvSpPr txBox="1"/>
+          <p:nvPr/>
+        </p:nvSpPr>
+        <p:spPr>
+          <a:xfrm>
+            <a:off x="252875" y="660722"/>
+            <a:ext cx="11152984" cy="1415772"/>
+          </a:xfrm>
+          <a:prstGeom prst="rect">
+            <a:avLst/>
+          </a:prstGeom>
+          <a:noFill/>
+        </p:spPr>
+        <p:txBody>
+          <a:bodyPr wrap="square" rtlCol="0">
+            <a:spAutoFit/>
+          </a:bodyPr>
+          <a:lstStyle/>
+          <a:p>
+            <a:r>
               <a:rPr lang="en-SG" sz="1600" b="1" dirty="0"/>
-              <a:t>Emulator’s action monitor web feature: </a:t>
-            </a:r>
+              <a:t>Background </a:t>
+            </a:r>
+          </a:p>
+          <a:p>
+            <a:pPr algn="just"/>
+            <a:r>
+              <a:rPr lang="en-SG" sz="1400" dirty="0"/>
+              <a:t>In the </a:t>
+            </a:r>
+            <a:r>
+              <a:rPr lang="en-SG" sz="1400" dirty="0" err="1"/>
+              <a:t>lockshield</a:t>
+            </a:r>
+            <a:r>
+              <a:rPr lang="en-SG" sz="1400" dirty="0"/>
+              <a:t> 2023, we used VirtualBox to create a mini software define network environment, in the network system, we want to simulate 3 Windows users’ daily office work action and do some attack on one of the user’s windows machine with malware. Then we want to analysis different logs to parse the malware’s action from all the users’ normal action. Cluster User Emulator is used to simulate 2 types of users action: normal users and the network admin in the system. (The system config diagram is shown below)</a:t>
+            </a:r>
+          </a:p>
+          <a:p>
+            <a:endParaRPr lang="en-SG" sz="1400" dirty="0"/>
+          </a:p>
+        </p:txBody>
+      </p:sp>
+      <p:sp>
+        <p:nvSpPr>
+          <p:cNvPr id="1049" name="TextBox 1048">
+            <a:extLst>
+              <a:ext uri="{FF2B5EF4-FFF2-40B4-BE49-F238E27FC236}">
+                <a16:creationId xmlns:a16="http://schemas.microsoft.com/office/drawing/2014/main" id="{4E631B38-5A19-D85D-CB1A-C5A174773D8F}"/>
+              </a:ext>
+            </a:extLst>
+          </p:cNvPr>
+          <p:cNvSpPr txBox="1"/>
+          <p:nvPr/>
+        </p:nvSpPr>
+        <p:spPr>
+          <a:xfrm>
+            <a:off x="7424403" y="1855129"/>
+            <a:ext cx="4673743" cy="4832092"/>
+          </a:xfrm>
+          <a:prstGeom prst="rect">
+            <a:avLst/>
+          </a:prstGeom>
+          <a:noFill/>
+        </p:spPr>
+        <p:txBody>
+          <a:bodyPr wrap="square" rtlCol="0">
+            <a:spAutoFit/>
+          </a:bodyPr>
+          <a:lstStyle/>
+          <a:p>
+            <a:r>
+              <a:rPr lang="en-SG" sz="1400" b="1" dirty="0"/>
+              <a:t>Cluster User Emulator Config </a:t>
+            </a:r>
+          </a:p>
+          <a:p>
+            <a:endParaRPr lang="en-SG" sz="1400" b="1" dirty="0"/>
+          </a:p>
+          <a:p>
+            <a:r>
+              <a:rPr lang="en-SG" sz="1400" dirty="0"/>
+              <a:t>The monitor hub ran on the host physical server.</a:t>
+            </a:r>
+          </a:p>
+          <a:p>
+            <a:endParaRPr lang="en-SG" sz="1400" dirty="0"/>
+          </a:p>
+          <a:p>
+            <a:r>
+              <a:rPr lang="en-SG" sz="1400" dirty="0"/>
+              <a:t>Action repository are set individually on each VM. </a:t>
+            </a:r>
+          </a:p>
+          <a:p>
+            <a:endParaRPr lang="en-SG" sz="1400" dirty="0"/>
+          </a:p>
+          <a:p>
+            <a:r>
+              <a:rPr lang="en-SG" sz="1400" dirty="0"/>
+              <a:t>Each User Emulator would run on one Windows VM with the specific action timeline config: </a:t>
+            </a:r>
+          </a:p>
+          <a:p>
+            <a:endParaRPr lang="en-SG" sz="1400" dirty="0"/>
           </a:p>
           <a:p>
             <a:pPr marL="285750" indent="-285750">
@@ -30322,8 +31685,16 @@
               <a:buChar char="•"/>
             </a:pPr>
             <a:r>
-              <a:rPr lang="en-SG" sz="1600" dirty="0"/>
-              <a:t>User can monitor the scheduled actions(events) execution state from the monitor Web. </a:t>
+              <a:rPr lang="en-SG" sz="1400" dirty="0"/>
+              <a:t>User emulator [Bob] will simulate a network admin’s daily work action from 9:00 am – 6:00pm. Total 32 actions will be emulated such as (read/write email, </a:t>
+            </a:r>
+            <a:r>
+              <a:rPr lang="en-SG" sz="1400" dirty="0" err="1"/>
+              <a:t>ssh</a:t>
+            </a:r>
+            <a:r>
+              <a:rPr lang="en-SG" sz="1400" dirty="0"/>
+              <a:t> to server, check the network, upload/download file, join zoom meeting, write daily report …)</a:t>
             </a:r>
           </a:p>
           <a:p>
@@ -30331,10 +31702,7 @@
               <a:buFont typeface="Arial" panose="020B0604020202020204" pitchFamily="34" charset="0"/>
               <a:buChar char="•"/>
             </a:pPr>
-            <a:r>
-              <a:rPr lang="en-SG" sz="1600" dirty="0"/>
-              <a:t>User can remove/deactivate the action from the web. </a:t>
-            </a:r>
+            <a:endParaRPr lang="en-SG" sz="1400" dirty="0"/>
           </a:p>
           <a:p>
             <a:pPr marL="285750" indent="-285750">
@@ -30342,30 +31710,121 @@
               <a:buChar char="•"/>
             </a:pPr>
             <a:r>
-              <a:rPr lang="en-SG" sz="1600" dirty="0"/>
-              <a:t>The web provide regular action (daily/weekly action) and random action monitoring. </a:t>
-            </a:r>
-          </a:p>
-          <a:p>
-            <a:pPr marL="285750" indent="-285750">
-              <a:buFont typeface="Arial" panose="020B0604020202020204" pitchFamily="34" charset="0"/>
-              <a:buChar char="•"/>
-            </a:pPr>
-            <a:r>
-              <a:rPr lang="en-SG" sz="1600" dirty="0"/>
-              <a:t>(Under development) user can add new action/edit the actions from the Web interface</a:t>
-            </a:r>
-            <a:r>
-              <a:rPr lang="en-SG" sz="1600" b="1" dirty="0"/>
-              <a:t>. </a:t>
-            </a:r>
+              <a:rPr lang="en-SG" sz="1400" dirty="0"/>
+              <a:t>User emulator [Alice, Charlie] will simulate a normal office user’s daily work action from 9:00 am – 5:30pm. 24 action will be emulated such as (read/write email, draw picture, create present slides, play game, watch you tube video ..)</a:t>
+            </a:r>
+          </a:p>
+          <a:p>
+            <a:endParaRPr lang="en-SG" sz="1400" dirty="0"/>
+          </a:p>
+          <a:p>
+            <a:r>
+              <a:rPr lang="en-SG" sz="1400" dirty="0"/>
+              <a:t>All the actions will be repeat every day with the same time </a:t>
+            </a:r>
+            <a:r>
+              <a:rPr lang="en-SG" sz="1400"/>
+              <a:t>line config.</a:t>
+            </a:r>
+            <a:endParaRPr lang="en-SG" sz="1400" dirty="0"/>
+          </a:p>
+        </p:txBody>
+      </p:sp>
+      <p:cxnSp>
+        <p:nvCxnSpPr>
+          <p:cNvPr id="2" name="Straight Arrow Connector 1">
+            <a:extLst>
+              <a:ext uri="{FF2B5EF4-FFF2-40B4-BE49-F238E27FC236}">
+                <a16:creationId xmlns:a16="http://schemas.microsoft.com/office/drawing/2014/main" id="{C67AC045-8CB7-F9E4-326C-D7012290E866}"/>
+              </a:ext>
+            </a:extLst>
+          </p:cNvPr>
+          <p:cNvCxnSpPr>
+            <a:cxnSpLocks/>
+          </p:cNvCxnSpPr>
+          <p:nvPr/>
+        </p:nvCxnSpPr>
+        <p:spPr>
+          <a:xfrm>
+            <a:off x="638138" y="6259627"/>
+            <a:ext cx="265325" cy="0"/>
+          </a:xfrm>
+          <a:prstGeom prst="straightConnector1">
+            <a:avLst/>
+          </a:prstGeom>
+          <a:ln>
+            <a:solidFill>
+              <a:schemeClr val="accent6">
+                <a:lumMod val="75000"/>
+              </a:schemeClr>
+            </a:solidFill>
+            <a:prstDash val="dash"/>
+            <a:tailEnd type="triangle"/>
+          </a:ln>
+        </p:spPr>
+        <p:style>
+          <a:lnRef idx="1">
+            <a:schemeClr val="accent1"/>
+          </a:lnRef>
+          <a:fillRef idx="0">
+            <a:schemeClr val="accent1"/>
+          </a:fillRef>
+          <a:effectRef idx="0">
+            <a:schemeClr val="accent1"/>
+          </a:effectRef>
+          <a:fontRef idx="minor">
+            <a:schemeClr val="tx1"/>
+          </a:fontRef>
+        </p:style>
+      </p:cxnSp>
+      <p:sp>
+        <p:nvSpPr>
+          <p:cNvPr id="3" name="TextBox 2">
+            <a:extLst>
+              <a:ext uri="{FF2B5EF4-FFF2-40B4-BE49-F238E27FC236}">
+                <a16:creationId xmlns:a16="http://schemas.microsoft.com/office/drawing/2014/main" id="{F0741695-7E3A-A396-37B7-AFE8C2257424}"/>
+              </a:ext>
+            </a:extLst>
+          </p:cNvPr>
+          <p:cNvSpPr txBox="1"/>
+          <p:nvPr/>
+        </p:nvSpPr>
+        <p:spPr>
+          <a:xfrm>
+            <a:off x="872184" y="6158098"/>
+            <a:ext cx="1505636" cy="230832"/>
+          </a:xfrm>
+          <a:prstGeom prst="rect">
+            <a:avLst/>
+          </a:prstGeom>
+          <a:noFill/>
+        </p:spPr>
+        <p:txBody>
+          <a:bodyPr wrap="square" rtlCol="0">
+            <a:spAutoFit/>
+          </a:bodyPr>
+          <a:lstStyle/>
+          <a:p>
+            <a:r>
+              <a:rPr lang="en-US" sz="900" dirty="0">
+                <a:solidFill>
+                  <a:srgbClr val="002060"/>
+                </a:solidFill>
+              </a:rPr>
+              <a:t>Monitor hub’s control flow</a:t>
+            </a:r>
+            <a:endParaRPr lang="en-SG" sz="900" dirty="0">
+              <a:solidFill>
+                <a:srgbClr val="002060"/>
+              </a:solidFill>
+            </a:endParaRPr>
           </a:p>
         </p:txBody>
       </p:sp>
     </p:spTree>
     <p:extLst>
       <p:ext uri="{BB962C8B-B14F-4D97-AF65-F5344CB8AC3E}">
-        <p14:creationId xmlns:p14="http://schemas.microsoft.com/office/powerpoint/2010/main" val="2311589"/>
+        <p14:creationId xmlns:p14="http://schemas.microsoft.com/office/powerpoint/2010/main" val="927584084"/>
       </p:ext>
     </p:extLst>
   </p:cSld>

--- a/doc/designDoc.pptx
+++ b/doc/designDoc.pptx
@@ -553,6 +553,90 @@
     <p:extLst>
       <p:ext uri="{BB962C8B-B14F-4D97-AF65-F5344CB8AC3E}">
         <p14:creationId xmlns:p14="http://schemas.microsoft.com/office/powerpoint/2010/main" val="2765088347"/>
+      </p:ext>
+    </p:extLst>
+  </p:cSld>
+  <p:clrMapOvr>
+    <a:masterClrMapping/>
+  </p:clrMapOvr>
+</p:notes>
+</file>
+
+<file path=ppt/notesSlides/notesSlide2.xml><?xml version="1.0" encoding="utf-8"?>
+<p:notes xmlns:a="http://schemas.openxmlformats.org/drawingml/2006/main" xmlns:r="http://schemas.openxmlformats.org/officeDocument/2006/relationships" xmlns:p="http://schemas.openxmlformats.org/presentationml/2006/main">
+  <p:cSld>
+    <p:spTree>
+      <p:nvGrpSpPr>
+        <p:cNvPr id="1" name=""/>
+        <p:cNvGrpSpPr/>
+        <p:nvPr/>
+      </p:nvGrpSpPr>
+      <p:grpSpPr>
+        <a:xfrm>
+          <a:off x="0" y="0"/>
+          <a:ext cx="0" cy="0"/>
+          <a:chOff x="0" y="0"/>
+          <a:chExt cx="0" cy="0"/>
+        </a:xfrm>
+      </p:grpSpPr>
+      <p:sp>
+        <p:nvSpPr>
+          <p:cNvPr id="2" name="Slide Image Placeholder 1"/>
+          <p:cNvSpPr>
+            <a:spLocks noGrp="1" noRot="1" noChangeAspect="1"/>
+          </p:cNvSpPr>
+          <p:nvPr>
+            <p:ph type="sldImg"/>
+          </p:nvPr>
+        </p:nvSpPr>
+        <p:spPr/>
+      </p:sp>
+      <p:sp>
+        <p:nvSpPr>
+          <p:cNvPr id="3" name="Notes Placeholder 2"/>
+          <p:cNvSpPr>
+            <a:spLocks noGrp="1"/>
+          </p:cNvSpPr>
+          <p:nvPr>
+            <p:ph type="body" idx="1"/>
+          </p:nvPr>
+        </p:nvSpPr>
+        <p:spPr/>
+        <p:txBody>
+          <a:bodyPr/>
+          <a:lstStyle/>
+          <a:p>
+            <a:endParaRPr lang="en-SG" dirty="0"/>
+          </a:p>
+        </p:txBody>
+      </p:sp>
+      <p:sp>
+        <p:nvSpPr>
+          <p:cNvPr id="4" name="Slide Number Placeholder 3"/>
+          <p:cNvSpPr>
+            <a:spLocks noGrp="1"/>
+          </p:cNvSpPr>
+          <p:nvPr>
+            <p:ph type="sldNum" sz="quarter" idx="5"/>
+          </p:nvPr>
+        </p:nvSpPr>
+        <p:spPr/>
+        <p:txBody>
+          <a:bodyPr/>
+          <a:lstStyle/>
+          <a:p>
+            <a:fld id="{3B0C630E-0CE8-4915-8E08-22247CA7F11A}" type="slidenum">
+              <a:rPr lang="en-SG" smtClean="0"/>
+              <a:t>9</a:t>
+            </a:fld>
+            <a:endParaRPr lang="en-SG" dirty="0"/>
+          </a:p>
+        </p:txBody>
+      </p:sp>
+    </p:spTree>
+    <p:extLst>
+      <p:ext uri="{BB962C8B-B14F-4D97-AF65-F5344CB8AC3E}">
+        <p14:creationId xmlns:p14="http://schemas.microsoft.com/office/powerpoint/2010/main" val="3344393934"/>
       </p:ext>
     </p:extLst>
   </p:cSld>
@@ -30440,7 +30524,7 @@
           <p:nvPr/>
         </p:nvPicPr>
         <p:blipFill>
-          <a:blip r:embed="rId2">
+          <a:blip r:embed="rId3">
             <a:alphaModFix amt="70000"/>
           </a:blip>
           <a:stretch>
@@ -30560,7 +30644,7 @@
                   <a:schemeClr val="bg1"/>
                 </a:solidFill>
               </a:rPr>
-              <a:t>Cluster Users Emulator [ Use case: LS2023 ]  </a:t>
+              <a:t>Cluster Users Emulator [ Use case: LS2023 benign traffic/events generate ]  </a:t>
             </a:r>
             <a:endParaRPr lang="en-SG" sz="2400" dirty="0">
               <a:solidFill>
@@ -30585,7 +30669,7 @@
           <p:nvPr/>
         </p:nvPicPr>
         <p:blipFill>
-          <a:blip r:embed="rId3">
+          <a:blip r:embed="rId4">
             <a:extLst>
               <a:ext uri="{28A0092B-C50C-407E-A947-70E740481C1C}">
                 <a14:useLocalDpi xmlns:a14="http://schemas.microsoft.com/office/drawing/2010/main" val="0"/>
@@ -30691,7 +30775,7 @@
           <p:nvPr/>
         </p:nvPicPr>
         <p:blipFill>
-          <a:blip r:embed="rId4"/>
+          <a:blip r:embed="rId5"/>
           <a:stretch>
             <a:fillRect/>
           </a:stretch>
@@ -30726,7 +30810,7 @@
           <p:nvPr/>
         </p:nvPicPr>
         <p:blipFill>
-          <a:blip r:embed="rId4"/>
+          <a:blip r:embed="rId5"/>
           <a:stretch>
             <a:fillRect/>
           </a:stretch>
@@ -30761,7 +30845,7 @@
           <p:nvPr/>
         </p:nvPicPr>
         <p:blipFill>
-          <a:blip r:embed="rId4"/>
+          <a:blip r:embed="rId5"/>
           <a:stretch>
             <a:fillRect/>
           </a:stretch>
@@ -30796,7 +30880,7 @@
           <p:nvPr/>
         </p:nvPicPr>
         <p:blipFill>
-          <a:blip r:embed="rId5"/>
+          <a:blip r:embed="rId6"/>
           <a:stretch>
             <a:fillRect/>
           </a:stretch>
@@ -31166,7 +31250,7 @@
           <p:nvPr/>
         </p:nvPicPr>
         <p:blipFill>
-          <a:blip r:embed="rId6">
+          <a:blip r:embed="rId7">
             <a:extLst>
               <a:ext uri="{28A0092B-C50C-407E-A947-70E740481C1C}">
                 <a14:useLocalDpi xmlns:a14="http://schemas.microsoft.com/office/drawing/2010/main" val="0"/>
@@ -31223,7 +31307,9 @@
           </a:prstGeom>
           <a:ln w="19050">
             <a:solidFill>
-              <a:srgbClr val="00B050"/>
+              <a:schemeClr val="accent6">
+                <a:lumMod val="75000"/>
+              </a:schemeClr>
             </a:solidFill>
             <a:prstDash val="sysDash"/>
             <a:tailEnd type="triangle"/>
@@ -31268,7 +31354,9 @@
           </a:prstGeom>
           <a:ln w="19050">
             <a:solidFill>
-              <a:srgbClr val="00B050"/>
+              <a:schemeClr val="accent6">
+                <a:lumMod val="75000"/>
+              </a:schemeClr>
             </a:solidFill>
             <a:prstDash val="sysDash"/>
             <a:tailEnd type="triangle"/>
@@ -31313,7 +31401,9 @@
           </a:prstGeom>
           <a:ln w="19050">
             <a:solidFill>
-              <a:srgbClr val="00B050"/>
+              <a:schemeClr val="accent6">
+                <a:lumMod val="75000"/>
+              </a:schemeClr>
             </a:solidFill>
             <a:prstDash val="sysDash"/>
             <a:tailEnd type="triangle"/>
@@ -31358,7 +31448,9 @@
           </a:prstGeom>
           <a:ln w="19050">
             <a:solidFill>
-              <a:srgbClr val="00B050"/>
+              <a:schemeClr val="accent6">
+                <a:lumMod val="75000"/>
+              </a:schemeClr>
             </a:solidFill>
             <a:prstDash val="sysDash"/>
             <a:tailEnd type="triangle"/>
@@ -31403,7 +31495,9 @@
           </a:prstGeom>
           <a:ln w="19050">
             <a:solidFill>
-              <a:srgbClr val="00B050"/>
+              <a:schemeClr val="accent6">
+                <a:lumMod val="75000"/>
+              </a:schemeClr>
             </a:solidFill>
             <a:prstDash val="sysDash"/>
             <a:tailEnd type="triangle"/>
@@ -31450,7 +31544,9 @@
           </a:prstGeom>
           <a:ln w="19050">
             <a:solidFill>
-              <a:srgbClr val="00B050"/>
+              <a:schemeClr val="accent6">
+                <a:lumMod val="75000"/>
+              </a:schemeClr>
             </a:solidFill>
             <a:prstDash val="sysDash"/>
             <a:tailEnd type="triangle"/>
@@ -31495,7 +31591,9 @@
           </a:prstGeom>
           <a:ln w="19050">
             <a:solidFill>
-              <a:srgbClr val="00B050"/>
+              <a:schemeClr val="accent6">
+                <a:lumMod val="75000"/>
+              </a:schemeClr>
             </a:solidFill>
             <a:prstDash val="sysDash"/>
             <a:tailEnd type="triangle"/>
@@ -31542,7 +31640,9 @@
           </a:prstGeom>
           <a:ln w="19050">
             <a:solidFill>
-              <a:srgbClr val="00B050"/>
+              <a:schemeClr val="accent6">
+                <a:lumMod val="75000"/>
+              </a:schemeClr>
             </a:solidFill>
             <a:prstDash val="sysDash"/>
             <a:tailEnd type="triangle"/>
@@ -31578,7 +31678,7 @@
         <p:spPr>
           <a:xfrm>
             <a:off x="252875" y="660722"/>
-            <a:ext cx="11152984" cy="1415772"/>
+            <a:ext cx="11611132" cy="1415772"/>
           </a:xfrm>
           <a:prstGeom prst="rect">
             <a:avLst/>
@@ -31608,7 +31708,7 @@
             </a:r>
             <a:r>
               <a:rPr lang="en-SG" sz="1400" dirty="0"/>
-              <a:t> 2023, we used VirtualBox to create a mini software define network environment, in the network system, we want to simulate 3 Windows users’ daily office work action and do some attack on one of the user’s windows machine with malware. Then we want to analysis different logs to parse the malware’s action from all the users’ normal action. Cluster User Emulator is used to simulate 2 types of users action: normal users and the network admin in the system. (The system config diagram is shown below)</a:t>
+              <a:t> 2023, we used VirtualBox to create serval VM based functional servers and a mini software define network environment to simulate a normal company network. We want to simulate 3 Windows users’ daily office work action and do some attack on one of the user’s windows machine with malware. Then we want to analysis different logs to parse the malware’s action from all the users’ normal action and benign traffic data. Cluster User Emulator is used to simulate 2 types of users action: normal users and the network admin user in the system. (The system config diagram is shown below)</a:t>
             </a:r>
           </a:p>
           <a:p>
@@ -31630,8 +31730,8 @@
         </p:nvSpPr>
         <p:spPr>
           <a:xfrm>
-            <a:off x="7424403" y="1855129"/>
-            <a:ext cx="4673743" cy="4832092"/>
+            <a:off x="7271153" y="1899592"/>
+            <a:ext cx="4763003" cy="4832092"/>
           </a:xfrm>
           <a:prstGeom prst="rect">
             <a:avLst/>
@@ -31650,43 +31750,50 @@
             </a:r>
           </a:p>
           <a:p>
+            <a:pPr algn="just"/>
             <a:endParaRPr lang="en-SG" sz="1400" b="1" dirty="0"/>
           </a:p>
           <a:p>
+            <a:pPr algn="just"/>
             <a:r>
               <a:rPr lang="en-SG" sz="1400" dirty="0"/>
-              <a:t>The monitor hub ran on the host physical server.</a:t>
-            </a:r>
-          </a:p>
-          <a:p>
+              <a:t>The monitor-hub ran on the host physical server.</a:t>
+            </a:r>
+          </a:p>
+          <a:p>
+            <a:pPr algn="just"/>
             <a:endParaRPr lang="en-SG" sz="1400" dirty="0"/>
           </a:p>
           <a:p>
+            <a:pPr algn="just"/>
             <a:r>
               <a:rPr lang="en-SG" sz="1400" dirty="0"/>
               <a:t>Action repository are set individually on each VM. </a:t>
             </a:r>
           </a:p>
           <a:p>
+            <a:pPr algn="just"/>
             <a:endParaRPr lang="en-SG" sz="1400" dirty="0"/>
           </a:p>
           <a:p>
+            <a:pPr algn="just"/>
             <a:r>
               <a:rPr lang="en-SG" sz="1400" dirty="0"/>
-              <a:t>Each User Emulator would run on one Windows VM with the specific action timeline config: </a:t>
-            </a:r>
-          </a:p>
-          <a:p>
+              <a:t>Each User Emulator would run on one Windows VM with its own specific action timeline config: </a:t>
+            </a:r>
+          </a:p>
+          <a:p>
+            <a:pPr algn="just"/>
             <a:endParaRPr lang="en-SG" sz="1400" dirty="0"/>
           </a:p>
           <a:p>
-            <a:pPr marL="285750" indent="-285750">
+            <a:pPr marL="285750" indent="-285750" algn="just">
               <a:buFont typeface="Arial" panose="020B0604020202020204" pitchFamily="34" charset="0"/>
               <a:buChar char="•"/>
             </a:pPr>
             <a:r>
               <a:rPr lang="en-SG" sz="1400" dirty="0"/>
-              <a:t>User emulator [Bob] will simulate a network admin’s daily work action from 9:00 am – 6:00pm. Total 32 actions will be emulated such as (read/write email, </a:t>
+              <a:t>User emulator [Bob] will simulate a network admin’s daily work action from 9:00 am – 6:00pm. Total 32 actions will be emulated such as (read/write emails, </a:t>
             </a:r>
             <a:r>
               <a:rPr lang="en-SG" sz="1400" dirty="0" err="1"/>
@@ -31694,18 +31801,26 @@
             </a:r>
             <a:r>
               <a:rPr lang="en-SG" sz="1400" dirty="0"/>
-              <a:t> to server, check the network, upload/download file, join zoom meeting, write daily report …)</a:t>
-            </a:r>
-          </a:p>
-          <a:p>
-            <a:pPr marL="285750" indent="-285750">
+              <a:t> to server, check the network, </a:t>
+            </a:r>
+            <a:r>
+              <a:rPr lang="en-SG" sz="1400" dirty="0" err="1"/>
+              <a:t>scp</a:t>
+            </a:r>
+            <a:r>
+              <a:rPr lang="en-SG" sz="1400" dirty="0"/>
+              <a:t>/upload/download file, join zoom meeting, write daily report …)</a:t>
+            </a:r>
+          </a:p>
+          <a:p>
+            <a:pPr marL="285750" indent="-285750" algn="just">
               <a:buFont typeface="Arial" panose="020B0604020202020204" pitchFamily="34" charset="0"/>
               <a:buChar char="•"/>
             </a:pPr>
             <a:endParaRPr lang="en-SG" sz="1400" dirty="0"/>
           </a:p>
           <a:p>
-            <a:pPr marL="285750" indent="-285750">
+            <a:pPr marL="285750" indent="-285750" algn="just">
               <a:buFont typeface="Arial" panose="020B0604020202020204" pitchFamily="34" charset="0"/>
               <a:buChar char="•"/>
             </a:pPr>
@@ -31715,18 +31830,15 @@
             </a:r>
           </a:p>
           <a:p>
+            <a:pPr algn="just"/>
             <a:endParaRPr lang="en-SG" sz="1400" dirty="0"/>
           </a:p>
           <a:p>
+            <a:pPr algn="just"/>
             <a:r>
               <a:rPr lang="en-SG" sz="1400" dirty="0"/>
-              <a:t>All the actions will be repeat every day with the same time </a:t>
-            </a:r>
-            <a:r>
-              <a:rPr lang="en-SG" sz="1400"/>
-              <a:t>line config.</a:t>
-            </a:r>
-            <a:endParaRPr lang="en-SG" sz="1400" dirty="0"/>
+              <a:t>All the actions will be repeat every day with the same time line config.</a:t>
+            </a:r>
           </a:p>
         </p:txBody>
       </p:sp>
@@ -31812,6 +31924,85 @@
                 </a:solidFill>
               </a:rPr>
               <a:t>Monitor hub’s control flow</a:t>
+            </a:r>
+            <a:endParaRPr lang="en-SG" sz="900" dirty="0">
+              <a:solidFill>
+                <a:srgbClr val="002060"/>
+              </a:solidFill>
+            </a:endParaRPr>
+          </a:p>
+        </p:txBody>
+      </p:sp>
+      <p:pic>
+        <p:nvPicPr>
+          <p:cNvPr id="6" name="Picture 5">
+            <a:extLst>
+              <a:ext uri="{FF2B5EF4-FFF2-40B4-BE49-F238E27FC236}">
+                <a16:creationId xmlns:a16="http://schemas.microsoft.com/office/drawing/2014/main" id="{4B609343-71CD-746D-CE57-8A72529019C0}"/>
+              </a:ext>
+            </a:extLst>
+          </p:cNvPr>
+          <p:cNvPicPr>
+            <a:picLocks noChangeAspect="1"/>
+          </p:cNvPicPr>
+          <p:nvPr/>
+        </p:nvPicPr>
+        <p:blipFill>
+          <a:blip r:embed="rId5"/>
+          <a:stretch>
+            <a:fillRect/>
+          </a:stretch>
+        </p:blipFill>
+        <p:spPr>
+          <a:xfrm>
+            <a:off x="2697584" y="6179850"/>
+            <a:ext cx="269885" cy="209911"/>
+          </a:xfrm>
+          <a:prstGeom prst="rect">
+            <a:avLst/>
+          </a:prstGeom>
+          <a:ln w="3175">
+            <a:solidFill>
+              <a:schemeClr val="tx1"/>
+            </a:solidFill>
+          </a:ln>
+        </p:spPr>
+      </p:pic>
+      <p:sp>
+        <p:nvSpPr>
+          <p:cNvPr id="7" name="TextBox 6">
+            <a:extLst>
+              <a:ext uri="{FF2B5EF4-FFF2-40B4-BE49-F238E27FC236}">
+                <a16:creationId xmlns:a16="http://schemas.microsoft.com/office/drawing/2014/main" id="{724A010F-052A-1CA9-0DE7-11805902E90E}"/>
+              </a:ext>
+            </a:extLst>
+          </p:cNvPr>
+          <p:cNvSpPr txBox="1"/>
+          <p:nvPr/>
+        </p:nvSpPr>
+        <p:spPr>
+          <a:xfrm>
+            <a:off x="2922011" y="6179282"/>
+            <a:ext cx="1277717" cy="230832"/>
+          </a:xfrm>
+          <a:prstGeom prst="rect">
+            <a:avLst/>
+          </a:prstGeom>
+          <a:noFill/>
+        </p:spPr>
+        <p:txBody>
+          <a:bodyPr wrap="square" rtlCol="0">
+            <a:spAutoFit/>
+          </a:bodyPr>
+          <a:lstStyle/>
+          <a:p>
+            <a:r>
+              <a:rPr lang="en-US" sz="900" dirty="0">
+                <a:solidFill>
+                  <a:srgbClr val="002060"/>
+                </a:solidFill>
+              </a:rPr>
+              <a:t>User Action Emulator </a:t>
             </a:r>
             <a:endParaRPr lang="en-SG" sz="900" dirty="0">
               <a:solidFill>

--- a/doc/designDoc.pptx
+++ b/doc/designDoc.pptx
@@ -210,7 +210,7 @@
           <a:p>
             <a:fld id="{2BA6DB02-48BF-406A-9449-0BBAAE1D3FCC}" type="datetimeFigureOut">
               <a:rPr lang="en-SG" smtClean="0"/>
-              <a:t>30/1/2023</a:t>
+              <a:t>31/1/2023</a:t>
             </a:fld>
             <a:endParaRPr lang="en-SG" dirty="0"/>
           </a:p>
@@ -795,7 +795,7 @@
           <a:p>
             <a:fld id="{568D23B1-6EF9-4DFF-A006-F22E70A73051}" type="datetimeFigureOut">
               <a:rPr lang="en-SG" smtClean="0"/>
-              <a:t>30/1/2023</a:t>
+              <a:t>31/1/2023</a:t>
             </a:fld>
             <a:endParaRPr lang="en-SG" dirty="0"/>
           </a:p>
@@ -995,7 +995,7 @@
           <a:p>
             <a:fld id="{568D23B1-6EF9-4DFF-A006-F22E70A73051}" type="datetimeFigureOut">
               <a:rPr lang="en-SG" smtClean="0"/>
-              <a:t>30/1/2023</a:t>
+              <a:t>31/1/2023</a:t>
             </a:fld>
             <a:endParaRPr lang="en-SG" dirty="0"/>
           </a:p>
@@ -1205,7 +1205,7 @@
           <a:p>
             <a:fld id="{568D23B1-6EF9-4DFF-A006-F22E70A73051}" type="datetimeFigureOut">
               <a:rPr lang="en-SG" smtClean="0"/>
-              <a:t>30/1/2023</a:t>
+              <a:t>31/1/2023</a:t>
             </a:fld>
             <a:endParaRPr lang="en-SG" dirty="0"/>
           </a:p>
@@ -1405,7 +1405,7 @@
           <a:p>
             <a:fld id="{568D23B1-6EF9-4DFF-A006-F22E70A73051}" type="datetimeFigureOut">
               <a:rPr lang="en-SG" smtClean="0"/>
-              <a:t>30/1/2023</a:t>
+              <a:t>31/1/2023</a:t>
             </a:fld>
             <a:endParaRPr lang="en-SG" dirty="0"/>
           </a:p>
@@ -1681,7 +1681,7 @@
           <a:p>
             <a:fld id="{568D23B1-6EF9-4DFF-A006-F22E70A73051}" type="datetimeFigureOut">
               <a:rPr lang="en-SG" smtClean="0"/>
-              <a:t>30/1/2023</a:t>
+              <a:t>31/1/2023</a:t>
             </a:fld>
             <a:endParaRPr lang="en-SG" dirty="0"/>
           </a:p>
@@ -1949,7 +1949,7 @@
           <a:p>
             <a:fld id="{568D23B1-6EF9-4DFF-A006-F22E70A73051}" type="datetimeFigureOut">
               <a:rPr lang="en-SG" smtClean="0"/>
-              <a:t>30/1/2023</a:t>
+              <a:t>31/1/2023</a:t>
             </a:fld>
             <a:endParaRPr lang="en-SG" dirty="0"/>
           </a:p>
@@ -2364,7 +2364,7 @@
           <a:p>
             <a:fld id="{568D23B1-6EF9-4DFF-A006-F22E70A73051}" type="datetimeFigureOut">
               <a:rPr lang="en-SG" smtClean="0"/>
-              <a:t>30/1/2023</a:t>
+              <a:t>31/1/2023</a:t>
             </a:fld>
             <a:endParaRPr lang="en-SG" dirty="0"/>
           </a:p>
@@ -2506,7 +2506,7 @@
           <a:p>
             <a:fld id="{568D23B1-6EF9-4DFF-A006-F22E70A73051}" type="datetimeFigureOut">
               <a:rPr lang="en-SG" smtClean="0"/>
-              <a:t>30/1/2023</a:t>
+              <a:t>31/1/2023</a:t>
             </a:fld>
             <a:endParaRPr lang="en-SG" dirty="0"/>
           </a:p>
@@ -2619,7 +2619,7 @@
           <a:p>
             <a:fld id="{568D23B1-6EF9-4DFF-A006-F22E70A73051}" type="datetimeFigureOut">
               <a:rPr lang="en-SG" smtClean="0"/>
-              <a:t>30/1/2023</a:t>
+              <a:t>31/1/2023</a:t>
             </a:fld>
             <a:endParaRPr lang="en-SG" dirty="0"/>
           </a:p>
@@ -2932,7 +2932,7 @@
           <a:p>
             <a:fld id="{568D23B1-6EF9-4DFF-A006-F22E70A73051}" type="datetimeFigureOut">
               <a:rPr lang="en-SG" smtClean="0"/>
-              <a:t>30/1/2023</a:t>
+              <a:t>31/1/2023</a:t>
             </a:fld>
             <a:endParaRPr lang="en-SG" dirty="0"/>
           </a:p>
@@ -3221,7 +3221,7 @@
           <a:p>
             <a:fld id="{568D23B1-6EF9-4DFF-A006-F22E70A73051}" type="datetimeFigureOut">
               <a:rPr lang="en-SG" smtClean="0"/>
-              <a:t>30/1/2023</a:t>
+              <a:t>31/1/2023</a:t>
             </a:fld>
             <a:endParaRPr lang="en-SG" dirty="0"/>
           </a:p>
@@ -3464,7 +3464,7 @@
           <a:p>
             <a:fld id="{568D23B1-6EF9-4DFF-A006-F22E70A73051}" type="datetimeFigureOut">
               <a:rPr lang="en-SG" smtClean="0"/>
-              <a:t>30/1/2023</a:t>
+              <a:t>31/1/2023</a:t>
             </a:fld>
             <a:endParaRPr lang="en-SG" dirty="0"/>
           </a:p>
@@ -29901,7 +29901,7 @@
           <p:nvPr>
             <p:extLst>
               <p:ext uri="{D42A27DB-BD31-4B8C-83A1-F6EECF244321}">
-                <p14:modId xmlns:p14="http://schemas.microsoft.com/office/powerpoint/2010/main" val="1497385377"/>
+                <p14:modId xmlns:p14="http://schemas.microsoft.com/office/powerpoint/2010/main" val="3268960337"/>
               </p:ext>
             </p:extLst>
           </p:nvPr>
@@ -30226,6 +30226,46 @@
                         <a:tabLst/>
                         <a:defRPr/>
                       </a:pPr>
+                      <a:r>
+                        <a:rPr lang="en-SG" sz="1200" b="0" dirty="0">
+                          <a:solidFill>
+                            <a:schemeClr val="tx1"/>
+                          </a:solidFill>
+                        </a:rPr>
+                        <a:t>Compare with other mature robotic process automation product in the market, our product still need user have </a:t>
+                      </a:r>
+                      <a:r>
+                        <a:rPr lang="en-SG" sz="1200" b="0">
+                          <a:solidFill>
+                            <a:schemeClr val="tx1"/>
+                          </a:solidFill>
+                        </a:rPr>
+                        <a:t>programming knowledge.</a:t>
+                      </a:r>
+                      <a:endParaRPr lang="en-SG" sz="1200" b="0" dirty="0">
+                        <a:solidFill>
+                          <a:schemeClr val="tx1"/>
+                        </a:solidFill>
+                      </a:endParaRPr>
+                    </a:p>
+                    <a:p>
+                      <a:pPr marL="285750" marR="0" lvl="0" indent="-285750" algn="l" defTabSz="914400" rtl="0" eaLnBrk="1" fontAlgn="auto" latinLnBrk="0" hangingPunct="1">
+                        <a:lnSpc>
+                          <a:spcPct val="100000"/>
+                        </a:lnSpc>
+                        <a:spcBef>
+                          <a:spcPts val="0"/>
+                        </a:spcBef>
+                        <a:spcAft>
+                          <a:spcPts val="0"/>
+                        </a:spcAft>
+                        <a:buClrTx/>
+                        <a:buSzTx/>
+                        <a:buFont typeface="Arial" panose="020B0604020202020204" pitchFamily="34" charset="0"/>
+                        <a:buChar char="•"/>
+                        <a:tabLst/>
+                        <a:defRPr/>
+                      </a:pPr>
                       <a:endParaRPr lang="en-SG" sz="1200" b="0" dirty="0">
                         <a:solidFill>
                           <a:schemeClr val="tx1"/>
@@ -30269,7 +30309,7 @@
                       </a:pPr>
                       <a:r>
                         <a:rPr lang="en-SG" sz="1200" b="0" dirty="0"/>
-                        <a:t>Free for the research to add their algo in the platform. </a:t>
+                        <a:t>Free for the researchers to add their algo in the platform. </a:t>
                       </a:r>
                     </a:p>
                     <a:p>

--- a/doc/designDoc.pptx
+++ b/doc/designDoc.pptx
@@ -5,7 +5,7 @@
     <p:sldMasterId id="2147483648" r:id="rId1"/>
   </p:sldMasterIdLst>
   <p:notesMasterIdLst>
-    <p:notesMasterId r:id="rId16"/>
+    <p:notesMasterId r:id="rId18"/>
   </p:notesMasterIdLst>
   <p:sldIdLst>
     <p:sldId id="262" r:id="rId2"/>
@@ -22,6 +22,8 @@
     <p:sldId id="294" r:id="rId13"/>
     <p:sldId id="260" r:id="rId14"/>
     <p:sldId id="295" r:id="rId15"/>
+    <p:sldId id="302" r:id="rId16"/>
+    <p:sldId id="303" r:id="rId17"/>
   </p:sldIdLst>
   <p:sldSz cx="12192000" cy="6858000"/>
   <p:notesSz cx="6858000" cy="9144000"/>
@@ -210,7 +212,7 @@
           <a:p>
             <a:fld id="{2BA6DB02-48BF-406A-9449-0BBAAE1D3FCC}" type="datetimeFigureOut">
               <a:rPr lang="en-SG" smtClean="0"/>
-              <a:t>31/1/2023</a:t>
+              <a:t>17/2/2023</a:t>
             </a:fld>
             <a:endParaRPr lang="en-SG" dirty="0"/>
           </a:p>
@@ -795,7 +797,7 @@
           <a:p>
             <a:fld id="{568D23B1-6EF9-4DFF-A006-F22E70A73051}" type="datetimeFigureOut">
               <a:rPr lang="en-SG" smtClean="0"/>
-              <a:t>31/1/2023</a:t>
+              <a:t>17/2/2023</a:t>
             </a:fld>
             <a:endParaRPr lang="en-SG" dirty="0"/>
           </a:p>
@@ -995,7 +997,7 @@
           <a:p>
             <a:fld id="{568D23B1-6EF9-4DFF-A006-F22E70A73051}" type="datetimeFigureOut">
               <a:rPr lang="en-SG" smtClean="0"/>
-              <a:t>31/1/2023</a:t>
+              <a:t>17/2/2023</a:t>
             </a:fld>
             <a:endParaRPr lang="en-SG" dirty="0"/>
           </a:p>
@@ -1205,7 +1207,7 @@
           <a:p>
             <a:fld id="{568D23B1-6EF9-4DFF-A006-F22E70A73051}" type="datetimeFigureOut">
               <a:rPr lang="en-SG" smtClean="0"/>
-              <a:t>31/1/2023</a:t>
+              <a:t>17/2/2023</a:t>
             </a:fld>
             <a:endParaRPr lang="en-SG" dirty="0"/>
           </a:p>
@@ -1405,7 +1407,7 @@
           <a:p>
             <a:fld id="{568D23B1-6EF9-4DFF-A006-F22E70A73051}" type="datetimeFigureOut">
               <a:rPr lang="en-SG" smtClean="0"/>
-              <a:t>31/1/2023</a:t>
+              <a:t>17/2/2023</a:t>
             </a:fld>
             <a:endParaRPr lang="en-SG" dirty="0"/>
           </a:p>
@@ -1681,7 +1683,7 @@
           <a:p>
             <a:fld id="{568D23B1-6EF9-4DFF-A006-F22E70A73051}" type="datetimeFigureOut">
               <a:rPr lang="en-SG" smtClean="0"/>
-              <a:t>31/1/2023</a:t>
+              <a:t>17/2/2023</a:t>
             </a:fld>
             <a:endParaRPr lang="en-SG" dirty="0"/>
           </a:p>
@@ -1949,7 +1951,7 @@
           <a:p>
             <a:fld id="{568D23B1-6EF9-4DFF-A006-F22E70A73051}" type="datetimeFigureOut">
               <a:rPr lang="en-SG" smtClean="0"/>
-              <a:t>31/1/2023</a:t>
+              <a:t>17/2/2023</a:t>
             </a:fld>
             <a:endParaRPr lang="en-SG" dirty="0"/>
           </a:p>
@@ -2364,7 +2366,7 @@
           <a:p>
             <a:fld id="{568D23B1-6EF9-4DFF-A006-F22E70A73051}" type="datetimeFigureOut">
               <a:rPr lang="en-SG" smtClean="0"/>
-              <a:t>31/1/2023</a:t>
+              <a:t>17/2/2023</a:t>
             </a:fld>
             <a:endParaRPr lang="en-SG" dirty="0"/>
           </a:p>
@@ -2506,7 +2508,7 @@
           <a:p>
             <a:fld id="{568D23B1-6EF9-4DFF-A006-F22E70A73051}" type="datetimeFigureOut">
               <a:rPr lang="en-SG" smtClean="0"/>
-              <a:t>31/1/2023</a:t>
+              <a:t>17/2/2023</a:t>
             </a:fld>
             <a:endParaRPr lang="en-SG" dirty="0"/>
           </a:p>
@@ -2619,7 +2621,7 @@
           <a:p>
             <a:fld id="{568D23B1-6EF9-4DFF-A006-F22E70A73051}" type="datetimeFigureOut">
               <a:rPr lang="en-SG" smtClean="0"/>
-              <a:t>31/1/2023</a:t>
+              <a:t>17/2/2023</a:t>
             </a:fld>
             <a:endParaRPr lang="en-SG" dirty="0"/>
           </a:p>
@@ -2932,7 +2934,7 @@
           <a:p>
             <a:fld id="{568D23B1-6EF9-4DFF-A006-F22E70A73051}" type="datetimeFigureOut">
               <a:rPr lang="en-SG" smtClean="0"/>
-              <a:t>31/1/2023</a:t>
+              <a:t>17/2/2023</a:t>
             </a:fld>
             <a:endParaRPr lang="en-SG" dirty="0"/>
           </a:p>
@@ -3221,7 +3223,7 @@
           <a:p>
             <a:fld id="{568D23B1-6EF9-4DFF-A006-F22E70A73051}" type="datetimeFigureOut">
               <a:rPr lang="en-SG" smtClean="0"/>
-              <a:t>31/1/2023</a:t>
+              <a:t>17/2/2023</a:t>
             </a:fld>
             <a:endParaRPr lang="en-SG" dirty="0"/>
           </a:p>
@@ -3464,7 +3466,7 @@
           <a:p>
             <a:fld id="{568D23B1-6EF9-4DFF-A006-F22E70A73051}" type="datetimeFigureOut">
               <a:rPr lang="en-SG" smtClean="0"/>
-              <a:t>31/1/2023</a:t>
+              <a:t>17/2/2023</a:t>
             </a:fld>
             <a:endParaRPr lang="en-SG" dirty="0"/>
           </a:p>
@@ -15305,6 +15307,3232 @@
     <p:extLst>
       <p:ext uri="{BB962C8B-B14F-4D97-AF65-F5344CB8AC3E}">
         <p14:creationId xmlns:p14="http://schemas.microsoft.com/office/powerpoint/2010/main" val="784889448"/>
+      </p:ext>
+    </p:extLst>
+  </p:cSld>
+  <p:clrMapOvr>
+    <a:masterClrMapping/>
+  </p:clrMapOvr>
+</p:sld>
+</file>
+
+<file path=ppt/slides/slide15.xml><?xml version="1.0" encoding="utf-8"?>
+<p:sld xmlns:a="http://schemas.openxmlformats.org/drawingml/2006/main" xmlns:r="http://schemas.openxmlformats.org/officeDocument/2006/relationships" xmlns:p="http://schemas.openxmlformats.org/presentationml/2006/main">
+  <p:cSld>
+    <p:spTree>
+      <p:nvGrpSpPr>
+        <p:cNvPr id="1" name=""/>
+        <p:cNvGrpSpPr/>
+        <p:nvPr/>
+      </p:nvGrpSpPr>
+      <p:grpSpPr>
+        <a:xfrm>
+          <a:off x="0" y="0"/>
+          <a:ext cx="0" cy="0"/>
+          <a:chOff x="0" y="0"/>
+          <a:chExt cx="0" cy="0"/>
+        </a:xfrm>
+      </p:grpSpPr>
+      <p:pic>
+        <p:nvPicPr>
+          <p:cNvPr id="5" name="Picture 4">
+            <a:extLst>
+              <a:ext uri="{FF2B5EF4-FFF2-40B4-BE49-F238E27FC236}">
+                <a16:creationId xmlns:a16="http://schemas.microsoft.com/office/drawing/2014/main" id="{04F4D0BF-39B3-B798-ED1D-6A31064C07E8}"/>
+              </a:ext>
+            </a:extLst>
+          </p:cNvPr>
+          <p:cNvPicPr>
+            <a:picLocks noChangeAspect="1"/>
+          </p:cNvPicPr>
+          <p:nvPr/>
+        </p:nvPicPr>
+        <p:blipFill>
+          <a:blip r:embed="rId2"/>
+          <a:stretch>
+            <a:fillRect/>
+          </a:stretch>
+        </p:blipFill>
+        <p:spPr>
+          <a:xfrm>
+            <a:off x="3610268" y="2345385"/>
+            <a:ext cx="355832" cy="427982"/>
+          </a:xfrm>
+          <a:prstGeom prst="rect">
+            <a:avLst/>
+          </a:prstGeom>
+        </p:spPr>
+      </p:pic>
+      <p:sp>
+        <p:nvSpPr>
+          <p:cNvPr id="7" name="TextBox 6">
+            <a:extLst>
+              <a:ext uri="{FF2B5EF4-FFF2-40B4-BE49-F238E27FC236}">
+                <a16:creationId xmlns:a16="http://schemas.microsoft.com/office/drawing/2014/main" id="{31CEDEF5-2CAB-C993-6EC5-0C8CDC2F087D}"/>
+              </a:ext>
+            </a:extLst>
+          </p:cNvPr>
+          <p:cNvSpPr txBox="1"/>
+          <p:nvPr/>
+        </p:nvSpPr>
+        <p:spPr>
+          <a:xfrm>
+            <a:off x="2291072" y="1825973"/>
+            <a:ext cx="2638392" cy="276999"/>
+          </a:xfrm>
+          <a:prstGeom prst="rect">
+            <a:avLst/>
+          </a:prstGeom>
+          <a:noFill/>
+        </p:spPr>
+        <p:txBody>
+          <a:bodyPr wrap="square" rtlCol="0">
+            <a:spAutoFit/>
+          </a:bodyPr>
+          <a:lstStyle/>
+          <a:p>
+            <a:r>
+              <a:rPr lang="en-SG" sz="1200" b="1" dirty="0">
+                <a:effectLst/>
+                <a:ea typeface="Times New Roman" panose="02020603050405020304" pitchFamily="18" charset="0"/>
+              </a:rPr>
+              <a:t>User Action Agents [UAR</a:t>
+            </a:r>
+            <a:r>
+              <a:rPr lang="en-SG" sz="1200" b="1" dirty="0">
+                <a:ea typeface="Times New Roman" panose="02020603050405020304" pitchFamily="18" charset="0"/>
+              </a:rPr>
+              <a:t>]</a:t>
+            </a:r>
+            <a:r>
+              <a:rPr lang="en-SG" sz="1200" b="1" dirty="0">
+                <a:effectLst/>
+                <a:ea typeface="Times New Roman" panose="02020603050405020304" pitchFamily="18" charset="0"/>
+              </a:rPr>
+              <a:t> Repository </a:t>
+            </a:r>
+            <a:r>
+              <a:rPr lang="en-SG" sz="1200" b="1" u="sng" dirty="0">
+                <a:effectLst/>
+                <a:ea typeface="Times New Roman" panose="02020603050405020304" pitchFamily="18" charset="0"/>
+              </a:rPr>
+              <a:t> </a:t>
+            </a:r>
+            <a:endParaRPr lang="en-SG" sz="1200" dirty="0"/>
+          </a:p>
+        </p:txBody>
+      </p:sp>
+      <p:sp>
+        <p:nvSpPr>
+          <p:cNvPr id="8" name="TextBox 7">
+            <a:extLst>
+              <a:ext uri="{FF2B5EF4-FFF2-40B4-BE49-F238E27FC236}">
+                <a16:creationId xmlns:a16="http://schemas.microsoft.com/office/drawing/2014/main" id="{9F9E6393-1A43-DFA2-B110-974E61F17BBC}"/>
+              </a:ext>
+            </a:extLst>
+          </p:cNvPr>
+          <p:cNvSpPr txBox="1"/>
+          <p:nvPr/>
+        </p:nvSpPr>
+        <p:spPr>
+          <a:xfrm>
+            <a:off x="2555897" y="2763958"/>
+            <a:ext cx="896285" cy="246221"/>
+          </a:xfrm>
+          <a:prstGeom prst="rect">
+            <a:avLst/>
+          </a:prstGeom>
+          <a:noFill/>
+        </p:spPr>
+        <p:txBody>
+          <a:bodyPr wrap="square" rtlCol="0">
+            <a:spAutoFit/>
+          </a:bodyPr>
+          <a:lstStyle/>
+          <a:p>
+            <a:r>
+              <a:rPr lang="en-SG" sz="1000" dirty="0"/>
+              <a:t>UAR_[Web]</a:t>
+            </a:r>
+          </a:p>
+        </p:txBody>
+      </p:sp>
+      <p:sp>
+        <p:nvSpPr>
+          <p:cNvPr id="9" name="TextBox 8">
+            <a:extLst>
+              <a:ext uri="{FF2B5EF4-FFF2-40B4-BE49-F238E27FC236}">
+                <a16:creationId xmlns:a16="http://schemas.microsoft.com/office/drawing/2014/main" id="{08B77C9A-152A-D2CF-6431-57E09AC00FFB}"/>
+              </a:ext>
+            </a:extLst>
+          </p:cNvPr>
+          <p:cNvSpPr txBox="1"/>
+          <p:nvPr/>
+        </p:nvSpPr>
+        <p:spPr>
+          <a:xfrm>
+            <a:off x="3452182" y="2763656"/>
+            <a:ext cx="896285" cy="246221"/>
+          </a:xfrm>
+          <a:prstGeom prst="rect">
+            <a:avLst/>
+          </a:prstGeom>
+          <a:noFill/>
+        </p:spPr>
+        <p:txBody>
+          <a:bodyPr wrap="square" rtlCol="0">
+            <a:spAutoFit/>
+          </a:bodyPr>
+          <a:lstStyle/>
+          <a:p>
+            <a:r>
+              <a:rPr lang="en-SG" sz="1000" dirty="0"/>
+              <a:t>UAR_[HW]</a:t>
+            </a:r>
+          </a:p>
+        </p:txBody>
+      </p:sp>
+      <p:pic>
+        <p:nvPicPr>
+          <p:cNvPr id="10" name="Picture 9">
+            <a:extLst>
+              <a:ext uri="{FF2B5EF4-FFF2-40B4-BE49-F238E27FC236}">
+                <a16:creationId xmlns:a16="http://schemas.microsoft.com/office/drawing/2014/main" id="{5AC5431D-6ECD-2703-272B-F50C89818475}"/>
+              </a:ext>
+            </a:extLst>
+          </p:cNvPr>
+          <p:cNvPicPr>
+            <a:picLocks noChangeAspect="1"/>
+          </p:cNvPicPr>
+          <p:nvPr/>
+        </p:nvPicPr>
+        <p:blipFill>
+          <a:blip r:embed="rId2"/>
+          <a:stretch>
+            <a:fillRect/>
+          </a:stretch>
+        </p:blipFill>
+        <p:spPr>
+          <a:xfrm>
+            <a:off x="4417336" y="2345385"/>
+            <a:ext cx="355832" cy="427982"/>
+          </a:xfrm>
+          <a:prstGeom prst="rect">
+            <a:avLst/>
+          </a:prstGeom>
+        </p:spPr>
+      </p:pic>
+      <p:sp>
+        <p:nvSpPr>
+          <p:cNvPr id="11" name="TextBox 10">
+            <a:extLst>
+              <a:ext uri="{FF2B5EF4-FFF2-40B4-BE49-F238E27FC236}">
+                <a16:creationId xmlns:a16="http://schemas.microsoft.com/office/drawing/2014/main" id="{02D5F13F-492A-2B05-3CD3-5C074D9B67D3}"/>
+              </a:ext>
+            </a:extLst>
+          </p:cNvPr>
+          <p:cNvSpPr txBox="1"/>
+          <p:nvPr/>
+        </p:nvSpPr>
+        <p:spPr>
+          <a:xfrm>
+            <a:off x="4273255" y="2763354"/>
+            <a:ext cx="896285" cy="246221"/>
+          </a:xfrm>
+          <a:prstGeom prst="rect">
+            <a:avLst/>
+          </a:prstGeom>
+          <a:noFill/>
+        </p:spPr>
+        <p:txBody>
+          <a:bodyPr wrap="square" rtlCol="0">
+            <a:spAutoFit/>
+          </a:bodyPr>
+          <a:lstStyle/>
+          <a:p>
+            <a:r>
+              <a:rPr lang="en-SG" sz="1000" dirty="0"/>
+              <a:t>UAR_[App]</a:t>
+            </a:r>
+          </a:p>
+        </p:txBody>
+      </p:sp>
+      <p:sp>
+        <p:nvSpPr>
+          <p:cNvPr id="12" name="TextBox 11">
+            <a:extLst>
+              <a:ext uri="{FF2B5EF4-FFF2-40B4-BE49-F238E27FC236}">
+                <a16:creationId xmlns:a16="http://schemas.microsoft.com/office/drawing/2014/main" id="{AD662BE1-8C57-860E-1A1B-D3B71F2F4225}"/>
+              </a:ext>
+            </a:extLst>
+          </p:cNvPr>
+          <p:cNvSpPr txBox="1"/>
+          <p:nvPr/>
+        </p:nvSpPr>
+        <p:spPr>
+          <a:xfrm>
+            <a:off x="3170008" y="2494328"/>
+            <a:ext cx="347472" cy="369332"/>
+          </a:xfrm>
+          <a:prstGeom prst="rect">
+            <a:avLst/>
+          </a:prstGeom>
+          <a:noFill/>
+        </p:spPr>
+        <p:txBody>
+          <a:bodyPr wrap="square" rtlCol="0">
+            <a:spAutoFit/>
+          </a:bodyPr>
+          <a:lstStyle/>
+          <a:p>
+            <a:r>
+              <a:rPr lang="en-SG" dirty="0"/>
+              <a:t>…</a:t>
+            </a:r>
+          </a:p>
+        </p:txBody>
+      </p:sp>
+      <p:pic>
+        <p:nvPicPr>
+          <p:cNvPr id="13" name="Picture 12">
+            <a:extLst>
+              <a:ext uri="{FF2B5EF4-FFF2-40B4-BE49-F238E27FC236}">
+                <a16:creationId xmlns:a16="http://schemas.microsoft.com/office/drawing/2014/main" id="{CC77102F-8DC1-9BBB-31DE-3EE9B4B80E2E}"/>
+              </a:ext>
+            </a:extLst>
+          </p:cNvPr>
+          <p:cNvPicPr>
+            <a:picLocks noChangeAspect="1"/>
+          </p:cNvPicPr>
+          <p:nvPr/>
+        </p:nvPicPr>
+        <p:blipFill>
+          <a:blip r:embed="rId2"/>
+          <a:stretch>
+            <a:fillRect/>
+          </a:stretch>
+        </p:blipFill>
+        <p:spPr>
+          <a:xfrm>
+            <a:off x="2823235" y="2280337"/>
+            <a:ext cx="355832" cy="427982"/>
+          </a:xfrm>
+          <a:prstGeom prst="rect">
+            <a:avLst/>
+          </a:prstGeom>
+        </p:spPr>
+      </p:pic>
+      <p:pic>
+        <p:nvPicPr>
+          <p:cNvPr id="6" name="Picture 5">
+            <a:extLst>
+              <a:ext uri="{FF2B5EF4-FFF2-40B4-BE49-F238E27FC236}">
+                <a16:creationId xmlns:a16="http://schemas.microsoft.com/office/drawing/2014/main" id="{3DF9721C-5A0D-BD8F-BA65-3195D6B8A603}"/>
+              </a:ext>
+            </a:extLst>
+          </p:cNvPr>
+          <p:cNvPicPr>
+            <a:picLocks noChangeAspect="1"/>
+          </p:cNvPicPr>
+          <p:nvPr/>
+        </p:nvPicPr>
+        <p:blipFill>
+          <a:blip r:embed="rId2"/>
+          <a:stretch>
+            <a:fillRect/>
+          </a:stretch>
+        </p:blipFill>
+        <p:spPr>
+          <a:xfrm>
+            <a:off x="2710412" y="2327843"/>
+            <a:ext cx="355832" cy="427982"/>
+          </a:xfrm>
+          <a:prstGeom prst="rect">
+            <a:avLst/>
+          </a:prstGeom>
+        </p:spPr>
+      </p:pic>
+      <p:sp>
+        <p:nvSpPr>
+          <p:cNvPr id="14" name="TextBox 13">
+            <a:extLst>
+              <a:ext uri="{FF2B5EF4-FFF2-40B4-BE49-F238E27FC236}">
+                <a16:creationId xmlns:a16="http://schemas.microsoft.com/office/drawing/2014/main" id="{CFE70FE2-9D5B-4796-06C1-76C508A0051C}"/>
+              </a:ext>
+            </a:extLst>
+          </p:cNvPr>
+          <p:cNvSpPr txBox="1"/>
+          <p:nvPr/>
+        </p:nvSpPr>
+        <p:spPr>
+          <a:xfrm>
+            <a:off x="4020312" y="2503274"/>
+            <a:ext cx="347472" cy="369332"/>
+          </a:xfrm>
+          <a:prstGeom prst="rect">
+            <a:avLst/>
+          </a:prstGeom>
+          <a:noFill/>
+        </p:spPr>
+        <p:txBody>
+          <a:bodyPr wrap="square" rtlCol="0">
+            <a:spAutoFit/>
+          </a:bodyPr>
+          <a:lstStyle/>
+          <a:p>
+            <a:r>
+              <a:rPr lang="en-SG" dirty="0"/>
+              <a:t>…</a:t>
+            </a:r>
+          </a:p>
+        </p:txBody>
+      </p:sp>
+      <p:pic>
+        <p:nvPicPr>
+          <p:cNvPr id="15" name="Picture 14">
+            <a:extLst>
+              <a:ext uri="{FF2B5EF4-FFF2-40B4-BE49-F238E27FC236}">
+                <a16:creationId xmlns:a16="http://schemas.microsoft.com/office/drawing/2014/main" id="{31903FAE-4C93-BE80-BE5F-CCCA24A302EB}"/>
+              </a:ext>
+            </a:extLst>
+          </p:cNvPr>
+          <p:cNvPicPr>
+            <a:picLocks noChangeAspect="1"/>
+          </p:cNvPicPr>
+          <p:nvPr/>
+        </p:nvPicPr>
+        <p:blipFill>
+          <a:blip r:embed="rId3"/>
+          <a:stretch>
+            <a:fillRect/>
+          </a:stretch>
+        </p:blipFill>
+        <p:spPr>
+          <a:xfrm>
+            <a:off x="3054269" y="2219989"/>
+            <a:ext cx="176680" cy="175361"/>
+          </a:xfrm>
+          <a:prstGeom prst="rect">
+            <a:avLst/>
+          </a:prstGeom>
+        </p:spPr>
+      </p:pic>
+      <p:pic>
+        <p:nvPicPr>
+          <p:cNvPr id="16" name="Picture 15">
+            <a:extLst>
+              <a:ext uri="{FF2B5EF4-FFF2-40B4-BE49-F238E27FC236}">
+                <a16:creationId xmlns:a16="http://schemas.microsoft.com/office/drawing/2014/main" id="{CFB0B42E-0474-0A00-DED9-C376516F462E}"/>
+              </a:ext>
+            </a:extLst>
+          </p:cNvPr>
+          <p:cNvPicPr>
+            <a:picLocks noChangeAspect="1"/>
+          </p:cNvPicPr>
+          <p:nvPr/>
+        </p:nvPicPr>
+        <p:blipFill>
+          <a:blip r:embed="rId4"/>
+          <a:stretch>
+            <a:fillRect/>
+          </a:stretch>
+        </p:blipFill>
+        <p:spPr>
+          <a:xfrm>
+            <a:off x="3844234" y="2255533"/>
+            <a:ext cx="202752" cy="199446"/>
+          </a:xfrm>
+          <a:prstGeom prst="rect">
+            <a:avLst/>
+          </a:prstGeom>
+          <a:ln w="6350">
+            <a:solidFill>
+              <a:schemeClr val="tx1"/>
+            </a:solidFill>
+          </a:ln>
+        </p:spPr>
+      </p:pic>
+      <p:pic>
+        <p:nvPicPr>
+          <p:cNvPr id="17" name="Picture 16">
+            <a:extLst>
+              <a:ext uri="{FF2B5EF4-FFF2-40B4-BE49-F238E27FC236}">
+                <a16:creationId xmlns:a16="http://schemas.microsoft.com/office/drawing/2014/main" id="{ED2FF56A-2562-0469-6275-E7A5C4269DAA}"/>
+              </a:ext>
+            </a:extLst>
+          </p:cNvPr>
+          <p:cNvPicPr>
+            <a:picLocks noChangeAspect="1"/>
+          </p:cNvPicPr>
+          <p:nvPr/>
+        </p:nvPicPr>
+        <p:blipFill>
+          <a:blip r:embed="rId5"/>
+          <a:stretch>
+            <a:fillRect/>
+          </a:stretch>
+        </p:blipFill>
+        <p:spPr>
+          <a:xfrm>
+            <a:off x="4660271" y="2285946"/>
+            <a:ext cx="162449" cy="171619"/>
+          </a:xfrm>
+          <a:prstGeom prst="rect">
+            <a:avLst/>
+          </a:prstGeom>
+          <a:ln w="9525">
+            <a:solidFill>
+              <a:schemeClr val="tx1"/>
+            </a:solidFill>
+          </a:ln>
+        </p:spPr>
+      </p:pic>
+      <p:sp>
+        <p:nvSpPr>
+          <p:cNvPr id="18" name="Arrow: Left-Right 17">
+            <a:extLst>
+              <a:ext uri="{FF2B5EF4-FFF2-40B4-BE49-F238E27FC236}">
+                <a16:creationId xmlns:a16="http://schemas.microsoft.com/office/drawing/2014/main" id="{6136EF72-86D5-57AD-956B-4A92DA78D366}"/>
+              </a:ext>
+            </a:extLst>
+          </p:cNvPr>
+          <p:cNvSpPr/>
+          <p:nvPr/>
+        </p:nvSpPr>
+        <p:spPr>
+          <a:xfrm rot="5400000">
+            <a:off x="3583395" y="3410317"/>
+            <a:ext cx="520021" cy="121368"/>
+          </a:xfrm>
+          <a:prstGeom prst="leftRightArrow">
+            <a:avLst/>
+          </a:prstGeom>
+          <a:solidFill>
+            <a:schemeClr val="bg1"/>
+          </a:solidFill>
+          <a:ln w="19050"/>
+        </p:spPr>
+        <p:style>
+          <a:lnRef idx="2">
+            <a:schemeClr val="accent1">
+              <a:shade val="50000"/>
+            </a:schemeClr>
+          </a:lnRef>
+          <a:fillRef idx="1">
+            <a:schemeClr val="accent1"/>
+          </a:fillRef>
+          <a:effectRef idx="0">
+            <a:schemeClr val="accent1"/>
+          </a:effectRef>
+          <a:fontRef idx="minor">
+            <a:schemeClr val="lt1"/>
+          </a:fontRef>
+        </p:style>
+        <p:txBody>
+          <a:bodyPr rtlCol="0" anchor="ctr"/>
+          <a:lstStyle/>
+          <a:p>
+            <a:pPr algn="ctr"/>
+            <a:endParaRPr lang="en-SG" dirty="0">
+              <a:solidFill>
+                <a:schemeClr val="bg1"/>
+              </a:solidFill>
+            </a:endParaRPr>
+          </a:p>
+        </p:txBody>
+      </p:sp>
+      <p:pic>
+        <p:nvPicPr>
+          <p:cNvPr id="19" name="Picture 18">
+            <a:extLst>
+              <a:ext uri="{FF2B5EF4-FFF2-40B4-BE49-F238E27FC236}">
+                <a16:creationId xmlns:a16="http://schemas.microsoft.com/office/drawing/2014/main" id="{43DF75AF-53E9-8D1A-1078-3DD9BAACFA44}"/>
+              </a:ext>
+            </a:extLst>
+          </p:cNvPr>
+          <p:cNvPicPr>
+            <a:picLocks noChangeAspect="1"/>
+          </p:cNvPicPr>
+          <p:nvPr/>
+        </p:nvPicPr>
+        <p:blipFill>
+          <a:blip r:embed="rId6"/>
+          <a:stretch>
+            <a:fillRect/>
+          </a:stretch>
+        </p:blipFill>
+        <p:spPr>
+          <a:xfrm>
+            <a:off x="1492604" y="3898023"/>
+            <a:ext cx="411108" cy="424159"/>
+          </a:xfrm>
+          <a:prstGeom prst="rect">
+            <a:avLst/>
+          </a:prstGeom>
+          <a:ln w="3175">
+            <a:solidFill>
+              <a:schemeClr val="tx1"/>
+            </a:solidFill>
+          </a:ln>
+        </p:spPr>
+      </p:pic>
+      <p:sp>
+        <p:nvSpPr>
+          <p:cNvPr id="20" name="TextBox 19">
+            <a:extLst>
+              <a:ext uri="{FF2B5EF4-FFF2-40B4-BE49-F238E27FC236}">
+                <a16:creationId xmlns:a16="http://schemas.microsoft.com/office/drawing/2014/main" id="{5F5C525F-1342-C9DE-33E7-54A8C92CCD7B}"/>
+              </a:ext>
+            </a:extLst>
+          </p:cNvPr>
+          <p:cNvSpPr txBox="1"/>
+          <p:nvPr/>
+        </p:nvSpPr>
+        <p:spPr>
+          <a:xfrm>
+            <a:off x="1220044" y="3621034"/>
+            <a:ext cx="956227" cy="276999"/>
+          </a:xfrm>
+          <a:prstGeom prst="rect">
+            <a:avLst/>
+          </a:prstGeom>
+          <a:noFill/>
+        </p:spPr>
+        <p:txBody>
+          <a:bodyPr wrap="square" rtlCol="0">
+            <a:spAutoFit/>
+          </a:bodyPr>
+          <a:lstStyle/>
+          <a:p>
+            <a:r>
+              <a:rPr lang="en-US" sz="1200" b="1" dirty="0"/>
+              <a:t>User profile  </a:t>
+            </a:r>
+            <a:endParaRPr lang="en-SG" sz="1200" dirty="0"/>
+          </a:p>
+        </p:txBody>
+      </p:sp>
+      <p:cxnSp>
+        <p:nvCxnSpPr>
+          <p:cNvPr id="21" name="Straight Arrow Connector 20">
+            <a:extLst>
+              <a:ext uri="{FF2B5EF4-FFF2-40B4-BE49-F238E27FC236}">
+                <a16:creationId xmlns:a16="http://schemas.microsoft.com/office/drawing/2014/main" id="{73EBCA76-A48F-F890-2FC5-49BF0ADEC537}"/>
+              </a:ext>
+            </a:extLst>
+          </p:cNvPr>
+          <p:cNvCxnSpPr>
+            <a:cxnSpLocks/>
+          </p:cNvCxnSpPr>
+          <p:nvPr/>
+        </p:nvCxnSpPr>
+        <p:spPr>
+          <a:xfrm>
+            <a:off x="1998246" y="4110101"/>
+            <a:ext cx="1002905" cy="0"/>
+          </a:xfrm>
+          <a:prstGeom prst="straightConnector1">
+            <a:avLst/>
+          </a:prstGeom>
+          <a:ln w="19050">
+            <a:tailEnd type="triangle"/>
+          </a:ln>
+        </p:spPr>
+        <p:style>
+          <a:lnRef idx="1">
+            <a:schemeClr val="accent1"/>
+          </a:lnRef>
+          <a:fillRef idx="0">
+            <a:schemeClr val="accent1"/>
+          </a:fillRef>
+          <a:effectRef idx="0">
+            <a:schemeClr val="accent1"/>
+          </a:effectRef>
+          <a:fontRef idx="minor">
+            <a:schemeClr val="tx1"/>
+          </a:fontRef>
+        </p:style>
+      </p:cxnSp>
+      <p:sp>
+        <p:nvSpPr>
+          <p:cNvPr id="23" name="Rectangle: Rounded Corners 22">
+            <a:extLst>
+              <a:ext uri="{FF2B5EF4-FFF2-40B4-BE49-F238E27FC236}">
+                <a16:creationId xmlns:a16="http://schemas.microsoft.com/office/drawing/2014/main" id="{64F9C992-5B41-8D07-9793-289F939C8803}"/>
+              </a:ext>
+            </a:extLst>
+          </p:cNvPr>
+          <p:cNvSpPr/>
+          <p:nvPr/>
+        </p:nvSpPr>
+        <p:spPr>
+          <a:xfrm>
+            <a:off x="3054269" y="3791518"/>
+            <a:ext cx="1654976" cy="637167"/>
+          </a:xfrm>
+          <a:prstGeom prst="roundRect">
+            <a:avLst/>
+          </a:prstGeom>
+          <a:noFill/>
+          <a:ln w="19050" cap="flat" cmpd="sng" algn="ctr">
+            <a:solidFill>
+              <a:schemeClr val="accent1">
+                <a:lumMod val="75000"/>
+              </a:schemeClr>
+            </a:solidFill>
+            <a:prstDash val="solid"/>
+            <a:round/>
+            <a:headEnd type="none" w="med" len="med"/>
+            <a:tailEnd type="none" w="med" len="med"/>
+          </a:ln>
+        </p:spPr>
+        <p:style>
+          <a:lnRef idx="0">
+            <a:scrgbClr r="0" g="0" b="0"/>
+          </a:lnRef>
+          <a:fillRef idx="0">
+            <a:scrgbClr r="0" g="0" b="0"/>
+          </a:fillRef>
+          <a:effectRef idx="0">
+            <a:scrgbClr r="0" g="0" b="0"/>
+          </a:effectRef>
+          <a:fontRef idx="minor">
+            <a:schemeClr val="accent2"/>
+          </a:fontRef>
+        </p:style>
+        <p:txBody>
+          <a:bodyPr rtlCol="0" anchor="ctr"/>
+          <a:lstStyle/>
+          <a:p>
+            <a:pPr algn="ctr"/>
+            <a:r>
+              <a:rPr lang="en-SG" sz="1200" b="1" dirty="0">
+                <a:solidFill>
+                  <a:schemeClr val="tx1"/>
+                </a:solidFill>
+              </a:rPr>
+              <a:t>User Profile Emulator [UPE] </a:t>
+            </a:r>
+          </a:p>
+        </p:txBody>
+      </p:sp>
+      <p:sp>
+        <p:nvSpPr>
+          <p:cNvPr id="29" name="Arrow: Right 28">
+            <a:extLst>
+              <a:ext uri="{FF2B5EF4-FFF2-40B4-BE49-F238E27FC236}">
+                <a16:creationId xmlns:a16="http://schemas.microsoft.com/office/drawing/2014/main" id="{167339C1-602C-91B8-3CD4-86E66BAC2839}"/>
+              </a:ext>
+            </a:extLst>
+          </p:cNvPr>
+          <p:cNvSpPr/>
+          <p:nvPr/>
+        </p:nvSpPr>
+        <p:spPr>
+          <a:xfrm>
+            <a:off x="4801659" y="4014845"/>
+            <a:ext cx="691367" cy="120133"/>
+          </a:xfrm>
+          <a:prstGeom prst="rightArrow">
+            <a:avLst/>
+          </a:prstGeom>
+          <a:solidFill>
+            <a:schemeClr val="bg1"/>
+          </a:solidFill>
+          <a:ln w="19050"/>
+        </p:spPr>
+        <p:style>
+          <a:lnRef idx="2">
+            <a:schemeClr val="accent1">
+              <a:shade val="50000"/>
+            </a:schemeClr>
+          </a:lnRef>
+          <a:fillRef idx="1">
+            <a:schemeClr val="accent1"/>
+          </a:fillRef>
+          <a:effectRef idx="0">
+            <a:schemeClr val="accent1"/>
+          </a:effectRef>
+          <a:fontRef idx="minor">
+            <a:schemeClr val="lt1"/>
+          </a:fontRef>
+        </p:style>
+        <p:txBody>
+          <a:bodyPr rtlCol="0" anchor="ctr"/>
+          <a:lstStyle/>
+          <a:p>
+            <a:pPr algn="ctr"/>
+            <a:endParaRPr lang="en-SG" dirty="0"/>
+          </a:p>
+        </p:txBody>
+      </p:sp>
+      <p:pic>
+        <p:nvPicPr>
+          <p:cNvPr id="30" name="Picture 29">
+            <a:extLst>
+              <a:ext uri="{FF2B5EF4-FFF2-40B4-BE49-F238E27FC236}">
+                <a16:creationId xmlns:a16="http://schemas.microsoft.com/office/drawing/2014/main" id="{EBC8FC24-5B02-77B7-95E2-6BB2BEC0280A}"/>
+              </a:ext>
+            </a:extLst>
+          </p:cNvPr>
+          <p:cNvPicPr>
+            <a:picLocks noChangeAspect="1"/>
+          </p:cNvPicPr>
+          <p:nvPr/>
+        </p:nvPicPr>
+        <p:blipFill>
+          <a:blip r:embed="rId7"/>
+          <a:stretch>
+            <a:fillRect/>
+          </a:stretch>
+        </p:blipFill>
+        <p:spPr>
+          <a:xfrm>
+            <a:off x="5779574" y="3857873"/>
+            <a:ext cx="407652" cy="317063"/>
+          </a:xfrm>
+          <a:prstGeom prst="rect">
+            <a:avLst/>
+          </a:prstGeom>
+          <a:ln w="3175">
+            <a:solidFill>
+              <a:schemeClr val="tx1"/>
+            </a:solidFill>
+          </a:ln>
+        </p:spPr>
+      </p:pic>
+      <p:pic>
+        <p:nvPicPr>
+          <p:cNvPr id="31" name="Picture 30">
+            <a:extLst>
+              <a:ext uri="{FF2B5EF4-FFF2-40B4-BE49-F238E27FC236}">
+                <a16:creationId xmlns:a16="http://schemas.microsoft.com/office/drawing/2014/main" id="{2DE7B82E-7132-8EFA-F467-300276E246C5}"/>
+              </a:ext>
+            </a:extLst>
+          </p:cNvPr>
+          <p:cNvPicPr>
+            <a:picLocks noChangeAspect="1"/>
+          </p:cNvPicPr>
+          <p:nvPr/>
+        </p:nvPicPr>
+        <p:blipFill>
+          <a:blip r:embed="rId7"/>
+          <a:stretch>
+            <a:fillRect/>
+          </a:stretch>
+        </p:blipFill>
+        <p:spPr>
+          <a:xfrm>
+            <a:off x="6363529" y="3874057"/>
+            <a:ext cx="407652" cy="317063"/>
+          </a:xfrm>
+          <a:prstGeom prst="rect">
+            <a:avLst/>
+          </a:prstGeom>
+          <a:ln w="3175">
+            <a:solidFill>
+              <a:schemeClr val="tx1"/>
+            </a:solidFill>
+          </a:ln>
+        </p:spPr>
+      </p:pic>
+      <p:pic>
+        <p:nvPicPr>
+          <p:cNvPr id="32" name="Picture 31">
+            <a:extLst>
+              <a:ext uri="{FF2B5EF4-FFF2-40B4-BE49-F238E27FC236}">
+                <a16:creationId xmlns:a16="http://schemas.microsoft.com/office/drawing/2014/main" id="{97BEEEB7-387A-B905-069B-CA1F1B143D63}"/>
+              </a:ext>
+            </a:extLst>
+          </p:cNvPr>
+          <p:cNvPicPr>
+            <a:picLocks noChangeAspect="1"/>
+          </p:cNvPicPr>
+          <p:nvPr/>
+        </p:nvPicPr>
+        <p:blipFill>
+          <a:blip r:embed="rId7"/>
+          <a:stretch>
+            <a:fillRect/>
+          </a:stretch>
+        </p:blipFill>
+        <p:spPr>
+          <a:xfrm>
+            <a:off x="7014888" y="3778607"/>
+            <a:ext cx="407652" cy="317063"/>
+          </a:xfrm>
+          <a:prstGeom prst="rect">
+            <a:avLst/>
+          </a:prstGeom>
+          <a:ln w="3175">
+            <a:solidFill>
+              <a:schemeClr val="tx1"/>
+            </a:solidFill>
+          </a:ln>
+        </p:spPr>
+      </p:pic>
+      <p:pic>
+        <p:nvPicPr>
+          <p:cNvPr id="33" name="Picture 32">
+            <a:extLst>
+              <a:ext uri="{FF2B5EF4-FFF2-40B4-BE49-F238E27FC236}">
+                <a16:creationId xmlns:a16="http://schemas.microsoft.com/office/drawing/2014/main" id="{C78F167F-45BF-F55B-1A72-AE9668C145DC}"/>
+              </a:ext>
+            </a:extLst>
+          </p:cNvPr>
+          <p:cNvPicPr>
+            <a:picLocks noChangeAspect="1"/>
+          </p:cNvPicPr>
+          <p:nvPr/>
+        </p:nvPicPr>
+        <p:blipFill>
+          <a:blip r:embed="rId7"/>
+          <a:stretch>
+            <a:fillRect/>
+          </a:stretch>
+        </p:blipFill>
+        <p:spPr>
+          <a:xfrm>
+            <a:off x="6935126" y="3953456"/>
+            <a:ext cx="407652" cy="317063"/>
+          </a:xfrm>
+          <a:prstGeom prst="rect">
+            <a:avLst/>
+          </a:prstGeom>
+          <a:ln w="3175">
+            <a:solidFill>
+              <a:schemeClr val="tx1"/>
+            </a:solidFill>
+          </a:ln>
+        </p:spPr>
+      </p:pic>
+      <p:pic>
+        <p:nvPicPr>
+          <p:cNvPr id="34" name="Picture 33">
+            <a:extLst>
+              <a:ext uri="{FF2B5EF4-FFF2-40B4-BE49-F238E27FC236}">
+                <a16:creationId xmlns:a16="http://schemas.microsoft.com/office/drawing/2014/main" id="{664B94CC-6E35-311D-AF4D-369EA658F89D}"/>
+              </a:ext>
+            </a:extLst>
+          </p:cNvPr>
+          <p:cNvPicPr>
+            <a:picLocks noChangeAspect="1"/>
+          </p:cNvPicPr>
+          <p:nvPr/>
+        </p:nvPicPr>
+        <p:blipFill>
+          <a:blip r:embed="rId3"/>
+          <a:stretch>
+            <a:fillRect/>
+          </a:stretch>
+        </p:blipFill>
+        <p:spPr>
+          <a:xfrm>
+            <a:off x="6565410" y="3969496"/>
+            <a:ext cx="176680" cy="175361"/>
+          </a:xfrm>
+          <a:prstGeom prst="rect">
+            <a:avLst/>
+          </a:prstGeom>
+          <a:ln w="6350">
+            <a:solidFill>
+              <a:schemeClr val="tx1"/>
+            </a:solidFill>
+          </a:ln>
+        </p:spPr>
+      </p:pic>
+      <p:pic>
+        <p:nvPicPr>
+          <p:cNvPr id="35" name="Picture 34">
+            <a:extLst>
+              <a:ext uri="{FF2B5EF4-FFF2-40B4-BE49-F238E27FC236}">
+                <a16:creationId xmlns:a16="http://schemas.microsoft.com/office/drawing/2014/main" id="{07D65D5E-95C1-E69F-D35E-D927C8D20761}"/>
+              </a:ext>
+            </a:extLst>
+          </p:cNvPr>
+          <p:cNvPicPr>
+            <a:picLocks noChangeAspect="1"/>
+          </p:cNvPicPr>
+          <p:nvPr/>
+        </p:nvPicPr>
+        <p:blipFill>
+          <a:blip r:embed="rId4"/>
+          <a:stretch>
+            <a:fillRect/>
+          </a:stretch>
+        </p:blipFill>
+        <p:spPr>
+          <a:xfrm>
+            <a:off x="7140026" y="4029043"/>
+            <a:ext cx="202752" cy="199446"/>
+          </a:xfrm>
+          <a:prstGeom prst="rect">
+            <a:avLst/>
+          </a:prstGeom>
+          <a:ln w="6350">
+            <a:solidFill>
+              <a:schemeClr val="tx1"/>
+            </a:solidFill>
+          </a:ln>
+        </p:spPr>
+      </p:pic>
+      <p:sp>
+        <p:nvSpPr>
+          <p:cNvPr id="38" name="TextBox 37">
+            <a:extLst>
+              <a:ext uri="{FF2B5EF4-FFF2-40B4-BE49-F238E27FC236}">
+                <a16:creationId xmlns:a16="http://schemas.microsoft.com/office/drawing/2014/main" id="{872F52B7-AB8F-47B4-3D2C-91249D24784B}"/>
+              </a:ext>
+            </a:extLst>
+          </p:cNvPr>
+          <p:cNvSpPr txBox="1"/>
+          <p:nvPr/>
+        </p:nvSpPr>
+        <p:spPr>
+          <a:xfrm>
+            <a:off x="5579748" y="4208306"/>
+            <a:ext cx="1803521" cy="246221"/>
+          </a:xfrm>
+          <a:prstGeom prst="rect">
+            <a:avLst/>
+          </a:prstGeom>
+          <a:noFill/>
+        </p:spPr>
+        <p:txBody>
+          <a:bodyPr wrap="square" rtlCol="0">
+            <a:spAutoFit/>
+          </a:bodyPr>
+          <a:lstStyle/>
+          <a:p>
+            <a:r>
+              <a:rPr lang="en-SG" sz="1000" dirty="0"/>
+              <a:t>Automatic Actions Program</a:t>
+            </a:r>
+          </a:p>
+        </p:txBody>
+      </p:sp>
+      <p:cxnSp>
+        <p:nvCxnSpPr>
+          <p:cNvPr id="40" name="Straight Arrow Connector 39">
+            <a:extLst>
+              <a:ext uri="{FF2B5EF4-FFF2-40B4-BE49-F238E27FC236}">
+                <a16:creationId xmlns:a16="http://schemas.microsoft.com/office/drawing/2014/main" id="{4979912A-E255-C75F-CEF9-67C6E1999DEA}"/>
+              </a:ext>
+            </a:extLst>
+          </p:cNvPr>
+          <p:cNvCxnSpPr>
+            <a:cxnSpLocks/>
+          </p:cNvCxnSpPr>
+          <p:nvPr/>
+        </p:nvCxnSpPr>
+        <p:spPr>
+          <a:xfrm>
+            <a:off x="6187226" y="4043129"/>
+            <a:ext cx="186545" cy="0"/>
+          </a:xfrm>
+          <a:prstGeom prst="straightConnector1">
+            <a:avLst/>
+          </a:prstGeom>
+          <a:ln w="19050">
+            <a:tailEnd type="triangle"/>
+          </a:ln>
+        </p:spPr>
+        <p:style>
+          <a:lnRef idx="1">
+            <a:schemeClr val="dk1"/>
+          </a:lnRef>
+          <a:fillRef idx="0">
+            <a:schemeClr val="dk1"/>
+          </a:fillRef>
+          <a:effectRef idx="0">
+            <a:schemeClr val="dk1"/>
+          </a:effectRef>
+          <a:fontRef idx="minor">
+            <a:schemeClr val="tx1"/>
+          </a:fontRef>
+        </p:style>
+      </p:cxnSp>
+      <p:cxnSp>
+        <p:nvCxnSpPr>
+          <p:cNvPr id="43" name="Straight Arrow Connector 42">
+            <a:extLst>
+              <a:ext uri="{FF2B5EF4-FFF2-40B4-BE49-F238E27FC236}">
+                <a16:creationId xmlns:a16="http://schemas.microsoft.com/office/drawing/2014/main" id="{FF31F093-E2C1-E13A-5E65-7F08733FC59C}"/>
+              </a:ext>
+            </a:extLst>
+          </p:cNvPr>
+          <p:cNvCxnSpPr>
+            <a:cxnSpLocks/>
+            <a:endCxn id="32" idx="1"/>
+          </p:cNvCxnSpPr>
+          <p:nvPr/>
+        </p:nvCxnSpPr>
+        <p:spPr>
+          <a:xfrm>
+            <a:off x="6771181" y="3901503"/>
+            <a:ext cx="243707" cy="0"/>
+          </a:xfrm>
+          <a:prstGeom prst="straightConnector1">
+            <a:avLst/>
+          </a:prstGeom>
+          <a:ln w="19050">
+            <a:tailEnd type="triangle"/>
+          </a:ln>
+        </p:spPr>
+        <p:style>
+          <a:lnRef idx="1">
+            <a:schemeClr val="dk1"/>
+          </a:lnRef>
+          <a:fillRef idx="0">
+            <a:schemeClr val="dk1"/>
+          </a:fillRef>
+          <a:effectRef idx="0">
+            <a:schemeClr val="dk1"/>
+          </a:effectRef>
+          <a:fontRef idx="minor">
+            <a:schemeClr val="tx1"/>
+          </a:fontRef>
+        </p:style>
+      </p:cxnSp>
+      <p:cxnSp>
+        <p:nvCxnSpPr>
+          <p:cNvPr id="47" name="Straight Arrow Connector 46">
+            <a:extLst>
+              <a:ext uri="{FF2B5EF4-FFF2-40B4-BE49-F238E27FC236}">
+                <a16:creationId xmlns:a16="http://schemas.microsoft.com/office/drawing/2014/main" id="{A65A17B2-19D7-FA6D-A338-A233275165D9}"/>
+              </a:ext>
+            </a:extLst>
+          </p:cNvPr>
+          <p:cNvCxnSpPr>
+            <a:cxnSpLocks/>
+          </p:cNvCxnSpPr>
+          <p:nvPr/>
+        </p:nvCxnSpPr>
+        <p:spPr>
+          <a:xfrm>
+            <a:off x="6771181" y="4083740"/>
+            <a:ext cx="163945" cy="0"/>
+          </a:xfrm>
+          <a:prstGeom prst="straightConnector1">
+            <a:avLst/>
+          </a:prstGeom>
+          <a:ln w="19050">
+            <a:tailEnd type="triangle"/>
+          </a:ln>
+        </p:spPr>
+        <p:style>
+          <a:lnRef idx="1">
+            <a:schemeClr val="dk1"/>
+          </a:lnRef>
+          <a:fillRef idx="0">
+            <a:schemeClr val="dk1"/>
+          </a:fillRef>
+          <a:effectRef idx="0">
+            <a:schemeClr val="dk1"/>
+          </a:effectRef>
+          <a:fontRef idx="minor">
+            <a:schemeClr val="tx1"/>
+          </a:fontRef>
+        </p:style>
+      </p:cxnSp>
+      <p:cxnSp>
+        <p:nvCxnSpPr>
+          <p:cNvPr id="50" name="Straight Arrow Connector 49">
+            <a:extLst>
+              <a:ext uri="{FF2B5EF4-FFF2-40B4-BE49-F238E27FC236}">
+                <a16:creationId xmlns:a16="http://schemas.microsoft.com/office/drawing/2014/main" id="{6625841B-FDB9-46CD-21C3-F8D75D7D7ACB}"/>
+              </a:ext>
+            </a:extLst>
+          </p:cNvPr>
+          <p:cNvCxnSpPr>
+            <a:cxnSpLocks/>
+          </p:cNvCxnSpPr>
+          <p:nvPr/>
+        </p:nvCxnSpPr>
+        <p:spPr>
+          <a:xfrm>
+            <a:off x="7342778" y="4128766"/>
+            <a:ext cx="163945" cy="0"/>
+          </a:xfrm>
+          <a:prstGeom prst="straightConnector1">
+            <a:avLst/>
+          </a:prstGeom>
+          <a:ln w="19050">
+            <a:tailEnd type="triangle"/>
+          </a:ln>
+        </p:spPr>
+        <p:style>
+          <a:lnRef idx="1">
+            <a:schemeClr val="dk1"/>
+          </a:lnRef>
+          <a:fillRef idx="0">
+            <a:schemeClr val="dk1"/>
+          </a:fillRef>
+          <a:effectRef idx="0">
+            <a:schemeClr val="dk1"/>
+          </a:effectRef>
+          <a:fontRef idx="minor">
+            <a:schemeClr val="tx1"/>
+          </a:fontRef>
+        </p:style>
+      </p:cxnSp>
+      <p:sp>
+        <p:nvSpPr>
+          <p:cNvPr id="51" name="TextBox 50">
+            <a:extLst>
+              <a:ext uri="{FF2B5EF4-FFF2-40B4-BE49-F238E27FC236}">
+                <a16:creationId xmlns:a16="http://schemas.microsoft.com/office/drawing/2014/main" id="{7AFE76E0-D685-F7CC-5E93-35053568B8BF}"/>
+              </a:ext>
+            </a:extLst>
+          </p:cNvPr>
+          <p:cNvSpPr txBox="1"/>
+          <p:nvPr/>
+        </p:nvSpPr>
+        <p:spPr>
+          <a:xfrm>
+            <a:off x="7492511" y="3943633"/>
+            <a:ext cx="347472" cy="369332"/>
+          </a:xfrm>
+          <a:prstGeom prst="rect">
+            <a:avLst/>
+          </a:prstGeom>
+          <a:noFill/>
+        </p:spPr>
+        <p:txBody>
+          <a:bodyPr wrap="square" rtlCol="0">
+            <a:spAutoFit/>
+          </a:bodyPr>
+          <a:lstStyle/>
+          <a:p>
+            <a:r>
+              <a:rPr lang="en-SG" dirty="0"/>
+              <a:t>…</a:t>
+            </a:r>
+          </a:p>
+        </p:txBody>
+      </p:sp>
+      <p:sp>
+        <p:nvSpPr>
+          <p:cNvPr id="52" name="TextBox 51">
+            <a:extLst>
+              <a:ext uri="{FF2B5EF4-FFF2-40B4-BE49-F238E27FC236}">
+                <a16:creationId xmlns:a16="http://schemas.microsoft.com/office/drawing/2014/main" id="{556D929D-D6DC-9D00-8A1C-D7FBFE824535}"/>
+              </a:ext>
+            </a:extLst>
+          </p:cNvPr>
+          <p:cNvSpPr txBox="1"/>
+          <p:nvPr/>
+        </p:nvSpPr>
+        <p:spPr>
+          <a:xfrm>
+            <a:off x="5476398" y="4417005"/>
+            <a:ext cx="2178024" cy="276999"/>
+          </a:xfrm>
+          <a:prstGeom prst="rect">
+            <a:avLst/>
+          </a:prstGeom>
+          <a:noFill/>
+        </p:spPr>
+        <p:txBody>
+          <a:bodyPr wrap="square" rtlCol="0">
+            <a:spAutoFit/>
+          </a:bodyPr>
+          <a:lstStyle/>
+          <a:p>
+            <a:r>
+              <a:rPr lang="en-SG" sz="1200" b="1" dirty="0"/>
+              <a:t>Modelled Actions Chain/Tree </a:t>
+            </a:r>
+          </a:p>
+        </p:txBody>
+      </p:sp>
+      <p:sp>
+        <p:nvSpPr>
+          <p:cNvPr id="53" name="Rectangle: Rounded Corners 52">
+            <a:extLst>
+              <a:ext uri="{FF2B5EF4-FFF2-40B4-BE49-F238E27FC236}">
+                <a16:creationId xmlns:a16="http://schemas.microsoft.com/office/drawing/2014/main" id="{E8C79FE5-052C-E398-4845-6CB49FDE4954}"/>
+              </a:ext>
+            </a:extLst>
+          </p:cNvPr>
+          <p:cNvSpPr/>
+          <p:nvPr/>
+        </p:nvSpPr>
+        <p:spPr>
+          <a:xfrm>
+            <a:off x="5886849" y="2307669"/>
+            <a:ext cx="1654976" cy="637167"/>
+          </a:xfrm>
+          <a:prstGeom prst="roundRect">
+            <a:avLst/>
+          </a:prstGeom>
+          <a:noFill/>
+          <a:ln w="19050" cap="flat" cmpd="sng" algn="ctr">
+            <a:solidFill>
+              <a:schemeClr val="accent1">
+                <a:lumMod val="75000"/>
+              </a:schemeClr>
+            </a:solidFill>
+            <a:prstDash val="solid"/>
+            <a:round/>
+            <a:headEnd type="none" w="med" len="med"/>
+            <a:tailEnd type="none" w="med" len="med"/>
+          </a:ln>
+        </p:spPr>
+        <p:style>
+          <a:lnRef idx="0">
+            <a:scrgbClr r="0" g="0" b="0"/>
+          </a:lnRef>
+          <a:fillRef idx="0">
+            <a:scrgbClr r="0" g="0" b="0"/>
+          </a:fillRef>
+          <a:effectRef idx="0">
+            <a:scrgbClr r="0" g="0" b="0"/>
+          </a:effectRef>
+          <a:fontRef idx="minor">
+            <a:schemeClr val="accent2"/>
+          </a:fontRef>
+        </p:style>
+        <p:txBody>
+          <a:bodyPr rtlCol="0" anchor="ctr"/>
+          <a:lstStyle/>
+          <a:p>
+            <a:pPr algn="ctr"/>
+            <a:r>
+              <a:rPr lang="en-SG" sz="1200" b="1" dirty="0">
+                <a:solidFill>
+                  <a:schemeClr val="tx1"/>
+                </a:solidFill>
+              </a:rPr>
+              <a:t>Scheduler Monitor Hub [SMU] </a:t>
+            </a:r>
+          </a:p>
+        </p:txBody>
+      </p:sp>
+      <p:cxnSp>
+        <p:nvCxnSpPr>
+          <p:cNvPr id="57" name="Straight Arrow Connector 56">
+            <a:extLst>
+              <a:ext uri="{FF2B5EF4-FFF2-40B4-BE49-F238E27FC236}">
+                <a16:creationId xmlns:a16="http://schemas.microsoft.com/office/drawing/2014/main" id="{E3B95400-44E6-45D0-782B-A0A7510EBF69}"/>
+              </a:ext>
+            </a:extLst>
+          </p:cNvPr>
+          <p:cNvCxnSpPr/>
+          <p:nvPr/>
+        </p:nvCxnSpPr>
+        <p:spPr>
+          <a:xfrm>
+            <a:off x="6096000" y="2960738"/>
+            <a:ext cx="0" cy="846682"/>
+          </a:xfrm>
+          <a:prstGeom prst="straightConnector1">
+            <a:avLst/>
+          </a:prstGeom>
+          <a:ln>
+            <a:headEnd type="triangle"/>
+            <a:tailEnd type="triangle"/>
+          </a:ln>
+        </p:spPr>
+        <p:style>
+          <a:lnRef idx="1">
+            <a:schemeClr val="accent1"/>
+          </a:lnRef>
+          <a:fillRef idx="0">
+            <a:schemeClr val="accent1"/>
+          </a:fillRef>
+          <a:effectRef idx="0">
+            <a:schemeClr val="accent1"/>
+          </a:effectRef>
+          <a:fontRef idx="minor">
+            <a:schemeClr val="tx1"/>
+          </a:fontRef>
+        </p:style>
+      </p:cxnSp>
+      <p:cxnSp>
+        <p:nvCxnSpPr>
+          <p:cNvPr id="62" name="Straight Arrow Connector 61">
+            <a:extLst>
+              <a:ext uri="{FF2B5EF4-FFF2-40B4-BE49-F238E27FC236}">
+                <a16:creationId xmlns:a16="http://schemas.microsoft.com/office/drawing/2014/main" id="{685B7E69-2D21-2396-8F2F-03A86443E0D8}"/>
+              </a:ext>
+            </a:extLst>
+          </p:cNvPr>
+          <p:cNvCxnSpPr/>
+          <p:nvPr/>
+        </p:nvCxnSpPr>
+        <p:spPr>
+          <a:xfrm>
+            <a:off x="6579821" y="2960738"/>
+            <a:ext cx="0" cy="846682"/>
+          </a:xfrm>
+          <a:prstGeom prst="straightConnector1">
+            <a:avLst/>
+          </a:prstGeom>
+          <a:ln>
+            <a:headEnd type="triangle"/>
+            <a:tailEnd type="triangle"/>
+          </a:ln>
+        </p:spPr>
+        <p:style>
+          <a:lnRef idx="1">
+            <a:schemeClr val="accent1"/>
+          </a:lnRef>
+          <a:fillRef idx="0">
+            <a:schemeClr val="accent1"/>
+          </a:fillRef>
+          <a:effectRef idx="0">
+            <a:schemeClr val="accent1"/>
+          </a:effectRef>
+          <a:fontRef idx="minor">
+            <a:schemeClr val="tx1"/>
+          </a:fontRef>
+        </p:style>
+      </p:cxnSp>
+      <p:cxnSp>
+        <p:nvCxnSpPr>
+          <p:cNvPr id="63" name="Straight Arrow Connector 62">
+            <a:extLst>
+              <a:ext uri="{FF2B5EF4-FFF2-40B4-BE49-F238E27FC236}">
+                <a16:creationId xmlns:a16="http://schemas.microsoft.com/office/drawing/2014/main" id="{119582EB-2F9C-B593-E3AF-930F9DC4E54D}"/>
+              </a:ext>
+            </a:extLst>
+          </p:cNvPr>
+          <p:cNvCxnSpPr>
+            <a:cxnSpLocks/>
+          </p:cNvCxnSpPr>
+          <p:nvPr/>
+        </p:nvCxnSpPr>
+        <p:spPr>
+          <a:xfrm>
+            <a:off x="7185589" y="2961980"/>
+            <a:ext cx="0" cy="769032"/>
+          </a:xfrm>
+          <a:prstGeom prst="straightConnector1">
+            <a:avLst/>
+          </a:prstGeom>
+          <a:ln>
+            <a:headEnd type="triangle"/>
+            <a:tailEnd type="triangle"/>
+          </a:ln>
+        </p:spPr>
+        <p:style>
+          <a:lnRef idx="1">
+            <a:schemeClr val="accent1"/>
+          </a:lnRef>
+          <a:fillRef idx="0">
+            <a:schemeClr val="accent1"/>
+          </a:fillRef>
+          <a:effectRef idx="0">
+            <a:schemeClr val="accent1"/>
+          </a:effectRef>
+          <a:fontRef idx="minor">
+            <a:schemeClr val="tx1"/>
+          </a:fontRef>
+        </p:style>
+      </p:cxnSp>
+      <p:cxnSp>
+        <p:nvCxnSpPr>
+          <p:cNvPr id="65" name="Straight Arrow Connector 64">
+            <a:extLst>
+              <a:ext uri="{FF2B5EF4-FFF2-40B4-BE49-F238E27FC236}">
+                <a16:creationId xmlns:a16="http://schemas.microsoft.com/office/drawing/2014/main" id="{28F8EF49-A405-035B-39E6-FEB7730F8573}"/>
+              </a:ext>
+            </a:extLst>
+          </p:cNvPr>
+          <p:cNvCxnSpPr>
+            <a:cxnSpLocks/>
+          </p:cNvCxnSpPr>
+          <p:nvPr/>
+        </p:nvCxnSpPr>
+        <p:spPr>
+          <a:xfrm>
+            <a:off x="7121984" y="2961980"/>
+            <a:ext cx="0" cy="769032"/>
+          </a:xfrm>
+          <a:prstGeom prst="straightConnector1">
+            <a:avLst/>
+          </a:prstGeom>
+          <a:ln>
+            <a:headEnd type="triangle"/>
+            <a:tailEnd type="triangle"/>
+          </a:ln>
+        </p:spPr>
+        <p:style>
+          <a:lnRef idx="1">
+            <a:schemeClr val="accent1"/>
+          </a:lnRef>
+          <a:fillRef idx="0">
+            <a:schemeClr val="accent1"/>
+          </a:fillRef>
+          <a:effectRef idx="0">
+            <a:schemeClr val="accent1"/>
+          </a:effectRef>
+          <a:fontRef idx="minor">
+            <a:schemeClr val="tx1"/>
+          </a:fontRef>
+        </p:style>
+      </p:cxnSp>
+      <p:pic>
+        <p:nvPicPr>
+          <p:cNvPr id="67" name="Picture 4">
+            <a:extLst>
+              <a:ext uri="{FF2B5EF4-FFF2-40B4-BE49-F238E27FC236}">
+                <a16:creationId xmlns:a16="http://schemas.microsoft.com/office/drawing/2014/main" id="{8E89A05D-5CFE-7DA8-87DC-B9312D615034}"/>
+              </a:ext>
+            </a:extLst>
+          </p:cNvPr>
+          <p:cNvPicPr>
+            <a:picLocks noChangeAspect="1" noChangeArrowheads="1"/>
+          </p:cNvPicPr>
+          <p:nvPr/>
+        </p:nvPicPr>
+        <p:blipFill>
+          <a:blip r:embed="rId8">
+            <a:extLst>
+              <a:ext uri="{28A0092B-C50C-407E-A947-70E740481C1C}">
+                <a14:useLocalDpi xmlns:a14="http://schemas.microsoft.com/office/drawing/2010/main" val="0"/>
+              </a:ext>
+            </a:extLst>
+          </a:blip>
+          <a:srcRect/>
+          <a:stretch>
+            <a:fillRect/>
+          </a:stretch>
+        </p:blipFill>
+        <p:spPr bwMode="auto">
+          <a:xfrm>
+            <a:off x="8220536" y="2435079"/>
+            <a:ext cx="382345" cy="382345"/>
+          </a:xfrm>
+          <a:prstGeom prst="rect">
+            <a:avLst/>
+          </a:prstGeom>
+          <a:noFill/>
+          <a:extLst>
+            <a:ext uri="{909E8E84-426E-40DD-AFC4-6F175D3DCCD1}">
+              <a14:hiddenFill xmlns:a14="http://schemas.microsoft.com/office/drawing/2010/main">
+                <a:solidFill>
+                  <a:srgbClr val="FFFFFF"/>
+                </a:solidFill>
+              </a14:hiddenFill>
+            </a:ext>
+          </a:extLst>
+        </p:spPr>
+      </p:pic>
+      <p:sp>
+        <p:nvSpPr>
+          <p:cNvPr id="69" name="TextBox 68">
+            <a:extLst>
+              <a:ext uri="{FF2B5EF4-FFF2-40B4-BE49-F238E27FC236}">
+                <a16:creationId xmlns:a16="http://schemas.microsoft.com/office/drawing/2014/main" id="{263D8DD6-59FF-D830-DEF4-93B0A27B58C1}"/>
+              </a:ext>
+            </a:extLst>
+          </p:cNvPr>
+          <p:cNvSpPr txBox="1"/>
+          <p:nvPr/>
+        </p:nvSpPr>
+        <p:spPr>
+          <a:xfrm>
+            <a:off x="8220536" y="2773367"/>
+            <a:ext cx="956227" cy="276999"/>
+          </a:xfrm>
+          <a:prstGeom prst="rect">
+            <a:avLst/>
+          </a:prstGeom>
+          <a:noFill/>
+        </p:spPr>
+        <p:txBody>
+          <a:bodyPr wrap="square" rtlCol="0">
+            <a:spAutoFit/>
+          </a:bodyPr>
+          <a:lstStyle/>
+          <a:p>
+            <a:r>
+              <a:rPr lang="en-US" sz="1200" b="1" dirty="0"/>
+              <a:t>User</a:t>
+            </a:r>
+            <a:endParaRPr lang="en-SG" sz="1200" dirty="0"/>
+          </a:p>
+        </p:txBody>
+      </p:sp>
+      <p:cxnSp>
+        <p:nvCxnSpPr>
+          <p:cNvPr id="70" name="Straight Arrow Connector 69">
+            <a:extLst>
+              <a:ext uri="{FF2B5EF4-FFF2-40B4-BE49-F238E27FC236}">
+                <a16:creationId xmlns:a16="http://schemas.microsoft.com/office/drawing/2014/main" id="{1419F927-2C0D-4EAA-31CD-04AF40F81590}"/>
+              </a:ext>
+            </a:extLst>
+          </p:cNvPr>
+          <p:cNvCxnSpPr>
+            <a:cxnSpLocks/>
+            <a:stCxn id="67" idx="1"/>
+            <a:endCxn id="53" idx="3"/>
+          </p:cNvCxnSpPr>
+          <p:nvPr/>
+        </p:nvCxnSpPr>
+        <p:spPr>
+          <a:xfrm flipH="1">
+            <a:off x="7541825" y="2626252"/>
+            <a:ext cx="678711" cy="1"/>
+          </a:xfrm>
+          <a:prstGeom prst="straightConnector1">
+            <a:avLst/>
+          </a:prstGeom>
+          <a:ln w="19050">
+            <a:tailEnd type="triangle"/>
+          </a:ln>
+        </p:spPr>
+        <p:style>
+          <a:lnRef idx="1">
+            <a:schemeClr val="accent1"/>
+          </a:lnRef>
+          <a:fillRef idx="0">
+            <a:schemeClr val="accent1"/>
+          </a:fillRef>
+          <a:effectRef idx="0">
+            <a:schemeClr val="accent1"/>
+          </a:effectRef>
+          <a:fontRef idx="minor">
+            <a:schemeClr val="tx1"/>
+          </a:fontRef>
+        </p:style>
+      </p:cxnSp>
+      <p:sp>
+        <p:nvSpPr>
+          <p:cNvPr id="76" name="Rectangle: Rounded Corners 75">
+            <a:extLst>
+              <a:ext uri="{FF2B5EF4-FFF2-40B4-BE49-F238E27FC236}">
+                <a16:creationId xmlns:a16="http://schemas.microsoft.com/office/drawing/2014/main" id="{EFBE7E73-DC18-6A5C-6BCE-2ED75EB808BA}"/>
+              </a:ext>
+            </a:extLst>
+          </p:cNvPr>
+          <p:cNvSpPr/>
+          <p:nvPr/>
+        </p:nvSpPr>
+        <p:spPr>
+          <a:xfrm>
+            <a:off x="2568727" y="2158666"/>
+            <a:ext cx="2630988" cy="991812"/>
+          </a:xfrm>
+          <a:prstGeom prst="roundRect">
+            <a:avLst/>
+          </a:prstGeom>
+          <a:noFill/>
+          <a:ln w="19050" cap="flat" cmpd="sng" algn="ctr">
+            <a:solidFill>
+              <a:schemeClr val="accent1">
+                <a:lumMod val="75000"/>
+              </a:schemeClr>
+            </a:solidFill>
+            <a:prstDash val="sysDash"/>
+            <a:round/>
+            <a:headEnd type="none" w="med" len="med"/>
+            <a:tailEnd type="none" w="med" len="med"/>
+          </a:ln>
+        </p:spPr>
+        <p:style>
+          <a:lnRef idx="0">
+            <a:scrgbClr r="0" g="0" b="0"/>
+          </a:lnRef>
+          <a:fillRef idx="0">
+            <a:scrgbClr r="0" g="0" b="0"/>
+          </a:fillRef>
+          <a:effectRef idx="0">
+            <a:scrgbClr r="0" g="0" b="0"/>
+          </a:effectRef>
+          <a:fontRef idx="minor">
+            <a:schemeClr val="accent2"/>
+          </a:fontRef>
+        </p:style>
+        <p:txBody>
+          <a:bodyPr rtlCol="0" anchor="ctr"/>
+          <a:lstStyle/>
+          <a:p>
+            <a:pPr algn="ctr"/>
+            <a:endParaRPr lang="en-SG" sz="1200" b="1" dirty="0">
+              <a:solidFill>
+                <a:schemeClr val="tx1"/>
+              </a:solidFill>
+            </a:endParaRPr>
+          </a:p>
+        </p:txBody>
+      </p:sp>
+      <p:sp>
+        <p:nvSpPr>
+          <p:cNvPr id="77" name="Rectangle: Rounded Corners 76">
+            <a:extLst>
+              <a:ext uri="{FF2B5EF4-FFF2-40B4-BE49-F238E27FC236}">
+                <a16:creationId xmlns:a16="http://schemas.microsoft.com/office/drawing/2014/main" id="{DFDA798A-F031-4AD0-9151-FF011A0E5B9A}"/>
+              </a:ext>
+            </a:extLst>
+          </p:cNvPr>
+          <p:cNvSpPr/>
+          <p:nvPr/>
+        </p:nvSpPr>
+        <p:spPr>
+          <a:xfrm>
+            <a:off x="5584618" y="3621035"/>
+            <a:ext cx="2219538" cy="833492"/>
+          </a:xfrm>
+          <a:prstGeom prst="roundRect">
+            <a:avLst/>
+          </a:prstGeom>
+          <a:noFill/>
+          <a:ln w="19050" cap="flat" cmpd="sng" algn="ctr">
+            <a:solidFill>
+              <a:schemeClr val="accent1">
+                <a:lumMod val="75000"/>
+              </a:schemeClr>
+            </a:solidFill>
+            <a:prstDash val="sysDash"/>
+            <a:round/>
+            <a:headEnd type="none" w="med" len="med"/>
+            <a:tailEnd type="none" w="med" len="med"/>
+          </a:ln>
+        </p:spPr>
+        <p:style>
+          <a:lnRef idx="0">
+            <a:scrgbClr r="0" g="0" b="0"/>
+          </a:lnRef>
+          <a:fillRef idx="0">
+            <a:scrgbClr r="0" g="0" b="0"/>
+          </a:fillRef>
+          <a:effectRef idx="0">
+            <a:scrgbClr r="0" g="0" b="0"/>
+          </a:effectRef>
+          <a:fontRef idx="minor">
+            <a:schemeClr val="accent2"/>
+          </a:fontRef>
+        </p:style>
+        <p:txBody>
+          <a:bodyPr rtlCol="0" anchor="ctr"/>
+          <a:lstStyle/>
+          <a:p>
+            <a:pPr algn="ctr"/>
+            <a:endParaRPr lang="en-SG" sz="1200" b="1" dirty="0">
+              <a:solidFill>
+                <a:schemeClr val="tx1"/>
+              </a:solidFill>
+            </a:endParaRPr>
+          </a:p>
+        </p:txBody>
+      </p:sp>
+    </p:spTree>
+    <p:extLst>
+      <p:ext uri="{BB962C8B-B14F-4D97-AF65-F5344CB8AC3E}">
+        <p14:creationId xmlns:p14="http://schemas.microsoft.com/office/powerpoint/2010/main" val="3271524681"/>
+      </p:ext>
+    </p:extLst>
+  </p:cSld>
+  <p:clrMapOvr>
+    <a:masterClrMapping/>
+  </p:clrMapOvr>
+</p:sld>
+</file>
+
+<file path=ppt/slides/slide16.xml><?xml version="1.0" encoding="utf-8"?>
+<p:sld xmlns:a="http://schemas.openxmlformats.org/drawingml/2006/main" xmlns:r="http://schemas.openxmlformats.org/officeDocument/2006/relationships" xmlns:p="http://schemas.openxmlformats.org/presentationml/2006/main">
+  <p:cSld>
+    <p:spTree>
+      <p:nvGrpSpPr>
+        <p:cNvPr id="1" name=""/>
+        <p:cNvGrpSpPr/>
+        <p:nvPr/>
+      </p:nvGrpSpPr>
+      <p:grpSpPr>
+        <a:xfrm>
+          <a:off x="0" y="0"/>
+          <a:ext cx="0" cy="0"/>
+          <a:chOff x="0" y="0"/>
+          <a:chExt cx="0" cy="0"/>
+        </a:xfrm>
+      </p:grpSpPr>
+      <p:sp>
+        <p:nvSpPr>
+          <p:cNvPr id="4" name="Rectangle 3">
+            <a:extLst>
+              <a:ext uri="{FF2B5EF4-FFF2-40B4-BE49-F238E27FC236}">
+                <a16:creationId xmlns:a16="http://schemas.microsoft.com/office/drawing/2014/main" id="{D8DD1451-AD91-CBFA-00B1-D1B8F3614AB8}"/>
+              </a:ext>
+            </a:extLst>
+          </p:cNvPr>
+          <p:cNvSpPr/>
+          <p:nvPr/>
+        </p:nvSpPr>
+        <p:spPr>
+          <a:xfrm>
+            <a:off x="2451941" y="2121011"/>
+            <a:ext cx="2613835" cy="997093"/>
+          </a:xfrm>
+          <a:prstGeom prst="rect">
+            <a:avLst/>
+          </a:prstGeom>
+          <a:ln w="19050">
+            <a:prstDash val="sysDash"/>
+          </a:ln>
+        </p:spPr>
+        <p:style>
+          <a:lnRef idx="2">
+            <a:schemeClr val="accent6"/>
+          </a:lnRef>
+          <a:fillRef idx="1">
+            <a:schemeClr val="lt1"/>
+          </a:fillRef>
+          <a:effectRef idx="0">
+            <a:schemeClr val="accent6"/>
+          </a:effectRef>
+          <a:fontRef idx="minor">
+            <a:schemeClr val="dk1"/>
+          </a:fontRef>
+        </p:style>
+        <p:txBody>
+          <a:bodyPr rtlCol="0" anchor="ctr"/>
+          <a:lstStyle/>
+          <a:p>
+            <a:endParaRPr lang="en-SG" b="1" dirty="0"/>
+          </a:p>
+        </p:txBody>
+      </p:sp>
+      <p:pic>
+        <p:nvPicPr>
+          <p:cNvPr id="5" name="Picture 4">
+            <a:extLst>
+              <a:ext uri="{FF2B5EF4-FFF2-40B4-BE49-F238E27FC236}">
+                <a16:creationId xmlns:a16="http://schemas.microsoft.com/office/drawing/2014/main" id="{04F4D0BF-39B3-B798-ED1D-6A31064C07E8}"/>
+              </a:ext>
+            </a:extLst>
+          </p:cNvPr>
+          <p:cNvPicPr>
+            <a:picLocks noChangeAspect="1"/>
+          </p:cNvPicPr>
+          <p:nvPr/>
+        </p:nvPicPr>
+        <p:blipFill>
+          <a:blip r:embed="rId2"/>
+          <a:stretch>
+            <a:fillRect/>
+          </a:stretch>
+        </p:blipFill>
+        <p:spPr>
+          <a:xfrm>
+            <a:off x="3610268" y="2345385"/>
+            <a:ext cx="355832" cy="427982"/>
+          </a:xfrm>
+          <a:prstGeom prst="rect">
+            <a:avLst/>
+          </a:prstGeom>
+        </p:spPr>
+      </p:pic>
+      <p:sp>
+        <p:nvSpPr>
+          <p:cNvPr id="7" name="TextBox 6">
+            <a:extLst>
+              <a:ext uri="{FF2B5EF4-FFF2-40B4-BE49-F238E27FC236}">
+                <a16:creationId xmlns:a16="http://schemas.microsoft.com/office/drawing/2014/main" id="{31CEDEF5-2CAB-C993-6EC5-0C8CDC2F087D}"/>
+              </a:ext>
+            </a:extLst>
+          </p:cNvPr>
+          <p:cNvSpPr txBox="1"/>
+          <p:nvPr/>
+        </p:nvSpPr>
+        <p:spPr>
+          <a:xfrm>
+            <a:off x="2291072" y="1825973"/>
+            <a:ext cx="2638392" cy="276999"/>
+          </a:xfrm>
+          <a:prstGeom prst="rect">
+            <a:avLst/>
+          </a:prstGeom>
+          <a:noFill/>
+        </p:spPr>
+        <p:txBody>
+          <a:bodyPr wrap="square" rtlCol="0">
+            <a:spAutoFit/>
+          </a:bodyPr>
+          <a:lstStyle/>
+          <a:p>
+            <a:r>
+              <a:rPr lang="en-SG" sz="1200" b="1" dirty="0">
+                <a:effectLst/>
+                <a:ea typeface="Times New Roman" panose="02020603050405020304" pitchFamily="18" charset="0"/>
+              </a:rPr>
+              <a:t>User Action Agents [UAR</a:t>
+            </a:r>
+            <a:r>
+              <a:rPr lang="en-SG" sz="1200" b="1" dirty="0">
+                <a:ea typeface="Times New Roman" panose="02020603050405020304" pitchFamily="18" charset="0"/>
+              </a:rPr>
+              <a:t>]</a:t>
+            </a:r>
+            <a:r>
+              <a:rPr lang="en-SG" sz="1200" b="1" dirty="0">
+                <a:effectLst/>
+                <a:ea typeface="Times New Roman" panose="02020603050405020304" pitchFamily="18" charset="0"/>
+              </a:rPr>
+              <a:t> Repository </a:t>
+            </a:r>
+            <a:r>
+              <a:rPr lang="en-SG" sz="1200" b="1" u="sng" dirty="0">
+                <a:effectLst/>
+                <a:ea typeface="Times New Roman" panose="02020603050405020304" pitchFamily="18" charset="0"/>
+              </a:rPr>
+              <a:t> </a:t>
+            </a:r>
+            <a:endParaRPr lang="en-SG" sz="1200" dirty="0"/>
+          </a:p>
+        </p:txBody>
+      </p:sp>
+      <p:sp>
+        <p:nvSpPr>
+          <p:cNvPr id="8" name="TextBox 7">
+            <a:extLst>
+              <a:ext uri="{FF2B5EF4-FFF2-40B4-BE49-F238E27FC236}">
+                <a16:creationId xmlns:a16="http://schemas.microsoft.com/office/drawing/2014/main" id="{9F9E6393-1A43-DFA2-B110-974E61F17BBC}"/>
+              </a:ext>
+            </a:extLst>
+          </p:cNvPr>
+          <p:cNvSpPr txBox="1"/>
+          <p:nvPr/>
+        </p:nvSpPr>
+        <p:spPr>
+          <a:xfrm>
+            <a:off x="2555897" y="2763958"/>
+            <a:ext cx="896285" cy="246221"/>
+          </a:xfrm>
+          <a:prstGeom prst="rect">
+            <a:avLst/>
+          </a:prstGeom>
+          <a:noFill/>
+        </p:spPr>
+        <p:txBody>
+          <a:bodyPr wrap="square" rtlCol="0">
+            <a:spAutoFit/>
+          </a:bodyPr>
+          <a:lstStyle/>
+          <a:p>
+            <a:r>
+              <a:rPr lang="en-SG" sz="1000" dirty="0"/>
+              <a:t>UAR_[Web]</a:t>
+            </a:r>
+          </a:p>
+        </p:txBody>
+      </p:sp>
+      <p:sp>
+        <p:nvSpPr>
+          <p:cNvPr id="9" name="TextBox 8">
+            <a:extLst>
+              <a:ext uri="{FF2B5EF4-FFF2-40B4-BE49-F238E27FC236}">
+                <a16:creationId xmlns:a16="http://schemas.microsoft.com/office/drawing/2014/main" id="{08B77C9A-152A-D2CF-6431-57E09AC00FFB}"/>
+              </a:ext>
+            </a:extLst>
+          </p:cNvPr>
+          <p:cNvSpPr txBox="1"/>
+          <p:nvPr/>
+        </p:nvSpPr>
+        <p:spPr>
+          <a:xfrm>
+            <a:off x="3452182" y="2763656"/>
+            <a:ext cx="896285" cy="246221"/>
+          </a:xfrm>
+          <a:prstGeom prst="rect">
+            <a:avLst/>
+          </a:prstGeom>
+          <a:noFill/>
+        </p:spPr>
+        <p:txBody>
+          <a:bodyPr wrap="square" rtlCol="0">
+            <a:spAutoFit/>
+          </a:bodyPr>
+          <a:lstStyle/>
+          <a:p>
+            <a:r>
+              <a:rPr lang="en-SG" sz="1000" dirty="0"/>
+              <a:t>UAR_[HW]</a:t>
+            </a:r>
+          </a:p>
+        </p:txBody>
+      </p:sp>
+      <p:pic>
+        <p:nvPicPr>
+          <p:cNvPr id="10" name="Picture 9">
+            <a:extLst>
+              <a:ext uri="{FF2B5EF4-FFF2-40B4-BE49-F238E27FC236}">
+                <a16:creationId xmlns:a16="http://schemas.microsoft.com/office/drawing/2014/main" id="{5AC5431D-6ECD-2703-272B-F50C89818475}"/>
+              </a:ext>
+            </a:extLst>
+          </p:cNvPr>
+          <p:cNvPicPr>
+            <a:picLocks noChangeAspect="1"/>
+          </p:cNvPicPr>
+          <p:nvPr/>
+        </p:nvPicPr>
+        <p:blipFill>
+          <a:blip r:embed="rId2"/>
+          <a:stretch>
+            <a:fillRect/>
+          </a:stretch>
+        </p:blipFill>
+        <p:spPr>
+          <a:xfrm>
+            <a:off x="4417336" y="2345385"/>
+            <a:ext cx="355832" cy="427982"/>
+          </a:xfrm>
+          <a:prstGeom prst="rect">
+            <a:avLst/>
+          </a:prstGeom>
+        </p:spPr>
+      </p:pic>
+      <p:sp>
+        <p:nvSpPr>
+          <p:cNvPr id="11" name="TextBox 10">
+            <a:extLst>
+              <a:ext uri="{FF2B5EF4-FFF2-40B4-BE49-F238E27FC236}">
+                <a16:creationId xmlns:a16="http://schemas.microsoft.com/office/drawing/2014/main" id="{02D5F13F-492A-2B05-3CD3-5C074D9B67D3}"/>
+              </a:ext>
+            </a:extLst>
+          </p:cNvPr>
+          <p:cNvSpPr txBox="1"/>
+          <p:nvPr/>
+        </p:nvSpPr>
+        <p:spPr>
+          <a:xfrm>
+            <a:off x="4273255" y="2763354"/>
+            <a:ext cx="896285" cy="246221"/>
+          </a:xfrm>
+          <a:prstGeom prst="rect">
+            <a:avLst/>
+          </a:prstGeom>
+          <a:noFill/>
+        </p:spPr>
+        <p:txBody>
+          <a:bodyPr wrap="square" rtlCol="0">
+            <a:spAutoFit/>
+          </a:bodyPr>
+          <a:lstStyle/>
+          <a:p>
+            <a:r>
+              <a:rPr lang="en-SG" sz="1000" dirty="0"/>
+              <a:t>UAR_[App]</a:t>
+            </a:r>
+          </a:p>
+        </p:txBody>
+      </p:sp>
+      <p:sp>
+        <p:nvSpPr>
+          <p:cNvPr id="12" name="TextBox 11">
+            <a:extLst>
+              <a:ext uri="{FF2B5EF4-FFF2-40B4-BE49-F238E27FC236}">
+                <a16:creationId xmlns:a16="http://schemas.microsoft.com/office/drawing/2014/main" id="{AD662BE1-8C57-860E-1A1B-D3B71F2F4225}"/>
+              </a:ext>
+            </a:extLst>
+          </p:cNvPr>
+          <p:cNvSpPr txBox="1"/>
+          <p:nvPr/>
+        </p:nvSpPr>
+        <p:spPr>
+          <a:xfrm>
+            <a:off x="3170008" y="2494328"/>
+            <a:ext cx="347472" cy="369332"/>
+          </a:xfrm>
+          <a:prstGeom prst="rect">
+            <a:avLst/>
+          </a:prstGeom>
+          <a:noFill/>
+        </p:spPr>
+        <p:txBody>
+          <a:bodyPr wrap="square" rtlCol="0">
+            <a:spAutoFit/>
+          </a:bodyPr>
+          <a:lstStyle/>
+          <a:p>
+            <a:r>
+              <a:rPr lang="en-SG" dirty="0"/>
+              <a:t>…</a:t>
+            </a:r>
+          </a:p>
+        </p:txBody>
+      </p:sp>
+      <p:pic>
+        <p:nvPicPr>
+          <p:cNvPr id="13" name="Picture 12">
+            <a:extLst>
+              <a:ext uri="{FF2B5EF4-FFF2-40B4-BE49-F238E27FC236}">
+                <a16:creationId xmlns:a16="http://schemas.microsoft.com/office/drawing/2014/main" id="{CC77102F-8DC1-9BBB-31DE-3EE9B4B80E2E}"/>
+              </a:ext>
+            </a:extLst>
+          </p:cNvPr>
+          <p:cNvPicPr>
+            <a:picLocks noChangeAspect="1"/>
+          </p:cNvPicPr>
+          <p:nvPr/>
+        </p:nvPicPr>
+        <p:blipFill>
+          <a:blip r:embed="rId2"/>
+          <a:stretch>
+            <a:fillRect/>
+          </a:stretch>
+        </p:blipFill>
+        <p:spPr>
+          <a:xfrm>
+            <a:off x="2823235" y="2280337"/>
+            <a:ext cx="355832" cy="427982"/>
+          </a:xfrm>
+          <a:prstGeom prst="rect">
+            <a:avLst/>
+          </a:prstGeom>
+        </p:spPr>
+      </p:pic>
+      <p:pic>
+        <p:nvPicPr>
+          <p:cNvPr id="6" name="Picture 5">
+            <a:extLst>
+              <a:ext uri="{FF2B5EF4-FFF2-40B4-BE49-F238E27FC236}">
+                <a16:creationId xmlns:a16="http://schemas.microsoft.com/office/drawing/2014/main" id="{3DF9721C-5A0D-BD8F-BA65-3195D6B8A603}"/>
+              </a:ext>
+            </a:extLst>
+          </p:cNvPr>
+          <p:cNvPicPr>
+            <a:picLocks noChangeAspect="1"/>
+          </p:cNvPicPr>
+          <p:nvPr/>
+        </p:nvPicPr>
+        <p:blipFill>
+          <a:blip r:embed="rId2"/>
+          <a:stretch>
+            <a:fillRect/>
+          </a:stretch>
+        </p:blipFill>
+        <p:spPr>
+          <a:xfrm>
+            <a:off x="2710412" y="2327843"/>
+            <a:ext cx="355832" cy="427982"/>
+          </a:xfrm>
+          <a:prstGeom prst="rect">
+            <a:avLst/>
+          </a:prstGeom>
+        </p:spPr>
+      </p:pic>
+      <p:sp>
+        <p:nvSpPr>
+          <p:cNvPr id="14" name="TextBox 13">
+            <a:extLst>
+              <a:ext uri="{FF2B5EF4-FFF2-40B4-BE49-F238E27FC236}">
+                <a16:creationId xmlns:a16="http://schemas.microsoft.com/office/drawing/2014/main" id="{CFE70FE2-9D5B-4796-06C1-76C508A0051C}"/>
+              </a:ext>
+            </a:extLst>
+          </p:cNvPr>
+          <p:cNvSpPr txBox="1"/>
+          <p:nvPr/>
+        </p:nvSpPr>
+        <p:spPr>
+          <a:xfrm>
+            <a:off x="4020312" y="2503274"/>
+            <a:ext cx="347472" cy="369332"/>
+          </a:xfrm>
+          <a:prstGeom prst="rect">
+            <a:avLst/>
+          </a:prstGeom>
+          <a:noFill/>
+        </p:spPr>
+        <p:txBody>
+          <a:bodyPr wrap="square" rtlCol="0">
+            <a:spAutoFit/>
+          </a:bodyPr>
+          <a:lstStyle/>
+          <a:p>
+            <a:r>
+              <a:rPr lang="en-SG" dirty="0"/>
+              <a:t>…</a:t>
+            </a:r>
+          </a:p>
+        </p:txBody>
+      </p:sp>
+      <p:sp>
+        <p:nvSpPr>
+          <p:cNvPr id="18" name="Arrow: Left-Right 17">
+            <a:extLst>
+              <a:ext uri="{FF2B5EF4-FFF2-40B4-BE49-F238E27FC236}">
+                <a16:creationId xmlns:a16="http://schemas.microsoft.com/office/drawing/2014/main" id="{6136EF72-86D5-57AD-956B-4A92DA78D366}"/>
+              </a:ext>
+            </a:extLst>
+          </p:cNvPr>
+          <p:cNvSpPr/>
+          <p:nvPr/>
+        </p:nvSpPr>
+        <p:spPr>
+          <a:xfrm rot="5400000">
+            <a:off x="3583395" y="3410317"/>
+            <a:ext cx="520021" cy="121368"/>
+          </a:xfrm>
+          <a:prstGeom prst="leftRightArrow">
+            <a:avLst/>
+          </a:prstGeom>
+          <a:solidFill>
+            <a:schemeClr val="bg1"/>
+          </a:solidFill>
+          <a:ln w="19050"/>
+        </p:spPr>
+        <p:style>
+          <a:lnRef idx="2">
+            <a:schemeClr val="accent1">
+              <a:shade val="50000"/>
+            </a:schemeClr>
+          </a:lnRef>
+          <a:fillRef idx="1">
+            <a:schemeClr val="accent1"/>
+          </a:fillRef>
+          <a:effectRef idx="0">
+            <a:schemeClr val="accent1"/>
+          </a:effectRef>
+          <a:fontRef idx="minor">
+            <a:schemeClr val="lt1"/>
+          </a:fontRef>
+        </p:style>
+        <p:txBody>
+          <a:bodyPr rtlCol="0" anchor="ctr"/>
+          <a:lstStyle/>
+          <a:p>
+            <a:pPr algn="ctr"/>
+            <a:endParaRPr lang="en-SG" dirty="0">
+              <a:solidFill>
+                <a:schemeClr val="bg1"/>
+              </a:solidFill>
+            </a:endParaRPr>
+          </a:p>
+        </p:txBody>
+      </p:sp>
+      <p:pic>
+        <p:nvPicPr>
+          <p:cNvPr id="19" name="Picture 18">
+            <a:extLst>
+              <a:ext uri="{FF2B5EF4-FFF2-40B4-BE49-F238E27FC236}">
+                <a16:creationId xmlns:a16="http://schemas.microsoft.com/office/drawing/2014/main" id="{43DF75AF-53E9-8D1A-1078-3DD9BAACFA44}"/>
+              </a:ext>
+            </a:extLst>
+          </p:cNvPr>
+          <p:cNvPicPr>
+            <a:picLocks noChangeAspect="1"/>
+          </p:cNvPicPr>
+          <p:nvPr/>
+        </p:nvPicPr>
+        <p:blipFill>
+          <a:blip r:embed="rId3"/>
+          <a:stretch>
+            <a:fillRect/>
+          </a:stretch>
+        </p:blipFill>
+        <p:spPr>
+          <a:xfrm>
+            <a:off x="1492604" y="3898023"/>
+            <a:ext cx="411108" cy="424159"/>
+          </a:xfrm>
+          <a:prstGeom prst="rect">
+            <a:avLst/>
+          </a:prstGeom>
+          <a:ln w="3175">
+            <a:solidFill>
+              <a:schemeClr val="tx1"/>
+            </a:solidFill>
+          </a:ln>
+        </p:spPr>
+      </p:pic>
+      <p:sp>
+        <p:nvSpPr>
+          <p:cNvPr id="20" name="TextBox 19">
+            <a:extLst>
+              <a:ext uri="{FF2B5EF4-FFF2-40B4-BE49-F238E27FC236}">
+                <a16:creationId xmlns:a16="http://schemas.microsoft.com/office/drawing/2014/main" id="{5F5C525F-1342-C9DE-33E7-54A8C92CCD7B}"/>
+              </a:ext>
+            </a:extLst>
+          </p:cNvPr>
+          <p:cNvSpPr txBox="1"/>
+          <p:nvPr/>
+        </p:nvSpPr>
+        <p:spPr>
+          <a:xfrm>
+            <a:off x="1220044" y="3621034"/>
+            <a:ext cx="956227" cy="276999"/>
+          </a:xfrm>
+          <a:prstGeom prst="rect">
+            <a:avLst/>
+          </a:prstGeom>
+          <a:noFill/>
+        </p:spPr>
+        <p:txBody>
+          <a:bodyPr wrap="square" rtlCol="0">
+            <a:spAutoFit/>
+          </a:bodyPr>
+          <a:lstStyle/>
+          <a:p>
+            <a:r>
+              <a:rPr lang="en-US" sz="1200" b="1" dirty="0"/>
+              <a:t>User profile  </a:t>
+            </a:r>
+            <a:endParaRPr lang="en-SG" sz="1200" dirty="0"/>
+          </a:p>
+        </p:txBody>
+      </p:sp>
+      <p:cxnSp>
+        <p:nvCxnSpPr>
+          <p:cNvPr id="21" name="Straight Arrow Connector 20">
+            <a:extLst>
+              <a:ext uri="{FF2B5EF4-FFF2-40B4-BE49-F238E27FC236}">
+                <a16:creationId xmlns:a16="http://schemas.microsoft.com/office/drawing/2014/main" id="{73EBCA76-A48F-F890-2FC5-49BF0ADEC537}"/>
+              </a:ext>
+            </a:extLst>
+          </p:cNvPr>
+          <p:cNvCxnSpPr>
+            <a:cxnSpLocks/>
+          </p:cNvCxnSpPr>
+          <p:nvPr/>
+        </p:nvCxnSpPr>
+        <p:spPr>
+          <a:xfrm>
+            <a:off x="1998246" y="4110101"/>
+            <a:ext cx="1002905" cy="0"/>
+          </a:xfrm>
+          <a:prstGeom prst="straightConnector1">
+            <a:avLst/>
+          </a:prstGeom>
+          <a:ln w="19050">
+            <a:tailEnd type="triangle"/>
+          </a:ln>
+        </p:spPr>
+        <p:style>
+          <a:lnRef idx="1">
+            <a:schemeClr val="accent1"/>
+          </a:lnRef>
+          <a:fillRef idx="0">
+            <a:schemeClr val="accent1"/>
+          </a:fillRef>
+          <a:effectRef idx="0">
+            <a:schemeClr val="accent1"/>
+          </a:effectRef>
+          <a:fontRef idx="minor">
+            <a:schemeClr val="tx1"/>
+          </a:fontRef>
+        </p:style>
+      </p:cxnSp>
+      <p:sp>
+        <p:nvSpPr>
+          <p:cNvPr id="23" name="Rectangle: Rounded Corners 22">
+            <a:extLst>
+              <a:ext uri="{FF2B5EF4-FFF2-40B4-BE49-F238E27FC236}">
+                <a16:creationId xmlns:a16="http://schemas.microsoft.com/office/drawing/2014/main" id="{64F9C992-5B41-8D07-9793-289F939C8803}"/>
+              </a:ext>
+            </a:extLst>
+          </p:cNvPr>
+          <p:cNvSpPr/>
+          <p:nvPr/>
+        </p:nvSpPr>
+        <p:spPr>
+          <a:xfrm>
+            <a:off x="3054269" y="3791518"/>
+            <a:ext cx="1654976" cy="637167"/>
+          </a:xfrm>
+          <a:prstGeom prst="roundRect">
+            <a:avLst/>
+          </a:prstGeom>
+          <a:noFill/>
+          <a:ln w="19050" cap="flat" cmpd="sng" algn="ctr">
+            <a:solidFill>
+              <a:schemeClr val="accent1">
+                <a:lumMod val="75000"/>
+              </a:schemeClr>
+            </a:solidFill>
+            <a:prstDash val="solid"/>
+            <a:round/>
+            <a:headEnd type="none" w="med" len="med"/>
+            <a:tailEnd type="none" w="med" len="med"/>
+          </a:ln>
+        </p:spPr>
+        <p:style>
+          <a:lnRef idx="0">
+            <a:scrgbClr r="0" g="0" b="0"/>
+          </a:lnRef>
+          <a:fillRef idx="0">
+            <a:scrgbClr r="0" g="0" b="0"/>
+          </a:fillRef>
+          <a:effectRef idx="0">
+            <a:scrgbClr r="0" g="0" b="0"/>
+          </a:effectRef>
+          <a:fontRef idx="minor">
+            <a:schemeClr val="accent2"/>
+          </a:fontRef>
+        </p:style>
+        <p:txBody>
+          <a:bodyPr rtlCol="0" anchor="ctr"/>
+          <a:lstStyle/>
+          <a:p>
+            <a:pPr algn="ctr"/>
+            <a:r>
+              <a:rPr lang="en-SG" sz="1200" b="1" dirty="0">
+                <a:solidFill>
+                  <a:schemeClr val="tx1"/>
+                </a:solidFill>
+              </a:rPr>
+              <a:t>User Profile Emulator [UPE] </a:t>
+            </a:r>
+          </a:p>
+        </p:txBody>
+      </p:sp>
+      <p:sp>
+        <p:nvSpPr>
+          <p:cNvPr id="28" name="Rectangle 27">
+            <a:extLst>
+              <a:ext uri="{FF2B5EF4-FFF2-40B4-BE49-F238E27FC236}">
+                <a16:creationId xmlns:a16="http://schemas.microsoft.com/office/drawing/2014/main" id="{C1955375-D852-FF24-7492-DE192609D050}"/>
+              </a:ext>
+            </a:extLst>
+          </p:cNvPr>
+          <p:cNvSpPr/>
+          <p:nvPr/>
+        </p:nvSpPr>
+        <p:spPr>
+          <a:xfrm>
+            <a:off x="5579748" y="3680879"/>
+            <a:ext cx="2369995" cy="750371"/>
+          </a:xfrm>
+          <a:prstGeom prst="rect">
+            <a:avLst/>
+          </a:prstGeom>
+          <a:ln w="19050">
+            <a:prstDash val="sysDash"/>
+          </a:ln>
+        </p:spPr>
+        <p:style>
+          <a:lnRef idx="2">
+            <a:schemeClr val="accent6"/>
+          </a:lnRef>
+          <a:fillRef idx="1">
+            <a:schemeClr val="lt1"/>
+          </a:fillRef>
+          <a:effectRef idx="0">
+            <a:schemeClr val="accent6"/>
+          </a:effectRef>
+          <a:fontRef idx="minor">
+            <a:schemeClr val="dk1"/>
+          </a:fontRef>
+        </p:style>
+        <p:txBody>
+          <a:bodyPr rtlCol="0" anchor="ctr"/>
+          <a:lstStyle/>
+          <a:p>
+            <a:endParaRPr lang="en-SG" b="1" dirty="0"/>
+          </a:p>
+        </p:txBody>
+      </p:sp>
+      <p:sp>
+        <p:nvSpPr>
+          <p:cNvPr id="29" name="Arrow: Right 28">
+            <a:extLst>
+              <a:ext uri="{FF2B5EF4-FFF2-40B4-BE49-F238E27FC236}">
+                <a16:creationId xmlns:a16="http://schemas.microsoft.com/office/drawing/2014/main" id="{167339C1-602C-91B8-3CD4-86E66BAC2839}"/>
+              </a:ext>
+            </a:extLst>
+          </p:cNvPr>
+          <p:cNvSpPr/>
+          <p:nvPr/>
+        </p:nvSpPr>
+        <p:spPr>
+          <a:xfrm>
+            <a:off x="4801659" y="4014845"/>
+            <a:ext cx="691367" cy="120133"/>
+          </a:xfrm>
+          <a:prstGeom prst="rightArrow">
+            <a:avLst/>
+          </a:prstGeom>
+          <a:solidFill>
+            <a:schemeClr val="bg1"/>
+          </a:solidFill>
+          <a:ln w="19050"/>
+        </p:spPr>
+        <p:style>
+          <a:lnRef idx="2">
+            <a:schemeClr val="accent1">
+              <a:shade val="50000"/>
+            </a:schemeClr>
+          </a:lnRef>
+          <a:fillRef idx="1">
+            <a:schemeClr val="accent1"/>
+          </a:fillRef>
+          <a:effectRef idx="0">
+            <a:schemeClr val="accent1"/>
+          </a:effectRef>
+          <a:fontRef idx="minor">
+            <a:schemeClr val="lt1"/>
+          </a:fontRef>
+        </p:style>
+        <p:txBody>
+          <a:bodyPr rtlCol="0" anchor="ctr"/>
+          <a:lstStyle/>
+          <a:p>
+            <a:pPr algn="ctr"/>
+            <a:endParaRPr lang="en-SG" dirty="0"/>
+          </a:p>
+        </p:txBody>
+      </p:sp>
+      <p:sp>
+        <p:nvSpPr>
+          <p:cNvPr id="38" name="TextBox 37">
+            <a:extLst>
+              <a:ext uri="{FF2B5EF4-FFF2-40B4-BE49-F238E27FC236}">
+                <a16:creationId xmlns:a16="http://schemas.microsoft.com/office/drawing/2014/main" id="{872F52B7-AB8F-47B4-3D2C-91249D24784B}"/>
+              </a:ext>
+            </a:extLst>
+          </p:cNvPr>
+          <p:cNvSpPr txBox="1"/>
+          <p:nvPr/>
+        </p:nvSpPr>
+        <p:spPr>
+          <a:xfrm>
+            <a:off x="5579748" y="4208306"/>
+            <a:ext cx="1803521" cy="246221"/>
+          </a:xfrm>
+          <a:prstGeom prst="rect">
+            <a:avLst/>
+          </a:prstGeom>
+          <a:noFill/>
+        </p:spPr>
+        <p:txBody>
+          <a:bodyPr wrap="square" rtlCol="0">
+            <a:spAutoFit/>
+          </a:bodyPr>
+          <a:lstStyle/>
+          <a:p>
+            <a:r>
+              <a:rPr lang="en-SG" sz="1000" dirty="0"/>
+              <a:t>Automatic Actions Program</a:t>
+            </a:r>
+          </a:p>
+        </p:txBody>
+      </p:sp>
+      <p:cxnSp>
+        <p:nvCxnSpPr>
+          <p:cNvPr id="40" name="Straight Arrow Connector 39">
+            <a:extLst>
+              <a:ext uri="{FF2B5EF4-FFF2-40B4-BE49-F238E27FC236}">
+                <a16:creationId xmlns:a16="http://schemas.microsoft.com/office/drawing/2014/main" id="{4979912A-E255-C75F-CEF9-67C6E1999DEA}"/>
+              </a:ext>
+            </a:extLst>
+          </p:cNvPr>
+          <p:cNvCxnSpPr>
+            <a:cxnSpLocks/>
+          </p:cNvCxnSpPr>
+          <p:nvPr/>
+        </p:nvCxnSpPr>
+        <p:spPr>
+          <a:xfrm>
+            <a:off x="6187226" y="4043129"/>
+            <a:ext cx="186545" cy="0"/>
+          </a:xfrm>
+          <a:prstGeom prst="straightConnector1">
+            <a:avLst/>
+          </a:prstGeom>
+          <a:ln w="19050">
+            <a:tailEnd type="triangle"/>
+          </a:ln>
+        </p:spPr>
+        <p:style>
+          <a:lnRef idx="1">
+            <a:schemeClr val="dk1"/>
+          </a:lnRef>
+          <a:fillRef idx="0">
+            <a:schemeClr val="dk1"/>
+          </a:fillRef>
+          <a:effectRef idx="0">
+            <a:schemeClr val="dk1"/>
+          </a:effectRef>
+          <a:fontRef idx="minor">
+            <a:schemeClr val="tx1"/>
+          </a:fontRef>
+        </p:style>
+      </p:cxnSp>
+      <p:cxnSp>
+        <p:nvCxnSpPr>
+          <p:cNvPr id="43" name="Straight Arrow Connector 42">
+            <a:extLst>
+              <a:ext uri="{FF2B5EF4-FFF2-40B4-BE49-F238E27FC236}">
+                <a16:creationId xmlns:a16="http://schemas.microsoft.com/office/drawing/2014/main" id="{FF31F093-E2C1-E13A-5E65-7F08733FC59C}"/>
+              </a:ext>
+            </a:extLst>
+          </p:cNvPr>
+          <p:cNvCxnSpPr>
+            <a:cxnSpLocks/>
+          </p:cNvCxnSpPr>
+          <p:nvPr/>
+        </p:nvCxnSpPr>
+        <p:spPr>
+          <a:xfrm>
+            <a:off x="6771181" y="3901503"/>
+            <a:ext cx="243707" cy="0"/>
+          </a:xfrm>
+          <a:prstGeom prst="straightConnector1">
+            <a:avLst/>
+          </a:prstGeom>
+          <a:ln w="19050">
+            <a:tailEnd type="triangle"/>
+          </a:ln>
+        </p:spPr>
+        <p:style>
+          <a:lnRef idx="1">
+            <a:schemeClr val="dk1"/>
+          </a:lnRef>
+          <a:fillRef idx="0">
+            <a:schemeClr val="dk1"/>
+          </a:fillRef>
+          <a:effectRef idx="0">
+            <a:schemeClr val="dk1"/>
+          </a:effectRef>
+          <a:fontRef idx="minor">
+            <a:schemeClr val="tx1"/>
+          </a:fontRef>
+        </p:style>
+      </p:cxnSp>
+      <p:cxnSp>
+        <p:nvCxnSpPr>
+          <p:cNvPr id="47" name="Straight Arrow Connector 46">
+            <a:extLst>
+              <a:ext uri="{FF2B5EF4-FFF2-40B4-BE49-F238E27FC236}">
+                <a16:creationId xmlns:a16="http://schemas.microsoft.com/office/drawing/2014/main" id="{A65A17B2-19D7-FA6D-A338-A233275165D9}"/>
+              </a:ext>
+            </a:extLst>
+          </p:cNvPr>
+          <p:cNvCxnSpPr>
+            <a:cxnSpLocks/>
+          </p:cNvCxnSpPr>
+          <p:nvPr/>
+        </p:nvCxnSpPr>
+        <p:spPr>
+          <a:xfrm>
+            <a:off x="6771181" y="4083740"/>
+            <a:ext cx="163945" cy="0"/>
+          </a:xfrm>
+          <a:prstGeom prst="straightConnector1">
+            <a:avLst/>
+          </a:prstGeom>
+          <a:ln w="19050">
+            <a:tailEnd type="triangle"/>
+          </a:ln>
+        </p:spPr>
+        <p:style>
+          <a:lnRef idx="1">
+            <a:schemeClr val="dk1"/>
+          </a:lnRef>
+          <a:fillRef idx="0">
+            <a:schemeClr val="dk1"/>
+          </a:fillRef>
+          <a:effectRef idx="0">
+            <a:schemeClr val="dk1"/>
+          </a:effectRef>
+          <a:fontRef idx="minor">
+            <a:schemeClr val="tx1"/>
+          </a:fontRef>
+        </p:style>
+      </p:cxnSp>
+      <p:cxnSp>
+        <p:nvCxnSpPr>
+          <p:cNvPr id="50" name="Straight Arrow Connector 49">
+            <a:extLst>
+              <a:ext uri="{FF2B5EF4-FFF2-40B4-BE49-F238E27FC236}">
+                <a16:creationId xmlns:a16="http://schemas.microsoft.com/office/drawing/2014/main" id="{6625841B-FDB9-46CD-21C3-F8D75D7D7ACB}"/>
+              </a:ext>
+            </a:extLst>
+          </p:cNvPr>
+          <p:cNvCxnSpPr>
+            <a:cxnSpLocks/>
+          </p:cNvCxnSpPr>
+          <p:nvPr/>
+        </p:nvCxnSpPr>
+        <p:spPr>
+          <a:xfrm>
+            <a:off x="7342778" y="4128766"/>
+            <a:ext cx="163945" cy="0"/>
+          </a:xfrm>
+          <a:prstGeom prst="straightConnector1">
+            <a:avLst/>
+          </a:prstGeom>
+          <a:ln w="19050">
+            <a:tailEnd type="triangle"/>
+          </a:ln>
+        </p:spPr>
+        <p:style>
+          <a:lnRef idx="1">
+            <a:schemeClr val="dk1"/>
+          </a:lnRef>
+          <a:fillRef idx="0">
+            <a:schemeClr val="dk1"/>
+          </a:fillRef>
+          <a:effectRef idx="0">
+            <a:schemeClr val="dk1"/>
+          </a:effectRef>
+          <a:fontRef idx="minor">
+            <a:schemeClr val="tx1"/>
+          </a:fontRef>
+        </p:style>
+      </p:cxnSp>
+      <p:sp>
+        <p:nvSpPr>
+          <p:cNvPr id="51" name="TextBox 50">
+            <a:extLst>
+              <a:ext uri="{FF2B5EF4-FFF2-40B4-BE49-F238E27FC236}">
+                <a16:creationId xmlns:a16="http://schemas.microsoft.com/office/drawing/2014/main" id="{7AFE76E0-D685-F7CC-5E93-35053568B8BF}"/>
+              </a:ext>
+            </a:extLst>
+          </p:cNvPr>
+          <p:cNvSpPr txBox="1"/>
+          <p:nvPr/>
+        </p:nvSpPr>
+        <p:spPr>
+          <a:xfrm>
+            <a:off x="7492511" y="3943633"/>
+            <a:ext cx="347472" cy="369332"/>
+          </a:xfrm>
+          <a:prstGeom prst="rect">
+            <a:avLst/>
+          </a:prstGeom>
+          <a:noFill/>
+        </p:spPr>
+        <p:txBody>
+          <a:bodyPr wrap="square" rtlCol="0">
+            <a:spAutoFit/>
+          </a:bodyPr>
+          <a:lstStyle/>
+          <a:p>
+            <a:r>
+              <a:rPr lang="en-SG" dirty="0"/>
+              <a:t>…</a:t>
+            </a:r>
+          </a:p>
+        </p:txBody>
+      </p:sp>
+      <p:sp>
+        <p:nvSpPr>
+          <p:cNvPr id="52" name="TextBox 51">
+            <a:extLst>
+              <a:ext uri="{FF2B5EF4-FFF2-40B4-BE49-F238E27FC236}">
+                <a16:creationId xmlns:a16="http://schemas.microsoft.com/office/drawing/2014/main" id="{556D929D-D6DC-9D00-8A1C-D7FBFE824535}"/>
+              </a:ext>
+            </a:extLst>
+          </p:cNvPr>
+          <p:cNvSpPr txBox="1"/>
+          <p:nvPr/>
+        </p:nvSpPr>
+        <p:spPr>
+          <a:xfrm>
+            <a:off x="5476398" y="4417005"/>
+            <a:ext cx="2178024" cy="276999"/>
+          </a:xfrm>
+          <a:prstGeom prst="rect">
+            <a:avLst/>
+          </a:prstGeom>
+          <a:noFill/>
+        </p:spPr>
+        <p:txBody>
+          <a:bodyPr wrap="square" rtlCol="0">
+            <a:spAutoFit/>
+          </a:bodyPr>
+          <a:lstStyle/>
+          <a:p>
+            <a:r>
+              <a:rPr lang="en-SG" sz="1200" b="1" dirty="0"/>
+              <a:t>Modelled Actions Chain/Tree </a:t>
+            </a:r>
+          </a:p>
+        </p:txBody>
+      </p:sp>
+      <p:sp>
+        <p:nvSpPr>
+          <p:cNvPr id="53" name="Rectangle: Rounded Corners 52">
+            <a:extLst>
+              <a:ext uri="{FF2B5EF4-FFF2-40B4-BE49-F238E27FC236}">
+                <a16:creationId xmlns:a16="http://schemas.microsoft.com/office/drawing/2014/main" id="{E8C79FE5-052C-E398-4845-6CB49FDE4954}"/>
+              </a:ext>
+            </a:extLst>
+          </p:cNvPr>
+          <p:cNvSpPr/>
+          <p:nvPr/>
+        </p:nvSpPr>
+        <p:spPr>
+          <a:xfrm>
+            <a:off x="5886849" y="2307669"/>
+            <a:ext cx="1654976" cy="637167"/>
+          </a:xfrm>
+          <a:prstGeom prst="roundRect">
+            <a:avLst/>
+          </a:prstGeom>
+          <a:noFill/>
+          <a:ln w="19050" cap="flat" cmpd="sng" algn="ctr">
+            <a:solidFill>
+              <a:schemeClr val="accent1">
+                <a:lumMod val="75000"/>
+              </a:schemeClr>
+            </a:solidFill>
+            <a:prstDash val="solid"/>
+            <a:round/>
+            <a:headEnd type="none" w="med" len="med"/>
+            <a:tailEnd type="none" w="med" len="med"/>
+          </a:ln>
+        </p:spPr>
+        <p:style>
+          <a:lnRef idx="0">
+            <a:scrgbClr r="0" g="0" b="0"/>
+          </a:lnRef>
+          <a:fillRef idx="0">
+            <a:scrgbClr r="0" g="0" b="0"/>
+          </a:fillRef>
+          <a:effectRef idx="0">
+            <a:scrgbClr r="0" g="0" b="0"/>
+          </a:effectRef>
+          <a:fontRef idx="minor">
+            <a:schemeClr val="accent2"/>
+          </a:fontRef>
+        </p:style>
+        <p:txBody>
+          <a:bodyPr rtlCol="0" anchor="ctr"/>
+          <a:lstStyle/>
+          <a:p>
+            <a:pPr algn="ctr"/>
+            <a:r>
+              <a:rPr lang="en-SG" sz="1200" b="1" dirty="0">
+                <a:solidFill>
+                  <a:schemeClr val="tx1"/>
+                </a:solidFill>
+              </a:rPr>
+              <a:t>Scheduler Monitor </a:t>
+            </a:r>
+            <a:r>
+              <a:rPr lang="en-SG" sz="1200" b="1">
+                <a:solidFill>
+                  <a:schemeClr val="tx1"/>
+                </a:solidFill>
+              </a:rPr>
+              <a:t>Hub [SMU] </a:t>
+            </a:r>
+            <a:endParaRPr lang="en-SG" sz="1200" b="1" dirty="0">
+              <a:solidFill>
+                <a:schemeClr val="tx1"/>
+              </a:solidFill>
+            </a:endParaRPr>
+          </a:p>
+        </p:txBody>
+      </p:sp>
+      <p:cxnSp>
+        <p:nvCxnSpPr>
+          <p:cNvPr id="57" name="Straight Arrow Connector 56">
+            <a:extLst>
+              <a:ext uri="{FF2B5EF4-FFF2-40B4-BE49-F238E27FC236}">
+                <a16:creationId xmlns:a16="http://schemas.microsoft.com/office/drawing/2014/main" id="{E3B95400-44E6-45D0-782B-A0A7510EBF69}"/>
+              </a:ext>
+            </a:extLst>
+          </p:cNvPr>
+          <p:cNvCxnSpPr/>
+          <p:nvPr/>
+        </p:nvCxnSpPr>
+        <p:spPr>
+          <a:xfrm>
+            <a:off x="6096000" y="2960738"/>
+            <a:ext cx="0" cy="846682"/>
+          </a:xfrm>
+          <a:prstGeom prst="straightConnector1">
+            <a:avLst/>
+          </a:prstGeom>
+          <a:ln>
+            <a:headEnd type="triangle"/>
+            <a:tailEnd type="triangle"/>
+          </a:ln>
+        </p:spPr>
+        <p:style>
+          <a:lnRef idx="1">
+            <a:schemeClr val="accent1"/>
+          </a:lnRef>
+          <a:fillRef idx="0">
+            <a:schemeClr val="accent1"/>
+          </a:fillRef>
+          <a:effectRef idx="0">
+            <a:schemeClr val="accent1"/>
+          </a:effectRef>
+          <a:fontRef idx="minor">
+            <a:schemeClr val="tx1"/>
+          </a:fontRef>
+        </p:style>
+      </p:cxnSp>
+      <p:cxnSp>
+        <p:nvCxnSpPr>
+          <p:cNvPr id="62" name="Straight Arrow Connector 61">
+            <a:extLst>
+              <a:ext uri="{FF2B5EF4-FFF2-40B4-BE49-F238E27FC236}">
+                <a16:creationId xmlns:a16="http://schemas.microsoft.com/office/drawing/2014/main" id="{685B7E69-2D21-2396-8F2F-03A86443E0D8}"/>
+              </a:ext>
+            </a:extLst>
+          </p:cNvPr>
+          <p:cNvCxnSpPr/>
+          <p:nvPr/>
+        </p:nvCxnSpPr>
+        <p:spPr>
+          <a:xfrm>
+            <a:off x="6579821" y="2960738"/>
+            <a:ext cx="0" cy="846682"/>
+          </a:xfrm>
+          <a:prstGeom prst="straightConnector1">
+            <a:avLst/>
+          </a:prstGeom>
+          <a:ln>
+            <a:headEnd type="triangle"/>
+            <a:tailEnd type="triangle"/>
+          </a:ln>
+        </p:spPr>
+        <p:style>
+          <a:lnRef idx="1">
+            <a:schemeClr val="accent1"/>
+          </a:lnRef>
+          <a:fillRef idx="0">
+            <a:schemeClr val="accent1"/>
+          </a:fillRef>
+          <a:effectRef idx="0">
+            <a:schemeClr val="accent1"/>
+          </a:effectRef>
+          <a:fontRef idx="minor">
+            <a:schemeClr val="tx1"/>
+          </a:fontRef>
+        </p:style>
+      </p:cxnSp>
+      <p:cxnSp>
+        <p:nvCxnSpPr>
+          <p:cNvPr id="63" name="Straight Arrow Connector 62">
+            <a:extLst>
+              <a:ext uri="{FF2B5EF4-FFF2-40B4-BE49-F238E27FC236}">
+                <a16:creationId xmlns:a16="http://schemas.microsoft.com/office/drawing/2014/main" id="{119582EB-2F9C-B593-E3AF-930F9DC4E54D}"/>
+              </a:ext>
+            </a:extLst>
+          </p:cNvPr>
+          <p:cNvCxnSpPr>
+            <a:cxnSpLocks/>
+          </p:cNvCxnSpPr>
+          <p:nvPr/>
+        </p:nvCxnSpPr>
+        <p:spPr>
+          <a:xfrm>
+            <a:off x="7185589" y="2961980"/>
+            <a:ext cx="0" cy="769032"/>
+          </a:xfrm>
+          <a:prstGeom prst="straightConnector1">
+            <a:avLst/>
+          </a:prstGeom>
+          <a:ln>
+            <a:headEnd type="triangle"/>
+            <a:tailEnd type="triangle"/>
+          </a:ln>
+        </p:spPr>
+        <p:style>
+          <a:lnRef idx="1">
+            <a:schemeClr val="accent1"/>
+          </a:lnRef>
+          <a:fillRef idx="0">
+            <a:schemeClr val="accent1"/>
+          </a:fillRef>
+          <a:effectRef idx="0">
+            <a:schemeClr val="accent1"/>
+          </a:effectRef>
+          <a:fontRef idx="minor">
+            <a:schemeClr val="tx1"/>
+          </a:fontRef>
+        </p:style>
+      </p:cxnSp>
+      <p:cxnSp>
+        <p:nvCxnSpPr>
+          <p:cNvPr id="65" name="Straight Arrow Connector 64">
+            <a:extLst>
+              <a:ext uri="{FF2B5EF4-FFF2-40B4-BE49-F238E27FC236}">
+                <a16:creationId xmlns:a16="http://schemas.microsoft.com/office/drawing/2014/main" id="{28F8EF49-A405-035B-39E6-FEB7730F8573}"/>
+              </a:ext>
+            </a:extLst>
+          </p:cNvPr>
+          <p:cNvCxnSpPr>
+            <a:cxnSpLocks/>
+          </p:cNvCxnSpPr>
+          <p:nvPr/>
+        </p:nvCxnSpPr>
+        <p:spPr>
+          <a:xfrm>
+            <a:off x="7121984" y="2961980"/>
+            <a:ext cx="0" cy="769032"/>
+          </a:xfrm>
+          <a:prstGeom prst="straightConnector1">
+            <a:avLst/>
+          </a:prstGeom>
+          <a:ln>
+            <a:headEnd type="triangle"/>
+            <a:tailEnd type="triangle"/>
+          </a:ln>
+        </p:spPr>
+        <p:style>
+          <a:lnRef idx="1">
+            <a:schemeClr val="accent1"/>
+          </a:lnRef>
+          <a:fillRef idx="0">
+            <a:schemeClr val="accent1"/>
+          </a:fillRef>
+          <a:effectRef idx="0">
+            <a:schemeClr val="accent1"/>
+          </a:effectRef>
+          <a:fontRef idx="minor">
+            <a:schemeClr val="tx1"/>
+          </a:fontRef>
+        </p:style>
+      </p:cxnSp>
+      <p:pic>
+        <p:nvPicPr>
+          <p:cNvPr id="67" name="Picture 4">
+            <a:extLst>
+              <a:ext uri="{FF2B5EF4-FFF2-40B4-BE49-F238E27FC236}">
+                <a16:creationId xmlns:a16="http://schemas.microsoft.com/office/drawing/2014/main" id="{8E89A05D-5CFE-7DA8-87DC-B9312D615034}"/>
+              </a:ext>
+            </a:extLst>
+          </p:cNvPr>
+          <p:cNvPicPr>
+            <a:picLocks noChangeAspect="1" noChangeArrowheads="1"/>
+          </p:cNvPicPr>
+          <p:nvPr/>
+        </p:nvPicPr>
+        <p:blipFill>
+          <a:blip r:embed="rId4">
+            <a:extLst>
+              <a:ext uri="{28A0092B-C50C-407E-A947-70E740481C1C}">
+                <a14:useLocalDpi xmlns:a14="http://schemas.microsoft.com/office/drawing/2010/main" val="0"/>
+              </a:ext>
+            </a:extLst>
+          </a:blip>
+          <a:srcRect/>
+          <a:stretch>
+            <a:fillRect/>
+          </a:stretch>
+        </p:blipFill>
+        <p:spPr bwMode="auto">
+          <a:xfrm>
+            <a:off x="8220536" y="2435079"/>
+            <a:ext cx="382345" cy="382345"/>
+          </a:xfrm>
+          <a:prstGeom prst="rect">
+            <a:avLst/>
+          </a:prstGeom>
+          <a:noFill/>
+          <a:extLst>
+            <a:ext uri="{909E8E84-426E-40DD-AFC4-6F175D3DCCD1}">
+              <a14:hiddenFill xmlns:a14="http://schemas.microsoft.com/office/drawing/2010/main">
+                <a:solidFill>
+                  <a:srgbClr val="FFFFFF"/>
+                </a:solidFill>
+              </a14:hiddenFill>
+            </a:ext>
+          </a:extLst>
+        </p:spPr>
+      </p:pic>
+      <p:sp>
+        <p:nvSpPr>
+          <p:cNvPr id="69" name="TextBox 68">
+            <a:extLst>
+              <a:ext uri="{FF2B5EF4-FFF2-40B4-BE49-F238E27FC236}">
+                <a16:creationId xmlns:a16="http://schemas.microsoft.com/office/drawing/2014/main" id="{263D8DD6-59FF-D830-DEF4-93B0A27B58C1}"/>
+              </a:ext>
+            </a:extLst>
+          </p:cNvPr>
+          <p:cNvSpPr txBox="1"/>
+          <p:nvPr/>
+        </p:nvSpPr>
+        <p:spPr>
+          <a:xfrm>
+            <a:off x="8220536" y="2773367"/>
+            <a:ext cx="956227" cy="276999"/>
+          </a:xfrm>
+          <a:prstGeom prst="rect">
+            <a:avLst/>
+          </a:prstGeom>
+          <a:noFill/>
+        </p:spPr>
+        <p:txBody>
+          <a:bodyPr wrap="square" rtlCol="0">
+            <a:spAutoFit/>
+          </a:bodyPr>
+          <a:lstStyle/>
+          <a:p>
+            <a:r>
+              <a:rPr lang="en-US" sz="1200" b="1" dirty="0"/>
+              <a:t>User</a:t>
+            </a:r>
+            <a:endParaRPr lang="en-SG" sz="1200" dirty="0"/>
+          </a:p>
+        </p:txBody>
+      </p:sp>
+      <p:cxnSp>
+        <p:nvCxnSpPr>
+          <p:cNvPr id="70" name="Straight Arrow Connector 69">
+            <a:extLst>
+              <a:ext uri="{FF2B5EF4-FFF2-40B4-BE49-F238E27FC236}">
+                <a16:creationId xmlns:a16="http://schemas.microsoft.com/office/drawing/2014/main" id="{1419F927-2C0D-4EAA-31CD-04AF40F81590}"/>
+              </a:ext>
+            </a:extLst>
+          </p:cNvPr>
+          <p:cNvCxnSpPr>
+            <a:cxnSpLocks/>
+            <a:stCxn id="67" idx="1"/>
+            <a:endCxn id="53" idx="3"/>
+          </p:cNvCxnSpPr>
+          <p:nvPr/>
+        </p:nvCxnSpPr>
+        <p:spPr>
+          <a:xfrm flipH="1">
+            <a:off x="7541825" y="2626252"/>
+            <a:ext cx="678711" cy="1"/>
+          </a:xfrm>
+          <a:prstGeom prst="straightConnector1">
+            <a:avLst/>
+          </a:prstGeom>
+          <a:ln w="19050">
+            <a:tailEnd type="triangle"/>
+          </a:ln>
+        </p:spPr>
+        <p:style>
+          <a:lnRef idx="1">
+            <a:schemeClr val="accent1"/>
+          </a:lnRef>
+          <a:fillRef idx="0">
+            <a:schemeClr val="accent1"/>
+          </a:fillRef>
+          <a:effectRef idx="0">
+            <a:schemeClr val="accent1"/>
+          </a:effectRef>
+          <a:fontRef idx="minor">
+            <a:schemeClr val="tx1"/>
+          </a:fontRef>
+        </p:style>
+      </p:cxnSp>
+      <p:pic>
+        <p:nvPicPr>
+          <p:cNvPr id="3" name="Picture 2">
+            <a:extLst>
+              <a:ext uri="{FF2B5EF4-FFF2-40B4-BE49-F238E27FC236}">
+                <a16:creationId xmlns:a16="http://schemas.microsoft.com/office/drawing/2014/main" id="{6DF361BA-E2C1-1F61-954B-3488C229E83C}"/>
+              </a:ext>
+            </a:extLst>
+          </p:cNvPr>
+          <p:cNvPicPr>
+            <a:picLocks noChangeAspect="1"/>
+          </p:cNvPicPr>
+          <p:nvPr/>
+        </p:nvPicPr>
+        <p:blipFill>
+          <a:blip r:embed="rId5"/>
+          <a:stretch>
+            <a:fillRect/>
+          </a:stretch>
+        </p:blipFill>
+        <p:spPr>
+          <a:xfrm>
+            <a:off x="5880994" y="3899995"/>
+            <a:ext cx="322306" cy="288900"/>
+          </a:xfrm>
+          <a:prstGeom prst="rect">
+            <a:avLst/>
+          </a:prstGeom>
+        </p:spPr>
+      </p:pic>
+      <p:pic>
+        <p:nvPicPr>
+          <p:cNvPr id="22" name="Picture 21">
+            <a:extLst>
+              <a:ext uri="{FF2B5EF4-FFF2-40B4-BE49-F238E27FC236}">
+                <a16:creationId xmlns:a16="http://schemas.microsoft.com/office/drawing/2014/main" id="{713A43F0-CEBE-140A-3B8C-2889C69DC50B}"/>
+              </a:ext>
+            </a:extLst>
+          </p:cNvPr>
+          <p:cNvPicPr>
+            <a:picLocks noChangeAspect="1"/>
+          </p:cNvPicPr>
+          <p:nvPr/>
+        </p:nvPicPr>
+        <p:blipFill>
+          <a:blip r:embed="rId5"/>
+          <a:stretch>
+            <a:fillRect/>
+          </a:stretch>
+        </p:blipFill>
+        <p:spPr>
+          <a:xfrm>
+            <a:off x="6424068" y="3879306"/>
+            <a:ext cx="322306" cy="288900"/>
+          </a:xfrm>
+          <a:prstGeom prst="rect">
+            <a:avLst/>
+          </a:prstGeom>
+        </p:spPr>
+      </p:pic>
+      <p:pic>
+        <p:nvPicPr>
+          <p:cNvPr id="25" name="Picture 24">
+            <a:extLst>
+              <a:ext uri="{FF2B5EF4-FFF2-40B4-BE49-F238E27FC236}">
+                <a16:creationId xmlns:a16="http://schemas.microsoft.com/office/drawing/2014/main" id="{4E615A18-D653-034F-90A4-DA6DAFAAD8FB}"/>
+              </a:ext>
+            </a:extLst>
+          </p:cNvPr>
+          <p:cNvPicPr>
+            <a:picLocks noChangeAspect="1"/>
+          </p:cNvPicPr>
+          <p:nvPr/>
+        </p:nvPicPr>
+        <p:blipFill>
+          <a:blip r:embed="rId5"/>
+          <a:stretch>
+            <a:fillRect/>
+          </a:stretch>
+        </p:blipFill>
+        <p:spPr>
+          <a:xfrm>
+            <a:off x="7043434" y="3807155"/>
+            <a:ext cx="322306" cy="288900"/>
+          </a:xfrm>
+          <a:prstGeom prst="rect">
+            <a:avLst/>
+          </a:prstGeom>
+        </p:spPr>
+      </p:pic>
+      <p:pic>
+        <p:nvPicPr>
+          <p:cNvPr id="24" name="Picture 23">
+            <a:extLst>
+              <a:ext uri="{FF2B5EF4-FFF2-40B4-BE49-F238E27FC236}">
+                <a16:creationId xmlns:a16="http://schemas.microsoft.com/office/drawing/2014/main" id="{0A7EB0D4-4D5E-5895-35F3-904A38D902AA}"/>
+              </a:ext>
+            </a:extLst>
+          </p:cNvPr>
+          <p:cNvPicPr>
+            <a:picLocks noChangeAspect="1"/>
+          </p:cNvPicPr>
+          <p:nvPr/>
+        </p:nvPicPr>
+        <p:blipFill>
+          <a:blip r:embed="rId5"/>
+          <a:stretch>
+            <a:fillRect/>
+          </a:stretch>
+        </p:blipFill>
+        <p:spPr>
+          <a:xfrm>
+            <a:off x="6955473" y="3955514"/>
+            <a:ext cx="322306" cy="288900"/>
+          </a:xfrm>
+          <a:prstGeom prst="rect">
+            <a:avLst/>
+          </a:prstGeom>
+        </p:spPr>
+      </p:pic>
+    </p:spTree>
+    <p:extLst>
+      <p:ext uri="{BB962C8B-B14F-4D97-AF65-F5344CB8AC3E}">
+        <p14:creationId xmlns:p14="http://schemas.microsoft.com/office/powerpoint/2010/main" val="429245713"/>
       </p:ext>
     </p:extLst>
   </p:cSld>

--- a/doc/designDoc.pptx
+++ b/doc/designDoc.pptx
@@ -212,7 +212,7 @@
           <a:p>
             <a:fld id="{2BA6DB02-48BF-406A-9449-0BBAAE1D3FCC}" type="datetimeFigureOut">
               <a:rPr lang="en-SG" smtClean="0"/>
-              <a:t>17/2/2023</a:t>
+              <a:t>20/2/2023</a:t>
             </a:fld>
             <a:endParaRPr lang="en-SG" dirty="0"/>
           </a:p>
@@ -797,7 +797,7 @@
           <a:p>
             <a:fld id="{568D23B1-6EF9-4DFF-A006-F22E70A73051}" type="datetimeFigureOut">
               <a:rPr lang="en-SG" smtClean="0"/>
-              <a:t>17/2/2023</a:t>
+              <a:t>20/2/2023</a:t>
             </a:fld>
             <a:endParaRPr lang="en-SG" dirty="0"/>
           </a:p>
@@ -997,7 +997,7 @@
           <a:p>
             <a:fld id="{568D23B1-6EF9-4DFF-A006-F22E70A73051}" type="datetimeFigureOut">
               <a:rPr lang="en-SG" smtClean="0"/>
-              <a:t>17/2/2023</a:t>
+              <a:t>20/2/2023</a:t>
             </a:fld>
             <a:endParaRPr lang="en-SG" dirty="0"/>
           </a:p>
@@ -1207,7 +1207,7 @@
           <a:p>
             <a:fld id="{568D23B1-6EF9-4DFF-A006-F22E70A73051}" type="datetimeFigureOut">
               <a:rPr lang="en-SG" smtClean="0"/>
-              <a:t>17/2/2023</a:t>
+              <a:t>20/2/2023</a:t>
             </a:fld>
             <a:endParaRPr lang="en-SG" dirty="0"/>
           </a:p>
@@ -1407,7 +1407,7 @@
           <a:p>
             <a:fld id="{568D23B1-6EF9-4DFF-A006-F22E70A73051}" type="datetimeFigureOut">
               <a:rPr lang="en-SG" smtClean="0"/>
-              <a:t>17/2/2023</a:t>
+              <a:t>20/2/2023</a:t>
             </a:fld>
             <a:endParaRPr lang="en-SG" dirty="0"/>
           </a:p>
@@ -1683,7 +1683,7 @@
           <a:p>
             <a:fld id="{568D23B1-6EF9-4DFF-A006-F22E70A73051}" type="datetimeFigureOut">
               <a:rPr lang="en-SG" smtClean="0"/>
-              <a:t>17/2/2023</a:t>
+              <a:t>20/2/2023</a:t>
             </a:fld>
             <a:endParaRPr lang="en-SG" dirty="0"/>
           </a:p>
@@ -1951,7 +1951,7 @@
           <a:p>
             <a:fld id="{568D23B1-6EF9-4DFF-A006-F22E70A73051}" type="datetimeFigureOut">
               <a:rPr lang="en-SG" smtClean="0"/>
-              <a:t>17/2/2023</a:t>
+              <a:t>20/2/2023</a:t>
             </a:fld>
             <a:endParaRPr lang="en-SG" dirty="0"/>
           </a:p>
@@ -2366,7 +2366,7 @@
           <a:p>
             <a:fld id="{568D23B1-6EF9-4DFF-A006-F22E70A73051}" type="datetimeFigureOut">
               <a:rPr lang="en-SG" smtClean="0"/>
-              <a:t>17/2/2023</a:t>
+              <a:t>20/2/2023</a:t>
             </a:fld>
             <a:endParaRPr lang="en-SG" dirty="0"/>
           </a:p>
@@ -2508,7 +2508,7 @@
           <a:p>
             <a:fld id="{568D23B1-6EF9-4DFF-A006-F22E70A73051}" type="datetimeFigureOut">
               <a:rPr lang="en-SG" smtClean="0"/>
-              <a:t>17/2/2023</a:t>
+              <a:t>20/2/2023</a:t>
             </a:fld>
             <a:endParaRPr lang="en-SG" dirty="0"/>
           </a:p>
@@ -2621,7 +2621,7 @@
           <a:p>
             <a:fld id="{568D23B1-6EF9-4DFF-A006-F22E70A73051}" type="datetimeFigureOut">
               <a:rPr lang="en-SG" smtClean="0"/>
-              <a:t>17/2/2023</a:t>
+              <a:t>20/2/2023</a:t>
             </a:fld>
             <a:endParaRPr lang="en-SG" dirty="0"/>
           </a:p>
@@ -2934,7 +2934,7 @@
           <a:p>
             <a:fld id="{568D23B1-6EF9-4DFF-A006-F22E70A73051}" type="datetimeFigureOut">
               <a:rPr lang="en-SG" smtClean="0"/>
-              <a:t>17/2/2023</a:t>
+              <a:t>20/2/2023</a:t>
             </a:fld>
             <a:endParaRPr lang="en-SG" dirty="0"/>
           </a:p>
@@ -3223,7 +3223,7 @@
           <a:p>
             <a:fld id="{568D23B1-6EF9-4DFF-A006-F22E70A73051}" type="datetimeFigureOut">
               <a:rPr lang="en-SG" smtClean="0"/>
-              <a:t>17/2/2023</a:t>
+              <a:t>20/2/2023</a:t>
             </a:fld>
             <a:endParaRPr lang="en-SG" dirty="0"/>
           </a:p>
@@ -3466,7 +3466,7 @@
           <a:p>
             <a:fld id="{568D23B1-6EF9-4DFF-A006-F22E70A73051}" type="datetimeFigureOut">
               <a:rPr lang="en-SG" smtClean="0"/>
-              <a:t>17/2/2023</a:t>
+              <a:t>20/2/2023</a:t>
             </a:fld>
             <a:endParaRPr lang="en-SG" dirty="0"/>
           </a:p>
@@ -13620,7 +13620,7 @@
                   <a:srgbClr val="002060"/>
                 </a:solidFill>
               </a:rPr>
-              <a:t>VM with user emulator</a:t>
+              <a:t>VM with profile emulator</a:t>
             </a:r>
             <a:endParaRPr lang="en-SG" sz="900" dirty="0">
               <a:solidFill>
@@ -13664,7 +13664,7 @@
                   <a:srgbClr val="002060"/>
                 </a:solidFill>
               </a:rPr>
-              <a:t>Servers cluster with user emulator</a:t>
+              <a:t>Servers cluster with profile emulator</a:t>
             </a:r>
             <a:endParaRPr lang="en-SG" sz="900" dirty="0">
               <a:solidFill>
@@ -13688,8 +13688,8 @@
         </p:nvSpPr>
         <p:spPr>
           <a:xfrm>
-            <a:off x="5815603" y="2111117"/>
-            <a:ext cx="1141436" cy="369332"/>
+            <a:off x="5815602" y="2111117"/>
+            <a:ext cx="1550665" cy="369332"/>
           </a:xfrm>
           <a:prstGeom prst="rect">
             <a:avLst/>
@@ -13708,7 +13708,7 @@
                   <a:srgbClr val="002060"/>
                 </a:solidFill>
               </a:rPr>
-              <a:t>Laptop/Desktop with user emulator</a:t>
+              <a:t>Laptop/Desktop with profile emulator</a:t>
             </a:r>
             <a:endParaRPr lang="en-SG" sz="900" dirty="0">
               <a:solidFill>
@@ -13752,7 +13752,7 @@
                   <a:srgbClr val="002060"/>
                 </a:solidFill>
               </a:rPr>
-              <a:t>Raspberry-PI with user emulator</a:t>
+              <a:t>Raspberry-PI with profile emulator</a:t>
             </a:r>
             <a:endParaRPr lang="en-SG" sz="900" dirty="0">
               <a:solidFill>
@@ -13928,7 +13928,7 @@
                   <a:srgbClr val="002060"/>
                 </a:solidFill>
               </a:rPr>
-              <a:t>Internal monitor hub server  </a:t>
+              <a:t>Internal Scheduler monitor hub server  </a:t>
             </a:r>
             <a:endParaRPr lang="en-SG" sz="900" dirty="0">
               <a:solidFill>
@@ -13997,7 +13997,7 @@
         <p:spPr>
           <a:xfrm>
             <a:off x="6183342" y="5791044"/>
-            <a:ext cx="1435820" cy="230832"/>
+            <a:ext cx="1435820" cy="369332"/>
           </a:xfrm>
           <a:prstGeom prst="rect">
             <a:avLst/>
@@ -14016,7 +14016,7 @@
                   <a:srgbClr val="002060"/>
                 </a:solidFill>
               </a:rPr>
-              <a:t>Tasks monitor hub website </a:t>
+              <a:t>Scheduler monitor hub website </a:t>
             </a:r>
             <a:endParaRPr lang="en-SG" sz="900" dirty="0">
               <a:solidFill>
@@ -14562,7 +14562,7 @@
                   <a:srgbClr val="002060"/>
                 </a:solidFill>
               </a:rPr>
-              <a:t>User Action Emulator </a:t>
+              <a:t>User Profile Emulator</a:t>
             </a:r>
             <a:endParaRPr lang="en-SG" sz="900" dirty="0">
               <a:solidFill>
@@ -15017,7 +15017,7 @@
         <p:spPr>
           <a:xfrm>
             <a:off x="2850130" y="5191291"/>
-            <a:ext cx="1277717" cy="230832"/>
+            <a:ext cx="1911644" cy="230832"/>
           </a:xfrm>
           <a:prstGeom prst="rect">
             <a:avLst/>
@@ -15036,7 +15036,7 @@
                   <a:srgbClr val="002060"/>
                 </a:solidFill>
               </a:rPr>
-              <a:t>User repository </a:t>
+              <a:t>User Action Agents repository </a:t>
             </a:r>
             <a:endParaRPr lang="en-SG" sz="900" dirty="0">
               <a:solidFill>
@@ -15293,7 +15293,7 @@
                   <a:srgbClr val="002060"/>
                 </a:solidFill>
               </a:rPr>
-              <a:t>Monitor-Hub</a:t>
+              <a:t>Scheduler Monitor Hub</a:t>
             </a:r>
             <a:endParaRPr lang="en-SG" sz="900" dirty="0">
               <a:solidFill>

--- a/doc/designDoc.pptx
+++ b/doc/designDoc.pptx
@@ -5,7 +5,7 @@
     <p:sldMasterId id="2147483648" r:id="rId1"/>
   </p:sldMasterIdLst>
   <p:notesMasterIdLst>
-    <p:notesMasterId r:id="rId19"/>
+    <p:notesMasterId r:id="rId20"/>
   </p:notesMasterIdLst>
   <p:sldIdLst>
     <p:sldId id="262" r:id="rId2"/>
@@ -25,6 +25,7 @@
     <p:sldId id="295" r:id="rId16"/>
     <p:sldId id="302" r:id="rId17"/>
     <p:sldId id="303" r:id="rId18"/>
+    <p:sldId id="305" r:id="rId19"/>
   </p:sldIdLst>
   <p:sldSz cx="12192000" cy="6858000"/>
   <p:notesSz cx="6858000" cy="9144000"/>
@@ -213,7 +214,7 @@
           <a:p>
             <a:fld id="{2BA6DB02-48BF-406A-9449-0BBAAE1D3FCC}" type="datetimeFigureOut">
               <a:rPr lang="en-SG" smtClean="0"/>
-              <a:t>26/2/2023</a:t>
+              <a:t>14/3/2024</a:t>
             </a:fld>
             <a:endParaRPr lang="en-SG" dirty="0"/>
           </a:p>
@@ -798,7 +799,7 @@
           <a:p>
             <a:fld id="{568D23B1-6EF9-4DFF-A006-F22E70A73051}" type="datetimeFigureOut">
               <a:rPr lang="en-SG" smtClean="0"/>
-              <a:t>26/2/2023</a:t>
+              <a:t>14/3/2024</a:t>
             </a:fld>
             <a:endParaRPr lang="en-SG" dirty="0"/>
           </a:p>
@@ -998,7 +999,7 @@
           <a:p>
             <a:fld id="{568D23B1-6EF9-4DFF-A006-F22E70A73051}" type="datetimeFigureOut">
               <a:rPr lang="en-SG" smtClean="0"/>
-              <a:t>26/2/2023</a:t>
+              <a:t>14/3/2024</a:t>
             </a:fld>
             <a:endParaRPr lang="en-SG" dirty="0"/>
           </a:p>
@@ -1208,7 +1209,7 @@
           <a:p>
             <a:fld id="{568D23B1-6EF9-4DFF-A006-F22E70A73051}" type="datetimeFigureOut">
               <a:rPr lang="en-SG" smtClean="0"/>
-              <a:t>26/2/2023</a:t>
+              <a:t>14/3/2024</a:t>
             </a:fld>
             <a:endParaRPr lang="en-SG" dirty="0"/>
           </a:p>
@@ -1408,7 +1409,7 @@
           <a:p>
             <a:fld id="{568D23B1-6EF9-4DFF-A006-F22E70A73051}" type="datetimeFigureOut">
               <a:rPr lang="en-SG" smtClean="0"/>
-              <a:t>26/2/2023</a:t>
+              <a:t>14/3/2024</a:t>
             </a:fld>
             <a:endParaRPr lang="en-SG" dirty="0"/>
           </a:p>
@@ -1684,7 +1685,7 @@
           <a:p>
             <a:fld id="{568D23B1-6EF9-4DFF-A006-F22E70A73051}" type="datetimeFigureOut">
               <a:rPr lang="en-SG" smtClean="0"/>
-              <a:t>26/2/2023</a:t>
+              <a:t>14/3/2024</a:t>
             </a:fld>
             <a:endParaRPr lang="en-SG" dirty="0"/>
           </a:p>
@@ -1952,7 +1953,7 @@
           <a:p>
             <a:fld id="{568D23B1-6EF9-4DFF-A006-F22E70A73051}" type="datetimeFigureOut">
               <a:rPr lang="en-SG" smtClean="0"/>
-              <a:t>26/2/2023</a:t>
+              <a:t>14/3/2024</a:t>
             </a:fld>
             <a:endParaRPr lang="en-SG" dirty="0"/>
           </a:p>
@@ -2367,7 +2368,7 @@
           <a:p>
             <a:fld id="{568D23B1-6EF9-4DFF-A006-F22E70A73051}" type="datetimeFigureOut">
               <a:rPr lang="en-SG" smtClean="0"/>
-              <a:t>26/2/2023</a:t>
+              <a:t>14/3/2024</a:t>
             </a:fld>
             <a:endParaRPr lang="en-SG" dirty="0"/>
           </a:p>
@@ -2509,7 +2510,7 @@
           <a:p>
             <a:fld id="{568D23B1-6EF9-4DFF-A006-F22E70A73051}" type="datetimeFigureOut">
               <a:rPr lang="en-SG" smtClean="0"/>
-              <a:t>26/2/2023</a:t>
+              <a:t>14/3/2024</a:t>
             </a:fld>
             <a:endParaRPr lang="en-SG" dirty="0"/>
           </a:p>
@@ -2622,7 +2623,7 @@
           <a:p>
             <a:fld id="{568D23B1-6EF9-4DFF-A006-F22E70A73051}" type="datetimeFigureOut">
               <a:rPr lang="en-SG" smtClean="0"/>
-              <a:t>26/2/2023</a:t>
+              <a:t>14/3/2024</a:t>
             </a:fld>
             <a:endParaRPr lang="en-SG" dirty="0"/>
           </a:p>
@@ -2935,7 +2936,7 @@
           <a:p>
             <a:fld id="{568D23B1-6EF9-4DFF-A006-F22E70A73051}" type="datetimeFigureOut">
               <a:rPr lang="en-SG" smtClean="0"/>
-              <a:t>26/2/2023</a:t>
+              <a:t>14/3/2024</a:t>
             </a:fld>
             <a:endParaRPr lang="en-SG" dirty="0"/>
           </a:p>
@@ -3224,7 +3225,7 @@
           <a:p>
             <a:fld id="{568D23B1-6EF9-4DFF-A006-F22E70A73051}" type="datetimeFigureOut">
               <a:rPr lang="en-SG" smtClean="0"/>
-              <a:t>26/2/2023</a:t>
+              <a:t>14/3/2024</a:t>
             </a:fld>
             <a:endParaRPr lang="en-SG" dirty="0"/>
           </a:p>
@@ -3467,7 +3468,7 @@
           <a:p>
             <a:fld id="{568D23B1-6EF9-4DFF-A006-F22E70A73051}" type="datetimeFigureOut">
               <a:rPr lang="en-SG" smtClean="0"/>
-              <a:t>26/2/2023</a:t>
+              <a:t>14/3/2024</a:t>
             </a:fld>
             <a:endParaRPr lang="en-SG" dirty="0"/>
           </a:p>
@@ -5328,7 +5329,7 @@
         </p:nvSpPr>
         <p:spPr>
           <a:xfrm>
-            <a:off x="259568" y="5326561"/>
+            <a:off x="613530" y="5326561"/>
             <a:ext cx="8880788" cy="1323439"/>
           </a:xfrm>
           <a:prstGeom prst="rect">
@@ -24216,6 +24217,113 @@
     <p:extLst>
       <p:ext uri="{BB962C8B-B14F-4D97-AF65-F5344CB8AC3E}">
         <p14:creationId xmlns:p14="http://schemas.microsoft.com/office/powerpoint/2010/main" val="429245713"/>
+      </p:ext>
+    </p:extLst>
+  </p:cSld>
+  <p:clrMapOvr>
+    <a:masterClrMapping/>
+  </p:clrMapOvr>
+</p:sld>
+</file>
+
+<file path=ppt/slides/slide18.xml><?xml version="1.0" encoding="utf-8"?>
+<p:sld xmlns:a="http://schemas.openxmlformats.org/drawingml/2006/main" xmlns:r="http://schemas.openxmlformats.org/officeDocument/2006/relationships" xmlns:p="http://schemas.openxmlformats.org/presentationml/2006/main">
+  <p:cSld>
+    <p:spTree>
+      <p:nvGrpSpPr>
+        <p:cNvPr id="1" name=""/>
+        <p:cNvGrpSpPr/>
+        <p:nvPr/>
+      </p:nvGrpSpPr>
+      <p:grpSpPr>
+        <a:xfrm>
+          <a:off x="0" y="0"/>
+          <a:ext cx="0" cy="0"/>
+          <a:chOff x="0" y="0"/>
+          <a:chExt cx="0" cy="0"/>
+        </a:xfrm>
+      </p:grpSpPr>
+      <p:pic>
+        <p:nvPicPr>
+          <p:cNvPr id="5" name="Picture 4" descr="A diagram of a cloud computing system&#10;&#10;Description automatically generated">
+            <a:extLst>
+              <a:ext uri="{FF2B5EF4-FFF2-40B4-BE49-F238E27FC236}">
+                <a16:creationId xmlns:a16="http://schemas.microsoft.com/office/drawing/2014/main" id="{E5308BE7-2240-AC61-D712-945834D75A5F}"/>
+              </a:ext>
+            </a:extLst>
+          </p:cNvPr>
+          <p:cNvPicPr>
+            <a:picLocks noChangeAspect="1"/>
+          </p:cNvPicPr>
+          <p:nvPr/>
+        </p:nvPicPr>
+        <p:blipFill rotWithShape="1">
+          <a:blip r:embed="rId2">
+            <a:extLst>
+              <a:ext uri="{28A0092B-C50C-407E-A947-70E740481C1C}">
+                <a14:useLocalDpi xmlns:a14="http://schemas.microsoft.com/office/drawing/2010/main" val="0"/>
+              </a:ext>
+            </a:extLst>
+          </a:blip>
+          <a:srcRect r="12644"/>
+          <a:stretch/>
+        </p:blipFill>
+        <p:spPr>
+          <a:xfrm>
+            <a:off x="147738" y="993057"/>
+            <a:ext cx="6056417" cy="5314335"/>
+          </a:xfrm>
+          <a:prstGeom prst="rect">
+            <a:avLst/>
+          </a:prstGeom>
+        </p:spPr>
+      </p:pic>
+      <p:pic>
+        <p:nvPicPr>
+          <p:cNvPr id="7" name="Picture 6" descr="A diagram of a system&#10;&#10;Description automatically generated">
+            <a:extLst>
+              <a:ext uri="{FF2B5EF4-FFF2-40B4-BE49-F238E27FC236}">
+                <a16:creationId xmlns:a16="http://schemas.microsoft.com/office/drawing/2014/main" id="{45AB867D-CE0B-F7BD-27AC-40C8669083AB}"/>
+              </a:ext>
+            </a:extLst>
+          </p:cNvPr>
+          <p:cNvPicPr>
+            <a:picLocks noChangeAspect="1"/>
+          </p:cNvPicPr>
+          <p:nvPr/>
+        </p:nvPicPr>
+        <p:blipFill>
+          <a:blip r:embed="rId3">
+            <a:extLst>
+              <a:ext uri="{28A0092B-C50C-407E-A947-70E740481C1C}">
+                <a14:useLocalDpi xmlns:a14="http://schemas.microsoft.com/office/drawing/2010/main" val="0"/>
+              </a:ext>
+            </a:extLst>
+          </a:blip>
+          <a:stretch>
+            <a:fillRect/>
+          </a:stretch>
+        </p:blipFill>
+        <p:spPr>
+          <a:xfrm>
+            <a:off x="6204156" y="1111046"/>
+            <a:ext cx="5358580" cy="5083953"/>
+          </a:xfrm>
+          <a:prstGeom prst="rect">
+            <a:avLst/>
+          </a:prstGeom>
+          <a:ln w="9525">
+            <a:solidFill>
+              <a:schemeClr val="tx1"/>
+            </a:solidFill>
+            <a:prstDash val="dash"/>
+          </a:ln>
+        </p:spPr>
+      </p:pic>
+    </p:spTree>
+    <p:extLst>
+      <p:ext uri="{BB962C8B-B14F-4D97-AF65-F5344CB8AC3E}">
+        <p14:creationId xmlns:p14="http://schemas.microsoft.com/office/powerpoint/2010/main" val="3485891767"/>
       </p:ext>
     </p:extLst>
   </p:cSld>

--- a/doc/designDoc.pptx
+++ b/doc/designDoc.pptx
@@ -5,7 +5,7 @@
     <p:sldMasterId id="2147483648" r:id="rId1"/>
   </p:sldMasterIdLst>
   <p:notesMasterIdLst>
-    <p:notesMasterId r:id="rId20"/>
+    <p:notesMasterId r:id="rId21"/>
   </p:notesMasterIdLst>
   <p:sldIdLst>
     <p:sldId id="262" r:id="rId2"/>
@@ -23,9 +23,10 @@
     <p:sldId id="260" r:id="rId14"/>
     <p:sldId id="304" r:id="rId15"/>
     <p:sldId id="295" r:id="rId16"/>
-    <p:sldId id="302" r:id="rId17"/>
-    <p:sldId id="303" r:id="rId18"/>
-    <p:sldId id="305" r:id="rId19"/>
+    <p:sldId id="306" r:id="rId17"/>
+    <p:sldId id="302" r:id="rId18"/>
+    <p:sldId id="303" r:id="rId19"/>
+    <p:sldId id="305" r:id="rId20"/>
   </p:sldIdLst>
   <p:sldSz cx="12192000" cy="6858000"/>
   <p:notesSz cx="6858000" cy="9144000"/>
@@ -214,7 +215,7 @@
           <a:p>
             <a:fld id="{2BA6DB02-48BF-406A-9449-0BBAAE1D3FCC}" type="datetimeFigureOut">
               <a:rPr lang="en-SG" smtClean="0"/>
-              <a:t>14/3/2024</a:t>
+              <a:t>15/5/2024</a:t>
             </a:fld>
             <a:endParaRPr lang="en-SG" dirty="0"/>
           </a:p>
@@ -799,7 +800,7 @@
           <a:p>
             <a:fld id="{568D23B1-6EF9-4DFF-A006-F22E70A73051}" type="datetimeFigureOut">
               <a:rPr lang="en-SG" smtClean="0"/>
-              <a:t>14/3/2024</a:t>
+              <a:t>15/5/2024</a:t>
             </a:fld>
             <a:endParaRPr lang="en-SG" dirty="0"/>
           </a:p>
@@ -999,7 +1000,7 @@
           <a:p>
             <a:fld id="{568D23B1-6EF9-4DFF-A006-F22E70A73051}" type="datetimeFigureOut">
               <a:rPr lang="en-SG" smtClean="0"/>
-              <a:t>14/3/2024</a:t>
+              <a:t>15/5/2024</a:t>
             </a:fld>
             <a:endParaRPr lang="en-SG" dirty="0"/>
           </a:p>
@@ -1209,7 +1210,7 @@
           <a:p>
             <a:fld id="{568D23B1-6EF9-4DFF-A006-F22E70A73051}" type="datetimeFigureOut">
               <a:rPr lang="en-SG" smtClean="0"/>
-              <a:t>14/3/2024</a:t>
+              <a:t>15/5/2024</a:t>
             </a:fld>
             <a:endParaRPr lang="en-SG" dirty="0"/>
           </a:p>
@@ -1409,7 +1410,7 @@
           <a:p>
             <a:fld id="{568D23B1-6EF9-4DFF-A006-F22E70A73051}" type="datetimeFigureOut">
               <a:rPr lang="en-SG" smtClean="0"/>
-              <a:t>14/3/2024</a:t>
+              <a:t>15/5/2024</a:t>
             </a:fld>
             <a:endParaRPr lang="en-SG" dirty="0"/>
           </a:p>
@@ -1685,7 +1686,7 @@
           <a:p>
             <a:fld id="{568D23B1-6EF9-4DFF-A006-F22E70A73051}" type="datetimeFigureOut">
               <a:rPr lang="en-SG" smtClean="0"/>
-              <a:t>14/3/2024</a:t>
+              <a:t>15/5/2024</a:t>
             </a:fld>
             <a:endParaRPr lang="en-SG" dirty="0"/>
           </a:p>
@@ -1953,7 +1954,7 @@
           <a:p>
             <a:fld id="{568D23B1-6EF9-4DFF-A006-F22E70A73051}" type="datetimeFigureOut">
               <a:rPr lang="en-SG" smtClean="0"/>
-              <a:t>14/3/2024</a:t>
+              <a:t>15/5/2024</a:t>
             </a:fld>
             <a:endParaRPr lang="en-SG" dirty="0"/>
           </a:p>
@@ -2368,7 +2369,7 @@
           <a:p>
             <a:fld id="{568D23B1-6EF9-4DFF-A006-F22E70A73051}" type="datetimeFigureOut">
               <a:rPr lang="en-SG" smtClean="0"/>
-              <a:t>14/3/2024</a:t>
+              <a:t>15/5/2024</a:t>
             </a:fld>
             <a:endParaRPr lang="en-SG" dirty="0"/>
           </a:p>
@@ -2510,7 +2511,7 @@
           <a:p>
             <a:fld id="{568D23B1-6EF9-4DFF-A006-F22E70A73051}" type="datetimeFigureOut">
               <a:rPr lang="en-SG" smtClean="0"/>
-              <a:t>14/3/2024</a:t>
+              <a:t>15/5/2024</a:t>
             </a:fld>
             <a:endParaRPr lang="en-SG" dirty="0"/>
           </a:p>
@@ -2623,7 +2624,7 @@
           <a:p>
             <a:fld id="{568D23B1-6EF9-4DFF-A006-F22E70A73051}" type="datetimeFigureOut">
               <a:rPr lang="en-SG" smtClean="0"/>
-              <a:t>14/3/2024</a:t>
+              <a:t>15/5/2024</a:t>
             </a:fld>
             <a:endParaRPr lang="en-SG" dirty="0"/>
           </a:p>
@@ -2936,7 +2937,7 @@
           <a:p>
             <a:fld id="{568D23B1-6EF9-4DFF-A006-F22E70A73051}" type="datetimeFigureOut">
               <a:rPr lang="en-SG" smtClean="0"/>
-              <a:t>14/3/2024</a:t>
+              <a:t>15/5/2024</a:t>
             </a:fld>
             <a:endParaRPr lang="en-SG" dirty="0"/>
           </a:p>
@@ -3225,7 +3226,7 @@
           <a:p>
             <a:fld id="{568D23B1-6EF9-4DFF-A006-F22E70A73051}" type="datetimeFigureOut">
               <a:rPr lang="en-SG" smtClean="0"/>
-              <a:t>14/3/2024</a:t>
+              <a:t>15/5/2024</a:t>
             </a:fld>
             <a:endParaRPr lang="en-SG" dirty="0"/>
           </a:p>
@@ -3468,7 +3469,7 @@
           <a:p>
             <a:fld id="{568D23B1-6EF9-4DFF-A006-F22E70A73051}" type="datetimeFigureOut">
               <a:rPr lang="en-SG" smtClean="0"/>
-              <a:t>14/3/2024</a:t>
+              <a:t>15/5/2024</a:t>
             </a:fld>
             <a:endParaRPr lang="en-SG" dirty="0"/>
           </a:p>
@@ -21017,489 +21018,40 @@
           <a:chExt cx="0" cy="0"/>
         </a:xfrm>
       </p:grpSpPr>
-      <p:pic>
-        <p:nvPicPr>
-          <p:cNvPr id="5" name="Picture 4">
-            <a:extLst>
-              <a:ext uri="{FF2B5EF4-FFF2-40B4-BE49-F238E27FC236}">
-                <a16:creationId xmlns:a16="http://schemas.microsoft.com/office/drawing/2014/main" id="{04F4D0BF-39B3-B798-ED1D-6A31064C07E8}"/>
-              </a:ext>
-            </a:extLst>
-          </p:cNvPr>
-          <p:cNvPicPr>
-            <a:picLocks noChangeAspect="1"/>
-          </p:cNvPicPr>
-          <p:nvPr/>
-        </p:nvPicPr>
-        <p:blipFill>
-          <a:blip r:embed="rId2"/>
-          <a:stretch>
-            <a:fillRect/>
-          </a:stretch>
-        </p:blipFill>
-        <p:spPr>
-          <a:xfrm>
-            <a:off x="3610268" y="2345385"/>
-            <a:ext cx="355832" cy="427982"/>
-          </a:xfrm>
-          <a:prstGeom prst="rect">
-            <a:avLst/>
-          </a:prstGeom>
-        </p:spPr>
-      </p:pic>
       <p:sp>
         <p:nvSpPr>
-          <p:cNvPr id="7" name="TextBox 6">
-            <a:extLst>
-              <a:ext uri="{FF2B5EF4-FFF2-40B4-BE49-F238E27FC236}">
-                <a16:creationId xmlns:a16="http://schemas.microsoft.com/office/drawing/2014/main" id="{31CEDEF5-2CAB-C993-6EC5-0C8CDC2F087D}"/>
-              </a:ext>
-            </a:extLst>
-          </p:cNvPr>
-          <p:cNvSpPr txBox="1"/>
+          <p:cNvPr id="4" name="Rectangle 3">
+            <a:extLst>
+              <a:ext uri="{FF2B5EF4-FFF2-40B4-BE49-F238E27FC236}">
+                <a16:creationId xmlns:a16="http://schemas.microsoft.com/office/drawing/2014/main" id="{D9AEC5BD-FFF7-1C91-B37B-D91FE9A17920}"/>
+              </a:ext>
+            </a:extLst>
+          </p:cNvPr>
+          <p:cNvSpPr/>
           <p:nvPr/>
         </p:nvSpPr>
         <p:spPr>
           <a:xfrm>
-            <a:off x="2291072" y="1825973"/>
-            <a:ext cx="2638392" cy="276999"/>
+            <a:off x="910299" y="1894595"/>
+            <a:ext cx="2604425" cy="2477379"/>
           </a:xfrm>
           <a:prstGeom prst="rect">
             <a:avLst/>
           </a:prstGeom>
           <a:noFill/>
-        </p:spPr>
-        <p:txBody>
-          <a:bodyPr wrap="square" rtlCol="0">
-            <a:spAutoFit/>
-          </a:bodyPr>
-          <a:lstStyle/>
-          <a:p>
-            <a:r>
-              <a:rPr lang="en-SG" sz="1200" b="1" dirty="0">
-                <a:effectLst/>
-                <a:ea typeface="Times New Roman" panose="02020603050405020304" pitchFamily="18" charset="0"/>
-              </a:rPr>
-              <a:t>User Action Agents [UAR</a:t>
-            </a:r>
-            <a:r>
-              <a:rPr lang="en-SG" sz="1200" b="1" dirty="0">
-                <a:ea typeface="Times New Roman" panose="02020603050405020304" pitchFamily="18" charset="0"/>
-              </a:rPr>
-              <a:t>]</a:t>
-            </a:r>
-            <a:r>
-              <a:rPr lang="en-SG" sz="1200" b="1" dirty="0">
-                <a:effectLst/>
-                <a:ea typeface="Times New Roman" panose="02020603050405020304" pitchFamily="18" charset="0"/>
-              </a:rPr>
-              <a:t> Repository </a:t>
-            </a:r>
-            <a:r>
-              <a:rPr lang="en-SG" sz="1200" b="1" u="sng" dirty="0">
-                <a:effectLst/>
-                <a:ea typeface="Times New Roman" panose="02020603050405020304" pitchFamily="18" charset="0"/>
-              </a:rPr>
-              <a:t> </a:t>
-            </a:r>
-            <a:endParaRPr lang="en-SG" sz="1200" dirty="0"/>
-          </a:p>
-        </p:txBody>
-      </p:sp>
-      <p:sp>
-        <p:nvSpPr>
-          <p:cNvPr id="8" name="TextBox 7">
-            <a:extLst>
-              <a:ext uri="{FF2B5EF4-FFF2-40B4-BE49-F238E27FC236}">
-                <a16:creationId xmlns:a16="http://schemas.microsoft.com/office/drawing/2014/main" id="{9F9E6393-1A43-DFA2-B110-974E61F17BBC}"/>
-              </a:ext>
-            </a:extLst>
-          </p:cNvPr>
-          <p:cNvSpPr txBox="1"/>
-          <p:nvPr/>
-        </p:nvSpPr>
-        <p:spPr>
-          <a:xfrm>
-            <a:off x="2555897" y="2763958"/>
-            <a:ext cx="896285" cy="246221"/>
-          </a:xfrm>
-          <a:prstGeom prst="rect">
-            <a:avLst/>
-          </a:prstGeom>
-          <a:noFill/>
-        </p:spPr>
-        <p:txBody>
-          <a:bodyPr wrap="square" rtlCol="0">
-            <a:spAutoFit/>
-          </a:bodyPr>
-          <a:lstStyle/>
-          <a:p>
-            <a:r>
-              <a:rPr lang="en-SG" sz="1000" dirty="0"/>
-              <a:t>UAR_[Web]</a:t>
-            </a:r>
-          </a:p>
-        </p:txBody>
-      </p:sp>
-      <p:sp>
-        <p:nvSpPr>
-          <p:cNvPr id="9" name="TextBox 8">
-            <a:extLst>
-              <a:ext uri="{FF2B5EF4-FFF2-40B4-BE49-F238E27FC236}">
-                <a16:creationId xmlns:a16="http://schemas.microsoft.com/office/drawing/2014/main" id="{08B77C9A-152A-D2CF-6431-57E09AC00FFB}"/>
-              </a:ext>
-            </a:extLst>
-          </p:cNvPr>
-          <p:cNvSpPr txBox="1"/>
-          <p:nvPr/>
-        </p:nvSpPr>
-        <p:spPr>
-          <a:xfrm>
-            <a:off x="3452182" y="2763656"/>
-            <a:ext cx="896285" cy="246221"/>
-          </a:xfrm>
-          <a:prstGeom prst="rect">
-            <a:avLst/>
-          </a:prstGeom>
-          <a:noFill/>
-        </p:spPr>
-        <p:txBody>
-          <a:bodyPr wrap="square" rtlCol="0">
-            <a:spAutoFit/>
-          </a:bodyPr>
-          <a:lstStyle/>
-          <a:p>
-            <a:r>
-              <a:rPr lang="en-SG" sz="1000" dirty="0"/>
-              <a:t>UAR_[HW]</a:t>
-            </a:r>
-          </a:p>
-        </p:txBody>
-      </p:sp>
-      <p:pic>
-        <p:nvPicPr>
-          <p:cNvPr id="10" name="Picture 9">
-            <a:extLst>
-              <a:ext uri="{FF2B5EF4-FFF2-40B4-BE49-F238E27FC236}">
-                <a16:creationId xmlns:a16="http://schemas.microsoft.com/office/drawing/2014/main" id="{5AC5431D-6ECD-2703-272B-F50C89818475}"/>
-              </a:ext>
-            </a:extLst>
-          </p:cNvPr>
-          <p:cNvPicPr>
-            <a:picLocks noChangeAspect="1"/>
-          </p:cNvPicPr>
-          <p:nvPr/>
-        </p:nvPicPr>
-        <p:blipFill>
-          <a:blip r:embed="rId2"/>
-          <a:stretch>
-            <a:fillRect/>
-          </a:stretch>
-        </p:blipFill>
-        <p:spPr>
-          <a:xfrm>
-            <a:off x="4417336" y="2345385"/>
-            <a:ext cx="355832" cy="427982"/>
-          </a:xfrm>
-          <a:prstGeom prst="rect">
-            <a:avLst/>
-          </a:prstGeom>
-        </p:spPr>
-      </p:pic>
-      <p:sp>
-        <p:nvSpPr>
-          <p:cNvPr id="11" name="TextBox 10">
-            <a:extLst>
-              <a:ext uri="{FF2B5EF4-FFF2-40B4-BE49-F238E27FC236}">
-                <a16:creationId xmlns:a16="http://schemas.microsoft.com/office/drawing/2014/main" id="{02D5F13F-492A-2B05-3CD3-5C074D9B67D3}"/>
-              </a:ext>
-            </a:extLst>
-          </p:cNvPr>
-          <p:cNvSpPr txBox="1"/>
-          <p:nvPr/>
-        </p:nvSpPr>
-        <p:spPr>
-          <a:xfrm>
-            <a:off x="4273255" y="2763354"/>
-            <a:ext cx="896285" cy="246221"/>
-          </a:xfrm>
-          <a:prstGeom prst="rect">
-            <a:avLst/>
-          </a:prstGeom>
-          <a:noFill/>
-        </p:spPr>
-        <p:txBody>
-          <a:bodyPr wrap="square" rtlCol="0">
-            <a:spAutoFit/>
-          </a:bodyPr>
-          <a:lstStyle/>
-          <a:p>
-            <a:r>
-              <a:rPr lang="en-SG" sz="1000" dirty="0"/>
-              <a:t>UAR_[App]</a:t>
-            </a:r>
-          </a:p>
-        </p:txBody>
-      </p:sp>
-      <p:sp>
-        <p:nvSpPr>
-          <p:cNvPr id="12" name="TextBox 11">
-            <a:extLst>
-              <a:ext uri="{FF2B5EF4-FFF2-40B4-BE49-F238E27FC236}">
-                <a16:creationId xmlns:a16="http://schemas.microsoft.com/office/drawing/2014/main" id="{AD662BE1-8C57-860E-1A1B-D3B71F2F4225}"/>
-              </a:ext>
-            </a:extLst>
-          </p:cNvPr>
-          <p:cNvSpPr txBox="1"/>
-          <p:nvPr/>
-        </p:nvSpPr>
-        <p:spPr>
-          <a:xfrm>
-            <a:off x="3170008" y="2494328"/>
-            <a:ext cx="347472" cy="369332"/>
-          </a:xfrm>
-          <a:prstGeom prst="rect">
-            <a:avLst/>
-          </a:prstGeom>
-          <a:noFill/>
-        </p:spPr>
-        <p:txBody>
-          <a:bodyPr wrap="square" rtlCol="0">
-            <a:spAutoFit/>
-          </a:bodyPr>
-          <a:lstStyle/>
-          <a:p>
-            <a:r>
-              <a:rPr lang="en-SG" dirty="0"/>
-              <a:t>…</a:t>
-            </a:r>
-          </a:p>
-        </p:txBody>
-      </p:sp>
-      <p:pic>
-        <p:nvPicPr>
-          <p:cNvPr id="13" name="Picture 12">
-            <a:extLst>
-              <a:ext uri="{FF2B5EF4-FFF2-40B4-BE49-F238E27FC236}">
-                <a16:creationId xmlns:a16="http://schemas.microsoft.com/office/drawing/2014/main" id="{CC77102F-8DC1-9BBB-31DE-3EE9B4B80E2E}"/>
-              </a:ext>
-            </a:extLst>
-          </p:cNvPr>
-          <p:cNvPicPr>
-            <a:picLocks noChangeAspect="1"/>
-          </p:cNvPicPr>
-          <p:nvPr/>
-        </p:nvPicPr>
-        <p:blipFill>
-          <a:blip r:embed="rId2"/>
-          <a:stretch>
-            <a:fillRect/>
-          </a:stretch>
-        </p:blipFill>
-        <p:spPr>
-          <a:xfrm>
-            <a:off x="2823235" y="2280337"/>
-            <a:ext cx="355832" cy="427982"/>
-          </a:xfrm>
-          <a:prstGeom prst="rect">
-            <a:avLst/>
-          </a:prstGeom>
-        </p:spPr>
-      </p:pic>
-      <p:pic>
-        <p:nvPicPr>
-          <p:cNvPr id="6" name="Picture 5">
-            <a:extLst>
-              <a:ext uri="{FF2B5EF4-FFF2-40B4-BE49-F238E27FC236}">
-                <a16:creationId xmlns:a16="http://schemas.microsoft.com/office/drawing/2014/main" id="{3DF9721C-5A0D-BD8F-BA65-3195D6B8A603}"/>
-              </a:ext>
-            </a:extLst>
-          </p:cNvPr>
-          <p:cNvPicPr>
-            <a:picLocks noChangeAspect="1"/>
-          </p:cNvPicPr>
-          <p:nvPr/>
-        </p:nvPicPr>
-        <p:blipFill>
-          <a:blip r:embed="rId2"/>
-          <a:stretch>
-            <a:fillRect/>
-          </a:stretch>
-        </p:blipFill>
-        <p:spPr>
-          <a:xfrm>
-            <a:off x="2710412" y="2327843"/>
-            <a:ext cx="355832" cy="427982"/>
-          </a:xfrm>
-          <a:prstGeom prst="rect">
-            <a:avLst/>
-          </a:prstGeom>
-        </p:spPr>
-      </p:pic>
-      <p:sp>
-        <p:nvSpPr>
-          <p:cNvPr id="14" name="TextBox 13">
-            <a:extLst>
-              <a:ext uri="{FF2B5EF4-FFF2-40B4-BE49-F238E27FC236}">
-                <a16:creationId xmlns:a16="http://schemas.microsoft.com/office/drawing/2014/main" id="{CFE70FE2-9D5B-4796-06C1-76C508A0051C}"/>
-              </a:ext>
-            </a:extLst>
-          </p:cNvPr>
-          <p:cNvSpPr txBox="1"/>
-          <p:nvPr/>
-        </p:nvSpPr>
-        <p:spPr>
-          <a:xfrm>
-            <a:off x="4020312" y="2503274"/>
-            <a:ext cx="347472" cy="369332"/>
-          </a:xfrm>
-          <a:prstGeom prst="rect">
-            <a:avLst/>
-          </a:prstGeom>
-          <a:noFill/>
-        </p:spPr>
-        <p:txBody>
-          <a:bodyPr wrap="square" rtlCol="0">
-            <a:spAutoFit/>
-          </a:bodyPr>
-          <a:lstStyle/>
-          <a:p>
-            <a:r>
-              <a:rPr lang="en-SG" dirty="0"/>
-              <a:t>…</a:t>
-            </a:r>
-          </a:p>
-        </p:txBody>
-      </p:sp>
-      <p:pic>
-        <p:nvPicPr>
-          <p:cNvPr id="15" name="Picture 14">
-            <a:extLst>
-              <a:ext uri="{FF2B5EF4-FFF2-40B4-BE49-F238E27FC236}">
-                <a16:creationId xmlns:a16="http://schemas.microsoft.com/office/drawing/2014/main" id="{31903FAE-4C93-BE80-BE5F-CCCA24A302EB}"/>
-              </a:ext>
-            </a:extLst>
-          </p:cNvPr>
-          <p:cNvPicPr>
-            <a:picLocks noChangeAspect="1"/>
-          </p:cNvPicPr>
-          <p:nvPr/>
-        </p:nvPicPr>
-        <p:blipFill>
-          <a:blip r:embed="rId3"/>
-          <a:stretch>
-            <a:fillRect/>
-          </a:stretch>
-        </p:blipFill>
-        <p:spPr>
-          <a:xfrm>
-            <a:off x="3054269" y="2219989"/>
-            <a:ext cx="176680" cy="175361"/>
-          </a:xfrm>
-          <a:prstGeom prst="rect">
-            <a:avLst/>
-          </a:prstGeom>
-        </p:spPr>
-      </p:pic>
-      <p:pic>
-        <p:nvPicPr>
-          <p:cNvPr id="16" name="Picture 15">
-            <a:extLst>
-              <a:ext uri="{FF2B5EF4-FFF2-40B4-BE49-F238E27FC236}">
-                <a16:creationId xmlns:a16="http://schemas.microsoft.com/office/drawing/2014/main" id="{CFB0B42E-0474-0A00-DED9-C376516F462E}"/>
-              </a:ext>
-            </a:extLst>
-          </p:cNvPr>
-          <p:cNvPicPr>
-            <a:picLocks noChangeAspect="1"/>
-          </p:cNvPicPr>
-          <p:nvPr/>
-        </p:nvPicPr>
-        <p:blipFill>
-          <a:blip r:embed="rId4"/>
-          <a:stretch>
-            <a:fillRect/>
-          </a:stretch>
-        </p:blipFill>
-        <p:spPr>
-          <a:xfrm>
-            <a:off x="3844234" y="2255533"/>
-            <a:ext cx="202752" cy="199446"/>
-          </a:xfrm>
-          <a:prstGeom prst="rect">
-            <a:avLst/>
-          </a:prstGeom>
-          <a:ln w="6350">
+          <a:ln w="12700">
             <a:solidFill>
-              <a:schemeClr val="tx1"/>
+              <a:schemeClr val="accent6">
+                <a:lumMod val="75000"/>
+              </a:schemeClr>
             </a:solidFill>
+            <a:prstDash val="sysDash"/>
           </a:ln>
-        </p:spPr>
-      </p:pic>
-      <p:pic>
-        <p:nvPicPr>
-          <p:cNvPr id="17" name="Picture 16">
-            <a:extLst>
-              <a:ext uri="{FF2B5EF4-FFF2-40B4-BE49-F238E27FC236}">
-                <a16:creationId xmlns:a16="http://schemas.microsoft.com/office/drawing/2014/main" id="{ED2FF56A-2562-0469-6275-E7A5C4269DAA}"/>
-              </a:ext>
-            </a:extLst>
-          </p:cNvPr>
-          <p:cNvPicPr>
-            <a:picLocks noChangeAspect="1"/>
-          </p:cNvPicPr>
-          <p:nvPr/>
-        </p:nvPicPr>
-        <p:blipFill>
-          <a:blip r:embed="rId5"/>
-          <a:stretch>
-            <a:fillRect/>
-          </a:stretch>
-        </p:blipFill>
-        <p:spPr>
-          <a:xfrm>
-            <a:off x="4660271" y="2285946"/>
-            <a:ext cx="162449" cy="171619"/>
-          </a:xfrm>
-          <a:prstGeom prst="rect">
-            <a:avLst/>
-          </a:prstGeom>
-          <a:ln w="9525">
-            <a:solidFill>
-              <a:schemeClr val="tx1"/>
-            </a:solidFill>
-          </a:ln>
-        </p:spPr>
-      </p:pic>
-      <p:sp>
-        <p:nvSpPr>
-          <p:cNvPr id="18" name="Arrow: Left-Right 17">
-            <a:extLst>
-              <a:ext uri="{FF2B5EF4-FFF2-40B4-BE49-F238E27FC236}">
-                <a16:creationId xmlns:a16="http://schemas.microsoft.com/office/drawing/2014/main" id="{6136EF72-86D5-57AD-956B-4A92DA78D366}"/>
-              </a:ext>
-            </a:extLst>
-          </p:cNvPr>
-          <p:cNvSpPr/>
-          <p:nvPr/>
-        </p:nvSpPr>
-        <p:spPr>
-          <a:xfrm rot="5400000">
-            <a:off x="3583395" y="3410317"/>
-            <a:ext cx="520021" cy="121368"/>
-          </a:xfrm>
-          <a:prstGeom prst="leftRightArrow">
-            <a:avLst/>
-          </a:prstGeom>
-          <a:solidFill>
-            <a:schemeClr val="bg1"/>
-          </a:solidFill>
-          <a:ln w="19050"/>
         </p:spPr>
         <p:style>
           <a:lnRef idx="2">
             <a:schemeClr val="accent1">
-              <a:shade val="50000"/>
+              <a:shade val="15000"/>
             </a:schemeClr>
           </a:lnRef>
           <a:fillRef idx="1">
@@ -21517,55 +21069,16 @@
           <a:lstStyle/>
           <a:p>
             <a:pPr algn="ctr"/>
-            <a:endParaRPr lang="en-SG" dirty="0">
-              <a:solidFill>
-                <a:schemeClr val="bg1"/>
-              </a:solidFill>
-            </a:endParaRPr>
+            <a:endParaRPr lang="en-SG" dirty="0"/>
           </a:p>
         </p:txBody>
       </p:sp>
-      <p:pic>
-        <p:nvPicPr>
-          <p:cNvPr id="19" name="Picture 18">
-            <a:extLst>
-              <a:ext uri="{FF2B5EF4-FFF2-40B4-BE49-F238E27FC236}">
-                <a16:creationId xmlns:a16="http://schemas.microsoft.com/office/drawing/2014/main" id="{43DF75AF-53E9-8D1A-1078-3DD9BAACFA44}"/>
-              </a:ext>
-            </a:extLst>
-          </p:cNvPr>
-          <p:cNvPicPr>
-            <a:picLocks noChangeAspect="1"/>
-          </p:cNvPicPr>
-          <p:nvPr/>
-        </p:nvPicPr>
-        <p:blipFill>
-          <a:blip r:embed="rId6"/>
-          <a:stretch>
-            <a:fillRect/>
-          </a:stretch>
-        </p:blipFill>
-        <p:spPr>
-          <a:xfrm>
-            <a:off x="1492604" y="3898023"/>
-            <a:ext cx="411108" cy="424159"/>
-          </a:xfrm>
-          <a:prstGeom prst="rect">
-            <a:avLst/>
-          </a:prstGeom>
-          <a:ln w="3175">
-            <a:solidFill>
-              <a:schemeClr val="tx1"/>
-            </a:solidFill>
-          </a:ln>
-        </p:spPr>
-      </p:pic>
       <p:sp>
         <p:nvSpPr>
-          <p:cNvPr id="20" name="TextBox 19">
-            <a:extLst>
-              <a:ext uri="{FF2B5EF4-FFF2-40B4-BE49-F238E27FC236}">
-                <a16:creationId xmlns:a16="http://schemas.microsoft.com/office/drawing/2014/main" id="{5F5C525F-1342-C9DE-33E7-54A8C92CCD7B}"/>
+          <p:cNvPr id="5" name="TextBox 4">
+            <a:extLst>
+              <a:ext uri="{FF2B5EF4-FFF2-40B4-BE49-F238E27FC236}">
+                <a16:creationId xmlns:a16="http://schemas.microsoft.com/office/drawing/2014/main" id="{44CC3B59-C9BC-2E32-CAD3-74EBB5ACF9AB}"/>
               </a:ext>
             </a:extLst>
           </p:cNvPr>
@@ -21574,8 +21087,8 @@
         </p:nvSpPr>
         <p:spPr>
           <a:xfrm>
-            <a:off x="1220044" y="3621034"/>
-            <a:ext cx="956227" cy="276999"/>
+            <a:off x="836550" y="1534972"/>
+            <a:ext cx="2752774" cy="307777"/>
           </a:xfrm>
           <a:prstGeom prst="rect">
             <a:avLst/>
@@ -21589,880 +21102,31 @@
           <a:lstStyle/>
           <a:p>
             <a:r>
-              <a:rPr lang="en-US" sz="1200" b="1" dirty="0"/>
-              <a:t>User profile  </a:t>
-            </a:r>
-            <a:endParaRPr lang="en-SG" sz="1200" dirty="0"/>
-          </a:p>
-        </p:txBody>
-      </p:sp>
-      <p:cxnSp>
-        <p:nvCxnSpPr>
-          <p:cNvPr id="21" name="Straight Arrow Connector 20">
-            <a:extLst>
-              <a:ext uri="{FF2B5EF4-FFF2-40B4-BE49-F238E27FC236}">
-                <a16:creationId xmlns:a16="http://schemas.microsoft.com/office/drawing/2014/main" id="{73EBCA76-A48F-F890-2FC5-49BF0ADEC537}"/>
-              </a:ext>
-            </a:extLst>
-          </p:cNvPr>
-          <p:cNvCxnSpPr>
-            <a:cxnSpLocks/>
-          </p:cNvCxnSpPr>
-          <p:nvPr/>
-        </p:nvCxnSpPr>
-        <p:spPr>
-          <a:xfrm>
-            <a:off x="1998246" y="4110101"/>
-            <a:ext cx="1002905" cy="0"/>
-          </a:xfrm>
-          <a:prstGeom prst="straightConnector1">
-            <a:avLst/>
-          </a:prstGeom>
-          <a:ln w="19050">
-            <a:tailEnd type="triangle"/>
-          </a:ln>
-        </p:spPr>
-        <p:style>
-          <a:lnRef idx="1">
-            <a:schemeClr val="accent1"/>
-          </a:lnRef>
-          <a:fillRef idx="0">
-            <a:schemeClr val="accent1"/>
-          </a:fillRef>
-          <a:effectRef idx="0">
-            <a:schemeClr val="accent1"/>
-          </a:effectRef>
-          <a:fontRef idx="minor">
-            <a:schemeClr val="tx1"/>
-          </a:fontRef>
-        </p:style>
-      </p:cxnSp>
-      <p:sp>
-        <p:nvSpPr>
-          <p:cNvPr id="23" name="Rectangle: Rounded Corners 22">
-            <a:extLst>
-              <a:ext uri="{FF2B5EF4-FFF2-40B4-BE49-F238E27FC236}">
-                <a16:creationId xmlns:a16="http://schemas.microsoft.com/office/drawing/2014/main" id="{64F9C992-5B41-8D07-9793-289F939C8803}"/>
-              </a:ext>
-            </a:extLst>
-          </p:cNvPr>
-          <p:cNvSpPr/>
-          <p:nvPr/>
-        </p:nvSpPr>
-        <p:spPr>
-          <a:xfrm>
-            <a:off x="3054269" y="3791518"/>
-            <a:ext cx="1654976" cy="637167"/>
-          </a:xfrm>
-          <a:prstGeom prst="roundRect">
-            <a:avLst/>
-          </a:prstGeom>
-          <a:noFill/>
-          <a:ln w="19050" cap="flat" cmpd="sng" algn="ctr">
-            <a:solidFill>
-              <a:schemeClr val="accent1">
-                <a:lumMod val="75000"/>
-              </a:schemeClr>
-            </a:solidFill>
-            <a:prstDash val="solid"/>
-            <a:round/>
-            <a:headEnd type="none" w="med" len="med"/>
-            <a:tailEnd type="none" w="med" len="med"/>
-          </a:ln>
-        </p:spPr>
-        <p:style>
-          <a:lnRef idx="0">
-            <a:scrgbClr r="0" g="0" b="0"/>
-          </a:lnRef>
-          <a:fillRef idx="0">
-            <a:scrgbClr r="0" g="0" b="0"/>
-          </a:fillRef>
-          <a:effectRef idx="0">
-            <a:scrgbClr r="0" g="0" b="0"/>
-          </a:effectRef>
-          <a:fontRef idx="minor">
-            <a:schemeClr val="accent2"/>
-          </a:fontRef>
-        </p:style>
-        <p:txBody>
-          <a:bodyPr rtlCol="0" anchor="ctr"/>
-          <a:lstStyle/>
-          <a:p>
-            <a:pPr algn="ctr"/>
-            <a:r>
-              <a:rPr lang="en-SG" sz="1200" b="1" dirty="0">
+              <a:rPr lang="en-US" sz="1400" b="1" dirty="0">
                 <a:solidFill>
-                  <a:schemeClr val="tx1"/>
+                  <a:schemeClr val="accent6">
+                    <a:lumMod val="75000"/>
+                  </a:schemeClr>
                 </a:solidFill>
               </a:rPr>
-              <a:t>User Profile Emulator [UPE] </a:t>
-            </a:r>
-          </a:p>
-        </p:txBody>
-      </p:sp>
-      <p:sp>
-        <p:nvSpPr>
-          <p:cNvPr id="29" name="Arrow: Right 28">
-            <a:extLst>
-              <a:ext uri="{FF2B5EF4-FFF2-40B4-BE49-F238E27FC236}">
-                <a16:creationId xmlns:a16="http://schemas.microsoft.com/office/drawing/2014/main" id="{167339C1-602C-91B8-3CD4-86E66BAC2839}"/>
-              </a:ext>
-            </a:extLst>
-          </p:cNvPr>
-          <p:cNvSpPr/>
-          <p:nvPr/>
-        </p:nvSpPr>
-        <p:spPr>
-          <a:xfrm>
-            <a:off x="4801659" y="4014845"/>
-            <a:ext cx="691367" cy="120133"/>
-          </a:xfrm>
-          <a:prstGeom prst="rightArrow">
-            <a:avLst/>
-          </a:prstGeom>
-          <a:solidFill>
-            <a:schemeClr val="bg1"/>
-          </a:solidFill>
-          <a:ln w="19050"/>
-        </p:spPr>
-        <p:style>
-          <a:lnRef idx="2">
-            <a:schemeClr val="accent1">
-              <a:shade val="50000"/>
-            </a:schemeClr>
-          </a:lnRef>
-          <a:fillRef idx="1">
-            <a:schemeClr val="accent1"/>
-          </a:fillRef>
-          <a:effectRef idx="0">
-            <a:schemeClr val="accent1"/>
-          </a:effectRef>
-          <a:fontRef idx="minor">
-            <a:schemeClr val="lt1"/>
-          </a:fontRef>
-        </p:style>
-        <p:txBody>
-          <a:bodyPr rtlCol="0" anchor="ctr"/>
-          <a:lstStyle/>
-          <a:p>
-            <a:pPr algn="ctr"/>
-            <a:endParaRPr lang="en-SG" dirty="0"/>
+              <a:t>Cluster Network Environment</a:t>
+            </a:r>
+            <a:endParaRPr lang="en-SG" sz="1400" b="1" dirty="0">
+              <a:solidFill>
+                <a:schemeClr val="accent6">
+                  <a:lumMod val="75000"/>
+                </a:schemeClr>
+              </a:solidFill>
+            </a:endParaRPr>
           </a:p>
         </p:txBody>
       </p:sp>
       <p:pic>
         <p:nvPicPr>
-          <p:cNvPr id="30" name="Picture 29">
-            <a:extLst>
-              <a:ext uri="{FF2B5EF4-FFF2-40B4-BE49-F238E27FC236}">
-                <a16:creationId xmlns:a16="http://schemas.microsoft.com/office/drawing/2014/main" id="{EBC8FC24-5B02-77B7-95E2-6BB2BEC0280A}"/>
-              </a:ext>
-            </a:extLst>
-          </p:cNvPr>
-          <p:cNvPicPr>
-            <a:picLocks noChangeAspect="1"/>
-          </p:cNvPicPr>
-          <p:nvPr/>
-        </p:nvPicPr>
-        <p:blipFill>
-          <a:blip r:embed="rId7"/>
-          <a:stretch>
-            <a:fillRect/>
-          </a:stretch>
-        </p:blipFill>
-        <p:spPr>
-          <a:xfrm>
-            <a:off x="5779574" y="3857873"/>
-            <a:ext cx="407652" cy="317063"/>
-          </a:xfrm>
-          <a:prstGeom prst="rect">
-            <a:avLst/>
-          </a:prstGeom>
-          <a:ln w="3175">
-            <a:solidFill>
-              <a:schemeClr val="tx1"/>
-            </a:solidFill>
-          </a:ln>
-        </p:spPr>
-      </p:pic>
-      <p:pic>
-        <p:nvPicPr>
-          <p:cNvPr id="31" name="Picture 30">
-            <a:extLst>
-              <a:ext uri="{FF2B5EF4-FFF2-40B4-BE49-F238E27FC236}">
-                <a16:creationId xmlns:a16="http://schemas.microsoft.com/office/drawing/2014/main" id="{2DE7B82E-7132-8EFA-F467-300276E246C5}"/>
-              </a:ext>
-            </a:extLst>
-          </p:cNvPr>
-          <p:cNvPicPr>
-            <a:picLocks noChangeAspect="1"/>
-          </p:cNvPicPr>
-          <p:nvPr/>
-        </p:nvPicPr>
-        <p:blipFill>
-          <a:blip r:embed="rId7"/>
-          <a:stretch>
-            <a:fillRect/>
-          </a:stretch>
-        </p:blipFill>
-        <p:spPr>
-          <a:xfrm>
-            <a:off x="6363529" y="3874057"/>
-            <a:ext cx="407652" cy="317063"/>
-          </a:xfrm>
-          <a:prstGeom prst="rect">
-            <a:avLst/>
-          </a:prstGeom>
-          <a:ln w="3175">
-            <a:solidFill>
-              <a:schemeClr val="tx1"/>
-            </a:solidFill>
-          </a:ln>
-        </p:spPr>
-      </p:pic>
-      <p:pic>
-        <p:nvPicPr>
-          <p:cNvPr id="32" name="Picture 31">
-            <a:extLst>
-              <a:ext uri="{FF2B5EF4-FFF2-40B4-BE49-F238E27FC236}">
-                <a16:creationId xmlns:a16="http://schemas.microsoft.com/office/drawing/2014/main" id="{97BEEEB7-387A-B905-069B-CA1F1B143D63}"/>
-              </a:ext>
-            </a:extLst>
-          </p:cNvPr>
-          <p:cNvPicPr>
-            <a:picLocks noChangeAspect="1"/>
-          </p:cNvPicPr>
-          <p:nvPr/>
-        </p:nvPicPr>
-        <p:blipFill>
-          <a:blip r:embed="rId7"/>
-          <a:stretch>
-            <a:fillRect/>
-          </a:stretch>
-        </p:blipFill>
-        <p:spPr>
-          <a:xfrm>
-            <a:off x="7014888" y="3778607"/>
-            <a:ext cx="407652" cy="317063"/>
-          </a:xfrm>
-          <a:prstGeom prst="rect">
-            <a:avLst/>
-          </a:prstGeom>
-          <a:ln w="3175">
-            <a:solidFill>
-              <a:schemeClr val="tx1"/>
-            </a:solidFill>
-          </a:ln>
-        </p:spPr>
-      </p:pic>
-      <p:pic>
-        <p:nvPicPr>
-          <p:cNvPr id="33" name="Picture 32">
-            <a:extLst>
-              <a:ext uri="{FF2B5EF4-FFF2-40B4-BE49-F238E27FC236}">
-                <a16:creationId xmlns:a16="http://schemas.microsoft.com/office/drawing/2014/main" id="{C78F167F-45BF-F55B-1A72-AE9668C145DC}"/>
-              </a:ext>
-            </a:extLst>
-          </p:cNvPr>
-          <p:cNvPicPr>
-            <a:picLocks noChangeAspect="1"/>
-          </p:cNvPicPr>
-          <p:nvPr/>
-        </p:nvPicPr>
-        <p:blipFill>
-          <a:blip r:embed="rId7"/>
-          <a:stretch>
-            <a:fillRect/>
-          </a:stretch>
-        </p:blipFill>
-        <p:spPr>
-          <a:xfrm>
-            <a:off x="6935126" y="3953456"/>
-            <a:ext cx="407652" cy="317063"/>
-          </a:xfrm>
-          <a:prstGeom prst="rect">
-            <a:avLst/>
-          </a:prstGeom>
-          <a:ln w="3175">
-            <a:solidFill>
-              <a:schemeClr val="tx1"/>
-            </a:solidFill>
-          </a:ln>
-        </p:spPr>
-      </p:pic>
-      <p:pic>
-        <p:nvPicPr>
-          <p:cNvPr id="34" name="Picture 33">
-            <a:extLst>
-              <a:ext uri="{FF2B5EF4-FFF2-40B4-BE49-F238E27FC236}">
-                <a16:creationId xmlns:a16="http://schemas.microsoft.com/office/drawing/2014/main" id="{664B94CC-6E35-311D-AF4D-369EA658F89D}"/>
-              </a:ext>
-            </a:extLst>
-          </p:cNvPr>
-          <p:cNvPicPr>
-            <a:picLocks noChangeAspect="1"/>
-          </p:cNvPicPr>
-          <p:nvPr/>
-        </p:nvPicPr>
-        <p:blipFill>
-          <a:blip r:embed="rId3"/>
-          <a:stretch>
-            <a:fillRect/>
-          </a:stretch>
-        </p:blipFill>
-        <p:spPr>
-          <a:xfrm>
-            <a:off x="6565410" y="3969496"/>
-            <a:ext cx="176680" cy="175361"/>
-          </a:xfrm>
-          <a:prstGeom prst="rect">
-            <a:avLst/>
-          </a:prstGeom>
-          <a:ln w="6350">
-            <a:solidFill>
-              <a:schemeClr val="tx1"/>
-            </a:solidFill>
-          </a:ln>
-        </p:spPr>
-      </p:pic>
-      <p:pic>
-        <p:nvPicPr>
-          <p:cNvPr id="35" name="Picture 34">
-            <a:extLst>
-              <a:ext uri="{FF2B5EF4-FFF2-40B4-BE49-F238E27FC236}">
-                <a16:creationId xmlns:a16="http://schemas.microsoft.com/office/drawing/2014/main" id="{07D65D5E-95C1-E69F-D35E-D927C8D20761}"/>
-              </a:ext>
-            </a:extLst>
-          </p:cNvPr>
-          <p:cNvPicPr>
-            <a:picLocks noChangeAspect="1"/>
-          </p:cNvPicPr>
-          <p:nvPr/>
-        </p:nvPicPr>
-        <p:blipFill>
-          <a:blip r:embed="rId4"/>
-          <a:stretch>
-            <a:fillRect/>
-          </a:stretch>
-        </p:blipFill>
-        <p:spPr>
-          <a:xfrm>
-            <a:off x="7140026" y="4029043"/>
-            <a:ext cx="202752" cy="199446"/>
-          </a:xfrm>
-          <a:prstGeom prst="rect">
-            <a:avLst/>
-          </a:prstGeom>
-          <a:ln w="6350">
-            <a:solidFill>
-              <a:schemeClr val="tx1"/>
-            </a:solidFill>
-          </a:ln>
-        </p:spPr>
-      </p:pic>
-      <p:sp>
-        <p:nvSpPr>
-          <p:cNvPr id="38" name="TextBox 37">
-            <a:extLst>
-              <a:ext uri="{FF2B5EF4-FFF2-40B4-BE49-F238E27FC236}">
-                <a16:creationId xmlns:a16="http://schemas.microsoft.com/office/drawing/2014/main" id="{872F52B7-AB8F-47B4-3D2C-91249D24784B}"/>
-              </a:ext>
-            </a:extLst>
-          </p:cNvPr>
-          <p:cNvSpPr txBox="1"/>
-          <p:nvPr/>
-        </p:nvSpPr>
-        <p:spPr>
-          <a:xfrm>
-            <a:off x="5579748" y="4208306"/>
-            <a:ext cx="1803521" cy="246221"/>
-          </a:xfrm>
-          <a:prstGeom prst="rect">
-            <a:avLst/>
-          </a:prstGeom>
-          <a:noFill/>
-        </p:spPr>
-        <p:txBody>
-          <a:bodyPr wrap="square" rtlCol="0">
-            <a:spAutoFit/>
-          </a:bodyPr>
-          <a:lstStyle/>
-          <a:p>
-            <a:r>
-              <a:rPr lang="en-SG" sz="1000" dirty="0"/>
-              <a:t>Automatic Actions Program</a:t>
-            </a:r>
-          </a:p>
-        </p:txBody>
-      </p:sp>
-      <p:cxnSp>
-        <p:nvCxnSpPr>
-          <p:cNvPr id="40" name="Straight Arrow Connector 39">
-            <a:extLst>
-              <a:ext uri="{FF2B5EF4-FFF2-40B4-BE49-F238E27FC236}">
-                <a16:creationId xmlns:a16="http://schemas.microsoft.com/office/drawing/2014/main" id="{4979912A-E255-C75F-CEF9-67C6E1999DEA}"/>
-              </a:ext>
-            </a:extLst>
-          </p:cNvPr>
-          <p:cNvCxnSpPr>
-            <a:cxnSpLocks/>
-          </p:cNvCxnSpPr>
-          <p:nvPr/>
-        </p:nvCxnSpPr>
-        <p:spPr>
-          <a:xfrm>
-            <a:off x="6187226" y="4043129"/>
-            <a:ext cx="186545" cy="0"/>
-          </a:xfrm>
-          <a:prstGeom prst="straightConnector1">
-            <a:avLst/>
-          </a:prstGeom>
-          <a:ln w="19050">
-            <a:tailEnd type="triangle"/>
-          </a:ln>
-        </p:spPr>
-        <p:style>
-          <a:lnRef idx="1">
-            <a:schemeClr val="dk1"/>
-          </a:lnRef>
-          <a:fillRef idx="0">
-            <a:schemeClr val="dk1"/>
-          </a:fillRef>
-          <a:effectRef idx="0">
-            <a:schemeClr val="dk1"/>
-          </a:effectRef>
-          <a:fontRef idx="minor">
-            <a:schemeClr val="tx1"/>
-          </a:fontRef>
-        </p:style>
-      </p:cxnSp>
-      <p:cxnSp>
-        <p:nvCxnSpPr>
-          <p:cNvPr id="43" name="Straight Arrow Connector 42">
-            <a:extLst>
-              <a:ext uri="{FF2B5EF4-FFF2-40B4-BE49-F238E27FC236}">
-                <a16:creationId xmlns:a16="http://schemas.microsoft.com/office/drawing/2014/main" id="{FF31F093-E2C1-E13A-5E65-7F08733FC59C}"/>
-              </a:ext>
-            </a:extLst>
-          </p:cNvPr>
-          <p:cNvCxnSpPr>
-            <a:cxnSpLocks/>
-            <a:endCxn id="32" idx="1"/>
-          </p:cNvCxnSpPr>
-          <p:nvPr/>
-        </p:nvCxnSpPr>
-        <p:spPr>
-          <a:xfrm>
-            <a:off x="6771181" y="3901503"/>
-            <a:ext cx="243707" cy="0"/>
-          </a:xfrm>
-          <a:prstGeom prst="straightConnector1">
-            <a:avLst/>
-          </a:prstGeom>
-          <a:ln w="19050">
-            <a:tailEnd type="triangle"/>
-          </a:ln>
-        </p:spPr>
-        <p:style>
-          <a:lnRef idx="1">
-            <a:schemeClr val="dk1"/>
-          </a:lnRef>
-          <a:fillRef idx="0">
-            <a:schemeClr val="dk1"/>
-          </a:fillRef>
-          <a:effectRef idx="0">
-            <a:schemeClr val="dk1"/>
-          </a:effectRef>
-          <a:fontRef idx="minor">
-            <a:schemeClr val="tx1"/>
-          </a:fontRef>
-        </p:style>
-      </p:cxnSp>
-      <p:cxnSp>
-        <p:nvCxnSpPr>
-          <p:cNvPr id="47" name="Straight Arrow Connector 46">
-            <a:extLst>
-              <a:ext uri="{FF2B5EF4-FFF2-40B4-BE49-F238E27FC236}">
-                <a16:creationId xmlns:a16="http://schemas.microsoft.com/office/drawing/2014/main" id="{A65A17B2-19D7-FA6D-A338-A233275165D9}"/>
-              </a:ext>
-            </a:extLst>
-          </p:cNvPr>
-          <p:cNvCxnSpPr>
-            <a:cxnSpLocks/>
-          </p:cNvCxnSpPr>
-          <p:nvPr/>
-        </p:nvCxnSpPr>
-        <p:spPr>
-          <a:xfrm>
-            <a:off x="6771181" y="4083740"/>
-            <a:ext cx="163945" cy="0"/>
-          </a:xfrm>
-          <a:prstGeom prst="straightConnector1">
-            <a:avLst/>
-          </a:prstGeom>
-          <a:ln w="19050">
-            <a:tailEnd type="triangle"/>
-          </a:ln>
-        </p:spPr>
-        <p:style>
-          <a:lnRef idx="1">
-            <a:schemeClr val="dk1"/>
-          </a:lnRef>
-          <a:fillRef idx="0">
-            <a:schemeClr val="dk1"/>
-          </a:fillRef>
-          <a:effectRef idx="0">
-            <a:schemeClr val="dk1"/>
-          </a:effectRef>
-          <a:fontRef idx="minor">
-            <a:schemeClr val="tx1"/>
-          </a:fontRef>
-        </p:style>
-      </p:cxnSp>
-      <p:cxnSp>
-        <p:nvCxnSpPr>
-          <p:cNvPr id="50" name="Straight Arrow Connector 49">
-            <a:extLst>
-              <a:ext uri="{FF2B5EF4-FFF2-40B4-BE49-F238E27FC236}">
-                <a16:creationId xmlns:a16="http://schemas.microsoft.com/office/drawing/2014/main" id="{6625841B-FDB9-46CD-21C3-F8D75D7D7ACB}"/>
-              </a:ext>
-            </a:extLst>
-          </p:cNvPr>
-          <p:cNvCxnSpPr>
-            <a:cxnSpLocks/>
-          </p:cNvCxnSpPr>
-          <p:nvPr/>
-        </p:nvCxnSpPr>
-        <p:spPr>
-          <a:xfrm>
-            <a:off x="7342778" y="4128766"/>
-            <a:ext cx="163945" cy="0"/>
-          </a:xfrm>
-          <a:prstGeom prst="straightConnector1">
-            <a:avLst/>
-          </a:prstGeom>
-          <a:ln w="19050">
-            <a:tailEnd type="triangle"/>
-          </a:ln>
-        </p:spPr>
-        <p:style>
-          <a:lnRef idx="1">
-            <a:schemeClr val="dk1"/>
-          </a:lnRef>
-          <a:fillRef idx="0">
-            <a:schemeClr val="dk1"/>
-          </a:fillRef>
-          <a:effectRef idx="0">
-            <a:schemeClr val="dk1"/>
-          </a:effectRef>
-          <a:fontRef idx="minor">
-            <a:schemeClr val="tx1"/>
-          </a:fontRef>
-        </p:style>
-      </p:cxnSp>
-      <p:sp>
-        <p:nvSpPr>
-          <p:cNvPr id="51" name="TextBox 50">
-            <a:extLst>
-              <a:ext uri="{FF2B5EF4-FFF2-40B4-BE49-F238E27FC236}">
-                <a16:creationId xmlns:a16="http://schemas.microsoft.com/office/drawing/2014/main" id="{7AFE76E0-D685-F7CC-5E93-35053568B8BF}"/>
-              </a:ext>
-            </a:extLst>
-          </p:cNvPr>
-          <p:cNvSpPr txBox="1"/>
-          <p:nvPr/>
-        </p:nvSpPr>
-        <p:spPr>
-          <a:xfrm>
-            <a:off x="7492511" y="3943633"/>
-            <a:ext cx="347472" cy="369332"/>
-          </a:xfrm>
-          <a:prstGeom prst="rect">
-            <a:avLst/>
-          </a:prstGeom>
-          <a:noFill/>
-        </p:spPr>
-        <p:txBody>
-          <a:bodyPr wrap="square" rtlCol="0">
-            <a:spAutoFit/>
-          </a:bodyPr>
-          <a:lstStyle/>
-          <a:p>
-            <a:r>
-              <a:rPr lang="en-SG" dirty="0"/>
-              <a:t>…</a:t>
-            </a:r>
-          </a:p>
-        </p:txBody>
-      </p:sp>
-      <p:sp>
-        <p:nvSpPr>
-          <p:cNvPr id="52" name="TextBox 51">
-            <a:extLst>
-              <a:ext uri="{FF2B5EF4-FFF2-40B4-BE49-F238E27FC236}">
-                <a16:creationId xmlns:a16="http://schemas.microsoft.com/office/drawing/2014/main" id="{556D929D-D6DC-9D00-8A1C-D7FBFE824535}"/>
-              </a:ext>
-            </a:extLst>
-          </p:cNvPr>
-          <p:cNvSpPr txBox="1"/>
-          <p:nvPr/>
-        </p:nvSpPr>
-        <p:spPr>
-          <a:xfrm>
-            <a:off x="5476398" y="4417005"/>
-            <a:ext cx="2178024" cy="276999"/>
-          </a:xfrm>
-          <a:prstGeom prst="rect">
-            <a:avLst/>
-          </a:prstGeom>
-          <a:noFill/>
-        </p:spPr>
-        <p:txBody>
-          <a:bodyPr wrap="square" rtlCol="0">
-            <a:spAutoFit/>
-          </a:bodyPr>
-          <a:lstStyle/>
-          <a:p>
-            <a:r>
-              <a:rPr lang="en-SG" sz="1200" b="1" dirty="0"/>
-              <a:t>Modelled Actions Chain/Tree </a:t>
-            </a:r>
-          </a:p>
-        </p:txBody>
-      </p:sp>
-      <p:sp>
-        <p:nvSpPr>
-          <p:cNvPr id="53" name="Rectangle: Rounded Corners 52">
-            <a:extLst>
-              <a:ext uri="{FF2B5EF4-FFF2-40B4-BE49-F238E27FC236}">
-                <a16:creationId xmlns:a16="http://schemas.microsoft.com/office/drawing/2014/main" id="{E8C79FE5-052C-E398-4845-6CB49FDE4954}"/>
-              </a:ext>
-            </a:extLst>
-          </p:cNvPr>
-          <p:cNvSpPr/>
-          <p:nvPr/>
-        </p:nvSpPr>
-        <p:spPr>
-          <a:xfrm>
-            <a:off x="5886849" y="2307669"/>
-            <a:ext cx="1654976" cy="637167"/>
-          </a:xfrm>
-          <a:prstGeom prst="roundRect">
-            <a:avLst/>
-          </a:prstGeom>
-          <a:noFill/>
-          <a:ln w="19050" cap="flat" cmpd="sng" algn="ctr">
-            <a:solidFill>
-              <a:schemeClr val="accent1">
-                <a:lumMod val="75000"/>
-              </a:schemeClr>
-            </a:solidFill>
-            <a:prstDash val="solid"/>
-            <a:round/>
-            <a:headEnd type="none" w="med" len="med"/>
-            <a:tailEnd type="none" w="med" len="med"/>
-          </a:ln>
-        </p:spPr>
-        <p:style>
-          <a:lnRef idx="0">
-            <a:scrgbClr r="0" g="0" b="0"/>
-          </a:lnRef>
-          <a:fillRef idx="0">
-            <a:scrgbClr r="0" g="0" b="0"/>
-          </a:fillRef>
-          <a:effectRef idx="0">
-            <a:scrgbClr r="0" g="0" b="0"/>
-          </a:effectRef>
-          <a:fontRef idx="minor">
-            <a:schemeClr val="accent2"/>
-          </a:fontRef>
-        </p:style>
-        <p:txBody>
-          <a:bodyPr rtlCol="0" anchor="ctr"/>
-          <a:lstStyle/>
-          <a:p>
-            <a:pPr algn="ctr"/>
-            <a:r>
-              <a:rPr lang="en-SG" sz="1200" b="1" dirty="0">
-                <a:solidFill>
-                  <a:schemeClr val="tx1"/>
-                </a:solidFill>
-              </a:rPr>
-              <a:t>Scheduler Monitor Hub [SMU] </a:t>
-            </a:r>
-          </a:p>
-        </p:txBody>
-      </p:sp>
-      <p:cxnSp>
-        <p:nvCxnSpPr>
-          <p:cNvPr id="57" name="Straight Arrow Connector 56">
-            <a:extLst>
-              <a:ext uri="{FF2B5EF4-FFF2-40B4-BE49-F238E27FC236}">
-                <a16:creationId xmlns:a16="http://schemas.microsoft.com/office/drawing/2014/main" id="{E3B95400-44E6-45D0-782B-A0A7510EBF69}"/>
-              </a:ext>
-            </a:extLst>
-          </p:cNvPr>
-          <p:cNvCxnSpPr/>
-          <p:nvPr/>
-        </p:nvCxnSpPr>
-        <p:spPr>
-          <a:xfrm>
-            <a:off x="6096000" y="2960738"/>
-            <a:ext cx="0" cy="846682"/>
-          </a:xfrm>
-          <a:prstGeom prst="straightConnector1">
-            <a:avLst/>
-          </a:prstGeom>
-          <a:ln>
-            <a:headEnd type="triangle"/>
-            <a:tailEnd type="triangle"/>
-          </a:ln>
-        </p:spPr>
-        <p:style>
-          <a:lnRef idx="1">
-            <a:schemeClr val="accent1"/>
-          </a:lnRef>
-          <a:fillRef idx="0">
-            <a:schemeClr val="accent1"/>
-          </a:fillRef>
-          <a:effectRef idx="0">
-            <a:schemeClr val="accent1"/>
-          </a:effectRef>
-          <a:fontRef idx="minor">
-            <a:schemeClr val="tx1"/>
-          </a:fontRef>
-        </p:style>
-      </p:cxnSp>
-      <p:cxnSp>
-        <p:nvCxnSpPr>
-          <p:cNvPr id="62" name="Straight Arrow Connector 61">
-            <a:extLst>
-              <a:ext uri="{FF2B5EF4-FFF2-40B4-BE49-F238E27FC236}">
-                <a16:creationId xmlns:a16="http://schemas.microsoft.com/office/drawing/2014/main" id="{685B7E69-2D21-2396-8F2F-03A86443E0D8}"/>
-              </a:ext>
-            </a:extLst>
-          </p:cNvPr>
-          <p:cNvCxnSpPr/>
-          <p:nvPr/>
-        </p:nvCxnSpPr>
-        <p:spPr>
-          <a:xfrm>
-            <a:off x="6579821" y="2960738"/>
-            <a:ext cx="0" cy="846682"/>
-          </a:xfrm>
-          <a:prstGeom prst="straightConnector1">
-            <a:avLst/>
-          </a:prstGeom>
-          <a:ln>
-            <a:headEnd type="triangle"/>
-            <a:tailEnd type="triangle"/>
-          </a:ln>
-        </p:spPr>
-        <p:style>
-          <a:lnRef idx="1">
-            <a:schemeClr val="accent1"/>
-          </a:lnRef>
-          <a:fillRef idx="0">
-            <a:schemeClr val="accent1"/>
-          </a:fillRef>
-          <a:effectRef idx="0">
-            <a:schemeClr val="accent1"/>
-          </a:effectRef>
-          <a:fontRef idx="minor">
-            <a:schemeClr val="tx1"/>
-          </a:fontRef>
-        </p:style>
-      </p:cxnSp>
-      <p:cxnSp>
-        <p:nvCxnSpPr>
-          <p:cNvPr id="63" name="Straight Arrow Connector 62">
-            <a:extLst>
-              <a:ext uri="{FF2B5EF4-FFF2-40B4-BE49-F238E27FC236}">
-                <a16:creationId xmlns:a16="http://schemas.microsoft.com/office/drawing/2014/main" id="{119582EB-2F9C-B593-E3AF-930F9DC4E54D}"/>
-              </a:ext>
-            </a:extLst>
-          </p:cNvPr>
-          <p:cNvCxnSpPr>
-            <a:cxnSpLocks/>
-          </p:cNvCxnSpPr>
-          <p:nvPr/>
-        </p:nvCxnSpPr>
-        <p:spPr>
-          <a:xfrm>
-            <a:off x="7185589" y="2961980"/>
-            <a:ext cx="0" cy="769032"/>
-          </a:xfrm>
-          <a:prstGeom prst="straightConnector1">
-            <a:avLst/>
-          </a:prstGeom>
-          <a:ln>
-            <a:headEnd type="triangle"/>
-            <a:tailEnd type="triangle"/>
-          </a:ln>
-        </p:spPr>
-        <p:style>
-          <a:lnRef idx="1">
-            <a:schemeClr val="accent1"/>
-          </a:lnRef>
-          <a:fillRef idx="0">
-            <a:schemeClr val="accent1"/>
-          </a:fillRef>
-          <a:effectRef idx="0">
-            <a:schemeClr val="accent1"/>
-          </a:effectRef>
-          <a:fontRef idx="minor">
-            <a:schemeClr val="tx1"/>
-          </a:fontRef>
-        </p:style>
-      </p:cxnSp>
-      <p:cxnSp>
-        <p:nvCxnSpPr>
-          <p:cNvPr id="65" name="Straight Arrow Connector 64">
-            <a:extLst>
-              <a:ext uri="{FF2B5EF4-FFF2-40B4-BE49-F238E27FC236}">
-                <a16:creationId xmlns:a16="http://schemas.microsoft.com/office/drawing/2014/main" id="{28F8EF49-A405-035B-39E6-FEB7730F8573}"/>
-              </a:ext>
-            </a:extLst>
-          </p:cNvPr>
-          <p:cNvCxnSpPr>
-            <a:cxnSpLocks/>
-          </p:cNvCxnSpPr>
-          <p:nvPr/>
-        </p:nvCxnSpPr>
-        <p:spPr>
-          <a:xfrm>
-            <a:off x="7121984" y="2961980"/>
-            <a:ext cx="0" cy="769032"/>
-          </a:xfrm>
-          <a:prstGeom prst="straightConnector1">
-            <a:avLst/>
-          </a:prstGeom>
-          <a:ln>
-            <a:headEnd type="triangle"/>
-            <a:tailEnd type="triangle"/>
-          </a:ln>
-        </p:spPr>
-        <p:style>
-          <a:lnRef idx="1">
-            <a:schemeClr val="accent1"/>
-          </a:lnRef>
-          <a:fillRef idx="0">
-            <a:schemeClr val="accent1"/>
-          </a:fillRef>
-          <a:effectRef idx="0">
-            <a:schemeClr val="accent1"/>
-          </a:effectRef>
-          <a:fontRef idx="minor">
-            <a:schemeClr val="tx1"/>
-          </a:fontRef>
-        </p:style>
-      </p:cxnSp>
-      <p:pic>
-        <p:nvPicPr>
-          <p:cNvPr id="67" name="Picture 4">
-            <a:extLst>
-              <a:ext uri="{FF2B5EF4-FFF2-40B4-BE49-F238E27FC236}">
-                <a16:creationId xmlns:a16="http://schemas.microsoft.com/office/drawing/2014/main" id="{8E89A05D-5CFE-7DA8-87DC-B9312D615034}"/>
+          <p:cNvPr id="6" name="Picture 4">
+            <a:extLst>
+              <a:ext uri="{FF2B5EF4-FFF2-40B4-BE49-F238E27FC236}">
+                <a16:creationId xmlns:a16="http://schemas.microsoft.com/office/drawing/2014/main" id="{DD84C72F-8F64-EDF5-B7A4-6AB4BF2145E9}"/>
               </a:ext>
             </a:extLst>
           </p:cNvPr>
@@ -22472,7 +21136,7 @@
           <p:nvPr/>
         </p:nvPicPr>
         <p:blipFill>
-          <a:blip r:embed="rId8">
+          <a:blip r:embed="rId2">
             <a:extLst>
               <a:ext uri="{28A0092B-C50C-407E-A947-70E740481C1C}">
                 <a14:useLocalDpi xmlns:a14="http://schemas.microsoft.com/office/drawing/2010/main" val="0"/>
@@ -22486,8 +21150,8 @@
         </p:blipFill>
         <p:spPr bwMode="auto">
           <a:xfrm>
-            <a:off x="8220536" y="2435079"/>
-            <a:ext cx="382345" cy="382345"/>
+            <a:off x="2334162" y="3976636"/>
+            <a:ext cx="340524" cy="340524"/>
           </a:xfrm>
           <a:prstGeom prst="rect">
             <a:avLst/>
@@ -22504,67 +21168,370 @@
           </a:extLst>
         </p:spPr>
       </p:pic>
+      <p:pic>
+        <p:nvPicPr>
+          <p:cNvPr id="7" name="Picture 4">
+            <a:extLst>
+              <a:ext uri="{FF2B5EF4-FFF2-40B4-BE49-F238E27FC236}">
+                <a16:creationId xmlns:a16="http://schemas.microsoft.com/office/drawing/2014/main" id="{155F1055-82E3-0D86-1DAA-2907A3CDBDF6}"/>
+              </a:ext>
+            </a:extLst>
+          </p:cNvPr>
+          <p:cNvPicPr>
+            <a:picLocks noChangeAspect="1" noChangeArrowheads="1"/>
+          </p:cNvPicPr>
+          <p:nvPr/>
+        </p:nvPicPr>
+        <p:blipFill>
+          <a:blip r:embed="rId2">
+            <a:extLst>
+              <a:ext uri="{28A0092B-C50C-407E-A947-70E740481C1C}">
+                <a14:useLocalDpi xmlns:a14="http://schemas.microsoft.com/office/drawing/2010/main" val="0"/>
+              </a:ext>
+            </a:extLst>
+          </a:blip>
+          <a:srcRect/>
+          <a:stretch>
+            <a:fillRect/>
+          </a:stretch>
+        </p:blipFill>
+        <p:spPr bwMode="auto">
+          <a:xfrm>
+            <a:off x="7322362" y="3888068"/>
+            <a:ext cx="340524" cy="340524"/>
+          </a:xfrm>
+          <a:prstGeom prst="rect">
+            <a:avLst/>
+          </a:prstGeom>
+          <a:noFill/>
+          <a:extLst>
+            <a:ext uri="{909E8E84-426E-40DD-AFC4-6F175D3DCCD1}">
+              <a14:hiddenFill xmlns:a14="http://schemas.microsoft.com/office/drawing/2010/main">
+                <a:solidFill>
+                  <a:srgbClr val="FFFFFF"/>
+                </a:solidFill>
+              </a14:hiddenFill>
+            </a:ext>
+          </a:extLst>
+        </p:spPr>
+      </p:pic>
       <p:sp>
         <p:nvSpPr>
-          <p:cNvPr id="69" name="TextBox 68">
-            <a:extLst>
-              <a:ext uri="{FF2B5EF4-FFF2-40B4-BE49-F238E27FC236}">
-                <a16:creationId xmlns:a16="http://schemas.microsoft.com/office/drawing/2014/main" id="{263D8DD6-59FF-D830-DEF4-93B0A27B58C1}"/>
-              </a:ext>
-            </a:extLst>
-          </p:cNvPr>
-          <p:cNvSpPr txBox="1"/>
+          <p:cNvPr id="9" name="Rectangle 8">
+            <a:extLst>
+              <a:ext uri="{FF2B5EF4-FFF2-40B4-BE49-F238E27FC236}">
+                <a16:creationId xmlns:a16="http://schemas.microsoft.com/office/drawing/2014/main" id="{66BB8C68-A106-555A-6FD5-872196530D6E}"/>
+              </a:ext>
+            </a:extLst>
+          </p:cNvPr>
+          <p:cNvSpPr/>
           <p:nvPr/>
         </p:nvSpPr>
         <p:spPr>
           <a:xfrm>
-            <a:off x="8220536" y="2773367"/>
-            <a:ext cx="956227" cy="276999"/>
-          </a:xfrm>
-          <a:prstGeom prst="rect">
-            <a:avLst/>
-          </a:prstGeom>
-          <a:noFill/>
-        </p:spPr>
+            <a:off x="1150780" y="1971675"/>
+            <a:ext cx="1156863" cy="228617"/>
+          </a:xfrm>
+          <a:prstGeom prst="rect">
+            <a:avLst/>
+          </a:prstGeom>
+          <a:solidFill>
+            <a:schemeClr val="accent6">
+              <a:lumMod val="40000"/>
+              <a:lumOff val="60000"/>
+            </a:schemeClr>
+          </a:solidFill>
+        </p:spPr>
+        <p:style>
+          <a:lnRef idx="2">
+            <a:schemeClr val="accent1">
+              <a:shade val="15000"/>
+            </a:schemeClr>
+          </a:lnRef>
+          <a:fillRef idx="1">
+            <a:schemeClr val="accent1"/>
+          </a:fillRef>
+          <a:effectRef idx="0">
+            <a:schemeClr val="accent1"/>
+          </a:effectRef>
+          <a:fontRef idx="minor">
+            <a:schemeClr val="lt1"/>
+          </a:fontRef>
+        </p:style>
         <p:txBody>
-          <a:bodyPr wrap="square" rtlCol="0">
-            <a:spAutoFit/>
-          </a:bodyPr>
+          <a:bodyPr rtlCol="0" anchor="ctr"/>
           <a:lstStyle/>
           <a:p>
-            <a:r>
-              <a:rPr lang="en-US" sz="1200" b="1" dirty="0"/>
-              <a:t>User</a:t>
-            </a:r>
-            <a:endParaRPr lang="en-SG" sz="1200" dirty="0"/>
+            <a:pPr algn="ctr"/>
+            <a:r>
+              <a:rPr lang="en-US" sz="1200" b="1" dirty="0">
+                <a:solidFill>
+                  <a:schemeClr val="tx1"/>
+                </a:solidFill>
+              </a:rPr>
+              <a:t>Scheduler01</a:t>
+            </a:r>
+            <a:endParaRPr lang="en-SG" sz="1200" b="1" dirty="0">
+              <a:solidFill>
+                <a:schemeClr val="tx1"/>
+              </a:solidFill>
+            </a:endParaRPr>
+          </a:p>
+        </p:txBody>
+      </p:sp>
+      <p:sp>
+        <p:nvSpPr>
+          <p:cNvPr id="10" name="Rectangle 9">
+            <a:extLst>
+              <a:ext uri="{FF2B5EF4-FFF2-40B4-BE49-F238E27FC236}">
+                <a16:creationId xmlns:a16="http://schemas.microsoft.com/office/drawing/2014/main" id="{64291F12-C97D-7B5D-983F-E928F78F4CC5}"/>
+              </a:ext>
+            </a:extLst>
+          </p:cNvPr>
+          <p:cNvSpPr/>
+          <p:nvPr/>
+        </p:nvSpPr>
+        <p:spPr>
+          <a:xfrm>
+            <a:off x="1729211" y="2297597"/>
+            <a:ext cx="1156863" cy="228617"/>
+          </a:xfrm>
+          <a:prstGeom prst="rect">
+            <a:avLst/>
+          </a:prstGeom>
+          <a:solidFill>
+            <a:schemeClr val="accent6">
+              <a:lumMod val="40000"/>
+              <a:lumOff val="60000"/>
+            </a:schemeClr>
+          </a:solidFill>
+        </p:spPr>
+        <p:style>
+          <a:lnRef idx="2">
+            <a:schemeClr val="accent1">
+              <a:shade val="15000"/>
+            </a:schemeClr>
+          </a:lnRef>
+          <a:fillRef idx="1">
+            <a:schemeClr val="accent1"/>
+          </a:fillRef>
+          <a:effectRef idx="0">
+            <a:schemeClr val="accent1"/>
+          </a:effectRef>
+          <a:fontRef idx="minor">
+            <a:schemeClr val="lt1"/>
+          </a:fontRef>
+        </p:style>
+        <p:txBody>
+          <a:bodyPr rtlCol="0" anchor="ctr"/>
+          <a:lstStyle/>
+          <a:p>
+            <a:pPr algn="ctr"/>
+            <a:r>
+              <a:rPr lang="en-US" sz="1200" b="1" dirty="0">
+                <a:solidFill>
+                  <a:schemeClr val="tx1"/>
+                </a:solidFill>
+              </a:rPr>
+              <a:t>Scheduler02</a:t>
+            </a:r>
+            <a:endParaRPr lang="en-SG" sz="1200" b="1" dirty="0">
+              <a:solidFill>
+                <a:schemeClr val="tx1"/>
+              </a:solidFill>
+            </a:endParaRPr>
+          </a:p>
+        </p:txBody>
+      </p:sp>
+      <p:sp>
+        <p:nvSpPr>
+          <p:cNvPr id="11" name="Rectangle 10">
+            <a:extLst>
+              <a:ext uri="{FF2B5EF4-FFF2-40B4-BE49-F238E27FC236}">
+                <a16:creationId xmlns:a16="http://schemas.microsoft.com/office/drawing/2014/main" id="{771F9827-3549-2210-5B3E-C25F707DBC17}"/>
+              </a:ext>
+            </a:extLst>
+          </p:cNvPr>
+          <p:cNvSpPr/>
+          <p:nvPr/>
+        </p:nvSpPr>
+        <p:spPr>
+          <a:xfrm>
+            <a:off x="2212937" y="2707018"/>
+            <a:ext cx="1156863" cy="229821"/>
+          </a:xfrm>
+          <a:prstGeom prst="rect">
+            <a:avLst/>
+          </a:prstGeom>
+          <a:solidFill>
+            <a:schemeClr val="accent6">
+              <a:lumMod val="40000"/>
+              <a:lumOff val="60000"/>
+            </a:schemeClr>
+          </a:solidFill>
+        </p:spPr>
+        <p:style>
+          <a:lnRef idx="2">
+            <a:schemeClr val="accent1">
+              <a:shade val="15000"/>
+            </a:schemeClr>
+          </a:lnRef>
+          <a:fillRef idx="1">
+            <a:schemeClr val="accent1"/>
+          </a:fillRef>
+          <a:effectRef idx="0">
+            <a:schemeClr val="accent1"/>
+          </a:effectRef>
+          <a:fontRef idx="minor">
+            <a:schemeClr val="lt1"/>
+          </a:fontRef>
+        </p:style>
+        <p:txBody>
+          <a:bodyPr rtlCol="0" anchor="ctr"/>
+          <a:lstStyle/>
+          <a:p>
+            <a:pPr algn="ctr"/>
+            <a:r>
+              <a:rPr lang="en-US" sz="1200" b="1" dirty="0" err="1">
+                <a:solidFill>
+                  <a:schemeClr val="tx1"/>
+                </a:solidFill>
+              </a:rPr>
+              <a:t>Scheduler_N</a:t>
+            </a:r>
+            <a:endParaRPr lang="en-SG" sz="1200" b="1" dirty="0">
+              <a:solidFill>
+                <a:schemeClr val="tx1"/>
+              </a:solidFill>
+            </a:endParaRPr>
+          </a:p>
+        </p:txBody>
+      </p:sp>
+      <p:sp>
+        <p:nvSpPr>
+          <p:cNvPr id="12" name="Rectangle 11">
+            <a:extLst>
+              <a:ext uri="{FF2B5EF4-FFF2-40B4-BE49-F238E27FC236}">
+                <a16:creationId xmlns:a16="http://schemas.microsoft.com/office/drawing/2014/main" id="{C57CF57A-423B-BFE6-E700-7E565EF5B7B6}"/>
+              </a:ext>
+            </a:extLst>
+          </p:cNvPr>
+          <p:cNvSpPr/>
+          <p:nvPr/>
+        </p:nvSpPr>
+        <p:spPr>
+          <a:xfrm>
+            <a:off x="1150779" y="3240089"/>
+            <a:ext cx="2219013" cy="418011"/>
+          </a:xfrm>
+          <a:prstGeom prst="rect">
+            <a:avLst/>
+          </a:prstGeom>
+          <a:solidFill>
+            <a:schemeClr val="accent1">
+              <a:lumMod val="60000"/>
+              <a:lumOff val="40000"/>
+            </a:schemeClr>
+          </a:solidFill>
+        </p:spPr>
+        <p:style>
+          <a:lnRef idx="2">
+            <a:schemeClr val="accent1">
+              <a:shade val="15000"/>
+            </a:schemeClr>
+          </a:lnRef>
+          <a:fillRef idx="1">
+            <a:schemeClr val="accent1"/>
+          </a:fillRef>
+          <a:effectRef idx="0">
+            <a:schemeClr val="accent1"/>
+          </a:effectRef>
+          <a:fontRef idx="minor">
+            <a:schemeClr val="lt1"/>
+          </a:fontRef>
+        </p:style>
+        <p:txBody>
+          <a:bodyPr rtlCol="0" anchor="ctr"/>
+          <a:lstStyle/>
+          <a:p>
+            <a:pPr algn="ctr"/>
+            <a:r>
+              <a:rPr lang="en-SG" sz="1200" b="1" dirty="0">
+                <a:solidFill>
+                  <a:schemeClr val="tx1"/>
+                </a:solidFill>
+              </a:rPr>
+              <a:t>Cluster User Emulation System Monitor Hub [centralized ]</a:t>
+            </a:r>
           </a:p>
         </p:txBody>
       </p:sp>
       <p:cxnSp>
         <p:nvCxnSpPr>
-          <p:cNvPr id="70" name="Straight Arrow Connector 69">
-            <a:extLst>
-              <a:ext uri="{FF2B5EF4-FFF2-40B4-BE49-F238E27FC236}">
-                <a16:creationId xmlns:a16="http://schemas.microsoft.com/office/drawing/2014/main" id="{1419F927-2C0D-4EAA-31CD-04AF40F81590}"/>
+          <p:cNvPr id="14" name="Straight Arrow Connector 13">
+            <a:extLst>
+              <a:ext uri="{FF2B5EF4-FFF2-40B4-BE49-F238E27FC236}">
+                <a16:creationId xmlns:a16="http://schemas.microsoft.com/office/drawing/2014/main" id="{AD5591B1-10AD-891B-0E5B-0E1B76BA2F2C}"/>
               </a:ext>
             </a:extLst>
           </p:cNvPr>
           <p:cNvCxnSpPr>
             <a:cxnSpLocks/>
-            <a:stCxn id="67" idx="1"/>
-            <a:endCxn id="53" idx="3"/>
           </p:cNvCxnSpPr>
           <p:nvPr/>
         </p:nvCxnSpPr>
         <p:spPr>
-          <a:xfrm flipH="1">
-            <a:off x="7541825" y="2626252"/>
-            <a:ext cx="678711" cy="1"/>
+          <a:xfrm>
+            <a:off x="1376808" y="2200292"/>
+            <a:ext cx="0" cy="1038593"/>
           </a:xfrm>
           <a:prstGeom prst="straightConnector1">
             <a:avLst/>
           </a:prstGeom>
           <a:ln w="19050">
+            <a:headEnd type="triangle"/>
+            <a:tailEnd type="triangle"/>
+          </a:ln>
+        </p:spPr>
+        <p:style>
+          <a:lnRef idx="1">
+            <a:schemeClr val="accent1"/>
+          </a:lnRef>
+          <a:fillRef idx="0">
+            <a:schemeClr val="accent1"/>
+          </a:fillRef>
+          <a:effectRef idx="0">
+            <a:schemeClr val="accent1"/>
+          </a:effectRef>
+          <a:fontRef idx="minor">
+            <a:schemeClr val="tx1"/>
+          </a:fontRef>
+        </p:style>
+      </p:cxnSp>
+      <p:cxnSp>
+        <p:nvCxnSpPr>
+          <p:cNvPr id="15" name="Straight Arrow Connector 14">
+            <a:extLst>
+              <a:ext uri="{FF2B5EF4-FFF2-40B4-BE49-F238E27FC236}">
+                <a16:creationId xmlns:a16="http://schemas.microsoft.com/office/drawing/2014/main" id="{318113D6-9382-78D1-2751-73D2688432E8}"/>
+              </a:ext>
+            </a:extLst>
+          </p:cNvPr>
+          <p:cNvCxnSpPr>
+            <a:cxnSpLocks/>
+          </p:cNvCxnSpPr>
+          <p:nvPr/>
+        </p:nvCxnSpPr>
+        <p:spPr>
+          <a:xfrm>
+            <a:off x="2388725" y="2936839"/>
+            <a:ext cx="0" cy="302046"/>
+          </a:xfrm>
+          <a:prstGeom prst="straightConnector1">
+            <a:avLst/>
+          </a:prstGeom>
+          <a:ln w="19050">
+            <a:headEnd type="triangle"/>
             <a:tailEnd type="triangle"/>
           </a:ln>
         </p:spPr>
@@ -22585,49 +21552,116 @@
       </p:cxnSp>
       <p:sp>
         <p:nvSpPr>
-          <p:cNvPr id="76" name="Rectangle: Rounded Corners 75">
-            <a:extLst>
-              <a:ext uri="{FF2B5EF4-FFF2-40B4-BE49-F238E27FC236}">
-                <a16:creationId xmlns:a16="http://schemas.microsoft.com/office/drawing/2014/main" id="{EFBE7E73-DC18-6A5C-6BCE-2ED75EB808BA}"/>
-              </a:ext>
-            </a:extLst>
-          </p:cNvPr>
-          <p:cNvSpPr/>
+          <p:cNvPr id="18" name="TextBox 17">
+            <a:extLst>
+              <a:ext uri="{FF2B5EF4-FFF2-40B4-BE49-F238E27FC236}">
+                <a16:creationId xmlns:a16="http://schemas.microsoft.com/office/drawing/2014/main" id="{7447272A-66E8-2A85-6B9E-87DD0FE5F33F}"/>
+              </a:ext>
+            </a:extLst>
+          </p:cNvPr>
+          <p:cNvSpPr txBox="1"/>
           <p:nvPr/>
         </p:nvSpPr>
         <p:spPr>
           <a:xfrm>
-            <a:off x="2568727" y="2158666"/>
-            <a:ext cx="2630988" cy="991812"/>
-          </a:xfrm>
-          <a:prstGeom prst="roundRect">
+            <a:off x="2500950" y="2390499"/>
+            <a:ext cx="347472" cy="369332"/>
+          </a:xfrm>
+          <a:prstGeom prst="rect">
             <a:avLst/>
           </a:prstGeom>
           <a:noFill/>
-          <a:ln w="19050" cap="flat" cmpd="sng" algn="ctr">
-            <a:solidFill>
-              <a:schemeClr val="accent1">
-                <a:lumMod val="75000"/>
-              </a:schemeClr>
-            </a:solidFill>
-            <a:prstDash val="sysDash"/>
-            <a:round/>
-            <a:headEnd type="none" w="med" len="med"/>
-            <a:tailEnd type="none" w="med" len="med"/>
+        </p:spPr>
+        <p:txBody>
+          <a:bodyPr wrap="square" rtlCol="0">
+            <a:spAutoFit/>
+          </a:bodyPr>
+          <a:lstStyle/>
+          <a:p>
+            <a:r>
+              <a:rPr lang="en-SG" dirty="0"/>
+              <a:t>…</a:t>
+            </a:r>
+          </a:p>
+        </p:txBody>
+      </p:sp>
+      <p:cxnSp>
+        <p:nvCxnSpPr>
+          <p:cNvPr id="24" name="Straight Arrow Connector 23">
+            <a:extLst>
+              <a:ext uri="{FF2B5EF4-FFF2-40B4-BE49-F238E27FC236}">
+                <a16:creationId xmlns:a16="http://schemas.microsoft.com/office/drawing/2014/main" id="{B43E3166-42C4-1503-6FFB-E1DE15A99940}"/>
+              </a:ext>
+            </a:extLst>
+          </p:cNvPr>
+          <p:cNvCxnSpPr>
+            <a:cxnSpLocks/>
+          </p:cNvCxnSpPr>
+          <p:nvPr/>
+        </p:nvCxnSpPr>
+        <p:spPr>
+          <a:xfrm>
+            <a:off x="1899474" y="2538200"/>
+            <a:ext cx="0" cy="700685"/>
+          </a:xfrm>
+          <a:prstGeom prst="straightConnector1">
+            <a:avLst/>
+          </a:prstGeom>
+          <a:ln w="19050">
+            <a:headEnd type="triangle"/>
+            <a:tailEnd type="triangle"/>
           </a:ln>
         </p:spPr>
         <p:style>
-          <a:lnRef idx="0">
-            <a:scrgbClr r="0" g="0" b="0"/>
+          <a:lnRef idx="1">
+            <a:schemeClr val="accent1"/>
           </a:lnRef>
           <a:fillRef idx="0">
-            <a:scrgbClr r="0" g="0" b="0"/>
+            <a:schemeClr val="accent1"/>
           </a:fillRef>
           <a:effectRef idx="0">
-            <a:scrgbClr r="0" g="0" b="0"/>
+            <a:schemeClr val="accent1"/>
           </a:effectRef>
           <a:fontRef idx="minor">
-            <a:schemeClr val="accent2"/>
+            <a:schemeClr val="tx1"/>
+          </a:fontRef>
+        </p:style>
+      </p:cxnSp>
+      <p:sp>
+        <p:nvSpPr>
+          <p:cNvPr id="26" name="Cylinder 25">
+            <a:extLst>
+              <a:ext uri="{FF2B5EF4-FFF2-40B4-BE49-F238E27FC236}">
+                <a16:creationId xmlns:a16="http://schemas.microsoft.com/office/drawing/2014/main" id="{176CB7C5-6C0E-959A-1CE3-B5209DE6C79E}"/>
+              </a:ext>
+            </a:extLst>
+          </p:cNvPr>
+          <p:cNvSpPr/>
+          <p:nvPr/>
+        </p:nvSpPr>
+        <p:spPr>
+          <a:xfrm>
+            <a:off x="1136916" y="3856307"/>
+            <a:ext cx="801702" cy="404047"/>
+          </a:xfrm>
+          <a:prstGeom prst="can">
+            <a:avLst/>
+          </a:prstGeom>
+        </p:spPr>
+        <p:style>
+          <a:lnRef idx="2">
+            <a:schemeClr val="accent1">
+              <a:shade val="50000"/>
+            </a:schemeClr>
+          </a:lnRef>
+          <a:fillRef idx="1">
+            <a:schemeClr val="accent1"/>
+          </a:fillRef>
+          <a:effectRef idx="0">
+            <a:schemeClr val="accent1"/>
+          </a:effectRef>
+          <a:fontRef idx="minor">
+            <a:schemeClr val="lt1"/>
           </a:fontRef>
         </p:style>
         <p:txBody>
@@ -22635,20 +21669,255 @@
           <a:lstStyle/>
           <a:p>
             <a:pPr algn="ctr"/>
-            <a:endParaRPr lang="en-SG" sz="1200" b="1" dirty="0">
-              <a:solidFill>
-                <a:schemeClr val="tx1"/>
-              </a:solidFill>
-            </a:endParaRPr>
+            <a:r>
+              <a:rPr lang="en-US" sz="1200" b="1" dirty="0"/>
+              <a:t>Database </a:t>
+            </a:r>
+            <a:endParaRPr lang="en-SG" sz="1200" b="1" dirty="0"/>
+          </a:p>
+        </p:txBody>
+      </p:sp>
+      <p:cxnSp>
+        <p:nvCxnSpPr>
+          <p:cNvPr id="27" name="Straight Arrow Connector 26">
+            <a:extLst>
+              <a:ext uri="{FF2B5EF4-FFF2-40B4-BE49-F238E27FC236}">
+                <a16:creationId xmlns:a16="http://schemas.microsoft.com/office/drawing/2014/main" id="{D147C274-B57A-8C23-B499-6D6C32F4F609}"/>
+              </a:ext>
+            </a:extLst>
+          </p:cNvPr>
+          <p:cNvCxnSpPr>
+            <a:cxnSpLocks/>
+            <a:endCxn id="26" idx="1"/>
+          </p:cNvCxnSpPr>
+          <p:nvPr/>
+        </p:nvCxnSpPr>
+        <p:spPr>
+          <a:xfrm>
+            <a:off x="1537767" y="3658100"/>
+            <a:ext cx="0" cy="198207"/>
+          </a:xfrm>
+          <a:prstGeom prst="straightConnector1">
+            <a:avLst/>
+          </a:prstGeom>
+          <a:ln w="19050">
+            <a:headEnd type="triangle"/>
+            <a:tailEnd type="triangle"/>
+          </a:ln>
+        </p:spPr>
+        <p:style>
+          <a:lnRef idx="1">
+            <a:schemeClr val="accent1"/>
+          </a:lnRef>
+          <a:fillRef idx="0">
+            <a:schemeClr val="accent1"/>
+          </a:fillRef>
+          <a:effectRef idx="0">
+            <a:schemeClr val="accent1"/>
+          </a:effectRef>
+          <a:fontRef idx="minor">
+            <a:schemeClr val="tx1"/>
+          </a:fontRef>
+        </p:style>
+      </p:cxnSp>
+      <p:pic>
+        <p:nvPicPr>
+          <p:cNvPr id="31" name="Picture 30">
+            <a:extLst>
+              <a:ext uri="{FF2B5EF4-FFF2-40B4-BE49-F238E27FC236}">
+                <a16:creationId xmlns:a16="http://schemas.microsoft.com/office/drawing/2014/main" id="{4580A719-99BF-50D1-BB99-28753E6BCAE6}"/>
+              </a:ext>
+            </a:extLst>
+          </p:cNvPr>
+          <p:cNvPicPr>
+            <a:picLocks noChangeAspect="1"/>
+          </p:cNvPicPr>
+          <p:nvPr/>
+        </p:nvPicPr>
+        <p:blipFill>
+          <a:blip r:embed="rId3"/>
+          <a:stretch>
+            <a:fillRect/>
+          </a:stretch>
+        </p:blipFill>
+        <p:spPr>
+          <a:xfrm>
+            <a:off x="4350644" y="3223927"/>
+            <a:ext cx="2485938" cy="1176678"/>
+          </a:xfrm>
+          <a:prstGeom prst="rect">
+            <a:avLst/>
+          </a:prstGeom>
+        </p:spPr>
+      </p:pic>
+      <p:cxnSp>
+        <p:nvCxnSpPr>
+          <p:cNvPr id="32" name="Straight Arrow Connector 31">
+            <a:extLst>
+              <a:ext uri="{FF2B5EF4-FFF2-40B4-BE49-F238E27FC236}">
+                <a16:creationId xmlns:a16="http://schemas.microsoft.com/office/drawing/2014/main" id="{088615CB-1138-EBDF-F60C-D29C0FA2E5E0}"/>
+              </a:ext>
+            </a:extLst>
+          </p:cNvPr>
+          <p:cNvCxnSpPr>
+            <a:cxnSpLocks/>
+          </p:cNvCxnSpPr>
+          <p:nvPr/>
+        </p:nvCxnSpPr>
+        <p:spPr>
+          <a:xfrm>
+            <a:off x="3369792" y="3437207"/>
+            <a:ext cx="971559" cy="0"/>
+          </a:xfrm>
+          <a:prstGeom prst="straightConnector1">
+            <a:avLst/>
+          </a:prstGeom>
+          <a:ln w="19050">
+            <a:headEnd type="triangle"/>
+            <a:tailEnd type="triangle"/>
+          </a:ln>
+        </p:spPr>
+        <p:style>
+          <a:lnRef idx="1">
+            <a:schemeClr val="accent1"/>
+          </a:lnRef>
+          <a:fillRef idx="0">
+            <a:schemeClr val="accent1"/>
+          </a:fillRef>
+          <a:effectRef idx="0">
+            <a:schemeClr val="accent1"/>
+          </a:effectRef>
+          <a:fontRef idx="minor">
+            <a:schemeClr val="tx1"/>
+          </a:fontRef>
+        </p:style>
+      </p:cxnSp>
+      <p:cxnSp>
+        <p:nvCxnSpPr>
+          <p:cNvPr id="34" name="Straight Arrow Connector 33">
+            <a:extLst>
+              <a:ext uri="{FF2B5EF4-FFF2-40B4-BE49-F238E27FC236}">
+                <a16:creationId xmlns:a16="http://schemas.microsoft.com/office/drawing/2014/main" id="{DFF5A7DC-C967-A738-C314-7ADCA1679CE5}"/>
+              </a:ext>
+            </a:extLst>
+          </p:cNvPr>
+          <p:cNvCxnSpPr>
+            <a:cxnSpLocks/>
+          </p:cNvCxnSpPr>
+          <p:nvPr/>
+        </p:nvCxnSpPr>
+        <p:spPr>
+          <a:xfrm>
+            <a:off x="2500950" y="3658100"/>
+            <a:ext cx="0" cy="303250"/>
+          </a:xfrm>
+          <a:prstGeom prst="straightConnector1">
+            <a:avLst/>
+          </a:prstGeom>
+          <a:ln w="19050">
+            <a:headEnd type="triangle"/>
+            <a:tailEnd type="triangle"/>
+          </a:ln>
+        </p:spPr>
+        <p:style>
+          <a:lnRef idx="1">
+            <a:schemeClr val="accent1"/>
+          </a:lnRef>
+          <a:fillRef idx="0">
+            <a:schemeClr val="accent1"/>
+          </a:fillRef>
+          <a:effectRef idx="0">
+            <a:schemeClr val="accent1"/>
+          </a:effectRef>
+          <a:fontRef idx="minor">
+            <a:schemeClr val="tx1"/>
+          </a:fontRef>
+        </p:style>
+      </p:cxnSp>
+      <p:cxnSp>
+        <p:nvCxnSpPr>
+          <p:cNvPr id="36" name="Straight Arrow Connector 35">
+            <a:extLst>
+              <a:ext uri="{FF2B5EF4-FFF2-40B4-BE49-F238E27FC236}">
+                <a16:creationId xmlns:a16="http://schemas.microsoft.com/office/drawing/2014/main" id="{3ECCE72C-B3D0-9AC9-1E42-C08BF79BD906}"/>
+              </a:ext>
+            </a:extLst>
+          </p:cNvPr>
+          <p:cNvCxnSpPr>
+            <a:cxnSpLocks/>
+          </p:cNvCxnSpPr>
+          <p:nvPr/>
+        </p:nvCxnSpPr>
+        <p:spPr>
+          <a:xfrm>
+            <a:off x="6836582" y="4058330"/>
+            <a:ext cx="485780" cy="0"/>
+          </a:xfrm>
+          <a:prstGeom prst="straightConnector1">
+            <a:avLst/>
+          </a:prstGeom>
+          <a:ln w="19050">
+            <a:headEnd type="triangle"/>
+            <a:tailEnd type="triangle"/>
+          </a:ln>
+        </p:spPr>
+        <p:style>
+          <a:lnRef idx="1">
+            <a:schemeClr val="accent1"/>
+          </a:lnRef>
+          <a:fillRef idx="0">
+            <a:schemeClr val="accent1"/>
+          </a:fillRef>
+          <a:effectRef idx="0">
+            <a:schemeClr val="accent1"/>
+          </a:effectRef>
+          <a:fontRef idx="minor">
+            <a:schemeClr val="tx1"/>
+          </a:fontRef>
+        </p:style>
+      </p:cxnSp>
+      <p:sp>
+        <p:nvSpPr>
+          <p:cNvPr id="37" name="TextBox 36">
+            <a:extLst>
+              <a:ext uri="{FF2B5EF4-FFF2-40B4-BE49-F238E27FC236}">
+                <a16:creationId xmlns:a16="http://schemas.microsoft.com/office/drawing/2014/main" id="{F87DA5CC-5A8D-4176-557E-04AA838D3D25}"/>
+              </a:ext>
+            </a:extLst>
+          </p:cNvPr>
+          <p:cNvSpPr txBox="1"/>
+          <p:nvPr/>
+        </p:nvSpPr>
+        <p:spPr>
+          <a:xfrm>
+            <a:off x="6872512" y="3579308"/>
+            <a:ext cx="956227" cy="276999"/>
+          </a:xfrm>
+          <a:prstGeom prst="rect">
+            <a:avLst/>
+          </a:prstGeom>
+          <a:noFill/>
+        </p:spPr>
+        <p:txBody>
+          <a:bodyPr wrap="square" rtlCol="0">
+            <a:spAutoFit/>
+          </a:bodyPr>
+          <a:lstStyle/>
+          <a:p>
+            <a:r>
+              <a:rPr lang="en-US" sz="1200" b="1" dirty="0"/>
+              <a:t>Public User</a:t>
+            </a:r>
+            <a:endParaRPr lang="en-SG" sz="1200" dirty="0"/>
           </a:p>
         </p:txBody>
       </p:sp>
       <p:sp>
         <p:nvSpPr>
-          <p:cNvPr id="77" name="Rectangle: Rounded Corners 76">
-            <a:extLst>
-              <a:ext uri="{FF2B5EF4-FFF2-40B4-BE49-F238E27FC236}">
-                <a16:creationId xmlns:a16="http://schemas.microsoft.com/office/drawing/2014/main" id="{DFDA798A-F031-4AD0-9151-FF011A0E5B9A}"/>
+          <p:cNvPr id="38" name="Rectangle 37">
+            <a:extLst>
+              <a:ext uri="{FF2B5EF4-FFF2-40B4-BE49-F238E27FC236}">
+                <a16:creationId xmlns:a16="http://schemas.microsoft.com/office/drawing/2014/main" id="{E3970C5A-09A0-2D8F-F378-1F85C8EF60D0}"/>
               </a:ext>
             </a:extLst>
           </p:cNvPr>
@@ -22657,37 +21926,36 @@
         </p:nvSpPr>
         <p:spPr>
           <a:xfrm>
-            <a:off x="5584618" y="3621035"/>
-            <a:ext cx="2219538" cy="833492"/>
-          </a:xfrm>
-          <a:prstGeom prst="roundRect">
+            <a:off x="4350645" y="1894595"/>
+            <a:ext cx="2485938" cy="1094090"/>
+          </a:xfrm>
+          <a:prstGeom prst="rect">
             <a:avLst/>
           </a:prstGeom>
           <a:noFill/>
-          <a:ln w="19050" cap="flat" cmpd="sng" algn="ctr">
+          <a:ln w="12700">
             <a:solidFill>
-              <a:schemeClr val="accent1">
+              <a:schemeClr val="accent6">
                 <a:lumMod val="75000"/>
               </a:schemeClr>
             </a:solidFill>
             <a:prstDash val="sysDash"/>
-            <a:round/>
-            <a:headEnd type="none" w="med" len="med"/>
-            <a:tailEnd type="none" w="med" len="med"/>
           </a:ln>
         </p:spPr>
         <p:style>
-          <a:lnRef idx="0">
-            <a:scrgbClr r="0" g="0" b="0"/>
+          <a:lnRef idx="2">
+            <a:schemeClr val="accent1">
+              <a:shade val="15000"/>
+            </a:schemeClr>
           </a:lnRef>
-          <a:fillRef idx="0">
-            <a:scrgbClr r="0" g="0" b="0"/>
+          <a:fillRef idx="1">
+            <a:schemeClr val="accent1"/>
           </a:fillRef>
           <a:effectRef idx="0">
-            <a:scrgbClr r="0" g="0" b="0"/>
+            <a:schemeClr val="accent1"/>
           </a:effectRef>
           <a:fontRef idx="minor">
-            <a:schemeClr val="accent2"/>
+            <a:schemeClr val="lt1"/>
           </a:fontRef>
         </p:style>
         <p:txBody>
@@ -22695,18 +21963,412 @@
           <a:lstStyle/>
           <a:p>
             <a:pPr algn="ctr"/>
-            <a:endParaRPr lang="en-SG" sz="1200" b="1" dirty="0">
+            <a:endParaRPr lang="en-SG" dirty="0"/>
+          </a:p>
+        </p:txBody>
+      </p:sp>
+      <p:pic>
+        <p:nvPicPr>
+          <p:cNvPr id="39" name="Picture 4">
+            <a:extLst>
+              <a:ext uri="{FF2B5EF4-FFF2-40B4-BE49-F238E27FC236}">
+                <a16:creationId xmlns:a16="http://schemas.microsoft.com/office/drawing/2014/main" id="{F311212F-4D00-2DFF-0C21-4FEFD6A24BE3}"/>
+              </a:ext>
+            </a:extLst>
+          </p:cNvPr>
+          <p:cNvPicPr>
+            <a:picLocks noChangeAspect="1" noChangeArrowheads="1"/>
+          </p:cNvPicPr>
+          <p:nvPr/>
+        </p:nvPicPr>
+        <p:blipFill>
+          <a:blip r:embed="rId2">
+            <a:extLst>
+              <a:ext uri="{28A0092B-C50C-407E-A947-70E740481C1C}">
+                <a14:useLocalDpi xmlns:a14="http://schemas.microsoft.com/office/drawing/2010/main" val="0"/>
+              </a:ext>
+            </a:extLst>
+          </a:blip>
+          <a:srcRect/>
+          <a:stretch>
+            <a:fillRect/>
+          </a:stretch>
+        </p:blipFill>
+        <p:spPr bwMode="auto">
+          <a:xfrm>
+            <a:off x="7308098" y="2271378"/>
+            <a:ext cx="340524" cy="340524"/>
+          </a:xfrm>
+          <a:prstGeom prst="rect">
+            <a:avLst/>
+          </a:prstGeom>
+          <a:noFill/>
+          <a:extLst>
+            <a:ext uri="{909E8E84-426E-40DD-AFC4-6F175D3DCCD1}">
+              <a14:hiddenFill xmlns:a14="http://schemas.microsoft.com/office/drawing/2010/main">
+                <a:solidFill>
+                  <a:srgbClr val="FFFFFF"/>
+                </a:solidFill>
+              </a14:hiddenFill>
+            </a:ext>
+          </a:extLst>
+        </p:spPr>
+      </p:pic>
+      <p:cxnSp>
+        <p:nvCxnSpPr>
+          <p:cNvPr id="40" name="Straight Arrow Connector 39">
+            <a:extLst>
+              <a:ext uri="{FF2B5EF4-FFF2-40B4-BE49-F238E27FC236}">
+                <a16:creationId xmlns:a16="http://schemas.microsoft.com/office/drawing/2014/main" id="{D3D5EF24-987E-80F2-45FD-FCB843489832}"/>
+              </a:ext>
+            </a:extLst>
+          </p:cNvPr>
+          <p:cNvCxnSpPr>
+            <a:cxnSpLocks/>
+          </p:cNvCxnSpPr>
+          <p:nvPr/>
+        </p:nvCxnSpPr>
+        <p:spPr>
+          <a:xfrm>
+            <a:off x="6702357" y="2441640"/>
+            <a:ext cx="620005" cy="0"/>
+          </a:xfrm>
+          <a:prstGeom prst="straightConnector1">
+            <a:avLst/>
+          </a:prstGeom>
+          <a:ln w="19050">
+            <a:headEnd type="triangle"/>
+            <a:tailEnd type="triangle"/>
+          </a:ln>
+        </p:spPr>
+        <p:style>
+          <a:lnRef idx="1">
+            <a:schemeClr val="accent1"/>
+          </a:lnRef>
+          <a:fillRef idx="0">
+            <a:schemeClr val="accent1"/>
+          </a:fillRef>
+          <a:effectRef idx="0">
+            <a:schemeClr val="accent1"/>
+          </a:effectRef>
+          <a:fontRef idx="minor">
+            <a:schemeClr val="tx1"/>
+          </a:fontRef>
+        </p:style>
+      </p:cxnSp>
+      <p:sp>
+        <p:nvSpPr>
+          <p:cNvPr id="42" name="Rectangle 41">
+            <a:extLst>
+              <a:ext uri="{FF2B5EF4-FFF2-40B4-BE49-F238E27FC236}">
+                <a16:creationId xmlns:a16="http://schemas.microsoft.com/office/drawing/2014/main" id="{94A7397B-2FBF-FC45-ADA9-A61FF4699D50}"/>
+              </a:ext>
+            </a:extLst>
+          </p:cNvPr>
+          <p:cNvSpPr/>
+          <p:nvPr/>
+        </p:nvSpPr>
+        <p:spPr>
+          <a:xfrm>
+            <a:off x="4532101" y="1947280"/>
+            <a:ext cx="1563899" cy="777695"/>
+          </a:xfrm>
+          <a:prstGeom prst="rect">
+            <a:avLst/>
+          </a:prstGeom>
+          <a:solidFill>
+            <a:schemeClr val="accent1">
+              <a:lumMod val="60000"/>
+              <a:lumOff val="40000"/>
+            </a:schemeClr>
+          </a:solidFill>
+        </p:spPr>
+        <p:style>
+          <a:lnRef idx="2">
+            <a:schemeClr val="accent1">
+              <a:shade val="15000"/>
+            </a:schemeClr>
+          </a:lnRef>
+          <a:fillRef idx="1">
+            <a:schemeClr val="accent1"/>
+          </a:fillRef>
+          <a:effectRef idx="0">
+            <a:schemeClr val="accent1"/>
+          </a:effectRef>
+          <a:fontRef idx="minor">
+            <a:schemeClr val="lt1"/>
+          </a:fontRef>
+        </p:style>
+        <p:txBody>
+          <a:bodyPr rtlCol="0" anchor="ctr"/>
+          <a:lstStyle/>
+          <a:p>
+            <a:r>
+              <a:rPr lang="en-SG" sz="1200" b="1" dirty="0">
+                <a:solidFill>
+                  <a:schemeClr val="tx1"/>
+                </a:solidFill>
+              </a:rPr>
+              <a:t>Cluster User Emulation System Monitor Hub [distributed ]</a:t>
+            </a:r>
+          </a:p>
+        </p:txBody>
+      </p:sp>
+      <p:pic>
+        <p:nvPicPr>
+          <p:cNvPr id="41" name="Picture 40" descr="A screenshot of a computer&#10;&#10;Description automatically generated">
+            <a:extLst>
+              <a:ext uri="{FF2B5EF4-FFF2-40B4-BE49-F238E27FC236}">
+                <a16:creationId xmlns:a16="http://schemas.microsoft.com/office/drawing/2014/main" id="{B419361E-8A22-ECF0-7FEE-58FAB04750DE}"/>
+              </a:ext>
+            </a:extLst>
+          </p:cNvPr>
+          <p:cNvPicPr>
+            <a:picLocks noChangeAspect="1"/>
+          </p:cNvPicPr>
+          <p:nvPr/>
+        </p:nvPicPr>
+        <p:blipFill rotWithShape="1">
+          <a:blip r:embed="rId4">
+            <a:extLst>
+              <a:ext uri="{28A0092B-C50C-407E-A947-70E740481C1C}">
+                <a14:useLocalDpi xmlns:a14="http://schemas.microsoft.com/office/drawing/2010/main" val="0"/>
+              </a:ext>
+            </a:extLst>
+          </a:blip>
+          <a:srcRect b="5440"/>
+          <a:stretch/>
+        </p:blipFill>
+        <p:spPr>
+          <a:xfrm>
+            <a:off x="5550447" y="2336128"/>
+            <a:ext cx="1151910" cy="612703"/>
+          </a:xfrm>
+          <a:prstGeom prst="rect">
+            <a:avLst/>
+          </a:prstGeom>
+          <a:ln w="3175">
+            <a:solidFill>
+              <a:schemeClr val="tx1"/>
+            </a:solidFill>
+          </a:ln>
+        </p:spPr>
+      </p:pic>
+      <p:cxnSp>
+        <p:nvCxnSpPr>
+          <p:cNvPr id="43" name="Straight Arrow Connector 42">
+            <a:extLst>
+              <a:ext uri="{FF2B5EF4-FFF2-40B4-BE49-F238E27FC236}">
+                <a16:creationId xmlns:a16="http://schemas.microsoft.com/office/drawing/2014/main" id="{11C2E924-E8F1-09F5-6C4E-734A906A6985}"/>
+              </a:ext>
+            </a:extLst>
+          </p:cNvPr>
+          <p:cNvCxnSpPr>
+            <a:cxnSpLocks/>
+            <a:stCxn id="10" idx="3"/>
+          </p:cNvCxnSpPr>
+          <p:nvPr/>
+        </p:nvCxnSpPr>
+        <p:spPr>
+          <a:xfrm>
+            <a:off x="2886074" y="2411906"/>
+            <a:ext cx="1605602" cy="0"/>
+          </a:xfrm>
+          <a:prstGeom prst="straightConnector1">
+            <a:avLst/>
+          </a:prstGeom>
+          <a:ln w="19050">
+            <a:headEnd type="triangle"/>
+            <a:tailEnd type="triangle"/>
+          </a:ln>
+        </p:spPr>
+        <p:style>
+          <a:lnRef idx="1">
+            <a:schemeClr val="accent1"/>
+          </a:lnRef>
+          <a:fillRef idx="0">
+            <a:schemeClr val="accent1"/>
+          </a:fillRef>
+          <a:effectRef idx="0">
+            <a:schemeClr val="accent1"/>
+          </a:effectRef>
+          <a:fontRef idx="minor">
+            <a:schemeClr val="tx1"/>
+          </a:fontRef>
+        </p:style>
+      </p:cxnSp>
+      <p:sp>
+        <p:nvSpPr>
+          <p:cNvPr id="49" name="TextBox 48">
+            <a:extLst>
+              <a:ext uri="{FF2B5EF4-FFF2-40B4-BE49-F238E27FC236}">
+                <a16:creationId xmlns:a16="http://schemas.microsoft.com/office/drawing/2014/main" id="{FEA2F0A1-606E-363D-39C0-88A6FCC0AC2C}"/>
+              </a:ext>
+            </a:extLst>
+          </p:cNvPr>
+          <p:cNvSpPr txBox="1"/>
+          <p:nvPr/>
+        </p:nvSpPr>
+        <p:spPr>
+          <a:xfrm>
+            <a:off x="4212543" y="1583724"/>
+            <a:ext cx="2203014" cy="307777"/>
+          </a:xfrm>
+          <a:prstGeom prst="rect">
+            <a:avLst/>
+          </a:prstGeom>
+          <a:noFill/>
+        </p:spPr>
+        <p:txBody>
+          <a:bodyPr wrap="square" rtlCol="0">
+            <a:spAutoFit/>
+          </a:bodyPr>
+          <a:lstStyle/>
+          <a:p>
+            <a:r>
+              <a:rPr lang="en-US" sz="1400" b="1" dirty="0">
+                <a:solidFill>
+                  <a:schemeClr val="accent6">
+                    <a:lumMod val="75000"/>
+                  </a:schemeClr>
+                </a:solidFill>
+              </a:rPr>
+              <a:t>Local environment access</a:t>
+            </a:r>
+            <a:endParaRPr lang="en-SG" sz="1400" b="1" dirty="0">
               <a:solidFill>
-                <a:schemeClr val="tx1"/>
+                <a:schemeClr val="accent6">
+                  <a:lumMod val="75000"/>
+                </a:schemeClr>
               </a:solidFill>
             </a:endParaRPr>
+          </a:p>
+        </p:txBody>
+      </p:sp>
+      <p:sp>
+        <p:nvSpPr>
+          <p:cNvPr id="50" name="TextBox 49">
+            <a:extLst>
+              <a:ext uri="{FF2B5EF4-FFF2-40B4-BE49-F238E27FC236}">
+                <a16:creationId xmlns:a16="http://schemas.microsoft.com/office/drawing/2014/main" id="{F547DA80-864D-F11C-E29B-513EB12FFEA4}"/>
+              </a:ext>
+            </a:extLst>
+          </p:cNvPr>
+          <p:cNvSpPr txBox="1"/>
+          <p:nvPr/>
+        </p:nvSpPr>
+        <p:spPr>
+          <a:xfrm>
+            <a:off x="4314714" y="2950316"/>
+            <a:ext cx="2203014" cy="307777"/>
+          </a:xfrm>
+          <a:prstGeom prst="rect">
+            <a:avLst/>
+          </a:prstGeom>
+          <a:noFill/>
+        </p:spPr>
+        <p:txBody>
+          <a:bodyPr wrap="square" rtlCol="0">
+            <a:spAutoFit/>
+          </a:bodyPr>
+          <a:lstStyle/>
+          <a:p>
+            <a:r>
+              <a:rPr lang="en-US" sz="1400" b="1" dirty="0">
+                <a:solidFill>
+                  <a:schemeClr val="accent6">
+                    <a:lumMod val="75000"/>
+                  </a:schemeClr>
+                </a:solidFill>
+              </a:rPr>
+              <a:t>Public environment access</a:t>
+            </a:r>
+            <a:endParaRPr lang="en-SG" sz="1400" b="1" dirty="0">
+              <a:solidFill>
+                <a:schemeClr val="accent6">
+                  <a:lumMod val="75000"/>
+                </a:schemeClr>
+              </a:solidFill>
+            </a:endParaRPr>
+          </a:p>
+        </p:txBody>
+      </p:sp>
+      <p:sp>
+        <p:nvSpPr>
+          <p:cNvPr id="54" name="TextBox 53">
+            <a:extLst>
+              <a:ext uri="{FF2B5EF4-FFF2-40B4-BE49-F238E27FC236}">
+                <a16:creationId xmlns:a16="http://schemas.microsoft.com/office/drawing/2014/main" id="{96FC4408-0E05-EC90-02D3-E9D0C5C39815}"/>
+              </a:ext>
+            </a:extLst>
+          </p:cNvPr>
+          <p:cNvSpPr txBox="1"/>
+          <p:nvPr/>
+        </p:nvSpPr>
+        <p:spPr>
+          <a:xfrm>
+            <a:off x="2652565" y="3820668"/>
+            <a:ext cx="956227" cy="461665"/>
+          </a:xfrm>
+          <a:prstGeom prst="rect">
+            <a:avLst/>
+          </a:prstGeom>
+          <a:noFill/>
+        </p:spPr>
+        <p:txBody>
+          <a:bodyPr wrap="square" rtlCol="0">
+            <a:spAutoFit/>
+          </a:bodyPr>
+          <a:lstStyle/>
+          <a:p>
+            <a:r>
+              <a:rPr lang="en-US" sz="1200" b="1" dirty="0"/>
+              <a:t>Internal User</a:t>
+            </a:r>
+            <a:endParaRPr lang="en-SG" sz="1200" dirty="0"/>
+          </a:p>
+        </p:txBody>
+      </p:sp>
+      <p:sp>
+        <p:nvSpPr>
+          <p:cNvPr id="55" name="TextBox 54">
+            <a:extLst>
+              <a:ext uri="{FF2B5EF4-FFF2-40B4-BE49-F238E27FC236}">
+                <a16:creationId xmlns:a16="http://schemas.microsoft.com/office/drawing/2014/main" id="{5BAA0095-4C50-E55E-9C62-DBADFED97520}"/>
+              </a:ext>
+            </a:extLst>
+          </p:cNvPr>
+          <p:cNvSpPr txBox="1"/>
+          <p:nvPr/>
+        </p:nvSpPr>
+        <p:spPr>
+          <a:xfrm>
+            <a:off x="6836582" y="1992307"/>
+            <a:ext cx="1083855" cy="276999"/>
+          </a:xfrm>
+          <a:prstGeom prst="rect">
+            <a:avLst/>
+          </a:prstGeom>
+          <a:noFill/>
+        </p:spPr>
+        <p:txBody>
+          <a:bodyPr wrap="square" rtlCol="0">
+            <a:spAutoFit/>
+          </a:bodyPr>
+          <a:lstStyle/>
+          <a:p>
+            <a:r>
+              <a:rPr lang="en-US" sz="1200" b="1" dirty="0"/>
+              <a:t>Specific User</a:t>
+            </a:r>
+            <a:endParaRPr lang="en-SG" sz="1200" dirty="0"/>
           </a:p>
         </p:txBody>
       </p:sp>
     </p:spTree>
     <p:extLst>
       <p:ext uri="{BB962C8B-B14F-4D97-AF65-F5344CB8AC3E}">
-        <p14:creationId xmlns:p14="http://schemas.microsoft.com/office/powerpoint/2010/main" val="3271524681"/>
+        <p14:creationId xmlns:p14="http://schemas.microsoft.com/office/powerpoint/2010/main" val="907395175"/>
       </p:ext>
     </p:extLst>
   </p:cSld>
@@ -22733,52 +22395,6 @@
           <a:chExt cx="0" cy="0"/>
         </a:xfrm>
       </p:grpSpPr>
-      <p:sp>
-        <p:nvSpPr>
-          <p:cNvPr id="4" name="Rectangle 3">
-            <a:extLst>
-              <a:ext uri="{FF2B5EF4-FFF2-40B4-BE49-F238E27FC236}">
-                <a16:creationId xmlns:a16="http://schemas.microsoft.com/office/drawing/2014/main" id="{D8DD1451-AD91-CBFA-00B1-D1B8F3614AB8}"/>
-              </a:ext>
-            </a:extLst>
-          </p:cNvPr>
-          <p:cNvSpPr/>
-          <p:nvPr/>
-        </p:nvSpPr>
-        <p:spPr>
-          <a:xfrm>
-            <a:off x="2451941" y="2121011"/>
-            <a:ext cx="2613835" cy="997093"/>
-          </a:xfrm>
-          <a:prstGeom prst="rect">
-            <a:avLst/>
-          </a:prstGeom>
-          <a:ln w="19050">
-            <a:prstDash val="sysDash"/>
-          </a:ln>
-        </p:spPr>
-        <p:style>
-          <a:lnRef idx="2">
-            <a:schemeClr val="accent6"/>
-          </a:lnRef>
-          <a:fillRef idx="1">
-            <a:schemeClr val="lt1"/>
-          </a:fillRef>
-          <a:effectRef idx="0">
-            <a:schemeClr val="accent6"/>
-          </a:effectRef>
-          <a:fontRef idx="minor">
-            <a:schemeClr val="dk1"/>
-          </a:fontRef>
-        </p:style>
-        <p:txBody>
-          <a:bodyPr rtlCol="0" anchor="ctr"/>
-          <a:lstStyle/>
-          <a:p>
-            <a:endParaRPr lang="en-SG" b="1" dirty="0"/>
-          </a:p>
-        </p:txBody>
-      </p:sp>
       <p:pic>
         <p:nvPicPr>
           <p:cNvPr id="5" name="Picture 4">
@@ -23133,6 +22749,106 @@
           </a:p>
         </p:txBody>
       </p:sp>
+      <p:pic>
+        <p:nvPicPr>
+          <p:cNvPr id="15" name="Picture 14">
+            <a:extLst>
+              <a:ext uri="{FF2B5EF4-FFF2-40B4-BE49-F238E27FC236}">
+                <a16:creationId xmlns:a16="http://schemas.microsoft.com/office/drawing/2014/main" id="{31903FAE-4C93-BE80-BE5F-CCCA24A302EB}"/>
+              </a:ext>
+            </a:extLst>
+          </p:cNvPr>
+          <p:cNvPicPr>
+            <a:picLocks noChangeAspect="1"/>
+          </p:cNvPicPr>
+          <p:nvPr/>
+        </p:nvPicPr>
+        <p:blipFill>
+          <a:blip r:embed="rId3"/>
+          <a:stretch>
+            <a:fillRect/>
+          </a:stretch>
+        </p:blipFill>
+        <p:spPr>
+          <a:xfrm>
+            <a:off x="3054269" y="2219989"/>
+            <a:ext cx="176680" cy="175361"/>
+          </a:xfrm>
+          <a:prstGeom prst="rect">
+            <a:avLst/>
+          </a:prstGeom>
+        </p:spPr>
+      </p:pic>
+      <p:pic>
+        <p:nvPicPr>
+          <p:cNvPr id="16" name="Picture 15">
+            <a:extLst>
+              <a:ext uri="{FF2B5EF4-FFF2-40B4-BE49-F238E27FC236}">
+                <a16:creationId xmlns:a16="http://schemas.microsoft.com/office/drawing/2014/main" id="{CFB0B42E-0474-0A00-DED9-C376516F462E}"/>
+              </a:ext>
+            </a:extLst>
+          </p:cNvPr>
+          <p:cNvPicPr>
+            <a:picLocks noChangeAspect="1"/>
+          </p:cNvPicPr>
+          <p:nvPr/>
+        </p:nvPicPr>
+        <p:blipFill>
+          <a:blip r:embed="rId4"/>
+          <a:stretch>
+            <a:fillRect/>
+          </a:stretch>
+        </p:blipFill>
+        <p:spPr>
+          <a:xfrm>
+            <a:off x="3844234" y="2255533"/>
+            <a:ext cx="202752" cy="199446"/>
+          </a:xfrm>
+          <a:prstGeom prst="rect">
+            <a:avLst/>
+          </a:prstGeom>
+          <a:ln w="6350">
+            <a:solidFill>
+              <a:schemeClr val="tx1"/>
+            </a:solidFill>
+          </a:ln>
+        </p:spPr>
+      </p:pic>
+      <p:pic>
+        <p:nvPicPr>
+          <p:cNvPr id="17" name="Picture 16">
+            <a:extLst>
+              <a:ext uri="{FF2B5EF4-FFF2-40B4-BE49-F238E27FC236}">
+                <a16:creationId xmlns:a16="http://schemas.microsoft.com/office/drawing/2014/main" id="{ED2FF56A-2562-0469-6275-E7A5C4269DAA}"/>
+              </a:ext>
+            </a:extLst>
+          </p:cNvPr>
+          <p:cNvPicPr>
+            <a:picLocks noChangeAspect="1"/>
+          </p:cNvPicPr>
+          <p:nvPr/>
+        </p:nvPicPr>
+        <p:blipFill>
+          <a:blip r:embed="rId5"/>
+          <a:stretch>
+            <a:fillRect/>
+          </a:stretch>
+        </p:blipFill>
+        <p:spPr>
+          <a:xfrm>
+            <a:off x="4660271" y="2285946"/>
+            <a:ext cx="162449" cy="171619"/>
+          </a:xfrm>
+          <a:prstGeom prst="rect">
+            <a:avLst/>
+          </a:prstGeom>
+          <a:ln w="9525">
+            <a:solidFill>
+              <a:schemeClr val="tx1"/>
+            </a:solidFill>
+          </a:ln>
+        </p:spPr>
+      </p:pic>
       <p:sp>
         <p:nvSpPr>
           <p:cNvPr id="18" name="Arrow: Left-Right 17">
@@ -23202,7 +22918,7 @@
           <p:nvPr/>
         </p:nvPicPr>
         <p:blipFill>
-          <a:blip r:embed="rId3"/>
+          <a:blip r:embed="rId6"/>
           <a:stretch>
             <a:fillRect/>
           </a:stretch>
@@ -23364,52 +23080,6 @@
       </p:sp>
       <p:sp>
         <p:nvSpPr>
-          <p:cNvPr id="28" name="Rectangle 27">
-            <a:extLst>
-              <a:ext uri="{FF2B5EF4-FFF2-40B4-BE49-F238E27FC236}">
-                <a16:creationId xmlns:a16="http://schemas.microsoft.com/office/drawing/2014/main" id="{C1955375-D852-FF24-7492-DE192609D050}"/>
-              </a:ext>
-            </a:extLst>
-          </p:cNvPr>
-          <p:cNvSpPr/>
-          <p:nvPr/>
-        </p:nvSpPr>
-        <p:spPr>
-          <a:xfrm>
-            <a:off x="5579748" y="3680879"/>
-            <a:ext cx="2369995" cy="750371"/>
-          </a:xfrm>
-          <a:prstGeom prst="rect">
-            <a:avLst/>
-          </a:prstGeom>
-          <a:ln w="19050">
-            <a:prstDash val="sysDash"/>
-          </a:ln>
-        </p:spPr>
-        <p:style>
-          <a:lnRef idx="2">
-            <a:schemeClr val="accent6"/>
-          </a:lnRef>
-          <a:fillRef idx="1">
-            <a:schemeClr val="lt1"/>
-          </a:fillRef>
-          <a:effectRef idx="0">
-            <a:schemeClr val="accent6"/>
-          </a:effectRef>
-          <a:fontRef idx="minor">
-            <a:schemeClr val="dk1"/>
-          </a:fontRef>
-        </p:style>
-        <p:txBody>
-          <a:bodyPr rtlCol="0" anchor="ctr"/>
-          <a:lstStyle/>
-          <a:p>
-            <a:endParaRPr lang="en-SG" b="1" dirty="0"/>
-          </a:p>
-        </p:txBody>
-      </p:sp>
-      <p:sp>
-        <p:nvSpPr>
           <p:cNvPr id="29" name="Arrow: Right 28">
             <a:extLst>
               <a:ext uri="{FF2B5EF4-FFF2-40B4-BE49-F238E27FC236}">
@@ -23458,6 +23128,216 @@
           </a:p>
         </p:txBody>
       </p:sp>
+      <p:pic>
+        <p:nvPicPr>
+          <p:cNvPr id="30" name="Picture 29">
+            <a:extLst>
+              <a:ext uri="{FF2B5EF4-FFF2-40B4-BE49-F238E27FC236}">
+                <a16:creationId xmlns:a16="http://schemas.microsoft.com/office/drawing/2014/main" id="{EBC8FC24-5B02-77B7-95E2-6BB2BEC0280A}"/>
+              </a:ext>
+            </a:extLst>
+          </p:cNvPr>
+          <p:cNvPicPr>
+            <a:picLocks noChangeAspect="1"/>
+          </p:cNvPicPr>
+          <p:nvPr/>
+        </p:nvPicPr>
+        <p:blipFill>
+          <a:blip r:embed="rId7"/>
+          <a:stretch>
+            <a:fillRect/>
+          </a:stretch>
+        </p:blipFill>
+        <p:spPr>
+          <a:xfrm>
+            <a:off x="5779574" y="3857873"/>
+            <a:ext cx="407652" cy="317063"/>
+          </a:xfrm>
+          <a:prstGeom prst="rect">
+            <a:avLst/>
+          </a:prstGeom>
+          <a:ln w="3175">
+            <a:solidFill>
+              <a:schemeClr val="tx1"/>
+            </a:solidFill>
+          </a:ln>
+        </p:spPr>
+      </p:pic>
+      <p:pic>
+        <p:nvPicPr>
+          <p:cNvPr id="31" name="Picture 30">
+            <a:extLst>
+              <a:ext uri="{FF2B5EF4-FFF2-40B4-BE49-F238E27FC236}">
+                <a16:creationId xmlns:a16="http://schemas.microsoft.com/office/drawing/2014/main" id="{2DE7B82E-7132-8EFA-F467-300276E246C5}"/>
+              </a:ext>
+            </a:extLst>
+          </p:cNvPr>
+          <p:cNvPicPr>
+            <a:picLocks noChangeAspect="1"/>
+          </p:cNvPicPr>
+          <p:nvPr/>
+        </p:nvPicPr>
+        <p:blipFill>
+          <a:blip r:embed="rId7"/>
+          <a:stretch>
+            <a:fillRect/>
+          </a:stretch>
+        </p:blipFill>
+        <p:spPr>
+          <a:xfrm>
+            <a:off x="6363529" y="3874057"/>
+            <a:ext cx="407652" cy="317063"/>
+          </a:xfrm>
+          <a:prstGeom prst="rect">
+            <a:avLst/>
+          </a:prstGeom>
+          <a:ln w="3175">
+            <a:solidFill>
+              <a:schemeClr val="tx1"/>
+            </a:solidFill>
+          </a:ln>
+        </p:spPr>
+      </p:pic>
+      <p:pic>
+        <p:nvPicPr>
+          <p:cNvPr id="32" name="Picture 31">
+            <a:extLst>
+              <a:ext uri="{FF2B5EF4-FFF2-40B4-BE49-F238E27FC236}">
+                <a16:creationId xmlns:a16="http://schemas.microsoft.com/office/drawing/2014/main" id="{97BEEEB7-387A-B905-069B-CA1F1B143D63}"/>
+              </a:ext>
+            </a:extLst>
+          </p:cNvPr>
+          <p:cNvPicPr>
+            <a:picLocks noChangeAspect="1"/>
+          </p:cNvPicPr>
+          <p:nvPr/>
+        </p:nvPicPr>
+        <p:blipFill>
+          <a:blip r:embed="rId7"/>
+          <a:stretch>
+            <a:fillRect/>
+          </a:stretch>
+        </p:blipFill>
+        <p:spPr>
+          <a:xfrm>
+            <a:off x="7014888" y="3778607"/>
+            <a:ext cx="407652" cy="317063"/>
+          </a:xfrm>
+          <a:prstGeom prst="rect">
+            <a:avLst/>
+          </a:prstGeom>
+          <a:ln w="3175">
+            <a:solidFill>
+              <a:schemeClr val="tx1"/>
+            </a:solidFill>
+          </a:ln>
+        </p:spPr>
+      </p:pic>
+      <p:pic>
+        <p:nvPicPr>
+          <p:cNvPr id="33" name="Picture 32">
+            <a:extLst>
+              <a:ext uri="{FF2B5EF4-FFF2-40B4-BE49-F238E27FC236}">
+                <a16:creationId xmlns:a16="http://schemas.microsoft.com/office/drawing/2014/main" id="{C78F167F-45BF-F55B-1A72-AE9668C145DC}"/>
+              </a:ext>
+            </a:extLst>
+          </p:cNvPr>
+          <p:cNvPicPr>
+            <a:picLocks noChangeAspect="1"/>
+          </p:cNvPicPr>
+          <p:nvPr/>
+        </p:nvPicPr>
+        <p:blipFill>
+          <a:blip r:embed="rId7"/>
+          <a:stretch>
+            <a:fillRect/>
+          </a:stretch>
+        </p:blipFill>
+        <p:spPr>
+          <a:xfrm>
+            <a:off x="6935126" y="3953456"/>
+            <a:ext cx="407652" cy="317063"/>
+          </a:xfrm>
+          <a:prstGeom prst="rect">
+            <a:avLst/>
+          </a:prstGeom>
+          <a:ln w="3175">
+            <a:solidFill>
+              <a:schemeClr val="tx1"/>
+            </a:solidFill>
+          </a:ln>
+        </p:spPr>
+      </p:pic>
+      <p:pic>
+        <p:nvPicPr>
+          <p:cNvPr id="34" name="Picture 33">
+            <a:extLst>
+              <a:ext uri="{FF2B5EF4-FFF2-40B4-BE49-F238E27FC236}">
+                <a16:creationId xmlns:a16="http://schemas.microsoft.com/office/drawing/2014/main" id="{664B94CC-6E35-311D-AF4D-369EA658F89D}"/>
+              </a:ext>
+            </a:extLst>
+          </p:cNvPr>
+          <p:cNvPicPr>
+            <a:picLocks noChangeAspect="1"/>
+          </p:cNvPicPr>
+          <p:nvPr/>
+        </p:nvPicPr>
+        <p:blipFill>
+          <a:blip r:embed="rId3"/>
+          <a:stretch>
+            <a:fillRect/>
+          </a:stretch>
+        </p:blipFill>
+        <p:spPr>
+          <a:xfrm>
+            <a:off x="6565410" y="3969496"/>
+            <a:ext cx="176680" cy="175361"/>
+          </a:xfrm>
+          <a:prstGeom prst="rect">
+            <a:avLst/>
+          </a:prstGeom>
+          <a:ln w="6350">
+            <a:solidFill>
+              <a:schemeClr val="tx1"/>
+            </a:solidFill>
+          </a:ln>
+        </p:spPr>
+      </p:pic>
+      <p:pic>
+        <p:nvPicPr>
+          <p:cNvPr id="35" name="Picture 34">
+            <a:extLst>
+              <a:ext uri="{FF2B5EF4-FFF2-40B4-BE49-F238E27FC236}">
+                <a16:creationId xmlns:a16="http://schemas.microsoft.com/office/drawing/2014/main" id="{07D65D5E-95C1-E69F-D35E-D927C8D20761}"/>
+              </a:ext>
+            </a:extLst>
+          </p:cNvPr>
+          <p:cNvPicPr>
+            <a:picLocks noChangeAspect="1"/>
+          </p:cNvPicPr>
+          <p:nvPr/>
+        </p:nvPicPr>
+        <p:blipFill>
+          <a:blip r:embed="rId4"/>
+          <a:stretch>
+            <a:fillRect/>
+          </a:stretch>
+        </p:blipFill>
+        <p:spPr>
+          <a:xfrm>
+            <a:off x="7140026" y="4029043"/>
+            <a:ext cx="202752" cy="199446"/>
+          </a:xfrm>
+          <a:prstGeom prst="rect">
+            <a:avLst/>
+          </a:prstGeom>
+          <a:ln w="6350">
+            <a:solidFill>
+              <a:schemeClr val="tx1"/>
+            </a:solidFill>
+          </a:ln>
+        </p:spPr>
+      </p:pic>
       <p:sp>
         <p:nvSpPr>
           <p:cNvPr id="38" name="TextBox 37">
@@ -23545,6 +23425,7 @@
           </p:cNvPr>
           <p:cNvCxnSpPr>
             <a:cxnSpLocks/>
+            <a:endCxn id="32" idx="1"/>
           </p:cNvCxnSpPr>
           <p:nvPr/>
         </p:nvCxnSpPr>
@@ -23785,6 +23666,1503 @@
                   <a:schemeClr val="tx1"/>
                 </a:solidFill>
               </a:rPr>
+              <a:t>Scheduler Monitor Hub [SMU] </a:t>
+            </a:r>
+          </a:p>
+        </p:txBody>
+      </p:sp>
+      <p:cxnSp>
+        <p:nvCxnSpPr>
+          <p:cNvPr id="57" name="Straight Arrow Connector 56">
+            <a:extLst>
+              <a:ext uri="{FF2B5EF4-FFF2-40B4-BE49-F238E27FC236}">
+                <a16:creationId xmlns:a16="http://schemas.microsoft.com/office/drawing/2014/main" id="{E3B95400-44E6-45D0-782B-A0A7510EBF69}"/>
+              </a:ext>
+            </a:extLst>
+          </p:cNvPr>
+          <p:cNvCxnSpPr/>
+          <p:nvPr/>
+        </p:nvCxnSpPr>
+        <p:spPr>
+          <a:xfrm>
+            <a:off x="6096000" y="2960738"/>
+            <a:ext cx="0" cy="846682"/>
+          </a:xfrm>
+          <a:prstGeom prst="straightConnector1">
+            <a:avLst/>
+          </a:prstGeom>
+          <a:ln>
+            <a:headEnd type="triangle"/>
+            <a:tailEnd type="triangle"/>
+          </a:ln>
+        </p:spPr>
+        <p:style>
+          <a:lnRef idx="1">
+            <a:schemeClr val="accent1"/>
+          </a:lnRef>
+          <a:fillRef idx="0">
+            <a:schemeClr val="accent1"/>
+          </a:fillRef>
+          <a:effectRef idx="0">
+            <a:schemeClr val="accent1"/>
+          </a:effectRef>
+          <a:fontRef idx="minor">
+            <a:schemeClr val="tx1"/>
+          </a:fontRef>
+        </p:style>
+      </p:cxnSp>
+      <p:cxnSp>
+        <p:nvCxnSpPr>
+          <p:cNvPr id="62" name="Straight Arrow Connector 61">
+            <a:extLst>
+              <a:ext uri="{FF2B5EF4-FFF2-40B4-BE49-F238E27FC236}">
+                <a16:creationId xmlns:a16="http://schemas.microsoft.com/office/drawing/2014/main" id="{685B7E69-2D21-2396-8F2F-03A86443E0D8}"/>
+              </a:ext>
+            </a:extLst>
+          </p:cNvPr>
+          <p:cNvCxnSpPr/>
+          <p:nvPr/>
+        </p:nvCxnSpPr>
+        <p:spPr>
+          <a:xfrm>
+            <a:off x="6579821" y="2960738"/>
+            <a:ext cx="0" cy="846682"/>
+          </a:xfrm>
+          <a:prstGeom prst="straightConnector1">
+            <a:avLst/>
+          </a:prstGeom>
+          <a:ln>
+            <a:headEnd type="triangle"/>
+            <a:tailEnd type="triangle"/>
+          </a:ln>
+        </p:spPr>
+        <p:style>
+          <a:lnRef idx="1">
+            <a:schemeClr val="accent1"/>
+          </a:lnRef>
+          <a:fillRef idx="0">
+            <a:schemeClr val="accent1"/>
+          </a:fillRef>
+          <a:effectRef idx="0">
+            <a:schemeClr val="accent1"/>
+          </a:effectRef>
+          <a:fontRef idx="minor">
+            <a:schemeClr val="tx1"/>
+          </a:fontRef>
+        </p:style>
+      </p:cxnSp>
+      <p:cxnSp>
+        <p:nvCxnSpPr>
+          <p:cNvPr id="63" name="Straight Arrow Connector 62">
+            <a:extLst>
+              <a:ext uri="{FF2B5EF4-FFF2-40B4-BE49-F238E27FC236}">
+                <a16:creationId xmlns:a16="http://schemas.microsoft.com/office/drawing/2014/main" id="{119582EB-2F9C-B593-E3AF-930F9DC4E54D}"/>
+              </a:ext>
+            </a:extLst>
+          </p:cNvPr>
+          <p:cNvCxnSpPr>
+            <a:cxnSpLocks/>
+          </p:cNvCxnSpPr>
+          <p:nvPr/>
+        </p:nvCxnSpPr>
+        <p:spPr>
+          <a:xfrm>
+            <a:off x="7185589" y="2961980"/>
+            <a:ext cx="0" cy="769032"/>
+          </a:xfrm>
+          <a:prstGeom prst="straightConnector1">
+            <a:avLst/>
+          </a:prstGeom>
+          <a:ln>
+            <a:headEnd type="triangle"/>
+            <a:tailEnd type="triangle"/>
+          </a:ln>
+        </p:spPr>
+        <p:style>
+          <a:lnRef idx="1">
+            <a:schemeClr val="accent1"/>
+          </a:lnRef>
+          <a:fillRef idx="0">
+            <a:schemeClr val="accent1"/>
+          </a:fillRef>
+          <a:effectRef idx="0">
+            <a:schemeClr val="accent1"/>
+          </a:effectRef>
+          <a:fontRef idx="minor">
+            <a:schemeClr val="tx1"/>
+          </a:fontRef>
+        </p:style>
+      </p:cxnSp>
+      <p:cxnSp>
+        <p:nvCxnSpPr>
+          <p:cNvPr id="65" name="Straight Arrow Connector 64">
+            <a:extLst>
+              <a:ext uri="{FF2B5EF4-FFF2-40B4-BE49-F238E27FC236}">
+                <a16:creationId xmlns:a16="http://schemas.microsoft.com/office/drawing/2014/main" id="{28F8EF49-A405-035B-39E6-FEB7730F8573}"/>
+              </a:ext>
+            </a:extLst>
+          </p:cNvPr>
+          <p:cNvCxnSpPr>
+            <a:cxnSpLocks/>
+          </p:cNvCxnSpPr>
+          <p:nvPr/>
+        </p:nvCxnSpPr>
+        <p:spPr>
+          <a:xfrm>
+            <a:off x="7121984" y="2961980"/>
+            <a:ext cx="0" cy="769032"/>
+          </a:xfrm>
+          <a:prstGeom prst="straightConnector1">
+            <a:avLst/>
+          </a:prstGeom>
+          <a:ln>
+            <a:headEnd type="triangle"/>
+            <a:tailEnd type="triangle"/>
+          </a:ln>
+        </p:spPr>
+        <p:style>
+          <a:lnRef idx="1">
+            <a:schemeClr val="accent1"/>
+          </a:lnRef>
+          <a:fillRef idx="0">
+            <a:schemeClr val="accent1"/>
+          </a:fillRef>
+          <a:effectRef idx="0">
+            <a:schemeClr val="accent1"/>
+          </a:effectRef>
+          <a:fontRef idx="minor">
+            <a:schemeClr val="tx1"/>
+          </a:fontRef>
+        </p:style>
+      </p:cxnSp>
+      <p:pic>
+        <p:nvPicPr>
+          <p:cNvPr id="67" name="Picture 4">
+            <a:extLst>
+              <a:ext uri="{FF2B5EF4-FFF2-40B4-BE49-F238E27FC236}">
+                <a16:creationId xmlns:a16="http://schemas.microsoft.com/office/drawing/2014/main" id="{8E89A05D-5CFE-7DA8-87DC-B9312D615034}"/>
+              </a:ext>
+            </a:extLst>
+          </p:cNvPr>
+          <p:cNvPicPr>
+            <a:picLocks noChangeAspect="1" noChangeArrowheads="1"/>
+          </p:cNvPicPr>
+          <p:nvPr/>
+        </p:nvPicPr>
+        <p:blipFill>
+          <a:blip r:embed="rId8">
+            <a:extLst>
+              <a:ext uri="{28A0092B-C50C-407E-A947-70E740481C1C}">
+                <a14:useLocalDpi xmlns:a14="http://schemas.microsoft.com/office/drawing/2010/main" val="0"/>
+              </a:ext>
+            </a:extLst>
+          </a:blip>
+          <a:srcRect/>
+          <a:stretch>
+            <a:fillRect/>
+          </a:stretch>
+        </p:blipFill>
+        <p:spPr bwMode="auto">
+          <a:xfrm>
+            <a:off x="8220536" y="2435079"/>
+            <a:ext cx="382345" cy="382345"/>
+          </a:xfrm>
+          <a:prstGeom prst="rect">
+            <a:avLst/>
+          </a:prstGeom>
+          <a:noFill/>
+          <a:extLst>
+            <a:ext uri="{909E8E84-426E-40DD-AFC4-6F175D3DCCD1}">
+              <a14:hiddenFill xmlns:a14="http://schemas.microsoft.com/office/drawing/2010/main">
+                <a:solidFill>
+                  <a:srgbClr val="FFFFFF"/>
+                </a:solidFill>
+              </a14:hiddenFill>
+            </a:ext>
+          </a:extLst>
+        </p:spPr>
+      </p:pic>
+      <p:sp>
+        <p:nvSpPr>
+          <p:cNvPr id="69" name="TextBox 68">
+            <a:extLst>
+              <a:ext uri="{FF2B5EF4-FFF2-40B4-BE49-F238E27FC236}">
+                <a16:creationId xmlns:a16="http://schemas.microsoft.com/office/drawing/2014/main" id="{263D8DD6-59FF-D830-DEF4-93B0A27B58C1}"/>
+              </a:ext>
+            </a:extLst>
+          </p:cNvPr>
+          <p:cNvSpPr txBox="1"/>
+          <p:nvPr/>
+        </p:nvSpPr>
+        <p:spPr>
+          <a:xfrm>
+            <a:off x="8220536" y="2773367"/>
+            <a:ext cx="956227" cy="276999"/>
+          </a:xfrm>
+          <a:prstGeom prst="rect">
+            <a:avLst/>
+          </a:prstGeom>
+          <a:noFill/>
+        </p:spPr>
+        <p:txBody>
+          <a:bodyPr wrap="square" rtlCol="0">
+            <a:spAutoFit/>
+          </a:bodyPr>
+          <a:lstStyle/>
+          <a:p>
+            <a:r>
+              <a:rPr lang="en-US" sz="1200" b="1" dirty="0"/>
+              <a:t>User</a:t>
+            </a:r>
+            <a:endParaRPr lang="en-SG" sz="1200" dirty="0"/>
+          </a:p>
+        </p:txBody>
+      </p:sp>
+      <p:cxnSp>
+        <p:nvCxnSpPr>
+          <p:cNvPr id="70" name="Straight Arrow Connector 69">
+            <a:extLst>
+              <a:ext uri="{FF2B5EF4-FFF2-40B4-BE49-F238E27FC236}">
+                <a16:creationId xmlns:a16="http://schemas.microsoft.com/office/drawing/2014/main" id="{1419F927-2C0D-4EAA-31CD-04AF40F81590}"/>
+              </a:ext>
+            </a:extLst>
+          </p:cNvPr>
+          <p:cNvCxnSpPr>
+            <a:cxnSpLocks/>
+            <a:stCxn id="67" idx="1"/>
+            <a:endCxn id="53" idx="3"/>
+          </p:cNvCxnSpPr>
+          <p:nvPr/>
+        </p:nvCxnSpPr>
+        <p:spPr>
+          <a:xfrm flipH="1">
+            <a:off x="7541825" y="2626252"/>
+            <a:ext cx="678711" cy="1"/>
+          </a:xfrm>
+          <a:prstGeom prst="straightConnector1">
+            <a:avLst/>
+          </a:prstGeom>
+          <a:ln w="19050">
+            <a:tailEnd type="triangle"/>
+          </a:ln>
+        </p:spPr>
+        <p:style>
+          <a:lnRef idx="1">
+            <a:schemeClr val="accent1"/>
+          </a:lnRef>
+          <a:fillRef idx="0">
+            <a:schemeClr val="accent1"/>
+          </a:fillRef>
+          <a:effectRef idx="0">
+            <a:schemeClr val="accent1"/>
+          </a:effectRef>
+          <a:fontRef idx="minor">
+            <a:schemeClr val="tx1"/>
+          </a:fontRef>
+        </p:style>
+      </p:cxnSp>
+      <p:sp>
+        <p:nvSpPr>
+          <p:cNvPr id="76" name="Rectangle: Rounded Corners 75">
+            <a:extLst>
+              <a:ext uri="{FF2B5EF4-FFF2-40B4-BE49-F238E27FC236}">
+                <a16:creationId xmlns:a16="http://schemas.microsoft.com/office/drawing/2014/main" id="{EFBE7E73-DC18-6A5C-6BCE-2ED75EB808BA}"/>
+              </a:ext>
+            </a:extLst>
+          </p:cNvPr>
+          <p:cNvSpPr/>
+          <p:nvPr/>
+        </p:nvSpPr>
+        <p:spPr>
+          <a:xfrm>
+            <a:off x="2568727" y="2158666"/>
+            <a:ext cx="2630988" cy="991812"/>
+          </a:xfrm>
+          <a:prstGeom prst="roundRect">
+            <a:avLst/>
+          </a:prstGeom>
+          <a:noFill/>
+          <a:ln w="19050" cap="flat" cmpd="sng" algn="ctr">
+            <a:solidFill>
+              <a:schemeClr val="accent1">
+                <a:lumMod val="75000"/>
+              </a:schemeClr>
+            </a:solidFill>
+            <a:prstDash val="sysDash"/>
+            <a:round/>
+            <a:headEnd type="none" w="med" len="med"/>
+            <a:tailEnd type="none" w="med" len="med"/>
+          </a:ln>
+        </p:spPr>
+        <p:style>
+          <a:lnRef idx="0">
+            <a:scrgbClr r="0" g="0" b="0"/>
+          </a:lnRef>
+          <a:fillRef idx="0">
+            <a:scrgbClr r="0" g="0" b="0"/>
+          </a:fillRef>
+          <a:effectRef idx="0">
+            <a:scrgbClr r="0" g="0" b="0"/>
+          </a:effectRef>
+          <a:fontRef idx="minor">
+            <a:schemeClr val="accent2"/>
+          </a:fontRef>
+        </p:style>
+        <p:txBody>
+          <a:bodyPr rtlCol="0" anchor="ctr"/>
+          <a:lstStyle/>
+          <a:p>
+            <a:pPr algn="ctr"/>
+            <a:endParaRPr lang="en-SG" sz="1200" b="1" dirty="0">
+              <a:solidFill>
+                <a:schemeClr val="tx1"/>
+              </a:solidFill>
+            </a:endParaRPr>
+          </a:p>
+        </p:txBody>
+      </p:sp>
+      <p:sp>
+        <p:nvSpPr>
+          <p:cNvPr id="77" name="Rectangle: Rounded Corners 76">
+            <a:extLst>
+              <a:ext uri="{FF2B5EF4-FFF2-40B4-BE49-F238E27FC236}">
+                <a16:creationId xmlns:a16="http://schemas.microsoft.com/office/drawing/2014/main" id="{DFDA798A-F031-4AD0-9151-FF011A0E5B9A}"/>
+              </a:ext>
+            </a:extLst>
+          </p:cNvPr>
+          <p:cNvSpPr/>
+          <p:nvPr/>
+        </p:nvSpPr>
+        <p:spPr>
+          <a:xfrm>
+            <a:off x="5584618" y="3621035"/>
+            <a:ext cx="2219538" cy="833492"/>
+          </a:xfrm>
+          <a:prstGeom prst="roundRect">
+            <a:avLst/>
+          </a:prstGeom>
+          <a:noFill/>
+          <a:ln w="19050" cap="flat" cmpd="sng" algn="ctr">
+            <a:solidFill>
+              <a:schemeClr val="accent1">
+                <a:lumMod val="75000"/>
+              </a:schemeClr>
+            </a:solidFill>
+            <a:prstDash val="sysDash"/>
+            <a:round/>
+            <a:headEnd type="none" w="med" len="med"/>
+            <a:tailEnd type="none" w="med" len="med"/>
+          </a:ln>
+        </p:spPr>
+        <p:style>
+          <a:lnRef idx="0">
+            <a:scrgbClr r="0" g="0" b="0"/>
+          </a:lnRef>
+          <a:fillRef idx="0">
+            <a:scrgbClr r="0" g="0" b="0"/>
+          </a:fillRef>
+          <a:effectRef idx="0">
+            <a:scrgbClr r="0" g="0" b="0"/>
+          </a:effectRef>
+          <a:fontRef idx="minor">
+            <a:schemeClr val="accent2"/>
+          </a:fontRef>
+        </p:style>
+        <p:txBody>
+          <a:bodyPr rtlCol="0" anchor="ctr"/>
+          <a:lstStyle/>
+          <a:p>
+            <a:pPr algn="ctr"/>
+            <a:endParaRPr lang="en-SG" sz="1200" b="1" dirty="0">
+              <a:solidFill>
+                <a:schemeClr val="tx1"/>
+              </a:solidFill>
+            </a:endParaRPr>
+          </a:p>
+        </p:txBody>
+      </p:sp>
+    </p:spTree>
+    <p:extLst>
+      <p:ext uri="{BB962C8B-B14F-4D97-AF65-F5344CB8AC3E}">
+        <p14:creationId xmlns:p14="http://schemas.microsoft.com/office/powerpoint/2010/main" val="3271524681"/>
+      </p:ext>
+    </p:extLst>
+  </p:cSld>
+  <p:clrMapOvr>
+    <a:masterClrMapping/>
+  </p:clrMapOvr>
+</p:sld>
+</file>
+
+<file path=ppt/slides/slide18.xml><?xml version="1.0" encoding="utf-8"?>
+<p:sld xmlns:a="http://schemas.openxmlformats.org/drawingml/2006/main" xmlns:r="http://schemas.openxmlformats.org/officeDocument/2006/relationships" xmlns:p="http://schemas.openxmlformats.org/presentationml/2006/main">
+  <p:cSld>
+    <p:spTree>
+      <p:nvGrpSpPr>
+        <p:cNvPr id="1" name=""/>
+        <p:cNvGrpSpPr/>
+        <p:nvPr/>
+      </p:nvGrpSpPr>
+      <p:grpSpPr>
+        <a:xfrm>
+          <a:off x="0" y="0"/>
+          <a:ext cx="0" cy="0"/>
+          <a:chOff x="0" y="0"/>
+          <a:chExt cx="0" cy="0"/>
+        </a:xfrm>
+      </p:grpSpPr>
+      <p:sp>
+        <p:nvSpPr>
+          <p:cNvPr id="4" name="Rectangle 3">
+            <a:extLst>
+              <a:ext uri="{FF2B5EF4-FFF2-40B4-BE49-F238E27FC236}">
+                <a16:creationId xmlns:a16="http://schemas.microsoft.com/office/drawing/2014/main" id="{D8DD1451-AD91-CBFA-00B1-D1B8F3614AB8}"/>
+              </a:ext>
+            </a:extLst>
+          </p:cNvPr>
+          <p:cNvSpPr/>
+          <p:nvPr/>
+        </p:nvSpPr>
+        <p:spPr>
+          <a:xfrm>
+            <a:off x="2451941" y="2121011"/>
+            <a:ext cx="2613835" cy="997093"/>
+          </a:xfrm>
+          <a:prstGeom prst="rect">
+            <a:avLst/>
+          </a:prstGeom>
+          <a:ln w="19050">
+            <a:prstDash val="sysDash"/>
+          </a:ln>
+        </p:spPr>
+        <p:style>
+          <a:lnRef idx="2">
+            <a:schemeClr val="accent6"/>
+          </a:lnRef>
+          <a:fillRef idx="1">
+            <a:schemeClr val="lt1"/>
+          </a:fillRef>
+          <a:effectRef idx="0">
+            <a:schemeClr val="accent6"/>
+          </a:effectRef>
+          <a:fontRef idx="minor">
+            <a:schemeClr val="dk1"/>
+          </a:fontRef>
+        </p:style>
+        <p:txBody>
+          <a:bodyPr rtlCol="0" anchor="ctr"/>
+          <a:lstStyle/>
+          <a:p>
+            <a:endParaRPr lang="en-SG" b="1" dirty="0"/>
+          </a:p>
+        </p:txBody>
+      </p:sp>
+      <p:pic>
+        <p:nvPicPr>
+          <p:cNvPr id="5" name="Picture 4">
+            <a:extLst>
+              <a:ext uri="{FF2B5EF4-FFF2-40B4-BE49-F238E27FC236}">
+                <a16:creationId xmlns:a16="http://schemas.microsoft.com/office/drawing/2014/main" id="{04F4D0BF-39B3-B798-ED1D-6A31064C07E8}"/>
+              </a:ext>
+            </a:extLst>
+          </p:cNvPr>
+          <p:cNvPicPr>
+            <a:picLocks noChangeAspect="1"/>
+          </p:cNvPicPr>
+          <p:nvPr/>
+        </p:nvPicPr>
+        <p:blipFill>
+          <a:blip r:embed="rId2"/>
+          <a:stretch>
+            <a:fillRect/>
+          </a:stretch>
+        </p:blipFill>
+        <p:spPr>
+          <a:xfrm>
+            <a:off x="3610268" y="2345385"/>
+            <a:ext cx="355832" cy="427982"/>
+          </a:xfrm>
+          <a:prstGeom prst="rect">
+            <a:avLst/>
+          </a:prstGeom>
+        </p:spPr>
+      </p:pic>
+      <p:sp>
+        <p:nvSpPr>
+          <p:cNvPr id="7" name="TextBox 6">
+            <a:extLst>
+              <a:ext uri="{FF2B5EF4-FFF2-40B4-BE49-F238E27FC236}">
+                <a16:creationId xmlns:a16="http://schemas.microsoft.com/office/drawing/2014/main" id="{31CEDEF5-2CAB-C993-6EC5-0C8CDC2F087D}"/>
+              </a:ext>
+            </a:extLst>
+          </p:cNvPr>
+          <p:cNvSpPr txBox="1"/>
+          <p:nvPr/>
+        </p:nvSpPr>
+        <p:spPr>
+          <a:xfrm>
+            <a:off x="2291072" y="1825973"/>
+            <a:ext cx="2638392" cy="276999"/>
+          </a:xfrm>
+          <a:prstGeom prst="rect">
+            <a:avLst/>
+          </a:prstGeom>
+          <a:noFill/>
+        </p:spPr>
+        <p:txBody>
+          <a:bodyPr wrap="square" rtlCol="0">
+            <a:spAutoFit/>
+          </a:bodyPr>
+          <a:lstStyle/>
+          <a:p>
+            <a:r>
+              <a:rPr lang="en-SG" sz="1200" b="1" dirty="0">
+                <a:effectLst/>
+                <a:ea typeface="Times New Roman" panose="02020603050405020304" pitchFamily="18" charset="0"/>
+              </a:rPr>
+              <a:t>User Action Agents [UAR</a:t>
+            </a:r>
+            <a:r>
+              <a:rPr lang="en-SG" sz="1200" b="1" dirty="0">
+                <a:ea typeface="Times New Roman" panose="02020603050405020304" pitchFamily="18" charset="0"/>
+              </a:rPr>
+              <a:t>]</a:t>
+            </a:r>
+            <a:r>
+              <a:rPr lang="en-SG" sz="1200" b="1" dirty="0">
+                <a:effectLst/>
+                <a:ea typeface="Times New Roman" panose="02020603050405020304" pitchFamily="18" charset="0"/>
+              </a:rPr>
+              <a:t> Repository </a:t>
+            </a:r>
+            <a:r>
+              <a:rPr lang="en-SG" sz="1200" b="1" u="sng" dirty="0">
+                <a:effectLst/>
+                <a:ea typeface="Times New Roman" panose="02020603050405020304" pitchFamily="18" charset="0"/>
+              </a:rPr>
+              <a:t> </a:t>
+            </a:r>
+            <a:endParaRPr lang="en-SG" sz="1200" dirty="0"/>
+          </a:p>
+        </p:txBody>
+      </p:sp>
+      <p:sp>
+        <p:nvSpPr>
+          <p:cNvPr id="8" name="TextBox 7">
+            <a:extLst>
+              <a:ext uri="{FF2B5EF4-FFF2-40B4-BE49-F238E27FC236}">
+                <a16:creationId xmlns:a16="http://schemas.microsoft.com/office/drawing/2014/main" id="{9F9E6393-1A43-DFA2-B110-974E61F17BBC}"/>
+              </a:ext>
+            </a:extLst>
+          </p:cNvPr>
+          <p:cNvSpPr txBox="1"/>
+          <p:nvPr/>
+        </p:nvSpPr>
+        <p:spPr>
+          <a:xfrm>
+            <a:off x="2555897" y="2763958"/>
+            <a:ext cx="896285" cy="246221"/>
+          </a:xfrm>
+          <a:prstGeom prst="rect">
+            <a:avLst/>
+          </a:prstGeom>
+          <a:noFill/>
+        </p:spPr>
+        <p:txBody>
+          <a:bodyPr wrap="square" rtlCol="0">
+            <a:spAutoFit/>
+          </a:bodyPr>
+          <a:lstStyle/>
+          <a:p>
+            <a:r>
+              <a:rPr lang="en-SG" sz="1000" dirty="0"/>
+              <a:t>UAR_[Web]</a:t>
+            </a:r>
+          </a:p>
+        </p:txBody>
+      </p:sp>
+      <p:sp>
+        <p:nvSpPr>
+          <p:cNvPr id="9" name="TextBox 8">
+            <a:extLst>
+              <a:ext uri="{FF2B5EF4-FFF2-40B4-BE49-F238E27FC236}">
+                <a16:creationId xmlns:a16="http://schemas.microsoft.com/office/drawing/2014/main" id="{08B77C9A-152A-D2CF-6431-57E09AC00FFB}"/>
+              </a:ext>
+            </a:extLst>
+          </p:cNvPr>
+          <p:cNvSpPr txBox="1"/>
+          <p:nvPr/>
+        </p:nvSpPr>
+        <p:spPr>
+          <a:xfrm>
+            <a:off x="3452182" y="2763656"/>
+            <a:ext cx="896285" cy="246221"/>
+          </a:xfrm>
+          <a:prstGeom prst="rect">
+            <a:avLst/>
+          </a:prstGeom>
+          <a:noFill/>
+        </p:spPr>
+        <p:txBody>
+          <a:bodyPr wrap="square" rtlCol="0">
+            <a:spAutoFit/>
+          </a:bodyPr>
+          <a:lstStyle/>
+          <a:p>
+            <a:r>
+              <a:rPr lang="en-SG" sz="1000" dirty="0"/>
+              <a:t>UAR_[HW]</a:t>
+            </a:r>
+          </a:p>
+        </p:txBody>
+      </p:sp>
+      <p:pic>
+        <p:nvPicPr>
+          <p:cNvPr id="10" name="Picture 9">
+            <a:extLst>
+              <a:ext uri="{FF2B5EF4-FFF2-40B4-BE49-F238E27FC236}">
+                <a16:creationId xmlns:a16="http://schemas.microsoft.com/office/drawing/2014/main" id="{5AC5431D-6ECD-2703-272B-F50C89818475}"/>
+              </a:ext>
+            </a:extLst>
+          </p:cNvPr>
+          <p:cNvPicPr>
+            <a:picLocks noChangeAspect="1"/>
+          </p:cNvPicPr>
+          <p:nvPr/>
+        </p:nvPicPr>
+        <p:blipFill>
+          <a:blip r:embed="rId2"/>
+          <a:stretch>
+            <a:fillRect/>
+          </a:stretch>
+        </p:blipFill>
+        <p:spPr>
+          <a:xfrm>
+            <a:off x="4417336" y="2345385"/>
+            <a:ext cx="355832" cy="427982"/>
+          </a:xfrm>
+          <a:prstGeom prst="rect">
+            <a:avLst/>
+          </a:prstGeom>
+        </p:spPr>
+      </p:pic>
+      <p:sp>
+        <p:nvSpPr>
+          <p:cNvPr id="11" name="TextBox 10">
+            <a:extLst>
+              <a:ext uri="{FF2B5EF4-FFF2-40B4-BE49-F238E27FC236}">
+                <a16:creationId xmlns:a16="http://schemas.microsoft.com/office/drawing/2014/main" id="{02D5F13F-492A-2B05-3CD3-5C074D9B67D3}"/>
+              </a:ext>
+            </a:extLst>
+          </p:cNvPr>
+          <p:cNvSpPr txBox="1"/>
+          <p:nvPr/>
+        </p:nvSpPr>
+        <p:spPr>
+          <a:xfrm>
+            <a:off x="4273255" y="2763354"/>
+            <a:ext cx="896285" cy="246221"/>
+          </a:xfrm>
+          <a:prstGeom prst="rect">
+            <a:avLst/>
+          </a:prstGeom>
+          <a:noFill/>
+        </p:spPr>
+        <p:txBody>
+          <a:bodyPr wrap="square" rtlCol="0">
+            <a:spAutoFit/>
+          </a:bodyPr>
+          <a:lstStyle/>
+          <a:p>
+            <a:r>
+              <a:rPr lang="en-SG" sz="1000" dirty="0"/>
+              <a:t>UAR_[App]</a:t>
+            </a:r>
+          </a:p>
+        </p:txBody>
+      </p:sp>
+      <p:sp>
+        <p:nvSpPr>
+          <p:cNvPr id="12" name="TextBox 11">
+            <a:extLst>
+              <a:ext uri="{FF2B5EF4-FFF2-40B4-BE49-F238E27FC236}">
+                <a16:creationId xmlns:a16="http://schemas.microsoft.com/office/drawing/2014/main" id="{AD662BE1-8C57-860E-1A1B-D3B71F2F4225}"/>
+              </a:ext>
+            </a:extLst>
+          </p:cNvPr>
+          <p:cNvSpPr txBox="1"/>
+          <p:nvPr/>
+        </p:nvSpPr>
+        <p:spPr>
+          <a:xfrm>
+            <a:off x="3170008" y="2494328"/>
+            <a:ext cx="347472" cy="369332"/>
+          </a:xfrm>
+          <a:prstGeom prst="rect">
+            <a:avLst/>
+          </a:prstGeom>
+          <a:noFill/>
+        </p:spPr>
+        <p:txBody>
+          <a:bodyPr wrap="square" rtlCol="0">
+            <a:spAutoFit/>
+          </a:bodyPr>
+          <a:lstStyle/>
+          <a:p>
+            <a:r>
+              <a:rPr lang="en-SG" dirty="0"/>
+              <a:t>…</a:t>
+            </a:r>
+          </a:p>
+        </p:txBody>
+      </p:sp>
+      <p:pic>
+        <p:nvPicPr>
+          <p:cNvPr id="13" name="Picture 12">
+            <a:extLst>
+              <a:ext uri="{FF2B5EF4-FFF2-40B4-BE49-F238E27FC236}">
+                <a16:creationId xmlns:a16="http://schemas.microsoft.com/office/drawing/2014/main" id="{CC77102F-8DC1-9BBB-31DE-3EE9B4B80E2E}"/>
+              </a:ext>
+            </a:extLst>
+          </p:cNvPr>
+          <p:cNvPicPr>
+            <a:picLocks noChangeAspect="1"/>
+          </p:cNvPicPr>
+          <p:nvPr/>
+        </p:nvPicPr>
+        <p:blipFill>
+          <a:blip r:embed="rId2"/>
+          <a:stretch>
+            <a:fillRect/>
+          </a:stretch>
+        </p:blipFill>
+        <p:spPr>
+          <a:xfrm>
+            <a:off x="2823235" y="2280337"/>
+            <a:ext cx="355832" cy="427982"/>
+          </a:xfrm>
+          <a:prstGeom prst="rect">
+            <a:avLst/>
+          </a:prstGeom>
+        </p:spPr>
+      </p:pic>
+      <p:pic>
+        <p:nvPicPr>
+          <p:cNvPr id="6" name="Picture 5">
+            <a:extLst>
+              <a:ext uri="{FF2B5EF4-FFF2-40B4-BE49-F238E27FC236}">
+                <a16:creationId xmlns:a16="http://schemas.microsoft.com/office/drawing/2014/main" id="{3DF9721C-5A0D-BD8F-BA65-3195D6B8A603}"/>
+              </a:ext>
+            </a:extLst>
+          </p:cNvPr>
+          <p:cNvPicPr>
+            <a:picLocks noChangeAspect="1"/>
+          </p:cNvPicPr>
+          <p:nvPr/>
+        </p:nvPicPr>
+        <p:blipFill>
+          <a:blip r:embed="rId2"/>
+          <a:stretch>
+            <a:fillRect/>
+          </a:stretch>
+        </p:blipFill>
+        <p:spPr>
+          <a:xfrm>
+            <a:off x="2710412" y="2327843"/>
+            <a:ext cx="355832" cy="427982"/>
+          </a:xfrm>
+          <a:prstGeom prst="rect">
+            <a:avLst/>
+          </a:prstGeom>
+        </p:spPr>
+      </p:pic>
+      <p:sp>
+        <p:nvSpPr>
+          <p:cNvPr id="14" name="TextBox 13">
+            <a:extLst>
+              <a:ext uri="{FF2B5EF4-FFF2-40B4-BE49-F238E27FC236}">
+                <a16:creationId xmlns:a16="http://schemas.microsoft.com/office/drawing/2014/main" id="{CFE70FE2-9D5B-4796-06C1-76C508A0051C}"/>
+              </a:ext>
+            </a:extLst>
+          </p:cNvPr>
+          <p:cNvSpPr txBox="1"/>
+          <p:nvPr/>
+        </p:nvSpPr>
+        <p:spPr>
+          <a:xfrm>
+            <a:off x="4020312" y="2503274"/>
+            <a:ext cx="347472" cy="369332"/>
+          </a:xfrm>
+          <a:prstGeom prst="rect">
+            <a:avLst/>
+          </a:prstGeom>
+          <a:noFill/>
+        </p:spPr>
+        <p:txBody>
+          <a:bodyPr wrap="square" rtlCol="0">
+            <a:spAutoFit/>
+          </a:bodyPr>
+          <a:lstStyle/>
+          <a:p>
+            <a:r>
+              <a:rPr lang="en-SG" dirty="0"/>
+              <a:t>…</a:t>
+            </a:r>
+          </a:p>
+        </p:txBody>
+      </p:sp>
+      <p:sp>
+        <p:nvSpPr>
+          <p:cNvPr id="18" name="Arrow: Left-Right 17">
+            <a:extLst>
+              <a:ext uri="{FF2B5EF4-FFF2-40B4-BE49-F238E27FC236}">
+                <a16:creationId xmlns:a16="http://schemas.microsoft.com/office/drawing/2014/main" id="{6136EF72-86D5-57AD-956B-4A92DA78D366}"/>
+              </a:ext>
+            </a:extLst>
+          </p:cNvPr>
+          <p:cNvSpPr/>
+          <p:nvPr/>
+        </p:nvSpPr>
+        <p:spPr>
+          <a:xfrm rot="5400000">
+            <a:off x="3583395" y="3410317"/>
+            <a:ext cx="520021" cy="121368"/>
+          </a:xfrm>
+          <a:prstGeom prst="leftRightArrow">
+            <a:avLst/>
+          </a:prstGeom>
+          <a:solidFill>
+            <a:schemeClr val="bg1"/>
+          </a:solidFill>
+          <a:ln w="19050"/>
+        </p:spPr>
+        <p:style>
+          <a:lnRef idx="2">
+            <a:schemeClr val="accent1">
+              <a:shade val="50000"/>
+            </a:schemeClr>
+          </a:lnRef>
+          <a:fillRef idx="1">
+            <a:schemeClr val="accent1"/>
+          </a:fillRef>
+          <a:effectRef idx="0">
+            <a:schemeClr val="accent1"/>
+          </a:effectRef>
+          <a:fontRef idx="minor">
+            <a:schemeClr val="lt1"/>
+          </a:fontRef>
+        </p:style>
+        <p:txBody>
+          <a:bodyPr rtlCol="0" anchor="ctr"/>
+          <a:lstStyle/>
+          <a:p>
+            <a:pPr algn="ctr"/>
+            <a:endParaRPr lang="en-SG" dirty="0">
+              <a:solidFill>
+                <a:schemeClr val="bg1"/>
+              </a:solidFill>
+            </a:endParaRPr>
+          </a:p>
+        </p:txBody>
+      </p:sp>
+      <p:pic>
+        <p:nvPicPr>
+          <p:cNvPr id="19" name="Picture 18">
+            <a:extLst>
+              <a:ext uri="{FF2B5EF4-FFF2-40B4-BE49-F238E27FC236}">
+                <a16:creationId xmlns:a16="http://schemas.microsoft.com/office/drawing/2014/main" id="{43DF75AF-53E9-8D1A-1078-3DD9BAACFA44}"/>
+              </a:ext>
+            </a:extLst>
+          </p:cNvPr>
+          <p:cNvPicPr>
+            <a:picLocks noChangeAspect="1"/>
+          </p:cNvPicPr>
+          <p:nvPr/>
+        </p:nvPicPr>
+        <p:blipFill>
+          <a:blip r:embed="rId3"/>
+          <a:stretch>
+            <a:fillRect/>
+          </a:stretch>
+        </p:blipFill>
+        <p:spPr>
+          <a:xfrm>
+            <a:off x="1492604" y="3898023"/>
+            <a:ext cx="411108" cy="424159"/>
+          </a:xfrm>
+          <a:prstGeom prst="rect">
+            <a:avLst/>
+          </a:prstGeom>
+          <a:ln w="3175">
+            <a:solidFill>
+              <a:schemeClr val="tx1"/>
+            </a:solidFill>
+          </a:ln>
+        </p:spPr>
+      </p:pic>
+      <p:sp>
+        <p:nvSpPr>
+          <p:cNvPr id="20" name="TextBox 19">
+            <a:extLst>
+              <a:ext uri="{FF2B5EF4-FFF2-40B4-BE49-F238E27FC236}">
+                <a16:creationId xmlns:a16="http://schemas.microsoft.com/office/drawing/2014/main" id="{5F5C525F-1342-C9DE-33E7-54A8C92CCD7B}"/>
+              </a:ext>
+            </a:extLst>
+          </p:cNvPr>
+          <p:cNvSpPr txBox="1"/>
+          <p:nvPr/>
+        </p:nvSpPr>
+        <p:spPr>
+          <a:xfrm>
+            <a:off x="1220044" y="3621034"/>
+            <a:ext cx="956227" cy="276999"/>
+          </a:xfrm>
+          <a:prstGeom prst="rect">
+            <a:avLst/>
+          </a:prstGeom>
+          <a:noFill/>
+        </p:spPr>
+        <p:txBody>
+          <a:bodyPr wrap="square" rtlCol="0">
+            <a:spAutoFit/>
+          </a:bodyPr>
+          <a:lstStyle/>
+          <a:p>
+            <a:r>
+              <a:rPr lang="en-US" sz="1200" b="1" dirty="0"/>
+              <a:t>User profile  </a:t>
+            </a:r>
+            <a:endParaRPr lang="en-SG" sz="1200" dirty="0"/>
+          </a:p>
+        </p:txBody>
+      </p:sp>
+      <p:cxnSp>
+        <p:nvCxnSpPr>
+          <p:cNvPr id="21" name="Straight Arrow Connector 20">
+            <a:extLst>
+              <a:ext uri="{FF2B5EF4-FFF2-40B4-BE49-F238E27FC236}">
+                <a16:creationId xmlns:a16="http://schemas.microsoft.com/office/drawing/2014/main" id="{73EBCA76-A48F-F890-2FC5-49BF0ADEC537}"/>
+              </a:ext>
+            </a:extLst>
+          </p:cNvPr>
+          <p:cNvCxnSpPr>
+            <a:cxnSpLocks/>
+          </p:cNvCxnSpPr>
+          <p:nvPr/>
+        </p:nvCxnSpPr>
+        <p:spPr>
+          <a:xfrm>
+            <a:off x="1998246" y="4110101"/>
+            <a:ext cx="1002905" cy="0"/>
+          </a:xfrm>
+          <a:prstGeom prst="straightConnector1">
+            <a:avLst/>
+          </a:prstGeom>
+          <a:ln w="19050">
+            <a:tailEnd type="triangle"/>
+          </a:ln>
+        </p:spPr>
+        <p:style>
+          <a:lnRef idx="1">
+            <a:schemeClr val="accent1"/>
+          </a:lnRef>
+          <a:fillRef idx="0">
+            <a:schemeClr val="accent1"/>
+          </a:fillRef>
+          <a:effectRef idx="0">
+            <a:schemeClr val="accent1"/>
+          </a:effectRef>
+          <a:fontRef idx="minor">
+            <a:schemeClr val="tx1"/>
+          </a:fontRef>
+        </p:style>
+      </p:cxnSp>
+      <p:sp>
+        <p:nvSpPr>
+          <p:cNvPr id="23" name="Rectangle: Rounded Corners 22">
+            <a:extLst>
+              <a:ext uri="{FF2B5EF4-FFF2-40B4-BE49-F238E27FC236}">
+                <a16:creationId xmlns:a16="http://schemas.microsoft.com/office/drawing/2014/main" id="{64F9C992-5B41-8D07-9793-289F939C8803}"/>
+              </a:ext>
+            </a:extLst>
+          </p:cNvPr>
+          <p:cNvSpPr/>
+          <p:nvPr/>
+        </p:nvSpPr>
+        <p:spPr>
+          <a:xfrm>
+            <a:off x="3054269" y="3791518"/>
+            <a:ext cx="1654976" cy="637167"/>
+          </a:xfrm>
+          <a:prstGeom prst="roundRect">
+            <a:avLst/>
+          </a:prstGeom>
+          <a:noFill/>
+          <a:ln w="19050" cap="flat" cmpd="sng" algn="ctr">
+            <a:solidFill>
+              <a:schemeClr val="accent1">
+                <a:lumMod val="75000"/>
+              </a:schemeClr>
+            </a:solidFill>
+            <a:prstDash val="solid"/>
+            <a:round/>
+            <a:headEnd type="none" w="med" len="med"/>
+            <a:tailEnd type="none" w="med" len="med"/>
+          </a:ln>
+        </p:spPr>
+        <p:style>
+          <a:lnRef idx="0">
+            <a:scrgbClr r="0" g="0" b="0"/>
+          </a:lnRef>
+          <a:fillRef idx="0">
+            <a:scrgbClr r="0" g="0" b="0"/>
+          </a:fillRef>
+          <a:effectRef idx="0">
+            <a:scrgbClr r="0" g="0" b="0"/>
+          </a:effectRef>
+          <a:fontRef idx="minor">
+            <a:schemeClr val="accent2"/>
+          </a:fontRef>
+        </p:style>
+        <p:txBody>
+          <a:bodyPr rtlCol="0" anchor="ctr"/>
+          <a:lstStyle/>
+          <a:p>
+            <a:pPr algn="ctr"/>
+            <a:r>
+              <a:rPr lang="en-SG" sz="1200" b="1" dirty="0">
+                <a:solidFill>
+                  <a:schemeClr val="tx1"/>
+                </a:solidFill>
+              </a:rPr>
+              <a:t>User Profile Emulator [UPE] </a:t>
+            </a:r>
+          </a:p>
+        </p:txBody>
+      </p:sp>
+      <p:sp>
+        <p:nvSpPr>
+          <p:cNvPr id="28" name="Rectangle 27">
+            <a:extLst>
+              <a:ext uri="{FF2B5EF4-FFF2-40B4-BE49-F238E27FC236}">
+                <a16:creationId xmlns:a16="http://schemas.microsoft.com/office/drawing/2014/main" id="{C1955375-D852-FF24-7492-DE192609D050}"/>
+              </a:ext>
+            </a:extLst>
+          </p:cNvPr>
+          <p:cNvSpPr/>
+          <p:nvPr/>
+        </p:nvSpPr>
+        <p:spPr>
+          <a:xfrm>
+            <a:off x="5579748" y="3680879"/>
+            <a:ext cx="2369995" cy="750371"/>
+          </a:xfrm>
+          <a:prstGeom prst="rect">
+            <a:avLst/>
+          </a:prstGeom>
+          <a:ln w="19050">
+            <a:prstDash val="sysDash"/>
+          </a:ln>
+        </p:spPr>
+        <p:style>
+          <a:lnRef idx="2">
+            <a:schemeClr val="accent6"/>
+          </a:lnRef>
+          <a:fillRef idx="1">
+            <a:schemeClr val="lt1"/>
+          </a:fillRef>
+          <a:effectRef idx="0">
+            <a:schemeClr val="accent6"/>
+          </a:effectRef>
+          <a:fontRef idx="minor">
+            <a:schemeClr val="dk1"/>
+          </a:fontRef>
+        </p:style>
+        <p:txBody>
+          <a:bodyPr rtlCol="0" anchor="ctr"/>
+          <a:lstStyle/>
+          <a:p>
+            <a:endParaRPr lang="en-SG" b="1" dirty="0"/>
+          </a:p>
+        </p:txBody>
+      </p:sp>
+      <p:sp>
+        <p:nvSpPr>
+          <p:cNvPr id="29" name="Arrow: Right 28">
+            <a:extLst>
+              <a:ext uri="{FF2B5EF4-FFF2-40B4-BE49-F238E27FC236}">
+                <a16:creationId xmlns:a16="http://schemas.microsoft.com/office/drawing/2014/main" id="{167339C1-602C-91B8-3CD4-86E66BAC2839}"/>
+              </a:ext>
+            </a:extLst>
+          </p:cNvPr>
+          <p:cNvSpPr/>
+          <p:nvPr/>
+        </p:nvSpPr>
+        <p:spPr>
+          <a:xfrm>
+            <a:off x="4801659" y="4014845"/>
+            <a:ext cx="691367" cy="120133"/>
+          </a:xfrm>
+          <a:prstGeom prst="rightArrow">
+            <a:avLst/>
+          </a:prstGeom>
+          <a:solidFill>
+            <a:schemeClr val="bg1"/>
+          </a:solidFill>
+          <a:ln w="19050"/>
+        </p:spPr>
+        <p:style>
+          <a:lnRef idx="2">
+            <a:schemeClr val="accent1">
+              <a:shade val="50000"/>
+            </a:schemeClr>
+          </a:lnRef>
+          <a:fillRef idx="1">
+            <a:schemeClr val="accent1"/>
+          </a:fillRef>
+          <a:effectRef idx="0">
+            <a:schemeClr val="accent1"/>
+          </a:effectRef>
+          <a:fontRef idx="minor">
+            <a:schemeClr val="lt1"/>
+          </a:fontRef>
+        </p:style>
+        <p:txBody>
+          <a:bodyPr rtlCol="0" anchor="ctr"/>
+          <a:lstStyle/>
+          <a:p>
+            <a:pPr algn="ctr"/>
+            <a:endParaRPr lang="en-SG" dirty="0"/>
+          </a:p>
+        </p:txBody>
+      </p:sp>
+      <p:sp>
+        <p:nvSpPr>
+          <p:cNvPr id="38" name="TextBox 37">
+            <a:extLst>
+              <a:ext uri="{FF2B5EF4-FFF2-40B4-BE49-F238E27FC236}">
+                <a16:creationId xmlns:a16="http://schemas.microsoft.com/office/drawing/2014/main" id="{872F52B7-AB8F-47B4-3D2C-91249D24784B}"/>
+              </a:ext>
+            </a:extLst>
+          </p:cNvPr>
+          <p:cNvSpPr txBox="1"/>
+          <p:nvPr/>
+        </p:nvSpPr>
+        <p:spPr>
+          <a:xfrm>
+            <a:off x="5579748" y="4208306"/>
+            <a:ext cx="1803521" cy="246221"/>
+          </a:xfrm>
+          <a:prstGeom prst="rect">
+            <a:avLst/>
+          </a:prstGeom>
+          <a:noFill/>
+        </p:spPr>
+        <p:txBody>
+          <a:bodyPr wrap="square" rtlCol="0">
+            <a:spAutoFit/>
+          </a:bodyPr>
+          <a:lstStyle/>
+          <a:p>
+            <a:r>
+              <a:rPr lang="en-SG" sz="1000" dirty="0"/>
+              <a:t>Automatic Actions Program</a:t>
+            </a:r>
+          </a:p>
+        </p:txBody>
+      </p:sp>
+      <p:cxnSp>
+        <p:nvCxnSpPr>
+          <p:cNvPr id="40" name="Straight Arrow Connector 39">
+            <a:extLst>
+              <a:ext uri="{FF2B5EF4-FFF2-40B4-BE49-F238E27FC236}">
+                <a16:creationId xmlns:a16="http://schemas.microsoft.com/office/drawing/2014/main" id="{4979912A-E255-C75F-CEF9-67C6E1999DEA}"/>
+              </a:ext>
+            </a:extLst>
+          </p:cNvPr>
+          <p:cNvCxnSpPr>
+            <a:cxnSpLocks/>
+          </p:cNvCxnSpPr>
+          <p:nvPr/>
+        </p:nvCxnSpPr>
+        <p:spPr>
+          <a:xfrm>
+            <a:off x="6187226" y="4043129"/>
+            <a:ext cx="186545" cy="0"/>
+          </a:xfrm>
+          <a:prstGeom prst="straightConnector1">
+            <a:avLst/>
+          </a:prstGeom>
+          <a:ln w="19050">
+            <a:tailEnd type="triangle"/>
+          </a:ln>
+        </p:spPr>
+        <p:style>
+          <a:lnRef idx="1">
+            <a:schemeClr val="dk1"/>
+          </a:lnRef>
+          <a:fillRef idx="0">
+            <a:schemeClr val="dk1"/>
+          </a:fillRef>
+          <a:effectRef idx="0">
+            <a:schemeClr val="dk1"/>
+          </a:effectRef>
+          <a:fontRef idx="minor">
+            <a:schemeClr val="tx1"/>
+          </a:fontRef>
+        </p:style>
+      </p:cxnSp>
+      <p:cxnSp>
+        <p:nvCxnSpPr>
+          <p:cNvPr id="43" name="Straight Arrow Connector 42">
+            <a:extLst>
+              <a:ext uri="{FF2B5EF4-FFF2-40B4-BE49-F238E27FC236}">
+                <a16:creationId xmlns:a16="http://schemas.microsoft.com/office/drawing/2014/main" id="{FF31F093-E2C1-E13A-5E65-7F08733FC59C}"/>
+              </a:ext>
+            </a:extLst>
+          </p:cNvPr>
+          <p:cNvCxnSpPr>
+            <a:cxnSpLocks/>
+          </p:cNvCxnSpPr>
+          <p:nvPr/>
+        </p:nvCxnSpPr>
+        <p:spPr>
+          <a:xfrm>
+            <a:off x="6771181" y="3901503"/>
+            <a:ext cx="243707" cy="0"/>
+          </a:xfrm>
+          <a:prstGeom prst="straightConnector1">
+            <a:avLst/>
+          </a:prstGeom>
+          <a:ln w="19050">
+            <a:tailEnd type="triangle"/>
+          </a:ln>
+        </p:spPr>
+        <p:style>
+          <a:lnRef idx="1">
+            <a:schemeClr val="dk1"/>
+          </a:lnRef>
+          <a:fillRef idx="0">
+            <a:schemeClr val="dk1"/>
+          </a:fillRef>
+          <a:effectRef idx="0">
+            <a:schemeClr val="dk1"/>
+          </a:effectRef>
+          <a:fontRef idx="minor">
+            <a:schemeClr val="tx1"/>
+          </a:fontRef>
+        </p:style>
+      </p:cxnSp>
+      <p:cxnSp>
+        <p:nvCxnSpPr>
+          <p:cNvPr id="47" name="Straight Arrow Connector 46">
+            <a:extLst>
+              <a:ext uri="{FF2B5EF4-FFF2-40B4-BE49-F238E27FC236}">
+                <a16:creationId xmlns:a16="http://schemas.microsoft.com/office/drawing/2014/main" id="{A65A17B2-19D7-FA6D-A338-A233275165D9}"/>
+              </a:ext>
+            </a:extLst>
+          </p:cNvPr>
+          <p:cNvCxnSpPr>
+            <a:cxnSpLocks/>
+          </p:cNvCxnSpPr>
+          <p:nvPr/>
+        </p:nvCxnSpPr>
+        <p:spPr>
+          <a:xfrm>
+            <a:off x="6771181" y="4083740"/>
+            <a:ext cx="163945" cy="0"/>
+          </a:xfrm>
+          <a:prstGeom prst="straightConnector1">
+            <a:avLst/>
+          </a:prstGeom>
+          <a:ln w="19050">
+            <a:tailEnd type="triangle"/>
+          </a:ln>
+        </p:spPr>
+        <p:style>
+          <a:lnRef idx="1">
+            <a:schemeClr val="dk1"/>
+          </a:lnRef>
+          <a:fillRef idx="0">
+            <a:schemeClr val="dk1"/>
+          </a:fillRef>
+          <a:effectRef idx="0">
+            <a:schemeClr val="dk1"/>
+          </a:effectRef>
+          <a:fontRef idx="minor">
+            <a:schemeClr val="tx1"/>
+          </a:fontRef>
+        </p:style>
+      </p:cxnSp>
+      <p:cxnSp>
+        <p:nvCxnSpPr>
+          <p:cNvPr id="50" name="Straight Arrow Connector 49">
+            <a:extLst>
+              <a:ext uri="{FF2B5EF4-FFF2-40B4-BE49-F238E27FC236}">
+                <a16:creationId xmlns:a16="http://schemas.microsoft.com/office/drawing/2014/main" id="{6625841B-FDB9-46CD-21C3-F8D75D7D7ACB}"/>
+              </a:ext>
+            </a:extLst>
+          </p:cNvPr>
+          <p:cNvCxnSpPr>
+            <a:cxnSpLocks/>
+          </p:cNvCxnSpPr>
+          <p:nvPr/>
+        </p:nvCxnSpPr>
+        <p:spPr>
+          <a:xfrm>
+            <a:off x="7342778" y="4128766"/>
+            <a:ext cx="163945" cy="0"/>
+          </a:xfrm>
+          <a:prstGeom prst="straightConnector1">
+            <a:avLst/>
+          </a:prstGeom>
+          <a:ln w="19050">
+            <a:tailEnd type="triangle"/>
+          </a:ln>
+        </p:spPr>
+        <p:style>
+          <a:lnRef idx="1">
+            <a:schemeClr val="dk1"/>
+          </a:lnRef>
+          <a:fillRef idx="0">
+            <a:schemeClr val="dk1"/>
+          </a:fillRef>
+          <a:effectRef idx="0">
+            <a:schemeClr val="dk1"/>
+          </a:effectRef>
+          <a:fontRef idx="minor">
+            <a:schemeClr val="tx1"/>
+          </a:fontRef>
+        </p:style>
+      </p:cxnSp>
+      <p:sp>
+        <p:nvSpPr>
+          <p:cNvPr id="51" name="TextBox 50">
+            <a:extLst>
+              <a:ext uri="{FF2B5EF4-FFF2-40B4-BE49-F238E27FC236}">
+                <a16:creationId xmlns:a16="http://schemas.microsoft.com/office/drawing/2014/main" id="{7AFE76E0-D685-F7CC-5E93-35053568B8BF}"/>
+              </a:ext>
+            </a:extLst>
+          </p:cNvPr>
+          <p:cNvSpPr txBox="1"/>
+          <p:nvPr/>
+        </p:nvSpPr>
+        <p:spPr>
+          <a:xfrm>
+            <a:off x="7492511" y="3943633"/>
+            <a:ext cx="347472" cy="369332"/>
+          </a:xfrm>
+          <a:prstGeom prst="rect">
+            <a:avLst/>
+          </a:prstGeom>
+          <a:noFill/>
+        </p:spPr>
+        <p:txBody>
+          <a:bodyPr wrap="square" rtlCol="0">
+            <a:spAutoFit/>
+          </a:bodyPr>
+          <a:lstStyle/>
+          <a:p>
+            <a:r>
+              <a:rPr lang="en-SG" dirty="0"/>
+              <a:t>…</a:t>
+            </a:r>
+          </a:p>
+        </p:txBody>
+      </p:sp>
+      <p:sp>
+        <p:nvSpPr>
+          <p:cNvPr id="52" name="TextBox 51">
+            <a:extLst>
+              <a:ext uri="{FF2B5EF4-FFF2-40B4-BE49-F238E27FC236}">
+                <a16:creationId xmlns:a16="http://schemas.microsoft.com/office/drawing/2014/main" id="{556D929D-D6DC-9D00-8A1C-D7FBFE824535}"/>
+              </a:ext>
+            </a:extLst>
+          </p:cNvPr>
+          <p:cNvSpPr txBox="1"/>
+          <p:nvPr/>
+        </p:nvSpPr>
+        <p:spPr>
+          <a:xfrm>
+            <a:off x="5476398" y="4417005"/>
+            <a:ext cx="2178024" cy="276999"/>
+          </a:xfrm>
+          <a:prstGeom prst="rect">
+            <a:avLst/>
+          </a:prstGeom>
+          <a:noFill/>
+        </p:spPr>
+        <p:txBody>
+          <a:bodyPr wrap="square" rtlCol="0">
+            <a:spAutoFit/>
+          </a:bodyPr>
+          <a:lstStyle/>
+          <a:p>
+            <a:r>
+              <a:rPr lang="en-SG" sz="1200" b="1" dirty="0"/>
+              <a:t>Modelled Actions Chain/Tree </a:t>
+            </a:r>
+          </a:p>
+        </p:txBody>
+      </p:sp>
+      <p:sp>
+        <p:nvSpPr>
+          <p:cNvPr id="53" name="Rectangle: Rounded Corners 52">
+            <a:extLst>
+              <a:ext uri="{FF2B5EF4-FFF2-40B4-BE49-F238E27FC236}">
+                <a16:creationId xmlns:a16="http://schemas.microsoft.com/office/drawing/2014/main" id="{E8C79FE5-052C-E398-4845-6CB49FDE4954}"/>
+              </a:ext>
+            </a:extLst>
+          </p:cNvPr>
+          <p:cNvSpPr/>
+          <p:nvPr/>
+        </p:nvSpPr>
+        <p:spPr>
+          <a:xfrm>
+            <a:off x="5886849" y="2307669"/>
+            <a:ext cx="1654976" cy="637167"/>
+          </a:xfrm>
+          <a:prstGeom prst="roundRect">
+            <a:avLst/>
+          </a:prstGeom>
+          <a:noFill/>
+          <a:ln w="19050" cap="flat" cmpd="sng" algn="ctr">
+            <a:solidFill>
+              <a:schemeClr val="accent1">
+                <a:lumMod val="75000"/>
+              </a:schemeClr>
+            </a:solidFill>
+            <a:prstDash val="solid"/>
+            <a:round/>
+            <a:headEnd type="none" w="med" len="med"/>
+            <a:tailEnd type="none" w="med" len="med"/>
+          </a:ln>
+        </p:spPr>
+        <p:style>
+          <a:lnRef idx="0">
+            <a:scrgbClr r="0" g="0" b="0"/>
+          </a:lnRef>
+          <a:fillRef idx="0">
+            <a:scrgbClr r="0" g="0" b="0"/>
+          </a:fillRef>
+          <a:effectRef idx="0">
+            <a:scrgbClr r="0" g="0" b="0"/>
+          </a:effectRef>
+          <a:fontRef idx="minor">
+            <a:schemeClr val="accent2"/>
+          </a:fontRef>
+        </p:style>
+        <p:txBody>
+          <a:bodyPr rtlCol="0" anchor="ctr"/>
+          <a:lstStyle/>
+          <a:p>
+            <a:pPr algn="ctr"/>
+            <a:r>
+              <a:rPr lang="en-SG" sz="1200" b="1" dirty="0">
+                <a:solidFill>
+                  <a:schemeClr val="tx1"/>
+                </a:solidFill>
+              </a:rPr>
               <a:t>Scheduler Monitor </a:t>
             </a:r>
             <a:r>
@@ -24226,7 +25604,7 @@
 </p:sld>
 </file>
 
-<file path=ppt/slides/slide18.xml><?xml version="1.0" encoding="utf-8"?>
+<file path=ppt/slides/slide19.xml><?xml version="1.0" encoding="utf-8"?>
 <p:sld xmlns:a="http://schemas.openxmlformats.org/drawingml/2006/main" xmlns:r="http://schemas.openxmlformats.org/officeDocument/2006/relationships" xmlns:p="http://schemas.openxmlformats.org/presentationml/2006/main">
   <p:cSld>
     <p:spTree>
